--- a/IDEAS.pptx
+++ b/IDEAS.pptx
@@ -5,28 +5,15 @@
     <p:sldMasterId id="2147483648" r:id="rId1"/>
   </p:sldMasterIdLst>
   <p:sldIdLst>
-    <p:sldId id="256" r:id="rId2"/>
-    <p:sldId id="257" r:id="rId3"/>
-    <p:sldId id="258" r:id="rId4"/>
-    <p:sldId id="259" r:id="rId5"/>
-    <p:sldId id="260" r:id="rId6"/>
-    <p:sldId id="261" r:id="rId7"/>
-    <p:sldId id="262" r:id="rId8"/>
-    <p:sldId id="263" r:id="rId9"/>
-    <p:sldId id="264" r:id="rId10"/>
-    <p:sldId id="265" r:id="rId11"/>
-    <p:sldId id="266" r:id="rId12"/>
-    <p:sldId id="267" r:id="rId13"/>
-    <p:sldId id="268" r:id="rId14"/>
-    <p:sldId id="269" r:id="rId15"/>
-    <p:sldId id="270" r:id="rId16"/>
-    <p:sldId id="271" r:id="rId17"/>
-    <p:sldId id="274" r:id="rId18"/>
-    <p:sldId id="272" r:id="rId19"/>
-    <p:sldId id="273" r:id="rId20"/>
-    <p:sldId id="275" r:id="rId21"/>
-    <p:sldId id="276" r:id="rId22"/>
-    <p:sldId id="277" r:id="rId23"/>
+    <p:sldId id="274" r:id="rId2"/>
+    <p:sldId id="272" r:id="rId3"/>
+    <p:sldId id="273" r:id="rId4"/>
+    <p:sldId id="275" r:id="rId5"/>
+    <p:sldId id="276" r:id="rId6"/>
+    <p:sldId id="278" r:id="rId7"/>
+    <p:sldId id="279" r:id="rId8"/>
+    <p:sldId id="280" r:id="rId9"/>
+    <p:sldId id="277" r:id="rId10"/>
   </p:sldIdLst>
   <p:sldSz cx="10080625" cy="5670550"/>
   <p:notesSz cx="7559675" cy="10691813"/>
@@ -136,7 +123,7 @@
 <file path=ppt/revisionInfo.xml><?xml version="1.0" encoding="utf-8"?>
 <p1510:revInfo xmlns:a="http://schemas.openxmlformats.org/drawingml/2006/main" xmlns:r="http://schemas.openxmlformats.org/officeDocument/2006/relationships" xmlns:p1510="http://schemas.microsoft.com/office/powerpoint/2015/10/main">
   <p1510:revLst>
-    <p1510:client id="{E0FCE498-436C-452E-8F35-31F940273654}" v="143" dt="2023-10-03T15:49:24.415"/>
+    <p1510:client id="{E0FCE498-436C-452E-8F35-31F940273654}" v="147" dt="2023-10-04T13:08:39.255"/>
   </p1510:revLst>
 </p1510:revInfo>
 </file>
@@ -146,12 +133,26 @@
   <pc:docChgLst>
     <pc:chgData name="Mikel Val Calvo" userId="fe91f099-abc8-4cd4-aa91-cb0b8d6e5228" providerId="ADAL" clId="{E0FCE498-436C-452E-8F35-31F940273654}"/>
     <pc:docChg chg="undo custSel mod addSld delSld modSld sldOrd">
-      <pc:chgData name="Mikel Val Calvo" userId="fe91f099-abc8-4cd4-aa91-cb0b8d6e5228" providerId="ADAL" clId="{E0FCE498-436C-452E-8F35-31F940273654}" dt="2023-10-03T16:32:49.725" v="5019"/>
+      <pc:chgData name="Mikel Val Calvo" userId="fe91f099-abc8-4cd4-aa91-cb0b8d6e5228" providerId="ADAL" clId="{E0FCE498-436C-452E-8F35-31F940273654}" dt="2023-10-04T13:31:06.486" v="5721" actId="47"/>
       <pc:docMkLst>
         <pc:docMk/>
       </pc:docMkLst>
-      <pc:sldChg chg="modSp mod">
-        <pc:chgData name="Mikel Val Calvo" userId="fe91f099-abc8-4cd4-aa91-cb0b8d6e5228" providerId="ADAL" clId="{E0FCE498-436C-452E-8F35-31F940273654}" dt="2023-10-03T09:22:50.285" v="9" actId="1076"/>
+      <pc:sldChg chg="del">
+        <pc:chgData name="Mikel Val Calvo" userId="fe91f099-abc8-4cd4-aa91-cb0b8d6e5228" providerId="ADAL" clId="{E0FCE498-436C-452E-8F35-31F940273654}" dt="2023-10-04T13:31:06.486" v="5721" actId="47"/>
+        <pc:sldMkLst>
+          <pc:docMk/>
+          <pc:sldMk cId="198092730" sldId="256"/>
+        </pc:sldMkLst>
+      </pc:sldChg>
+      <pc:sldChg chg="del">
+        <pc:chgData name="Mikel Val Calvo" userId="fe91f099-abc8-4cd4-aa91-cb0b8d6e5228" providerId="ADAL" clId="{E0FCE498-436C-452E-8F35-31F940273654}" dt="2023-10-04T13:31:06.486" v="5721" actId="47"/>
+        <pc:sldMkLst>
+          <pc:docMk/>
+          <pc:sldMk cId="1053164907" sldId="257"/>
+        </pc:sldMkLst>
+      </pc:sldChg>
+      <pc:sldChg chg="modSp del mod">
+        <pc:chgData name="Mikel Val Calvo" userId="fe91f099-abc8-4cd4-aa91-cb0b8d6e5228" providerId="ADAL" clId="{E0FCE498-436C-452E-8F35-31F940273654}" dt="2023-10-04T13:31:06.486" v="5721" actId="47"/>
         <pc:sldMkLst>
           <pc:docMk/>
           <pc:sldMk cId="1560773898" sldId="258"/>
@@ -164,6 +165,97 @@
             <ac:picMk id="3" creationId="{7EB3EA63-2B9C-9854-0E30-A94388AB3BF9}"/>
           </ac:picMkLst>
         </pc:picChg>
+      </pc:sldChg>
+      <pc:sldChg chg="del">
+        <pc:chgData name="Mikel Val Calvo" userId="fe91f099-abc8-4cd4-aa91-cb0b8d6e5228" providerId="ADAL" clId="{E0FCE498-436C-452E-8F35-31F940273654}" dt="2023-10-04T13:31:06.486" v="5721" actId="47"/>
+        <pc:sldMkLst>
+          <pc:docMk/>
+          <pc:sldMk cId="3093089410" sldId="259"/>
+        </pc:sldMkLst>
+      </pc:sldChg>
+      <pc:sldChg chg="del">
+        <pc:chgData name="Mikel Val Calvo" userId="fe91f099-abc8-4cd4-aa91-cb0b8d6e5228" providerId="ADAL" clId="{E0FCE498-436C-452E-8F35-31F940273654}" dt="2023-10-04T13:31:06.486" v="5721" actId="47"/>
+        <pc:sldMkLst>
+          <pc:docMk/>
+          <pc:sldMk cId="3732485218" sldId="260"/>
+        </pc:sldMkLst>
+      </pc:sldChg>
+      <pc:sldChg chg="del">
+        <pc:chgData name="Mikel Val Calvo" userId="fe91f099-abc8-4cd4-aa91-cb0b8d6e5228" providerId="ADAL" clId="{E0FCE498-436C-452E-8F35-31F940273654}" dt="2023-10-04T13:31:06.486" v="5721" actId="47"/>
+        <pc:sldMkLst>
+          <pc:docMk/>
+          <pc:sldMk cId="2633254910" sldId="261"/>
+        </pc:sldMkLst>
+      </pc:sldChg>
+      <pc:sldChg chg="del">
+        <pc:chgData name="Mikel Val Calvo" userId="fe91f099-abc8-4cd4-aa91-cb0b8d6e5228" providerId="ADAL" clId="{E0FCE498-436C-452E-8F35-31F940273654}" dt="2023-10-04T13:31:06.486" v="5721" actId="47"/>
+        <pc:sldMkLst>
+          <pc:docMk/>
+          <pc:sldMk cId="513818978" sldId="262"/>
+        </pc:sldMkLst>
+      </pc:sldChg>
+      <pc:sldChg chg="del">
+        <pc:chgData name="Mikel Val Calvo" userId="fe91f099-abc8-4cd4-aa91-cb0b8d6e5228" providerId="ADAL" clId="{E0FCE498-436C-452E-8F35-31F940273654}" dt="2023-10-04T13:31:06.486" v="5721" actId="47"/>
+        <pc:sldMkLst>
+          <pc:docMk/>
+          <pc:sldMk cId="2044003407" sldId="263"/>
+        </pc:sldMkLst>
+      </pc:sldChg>
+      <pc:sldChg chg="del">
+        <pc:chgData name="Mikel Val Calvo" userId="fe91f099-abc8-4cd4-aa91-cb0b8d6e5228" providerId="ADAL" clId="{E0FCE498-436C-452E-8F35-31F940273654}" dt="2023-10-04T13:31:06.486" v="5721" actId="47"/>
+        <pc:sldMkLst>
+          <pc:docMk/>
+          <pc:sldMk cId="880659141" sldId="264"/>
+        </pc:sldMkLst>
+      </pc:sldChg>
+      <pc:sldChg chg="del">
+        <pc:chgData name="Mikel Val Calvo" userId="fe91f099-abc8-4cd4-aa91-cb0b8d6e5228" providerId="ADAL" clId="{E0FCE498-436C-452E-8F35-31F940273654}" dt="2023-10-04T13:31:06.486" v="5721" actId="47"/>
+        <pc:sldMkLst>
+          <pc:docMk/>
+          <pc:sldMk cId="193371004" sldId="265"/>
+        </pc:sldMkLst>
+      </pc:sldChg>
+      <pc:sldChg chg="del">
+        <pc:chgData name="Mikel Val Calvo" userId="fe91f099-abc8-4cd4-aa91-cb0b8d6e5228" providerId="ADAL" clId="{E0FCE498-436C-452E-8F35-31F940273654}" dt="2023-10-04T13:31:06.486" v="5721" actId="47"/>
+        <pc:sldMkLst>
+          <pc:docMk/>
+          <pc:sldMk cId="802267942" sldId="266"/>
+        </pc:sldMkLst>
+      </pc:sldChg>
+      <pc:sldChg chg="del">
+        <pc:chgData name="Mikel Val Calvo" userId="fe91f099-abc8-4cd4-aa91-cb0b8d6e5228" providerId="ADAL" clId="{E0FCE498-436C-452E-8F35-31F940273654}" dt="2023-10-04T13:31:06.486" v="5721" actId="47"/>
+        <pc:sldMkLst>
+          <pc:docMk/>
+          <pc:sldMk cId="2751211783" sldId="267"/>
+        </pc:sldMkLst>
+      </pc:sldChg>
+      <pc:sldChg chg="del">
+        <pc:chgData name="Mikel Val Calvo" userId="fe91f099-abc8-4cd4-aa91-cb0b8d6e5228" providerId="ADAL" clId="{E0FCE498-436C-452E-8F35-31F940273654}" dt="2023-10-04T13:31:06.486" v="5721" actId="47"/>
+        <pc:sldMkLst>
+          <pc:docMk/>
+          <pc:sldMk cId="3687763714" sldId="268"/>
+        </pc:sldMkLst>
+      </pc:sldChg>
+      <pc:sldChg chg="del">
+        <pc:chgData name="Mikel Val Calvo" userId="fe91f099-abc8-4cd4-aa91-cb0b8d6e5228" providerId="ADAL" clId="{E0FCE498-436C-452E-8F35-31F940273654}" dt="2023-10-04T13:31:06.486" v="5721" actId="47"/>
+        <pc:sldMkLst>
+          <pc:docMk/>
+          <pc:sldMk cId="2387523247" sldId="269"/>
+        </pc:sldMkLst>
+      </pc:sldChg>
+      <pc:sldChg chg="del">
+        <pc:chgData name="Mikel Val Calvo" userId="fe91f099-abc8-4cd4-aa91-cb0b8d6e5228" providerId="ADAL" clId="{E0FCE498-436C-452E-8F35-31F940273654}" dt="2023-10-04T13:31:06.486" v="5721" actId="47"/>
+        <pc:sldMkLst>
+          <pc:docMk/>
+          <pc:sldMk cId="3919788202" sldId="270"/>
+        </pc:sldMkLst>
+      </pc:sldChg>
+      <pc:sldChg chg="del">
+        <pc:chgData name="Mikel Val Calvo" userId="fe91f099-abc8-4cd4-aa91-cb0b8d6e5228" providerId="ADAL" clId="{E0FCE498-436C-452E-8F35-31F940273654}" dt="2023-10-04T13:31:06.486" v="5721" actId="47"/>
+        <pc:sldMkLst>
+          <pc:docMk/>
+          <pc:sldMk cId="1621211593" sldId="271"/>
+        </pc:sldMkLst>
       </pc:sldChg>
       <pc:sldChg chg="add del setBg">
         <pc:chgData name="Mikel Val Calvo" userId="fe91f099-abc8-4cd4-aa91-cb0b8d6e5228" providerId="ADAL" clId="{E0FCE498-436C-452E-8F35-31F940273654}" dt="2023-10-03T09:10:48.536" v="1"/>
@@ -1648,11 +1740,19 @@
         </pc:sldMkLst>
       </pc:sldChg>
       <pc:sldChg chg="addSp delSp modSp add mod ord">
-        <pc:chgData name="Mikel Val Calvo" userId="fe91f099-abc8-4cd4-aa91-cb0b8d6e5228" providerId="ADAL" clId="{E0FCE498-436C-452E-8F35-31F940273654}" dt="2023-10-03T15:32:11.659" v="3206" actId="14100"/>
+        <pc:chgData name="Mikel Val Calvo" userId="fe91f099-abc8-4cd4-aa91-cb0b8d6e5228" providerId="ADAL" clId="{E0FCE498-436C-452E-8F35-31F940273654}" dt="2023-10-04T10:36:50.953" v="5051" actId="1076"/>
         <pc:sldMkLst>
           <pc:docMk/>
           <pc:sldMk cId="2279283459" sldId="274"/>
         </pc:sldMkLst>
+        <pc:spChg chg="add del mod">
+          <ac:chgData name="Mikel Val Calvo" userId="fe91f099-abc8-4cd4-aa91-cb0b8d6e5228" providerId="ADAL" clId="{E0FCE498-436C-452E-8F35-31F940273654}" dt="2023-10-04T10:36:26.965" v="5050" actId="478"/>
+          <ac:spMkLst>
+            <pc:docMk/>
+            <pc:sldMk cId="2279283459" sldId="274"/>
+            <ac:spMk id="4" creationId="{4C9EA362-B8BE-6A32-2167-6AB81490FCC2}"/>
+          </ac:spMkLst>
+        </pc:spChg>
         <pc:spChg chg="del">
           <ac:chgData name="Mikel Val Calvo" userId="fe91f099-abc8-4cd4-aa91-cb0b8d6e5228" providerId="ADAL" clId="{E0FCE498-436C-452E-8F35-31F940273654}" dt="2023-10-03T14:19:38.641" v="1936" actId="478"/>
           <ac:spMkLst>
@@ -1685,8 +1785,8 @@
             <ac:spMk id="8" creationId="{A2DC97DE-BA80-42CB-4B23-787C73CF4F37}"/>
           </ac:spMkLst>
         </pc:spChg>
-        <pc:spChg chg="mod">
-          <ac:chgData name="Mikel Val Calvo" userId="fe91f099-abc8-4cd4-aa91-cb0b8d6e5228" providerId="ADAL" clId="{E0FCE498-436C-452E-8F35-31F940273654}" dt="2023-10-03T15:31:45.953" v="3201" actId="20577"/>
+        <pc:spChg chg="mod ord">
+          <ac:chgData name="Mikel Val Calvo" userId="fe91f099-abc8-4cd4-aa91-cb0b8d6e5228" providerId="ADAL" clId="{E0FCE498-436C-452E-8F35-31F940273654}" dt="2023-10-04T10:36:23.875" v="5049" actId="1076"/>
           <ac:spMkLst>
             <pc:docMk/>
             <pc:sldMk cId="2279283459" sldId="274"/>
@@ -1750,7 +1850,7 @@
           </ac:spMkLst>
         </pc:spChg>
         <pc:spChg chg="add mod">
-          <ac:chgData name="Mikel Val Calvo" userId="fe91f099-abc8-4cd4-aa91-cb0b8d6e5228" providerId="ADAL" clId="{E0FCE498-436C-452E-8F35-31F940273654}" dt="2023-10-03T15:31:36.450" v="3193" actId="1076"/>
+          <ac:chgData name="Mikel Val Calvo" userId="fe91f099-abc8-4cd4-aa91-cb0b8d6e5228" providerId="ADAL" clId="{E0FCE498-436C-452E-8F35-31F940273654}" dt="2023-10-04T10:35:29.340" v="5041" actId="1076"/>
           <ac:spMkLst>
             <pc:docMk/>
             <pc:sldMk cId="2279283459" sldId="274"/>
@@ -1838,7 +1938,7 @@
           </ac:cxnSpMkLst>
         </pc:cxnChg>
         <pc:cxnChg chg="mod">
-          <ac:chgData name="Mikel Val Calvo" userId="fe91f099-abc8-4cd4-aa91-cb0b8d6e5228" providerId="ADAL" clId="{E0FCE498-436C-452E-8F35-31F940273654}" dt="2023-10-03T15:30:49.112" v="3189" actId="1076"/>
+          <ac:chgData name="Mikel Val Calvo" userId="fe91f099-abc8-4cd4-aa91-cb0b8d6e5228" providerId="ADAL" clId="{E0FCE498-436C-452E-8F35-31F940273654}" dt="2023-10-04T10:36:50.953" v="5051" actId="1076"/>
           <ac:cxnSpMkLst>
             <pc:docMk/>
             <pc:sldMk cId="2279283459" sldId="274"/>
@@ -1926,7 +2026,7 @@
           </ac:cxnSpMkLst>
         </pc:cxnChg>
         <pc:cxnChg chg="add mod">
-          <ac:chgData name="Mikel Val Calvo" userId="fe91f099-abc8-4cd4-aa91-cb0b8d6e5228" providerId="ADAL" clId="{E0FCE498-436C-452E-8F35-31F940273654}" dt="2023-10-03T15:31:24.947" v="3191" actId="1076"/>
+          <ac:chgData name="Mikel Val Calvo" userId="fe91f099-abc8-4cd4-aa91-cb0b8d6e5228" providerId="ADAL" clId="{E0FCE498-436C-452E-8F35-31F940273654}" dt="2023-10-04T10:36:23.875" v="5049" actId="1076"/>
           <ac:cxnSpMkLst>
             <pc:docMk/>
             <pc:sldMk cId="2279283459" sldId="274"/>
@@ -1942,7 +2042,7 @@
           </ac:cxnSpMkLst>
         </pc:cxnChg>
         <pc:cxnChg chg="add mod">
-          <ac:chgData name="Mikel Val Calvo" userId="fe91f099-abc8-4cd4-aa91-cb0b8d6e5228" providerId="ADAL" clId="{E0FCE498-436C-452E-8F35-31F940273654}" dt="2023-10-03T15:31:59.219" v="3204" actId="14100"/>
+          <ac:chgData name="Mikel Val Calvo" userId="fe91f099-abc8-4cd4-aa91-cb0b8d6e5228" providerId="ADAL" clId="{E0FCE498-436C-452E-8F35-31F940273654}" dt="2023-10-04T10:36:23.875" v="5049" actId="1076"/>
           <ac:cxnSpMkLst>
             <pc:docMk/>
             <pc:sldMk cId="2279283459" sldId="274"/>
@@ -1966,7 +2066,7 @@
           </ac:cxnSpMkLst>
         </pc:cxnChg>
         <pc:cxnChg chg="mod">
-          <ac:chgData name="Mikel Val Calvo" userId="fe91f099-abc8-4cd4-aa91-cb0b8d6e5228" providerId="ADAL" clId="{E0FCE498-436C-452E-8F35-31F940273654}" dt="2023-10-03T15:31:24.947" v="3191" actId="1076"/>
+          <ac:chgData name="Mikel Val Calvo" userId="fe91f099-abc8-4cd4-aa91-cb0b8d6e5228" providerId="ADAL" clId="{E0FCE498-436C-452E-8F35-31F940273654}" dt="2023-10-04T10:36:23.875" v="5049" actId="1076"/>
           <ac:cxnSpMkLst>
             <pc:docMk/>
             <pc:sldMk cId="2279283459" sldId="274"/>
@@ -3525,6 +3625,106 @@
             <pc:docMk/>
             <pc:sldMk cId="4104656556" sldId="277"/>
             <ac:spMk id="22" creationId="{8DCFE16F-5862-AC02-EC61-8ABB82137704}"/>
+          </ac:spMkLst>
+        </pc:spChg>
+      </pc:sldChg>
+      <pc:sldChg chg="addSp delSp modSp new mod">
+        <pc:chgData name="Mikel Val Calvo" userId="fe91f099-abc8-4cd4-aa91-cb0b8d6e5228" providerId="ADAL" clId="{E0FCE498-436C-452E-8F35-31F940273654}" dt="2023-10-04T09:07:27.781" v="5040" actId="20577"/>
+        <pc:sldMkLst>
+          <pc:docMk/>
+          <pc:sldMk cId="3198046017" sldId="278"/>
+        </pc:sldMkLst>
+        <pc:spChg chg="del">
+          <ac:chgData name="Mikel Val Calvo" userId="fe91f099-abc8-4cd4-aa91-cb0b8d6e5228" providerId="ADAL" clId="{E0FCE498-436C-452E-8F35-31F940273654}" dt="2023-10-04T09:07:01.645" v="5021" actId="478"/>
+          <ac:spMkLst>
+            <pc:docMk/>
+            <pc:sldMk cId="3198046017" sldId="278"/>
+            <ac:spMk id="2" creationId="{1BBBB96A-597A-E9B4-F6F7-F358BC69162B}"/>
+          </ac:spMkLst>
+        </pc:spChg>
+        <pc:spChg chg="add mod">
+          <ac:chgData name="Mikel Val Calvo" userId="fe91f099-abc8-4cd4-aa91-cb0b8d6e5228" providerId="ADAL" clId="{E0FCE498-436C-452E-8F35-31F940273654}" dt="2023-10-04T09:07:27.781" v="5040" actId="20577"/>
+          <ac:spMkLst>
+            <pc:docMk/>
+            <pc:sldMk cId="3198046017" sldId="278"/>
+            <ac:spMk id="5" creationId="{30B07261-07F4-A64D-0A4B-2BB99056C67F}"/>
+          </ac:spMkLst>
+        </pc:spChg>
+        <pc:picChg chg="add mod">
+          <ac:chgData name="Mikel Val Calvo" userId="fe91f099-abc8-4cd4-aa91-cb0b8d6e5228" providerId="ADAL" clId="{E0FCE498-436C-452E-8F35-31F940273654}" dt="2023-10-04T09:07:10.557" v="5024" actId="1076"/>
+          <ac:picMkLst>
+            <pc:docMk/>
+            <pc:sldMk cId="3198046017" sldId="278"/>
+            <ac:picMk id="4" creationId="{846FA2B4-B5CC-342E-3E6E-BDF406FADB33}"/>
+          </ac:picMkLst>
+        </pc:picChg>
+      </pc:sldChg>
+      <pc:sldChg chg="addSp delSp modSp new mod">
+        <pc:chgData name="Mikel Val Calvo" userId="fe91f099-abc8-4cd4-aa91-cb0b8d6e5228" providerId="ADAL" clId="{E0FCE498-436C-452E-8F35-31F940273654}" dt="2023-10-04T13:30:22.232" v="5720" actId="1076"/>
+        <pc:sldMkLst>
+          <pc:docMk/>
+          <pc:sldMk cId="2115352303" sldId="279"/>
+        </pc:sldMkLst>
+        <pc:spChg chg="del">
+          <ac:chgData name="Mikel Val Calvo" userId="fe91f099-abc8-4cd4-aa91-cb0b8d6e5228" providerId="ADAL" clId="{E0FCE498-436C-452E-8F35-31F940273654}" dt="2023-10-04T11:10:27.168" v="5053" actId="478"/>
+          <ac:spMkLst>
+            <pc:docMk/>
+            <pc:sldMk cId="2115352303" sldId="279"/>
+            <ac:spMk id="2" creationId="{1BDCE4F9-C49B-24CB-A10C-1B6EBDBA68AD}"/>
+          </ac:spMkLst>
+        </pc:spChg>
+        <pc:spChg chg="add mod">
+          <ac:chgData name="Mikel Val Calvo" userId="fe91f099-abc8-4cd4-aa91-cb0b8d6e5228" providerId="ADAL" clId="{E0FCE498-436C-452E-8F35-31F940273654}" dt="2023-10-04T13:29:20.321" v="5708" actId="6549"/>
+          <ac:spMkLst>
+            <pc:docMk/>
+            <pc:sldMk cId="2115352303" sldId="279"/>
+            <ac:spMk id="3" creationId="{533CF62C-29FE-C7AA-7FA8-015BCB4990D9}"/>
+          </ac:spMkLst>
+        </pc:spChg>
+        <pc:spChg chg="add mod">
+          <ac:chgData name="Mikel Val Calvo" userId="fe91f099-abc8-4cd4-aa91-cb0b8d6e5228" providerId="ADAL" clId="{E0FCE498-436C-452E-8F35-31F940273654}" dt="2023-10-04T13:30:22.232" v="5720" actId="1076"/>
+          <ac:spMkLst>
+            <pc:docMk/>
+            <pc:sldMk cId="2115352303" sldId="279"/>
+            <ac:spMk id="4" creationId="{85A2F891-4BD4-7547-6283-C1158AF25069}"/>
+          </ac:spMkLst>
+        </pc:spChg>
+      </pc:sldChg>
+      <pc:sldChg chg="modSp add mod">
+        <pc:chgData name="Mikel Val Calvo" userId="fe91f099-abc8-4cd4-aa91-cb0b8d6e5228" providerId="ADAL" clId="{E0FCE498-436C-452E-8F35-31F940273654}" dt="2023-10-04T13:30:09.199" v="5718" actId="20577"/>
+        <pc:sldMkLst>
+          <pc:docMk/>
+          <pc:sldMk cId="129128523" sldId="280"/>
+        </pc:sldMkLst>
+        <pc:spChg chg="mod">
+          <ac:chgData name="Mikel Val Calvo" userId="fe91f099-abc8-4cd4-aa91-cb0b8d6e5228" providerId="ADAL" clId="{E0FCE498-436C-452E-8F35-31F940273654}" dt="2023-10-04T13:30:04.728" v="5717" actId="6549"/>
+          <ac:spMkLst>
+            <pc:docMk/>
+            <pc:sldMk cId="129128523" sldId="280"/>
+            <ac:spMk id="3" creationId="{533CF62C-29FE-C7AA-7FA8-015BCB4990D9}"/>
+          </ac:spMkLst>
+        </pc:spChg>
+        <pc:spChg chg="mod">
+          <ac:chgData name="Mikel Val Calvo" userId="fe91f099-abc8-4cd4-aa91-cb0b8d6e5228" providerId="ADAL" clId="{E0FCE498-436C-452E-8F35-31F940273654}" dt="2023-10-04T13:30:09.199" v="5718" actId="20577"/>
+          <ac:spMkLst>
+            <pc:docMk/>
+            <pc:sldMk cId="129128523" sldId="280"/>
+            <ac:spMk id="4" creationId="{85A2F891-4BD4-7547-6283-C1158AF25069}"/>
+          </ac:spMkLst>
+        </pc:spChg>
+      </pc:sldChg>
+      <pc:sldChg chg="modSp add del mod">
+        <pc:chgData name="Mikel Val Calvo" userId="fe91f099-abc8-4cd4-aa91-cb0b8d6e5228" providerId="ADAL" clId="{E0FCE498-436C-452E-8F35-31F940273654}" dt="2023-10-04T13:30:14.642" v="5719" actId="47"/>
+        <pc:sldMkLst>
+          <pc:docMk/>
+          <pc:sldMk cId="1796356003" sldId="281"/>
+        </pc:sldMkLst>
+        <pc:spChg chg="mod">
+          <ac:chgData name="Mikel Val Calvo" userId="fe91f099-abc8-4cd4-aa91-cb0b8d6e5228" providerId="ADAL" clId="{E0FCE498-436C-452E-8F35-31F940273654}" dt="2023-10-04T13:27:34.616" v="5563" actId="6549"/>
+          <ac:spMkLst>
+            <pc:docMk/>
+            <pc:sldMk cId="1796356003" sldId="281"/>
+            <ac:spMk id="4" creationId="{85A2F891-4BD4-7547-6283-C1158AF25069}"/>
           </ac:spMkLst>
         </pc:spChg>
       </pc:sldChg>
@@ -3602,7 +3802,7 @@
           <a:p>
             <a:fld id="{29539009-7431-4F9A-87E0-5AA91CF1C689}" type="datetimeFigureOut">
               <a:rPr lang="en-GB" smtClean="0"/>
-              <a:t>03/10/2023</a:t>
+              <a:t>04/10/2023</a:t>
             </a:fld>
             <a:endParaRPr lang="en-GB"/>
           </a:p>
@@ -3845,7 +4045,7 @@
           <a:p>
             <a:fld id="{29539009-7431-4F9A-87E0-5AA91CF1C689}" type="datetimeFigureOut">
               <a:rPr lang="en-GB" smtClean="0"/>
-              <a:t>03/10/2023</a:t>
+              <a:t>04/10/2023</a:t>
             </a:fld>
             <a:endParaRPr lang="en-GB"/>
           </a:p>
@@ -4238,722 +4438,6 @@
 <file path=ppt/slides/slide1.xml><?xml version="1.0" encoding="utf-8"?>
 <p:sld xmlns:a="http://schemas.openxmlformats.org/drawingml/2006/main" xmlns:r="http://schemas.openxmlformats.org/officeDocument/2006/relationships" xmlns:p="http://schemas.openxmlformats.org/presentationml/2006/main">
   <p:cSld>
-    <p:bg>
-      <p:bgPr>
-        <a:noFill/>
-        <a:effectLst/>
-      </p:bgPr>
-    </p:bg>
-    <p:spTree>
-      <p:nvGrpSpPr>
-        <p:cNvPr id="1" name=""/>
-        <p:cNvGrpSpPr/>
-        <p:nvPr/>
-      </p:nvGrpSpPr>
-      <p:grpSpPr>
-        <a:xfrm>
-          <a:off x="0" y="0"/>
-          <a:ext cx="0" cy="0"/>
-          <a:chOff x="0" y="0"/>
-          <a:chExt cx="0" cy="0"/>
-        </a:xfrm>
-      </p:grpSpPr>
-      <p:sp>
-        <p:nvSpPr>
-          <p:cNvPr id="2" name="Título 1" hidden="1">
-            <a:extLst>
-              <a:ext uri="{FF2B5EF4-FFF2-40B4-BE49-F238E27FC236}">
-                <a16:creationId xmlns:a16="http://schemas.microsoft.com/office/drawing/2014/main" id="{56B4E1F8-6B7B-9415-836B-5804A521DB9A}"/>
-              </a:ext>
-            </a:extLst>
-          </p:cNvPr>
-          <p:cNvSpPr>
-            <a:spLocks noGrp="1"/>
-          </p:cNvSpPr>
-          <p:nvPr>
-            <p:ph type="title"/>
-          </p:nvPr>
-        </p:nvSpPr>
-        <p:spPr/>
-        <p:txBody>
-          <a:bodyPr/>
-          <a:lstStyle/>
-          <a:p>
-            <a:pPr lvl="0" rtl="0"/>
-            <a:r>
-              <a:rPr lang="es-ES" dirty="0"/>
-              <a:t>ONTOGENIX v-0.1.0</a:t>
-            </a:r>
-          </a:p>
-        </p:txBody>
-      </p:sp>
-      <p:pic>
-        <p:nvPicPr>
-          <p:cNvPr id="3" name="Imagen 2">
-            <a:extLst>
-              <a:ext uri="{FF2B5EF4-FFF2-40B4-BE49-F238E27FC236}">
-                <a16:creationId xmlns:a16="http://schemas.microsoft.com/office/drawing/2014/main" id="{357C0AA0-7F86-D266-623A-670BF6D3744E}"/>
-              </a:ext>
-            </a:extLst>
-          </p:cNvPr>
-          <p:cNvPicPr/>
-          <p:nvPr/>
-        </p:nvPicPr>
-        <p:blipFill>
-          <a:blip r:embed="rId2"/>
-          <a:stretch>
-            <a:fillRect/>
-          </a:stretch>
-        </p:blipFill>
-        <p:spPr>
-          <a:xfrm>
-            <a:off x="0" y="0"/>
-            <a:ext cx="10080625" cy="5670550"/>
-          </a:xfrm>
-          <a:prstGeom prst="rect">
-            <a:avLst/>
-          </a:prstGeom>
-        </p:spPr>
-      </p:pic>
-    </p:spTree>
-    <p:extLst>
-      <p:ext uri="{BB962C8B-B14F-4D97-AF65-F5344CB8AC3E}">
-        <p14:creationId xmlns:p14="http://schemas.microsoft.com/office/powerpoint/2010/main" val="198092730"/>
-      </p:ext>
-    </p:extLst>
-  </p:cSld>
-  <p:clrMapOvr>
-    <a:masterClrMapping/>
-  </p:clrMapOvr>
-</p:sld>
-</file>
-
-<file path=ppt/slides/slide10.xml><?xml version="1.0" encoding="utf-8"?>
-<p:sld xmlns:a="http://schemas.openxmlformats.org/drawingml/2006/main" xmlns:r="http://schemas.openxmlformats.org/officeDocument/2006/relationships" xmlns:p="http://schemas.openxmlformats.org/presentationml/2006/main">
-  <p:cSld>
-    <p:bg>
-      <p:bgPr>
-        <a:noFill/>
-        <a:effectLst/>
-      </p:bgPr>
-    </p:bg>
-    <p:spTree>
-      <p:nvGrpSpPr>
-        <p:cNvPr id="1" name=""/>
-        <p:cNvGrpSpPr/>
-        <p:nvPr/>
-      </p:nvGrpSpPr>
-      <p:grpSpPr>
-        <a:xfrm>
-          <a:off x="0" y="0"/>
-          <a:ext cx="0" cy="0"/>
-          <a:chOff x="0" y="0"/>
-          <a:chExt cx="0" cy="0"/>
-        </a:xfrm>
-      </p:grpSpPr>
-      <p:sp>
-        <p:nvSpPr>
-          <p:cNvPr id="2" name="Título 1" hidden="1">
-            <a:extLst>
-              <a:ext uri="{FF2B5EF4-FFF2-40B4-BE49-F238E27FC236}">
-                <a16:creationId xmlns:a16="http://schemas.microsoft.com/office/drawing/2014/main" id="{8DBFB055-5D38-0B32-574E-8B4A6533608D}"/>
-              </a:ext>
-            </a:extLst>
-          </p:cNvPr>
-          <p:cNvSpPr>
-            <a:spLocks noGrp="1"/>
-          </p:cNvSpPr>
-          <p:nvPr>
-            <p:ph type="title"/>
-          </p:nvPr>
-        </p:nvSpPr>
-        <p:spPr/>
-        <p:txBody>
-          <a:bodyPr/>
-          <a:lstStyle/>
-          <a:p>
-            <a:endParaRPr lang="en-GB"/>
-          </a:p>
-        </p:txBody>
-      </p:sp>
-      <p:pic>
-        <p:nvPicPr>
-          <p:cNvPr id="3" name="Imagen 2">
-            <a:extLst>
-              <a:ext uri="{FF2B5EF4-FFF2-40B4-BE49-F238E27FC236}">
-                <a16:creationId xmlns:a16="http://schemas.microsoft.com/office/drawing/2014/main" id="{E6F6715B-BAFB-7CEE-9339-49D16004784D}"/>
-              </a:ext>
-            </a:extLst>
-          </p:cNvPr>
-          <p:cNvPicPr/>
-          <p:nvPr/>
-        </p:nvPicPr>
-        <p:blipFill>
-          <a:blip r:embed="rId2"/>
-          <a:stretch>
-            <a:fillRect/>
-          </a:stretch>
-        </p:blipFill>
-        <p:spPr>
-          <a:xfrm>
-            <a:off x="0" y="0"/>
-            <a:ext cx="10080625" cy="5670550"/>
-          </a:xfrm>
-          <a:prstGeom prst="rect">
-            <a:avLst/>
-          </a:prstGeom>
-        </p:spPr>
-      </p:pic>
-    </p:spTree>
-    <p:extLst>
-      <p:ext uri="{BB962C8B-B14F-4D97-AF65-F5344CB8AC3E}">
-        <p14:creationId xmlns:p14="http://schemas.microsoft.com/office/powerpoint/2010/main" val="193371004"/>
-      </p:ext>
-    </p:extLst>
-  </p:cSld>
-  <p:clrMapOvr>
-    <a:masterClrMapping/>
-  </p:clrMapOvr>
-</p:sld>
-</file>
-
-<file path=ppt/slides/slide11.xml><?xml version="1.0" encoding="utf-8"?>
-<p:sld xmlns:a="http://schemas.openxmlformats.org/drawingml/2006/main" xmlns:r="http://schemas.openxmlformats.org/officeDocument/2006/relationships" xmlns:p="http://schemas.openxmlformats.org/presentationml/2006/main">
-  <p:cSld>
-    <p:bg>
-      <p:bgPr>
-        <a:noFill/>
-        <a:effectLst/>
-      </p:bgPr>
-    </p:bg>
-    <p:spTree>
-      <p:nvGrpSpPr>
-        <p:cNvPr id="1" name=""/>
-        <p:cNvGrpSpPr/>
-        <p:nvPr/>
-      </p:nvGrpSpPr>
-      <p:grpSpPr>
-        <a:xfrm>
-          <a:off x="0" y="0"/>
-          <a:ext cx="0" cy="0"/>
-          <a:chOff x="0" y="0"/>
-          <a:chExt cx="0" cy="0"/>
-        </a:xfrm>
-      </p:grpSpPr>
-      <p:sp>
-        <p:nvSpPr>
-          <p:cNvPr id="2" name="Título 1" hidden="1">
-            <a:extLst>
-              <a:ext uri="{FF2B5EF4-FFF2-40B4-BE49-F238E27FC236}">
-                <a16:creationId xmlns:a16="http://schemas.microsoft.com/office/drawing/2014/main" id="{BF4BA9B3-5DE5-BE25-809C-538E576CE472}"/>
-              </a:ext>
-            </a:extLst>
-          </p:cNvPr>
-          <p:cNvSpPr>
-            <a:spLocks noGrp="1"/>
-          </p:cNvSpPr>
-          <p:nvPr>
-            <p:ph type="title"/>
-          </p:nvPr>
-        </p:nvSpPr>
-        <p:spPr/>
-        <p:txBody>
-          <a:bodyPr/>
-          <a:lstStyle/>
-          <a:p>
-            <a:endParaRPr lang="en-GB"/>
-          </a:p>
-        </p:txBody>
-      </p:sp>
-      <p:pic>
-        <p:nvPicPr>
-          <p:cNvPr id="3" name="Imagen 2">
-            <a:extLst>
-              <a:ext uri="{FF2B5EF4-FFF2-40B4-BE49-F238E27FC236}">
-                <a16:creationId xmlns:a16="http://schemas.microsoft.com/office/drawing/2014/main" id="{5D410082-CFF7-E15C-B783-267335D308B1}"/>
-              </a:ext>
-            </a:extLst>
-          </p:cNvPr>
-          <p:cNvPicPr/>
-          <p:nvPr/>
-        </p:nvPicPr>
-        <p:blipFill>
-          <a:blip r:embed="rId2"/>
-          <a:stretch>
-            <a:fillRect/>
-          </a:stretch>
-        </p:blipFill>
-        <p:spPr>
-          <a:xfrm>
-            <a:off x="0" y="0"/>
-            <a:ext cx="10080625" cy="5670550"/>
-          </a:xfrm>
-          <a:prstGeom prst="rect">
-            <a:avLst/>
-          </a:prstGeom>
-        </p:spPr>
-      </p:pic>
-    </p:spTree>
-    <p:extLst>
-      <p:ext uri="{BB962C8B-B14F-4D97-AF65-F5344CB8AC3E}">
-        <p14:creationId xmlns:p14="http://schemas.microsoft.com/office/powerpoint/2010/main" val="802267942"/>
-      </p:ext>
-    </p:extLst>
-  </p:cSld>
-  <p:clrMapOvr>
-    <a:masterClrMapping/>
-  </p:clrMapOvr>
-</p:sld>
-</file>
-
-<file path=ppt/slides/slide12.xml><?xml version="1.0" encoding="utf-8"?>
-<p:sld xmlns:a="http://schemas.openxmlformats.org/drawingml/2006/main" xmlns:r="http://schemas.openxmlformats.org/officeDocument/2006/relationships" xmlns:p="http://schemas.openxmlformats.org/presentationml/2006/main">
-  <p:cSld>
-    <p:bg>
-      <p:bgPr>
-        <a:noFill/>
-        <a:effectLst/>
-      </p:bgPr>
-    </p:bg>
-    <p:spTree>
-      <p:nvGrpSpPr>
-        <p:cNvPr id="1" name=""/>
-        <p:cNvGrpSpPr/>
-        <p:nvPr/>
-      </p:nvGrpSpPr>
-      <p:grpSpPr>
-        <a:xfrm>
-          <a:off x="0" y="0"/>
-          <a:ext cx="0" cy="0"/>
-          <a:chOff x="0" y="0"/>
-          <a:chExt cx="0" cy="0"/>
-        </a:xfrm>
-      </p:grpSpPr>
-      <p:sp>
-        <p:nvSpPr>
-          <p:cNvPr id="2" name="Título 1" hidden="1">
-            <a:extLst>
-              <a:ext uri="{FF2B5EF4-FFF2-40B4-BE49-F238E27FC236}">
-                <a16:creationId xmlns:a16="http://schemas.microsoft.com/office/drawing/2014/main" id="{769204CB-1978-9F85-C43C-7A7B8D9BEC34}"/>
-              </a:ext>
-            </a:extLst>
-          </p:cNvPr>
-          <p:cNvSpPr>
-            <a:spLocks noGrp="1"/>
-          </p:cNvSpPr>
-          <p:nvPr>
-            <p:ph type="title"/>
-          </p:nvPr>
-        </p:nvSpPr>
-        <p:spPr/>
-        <p:txBody>
-          <a:bodyPr/>
-          <a:lstStyle/>
-          <a:p>
-            <a:endParaRPr lang="en-GB"/>
-          </a:p>
-        </p:txBody>
-      </p:sp>
-      <p:pic>
-        <p:nvPicPr>
-          <p:cNvPr id="3" name="Imagen 2">
-            <a:extLst>
-              <a:ext uri="{FF2B5EF4-FFF2-40B4-BE49-F238E27FC236}">
-                <a16:creationId xmlns:a16="http://schemas.microsoft.com/office/drawing/2014/main" id="{07B6E064-0E98-F0A2-8452-C30985915C45}"/>
-              </a:ext>
-            </a:extLst>
-          </p:cNvPr>
-          <p:cNvPicPr/>
-          <p:nvPr/>
-        </p:nvPicPr>
-        <p:blipFill>
-          <a:blip r:embed="rId2"/>
-          <a:stretch>
-            <a:fillRect/>
-          </a:stretch>
-        </p:blipFill>
-        <p:spPr>
-          <a:xfrm>
-            <a:off x="0" y="0"/>
-            <a:ext cx="10080625" cy="5670550"/>
-          </a:xfrm>
-          <a:prstGeom prst="rect">
-            <a:avLst/>
-          </a:prstGeom>
-        </p:spPr>
-      </p:pic>
-    </p:spTree>
-    <p:extLst>
-      <p:ext uri="{BB962C8B-B14F-4D97-AF65-F5344CB8AC3E}">
-        <p14:creationId xmlns:p14="http://schemas.microsoft.com/office/powerpoint/2010/main" val="2751211783"/>
-      </p:ext>
-    </p:extLst>
-  </p:cSld>
-  <p:clrMapOvr>
-    <a:masterClrMapping/>
-  </p:clrMapOvr>
-</p:sld>
-</file>
-
-<file path=ppt/slides/slide13.xml><?xml version="1.0" encoding="utf-8"?>
-<p:sld xmlns:a="http://schemas.openxmlformats.org/drawingml/2006/main" xmlns:r="http://schemas.openxmlformats.org/officeDocument/2006/relationships" xmlns:p="http://schemas.openxmlformats.org/presentationml/2006/main">
-  <p:cSld>
-    <p:bg>
-      <p:bgPr>
-        <a:noFill/>
-        <a:effectLst/>
-      </p:bgPr>
-    </p:bg>
-    <p:spTree>
-      <p:nvGrpSpPr>
-        <p:cNvPr id="1" name=""/>
-        <p:cNvGrpSpPr/>
-        <p:nvPr/>
-      </p:nvGrpSpPr>
-      <p:grpSpPr>
-        <a:xfrm>
-          <a:off x="0" y="0"/>
-          <a:ext cx="0" cy="0"/>
-          <a:chOff x="0" y="0"/>
-          <a:chExt cx="0" cy="0"/>
-        </a:xfrm>
-      </p:grpSpPr>
-      <p:sp>
-        <p:nvSpPr>
-          <p:cNvPr id="2" name="Título 1" hidden="1">
-            <a:extLst>
-              <a:ext uri="{FF2B5EF4-FFF2-40B4-BE49-F238E27FC236}">
-                <a16:creationId xmlns:a16="http://schemas.microsoft.com/office/drawing/2014/main" id="{9B550779-0E9C-FB19-5B63-603D8B2F1C26}"/>
-              </a:ext>
-            </a:extLst>
-          </p:cNvPr>
-          <p:cNvSpPr>
-            <a:spLocks noGrp="1"/>
-          </p:cNvSpPr>
-          <p:nvPr>
-            <p:ph type="title"/>
-          </p:nvPr>
-        </p:nvSpPr>
-        <p:spPr/>
-        <p:txBody>
-          <a:bodyPr/>
-          <a:lstStyle/>
-          <a:p>
-            <a:endParaRPr lang="en-GB"/>
-          </a:p>
-        </p:txBody>
-      </p:sp>
-      <p:pic>
-        <p:nvPicPr>
-          <p:cNvPr id="3" name="Imagen 2">
-            <a:extLst>
-              <a:ext uri="{FF2B5EF4-FFF2-40B4-BE49-F238E27FC236}">
-                <a16:creationId xmlns:a16="http://schemas.microsoft.com/office/drawing/2014/main" id="{4EE2278D-C715-93FC-6E33-EFB64580371E}"/>
-              </a:ext>
-            </a:extLst>
-          </p:cNvPr>
-          <p:cNvPicPr/>
-          <p:nvPr/>
-        </p:nvPicPr>
-        <p:blipFill>
-          <a:blip r:embed="rId2"/>
-          <a:stretch>
-            <a:fillRect/>
-          </a:stretch>
-        </p:blipFill>
-        <p:spPr>
-          <a:xfrm>
-            <a:off x="0" y="0"/>
-            <a:ext cx="10080625" cy="5670550"/>
-          </a:xfrm>
-          <a:prstGeom prst="rect">
-            <a:avLst/>
-          </a:prstGeom>
-        </p:spPr>
-      </p:pic>
-    </p:spTree>
-    <p:extLst>
-      <p:ext uri="{BB962C8B-B14F-4D97-AF65-F5344CB8AC3E}">
-        <p14:creationId xmlns:p14="http://schemas.microsoft.com/office/powerpoint/2010/main" val="3687763714"/>
-      </p:ext>
-    </p:extLst>
-  </p:cSld>
-  <p:clrMapOvr>
-    <a:masterClrMapping/>
-  </p:clrMapOvr>
-</p:sld>
-</file>
-
-<file path=ppt/slides/slide14.xml><?xml version="1.0" encoding="utf-8"?>
-<p:sld xmlns:a="http://schemas.openxmlformats.org/drawingml/2006/main" xmlns:r="http://schemas.openxmlformats.org/officeDocument/2006/relationships" xmlns:p="http://schemas.openxmlformats.org/presentationml/2006/main">
-  <p:cSld>
-    <p:bg>
-      <p:bgPr>
-        <a:noFill/>
-        <a:effectLst/>
-      </p:bgPr>
-    </p:bg>
-    <p:spTree>
-      <p:nvGrpSpPr>
-        <p:cNvPr id="1" name=""/>
-        <p:cNvGrpSpPr/>
-        <p:nvPr/>
-      </p:nvGrpSpPr>
-      <p:grpSpPr>
-        <a:xfrm>
-          <a:off x="0" y="0"/>
-          <a:ext cx="0" cy="0"/>
-          <a:chOff x="0" y="0"/>
-          <a:chExt cx="0" cy="0"/>
-        </a:xfrm>
-      </p:grpSpPr>
-      <p:sp>
-        <p:nvSpPr>
-          <p:cNvPr id="2" name="Título 1" hidden="1">
-            <a:extLst>
-              <a:ext uri="{FF2B5EF4-FFF2-40B4-BE49-F238E27FC236}">
-                <a16:creationId xmlns:a16="http://schemas.microsoft.com/office/drawing/2014/main" id="{70983FEC-F4C0-E013-5548-C21E517169CA}"/>
-              </a:ext>
-            </a:extLst>
-          </p:cNvPr>
-          <p:cNvSpPr>
-            <a:spLocks noGrp="1"/>
-          </p:cNvSpPr>
-          <p:nvPr>
-            <p:ph type="title"/>
-          </p:nvPr>
-        </p:nvSpPr>
-        <p:spPr/>
-        <p:txBody>
-          <a:bodyPr/>
-          <a:lstStyle/>
-          <a:p>
-            <a:endParaRPr lang="en-GB"/>
-          </a:p>
-        </p:txBody>
-      </p:sp>
-      <p:pic>
-        <p:nvPicPr>
-          <p:cNvPr id="3" name="Imagen 2">
-            <a:extLst>
-              <a:ext uri="{FF2B5EF4-FFF2-40B4-BE49-F238E27FC236}">
-                <a16:creationId xmlns:a16="http://schemas.microsoft.com/office/drawing/2014/main" id="{D4894D76-4C94-B630-BE83-EAE8AFC5BA33}"/>
-              </a:ext>
-            </a:extLst>
-          </p:cNvPr>
-          <p:cNvPicPr/>
-          <p:nvPr/>
-        </p:nvPicPr>
-        <p:blipFill>
-          <a:blip r:embed="rId2"/>
-          <a:stretch>
-            <a:fillRect/>
-          </a:stretch>
-        </p:blipFill>
-        <p:spPr>
-          <a:xfrm>
-            <a:off x="0" y="0"/>
-            <a:ext cx="10080625" cy="5670550"/>
-          </a:xfrm>
-          <a:prstGeom prst="rect">
-            <a:avLst/>
-          </a:prstGeom>
-        </p:spPr>
-      </p:pic>
-    </p:spTree>
-    <p:extLst>
-      <p:ext uri="{BB962C8B-B14F-4D97-AF65-F5344CB8AC3E}">
-        <p14:creationId xmlns:p14="http://schemas.microsoft.com/office/powerpoint/2010/main" val="2387523247"/>
-      </p:ext>
-    </p:extLst>
-  </p:cSld>
-  <p:clrMapOvr>
-    <a:masterClrMapping/>
-  </p:clrMapOvr>
-</p:sld>
-</file>
-
-<file path=ppt/slides/slide15.xml><?xml version="1.0" encoding="utf-8"?>
-<p:sld xmlns:a="http://schemas.openxmlformats.org/drawingml/2006/main" xmlns:r="http://schemas.openxmlformats.org/officeDocument/2006/relationships" xmlns:p="http://schemas.openxmlformats.org/presentationml/2006/main">
-  <p:cSld>
-    <p:bg>
-      <p:bgPr>
-        <a:noFill/>
-        <a:effectLst/>
-      </p:bgPr>
-    </p:bg>
-    <p:spTree>
-      <p:nvGrpSpPr>
-        <p:cNvPr id="1" name=""/>
-        <p:cNvGrpSpPr/>
-        <p:nvPr/>
-      </p:nvGrpSpPr>
-      <p:grpSpPr>
-        <a:xfrm>
-          <a:off x="0" y="0"/>
-          <a:ext cx="0" cy="0"/>
-          <a:chOff x="0" y="0"/>
-          <a:chExt cx="0" cy="0"/>
-        </a:xfrm>
-      </p:grpSpPr>
-      <p:sp>
-        <p:nvSpPr>
-          <p:cNvPr id="2" name="Título 1" hidden="1">
-            <a:extLst>
-              <a:ext uri="{FF2B5EF4-FFF2-40B4-BE49-F238E27FC236}">
-                <a16:creationId xmlns:a16="http://schemas.microsoft.com/office/drawing/2014/main" id="{91F8F9F5-4075-EAFD-ED36-4D43AA470A27}"/>
-              </a:ext>
-            </a:extLst>
-          </p:cNvPr>
-          <p:cNvSpPr>
-            <a:spLocks noGrp="1"/>
-          </p:cNvSpPr>
-          <p:nvPr>
-            <p:ph type="title"/>
-          </p:nvPr>
-        </p:nvSpPr>
-        <p:spPr/>
-        <p:txBody>
-          <a:bodyPr/>
-          <a:lstStyle/>
-          <a:p>
-            <a:endParaRPr lang="en-GB"/>
-          </a:p>
-        </p:txBody>
-      </p:sp>
-      <p:pic>
-        <p:nvPicPr>
-          <p:cNvPr id="3" name="Imagen 2">
-            <a:extLst>
-              <a:ext uri="{FF2B5EF4-FFF2-40B4-BE49-F238E27FC236}">
-                <a16:creationId xmlns:a16="http://schemas.microsoft.com/office/drawing/2014/main" id="{C7A9D978-D985-4373-76F9-5BC42BFDD9C4}"/>
-              </a:ext>
-            </a:extLst>
-          </p:cNvPr>
-          <p:cNvPicPr/>
-          <p:nvPr/>
-        </p:nvPicPr>
-        <p:blipFill>
-          <a:blip r:embed="rId2"/>
-          <a:stretch>
-            <a:fillRect/>
-          </a:stretch>
-        </p:blipFill>
-        <p:spPr>
-          <a:xfrm>
-            <a:off x="0" y="0"/>
-            <a:ext cx="10080625" cy="5670550"/>
-          </a:xfrm>
-          <a:prstGeom prst="rect">
-            <a:avLst/>
-          </a:prstGeom>
-        </p:spPr>
-      </p:pic>
-    </p:spTree>
-    <p:extLst>
-      <p:ext uri="{BB962C8B-B14F-4D97-AF65-F5344CB8AC3E}">
-        <p14:creationId xmlns:p14="http://schemas.microsoft.com/office/powerpoint/2010/main" val="3919788202"/>
-      </p:ext>
-    </p:extLst>
-  </p:cSld>
-  <p:clrMapOvr>
-    <a:masterClrMapping/>
-  </p:clrMapOvr>
-</p:sld>
-</file>
-
-<file path=ppt/slides/slide16.xml><?xml version="1.0" encoding="utf-8"?>
-<p:sld xmlns:a="http://schemas.openxmlformats.org/drawingml/2006/main" xmlns:r="http://schemas.openxmlformats.org/officeDocument/2006/relationships" xmlns:p="http://schemas.openxmlformats.org/presentationml/2006/main">
-  <p:cSld>
-    <p:bg>
-      <p:bgPr>
-        <a:noFill/>
-        <a:effectLst/>
-      </p:bgPr>
-    </p:bg>
-    <p:spTree>
-      <p:nvGrpSpPr>
-        <p:cNvPr id="1" name=""/>
-        <p:cNvGrpSpPr/>
-        <p:nvPr/>
-      </p:nvGrpSpPr>
-      <p:grpSpPr>
-        <a:xfrm>
-          <a:off x="0" y="0"/>
-          <a:ext cx="0" cy="0"/>
-          <a:chOff x="0" y="0"/>
-          <a:chExt cx="0" cy="0"/>
-        </a:xfrm>
-      </p:grpSpPr>
-      <p:sp>
-        <p:nvSpPr>
-          <p:cNvPr id="2" name="Título 1" hidden="1">
-            <a:extLst>
-              <a:ext uri="{FF2B5EF4-FFF2-40B4-BE49-F238E27FC236}">
-                <a16:creationId xmlns:a16="http://schemas.microsoft.com/office/drawing/2014/main" id="{A2220FDF-EDB7-8041-0B90-72906C5419BF}"/>
-              </a:ext>
-            </a:extLst>
-          </p:cNvPr>
-          <p:cNvSpPr>
-            <a:spLocks noGrp="1"/>
-          </p:cNvSpPr>
-          <p:nvPr>
-            <p:ph type="title"/>
-          </p:nvPr>
-        </p:nvSpPr>
-        <p:spPr/>
-        <p:txBody>
-          <a:bodyPr/>
-          <a:lstStyle/>
-          <a:p>
-            <a:endParaRPr lang="en-GB"/>
-          </a:p>
-        </p:txBody>
-      </p:sp>
-      <p:pic>
-        <p:nvPicPr>
-          <p:cNvPr id="3" name="Imagen 2">
-            <a:extLst>
-              <a:ext uri="{FF2B5EF4-FFF2-40B4-BE49-F238E27FC236}">
-                <a16:creationId xmlns:a16="http://schemas.microsoft.com/office/drawing/2014/main" id="{F204C6B4-7B88-DFD2-E683-E5B420541792}"/>
-              </a:ext>
-            </a:extLst>
-          </p:cNvPr>
-          <p:cNvPicPr/>
-          <p:nvPr/>
-        </p:nvPicPr>
-        <p:blipFill>
-          <a:blip r:embed="rId2"/>
-          <a:stretch>
-            <a:fillRect/>
-          </a:stretch>
-        </p:blipFill>
-        <p:spPr>
-          <a:xfrm>
-            <a:off x="0" y="0"/>
-            <a:ext cx="10080625" cy="5670550"/>
-          </a:xfrm>
-          <a:prstGeom prst="rect">
-            <a:avLst/>
-          </a:prstGeom>
-        </p:spPr>
-      </p:pic>
-    </p:spTree>
-    <p:extLst>
-      <p:ext uri="{BB962C8B-B14F-4D97-AF65-F5344CB8AC3E}">
-        <p14:creationId xmlns:p14="http://schemas.microsoft.com/office/powerpoint/2010/main" val="1621211593"/>
-      </p:ext>
-    </p:extLst>
-  </p:cSld>
-  <p:clrMapOvr>
-    <a:masterClrMapping/>
-  </p:clrMapOvr>
-</p:sld>
-</file>
-
-<file path=ppt/slides/slide17.xml><?xml version="1.0" encoding="utf-8"?>
-<p:sld xmlns:a="http://schemas.openxmlformats.org/drawingml/2006/main" xmlns:r="http://schemas.openxmlformats.org/officeDocument/2006/relationships" xmlns:p="http://schemas.openxmlformats.org/presentationml/2006/main">
-  <p:cSld>
     <p:spTree>
       <p:nvGrpSpPr>
         <p:cNvPr id="1" name=""/>
@@ -5221,14 +4705,12 @@
           </p:cNvPr>
           <p:cNvCxnSpPr>
             <a:cxnSpLocks/>
-            <a:stCxn id="21" idx="0"/>
-            <a:endCxn id="305" idx="1"/>
           </p:cNvCxnSpPr>
           <p:nvPr/>
         </p:nvCxnSpPr>
         <p:spPr>
           <a:xfrm rot="5400000" flipH="1" flipV="1">
-            <a:off x="1400707" y="3154478"/>
+            <a:off x="1400708" y="3154478"/>
             <a:ext cx="1460366" cy="182529"/>
           </a:xfrm>
           <a:prstGeom prst="bentConnector2">
@@ -5879,58 +5361,6 @@
       </p:sp>
       <p:sp>
         <p:nvSpPr>
-          <p:cNvPr id="9" name="Rectángulo: esquinas redondeadas 8">
-            <a:extLst>
-              <a:ext uri="{FF2B5EF4-FFF2-40B4-BE49-F238E27FC236}">
-                <a16:creationId xmlns:a16="http://schemas.microsoft.com/office/drawing/2014/main" id="{B72E7B36-AE58-DFBD-E08D-C9C9A9C28D65}"/>
-              </a:ext>
-            </a:extLst>
-          </p:cNvPr>
-          <p:cNvSpPr/>
-          <p:nvPr/>
-        </p:nvSpPr>
-        <p:spPr>
-          <a:xfrm>
-            <a:off x="5980667" y="2964033"/>
-            <a:ext cx="1076036" cy="563418"/>
-          </a:xfrm>
-          <a:prstGeom prst="roundRect">
-            <a:avLst/>
-          </a:prstGeom>
-          <a:ln w="38100">
-            <a:solidFill>
-              <a:schemeClr val="accent1"/>
-            </a:solidFill>
-          </a:ln>
-        </p:spPr>
-        <p:style>
-          <a:lnRef idx="2">
-            <a:schemeClr val="accent6"/>
-          </a:lnRef>
-          <a:fillRef idx="1">
-            <a:schemeClr val="lt1"/>
-          </a:fillRef>
-          <a:effectRef idx="0">
-            <a:schemeClr val="accent6"/>
-          </a:effectRef>
-          <a:fontRef idx="minor">
-            <a:schemeClr val="dk1"/>
-          </a:fontRef>
-        </p:style>
-        <p:txBody>
-          <a:bodyPr rtlCol="0" anchor="ctr"/>
-          <a:lstStyle/>
-          <a:p>
-            <a:pPr algn="ctr"/>
-            <a:r>
-              <a:rPr lang="en-GB" dirty="0"/>
-              <a:t>Entity N</a:t>
-            </a:r>
-          </a:p>
-        </p:txBody>
-      </p:sp>
-      <p:sp>
-        <p:nvSpPr>
           <p:cNvPr id="124" name="Rectángulo: esquinas redondeadas 123">
             <a:extLst>
               <a:ext uri="{FF2B5EF4-FFF2-40B4-BE49-F238E27FC236}">
@@ -6148,7 +5578,7 @@
         </p:nvSpPr>
         <p:spPr>
           <a:xfrm>
-            <a:off x="8294137" y="2965739"/>
+            <a:off x="8294137" y="2964033"/>
             <a:ext cx="1076036" cy="563418"/>
           </a:xfrm>
           <a:prstGeom prst="roundRect">
@@ -6205,7 +5635,7 @@
         <p:spPr>
           <a:xfrm>
             <a:off x="7056703" y="3245742"/>
-            <a:ext cx="1237434" cy="1706"/>
+            <a:ext cx="1237434" cy="0"/>
           </a:xfrm>
           <a:prstGeom prst="straightConnector1">
             <a:avLst/>
@@ -6235,6 +5665,58 @@
           </a:fontRef>
         </p:style>
       </p:cxnSp>
+      <p:sp>
+        <p:nvSpPr>
+          <p:cNvPr id="9" name="Rectángulo: esquinas redondeadas 8">
+            <a:extLst>
+              <a:ext uri="{FF2B5EF4-FFF2-40B4-BE49-F238E27FC236}">
+                <a16:creationId xmlns:a16="http://schemas.microsoft.com/office/drawing/2014/main" id="{B72E7B36-AE58-DFBD-E08D-C9C9A9C28D65}"/>
+              </a:ext>
+            </a:extLst>
+          </p:cNvPr>
+          <p:cNvSpPr/>
+          <p:nvPr/>
+        </p:nvSpPr>
+        <p:spPr>
+          <a:xfrm>
+            <a:off x="5980667" y="2964033"/>
+            <a:ext cx="1076036" cy="563418"/>
+          </a:xfrm>
+          <a:prstGeom prst="roundRect">
+            <a:avLst/>
+          </a:prstGeom>
+          <a:ln w="38100">
+            <a:solidFill>
+              <a:schemeClr val="accent1"/>
+            </a:solidFill>
+          </a:ln>
+        </p:spPr>
+        <p:style>
+          <a:lnRef idx="2">
+            <a:schemeClr val="accent6"/>
+          </a:lnRef>
+          <a:fillRef idx="1">
+            <a:schemeClr val="lt1"/>
+          </a:fillRef>
+          <a:effectRef idx="0">
+            <a:schemeClr val="accent6"/>
+          </a:effectRef>
+          <a:fontRef idx="minor">
+            <a:schemeClr val="dk1"/>
+          </a:fontRef>
+        </p:style>
+        <p:txBody>
+          <a:bodyPr rtlCol="0" anchor="ctr"/>
+          <a:lstStyle/>
+          <a:p>
+            <a:pPr algn="ctr"/>
+            <a:r>
+              <a:rPr lang="en-GB" dirty="0"/>
+              <a:t>Entity N</a:t>
+            </a:r>
+          </a:p>
+        </p:txBody>
+      </p:sp>
     </p:spTree>
     <p:extLst>
       <p:ext uri="{BB962C8B-B14F-4D97-AF65-F5344CB8AC3E}">
@@ -6248,7 +5730,7 @@
 </p:sld>
 </file>
 
-<file path=ppt/slides/slide18.xml><?xml version="1.0" encoding="utf-8"?>
+<file path=ppt/slides/slide2.xml><?xml version="1.0" encoding="utf-8"?>
 <p:sld xmlns:a="http://schemas.openxmlformats.org/drawingml/2006/main" xmlns:r="http://schemas.openxmlformats.org/officeDocument/2006/relationships" xmlns:p="http://schemas.openxmlformats.org/presentationml/2006/main">
   <p:cSld>
     <p:spTree>
@@ -8287,7 +7769,7 @@
 </p:sld>
 </file>
 
-<file path=ppt/slides/slide19.xml><?xml version="1.0" encoding="utf-8"?>
+<file path=ppt/slides/slide3.xml><?xml version="1.0" encoding="utf-8"?>
 <p:sld xmlns:a="http://schemas.openxmlformats.org/drawingml/2006/main" xmlns:r="http://schemas.openxmlformats.org/officeDocument/2006/relationships" xmlns:p="http://schemas.openxmlformats.org/presentationml/2006/main">
   <p:cSld>
     <p:spTree>
@@ -9785,101 +9267,7 @@
 </p:sld>
 </file>
 
-<file path=ppt/slides/slide2.xml><?xml version="1.0" encoding="utf-8"?>
-<p:sld xmlns:a="http://schemas.openxmlformats.org/drawingml/2006/main" xmlns:r="http://schemas.openxmlformats.org/officeDocument/2006/relationships" xmlns:p="http://schemas.openxmlformats.org/presentationml/2006/main">
-  <p:cSld>
-    <p:bg>
-      <p:bgPr>
-        <a:noFill/>
-        <a:effectLst/>
-      </p:bgPr>
-    </p:bg>
-    <p:spTree>
-      <p:nvGrpSpPr>
-        <p:cNvPr id="1" name=""/>
-        <p:cNvGrpSpPr/>
-        <p:nvPr/>
-      </p:nvGrpSpPr>
-      <p:grpSpPr>
-        <a:xfrm>
-          <a:off x="0" y="0"/>
-          <a:ext cx="0" cy="0"/>
-          <a:chOff x="0" y="0"/>
-          <a:chExt cx="0" cy="0"/>
-        </a:xfrm>
-      </p:grpSpPr>
-      <p:sp>
-        <p:nvSpPr>
-          <p:cNvPr id="2" name="Título 1" hidden="1">
-            <a:extLst>
-              <a:ext uri="{FF2B5EF4-FFF2-40B4-BE49-F238E27FC236}">
-                <a16:creationId xmlns:a16="http://schemas.microsoft.com/office/drawing/2014/main" id="{14CFA1D6-C4C0-FF4D-4D58-60BFA6774338}"/>
-              </a:ext>
-            </a:extLst>
-          </p:cNvPr>
-          <p:cNvSpPr>
-            <a:spLocks noGrp="1"/>
-          </p:cNvSpPr>
-          <p:nvPr>
-            <p:ph type="title"/>
-          </p:nvPr>
-        </p:nvSpPr>
-        <p:spPr/>
-        <p:txBody>
-          <a:bodyPr/>
-          <a:lstStyle/>
-          <a:p>
-            <a:pPr lvl="0" rtl="0"/>
-            <a:r>
-              <a:rPr lang="es-ES"/>
-              <a:t>ONTOGENIX v-0.1.0</a:t>
-            </a:r>
-            <a:endParaRPr lang="es-ES" dirty="0"/>
-          </a:p>
-        </p:txBody>
-      </p:sp>
-      <p:pic>
-        <p:nvPicPr>
-          <p:cNvPr id="3" name="Imagen 2">
-            <a:extLst>
-              <a:ext uri="{FF2B5EF4-FFF2-40B4-BE49-F238E27FC236}">
-                <a16:creationId xmlns:a16="http://schemas.microsoft.com/office/drawing/2014/main" id="{3546B9FF-96B9-FF13-7815-4F03F7148A95}"/>
-              </a:ext>
-            </a:extLst>
-          </p:cNvPr>
-          <p:cNvPicPr/>
-          <p:nvPr/>
-        </p:nvPicPr>
-        <p:blipFill>
-          <a:blip r:embed="rId2"/>
-          <a:stretch>
-            <a:fillRect/>
-          </a:stretch>
-        </p:blipFill>
-        <p:spPr>
-          <a:xfrm>
-            <a:off x="0" y="0"/>
-            <a:ext cx="10080625" cy="5670550"/>
-          </a:xfrm>
-          <a:prstGeom prst="rect">
-            <a:avLst/>
-          </a:prstGeom>
-        </p:spPr>
-      </p:pic>
-    </p:spTree>
-    <p:extLst>
-      <p:ext uri="{BB962C8B-B14F-4D97-AF65-F5344CB8AC3E}">
-        <p14:creationId xmlns:p14="http://schemas.microsoft.com/office/powerpoint/2010/main" val="1053164907"/>
-      </p:ext>
-    </p:extLst>
-  </p:cSld>
-  <p:clrMapOvr>
-    <a:masterClrMapping/>
-  </p:clrMapOvr>
-</p:sld>
-</file>
-
-<file path=ppt/slides/slide20.xml><?xml version="1.0" encoding="utf-8"?>
+<file path=ppt/slides/slide4.xml><?xml version="1.0" encoding="utf-8"?>
 <p:sld xmlns:a="http://schemas.openxmlformats.org/drawingml/2006/main" xmlns:r="http://schemas.openxmlformats.org/officeDocument/2006/relationships" xmlns:p="http://schemas.openxmlformats.org/presentationml/2006/main">
   <p:cSld>
     <p:spTree>
@@ -10884,7 +10272,7 @@
 </p:sld>
 </file>
 
-<file path=ppt/slides/slide21.xml><?xml version="1.0" encoding="utf-8"?>
+<file path=ppt/slides/slide5.xml><?xml version="1.0" encoding="utf-8"?>
 <p:sld xmlns:a="http://schemas.openxmlformats.org/drawingml/2006/main" xmlns:r="http://schemas.openxmlformats.org/officeDocument/2006/relationships" xmlns:p="http://schemas.openxmlformats.org/presentationml/2006/main">
   <p:cSld>
     <p:spTree>
@@ -12155,7 +11543,3839 @@
 </p:sld>
 </file>
 
-<file path=ppt/slides/slide22.xml><?xml version="1.0" encoding="utf-8"?>
+<file path=ppt/slides/slide6.xml><?xml version="1.0" encoding="utf-8"?>
+<p:sld xmlns:a="http://schemas.openxmlformats.org/drawingml/2006/main" xmlns:r="http://schemas.openxmlformats.org/officeDocument/2006/relationships" xmlns:p="http://schemas.openxmlformats.org/presentationml/2006/main">
+  <p:cSld>
+    <p:spTree>
+      <p:nvGrpSpPr>
+        <p:cNvPr id="1" name=""/>
+        <p:cNvGrpSpPr/>
+        <p:nvPr/>
+      </p:nvGrpSpPr>
+      <p:grpSpPr>
+        <a:xfrm>
+          <a:off x="0" y="0"/>
+          <a:ext cx="0" cy="0"/>
+          <a:chOff x="0" y="0"/>
+          <a:chExt cx="0" cy="0"/>
+        </a:xfrm>
+      </p:grpSpPr>
+      <p:pic>
+        <p:nvPicPr>
+          <p:cNvPr id="4" name="Imagen 3">
+            <a:extLst>
+              <a:ext uri="{FF2B5EF4-FFF2-40B4-BE49-F238E27FC236}">
+                <a16:creationId xmlns:a16="http://schemas.microsoft.com/office/drawing/2014/main" id="{846FA2B4-B5CC-342E-3E6E-BDF406FADB33}"/>
+              </a:ext>
+            </a:extLst>
+          </p:cNvPr>
+          <p:cNvPicPr>
+            <a:picLocks noChangeAspect="1"/>
+          </p:cNvPicPr>
+          <p:nvPr/>
+        </p:nvPicPr>
+        <p:blipFill>
+          <a:blip r:embed="rId2"/>
+          <a:stretch>
+            <a:fillRect/>
+          </a:stretch>
+        </p:blipFill>
+        <p:spPr>
+          <a:xfrm>
+            <a:off x="466573" y="785091"/>
+            <a:ext cx="9147478" cy="4669025"/>
+          </a:xfrm>
+          <a:prstGeom prst="rect">
+            <a:avLst/>
+          </a:prstGeom>
+        </p:spPr>
+      </p:pic>
+      <p:sp>
+        <p:nvSpPr>
+          <p:cNvPr id="5" name="CuadroTexto 4">
+            <a:extLst>
+              <a:ext uri="{FF2B5EF4-FFF2-40B4-BE49-F238E27FC236}">
+                <a16:creationId xmlns:a16="http://schemas.microsoft.com/office/drawing/2014/main" id="{30B07261-07F4-A64D-0A4B-2BB99056C67F}"/>
+              </a:ext>
+            </a:extLst>
+          </p:cNvPr>
+          <p:cNvSpPr txBox="1"/>
+          <p:nvPr/>
+        </p:nvSpPr>
+        <p:spPr>
+          <a:xfrm>
+            <a:off x="0" y="-97354"/>
+            <a:ext cx="3584507" cy="707886"/>
+          </a:xfrm>
+          <a:prstGeom prst="rect">
+            <a:avLst/>
+          </a:prstGeom>
+          <a:noFill/>
+        </p:spPr>
+        <p:txBody>
+          <a:bodyPr wrap="none" rtlCol="0">
+            <a:spAutoFit/>
+          </a:bodyPr>
+          <a:lstStyle/>
+          <a:p>
+            <a:r>
+              <a:rPr lang="en-GB" sz="4000" dirty="0" err="1">
+                <a:solidFill>
+                  <a:srgbClr val="A6B828"/>
+                </a:solidFill>
+              </a:rPr>
+              <a:t>OntoGenix</a:t>
+            </a:r>
+            <a:r>
+              <a:rPr lang="en-GB" sz="4000" dirty="0">
+                <a:solidFill>
+                  <a:srgbClr val="A6B828"/>
+                </a:solidFill>
+              </a:rPr>
+              <a:t> - GUI</a:t>
+            </a:r>
+          </a:p>
+        </p:txBody>
+      </p:sp>
+    </p:spTree>
+    <p:extLst>
+      <p:ext uri="{BB962C8B-B14F-4D97-AF65-F5344CB8AC3E}">
+        <p14:creationId xmlns:p14="http://schemas.microsoft.com/office/powerpoint/2010/main" val="3198046017"/>
+      </p:ext>
+    </p:extLst>
+  </p:cSld>
+  <p:clrMapOvr>
+    <a:masterClrMapping/>
+  </p:clrMapOvr>
+</p:sld>
+</file>
+
+<file path=ppt/slides/slide7.xml><?xml version="1.0" encoding="utf-8"?>
+<p:sld xmlns:a="http://schemas.openxmlformats.org/drawingml/2006/main" xmlns:r="http://schemas.openxmlformats.org/officeDocument/2006/relationships" xmlns:p="http://schemas.openxmlformats.org/presentationml/2006/main">
+  <p:cSld>
+    <p:spTree>
+      <p:nvGrpSpPr>
+        <p:cNvPr id="1" name=""/>
+        <p:cNvGrpSpPr/>
+        <p:nvPr/>
+      </p:nvGrpSpPr>
+      <p:grpSpPr>
+        <a:xfrm>
+          <a:off x="0" y="0"/>
+          <a:ext cx="0" cy="0"/>
+          <a:chOff x="0" y="0"/>
+          <a:chExt cx="0" cy="0"/>
+        </a:xfrm>
+      </p:grpSpPr>
+      <p:sp>
+        <p:nvSpPr>
+          <p:cNvPr id="3" name="CuadroTexto 2">
+            <a:extLst>
+              <a:ext uri="{FF2B5EF4-FFF2-40B4-BE49-F238E27FC236}">
+                <a16:creationId xmlns:a16="http://schemas.microsoft.com/office/drawing/2014/main" id="{533CF62C-29FE-C7AA-7FA8-015BCB4990D9}"/>
+              </a:ext>
+            </a:extLst>
+          </p:cNvPr>
+          <p:cNvSpPr txBox="1"/>
+          <p:nvPr/>
+        </p:nvSpPr>
+        <p:spPr>
+          <a:xfrm>
+            <a:off x="0" y="-97354"/>
+            <a:ext cx="4761881" cy="707886"/>
+          </a:xfrm>
+          <a:prstGeom prst="rect">
+            <a:avLst/>
+          </a:prstGeom>
+          <a:noFill/>
+        </p:spPr>
+        <p:txBody>
+          <a:bodyPr wrap="none" rtlCol="0">
+            <a:spAutoFit/>
+          </a:bodyPr>
+          <a:lstStyle/>
+          <a:p>
+            <a:r>
+              <a:rPr lang="en-GB" sz="4000" dirty="0">
+                <a:solidFill>
+                  <a:srgbClr val="A6B828"/>
+                </a:solidFill>
+              </a:rPr>
+              <a:t>Comparative Analysis:</a:t>
+            </a:r>
+            <a:endParaRPr lang="en-GB" sz="3200" dirty="0">
+              <a:solidFill>
+                <a:srgbClr val="A6B828"/>
+              </a:solidFill>
+            </a:endParaRPr>
+          </a:p>
+        </p:txBody>
+      </p:sp>
+      <p:sp>
+        <p:nvSpPr>
+          <p:cNvPr id="4" name="CuadroTexto 3">
+            <a:extLst>
+              <a:ext uri="{FF2B5EF4-FFF2-40B4-BE49-F238E27FC236}">
+                <a16:creationId xmlns:a16="http://schemas.microsoft.com/office/drawing/2014/main" id="{85A2F891-4BD4-7547-6283-C1158AF25069}"/>
+              </a:ext>
+            </a:extLst>
+          </p:cNvPr>
+          <p:cNvSpPr txBox="1"/>
+          <p:nvPr/>
+        </p:nvSpPr>
+        <p:spPr>
+          <a:xfrm>
+            <a:off x="183545" y="750010"/>
+            <a:ext cx="9897080" cy="5262979"/>
+          </a:xfrm>
+          <a:prstGeom prst="rect">
+            <a:avLst/>
+          </a:prstGeom>
+          <a:noFill/>
+        </p:spPr>
+        <p:txBody>
+          <a:bodyPr wrap="square" rtlCol="0">
+            <a:spAutoFit/>
+          </a:bodyPr>
+          <a:lstStyle/>
+          <a:p>
+            <a:r>
+              <a:rPr lang="es-ES" sz="1600" dirty="0" err="1">
+                <a:effectLst/>
+                <a:latin typeface="Calibri" panose="020F0502020204030204" pitchFamily="34" charset="0"/>
+                <a:ea typeface="Times New Roman" panose="02020603050405020304" pitchFamily="18" charset="0"/>
+              </a:rPr>
+              <a:t>BigBasket</a:t>
+            </a:r>
+            <a:r>
+              <a:rPr lang="es-ES" sz="1600" dirty="0">
+                <a:effectLst/>
+                <a:latin typeface="Calibri" panose="020F0502020204030204" pitchFamily="34" charset="0"/>
+                <a:ea typeface="Times New Roman" panose="02020603050405020304" pitchFamily="18" charset="0"/>
+              </a:rPr>
+              <a:t> </a:t>
+            </a:r>
+            <a:r>
+              <a:rPr lang="es-ES" sz="1600" dirty="0" err="1">
+                <a:effectLst/>
+                <a:latin typeface="Calibri" panose="020F0502020204030204" pitchFamily="34" charset="0"/>
+                <a:ea typeface="Times New Roman" panose="02020603050405020304" pitchFamily="18" charset="0"/>
+              </a:rPr>
+              <a:t>products</a:t>
+            </a:r>
+            <a:r>
+              <a:rPr lang="es-ES" sz="1600" dirty="0">
+                <a:effectLst/>
+                <a:latin typeface="Calibri" panose="020F0502020204030204" pitchFamily="34" charset="0"/>
+                <a:ea typeface="Times New Roman" panose="02020603050405020304" pitchFamily="18" charset="0"/>
+              </a:rPr>
+              <a:t> </a:t>
+            </a:r>
+            <a:r>
+              <a:rPr lang="es-ES" sz="1600" dirty="0" err="1">
+                <a:effectLst/>
+                <a:latin typeface="Calibri" panose="020F0502020204030204" pitchFamily="34" charset="0"/>
+                <a:ea typeface="Times New Roman" panose="02020603050405020304" pitchFamily="18" charset="0"/>
+              </a:rPr>
+              <a:t>dataset</a:t>
+            </a:r>
+            <a:r>
+              <a:rPr lang="es-ES" sz="1600" dirty="0">
+                <a:effectLst/>
+                <a:latin typeface="Calibri" panose="020F0502020204030204" pitchFamily="34" charset="0"/>
+                <a:ea typeface="Times New Roman" panose="02020603050405020304" pitchFamily="18" charset="0"/>
+              </a:rPr>
+              <a:t>: </a:t>
+            </a:r>
+          </a:p>
+          <a:p>
+            <a:r>
+              <a:rPr lang="es-ES" sz="1600" dirty="0">
+                <a:latin typeface="Calibri" panose="020F0502020204030204" pitchFamily="34" charset="0"/>
+                <a:ea typeface="Times New Roman" panose="02020603050405020304" pitchFamily="18" charset="0"/>
+              </a:rPr>
+              <a:t>	</a:t>
+            </a:r>
+            <a:r>
+              <a:rPr lang="es-ES" sz="1600" dirty="0" err="1">
+                <a:effectLst/>
+                <a:latin typeface="Calibri" panose="020F0502020204030204" pitchFamily="34" charset="0"/>
+                <a:ea typeface="Times New Roman" panose="02020603050405020304" pitchFamily="18" charset="0"/>
+              </a:rPr>
+              <a:t>Ontology</a:t>
+            </a:r>
+            <a:r>
+              <a:rPr lang="es-ES" sz="1600" dirty="0">
+                <a:effectLst/>
+                <a:latin typeface="Calibri" panose="020F0502020204030204" pitchFamily="34" charset="0"/>
+                <a:ea typeface="Times New Roman" panose="02020603050405020304" pitchFamily="18" charset="0"/>
+              </a:rPr>
+              <a:t> 1 </a:t>
+            </a:r>
+            <a:r>
+              <a:rPr lang="es-ES" sz="1600" dirty="0" err="1">
+                <a:effectLst/>
+                <a:latin typeface="Calibri" panose="020F0502020204030204" pitchFamily="34" charset="0"/>
+                <a:ea typeface="Times New Roman" panose="02020603050405020304" pitchFamily="18" charset="0"/>
+              </a:rPr>
+              <a:t>was</a:t>
+            </a:r>
+            <a:r>
+              <a:rPr lang="es-ES" sz="1600" dirty="0">
+                <a:effectLst/>
+                <a:latin typeface="Calibri" panose="020F0502020204030204" pitchFamily="34" charset="0"/>
+                <a:ea typeface="Times New Roman" panose="02020603050405020304" pitchFamily="18" charset="0"/>
+              </a:rPr>
+              <a:t> </a:t>
+            </a:r>
+            <a:r>
+              <a:rPr lang="es-ES" sz="1600" dirty="0" err="1">
+                <a:effectLst/>
+                <a:latin typeface="Calibri" panose="020F0502020204030204" pitchFamily="34" charset="0"/>
+                <a:ea typeface="Times New Roman" panose="02020603050405020304" pitchFamily="18" charset="0"/>
+              </a:rPr>
+              <a:t>performed</a:t>
+            </a:r>
+            <a:r>
+              <a:rPr lang="es-ES" sz="1600" dirty="0">
+                <a:effectLst/>
+                <a:latin typeface="Calibri" panose="020F0502020204030204" pitchFamily="34" charset="0"/>
+                <a:ea typeface="Times New Roman" panose="02020603050405020304" pitchFamily="18" charset="0"/>
+              </a:rPr>
+              <a:t> </a:t>
+            </a:r>
+            <a:r>
+              <a:rPr lang="es-ES" sz="1600" dirty="0" err="1">
+                <a:effectLst/>
+                <a:latin typeface="Calibri" panose="020F0502020204030204" pitchFamily="34" charset="0"/>
+                <a:ea typeface="Times New Roman" panose="02020603050405020304" pitchFamily="18" charset="0"/>
+              </a:rPr>
+              <a:t>with</a:t>
+            </a:r>
+            <a:r>
+              <a:rPr lang="es-ES" sz="1600" dirty="0">
+                <a:effectLst/>
+                <a:latin typeface="Calibri" panose="020F0502020204030204" pitchFamily="34" charset="0"/>
+                <a:ea typeface="Times New Roman" panose="02020603050405020304" pitchFamily="18" charset="0"/>
+              </a:rPr>
+              <a:t> </a:t>
+            </a:r>
+            <a:r>
+              <a:rPr lang="es-ES" sz="1600" dirty="0" err="1">
+                <a:effectLst/>
+                <a:latin typeface="Calibri" panose="020F0502020204030204" pitchFamily="34" charset="0"/>
+                <a:ea typeface="Times New Roman" panose="02020603050405020304" pitchFamily="18" charset="0"/>
+              </a:rPr>
+              <a:t>the</a:t>
+            </a:r>
+            <a:r>
+              <a:rPr lang="es-ES" sz="1600" dirty="0">
+                <a:effectLst/>
+                <a:latin typeface="Calibri" panose="020F0502020204030204" pitchFamily="34" charset="0"/>
+                <a:ea typeface="Times New Roman" panose="02020603050405020304" pitchFamily="18" charset="0"/>
+              </a:rPr>
+              <a:t> </a:t>
+            </a:r>
+            <a:r>
+              <a:rPr lang="es-ES" sz="1600" dirty="0" err="1">
+                <a:effectLst/>
+                <a:latin typeface="Calibri" panose="020F0502020204030204" pitchFamily="34" charset="0"/>
+                <a:ea typeface="Times New Roman" panose="02020603050405020304" pitchFamily="18" charset="0"/>
+              </a:rPr>
+              <a:t>previous</a:t>
+            </a:r>
+            <a:r>
+              <a:rPr lang="es-ES" sz="1600" dirty="0">
+                <a:effectLst/>
+                <a:latin typeface="Calibri" panose="020F0502020204030204" pitchFamily="34" charset="0"/>
+                <a:ea typeface="Times New Roman" panose="02020603050405020304" pitchFamily="18" charset="0"/>
+              </a:rPr>
+              <a:t> </a:t>
+            </a:r>
+            <a:r>
+              <a:rPr lang="es-ES" sz="1600" dirty="0" err="1">
+                <a:effectLst/>
+                <a:latin typeface="Calibri" panose="020F0502020204030204" pitchFamily="34" charset="0"/>
+                <a:ea typeface="Times New Roman" panose="02020603050405020304" pitchFamily="18" charset="0"/>
+              </a:rPr>
+              <a:t>ontogenix</a:t>
+            </a:r>
+            <a:r>
+              <a:rPr lang="es-ES" sz="1600" dirty="0">
+                <a:effectLst/>
+                <a:latin typeface="Calibri" panose="020F0502020204030204" pitchFamily="34" charset="0"/>
+                <a:ea typeface="Times New Roman" panose="02020603050405020304" pitchFamily="18" charset="0"/>
+              </a:rPr>
+              <a:t> versión 0.1.3.</a:t>
+            </a:r>
+          </a:p>
+          <a:p>
+            <a:r>
+              <a:rPr lang="es-ES" sz="1600" dirty="0">
+                <a:latin typeface="Calibri" panose="020F0502020204030204" pitchFamily="34" charset="0"/>
+                <a:ea typeface="Times New Roman" panose="02020603050405020304" pitchFamily="18" charset="0"/>
+              </a:rPr>
+              <a:t>	</a:t>
+            </a:r>
+            <a:r>
+              <a:rPr lang="es-ES" sz="1600" dirty="0" err="1">
+                <a:effectLst/>
+                <a:latin typeface="Calibri" panose="020F0502020204030204" pitchFamily="34" charset="0"/>
+                <a:ea typeface="Times New Roman" panose="02020603050405020304" pitchFamily="18" charset="0"/>
+              </a:rPr>
+              <a:t>Ontology</a:t>
+            </a:r>
+            <a:r>
+              <a:rPr lang="es-ES" sz="1600" dirty="0">
+                <a:effectLst/>
+                <a:latin typeface="Calibri" panose="020F0502020204030204" pitchFamily="34" charset="0"/>
+                <a:ea typeface="Times New Roman" panose="02020603050405020304" pitchFamily="18" charset="0"/>
+              </a:rPr>
+              <a:t> 1 has </a:t>
+            </a:r>
+            <a:r>
+              <a:rPr lang="es-ES" sz="1600" dirty="0" err="1">
+                <a:effectLst/>
+                <a:latin typeface="Calibri" panose="020F0502020204030204" pitchFamily="34" charset="0"/>
+                <a:ea typeface="Times New Roman" panose="02020603050405020304" pitchFamily="18" charset="0"/>
+              </a:rPr>
+              <a:t>been</a:t>
+            </a:r>
+            <a:r>
+              <a:rPr lang="es-ES" sz="1600" dirty="0">
+                <a:effectLst/>
+                <a:latin typeface="Calibri" panose="020F0502020204030204" pitchFamily="34" charset="0"/>
+                <a:ea typeface="Times New Roman" panose="02020603050405020304" pitchFamily="18" charset="0"/>
+              </a:rPr>
+              <a:t> </a:t>
+            </a:r>
+            <a:r>
+              <a:rPr lang="es-ES" sz="1600" dirty="0" err="1">
+                <a:effectLst/>
+                <a:latin typeface="Calibri" panose="020F0502020204030204" pitchFamily="34" charset="0"/>
+                <a:ea typeface="Times New Roman" panose="02020603050405020304" pitchFamily="18" charset="0"/>
+              </a:rPr>
+              <a:t>performed</a:t>
+            </a:r>
+            <a:r>
+              <a:rPr lang="es-ES" sz="1600" dirty="0">
+                <a:effectLst/>
+                <a:latin typeface="Calibri" panose="020F0502020204030204" pitchFamily="34" charset="0"/>
+                <a:ea typeface="Times New Roman" panose="02020603050405020304" pitchFamily="18" charset="0"/>
+              </a:rPr>
+              <a:t> </a:t>
+            </a:r>
+            <a:r>
+              <a:rPr lang="es-ES" sz="1600" dirty="0" err="1">
+                <a:effectLst/>
+                <a:latin typeface="Calibri" panose="020F0502020204030204" pitchFamily="34" charset="0"/>
+                <a:ea typeface="Times New Roman" panose="02020603050405020304" pitchFamily="18" charset="0"/>
+              </a:rPr>
+              <a:t>with</a:t>
+            </a:r>
+            <a:r>
+              <a:rPr lang="es-ES" sz="1600" dirty="0">
+                <a:effectLst/>
+                <a:latin typeface="Calibri" panose="020F0502020204030204" pitchFamily="34" charset="0"/>
+                <a:ea typeface="Times New Roman" panose="02020603050405020304" pitchFamily="18" charset="0"/>
+              </a:rPr>
+              <a:t> </a:t>
+            </a:r>
+            <a:r>
+              <a:rPr lang="es-ES" sz="1600" dirty="0" err="1">
+                <a:effectLst/>
+                <a:latin typeface="Calibri" panose="020F0502020204030204" pitchFamily="34" charset="0"/>
+                <a:ea typeface="Times New Roman" panose="02020603050405020304" pitchFamily="18" charset="0"/>
+              </a:rPr>
+              <a:t>the</a:t>
+            </a:r>
+            <a:r>
+              <a:rPr lang="es-ES" sz="1600" dirty="0">
+                <a:effectLst/>
+                <a:latin typeface="Calibri" panose="020F0502020204030204" pitchFamily="34" charset="0"/>
+                <a:ea typeface="Times New Roman" panose="02020603050405020304" pitchFamily="18" charset="0"/>
+              </a:rPr>
+              <a:t> </a:t>
+            </a:r>
+            <a:r>
+              <a:rPr lang="es-ES" sz="1600" dirty="0" err="1">
+                <a:effectLst/>
+                <a:latin typeface="Calibri" panose="020F0502020204030204" pitchFamily="34" charset="0"/>
+                <a:ea typeface="Times New Roman" panose="02020603050405020304" pitchFamily="18" charset="0"/>
+              </a:rPr>
+              <a:t>current</a:t>
+            </a:r>
+            <a:r>
+              <a:rPr lang="es-ES" sz="1600" dirty="0">
+                <a:effectLst/>
+                <a:latin typeface="Calibri" panose="020F0502020204030204" pitchFamily="34" charset="0"/>
+                <a:ea typeface="Times New Roman" panose="02020603050405020304" pitchFamily="18" charset="0"/>
+              </a:rPr>
+              <a:t> </a:t>
+            </a:r>
+            <a:r>
+              <a:rPr lang="es-ES" sz="1600" dirty="0" err="1">
+                <a:effectLst/>
+                <a:latin typeface="Calibri" panose="020F0502020204030204" pitchFamily="34" charset="0"/>
+                <a:ea typeface="Times New Roman" panose="02020603050405020304" pitchFamily="18" charset="0"/>
+              </a:rPr>
+              <a:t>ontogenix</a:t>
+            </a:r>
+            <a:r>
+              <a:rPr lang="es-ES" sz="1600" dirty="0">
+                <a:effectLst/>
+                <a:latin typeface="Calibri" panose="020F0502020204030204" pitchFamily="34" charset="0"/>
+                <a:ea typeface="Times New Roman" panose="02020603050405020304" pitchFamily="18" charset="0"/>
+              </a:rPr>
+              <a:t> versión 0.1.4.</a:t>
+            </a:r>
+          </a:p>
+          <a:p>
+            <a:endParaRPr lang="es-ES" sz="1600" dirty="0">
+              <a:latin typeface="Calibri" panose="020F0502020204030204" pitchFamily="34" charset="0"/>
+              <a:ea typeface="Times New Roman" panose="02020603050405020304" pitchFamily="18" charset="0"/>
+            </a:endParaRPr>
+          </a:p>
+          <a:p>
+            <a:r>
+              <a:rPr lang="es-ES" sz="1600" dirty="0">
+                <a:effectLst/>
+                <a:latin typeface="Calibri" panose="020F0502020204030204" pitchFamily="34" charset="0"/>
+                <a:ea typeface="Times New Roman" panose="02020603050405020304" pitchFamily="18" charset="0"/>
+              </a:rPr>
+              <a:t>1. </a:t>
+            </a:r>
+            <a:r>
+              <a:rPr lang="es-ES" sz="1600" dirty="0" err="1">
+                <a:effectLst/>
+                <a:latin typeface="Calibri" panose="020F0502020204030204" pitchFamily="34" charset="0"/>
+                <a:ea typeface="Times New Roman" panose="02020603050405020304" pitchFamily="18" charset="0"/>
+              </a:rPr>
+              <a:t>Annotations</a:t>
+            </a:r>
+            <a:r>
+              <a:rPr lang="es-ES" sz="1600" dirty="0">
+                <a:effectLst/>
+                <a:latin typeface="Calibri" panose="020F0502020204030204" pitchFamily="34" charset="0"/>
+                <a:ea typeface="Times New Roman" panose="02020603050405020304" pitchFamily="18" charset="0"/>
+              </a:rPr>
+              <a:t>:</a:t>
+            </a:r>
+            <a:br>
+              <a:rPr lang="es-ES" sz="1600" dirty="0">
+                <a:effectLst/>
+                <a:latin typeface="Calibri" panose="020F0502020204030204" pitchFamily="34" charset="0"/>
+                <a:ea typeface="Times New Roman" panose="02020603050405020304" pitchFamily="18" charset="0"/>
+              </a:rPr>
+            </a:br>
+            <a:r>
+              <a:rPr lang="es-ES" sz="1600" dirty="0">
+                <a:effectLst/>
+                <a:latin typeface="Calibri" panose="020F0502020204030204" pitchFamily="34" charset="0"/>
+                <a:ea typeface="Times New Roman" panose="02020603050405020304" pitchFamily="18" charset="0"/>
+              </a:rPr>
+              <a:t>     - </a:t>
+            </a:r>
+            <a:r>
+              <a:rPr lang="es-ES" sz="1600" dirty="0" err="1">
+                <a:effectLst/>
+                <a:latin typeface="Calibri" panose="020F0502020204030204" pitchFamily="34" charset="0"/>
+                <a:ea typeface="Times New Roman" panose="02020603050405020304" pitchFamily="18" charset="0"/>
+              </a:rPr>
+              <a:t>Ontology</a:t>
+            </a:r>
+            <a:r>
+              <a:rPr lang="es-ES" sz="1600" dirty="0">
+                <a:effectLst/>
+                <a:latin typeface="Calibri" panose="020F0502020204030204" pitchFamily="34" charset="0"/>
+                <a:ea typeface="Times New Roman" panose="02020603050405020304" pitchFamily="18" charset="0"/>
+              </a:rPr>
+              <a:t> 1 Has </a:t>
+            </a:r>
+            <a:r>
+              <a:rPr lang="es-ES" sz="1600" dirty="0" err="1">
+                <a:effectLst/>
+                <a:latin typeface="Calibri" panose="020F0502020204030204" pitchFamily="34" charset="0"/>
+                <a:ea typeface="Times New Roman" panose="02020603050405020304" pitchFamily="18" charset="0"/>
+              </a:rPr>
+              <a:t>minimal</a:t>
+            </a:r>
+            <a:r>
+              <a:rPr lang="es-ES" sz="1600" dirty="0">
+                <a:effectLst/>
+                <a:latin typeface="Calibri" panose="020F0502020204030204" pitchFamily="34" charset="0"/>
+                <a:ea typeface="Times New Roman" panose="02020603050405020304" pitchFamily="18" charset="0"/>
+              </a:rPr>
+              <a:t> </a:t>
+            </a:r>
+            <a:r>
+              <a:rPr lang="es-ES" sz="1600" dirty="0" err="1">
+                <a:effectLst/>
+                <a:latin typeface="Calibri" panose="020F0502020204030204" pitchFamily="34" charset="0"/>
+                <a:ea typeface="Times New Roman" panose="02020603050405020304" pitchFamily="18" charset="0"/>
+              </a:rPr>
+              <a:t>annotations</a:t>
+            </a:r>
+            <a:r>
+              <a:rPr lang="es-ES" sz="1600" dirty="0">
+                <a:effectLst/>
+                <a:latin typeface="Calibri" panose="020F0502020204030204" pitchFamily="34" charset="0"/>
+                <a:ea typeface="Times New Roman" panose="02020603050405020304" pitchFamily="18" charset="0"/>
+              </a:rPr>
+              <a:t>, </a:t>
+            </a:r>
+            <a:r>
+              <a:rPr lang="es-ES" sz="1600" dirty="0" err="1">
+                <a:effectLst/>
+                <a:latin typeface="Calibri" panose="020F0502020204030204" pitchFamily="34" charset="0"/>
+                <a:ea typeface="Times New Roman" panose="02020603050405020304" pitchFamily="18" charset="0"/>
+              </a:rPr>
+              <a:t>primarily</a:t>
+            </a:r>
+            <a:r>
+              <a:rPr lang="es-ES" sz="1600" dirty="0">
+                <a:effectLst/>
+                <a:latin typeface="Calibri" panose="020F0502020204030204" pitchFamily="34" charset="0"/>
+                <a:ea typeface="Times New Roman" panose="02020603050405020304" pitchFamily="18" charset="0"/>
+              </a:rPr>
+              <a:t> </a:t>
+            </a:r>
+            <a:r>
+              <a:rPr lang="es-ES" sz="1600" dirty="0" err="1">
+                <a:effectLst/>
+                <a:latin typeface="Calibri" panose="020F0502020204030204" pitchFamily="34" charset="0"/>
+                <a:ea typeface="Times New Roman" panose="02020603050405020304" pitchFamily="18" charset="0"/>
+              </a:rPr>
+              <a:t>focusing</a:t>
+            </a:r>
+            <a:r>
+              <a:rPr lang="es-ES" sz="1600" dirty="0">
+                <a:effectLst/>
+                <a:latin typeface="Calibri" panose="020F0502020204030204" pitchFamily="34" charset="0"/>
+                <a:ea typeface="Times New Roman" panose="02020603050405020304" pitchFamily="18" charset="0"/>
+              </a:rPr>
+              <a:t> </a:t>
+            </a:r>
+            <a:r>
+              <a:rPr lang="es-ES" sz="1600" dirty="0" err="1">
+                <a:effectLst/>
+                <a:latin typeface="Calibri" panose="020F0502020204030204" pitchFamily="34" charset="0"/>
+                <a:ea typeface="Times New Roman" panose="02020603050405020304" pitchFamily="18" charset="0"/>
+              </a:rPr>
+              <a:t>on</a:t>
+            </a:r>
+            <a:r>
+              <a:rPr lang="es-ES" sz="1600" dirty="0">
+                <a:effectLst/>
+                <a:latin typeface="Calibri" panose="020F0502020204030204" pitchFamily="34" charset="0"/>
+                <a:ea typeface="Times New Roman" panose="02020603050405020304" pitchFamily="18" charset="0"/>
+              </a:rPr>
+              <a:t> </a:t>
+            </a:r>
+            <a:r>
+              <a:rPr lang="es-ES" sz="1600" dirty="0" err="1">
+                <a:effectLst/>
+                <a:latin typeface="Calibri" panose="020F0502020204030204" pitchFamily="34" charset="0"/>
+                <a:ea typeface="Times New Roman" panose="02020603050405020304" pitchFamily="18" charset="0"/>
+              </a:rPr>
+              <a:t>defining</a:t>
+            </a:r>
+            <a:r>
+              <a:rPr lang="es-ES" sz="1600" dirty="0">
+                <a:effectLst/>
+                <a:latin typeface="Calibri" panose="020F0502020204030204" pitchFamily="34" charset="0"/>
+                <a:ea typeface="Times New Roman" panose="02020603050405020304" pitchFamily="18" charset="0"/>
+              </a:rPr>
+              <a:t> </a:t>
+            </a:r>
+            <a:r>
+              <a:rPr lang="es-ES" sz="1600" dirty="0" err="1">
+                <a:effectLst/>
+                <a:latin typeface="Calibri" panose="020F0502020204030204" pitchFamily="34" charset="0"/>
+                <a:ea typeface="Times New Roman" panose="02020603050405020304" pitchFamily="18" charset="0"/>
+              </a:rPr>
+              <a:t>the</a:t>
+            </a:r>
+            <a:r>
+              <a:rPr lang="es-ES" sz="1600" dirty="0">
+                <a:effectLst/>
+                <a:latin typeface="Calibri" panose="020F0502020204030204" pitchFamily="34" charset="0"/>
+                <a:ea typeface="Times New Roman" panose="02020603050405020304" pitchFamily="18" charset="0"/>
+              </a:rPr>
+              <a:t> </a:t>
+            </a:r>
+            <a:r>
+              <a:rPr lang="es-ES" sz="1600" dirty="0" err="1">
+                <a:effectLst/>
+                <a:latin typeface="Calibri" panose="020F0502020204030204" pitchFamily="34" charset="0"/>
+                <a:ea typeface="Times New Roman" panose="02020603050405020304" pitchFamily="18" charset="0"/>
+              </a:rPr>
+              <a:t>structure</a:t>
+            </a:r>
+            <a:r>
+              <a:rPr lang="es-ES" sz="1600" dirty="0">
+                <a:effectLst/>
+                <a:latin typeface="Calibri" panose="020F0502020204030204" pitchFamily="34" charset="0"/>
+                <a:ea typeface="Times New Roman" panose="02020603050405020304" pitchFamily="18" charset="0"/>
+              </a:rPr>
+              <a:t>.</a:t>
+            </a:r>
+            <a:br>
+              <a:rPr lang="es-ES" sz="1600" dirty="0">
+                <a:effectLst/>
+                <a:latin typeface="Calibri" panose="020F0502020204030204" pitchFamily="34" charset="0"/>
+                <a:ea typeface="Times New Roman" panose="02020603050405020304" pitchFamily="18" charset="0"/>
+              </a:rPr>
+            </a:br>
+            <a:r>
+              <a:rPr lang="es-ES" sz="1600" dirty="0">
+                <a:effectLst/>
+                <a:latin typeface="Calibri" panose="020F0502020204030204" pitchFamily="34" charset="0"/>
+                <a:ea typeface="Times New Roman" panose="02020603050405020304" pitchFamily="18" charset="0"/>
+              </a:rPr>
+              <a:t>     - </a:t>
+            </a:r>
+            <a:r>
+              <a:rPr lang="es-ES" sz="1600" dirty="0" err="1">
+                <a:effectLst/>
+                <a:latin typeface="Calibri" panose="020F0502020204030204" pitchFamily="34" charset="0"/>
+                <a:ea typeface="Times New Roman" panose="02020603050405020304" pitchFamily="18" charset="0"/>
+              </a:rPr>
+              <a:t>Ontology</a:t>
+            </a:r>
+            <a:r>
+              <a:rPr lang="es-ES" sz="1600" dirty="0">
+                <a:effectLst/>
+                <a:latin typeface="Calibri" panose="020F0502020204030204" pitchFamily="34" charset="0"/>
+                <a:ea typeface="Times New Roman" panose="02020603050405020304" pitchFamily="18" charset="0"/>
+              </a:rPr>
+              <a:t> 2 </a:t>
+            </a:r>
+            <a:r>
+              <a:rPr lang="es-ES" sz="1600" dirty="0" err="1">
+                <a:effectLst/>
+                <a:latin typeface="Calibri" panose="020F0502020204030204" pitchFamily="34" charset="0"/>
+                <a:ea typeface="Times New Roman" panose="02020603050405020304" pitchFamily="18" charset="0"/>
+              </a:rPr>
+              <a:t>Contains</a:t>
+            </a:r>
+            <a:r>
+              <a:rPr lang="es-ES" sz="1600" dirty="0">
+                <a:effectLst/>
+                <a:latin typeface="Calibri" panose="020F0502020204030204" pitchFamily="34" charset="0"/>
+                <a:ea typeface="Times New Roman" panose="02020603050405020304" pitchFamily="18" charset="0"/>
+              </a:rPr>
+              <a:t> </a:t>
+            </a:r>
+            <a:r>
+              <a:rPr lang="es-ES" sz="1600" dirty="0" err="1">
+                <a:effectLst/>
+                <a:latin typeface="Calibri" panose="020F0502020204030204" pitchFamily="34" charset="0"/>
+                <a:ea typeface="Times New Roman" panose="02020603050405020304" pitchFamily="18" charset="0"/>
+              </a:rPr>
+              <a:t>richer</a:t>
+            </a:r>
+            <a:r>
+              <a:rPr lang="es-ES" sz="1600" dirty="0">
+                <a:effectLst/>
+                <a:latin typeface="Calibri" panose="020F0502020204030204" pitchFamily="34" charset="0"/>
+                <a:ea typeface="Times New Roman" panose="02020603050405020304" pitchFamily="18" charset="0"/>
+              </a:rPr>
+              <a:t> </a:t>
+            </a:r>
+            <a:r>
+              <a:rPr lang="es-ES" sz="1600" dirty="0" err="1">
+                <a:effectLst/>
+                <a:latin typeface="Calibri" panose="020F0502020204030204" pitchFamily="34" charset="0"/>
+                <a:ea typeface="Times New Roman" panose="02020603050405020304" pitchFamily="18" charset="0"/>
+              </a:rPr>
+              <a:t>annotations</a:t>
+            </a:r>
+            <a:r>
+              <a:rPr lang="es-ES" sz="1600" dirty="0">
+                <a:effectLst/>
+                <a:latin typeface="Calibri" panose="020F0502020204030204" pitchFamily="34" charset="0"/>
+                <a:ea typeface="Times New Roman" panose="02020603050405020304" pitchFamily="18" charset="0"/>
+              </a:rPr>
+              <a:t>, </a:t>
+            </a:r>
+            <a:r>
+              <a:rPr lang="es-ES" sz="1600" dirty="0" err="1">
+                <a:effectLst/>
+                <a:latin typeface="Calibri" panose="020F0502020204030204" pitchFamily="34" charset="0"/>
+                <a:ea typeface="Times New Roman" panose="02020603050405020304" pitchFamily="18" charset="0"/>
+              </a:rPr>
+              <a:t>including</a:t>
+            </a:r>
+            <a:r>
+              <a:rPr lang="es-ES" sz="1600" dirty="0">
+                <a:effectLst/>
+                <a:latin typeface="Calibri" panose="020F0502020204030204" pitchFamily="34" charset="0"/>
+                <a:ea typeface="Times New Roman" panose="02020603050405020304" pitchFamily="18" charset="0"/>
+              </a:rPr>
+              <a:t> </a:t>
+            </a:r>
+            <a:r>
+              <a:rPr lang="es-ES" sz="1600" dirty="0" err="1">
+                <a:effectLst/>
+                <a:latin typeface="Calibri" panose="020F0502020204030204" pitchFamily="34" charset="0"/>
+                <a:ea typeface="Times New Roman" panose="02020603050405020304" pitchFamily="18" charset="0"/>
+              </a:rPr>
+              <a:t>comments</a:t>
+            </a:r>
+            <a:r>
+              <a:rPr lang="es-ES" sz="1600" dirty="0">
+                <a:effectLst/>
+                <a:latin typeface="Calibri" panose="020F0502020204030204" pitchFamily="34" charset="0"/>
+                <a:ea typeface="Times New Roman" panose="02020603050405020304" pitchFamily="18" charset="0"/>
+              </a:rPr>
+              <a:t>, </a:t>
+            </a:r>
+            <a:r>
+              <a:rPr lang="es-ES" sz="1600" dirty="0" err="1">
+                <a:effectLst/>
+                <a:latin typeface="Calibri" panose="020F0502020204030204" pitchFamily="34" charset="0"/>
+                <a:ea typeface="Times New Roman" panose="02020603050405020304" pitchFamily="18" charset="0"/>
+              </a:rPr>
+              <a:t>labels</a:t>
+            </a:r>
+            <a:r>
+              <a:rPr lang="es-ES" sz="1600" dirty="0">
+                <a:effectLst/>
+                <a:latin typeface="Calibri" panose="020F0502020204030204" pitchFamily="34" charset="0"/>
+                <a:ea typeface="Times New Roman" panose="02020603050405020304" pitchFamily="18" charset="0"/>
+              </a:rPr>
+              <a:t>, </a:t>
+            </a:r>
+            <a:r>
+              <a:rPr lang="es-ES" sz="1600" dirty="0" err="1">
+                <a:effectLst/>
+                <a:latin typeface="Calibri" panose="020F0502020204030204" pitchFamily="34" charset="0"/>
+                <a:ea typeface="Times New Roman" panose="02020603050405020304" pitchFamily="18" charset="0"/>
+              </a:rPr>
+              <a:t>descriptions</a:t>
+            </a:r>
+            <a:r>
+              <a:rPr lang="es-ES" sz="1600" dirty="0">
+                <a:effectLst/>
+                <a:latin typeface="Calibri" panose="020F0502020204030204" pitchFamily="34" charset="0"/>
+                <a:ea typeface="Times New Roman" panose="02020603050405020304" pitchFamily="18" charset="0"/>
+              </a:rPr>
+              <a:t>, and alternative </a:t>
+            </a:r>
+            <a:r>
+              <a:rPr lang="es-ES" sz="1600" dirty="0" err="1">
+                <a:effectLst/>
+                <a:latin typeface="Calibri" panose="020F0502020204030204" pitchFamily="34" charset="0"/>
+                <a:ea typeface="Times New Roman" panose="02020603050405020304" pitchFamily="18" charset="0"/>
+              </a:rPr>
+              <a:t>labels</a:t>
+            </a:r>
+            <a:r>
+              <a:rPr lang="es-ES" sz="1600" dirty="0">
+                <a:effectLst/>
+                <a:latin typeface="Calibri" panose="020F0502020204030204" pitchFamily="34" charset="0"/>
+                <a:ea typeface="Times New Roman" panose="02020603050405020304" pitchFamily="18" charset="0"/>
+              </a:rPr>
+              <a:t>. </a:t>
+            </a:r>
+            <a:r>
+              <a:rPr lang="es-ES" sz="1600" dirty="0" err="1">
+                <a:effectLst/>
+                <a:latin typeface="Calibri" panose="020F0502020204030204" pitchFamily="34" charset="0"/>
+                <a:ea typeface="Times New Roman" panose="02020603050405020304" pitchFamily="18" charset="0"/>
+              </a:rPr>
+              <a:t>This</a:t>
+            </a:r>
+            <a:r>
+              <a:rPr lang="es-ES" sz="1600" dirty="0">
+                <a:effectLst/>
+                <a:latin typeface="Calibri" panose="020F0502020204030204" pitchFamily="34" charset="0"/>
+                <a:ea typeface="Times New Roman" panose="02020603050405020304" pitchFamily="18" charset="0"/>
+              </a:rPr>
+              <a:t> </a:t>
+            </a:r>
+            <a:r>
+              <a:rPr lang="es-ES" sz="1600" dirty="0" err="1">
+                <a:effectLst/>
+                <a:latin typeface="Calibri" panose="020F0502020204030204" pitchFamily="34" charset="0"/>
+                <a:ea typeface="Times New Roman" panose="02020603050405020304" pitchFamily="18" charset="0"/>
+              </a:rPr>
+              <a:t>provides</a:t>
+            </a:r>
+            <a:r>
+              <a:rPr lang="es-ES" sz="1600" dirty="0">
+                <a:effectLst/>
+                <a:latin typeface="Calibri" panose="020F0502020204030204" pitchFamily="34" charset="0"/>
+                <a:ea typeface="Times New Roman" panose="02020603050405020304" pitchFamily="18" charset="0"/>
+              </a:rPr>
+              <a:t> more </a:t>
+            </a:r>
+            <a:r>
+              <a:rPr lang="es-ES" sz="1600" dirty="0" err="1">
+                <a:effectLst/>
+                <a:latin typeface="Calibri" panose="020F0502020204030204" pitchFamily="34" charset="0"/>
+                <a:ea typeface="Times New Roman" panose="02020603050405020304" pitchFamily="18" charset="0"/>
+              </a:rPr>
+              <a:t>context</a:t>
+            </a:r>
+            <a:r>
+              <a:rPr lang="es-ES" sz="1600" dirty="0">
+                <a:effectLst/>
+                <a:latin typeface="Calibri" panose="020F0502020204030204" pitchFamily="34" charset="0"/>
+                <a:ea typeface="Times New Roman" panose="02020603050405020304" pitchFamily="18" charset="0"/>
+              </a:rPr>
+              <a:t> and </a:t>
+            </a:r>
+            <a:r>
+              <a:rPr lang="es-ES" sz="1600" dirty="0" err="1">
+                <a:effectLst/>
+                <a:latin typeface="Calibri" panose="020F0502020204030204" pitchFamily="34" charset="0"/>
+                <a:ea typeface="Times New Roman" panose="02020603050405020304" pitchFamily="18" charset="0"/>
+              </a:rPr>
+              <a:t>clarity</a:t>
+            </a:r>
+            <a:r>
+              <a:rPr lang="es-ES" sz="1600" dirty="0">
+                <a:effectLst/>
+                <a:latin typeface="Calibri" panose="020F0502020204030204" pitchFamily="34" charset="0"/>
+                <a:ea typeface="Times New Roman" panose="02020603050405020304" pitchFamily="18" charset="0"/>
+              </a:rPr>
+              <a:t> </a:t>
+            </a:r>
+            <a:r>
+              <a:rPr lang="es-ES" sz="1600" dirty="0" err="1">
+                <a:effectLst/>
+                <a:latin typeface="Calibri" panose="020F0502020204030204" pitchFamily="34" charset="0"/>
+                <a:ea typeface="Times New Roman" panose="02020603050405020304" pitchFamily="18" charset="0"/>
+              </a:rPr>
+              <a:t>about</a:t>
+            </a:r>
+            <a:r>
+              <a:rPr lang="es-ES" sz="1600" dirty="0">
+                <a:effectLst/>
+                <a:latin typeface="Calibri" panose="020F0502020204030204" pitchFamily="34" charset="0"/>
+                <a:ea typeface="Times New Roman" panose="02020603050405020304" pitchFamily="18" charset="0"/>
+              </a:rPr>
+              <a:t> </a:t>
+            </a:r>
+            <a:r>
+              <a:rPr lang="es-ES" sz="1600" dirty="0" err="1">
+                <a:effectLst/>
+                <a:latin typeface="Calibri" panose="020F0502020204030204" pitchFamily="34" charset="0"/>
+                <a:ea typeface="Times New Roman" panose="02020603050405020304" pitchFamily="18" charset="0"/>
+              </a:rPr>
+              <a:t>the</a:t>
+            </a:r>
+            <a:r>
+              <a:rPr lang="es-ES" sz="1600" dirty="0">
+                <a:effectLst/>
+                <a:latin typeface="Calibri" panose="020F0502020204030204" pitchFamily="34" charset="0"/>
+                <a:ea typeface="Times New Roman" panose="02020603050405020304" pitchFamily="18" charset="0"/>
+              </a:rPr>
+              <a:t> </a:t>
+            </a:r>
+            <a:r>
+              <a:rPr lang="es-ES" sz="1600" dirty="0" err="1">
+                <a:effectLst/>
+                <a:latin typeface="Calibri" panose="020F0502020204030204" pitchFamily="34" charset="0"/>
+                <a:ea typeface="Times New Roman" panose="02020603050405020304" pitchFamily="18" charset="0"/>
+              </a:rPr>
+              <a:t>ontology's</a:t>
+            </a:r>
+            <a:r>
+              <a:rPr lang="es-ES" sz="1600" dirty="0">
+                <a:effectLst/>
+                <a:latin typeface="Calibri" panose="020F0502020204030204" pitchFamily="34" charset="0"/>
+                <a:ea typeface="Times New Roman" panose="02020603050405020304" pitchFamily="18" charset="0"/>
+              </a:rPr>
+              <a:t> </a:t>
+            </a:r>
+            <a:r>
+              <a:rPr lang="es-ES" sz="1600" dirty="0" err="1">
+                <a:effectLst/>
+                <a:latin typeface="Calibri" panose="020F0502020204030204" pitchFamily="34" charset="0"/>
+                <a:ea typeface="Times New Roman" panose="02020603050405020304" pitchFamily="18" charset="0"/>
+              </a:rPr>
+              <a:t>elements</a:t>
+            </a:r>
+            <a:r>
+              <a:rPr lang="es-ES" sz="1600" dirty="0">
+                <a:effectLst/>
+                <a:latin typeface="Calibri" panose="020F0502020204030204" pitchFamily="34" charset="0"/>
+                <a:ea typeface="Times New Roman" panose="02020603050405020304" pitchFamily="18" charset="0"/>
+              </a:rPr>
+              <a:t>.</a:t>
+            </a:r>
+            <a:br>
+              <a:rPr lang="es-ES" sz="1600" dirty="0">
+                <a:effectLst/>
+                <a:latin typeface="Calibri" panose="020F0502020204030204" pitchFamily="34" charset="0"/>
+                <a:ea typeface="Times New Roman" panose="02020603050405020304" pitchFamily="18" charset="0"/>
+              </a:rPr>
+            </a:br>
+            <a:br>
+              <a:rPr lang="es-ES" sz="1600" dirty="0">
+                <a:effectLst/>
+                <a:latin typeface="Calibri" panose="020F0502020204030204" pitchFamily="34" charset="0"/>
+                <a:ea typeface="Times New Roman" panose="02020603050405020304" pitchFamily="18" charset="0"/>
+              </a:rPr>
+            </a:br>
+            <a:r>
+              <a:rPr lang="es-ES" sz="1600" dirty="0">
+                <a:effectLst/>
+                <a:latin typeface="Calibri" panose="020F0502020204030204" pitchFamily="34" charset="0"/>
+                <a:ea typeface="Times New Roman" panose="02020603050405020304" pitchFamily="18" charset="0"/>
+              </a:rPr>
+              <a:t>2. </a:t>
+            </a:r>
+            <a:r>
+              <a:rPr lang="es-ES" sz="1600" dirty="0" err="1">
+                <a:effectLst/>
+                <a:latin typeface="Calibri" panose="020F0502020204030204" pitchFamily="34" charset="0"/>
+                <a:ea typeface="Times New Roman" panose="02020603050405020304" pitchFamily="18" charset="0"/>
+              </a:rPr>
+              <a:t>Restrictions</a:t>
+            </a:r>
+            <a:r>
+              <a:rPr lang="es-ES" sz="1600" dirty="0">
+                <a:effectLst/>
+                <a:latin typeface="Calibri" panose="020F0502020204030204" pitchFamily="34" charset="0"/>
+                <a:ea typeface="Times New Roman" panose="02020603050405020304" pitchFamily="18" charset="0"/>
+              </a:rPr>
+              <a:t>:</a:t>
+            </a:r>
+            <a:br>
+              <a:rPr lang="es-ES" sz="1600" dirty="0">
+                <a:effectLst/>
+                <a:latin typeface="Calibri" panose="020F0502020204030204" pitchFamily="34" charset="0"/>
+                <a:ea typeface="Times New Roman" panose="02020603050405020304" pitchFamily="18" charset="0"/>
+              </a:rPr>
+            </a:br>
+            <a:r>
+              <a:rPr lang="es-ES" sz="1600" dirty="0">
+                <a:effectLst/>
+                <a:latin typeface="Calibri" panose="020F0502020204030204" pitchFamily="34" charset="0"/>
+                <a:ea typeface="Times New Roman" panose="02020603050405020304" pitchFamily="18" charset="0"/>
+              </a:rPr>
+              <a:t>     - </a:t>
+            </a:r>
+            <a:r>
+              <a:rPr lang="es-ES" sz="1600" dirty="0" err="1">
+                <a:effectLst/>
+                <a:latin typeface="Calibri" panose="020F0502020204030204" pitchFamily="34" charset="0"/>
+                <a:ea typeface="Times New Roman" panose="02020603050405020304" pitchFamily="18" charset="0"/>
+              </a:rPr>
+              <a:t>Ontology</a:t>
+            </a:r>
+            <a:r>
+              <a:rPr lang="es-ES" sz="1600" dirty="0">
+                <a:effectLst/>
+                <a:latin typeface="Calibri" panose="020F0502020204030204" pitchFamily="34" charset="0"/>
+                <a:ea typeface="Times New Roman" panose="02020603050405020304" pitchFamily="18" charset="0"/>
+              </a:rPr>
+              <a:t> 1 </a:t>
+            </a:r>
+            <a:r>
+              <a:rPr lang="es-ES" sz="1600" dirty="0" err="1">
+                <a:effectLst/>
+                <a:latin typeface="Calibri" panose="020F0502020204030204" pitchFamily="34" charset="0"/>
+                <a:ea typeface="Times New Roman" panose="02020603050405020304" pitchFamily="18" charset="0"/>
+              </a:rPr>
+              <a:t>Does</a:t>
+            </a:r>
+            <a:r>
+              <a:rPr lang="es-ES" sz="1600" dirty="0">
+                <a:effectLst/>
+                <a:latin typeface="Calibri" panose="020F0502020204030204" pitchFamily="34" charset="0"/>
+                <a:ea typeface="Times New Roman" panose="02020603050405020304" pitchFamily="18" charset="0"/>
+              </a:rPr>
+              <a:t> </a:t>
+            </a:r>
+            <a:r>
+              <a:rPr lang="es-ES" sz="1600" dirty="0" err="1">
+                <a:effectLst/>
+                <a:latin typeface="Calibri" panose="020F0502020204030204" pitchFamily="34" charset="0"/>
+                <a:ea typeface="Times New Roman" panose="02020603050405020304" pitchFamily="18" charset="0"/>
+              </a:rPr>
+              <a:t>not</a:t>
+            </a:r>
+            <a:r>
+              <a:rPr lang="es-ES" sz="1600" dirty="0">
+                <a:effectLst/>
+                <a:latin typeface="Calibri" panose="020F0502020204030204" pitchFamily="34" charset="0"/>
+                <a:ea typeface="Times New Roman" panose="02020603050405020304" pitchFamily="18" charset="0"/>
+              </a:rPr>
+              <a:t> </a:t>
+            </a:r>
+            <a:r>
+              <a:rPr lang="es-ES" sz="1600" dirty="0" err="1">
+                <a:effectLst/>
+                <a:latin typeface="Calibri" panose="020F0502020204030204" pitchFamily="34" charset="0"/>
+                <a:ea typeface="Times New Roman" panose="02020603050405020304" pitchFamily="18" charset="0"/>
+              </a:rPr>
+              <a:t>have</a:t>
+            </a:r>
+            <a:r>
+              <a:rPr lang="es-ES" sz="1600" dirty="0">
+                <a:effectLst/>
+                <a:latin typeface="Calibri" panose="020F0502020204030204" pitchFamily="34" charset="0"/>
+                <a:ea typeface="Times New Roman" panose="02020603050405020304" pitchFamily="18" charset="0"/>
+              </a:rPr>
+              <a:t> </a:t>
+            </a:r>
+            <a:r>
+              <a:rPr lang="es-ES" sz="1600" dirty="0" err="1">
+                <a:effectLst/>
+                <a:latin typeface="Calibri" panose="020F0502020204030204" pitchFamily="34" charset="0"/>
+                <a:ea typeface="Times New Roman" panose="02020603050405020304" pitchFamily="18" charset="0"/>
+              </a:rPr>
+              <a:t>cardinality</a:t>
+            </a:r>
+            <a:r>
+              <a:rPr lang="es-ES" sz="1600" dirty="0">
+                <a:effectLst/>
+                <a:latin typeface="Calibri" panose="020F0502020204030204" pitchFamily="34" charset="0"/>
+                <a:ea typeface="Times New Roman" panose="02020603050405020304" pitchFamily="18" charset="0"/>
+              </a:rPr>
+              <a:t> </a:t>
+            </a:r>
+            <a:r>
+              <a:rPr lang="es-ES" sz="1600" dirty="0" err="1">
+                <a:effectLst/>
+                <a:latin typeface="Calibri" panose="020F0502020204030204" pitchFamily="34" charset="0"/>
+                <a:ea typeface="Times New Roman" panose="02020603050405020304" pitchFamily="18" charset="0"/>
+              </a:rPr>
+              <a:t>restrictions</a:t>
+            </a:r>
+            <a:r>
+              <a:rPr lang="es-ES" sz="1600" dirty="0">
+                <a:effectLst/>
+                <a:latin typeface="Calibri" panose="020F0502020204030204" pitchFamily="34" charset="0"/>
+                <a:ea typeface="Times New Roman" panose="02020603050405020304" pitchFamily="18" charset="0"/>
+              </a:rPr>
+              <a:t> </a:t>
+            </a:r>
+            <a:r>
+              <a:rPr lang="es-ES" sz="1600" dirty="0" err="1">
+                <a:effectLst/>
+                <a:latin typeface="Calibri" panose="020F0502020204030204" pitchFamily="34" charset="0"/>
+                <a:ea typeface="Times New Roman" panose="02020603050405020304" pitchFamily="18" charset="0"/>
+              </a:rPr>
+              <a:t>on</a:t>
+            </a:r>
+            <a:r>
+              <a:rPr lang="es-ES" sz="1600" dirty="0">
+                <a:effectLst/>
+                <a:latin typeface="Calibri" panose="020F0502020204030204" pitchFamily="34" charset="0"/>
+                <a:ea typeface="Times New Roman" panose="02020603050405020304" pitchFamily="18" charset="0"/>
+              </a:rPr>
+              <a:t> </a:t>
+            </a:r>
+            <a:r>
+              <a:rPr lang="es-ES" sz="1600" dirty="0" err="1">
+                <a:effectLst/>
+                <a:latin typeface="Calibri" panose="020F0502020204030204" pitchFamily="34" charset="0"/>
+                <a:ea typeface="Times New Roman" panose="02020603050405020304" pitchFamily="18" charset="0"/>
+              </a:rPr>
+              <a:t>properties</a:t>
+            </a:r>
+            <a:r>
+              <a:rPr lang="es-ES" sz="1600" dirty="0">
+                <a:effectLst/>
+                <a:latin typeface="Calibri" panose="020F0502020204030204" pitchFamily="34" charset="0"/>
+                <a:ea typeface="Times New Roman" panose="02020603050405020304" pitchFamily="18" charset="0"/>
+              </a:rPr>
+              <a:t>.</a:t>
+            </a:r>
+            <a:br>
+              <a:rPr lang="es-ES" sz="1600" dirty="0">
+                <a:effectLst/>
+                <a:latin typeface="Calibri" panose="020F0502020204030204" pitchFamily="34" charset="0"/>
+                <a:ea typeface="Times New Roman" panose="02020603050405020304" pitchFamily="18" charset="0"/>
+              </a:rPr>
+            </a:br>
+            <a:r>
+              <a:rPr lang="es-ES" sz="1600" dirty="0">
+                <a:effectLst/>
+                <a:latin typeface="Calibri" panose="020F0502020204030204" pitchFamily="34" charset="0"/>
+                <a:ea typeface="Times New Roman" panose="02020603050405020304" pitchFamily="18" charset="0"/>
+              </a:rPr>
+              <a:t>     - </a:t>
+            </a:r>
+            <a:r>
+              <a:rPr lang="es-ES" sz="1600" dirty="0" err="1">
+                <a:effectLst/>
+                <a:latin typeface="Calibri" panose="020F0502020204030204" pitchFamily="34" charset="0"/>
+                <a:ea typeface="Times New Roman" panose="02020603050405020304" pitchFamily="18" charset="0"/>
+              </a:rPr>
+              <a:t>Ontology</a:t>
+            </a:r>
+            <a:r>
+              <a:rPr lang="es-ES" sz="1600" dirty="0">
+                <a:effectLst/>
+                <a:latin typeface="Calibri" panose="020F0502020204030204" pitchFamily="34" charset="0"/>
+                <a:ea typeface="Times New Roman" panose="02020603050405020304" pitchFamily="18" charset="0"/>
+              </a:rPr>
+              <a:t> 2 Introduces </a:t>
+            </a:r>
+            <a:r>
+              <a:rPr lang="es-ES" sz="1600" dirty="0" err="1">
+                <a:effectLst/>
+                <a:latin typeface="Calibri" panose="020F0502020204030204" pitchFamily="34" charset="0"/>
+                <a:ea typeface="Times New Roman" panose="02020603050405020304" pitchFamily="18" charset="0"/>
+              </a:rPr>
+              <a:t>cardinality</a:t>
+            </a:r>
+            <a:r>
+              <a:rPr lang="es-ES" sz="1600" dirty="0">
+                <a:effectLst/>
+                <a:latin typeface="Calibri" panose="020F0502020204030204" pitchFamily="34" charset="0"/>
+                <a:ea typeface="Times New Roman" panose="02020603050405020304" pitchFamily="18" charset="0"/>
+              </a:rPr>
+              <a:t> </a:t>
+            </a:r>
+            <a:r>
+              <a:rPr lang="es-ES" sz="1600" dirty="0" err="1">
+                <a:effectLst/>
+                <a:latin typeface="Calibri" panose="020F0502020204030204" pitchFamily="34" charset="0"/>
+                <a:ea typeface="Times New Roman" panose="02020603050405020304" pitchFamily="18" charset="0"/>
+              </a:rPr>
+              <a:t>restrictions</a:t>
+            </a:r>
+            <a:r>
+              <a:rPr lang="es-ES" sz="1600" dirty="0">
+                <a:effectLst/>
+                <a:latin typeface="Calibri" panose="020F0502020204030204" pitchFamily="34" charset="0"/>
+                <a:ea typeface="Times New Roman" panose="02020603050405020304" pitchFamily="18" charset="0"/>
+              </a:rPr>
+              <a:t> </a:t>
+            </a:r>
+            <a:r>
+              <a:rPr lang="es-ES" sz="1600" dirty="0" err="1">
+                <a:effectLst/>
+                <a:latin typeface="Calibri" panose="020F0502020204030204" pitchFamily="34" charset="0"/>
+                <a:ea typeface="Times New Roman" panose="02020603050405020304" pitchFamily="18" charset="0"/>
+              </a:rPr>
+              <a:t>on</a:t>
+            </a:r>
+            <a:r>
+              <a:rPr lang="es-ES" sz="1600" dirty="0">
+                <a:effectLst/>
+                <a:latin typeface="Calibri" panose="020F0502020204030204" pitchFamily="34" charset="0"/>
+                <a:ea typeface="Times New Roman" panose="02020603050405020304" pitchFamily="18" charset="0"/>
+              </a:rPr>
+              <a:t> </a:t>
+            </a:r>
+            <a:r>
+              <a:rPr lang="es-ES" sz="1600" dirty="0" err="1">
+                <a:effectLst/>
+                <a:latin typeface="Calibri" panose="020F0502020204030204" pitchFamily="34" charset="0"/>
+                <a:ea typeface="Times New Roman" panose="02020603050405020304" pitchFamily="18" charset="0"/>
+              </a:rPr>
+              <a:t>properties</a:t>
+            </a:r>
+            <a:r>
+              <a:rPr lang="es-ES" sz="1600" dirty="0">
+                <a:effectLst/>
+                <a:latin typeface="Calibri" panose="020F0502020204030204" pitchFamily="34" charset="0"/>
+                <a:ea typeface="Times New Roman" panose="02020603050405020304" pitchFamily="18" charset="0"/>
+              </a:rPr>
+              <a:t>, </a:t>
+            </a:r>
+            <a:r>
+              <a:rPr lang="es-ES" sz="1600" dirty="0" err="1">
+                <a:effectLst/>
+                <a:latin typeface="Calibri" panose="020F0502020204030204" pitchFamily="34" charset="0"/>
+                <a:ea typeface="Times New Roman" panose="02020603050405020304" pitchFamily="18" charset="0"/>
+              </a:rPr>
+              <a:t>ensuring</a:t>
+            </a:r>
+            <a:r>
+              <a:rPr lang="es-ES" sz="1600" dirty="0">
+                <a:effectLst/>
+                <a:latin typeface="Calibri" panose="020F0502020204030204" pitchFamily="34" charset="0"/>
+                <a:ea typeface="Times New Roman" panose="02020603050405020304" pitchFamily="18" charset="0"/>
+              </a:rPr>
+              <a:t> </a:t>
+            </a:r>
+            <a:r>
+              <a:rPr lang="es-ES" sz="1600" dirty="0" err="1">
+                <a:effectLst/>
+                <a:latin typeface="Calibri" panose="020F0502020204030204" pitchFamily="34" charset="0"/>
+                <a:ea typeface="Times New Roman" panose="02020603050405020304" pitchFamily="18" charset="0"/>
+              </a:rPr>
+              <a:t>that</a:t>
+            </a:r>
+            <a:r>
+              <a:rPr lang="es-ES" sz="1600" dirty="0">
+                <a:effectLst/>
+                <a:latin typeface="Calibri" panose="020F0502020204030204" pitchFamily="34" charset="0"/>
+                <a:ea typeface="Times New Roman" panose="02020603050405020304" pitchFamily="18" charset="0"/>
+              </a:rPr>
+              <a:t> </a:t>
+            </a:r>
+            <a:r>
+              <a:rPr lang="es-ES" sz="1600" dirty="0" err="1">
+                <a:effectLst/>
+                <a:latin typeface="Calibri" panose="020F0502020204030204" pitchFamily="34" charset="0"/>
+                <a:ea typeface="Times New Roman" panose="02020603050405020304" pitchFamily="18" charset="0"/>
+              </a:rPr>
+              <a:t>certain</a:t>
+            </a:r>
+            <a:r>
+              <a:rPr lang="es-ES" sz="1600" dirty="0">
+                <a:effectLst/>
+                <a:latin typeface="Calibri" panose="020F0502020204030204" pitchFamily="34" charset="0"/>
+                <a:ea typeface="Times New Roman" panose="02020603050405020304" pitchFamily="18" charset="0"/>
+              </a:rPr>
+              <a:t> </a:t>
+            </a:r>
+            <a:r>
+              <a:rPr lang="es-ES" sz="1600" dirty="0" err="1">
+                <a:effectLst/>
+                <a:latin typeface="Calibri" panose="020F0502020204030204" pitchFamily="34" charset="0"/>
+                <a:ea typeface="Times New Roman" panose="02020603050405020304" pitchFamily="18" charset="0"/>
+              </a:rPr>
+              <a:t>properties</a:t>
+            </a:r>
+            <a:r>
+              <a:rPr lang="es-ES" sz="1600" dirty="0">
+                <a:effectLst/>
+                <a:latin typeface="Calibri" panose="020F0502020204030204" pitchFamily="34" charset="0"/>
+                <a:ea typeface="Times New Roman" panose="02020603050405020304" pitchFamily="18" charset="0"/>
+              </a:rPr>
+              <a:t> </a:t>
+            </a:r>
+            <a:r>
+              <a:rPr lang="es-ES" sz="1600" dirty="0" err="1">
+                <a:effectLst/>
+                <a:latin typeface="Calibri" panose="020F0502020204030204" pitchFamily="34" charset="0"/>
+                <a:ea typeface="Times New Roman" panose="02020603050405020304" pitchFamily="18" charset="0"/>
+              </a:rPr>
+              <a:t>have</a:t>
+            </a:r>
+            <a:r>
+              <a:rPr lang="es-ES" sz="1600" dirty="0">
+                <a:effectLst/>
+                <a:latin typeface="Calibri" panose="020F0502020204030204" pitchFamily="34" charset="0"/>
+                <a:ea typeface="Times New Roman" panose="02020603050405020304" pitchFamily="18" charset="0"/>
+              </a:rPr>
+              <a:t> </a:t>
+            </a:r>
+            <a:r>
+              <a:rPr lang="es-ES" sz="1600" dirty="0" err="1">
+                <a:effectLst/>
+                <a:latin typeface="Calibri" panose="020F0502020204030204" pitchFamily="34" charset="0"/>
+                <a:ea typeface="Times New Roman" panose="02020603050405020304" pitchFamily="18" charset="0"/>
+              </a:rPr>
+              <a:t>specific</a:t>
+            </a:r>
+            <a:r>
+              <a:rPr lang="es-ES" sz="1600" dirty="0">
+                <a:effectLst/>
+                <a:latin typeface="Calibri" panose="020F0502020204030204" pitchFamily="34" charset="0"/>
+                <a:ea typeface="Times New Roman" panose="02020603050405020304" pitchFamily="18" charset="0"/>
+              </a:rPr>
+              <a:t> </a:t>
+            </a:r>
+            <a:r>
+              <a:rPr lang="es-ES" sz="1600" dirty="0" err="1">
+                <a:effectLst/>
+                <a:latin typeface="Calibri" panose="020F0502020204030204" pitchFamily="34" charset="0"/>
+                <a:ea typeface="Times New Roman" panose="02020603050405020304" pitchFamily="18" charset="0"/>
+              </a:rPr>
+              <a:t>numbers</a:t>
+            </a:r>
+            <a:r>
+              <a:rPr lang="es-ES" sz="1600" dirty="0">
+                <a:effectLst/>
+                <a:latin typeface="Calibri" panose="020F0502020204030204" pitchFamily="34" charset="0"/>
+                <a:ea typeface="Times New Roman" panose="02020603050405020304" pitchFamily="18" charset="0"/>
+              </a:rPr>
+              <a:t> </a:t>
+            </a:r>
+            <a:r>
+              <a:rPr lang="es-ES" sz="1600" dirty="0" err="1">
+                <a:effectLst/>
+                <a:latin typeface="Calibri" panose="020F0502020204030204" pitchFamily="34" charset="0"/>
+                <a:ea typeface="Times New Roman" panose="02020603050405020304" pitchFamily="18" charset="0"/>
+              </a:rPr>
+              <a:t>of</a:t>
+            </a:r>
+            <a:r>
+              <a:rPr lang="es-ES" sz="1600" dirty="0">
+                <a:effectLst/>
+                <a:latin typeface="Calibri" panose="020F0502020204030204" pitchFamily="34" charset="0"/>
+                <a:ea typeface="Times New Roman" panose="02020603050405020304" pitchFamily="18" charset="0"/>
+              </a:rPr>
+              <a:t> </a:t>
+            </a:r>
+            <a:r>
+              <a:rPr lang="es-ES" sz="1600" dirty="0" err="1">
+                <a:effectLst/>
+                <a:latin typeface="Calibri" panose="020F0502020204030204" pitchFamily="34" charset="0"/>
+                <a:ea typeface="Times New Roman" panose="02020603050405020304" pitchFamily="18" charset="0"/>
+              </a:rPr>
+              <a:t>values</a:t>
+            </a:r>
+            <a:r>
+              <a:rPr lang="es-ES" sz="1600" dirty="0">
+                <a:effectLst/>
+                <a:latin typeface="Calibri" panose="020F0502020204030204" pitchFamily="34" charset="0"/>
+                <a:ea typeface="Times New Roman" panose="02020603050405020304" pitchFamily="18" charset="0"/>
+              </a:rPr>
+              <a:t>. </a:t>
+            </a:r>
+            <a:r>
+              <a:rPr lang="es-ES" sz="1600" dirty="0" err="1">
+                <a:effectLst/>
+                <a:latin typeface="Calibri" panose="020F0502020204030204" pitchFamily="34" charset="0"/>
+                <a:ea typeface="Times New Roman" panose="02020603050405020304" pitchFamily="18" charset="0"/>
+              </a:rPr>
+              <a:t>For</a:t>
+            </a:r>
+            <a:r>
+              <a:rPr lang="es-ES" sz="1600" dirty="0">
+                <a:effectLst/>
+                <a:latin typeface="Calibri" panose="020F0502020204030204" pitchFamily="34" charset="0"/>
+                <a:ea typeface="Times New Roman" panose="02020603050405020304" pitchFamily="18" charset="0"/>
+              </a:rPr>
+              <a:t> </a:t>
+            </a:r>
+            <a:r>
+              <a:rPr lang="es-ES" sz="1600" dirty="0" err="1">
+                <a:effectLst/>
+                <a:latin typeface="Calibri" panose="020F0502020204030204" pitchFamily="34" charset="0"/>
+                <a:ea typeface="Times New Roman" panose="02020603050405020304" pitchFamily="18" charset="0"/>
+              </a:rPr>
+              <a:t>example</a:t>
+            </a:r>
+            <a:r>
+              <a:rPr lang="es-ES" sz="1600" dirty="0">
+                <a:effectLst/>
+                <a:latin typeface="Calibri" panose="020F0502020204030204" pitchFamily="34" charset="0"/>
+                <a:ea typeface="Times New Roman" panose="02020603050405020304" pitchFamily="18" charset="0"/>
+              </a:rPr>
+              <a:t>, </a:t>
+            </a:r>
+            <a:r>
+              <a:rPr lang="es-ES" sz="1600" dirty="0" err="1">
+                <a:effectLst/>
+                <a:latin typeface="Calibri" panose="020F0502020204030204" pitchFamily="34" charset="0"/>
+                <a:ea typeface="Times New Roman" panose="02020603050405020304" pitchFamily="18" charset="0"/>
+              </a:rPr>
+              <a:t>the</a:t>
+            </a:r>
+            <a:r>
+              <a:rPr lang="es-ES" sz="1600" dirty="0">
+                <a:effectLst/>
+                <a:latin typeface="Calibri" panose="020F0502020204030204" pitchFamily="34" charset="0"/>
+                <a:ea typeface="Times New Roman" panose="02020603050405020304" pitchFamily="18" charset="0"/>
+              </a:rPr>
+              <a:t> </a:t>
+            </a:r>
+            <a:r>
+              <a:rPr lang="es-ES" sz="1600" dirty="0" err="1">
+                <a:effectLst/>
+                <a:latin typeface="Calibri" panose="020F0502020204030204" pitchFamily="34" charset="0"/>
+                <a:ea typeface="Times New Roman" panose="02020603050405020304" pitchFamily="18" charset="0"/>
+              </a:rPr>
+              <a:t>sales_product</a:t>
+            </a:r>
+            <a:r>
+              <a:rPr lang="es-ES" sz="1600" dirty="0">
+                <a:effectLst/>
+                <a:latin typeface="Calibri" panose="020F0502020204030204" pitchFamily="34" charset="0"/>
+                <a:ea typeface="Times New Roman" panose="02020603050405020304" pitchFamily="18" charset="0"/>
+              </a:rPr>
+              <a:t> </a:t>
+            </a:r>
+            <a:r>
+              <a:rPr lang="es-ES" sz="1600" dirty="0" err="1">
+                <a:effectLst/>
+                <a:latin typeface="Calibri" panose="020F0502020204030204" pitchFamily="34" charset="0"/>
+                <a:ea typeface="Times New Roman" panose="02020603050405020304" pitchFamily="18" charset="0"/>
+              </a:rPr>
+              <a:t>class</a:t>
+            </a:r>
+            <a:r>
+              <a:rPr lang="es-ES" sz="1600" dirty="0">
+                <a:effectLst/>
+                <a:latin typeface="Calibri" panose="020F0502020204030204" pitchFamily="34" charset="0"/>
+                <a:ea typeface="Times New Roman" panose="02020603050405020304" pitchFamily="18" charset="0"/>
+              </a:rPr>
+              <a:t> has a </a:t>
+            </a:r>
+            <a:r>
+              <a:rPr lang="es-ES" sz="1600" dirty="0" err="1">
+                <a:effectLst/>
+                <a:latin typeface="Calibri" panose="020F0502020204030204" pitchFamily="34" charset="0"/>
+                <a:ea typeface="Times New Roman" panose="02020603050405020304" pitchFamily="18" charset="0"/>
+              </a:rPr>
+              <a:t>cardinality</a:t>
+            </a:r>
+            <a:r>
+              <a:rPr lang="es-ES" sz="1600" dirty="0">
+                <a:effectLst/>
+                <a:latin typeface="Calibri" panose="020F0502020204030204" pitchFamily="34" charset="0"/>
+                <a:ea typeface="Times New Roman" panose="02020603050405020304" pitchFamily="18" charset="0"/>
+              </a:rPr>
+              <a:t> </a:t>
+            </a:r>
+            <a:r>
+              <a:rPr lang="es-ES" sz="1600" dirty="0" err="1">
+                <a:effectLst/>
+                <a:latin typeface="Calibri" panose="020F0502020204030204" pitchFamily="34" charset="0"/>
+                <a:ea typeface="Times New Roman" panose="02020603050405020304" pitchFamily="18" charset="0"/>
+              </a:rPr>
+              <a:t>restriction</a:t>
+            </a:r>
+            <a:r>
+              <a:rPr lang="es-ES" sz="1600" dirty="0">
+                <a:effectLst/>
+                <a:latin typeface="Calibri" panose="020F0502020204030204" pitchFamily="34" charset="0"/>
+                <a:ea typeface="Times New Roman" panose="02020603050405020304" pitchFamily="18" charset="0"/>
+              </a:rPr>
+              <a:t> </a:t>
+            </a:r>
+            <a:r>
+              <a:rPr lang="es-ES" sz="1600" dirty="0" err="1">
+                <a:effectLst/>
+                <a:latin typeface="Calibri" panose="020F0502020204030204" pitchFamily="34" charset="0"/>
+                <a:ea typeface="Times New Roman" panose="02020603050405020304" pitchFamily="18" charset="0"/>
+              </a:rPr>
+              <a:t>of</a:t>
+            </a:r>
+            <a:r>
+              <a:rPr lang="es-ES" sz="1600" dirty="0">
+                <a:effectLst/>
+                <a:latin typeface="Calibri" panose="020F0502020204030204" pitchFamily="34" charset="0"/>
+                <a:ea typeface="Times New Roman" panose="02020603050405020304" pitchFamily="18" charset="0"/>
+              </a:rPr>
+              <a:t> 1 </a:t>
+            </a:r>
+            <a:r>
+              <a:rPr lang="es-ES" sz="1600" dirty="0" err="1">
+                <a:effectLst/>
+                <a:latin typeface="Calibri" panose="020F0502020204030204" pitchFamily="34" charset="0"/>
+                <a:ea typeface="Times New Roman" panose="02020603050405020304" pitchFamily="18" charset="0"/>
+              </a:rPr>
+              <a:t>for</a:t>
+            </a:r>
+            <a:r>
+              <a:rPr lang="es-ES" sz="1600" dirty="0">
+                <a:effectLst/>
+                <a:latin typeface="Calibri" panose="020F0502020204030204" pitchFamily="34" charset="0"/>
+                <a:ea typeface="Times New Roman" panose="02020603050405020304" pitchFamily="18" charset="0"/>
+              </a:rPr>
+              <a:t> </a:t>
+            </a:r>
+            <a:r>
+              <a:rPr lang="es-ES" sz="1600" dirty="0" err="1">
+                <a:effectLst/>
+                <a:latin typeface="Calibri" panose="020F0502020204030204" pitchFamily="34" charset="0"/>
+                <a:ea typeface="Times New Roman" panose="02020603050405020304" pitchFamily="18" charset="0"/>
+              </a:rPr>
+              <a:t>the</a:t>
+            </a:r>
+            <a:r>
+              <a:rPr lang="es-ES" sz="1600" dirty="0">
+                <a:effectLst/>
+                <a:latin typeface="Calibri" panose="020F0502020204030204" pitchFamily="34" charset="0"/>
+                <a:ea typeface="Times New Roman" panose="02020603050405020304" pitchFamily="18" charset="0"/>
+              </a:rPr>
+              <a:t> </a:t>
+            </a:r>
+            <a:r>
+              <a:rPr lang="es-ES" sz="1600" dirty="0" err="1">
+                <a:effectLst/>
+                <a:latin typeface="Calibri" panose="020F0502020204030204" pitchFamily="34" charset="0"/>
+                <a:ea typeface="Times New Roman" panose="02020603050405020304" pitchFamily="18" charset="0"/>
+              </a:rPr>
+              <a:t>BrandName</a:t>
+            </a:r>
+            <a:r>
+              <a:rPr lang="es-ES" sz="1600" dirty="0">
+                <a:effectLst/>
+                <a:latin typeface="Calibri" panose="020F0502020204030204" pitchFamily="34" charset="0"/>
+                <a:ea typeface="Times New Roman" panose="02020603050405020304" pitchFamily="18" charset="0"/>
+              </a:rPr>
+              <a:t> </a:t>
+            </a:r>
+            <a:r>
+              <a:rPr lang="es-ES" sz="1600" dirty="0" err="1">
+                <a:effectLst/>
+                <a:latin typeface="Calibri" panose="020F0502020204030204" pitchFamily="34" charset="0"/>
+                <a:ea typeface="Times New Roman" panose="02020603050405020304" pitchFamily="18" charset="0"/>
+              </a:rPr>
+              <a:t>property</a:t>
+            </a:r>
+            <a:r>
+              <a:rPr lang="es-ES" sz="1600" dirty="0">
+                <a:effectLst/>
+                <a:latin typeface="Calibri" panose="020F0502020204030204" pitchFamily="34" charset="0"/>
+                <a:ea typeface="Times New Roman" panose="02020603050405020304" pitchFamily="18" charset="0"/>
+              </a:rPr>
+              <a:t>.</a:t>
+            </a:r>
+            <a:br>
+              <a:rPr lang="es-ES" sz="1600" dirty="0">
+                <a:effectLst/>
+                <a:latin typeface="Calibri" panose="020F0502020204030204" pitchFamily="34" charset="0"/>
+                <a:ea typeface="Times New Roman" panose="02020603050405020304" pitchFamily="18" charset="0"/>
+              </a:rPr>
+            </a:br>
+            <a:br>
+              <a:rPr lang="es-ES" sz="1600" dirty="0">
+                <a:effectLst/>
+                <a:latin typeface="Calibri" panose="020F0502020204030204" pitchFamily="34" charset="0"/>
+                <a:ea typeface="Times New Roman" panose="02020603050405020304" pitchFamily="18" charset="0"/>
+              </a:rPr>
+            </a:br>
+            <a:r>
+              <a:rPr lang="es-ES" sz="1600" dirty="0">
+                <a:effectLst/>
+                <a:latin typeface="Calibri" panose="020F0502020204030204" pitchFamily="34" charset="0"/>
+                <a:ea typeface="Times New Roman" panose="02020603050405020304" pitchFamily="18" charset="0"/>
+              </a:rPr>
+              <a:t>3. </a:t>
+            </a:r>
+            <a:r>
+              <a:rPr lang="es-ES" sz="1600" dirty="0" err="1">
+                <a:effectLst/>
+                <a:latin typeface="Calibri" panose="020F0502020204030204" pitchFamily="34" charset="0"/>
+                <a:ea typeface="Times New Roman" panose="02020603050405020304" pitchFamily="18" charset="0"/>
+              </a:rPr>
+              <a:t>Equivalence</a:t>
+            </a:r>
+            <a:r>
+              <a:rPr lang="es-ES" sz="1600" dirty="0">
+                <a:effectLst/>
+                <a:latin typeface="Calibri" panose="020F0502020204030204" pitchFamily="34" charset="0"/>
+                <a:ea typeface="Times New Roman" panose="02020603050405020304" pitchFamily="18" charset="0"/>
+              </a:rPr>
+              <a:t>:</a:t>
+            </a:r>
+            <a:br>
+              <a:rPr lang="es-ES" sz="1600" dirty="0">
+                <a:effectLst/>
+                <a:latin typeface="Calibri" panose="020F0502020204030204" pitchFamily="34" charset="0"/>
+                <a:ea typeface="Times New Roman" panose="02020603050405020304" pitchFamily="18" charset="0"/>
+              </a:rPr>
+            </a:br>
+            <a:r>
+              <a:rPr lang="es-ES" sz="1600" dirty="0">
+                <a:effectLst/>
+                <a:latin typeface="Calibri" panose="020F0502020204030204" pitchFamily="34" charset="0"/>
+                <a:ea typeface="Times New Roman" panose="02020603050405020304" pitchFamily="18" charset="0"/>
+              </a:rPr>
+              <a:t>     - </a:t>
+            </a:r>
+            <a:r>
+              <a:rPr lang="es-ES" sz="1600" dirty="0" err="1">
+                <a:effectLst/>
+                <a:latin typeface="Calibri" panose="020F0502020204030204" pitchFamily="34" charset="0"/>
+                <a:ea typeface="Times New Roman" panose="02020603050405020304" pitchFamily="18" charset="0"/>
+              </a:rPr>
+              <a:t>Ontology</a:t>
+            </a:r>
+            <a:r>
+              <a:rPr lang="es-ES" sz="1600" dirty="0">
+                <a:effectLst/>
+                <a:latin typeface="Calibri" panose="020F0502020204030204" pitchFamily="34" charset="0"/>
+                <a:ea typeface="Times New Roman" panose="02020603050405020304" pitchFamily="18" charset="0"/>
+              </a:rPr>
+              <a:t> 1 </a:t>
+            </a:r>
+            <a:r>
+              <a:rPr lang="es-ES" sz="1600" dirty="0" err="1">
+                <a:effectLst/>
+                <a:latin typeface="Calibri" panose="020F0502020204030204" pitchFamily="34" charset="0"/>
+                <a:ea typeface="Times New Roman" panose="02020603050405020304" pitchFamily="18" charset="0"/>
+              </a:rPr>
+              <a:t>Does</a:t>
+            </a:r>
+            <a:r>
+              <a:rPr lang="es-ES" sz="1600" dirty="0">
+                <a:effectLst/>
+                <a:latin typeface="Calibri" panose="020F0502020204030204" pitchFamily="34" charset="0"/>
+                <a:ea typeface="Times New Roman" panose="02020603050405020304" pitchFamily="18" charset="0"/>
+              </a:rPr>
+              <a:t> </a:t>
+            </a:r>
+            <a:r>
+              <a:rPr lang="es-ES" sz="1600" dirty="0" err="1">
+                <a:effectLst/>
+                <a:latin typeface="Calibri" panose="020F0502020204030204" pitchFamily="34" charset="0"/>
+                <a:ea typeface="Times New Roman" panose="02020603050405020304" pitchFamily="18" charset="0"/>
+              </a:rPr>
+              <a:t>not</a:t>
+            </a:r>
+            <a:r>
+              <a:rPr lang="es-ES" sz="1600" dirty="0">
+                <a:effectLst/>
+                <a:latin typeface="Calibri" panose="020F0502020204030204" pitchFamily="34" charset="0"/>
+                <a:ea typeface="Times New Roman" panose="02020603050405020304" pitchFamily="18" charset="0"/>
+              </a:rPr>
+              <a:t> define </a:t>
+            </a:r>
+            <a:r>
+              <a:rPr lang="es-ES" sz="1600" dirty="0" err="1">
+                <a:effectLst/>
+                <a:latin typeface="Calibri" panose="020F0502020204030204" pitchFamily="34" charset="0"/>
+                <a:ea typeface="Times New Roman" panose="02020603050405020304" pitchFamily="18" charset="0"/>
+              </a:rPr>
+              <a:t>equivalent</a:t>
+            </a:r>
+            <a:r>
+              <a:rPr lang="es-ES" sz="1600" dirty="0">
+                <a:effectLst/>
+                <a:latin typeface="Calibri" panose="020F0502020204030204" pitchFamily="34" charset="0"/>
+                <a:ea typeface="Times New Roman" panose="02020603050405020304" pitchFamily="18" charset="0"/>
+              </a:rPr>
+              <a:t> </a:t>
+            </a:r>
+            <a:r>
+              <a:rPr lang="es-ES" sz="1600" dirty="0" err="1">
+                <a:effectLst/>
+                <a:latin typeface="Calibri" panose="020F0502020204030204" pitchFamily="34" charset="0"/>
+                <a:ea typeface="Times New Roman" panose="02020603050405020304" pitchFamily="18" charset="0"/>
+              </a:rPr>
+              <a:t>properties</a:t>
+            </a:r>
+            <a:r>
+              <a:rPr lang="es-ES" sz="1600" dirty="0">
+                <a:effectLst/>
+                <a:latin typeface="Calibri" panose="020F0502020204030204" pitchFamily="34" charset="0"/>
+                <a:ea typeface="Times New Roman" panose="02020603050405020304" pitchFamily="18" charset="0"/>
+              </a:rPr>
+              <a:t>.</a:t>
+            </a:r>
+            <a:br>
+              <a:rPr lang="es-ES" sz="1600" dirty="0">
+                <a:effectLst/>
+                <a:latin typeface="Calibri" panose="020F0502020204030204" pitchFamily="34" charset="0"/>
+                <a:ea typeface="Times New Roman" panose="02020603050405020304" pitchFamily="18" charset="0"/>
+              </a:rPr>
+            </a:br>
+            <a:r>
+              <a:rPr lang="es-ES" sz="1600" dirty="0">
+                <a:effectLst/>
+                <a:latin typeface="Calibri" panose="020F0502020204030204" pitchFamily="34" charset="0"/>
+                <a:ea typeface="Times New Roman" panose="02020603050405020304" pitchFamily="18" charset="0"/>
+              </a:rPr>
+              <a:t>     - </a:t>
+            </a:r>
+            <a:r>
+              <a:rPr lang="es-ES" sz="1600" dirty="0" err="1">
+                <a:effectLst/>
+                <a:latin typeface="Calibri" panose="020F0502020204030204" pitchFamily="34" charset="0"/>
+                <a:ea typeface="Times New Roman" panose="02020603050405020304" pitchFamily="18" charset="0"/>
+              </a:rPr>
+              <a:t>Ontology</a:t>
+            </a:r>
+            <a:r>
+              <a:rPr lang="es-ES" sz="1600" dirty="0">
+                <a:effectLst/>
+                <a:latin typeface="Calibri" panose="020F0502020204030204" pitchFamily="34" charset="0"/>
+                <a:ea typeface="Times New Roman" panose="02020603050405020304" pitchFamily="18" charset="0"/>
+              </a:rPr>
+              <a:t> 2 Defines </a:t>
+            </a:r>
+            <a:r>
+              <a:rPr lang="es-ES" sz="1600" dirty="0" err="1">
+                <a:effectLst/>
+                <a:latin typeface="Calibri" panose="020F0502020204030204" pitchFamily="34" charset="0"/>
+                <a:ea typeface="Times New Roman" panose="02020603050405020304" pitchFamily="18" charset="0"/>
+              </a:rPr>
+              <a:t>equivalent</a:t>
+            </a:r>
+            <a:r>
+              <a:rPr lang="es-ES" sz="1600" dirty="0">
+                <a:effectLst/>
+                <a:latin typeface="Calibri" panose="020F0502020204030204" pitchFamily="34" charset="0"/>
+                <a:ea typeface="Times New Roman" panose="02020603050405020304" pitchFamily="18" charset="0"/>
+              </a:rPr>
+              <a:t> </a:t>
+            </a:r>
+            <a:r>
+              <a:rPr lang="es-ES" sz="1600" dirty="0" err="1">
+                <a:effectLst/>
+                <a:latin typeface="Calibri" panose="020F0502020204030204" pitchFamily="34" charset="0"/>
+                <a:ea typeface="Times New Roman" panose="02020603050405020304" pitchFamily="18" charset="0"/>
+              </a:rPr>
+              <a:t>properties</a:t>
+            </a:r>
+            <a:r>
+              <a:rPr lang="es-ES" sz="1600" dirty="0">
+                <a:effectLst/>
+                <a:latin typeface="Calibri" panose="020F0502020204030204" pitchFamily="34" charset="0"/>
+                <a:ea typeface="Times New Roman" panose="02020603050405020304" pitchFamily="18" charset="0"/>
+              </a:rPr>
+              <a:t>, </a:t>
+            </a:r>
+            <a:r>
+              <a:rPr lang="es-ES" sz="1600" dirty="0" err="1">
+                <a:effectLst/>
+                <a:latin typeface="Calibri" panose="020F0502020204030204" pitchFamily="34" charset="0"/>
+                <a:ea typeface="Times New Roman" panose="02020603050405020304" pitchFamily="18" charset="0"/>
+              </a:rPr>
+              <a:t>linking</a:t>
+            </a:r>
+            <a:r>
+              <a:rPr lang="es-ES" sz="1600" dirty="0">
+                <a:effectLst/>
+                <a:latin typeface="Calibri" panose="020F0502020204030204" pitchFamily="34" charset="0"/>
+                <a:ea typeface="Times New Roman" panose="02020603050405020304" pitchFamily="18" charset="0"/>
+              </a:rPr>
+              <a:t> </a:t>
+            </a:r>
+            <a:r>
+              <a:rPr lang="es-ES" sz="1600" dirty="0" err="1">
+                <a:effectLst/>
+                <a:latin typeface="Calibri" panose="020F0502020204030204" pitchFamily="34" charset="0"/>
+                <a:ea typeface="Times New Roman" panose="02020603050405020304" pitchFamily="18" charset="0"/>
+              </a:rPr>
+              <a:t>the</a:t>
+            </a:r>
+            <a:r>
+              <a:rPr lang="es-ES" sz="1600" dirty="0">
+                <a:effectLst/>
+                <a:latin typeface="Calibri" panose="020F0502020204030204" pitchFamily="34" charset="0"/>
+                <a:ea typeface="Times New Roman" panose="02020603050405020304" pitchFamily="18" charset="0"/>
+              </a:rPr>
+              <a:t> </a:t>
+            </a:r>
+            <a:r>
+              <a:rPr lang="es-ES" sz="1600" dirty="0" err="1">
+                <a:effectLst/>
+                <a:latin typeface="Calibri" panose="020F0502020204030204" pitchFamily="34" charset="0"/>
+                <a:ea typeface="Times New Roman" panose="02020603050405020304" pitchFamily="18" charset="0"/>
+              </a:rPr>
+              <a:t>ontology's</a:t>
+            </a:r>
+            <a:r>
+              <a:rPr lang="es-ES" sz="1600" dirty="0">
+                <a:effectLst/>
+                <a:latin typeface="Calibri" panose="020F0502020204030204" pitchFamily="34" charset="0"/>
+                <a:ea typeface="Times New Roman" panose="02020603050405020304" pitchFamily="18" charset="0"/>
+              </a:rPr>
+              <a:t> </a:t>
+            </a:r>
+            <a:r>
+              <a:rPr lang="es-ES" sz="1600" dirty="0" err="1">
+                <a:effectLst/>
+                <a:latin typeface="Calibri" panose="020F0502020204030204" pitchFamily="34" charset="0"/>
+                <a:ea typeface="Times New Roman" panose="02020603050405020304" pitchFamily="18" charset="0"/>
+              </a:rPr>
+              <a:t>properties</a:t>
+            </a:r>
+            <a:r>
+              <a:rPr lang="es-ES" sz="1600" dirty="0">
+                <a:effectLst/>
+                <a:latin typeface="Calibri" panose="020F0502020204030204" pitchFamily="34" charset="0"/>
+                <a:ea typeface="Times New Roman" panose="02020603050405020304" pitchFamily="18" charset="0"/>
+              </a:rPr>
+              <a:t> </a:t>
+            </a:r>
+            <a:r>
+              <a:rPr lang="es-ES" sz="1600" dirty="0" err="1">
+                <a:effectLst/>
+                <a:latin typeface="Calibri" panose="020F0502020204030204" pitchFamily="34" charset="0"/>
+                <a:ea typeface="Times New Roman" panose="02020603050405020304" pitchFamily="18" charset="0"/>
+              </a:rPr>
+              <a:t>to</a:t>
+            </a:r>
+            <a:r>
+              <a:rPr lang="es-ES" sz="1600" dirty="0">
+                <a:effectLst/>
+                <a:latin typeface="Calibri" panose="020F0502020204030204" pitchFamily="34" charset="0"/>
+                <a:ea typeface="Times New Roman" panose="02020603050405020304" pitchFamily="18" charset="0"/>
+              </a:rPr>
+              <a:t> </a:t>
+            </a:r>
+            <a:r>
+              <a:rPr lang="es-ES" sz="1600" dirty="0" err="1">
+                <a:effectLst/>
+                <a:latin typeface="Calibri" panose="020F0502020204030204" pitchFamily="34" charset="0"/>
+                <a:ea typeface="Times New Roman" panose="02020603050405020304" pitchFamily="18" charset="0"/>
+              </a:rPr>
+              <a:t>those</a:t>
+            </a:r>
+            <a:r>
+              <a:rPr lang="es-ES" sz="1600" dirty="0">
+                <a:effectLst/>
+                <a:latin typeface="Calibri" panose="020F0502020204030204" pitchFamily="34" charset="0"/>
+                <a:ea typeface="Times New Roman" panose="02020603050405020304" pitchFamily="18" charset="0"/>
+              </a:rPr>
+              <a:t> </a:t>
+            </a:r>
+            <a:r>
+              <a:rPr lang="es-ES" sz="1600" dirty="0" err="1">
+                <a:effectLst/>
+                <a:latin typeface="Calibri" panose="020F0502020204030204" pitchFamily="34" charset="0"/>
+                <a:ea typeface="Times New Roman" panose="02020603050405020304" pitchFamily="18" charset="0"/>
+              </a:rPr>
+              <a:t>from</a:t>
+            </a:r>
+            <a:r>
+              <a:rPr lang="es-ES" sz="1600" dirty="0">
+                <a:effectLst/>
+                <a:latin typeface="Calibri" panose="020F0502020204030204" pitchFamily="34" charset="0"/>
+                <a:ea typeface="Times New Roman" panose="02020603050405020304" pitchFamily="18" charset="0"/>
+              </a:rPr>
+              <a:t> </a:t>
+            </a:r>
+            <a:r>
+              <a:rPr lang="es-ES" sz="1600" dirty="0" err="1">
+                <a:effectLst/>
+                <a:latin typeface="Calibri" panose="020F0502020204030204" pitchFamily="34" charset="0"/>
+                <a:ea typeface="Times New Roman" panose="02020603050405020304" pitchFamily="18" charset="0"/>
+              </a:rPr>
+              <a:t>the</a:t>
+            </a:r>
+            <a:r>
+              <a:rPr lang="es-ES" sz="1600" dirty="0">
+                <a:effectLst/>
+                <a:latin typeface="Calibri" panose="020F0502020204030204" pitchFamily="34" charset="0"/>
+                <a:ea typeface="Times New Roman" panose="02020603050405020304" pitchFamily="18" charset="0"/>
+              </a:rPr>
+              <a:t> </a:t>
+            </a:r>
+            <a:r>
+              <a:rPr lang="es-ES" sz="1600" u="sng" dirty="0">
+                <a:solidFill>
+                  <a:srgbClr val="0000FF"/>
+                </a:solidFill>
+                <a:effectLst/>
+                <a:latin typeface="Calibri" panose="020F0502020204030204" pitchFamily="34" charset="0"/>
+                <a:ea typeface="Times New Roman" panose="02020603050405020304" pitchFamily="18" charset="0"/>
+                <a:hlinkClick r:id="rId2"/>
+              </a:rPr>
+              <a:t>schema.org</a:t>
+            </a:r>
+            <a:r>
+              <a:rPr lang="es-ES" sz="1600" dirty="0">
+                <a:effectLst/>
+                <a:latin typeface="Calibri" panose="020F0502020204030204" pitchFamily="34" charset="0"/>
+                <a:ea typeface="Times New Roman" panose="02020603050405020304" pitchFamily="18" charset="0"/>
+              </a:rPr>
+              <a:t> </a:t>
+            </a:r>
+            <a:r>
+              <a:rPr lang="es-ES" sz="1600" dirty="0" err="1">
+                <a:effectLst/>
+                <a:latin typeface="Calibri" panose="020F0502020204030204" pitchFamily="34" charset="0"/>
+                <a:ea typeface="Times New Roman" panose="02020603050405020304" pitchFamily="18" charset="0"/>
+              </a:rPr>
+              <a:t>vocabulary</a:t>
+            </a:r>
+            <a:r>
+              <a:rPr lang="es-ES" sz="1600" dirty="0">
+                <a:effectLst/>
+                <a:latin typeface="Calibri" panose="020F0502020204030204" pitchFamily="34" charset="0"/>
+                <a:ea typeface="Times New Roman" panose="02020603050405020304" pitchFamily="18" charset="0"/>
+              </a:rPr>
+              <a:t>. </a:t>
+            </a:r>
+            <a:r>
+              <a:rPr lang="es-ES" sz="1600" dirty="0" err="1">
+                <a:effectLst/>
+                <a:latin typeface="Calibri" panose="020F0502020204030204" pitchFamily="34" charset="0"/>
+                <a:ea typeface="Times New Roman" panose="02020603050405020304" pitchFamily="18" charset="0"/>
+              </a:rPr>
+              <a:t>This</a:t>
+            </a:r>
+            <a:r>
+              <a:rPr lang="es-ES" sz="1600" dirty="0">
+                <a:effectLst/>
+                <a:latin typeface="Calibri" panose="020F0502020204030204" pitchFamily="34" charset="0"/>
+                <a:ea typeface="Times New Roman" panose="02020603050405020304" pitchFamily="18" charset="0"/>
+              </a:rPr>
+              <a:t> </a:t>
+            </a:r>
+            <a:r>
+              <a:rPr lang="es-ES" sz="1600" dirty="0" err="1">
+                <a:effectLst/>
+                <a:latin typeface="Calibri" panose="020F0502020204030204" pitchFamily="34" charset="0"/>
+                <a:ea typeface="Times New Roman" panose="02020603050405020304" pitchFamily="18" charset="0"/>
+              </a:rPr>
+              <a:t>enhances</a:t>
+            </a:r>
+            <a:r>
+              <a:rPr lang="es-ES" sz="1600" dirty="0">
+                <a:effectLst/>
+                <a:latin typeface="Calibri" panose="020F0502020204030204" pitchFamily="34" charset="0"/>
+                <a:ea typeface="Times New Roman" panose="02020603050405020304" pitchFamily="18" charset="0"/>
+              </a:rPr>
+              <a:t> </a:t>
+            </a:r>
+            <a:r>
+              <a:rPr lang="es-ES" sz="1600" dirty="0" err="1">
+                <a:effectLst/>
+                <a:latin typeface="Calibri" panose="020F0502020204030204" pitchFamily="34" charset="0"/>
+                <a:ea typeface="Times New Roman" panose="02020603050405020304" pitchFamily="18" charset="0"/>
+              </a:rPr>
+              <a:t>interoperability</a:t>
+            </a:r>
+            <a:r>
+              <a:rPr lang="es-ES" sz="1600" dirty="0">
+                <a:effectLst/>
+                <a:latin typeface="Calibri" panose="020F0502020204030204" pitchFamily="34" charset="0"/>
+                <a:ea typeface="Times New Roman" panose="02020603050405020304" pitchFamily="18" charset="0"/>
+              </a:rPr>
+              <a:t> and </a:t>
+            </a:r>
+            <a:r>
+              <a:rPr lang="es-ES" sz="1600" dirty="0" err="1">
+                <a:effectLst/>
+                <a:latin typeface="Calibri" panose="020F0502020204030204" pitchFamily="34" charset="0"/>
+                <a:ea typeface="Times New Roman" panose="02020603050405020304" pitchFamily="18" charset="0"/>
+              </a:rPr>
+              <a:t>understanding</a:t>
+            </a:r>
+            <a:r>
+              <a:rPr lang="es-ES" sz="1600" dirty="0">
+                <a:effectLst/>
+                <a:latin typeface="Calibri" panose="020F0502020204030204" pitchFamily="34" charset="0"/>
+                <a:ea typeface="Times New Roman" panose="02020603050405020304" pitchFamily="18" charset="0"/>
+              </a:rPr>
+              <a:t>.</a:t>
+            </a:r>
+            <a:br>
+              <a:rPr lang="es-ES" sz="1600" dirty="0">
+                <a:effectLst/>
+                <a:latin typeface="Calibri" panose="020F0502020204030204" pitchFamily="34" charset="0"/>
+                <a:ea typeface="Times New Roman" panose="02020603050405020304" pitchFamily="18" charset="0"/>
+              </a:rPr>
+            </a:br>
+            <a:br>
+              <a:rPr lang="es-ES" sz="1600" dirty="0">
+                <a:effectLst/>
+                <a:latin typeface="Calibri" panose="020F0502020204030204" pitchFamily="34" charset="0"/>
+                <a:ea typeface="Times New Roman" panose="02020603050405020304" pitchFamily="18" charset="0"/>
+              </a:rPr>
+            </a:br>
+            <a:br>
+              <a:rPr lang="es-ES" sz="1600" dirty="0">
+                <a:effectLst/>
+                <a:latin typeface="Calibri" panose="020F0502020204030204" pitchFamily="34" charset="0"/>
+                <a:ea typeface="Times New Roman" panose="02020603050405020304" pitchFamily="18" charset="0"/>
+              </a:rPr>
+            </a:br>
+            <a:endParaRPr lang="en-GB" sz="1600" dirty="0"/>
+          </a:p>
+        </p:txBody>
+      </p:sp>
+    </p:spTree>
+    <p:extLst>
+      <p:ext uri="{BB962C8B-B14F-4D97-AF65-F5344CB8AC3E}">
+        <p14:creationId xmlns:p14="http://schemas.microsoft.com/office/powerpoint/2010/main" val="2115352303"/>
+      </p:ext>
+    </p:extLst>
+  </p:cSld>
+  <p:clrMapOvr>
+    <a:masterClrMapping/>
+  </p:clrMapOvr>
+</p:sld>
+</file>
+
+<file path=ppt/slides/slide8.xml><?xml version="1.0" encoding="utf-8"?>
+<p:sld xmlns:a="http://schemas.openxmlformats.org/drawingml/2006/main" xmlns:r="http://schemas.openxmlformats.org/officeDocument/2006/relationships" xmlns:p="http://schemas.openxmlformats.org/presentationml/2006/main">
+  <p:cSld>
+    <p:spTree>
+      <p:nvGrpSpPr>
+        <p:cNvPr id="1" name=""/>
+        <p:cNvGrpSpPr/>
+        <p:nvPr/>
+      </p:nvGrpSpPr>
+      <p:grpSpPr>
+        <a:xfrm>
+          <a:off x="0" y="0"/>
+          <a:ext cx="0" cy="0"/>
+          <a:chOff x="0" y="0"/>
+          <a:chExt cx="0" cy="0"/>
+        </a:xfrm>
+      </p:grpSpPr>
+      <p:sp>
+        <p:nvSpPr>
+          <p:cNvPr id="3" name="CuadroTexto 2">
+            <a:extLst>
+              <a:ext uri="{FF2B5EF4-FFF2-40B4-BE49-F238E27FC236}">
+                <a16:creationId xmlns:a16="http://schemas.microsoft.com/office/drawing/2014/main" id="{533CF62C-29FE-C7AA-7FA8-015BCB4990D9}"/>
+              </a:ext>
+            </a:extLst>
+          </p:cNvPr>
+          <p:cNvSpPr txBox="1"/>
+          <p:nvPr/>
+        </p:nvSpPr>
+        <p:spPr>
+          <a:xfrm>
+            <a:off x="0" y="-97354"/>
+            <a:ext cx="4761881" cy="707886"/>
+          </a:xfrm>
+          <a:prstGeom prst="rect">
+            <a:avLst/>
+          </a:prstGeom>
+          <a:noFill/>
+        </p:spPr>
+        <p:txBody>
+          <a:bodyPr wrap="none" rtlCol="0">
+            <a:spAutoFit/>
+          </a:bodyPr>
+          <a:lstStyle/>
+          <a:p>
+            <a:r>
+              <a:rPr lang="en-GB" sz="4000" dirty="0">
+                <a:solidFill>
+                  <a:srgbClr val="A6B828"/>
+                </a:solidFill>
+              </a:rPr>
+              <a:t>Comparative Analysis:</a:t>
+            </a:r>
+            <a:endParaRPr lang="en-GB" sz="3200" dirty="0">
+              <a:solidFill>
+                <a:srgbClr val="A6B828"/>
+              </a:solidFill>
+            </a:endParaRPr>
+          </a:p>
+        </p:txBody>
+      </p:sp>
+      <p:sp>
+        <p:nvSpPr>
+          <p:cNvPr id="4" name="CuadroTexto 3">
+            <a:extLst>
+              <a:ext uri="{FF2B5EF4-FFF2-40B4-BE49-F238E27FC236}">
+                <a16:creationId xmlns:a16="http://schemas.microsoft.com/office/drawing/2014/main" id="{85A2F891-4BD4-7547-6283-C1158AF25069}"/>
+              </a:ext>
+            </a:extLst>
+          </p:cNvPr>
+          <p:cNvSpPr txBox="1"/>
+          <p:nvPr/>
+        </p:nvSpPr>
+        <p:spPr>
+          <a:xfrm>
+            <a:off x="183545" y="610532"/>
+            <a:ext cx="9897080" cy="6001643"/>
+          </a:xfrm>
+          <a:prstGeom prst="rect">
+            <a:avLst/>
+          </a:prstGeom>
+          <a:noFill/>
+        </p:spPr>
+        <p:txBody>
+          <a:bodyPr wrap="square" rtlCol="0">
+            <a:spAutoFit/>
+          </a:bodyPr>
+          <a:lstStyle/>
+          <a:p>
+            <a:r>
+              <a:rPr lang="es-ES" sz="1600" dirty="0">
+                <a:effectLst/>
+                <a:latin typeface="Calibri" panose="020F0502020204030204" pitchFamily="34" charset="0"/>
+                <a:ea typeface="Times New Roman" panose="02020603050405020304" pitchFamily="18" charset="0"/>
+              </a:rPr>
+              <a:t>4. </a:t>
+            </a:r>
+            <a:r>
+              <a:rPr lang="es-ES" sz="1600" dirty="0" err="1">
+                <a:effectLst/>
+                <a:latin typeface="Calibri" panose="020F0502020204030204" pitchFamily="34" charset="0"/>
+                <a:ea typeface="Times New Roman" panose="02020603050405020304" pitchFamily="18" charset="0"/>
+              </a:rPr>
+              <a:t>Metadata</a:t>
+            </a:r>
+            <a:r>
+              <a:rPr lang="es-ES" sz="1600" dirty="0">
+                <a:effectLst/>
+                <a:latin typeface="Calibri" panose="020F0502020204030204" pitchFamily="34" charset="0"/>
+                <a:ea typeface="Times New Roman" panose="02020603050405020304" pitchFamily="18" charset="0"/>
+              </a:rPr>
+              <a:t>:</a:t>
+            </a:r>
+            <a:br>
+              <a:rPr lang="es-ES" sz="1600" dirty="0">
+                <a:effectLst/>
+                <a:latin typeface="Calibri" panose="020F0502020204030204" pitchFamily="34" charset="0"/>
+                <a:ea typeface="Times New Roman" panose="02020603050405020304" pitchFamily="18" charset="0"/>
+              </a:rPr>
+            </a:br>
+            <a:r>
+              <a:rPr lang="es-ES" sz="1600" dirty="0">
+                <a:effectLst/>
+                <a:latin typeface="Calibri" panose="020F0502020204030204" pitchFamily="34" charset="0"/>
+                <a:ea typeface="Times New Roman" panose="02020603050405020304" pitchFamily="18" charset="0"/>
+              </a:rPr>
+              <a:t>     - </a:t>
+            </a:r>
+            <a:r>
+              <a:rPr lang="es-ES" sz="1600" dirty="0" err="1">
+                <a:effectLst/>
+                <a:latin typeface="Calibri" panose="020F0502020204030204" pitchFamily="34" charset="0"/>
+                <a:ea typeface="Times New Roman" panose="02020603050405020304" pitchFamily="18" charset="0"/>
+              </a:rPr>
+              <a:t>Ontology</a:t>
+            </a:r>
+            <a:r>
+              <a:rPr lang="es-ES" sz="1600" dirty="0">
+                <a:effectLst/>
+                <a:latin typeface="Calibri" panose="020F0502020204030204" pitchFamily="34" charset="0"/>
+                <a:ea typeface="Times New Roman" panose="02020603050405020304" pitchFamily="18" charset="0"/>
+              </a:rPr>
+              <a:t> 1 </a:t>
+            </a:r>
+            <a:r>
+              <a:rPr lang="es-ES" sz="1600" dirty="0" err="1">
+                <a:effectLst/>
+                <a:latin typeface="Calibri" panose="020F0502020204030204" pitchFamily="34" charset="0"/>
+                <a:ea typeface="Times New Roman" panose="02020603050405020304" pitchFamily="18" charset="0"/>
+              </a:rPr>
+              <a:t>Lacks</a:t>
+            </a:r>
+            <a:r>
+              <a:rPr lang="es-ES" sz="1600" dirty="0">
+                <a:effectLst/>
+                <a:latin typeface="Calibri" panose="020F0502020204030204" pitchFamily="34" charset="0"/>
+                <a:ea typeface="Times New Roman" panose="02020603050405020304" pitchFamily="18" charset="0"/>
+              </a:rPr>
+              <a:t> </a:t>
+            </a:r>
+            <a:r>
+              <a:rPr lang="es-ES" sz="1600" dirty="0" err="1">
+                <a:effectLst/>
+                <a:latin typeface="Calibri" panose="020F0502020204030204" pitchFamily="34" charset="0"/>
+                <a:ea typeface="Times New Roman" panose="02020603050405020304" pitchFamily="18" charset="0"/>
+              </a:rPr>
+              <a:t>metadata</a:t>
+            </a:r>
+            <a:r>
+              <a:rPr lang="es-ES" sz="1600" dirty="0">
+                <a:effectLst/>
+                <a:latin typeface="Calibri" panose="020F0502020204030204" pitchFamily="34" charset="0"/>
+                <a:ea typeface="Times New Roman" panose="02020603050405020304" pitchFamily="18" charset="0"/>
+              </a:rPr>
+              <a:t> </a:t>
+            </a:r>
+            <a:r>
+              <a:rPr lang="es-ES" sz="1600" dirty="0" err="1">
+                <a:effectLst/>
+                <a:latin typeface="Calibri" panose="020F0502020204030204" pitchFamily="34" charset="0"/>
+                <a:ea typeface="Times New Roman" panose="02020603050405020304" pitchFamily="18" charset="0"/>
+              </a:rPr>
+              <a:t>about</a:t>
+            </a:r>
+            <a:r>
+              <a:rPr lang="es-ES" sz="1600" dirty="0">
+                <a:effectLst/>
+                <a:latin typeface="Calibri" panose="020F0502020204030204" pitchFamily="34" charset="0"/>
+                <a:ea typeface="Times New Roman" panose="02020603050405020304" pitchFamily="18" charset="0"/>
+              </a:rPr>
+              <a:t> </a:t>
+            </a:r>
+            <a:r>
+              <a:rPr lang="es-ES" sz="1600" dirty="0" err="1">
+                <a:effectLst/>
+                <a:latin typeface="Calibri" panose="020F0502020204030204" pitchFamily="34" charset="0"/>
+                <a:ea typeface="Times New Roman" panose="02020603050405020304" pitchFamily="18" charset="0"/>
+              </a:rPr>
+              <a:t>the</a:t>
+            </a:r>
+            <a:r>
+              <a:rPr lang="es-ES" sz="1600" dirty="0">
+                <a:effectLst/>
+                <a:latin typeface="Calibri" panose="020F0502020204030204" pitchFamily="34" charset="0"/>
+                <a:ea typeface="Times New Roman" panose="02020603050405020304" pitchFamily="18" charset="0"/>
+              </a:rPr>
+              <a:t> </a:t>
+            </a:r>
+            <a:r>
+              <a:rPr lang="es-ES" sz="1600" dirty="0" err="1">
+                <a:effectLst/>
+                <a:latin typeface="Calibri" panose="020F0502020204030204" pitchFamily="34" charset="0"/>
+                <a:ea typeface="Times New Roman" panose="02020603050405020304" pitchFamily="18" charset="0"/>
+              </a:rPr>
+              <a:t>ontology's</a:t>
+            </a:r>
+            <a:r>
+              <a:rPr lang="es-ES" sz="1600" dirty="0">
+                <a:effectLst/>
+                <a:latin typeface="Calibri" panose="020F0502020204030204" pitchFamily="34" charset="0"/>
+                <a:ea typeface="Times New Roman" panose="02020603050405020304" pitchFamily="18" charset="0"/>
+              </a:rPr>
+              <a:t> </a:t>
+            </a:r>
+            <a:r>
+              <a:rPr lang="es-ES" sz="1600" dirty="0" err="1">
+                <a:effectLst/>
+                <a:latin typeface="Calibri" panose="020F0502020204030204" pitchFamily="34" charset="0"/>
+                <a:ea typeface="Times New Roman" panose="02020603050405020304" pitchFamily="18" charset="0"/>
+              </a:rPr>
+              <a:t>creation</a:t>
+            </a:r>
+            <a:r>
+              <a:rPr lang="es-ES" sz="1600" dirty="0">
+                <a:effectLst/>
+                <a:latin typeface="Calibri" panose="020F0502020204030204" pitchFamily="34" charset="0"/>
+                <a:ea typeface="Times New Roman" panose="02020603050405020304" pitchFamily="18" charset="0"/>
+              </a:rPr>
+              <a:t> and </a:t>
+            </a:r>
+            <a:r>
+              <a:rPr lang="es-ES" sz="1600" dirty="0" err="1">
+                <a:effectLst/>
+                <a:latin typeface="Calibri" panose="020F0502020204030204" pitchFamily="34" charset="0"/>
+                <a:ea typeface="Times New Roman" panose="02020603050405020304" pitchFamily="18" charset="0"/>
+              </a:rPr>
+              <a:t>modification</a:t>
+            </a:r>
+            <a:r>
+              <a:rPr lang="es-ES" sz="1600" dirty="0">
+                <a:effectLst/>
+                <a:latin typeface="Calibri" panose="020F0502020204030204" pitchFamily="34" charset="0"/>
+                <a:ea typeface="Times New Roman" panose="02020603050405020304" pitchFamily="18" charset="0"/>
+              </a:rPr>
+              <a:t>.</a:t>
+            </a:r>
+            <a:br>
+              <a:rPr lang="es-ES" sz="1600" dirty="0">
+                <a:effectLst/>
+                <a:latin typeface="Calibri" panose="020F0502020204030204" pitchFamily="34" charset="0"/>
+                <a:ea typeface="Times New Roman" panose="02020603050405020304" pitchFamily="18" charset="0"/>
+              </a:rPr>
+            </a:br>
+            <a:r>
+              <a:rPr lang="es-ES" sz="1600" dirty="0">
+                <a:effectLst/>
+                <a:latin typeface="Calibri" panose="020F0502020204030204" pitchFamily="34" charset="0"/>
+                <a:ea typeface="Times New Roman" panose="02020603050405020304" pitchFamily="18" charset="0"/>
+              </a:rPr>
+              <a:t>     - </a:t>
+            </a:r>
+            <a:r>
+              <a:rPr lang="es-ES" sz="1600" dirty="0" err="1">
+                <a:effectLst/>
+                <a:latin typeface="Calibri" panose="020F0502020204030204" pitchFamily="34" charset="0"/>
+                <a:ea typeface="Times New Roman" panose="02020603050405020304" pitchFamily="18" charset="0"/>
+              </a:rPr>
+              <a:t>Ontology</a:t>
+            </a:r>
+            <a:r>
+              <a:rPr lang="es-ES" sz="1600" dirty="0">
+                <a:effectLst/>
+                <a:latin typeface="Calibri" panose="020F0502020204030204" pitchFamily="34" charset="0"/>
+                <a:ea typeface="Times New Roman" panose="02020603050405020304" pitchFamily="18" charset="0"/>
+              </a:rPr>
+              <a:t> 2 </a:t>
+            </a:r>
+            <a:r>
+              <a:rPr lang="es-ES" sz="1600" dirty="0" err="1">
+                <a:effectLst/>
+                <a:latin typeface="Calibri" panose="020F0502020204030204" pitchFamily="34" charset="0"/>
+                <a:ea typeface="Times New Roman" panose="02020603050405020304" pitchFamily="18" charset="0"/>
+              </a:rPr>
+              <a:t>Contains</a:t>
+            </a:r>
+            <a:r>
+              <a:rPr lang="es-ES" sz="1600" dirty="0">
+                <a:effectLst/>
+                <a:latin typeface="Calibri" panose="020F0502020204030204" pitchFamily="34" charset="0"/>
+                <a:ea typeface="Times New Roman" panose="02020603050405020304" pitchFamily="18" charset="0"/>
+              </a:rPr>
+              <a:t> </a:t>
+            </a:r>
+            <a:r>
+              <a:rPr lang="es-ES" sz="1600" dirty="0" err="1">
+                <a:effectLst/>
+                <a:latin typeface="Calibri" panose="020F0502020204030204" pitchFamily="34" charset="0"/>
+                <a:ea typeface="Times New Roman" panose="02020603050405020304" pitchFamily="18" charset="0"/>
+              </a:rPr>
+              <a:t>metadata</a:t>
+            </a:r>
+            <a:r>
+              <a:rPr lang="es-ES" sz="1600" dirty="0">
+                <a:effectLst/>
+                <a:latin typeface="Calibri" panose="020F0502020204030204" pitchFamily="34" charset="0"/>
+                <a:ea typeface="Times New Roman" panose="02020603050405020304" pitchFamily="18" charset="0"/>
+              </a:rPr>
+              <a:t>, </a:t>
+            </a:r>
+            <a:r>
+              <a:rPr lang="es-ES" sz="1600" dirty="0" err="1">
+                <a:effectLst/>
+                <a:latin typeface="Calibri" panose="020F0502020204030204" pitchFamily="34" charset="0"/>
+                <a:ea typeface="Times New Roman" panose="02020603050405020304" pitchFamily="18" charset="0"/>
+              </a:rPr>
+              <a:t>such</a:t>
+            </a:r>
+            <a:r>
+              <a:rPr lang="es-ES" sz="1600" dirty="0">
+                <a:effectLst/>
+                <a:latin typeface="Calibri" panose="020F0502020204030204" pitchFamily="34" charset="0"/>
+                <a:ea typeface="Times New Roman" panose="02020603050405020304" pitchFamily="18" charset="0"/>
+              </a:rPr>
+              <a:t> as </a:t>
+            </a:r>
+            <a:r>
+              <a:rPr lang="es-ES" sz="1600" dirty="0" err="1">
+                <a:effectLst/>
+                <a:latin typeface="Calibri" panose="020F0502020204030204" pitchFamily="34" charset="0"/>
+                <a:ea typeface="Times New Roman" panose="02020603050405020304" pitchFamily="18" charset="0"/>
+              </a:rPr>
+              <a:t>creator</a:t>
+            </a:r>
+            <a:r>
+              <a:rPr lang="es-ES" sz="1600" dirty="0">
+                <a:effectLst/>
+                <a:latin typeface="Calibri" panose="020F0502020204030204" pitchFamily="34" charset="0"/>
+                <a:ea typeface="Times New Roman" panose="02020603050405020304" pitchFamily="18" charset="0"/>
+              </a:rPr>
+              <a:t> and </a:t>
+            </a:r>
+            <a:r>
+              <a:rPr lang="es-ES" sz="1600" dirty="0" err="1">
+                <a:effectLst/>
+                <a:latin typeface="Calibri" panose="020F0502020204030204" pitchFamily="34" charset="0"/>
+                <a:ea typeface="Times New Roman" panose="02020603050405020304" pitchFamily="18" charset="0"/>
+              </a:rPr>
+              <a:t>modification</a:t>
+            </a:r>
+            <a:r>
+              <a:rPr lang="es-ES" sz="1600" dirty="0">
+                <a:effectLst/>
+                <a:latin typeface="Calibri" panose="020F0502020204030204" pitchFamily="34" charset="0"/>
+                <a:ea typeface="Times New Roman" panose="02020603050405020304" pitchFamily="18" charset="0"/>
+              </a:rPr>
+              <a:t> date, </a:t>
+            </a:r>
+            <a:r>
+              <a:rPr lang="es-ES" sz="1600" dirty="0" err="1">
+                <a:effectLst/>
+                <a:latin typeface="Calibri" panose="020F0502020204030204" pitchFamily="34" charset="0"/>
+                <a:ea typeface="Times New Roman" panose="02020603050405020304" pitchFamily="18" charset="0"/>
+              </a:rPr>
+              <a:t>providing</a:t>
+            </a:r>
+            <a:r>
+              <a:rPr lang="es-ES" sz="1600" dirty="0">
+                <a:effectLst/>
+                <a:latin typeface="Calibri" panose="020F0502020204030204" pitchFamily="34" charset="0"/>
+                <a:ea typeface="Times New Roman" panose="02020603050405020304" pitchFamily="18" charset="0"/>
+              </a:rPr>
+              <a:t> more </a:t>
+            </a:r>
+            <a:r>
+              <a:rPr lang="es-ES" sz="1600" dirty="0" err="1">
+                <a:effectLst/>
+                <a:latin typeface="Calibri" panose="020F0502020204030204" pitchFamily="34" charset="0"/>
+                <a:ea typeface="Times New Roman" panose="02020603050405020304" pitchFamily="18" charset="0"/>
+              </a:rPr>
+              <a:t>information</a:t>
+            </a:r>
+            <a:r>
+              <a:rPr lang="es-ES" sz="1600" dirty="0">
+                <a:effectLst/>
+                <a:latin typeface="Calibri" panose="020F0502020204030204" pitchFamily="34" charset="0"/>
+                <a:ea typeface="Times New Roman" panose="02020603050405020304" pitchFamily="18" charset="0"/>
+              </a:rPr>
+              <a:t> </a:t>
+            </a:r>
+            <a:r>
+              <a:rPr lang="es-ES" sz="1600" dirty="0" err="1">
+                <a:effectLst/>
+                <a:latin typeface="Calibri" panose="020F0502020204030204" pitchFamily="34" charset="0"/>
+                <a:ea typeface="Times New Roman" panose="02020603050405020304" pitchFamily="18" charset="0"/>
+              </a:rPr>
+              <a:t>about</a:t>
+            </a:r>
+            <a:r>
+              <a:rPr lang="es-ES" sz="1600" dirty="0">
+                <a:effectLst/>
+                <a:latin typeface="Calibri" panose="020F0502020204030204" pitchFamily="34" charset="0"/>
+                <a:ea typeface="Times New Roman" panose="02020603050405020304" pitchFamily="18" charset="0"/>
+              </a:rPr>
+              <a:t> </a:t>
+            </a:r>
+            <a:r>
+              <a:rPr lang="es-ES" sz="1600" dirty="0" err="1">
+                <a:effectLst/>
+                <a:latin typeface="Calibri" panose="020F0502020204030204" pitchFamily="34" charset="0"/>
+                <a:ea typeface="Times New Roman" panose="02020603050405020304" pitchFamily="18" charset="0"/>
+              </a:rPr>
+              <a:t>the</a:t>
+            </a:r>
+            <a:r>
+              <a:rPr lang="es-ES" sz="1600" dirty="0">
+                <a:effectLst/>
+                <a:latin typeface="Calibri" panose="020F0502020204030204" pitchFamily="34" charset="0"/>
+                <a:ea typeface="Times New Roman" panose="02020603050405020304" pitchFamily="18" charset="0"/>
+              </a:rPr>
+              <a:t> </a:t>
+            </a:r>
+            <a:r>
+              <a:rPr lang="es-ES" sz="1600" dirty="0" err="1">
+                <a:effectLst/>
+                <a:latin typeface="Calibri" panose="020F0502020204030204" pitchFamily="34" charset="0"/>
+                <a:ea typeface="Times New Roman" panose="02020603050405020304" pitchFamily="18" charset="0"/>
+              </a:rPr>
+              <a:t>ontology's</a:t>
+            </a:r>
+            <a:r>
+              <a:rPr lang="es-ES" sz="1600" dirty="0">
+                <a:effectLst/>
+                <a:latin typeface="Calibri" panose="020F0502020204030204" pitchFamily="34" charset="0"/>
+                <a:ea typeface="Times New Roman" panose="02020603050405020304" pitchFamily="18" charset="0"/>
+              </a:rPr>
+              <a:t> </a:t>
+            </a:r>
+            <a:r>
+              <a:rPr lang="es-ES" sz="1600" dirty="0" err="1">
+                <a:effectLst/>
+                <a:latin typeface="Calibri" panose="020F0502020204030204" pitchFamily="34" charset="0"/>
+                <a:ea typeface="Times New Roman" panose="02020603050405020304" pitchFamily="18" charset="0"/>
+              </a:rPr>
+              <a:t>development</a:t>
+            </a:r>
+            <a:r>
+              <a:rPr lang="es-ES" sz="1600" dirty="0">
+                <a:effectLst/>
+                <a:latin typeface="Calibri" panose="020F0502020204030204" pitchFamily="34" charset="0"/>
+                <a:ea typeface="Times New Roman" panose="02020603050405020304" pitchFamily="18" charset="0"/>
+              </a:rPr>
+              <a:t> and </a:t>
+            </a:r>
+            <a:r>
+              <a:rPr lang="es-ES" sz="1600" dirty="0" err="1">
+                <a:effectLst/>
+                <a:latin typeface="Calibri" panose="020F0502020204030204" pitchFamily="34" charset="0"/>
+                <a:ea typeface="Times New Roman" panose="02020603050405020304" pitchFamily="18" charset="0"/>
+              </a:rPr>
+              <a:t>updates</a:t>
+            </a:r>
+            <a:r>
+              <a:rPr lang="es-ES" sz="1600" dirty="0">
+                <a:effectLst/>
+                <a:latin typeface="Calibri" panose="020F0502020204030204" pitchFamily="34" charset="0"/>
+                <a:ea typeface="Times New Roman" panose="02020603050405020304" pitchFamily="18" charset="0"/>
+              </a:rPr>
+              <a:t>.</a:t>
+            </a:r>
+            <a:br>
+              <a:rPr lang="es-ES" sz="1600" dirty="0">
+                <a:effectLst/>
+                <a:latin typeface="Calibri" panose="020F0502020204030204" pitchFamily="34" charset="0"/>
+                <a:ea typeface="Times New Roman" panose="02020603050405020304" pitchFamily="18" charset="0"/>
+              </a:rPr>
+            </a:br>
+            <a:br>
+              <a:rPr lang="es-ES" sz="1600" dirty="0">
+                <a:effectLst/>
+                <a:latin typeface="Calibri" panose="020F0502020204030204" pitchFamily="34" charset="0"/>
+                <a:ea typeface="Times New Roman" panose="02020603050405020304" pitchFamily="18" charset="0"/>
+              </a:rPr>
+            </a:br>
+            <a:r>
+              <a:rPr lang="es-ES" sz="1600" dirty="0">
+                <a:effectLst/>
+                <a:latin typeface="Calibri" panose="020F0502020204030204" pitchFamily="34" charset="0"/>
+                <a:ea typeface="Times New Roman" panose="02020603050405020304" pitchFamily="18" charset="0"/>
+              </a:rPr>
+              <a:t>5. </a:t>
+            </a:r>
+            <a:r>
+              <a:rPr lang="es-ES" sz="1600" dirty="0" err="1">
+                <a:effectLst/>
+                <a:latin typeface="Calibri" panose="020F0502020204030204" pitchFamily="34" charset="0"/>
+                <a:ea typeface="Times New Roman" panose="02020603050405020304" pitchFamily="18" charset="0"/>
+              </a:rPr>
+              <a:t>Granularity</a:t>
+            </a:r>
+            <a:r>
+              <a:rPr lang="es-ES" sz="1600" dirty="0">
+                <a:effectLst/>
+                <a:latin typeface="Calibri" panose="020F0502020204030204" pitchFamily="34" charset="0"/>
+                <a:ea typeface="Times New Roman" panose="02020603050405020304" pitchFamily="18" charset="0"/>
+              </a:rPr>
+              <a:t>:</a:t>
+            </a:r>
+            <a:br>
+              <a:rPr lang="es-ES" sz="1600" dirty="0">
+                <a:effectLst/>
+                <a:latin typeface="Calibri" panose="020F0502020204030204" pitchFamily="34" charset="0"/>
+                <a:ea typeface="Times New Roman" panose="02020603050405020304" pitchFamily="18" charset="0"/>
+              </a:rPr>
+            </a:br>
+            <a:r>
+              <a:rPr lang="es-ES" sz="1600" dirty="0">
+                <a:effectLst/>
+                <a:latin typeface="Calibri" panose="020F0502020204030204" pitchFamily="34" charset="0"/>
+                <a:ea typeface="Times New Roman" panose="02020603050405020304" pitchFamily="18" charset="0"/>
+              </a:rPr>
+              <a:t>     - </a:t>
+            </a:r>
+            <a:r>
+              <a:rPr lang="es-ES" sz="1600" dirty="0" err="1">
+                <a:effectLst/>
+                <a:latin typeface="Calibri" panose="020F0502020204030204" pitchFamily="34" charset="0"/>
+                <a:ea typeface="Times New Roman" panose="02020603050405020304" pitchFamily="18" charset="0"/>
+              </a:rPr>
+              <a:t>Ontology</a:t>
+            </a:r>
+            <a:r>
+              <a:rPr lang="es-ES" sz="1600" dirty="0">
+                <a:effectLst/>
+                <a:latin typeface="Calibri" panose="020F0502020204030204" pitchFamily="34" charset="0"/>
+                <a:ea typeface="Times New Roman" panose="02020603050405020304" pitchFamily="18" charset="0"/>
+              </a:rPr>
+              <a:t> 1 Has a more general </a:t>
+            </a:r>
+            <a:r>
+              <a:rPr lang="es-ES" sz="1600" dirty="0" err="1">
+                <a:effectLst/>
+                <a:latin typeface="Calibri" panose="020F0502020204030204" pitchFamily="34" charset="0"/>
+                <a:ea typeface="Times New Roman" panose="02020603050405020304" pitchFamily="18" charset="0"/>
+              </a:rPr>
+              <a:t>structure</a:t>
+            </a:r>
+            <a:r>
+              <a:rPr lang="es-ES" sz="1600" dirty="0">
+                <a:effectLst/>
+                <a:latin typeface="Calibri" panose="020F0502020204030204" pitchFamily="34" charset="0"/>
+                <a:ea typeface="Times New Roman" panose="02020603050405020304" pitchFamily="18" charset="0"/>
+              </a:rPr>
+              <a:t> </a:t>
+            </a:r>
+            <a:r>
+              <a:rPr lang="es-ES" sz="1600" dirty="0" err="1">
+                <a:effectLst/>
+                <a:latin typeface="Calibri" panose="020F0502020204030204" pitchFamily="34" charset="0"/>
+                <a:ea typeface="Times New Roman" panose="02020603050405020304" pitchFamily="18" charset="0"/>
+              </a:rPr>
+              <a:t>with</a:t>
+            </a:r>
+            <a:r>
+              <a:rPr lang="es-ES" sz="1600" dirty="0">
+                <a:effectLst/>
+                <a:latin typeface="Calibri" panose="020F0502020204030204" pitchFamily="34" charset="0"/>
+                <a:ea typeface="Times New Roman" panose="02020603050405020304" pitchFamily="18" charset="0"/>
+              </a:rPr>
+              <a:t> </a:t>
+            </a:r>
+            <a:r>
+              <a:rPr lang="es-ES" sz="1600" dirty="0" err="1">
+                <a:effectLst/>
+                <a:latin typeface="Calibri" panose="020F0502020204030204" pitchFamily="34" charset="0"/>
+                <a:ea typeface="Times New Roman" panose="02020603050405020304" pitchFamily="18" charset="0"/>
+              </a:rPr>
+              <a:t>broader</a:t>
+            </a:r>
+            <a:r>
+              <a:rPr lang="es-ES" sz="1600" dirty="0">
+                <a:effectLst/>
+                <a:latin typeface="Calibri" panose="020F0502020204030204" pitchFamily="34" charset="0"/>
+                <a:ea typeface="Times New Roman" panose="02020603050405020304" pitchFamily="18" charset="0"/>
+              </a:rPr>
+              <a:t> </a:t>
+            </a:r>
+            <a:r>
+              <a:rPr lang="es-ES" sz="1600" dirty="0" err="1">
+                <a:effectLst/>
+                <a:latin typeface="Calibri" panose="020F0502020204030204" pitchFamily="34" charset="0"/>
+                <a:ea typeface="Times New Roman" panose="02020603050405020304" pitchFamily="18" charset="0"/>
+              </a:rPr>
+              <a:t>classes</a:t>
+            </a:r>
+            <a:r>
+              <a:rPr lang="es-ES" sz="1600" dirty="0">
+                <a:effectLst/>
+                <a:latin typeface="Calibri" panose="020F0502020204030204" pitchFamily="34" charset="0"/>
+                <a:ea typeface="Times New Roman" panose="02020603050405020304" pitchFamily="18" charset="0"/>
+              </a:rPr>
+              <a:t> and </a:t>
+            </a:r>
+            <a:r>
+              <a:rPr lang="es-ES" sz="1600" dirty="0" err="1">
+                <a:effectLst/>
+                <a:latin typeface="Calibri" panose="020F0502020204030204" pitchFamily="34" charset="0"/>
+                <a:ea typeface="Times New Roman" panose="02020603050405020304" pitchFamily="18" charset="0"/>
+              </a:rPr>
+              <a:t>properties</a:t>
+            </a:r>
+            <a:r>
+              <a:rPr lang="es-ES" sz="1600" dirty="0">
+                <a:effectLst/>
+                <a:latin typeface="Calibri" panose="020F0502020204030204" pitchFamily="34" charset="0"/>
+                <a:ea typeface="Times New Roman" panose="02020603050405020304" pitchFamily="18" charset="0"/>
+              </a:rPr>
+              <a:t>.</a:t>
+            </a:r>
+            <a:br>
+              <a:rPr lang="es-ES" sz="1600" dirty="0">
+                <a:effectLst/>
+                <a:latin typeface="Calibri" panose="020F0502020204030204" pitchFamily="34" charset="0"/>
+                <a:ea typeface="Times New Roman" panose="02020603050405020304" pitchFamily="18" charset="0"/>
+              </a:rPr>
+            </a:br>
+            <a:r>
+              <a:rPr lang="es-ES" sz="1600" dirty="0">
+                <a:effectLst/>
+                <a:latin typeface="Calibri" panose="020F0502020204030204" pitchFamily="34" charset="0"/>
+                <a:ea typeface="Times New Roman" panose="02020603050405020304" pitchFamily="18" charset="0"/>
+              </a:rPr>
+              <a:t>     - </a:t>
+            </a:r>
+            <a:r>
+              <a:rPr lang="es-ES" sz="1600" dirty="0" err="1">
+                <a:effectLst/>
+                <a:latin typeface="Calibri" panose="020F0502020204030204" pitchFamily="34" charset="0"/>
+                <a:ea typeface="Times New Roman" panose="02020603050405020304" pitchFamily="18" charset="0"/>
+              </a:rPr>
+              <a:t>Ontology</a:t>
+            </a:r>
+            <a:r>
+              <a:rPr lang="es-ES" sz="1600" dirty="0">
+                <a:effectLst/>
+                <a:latin typeface="Calibri" panose="020F0502020204030204" pitchFamily="34" charset="0"/>
+                <a:ea typeface="Times New Roman" panose="02020603050405020304" pitchFamily="18" charset="0"/>
+              </a:rPr>
+              <a:t> 2 </a:t>
+            </a:r>
+            <a:r>
+              <a:rPr lang="es-ES" sz="1600" dirty="0" err="1">
+                <a:effectLst/>
+                <a:latin typeface="Calibri" panose="020F0502020204030204" pitchFamily="34" charset="0"/>
+                <a:ea typeface="Times New Roman" panose="02020603050405020304" pitchFamily="18" charset="0"/>
+              </a:rPr>
+              <a:t>Offers</a:t>
+            </a:r>
+            <a:r>
+              <a:rPr lang="es-ES" sz="1600" dirty="0">
+                <a:effectLst/>
+                <a:latin typeface="Calibri" panose="020F0502020204030204" pitchFamily="34" charset="0"/>
+                <a:ea typeface="Times New Roman" panose="02020603050405020304" pitchFamily="18" charset="0"/>
+              </a:rPr>
+              <a:t> a more granular </a:t>
+            </a:r>
+            <a:r>
+              <a:rPr lang="es-ES" sz="1600" dirty="0" err="1">
+                <a:effectLst/>
+                <a:latin typeface="Calibri" panose="020F0502020204030204" pitchFamily="34" charset="0"/>
+                <a:ea typeface="Times New Roman" panose="02020603050405020304" pitchFamily="18" charset="0"/>
+              </a:rPr>
+              <a:t>approach</a:t>
+            </a:r>
+            <a:r>
+              <a:rPr lang="es-ES" sz="1600" dirty="0">
+                <a:effectLst/>
+                <a:latin typeface="Calibri" panose="020F0502020204030204" pitchFamily="34" charset="0"/>
+                <a:ea typeface="Times New Roman" panose="02020603050405020304" pitchFamily="18" charset="0"/>
+              </a:rPr>
+              <a:t>, </a:t>
+            </a:r>
+            <a:r>
+              <a:rPr lang="es-ES" sz="1600" dirty="0" err="1">
+                <a:effectLst/>
+                <a:latin typeface="Calibri" panose="020F0502020204030204" pitchFamily="34" charset="0"/>
+                <a:ea typeface="Times New Roman" panose="02020603050405020304" pitchFamily="18" charset="0"/>
+              </a:rPr>
+              <a:t>with</a:t>
+            </a:r>
+            <a:r>
+              <a:rPr lang="es-ES" sz="1600" dirty="0">
+                <a:effectLst/>
+                <a:latin typeface="Calibri" panose="020F0502020204030204" pitchFamily="34" charset="0"/>
+                <a:ea typeface="Times New Roman" panose="02020603050405020304" pitchFamily="18" charset="0"/>
+              </a:rPr>
+              <a:t> </a:t>
+            </a:r>
+            <a:r>
+              <a:rPr lang="es-ES" sz="1600" dirty="0" err="1">
+                <a:effectLst/>
+                <a:latin typeface="Calibri" panose="020F0502020204030204" pitchFamily="34" charset="0"/>
+                <a:ea typeface="Times New Roman" panose="02020603050405020304" pitchFamily="18" charset="0"/>
+              </a:rPr>
+              <a:t>detailed</a:t>
+            </a:r>
+            <a:r>
+              <a:rPr lang="es-ES" sz="1600" dirty="0">
+                <a:effectLst/>
+                <a:latin typeface="Calibri" panose="020F0502020204030204" pitchFamily="34" charset="0"/>
+                <a:ea typeface="Times New Roman" panose="02020603050405020304" pitchFamily="18" charset="0"/>
+              </a:rPr>
+              <a:t> </a:t>
+            </a:r>
+            <a:r>
+              <a:rPr lang="es-ES" sz="1600" dirty="0" err="1">
+                <a:effectLst/>
+                <a:latin typeface="Calibri" panose="020F0502020204030204" pitchFamily="34" charset="0"/>
+                <a:ea typeface="Times New Roman" panose="02020603050405020304" pitchFamily="18" charset="0"/>
+              </a:rPr>
+              <a:t>classes</a:t>
+            </a:r>
+            <a:r>
+              <a:rPr lang="es-ES" sz="1600" dirty="0">
+                <a:effectLst/>
+                <a:latin typeface="Calibri" panose="020F0502020204030204" pitchFamily="34" charset="0"/>
+                <a:ea typeface="Times New Roman" panose="02020603050405020304" pitchFamily="18" charset="0"/>
+              </a:rPr>
+              <a:t> and </a:t>
+            </a:r>
+            <a:r>
+              <a:rPr lang="es-ES" sz="1600" dirty="0" err="1">
+                <a:effectLst/>
+                <a:latin typeface="Calibri" panose="020F0502020204030204" pitchFamily="34" charset="0"/>
+                <a:ea typeface="Times New Roman" panose="02020603050405020304" pitchFamily="18" charset="0"/>
+              </a:rPr>
+              <a:t>properties</a:t>
+            </a:r>
+            <a:r>
+              <a:rPr lang="es-ES" sz="1600" dirty="0">
+                <a:effectLst/>
+                <a:latin typeface="Calibri" panose="020F0502020204030204" pitchFamily="34" charset="0"/>
+                <a:ea typeface="Times New Roman" panose="02020603050405020304" pitchFamily="18" charset="0"/>
+              </a:rPr>
+              <a:t>, and introduces more </a:t>
+            </a:r>
+            <a:r>
+              <a:rPr lang="es-ES" sz="1600" dirty="0" err="1">
+                <a:effectLst/>
+                <a:latin typeface="Calibri" panose="020F0502020204030204" pitchFamily="34" charset="0"/>
+                <a:ea typeface="Times New Roman" panose="02020603050405020304" pitchFamily="18" charset="0"/>
+              </a:rPr>
+              <a:t>specific</a:t>
+            </a:r>
+            <a:r>
+              <a:rPr lang="es-ES" sz="1600" dirty="0">
+                <a:effectLst/>
+                <a:latin typeface="Calibri" panose="020F0502020204030204" pitchFamily="34" charset="0"/>
+                <a:ea typeface="Times New Roman" panose="02020603050405020304" pitchFamily="18" charset="0"/>
+              </a:rPr>
+              <a:t> </a:t>
+            </a:r>
+            <a:r>
+              <a:rPr lang="es-ES" sz="1600" dirty="0" err="1">
+                <a:effectLst/>
+                <a:latin typeface="Calibri" panose="020F0502020204030204" pitchFamily="34" charset="0"/>
+                <a:ea typeface="Times New Roman" panose="02020603050405020304" pitchFamily="18" charset="0"/>
+              </a:rPr>
+              <a:t>restrictions</a:t>
+            </a:r>
+            <a:r>
+              <a:rPr lang="es-ES" sz="1600" dirty="0">
+                <a:effectLst/>
+                <a:latin typeface="Calibri" panose="020F0502020204030204" pitchFamily="34" charset="0"/>
+                <a:ea typeface="Times New Roman" panose="02020603050405020304" pitchFamily="18" charset="0"/>
+              </a:rPr>
+              <a:t>.</a:t>
+            </a:r>
+          </a:p>
+          <a:p>
+            <a:endParaRPr lang="es-ES" sz="1600" dirty="0">
+              <a:latin typeface="Calibri" panose="020F0502020204030204" pitchFamily="34" charset="0"/>
+              <a:ea typeface="Times New Roman" panose="02020603050405020304" pitchFamily="18" charset="0"/>
+            </a:endParaRPr>
+          </a:p>
+          <a:p>
+            <a:r>
+              <a:rPr lang="es-ES" sz="1600" dirty="0" err="1">
+                <a:effectLst/>
+                <a:latin typeface="Calibri" panose="020F0502020204030204" pitchFamily="34" charset="0"/>
+                <a:ea typeface="Times New Roman" panose="02020603050405020304" pitchFamily="18" charset="0"/>
+              </a:rPr>
+              <a:t>Conclusion</a:t>
+            </a:r>
+            <a:r>
+              <a:rPr lang="es-ES" sz="1600" dirty="0">
+                <a:effectLst/>
+                <a:latin typeface="Calibri" panose="020F0502020204030204" pitchFamily="34" charset="0"/>
+                <a:ea typeface="Times New Roman" panose="02020603050405020304" pitchFamily="18" charset="0"/>
+              </a:rPr>
+              <a:t>:</a:t>
+            </a:r>
+            <a:br>
+              <a:rPr lang="es-ES" sz="1600" dirty="0">
+                <a:effectLst/>
+                <a:latin typeface="Calibri" panose="020F0502020204030204" pitchFamily="34" charset="0"/>
+                <a:ea typeface="Times New Roman" panose="02020603050405020304" pitchFamily="18" charset="0"/>
+              </a:rPr>
+            </a:br>
+            <a:r>
+              <a:rPr lang="es-ES" sz="1600" dirty="0">
+                <a:effectLst/>
+                <a:latin typeface="Calibri" panose="020F0502020204030204" pitchFamily="34" charset="0"/>
+                <a:ea typeface="Times New Roman" panose="02020603050405020304" pitchFamily="18" charset="0"/>
+              </a:rPr>
+              <a:t>- </a:t>
+            </a:r>
+            <a:r>
+              <a:rPr lang="es-ES" sz="1600" dirty="0" err="1">
+                <a:effectLst/>
+                <a:latin typeface="Calibri" panose="020F0502020204030204" pitchFamily="34" charset="0"/>
+                <a:ea typeface="Times New Roman" panose="02020603050405020304" pitchFamily="18" charset="0"/>
+              </a:rPr>
+              <a:t>Ontology</a:t>
+            </a:r>
+            <a:r>
+              <a:rPr lang="es-ES" sz="1600" dirty="0">
+                <a:effectLst/>
+                <a:latin typeface="Calibri" panose="020F0502020204030204" pitchFamily="34" charset="0"/>
+                <a:ea typeface="Times New Roman" panose="02020603050405020304" pitchFamily="18" charset="0"/>
+              </a:rPr>
+              <a:t> 1 </a:t>
+            </a:r>
+            <a:r>
+              <a:rPr lang="es-ES" sz="1600" dirty="0" err="1">
+                <a:effectLst/>
+                <a:latin typeface="Calibri" panose="020F0502020204030204" pitchFamily="34" charset="0"/>
+                <a:ea typeface="Times New Roman" panose="02020603050405020304" pitchFamily="18" charset="0"/>
+              </a:rPr>
+              <a:t>seems</a:t>
+            </a:r>
+            <a:r>
+              <a:rPr lang="es-ES" sz="1600" dirty="0">
+                <a:effectLst/>
+                <a:latin typeface="Calibri" panose="020F0502020204030204" pitchFamily="34" charset="0"/>
+                <a:ea typeface="Times New Roman" panose="02020603050405020304" pitchFamily="18" charset="0"/>
+              </a:rPr>
+              <a:t> </a:t>
+            </a:r>
+            <a:r>
+              <a:rPr lang="es-ES" sz="1600" dirty="0" err="1">
+                <a:effectLst/>
+                <a:latin typeface="Calibri" panose="020F0502020204030204" pitchFamily="34" charset="0"/>
+                <a:ea typeface="Times New Roman" panose="02020603050405020304" pitchFamily="18" charset="0"/>
+              </a:rPr>
+              <a:t>to</a:t>
+            </a:r>
+            <a:r>
+              <a:rPr lang="es-ES" sz="1600" dirty="0">
+                <a:effectLst/>
+                <a:latin typeface="Calibri" panose="020F0502020204030204" pitchFamily="34" charset="0"/>
+                <a:ea typeface="Times New Roman" panose="02020603050405020304" pitchFamily="18" charset="0"/>
+              </a:rPr>
+              <a:t> be a more </a:t>
+            </a:r>
+            <a:r>
+              <a:rPr lang="es-ES" sz="1600" dirty="0" err="1">
+                <a:effectLst/>
+                <a:latin typeface="Calibri" panose="020F0502020204030204" pitchFamily="34" charset="0"/>
+                <a:ea typeface="Times New Roman" panose="02020603050405020304" pitchFamily="18" charset="0"/>
+              </a:rPr>
+              <a:t>basic</a:t>
+            </a:r>
+            <a:r>
+              <a:rPr lang="es-ES" sz="1600" dirty="0">
+                <a:effectLst/>
+                <a:latin typeface="Calibri" panose="020F0502020204030204" pitchFamily="34" charset="0"/>
+                <a:ea typeface="Times New Roman" panose="02020603050405020304" pitchFamily="18" charset="0"/>
+              </a:rPr>
+              <a:t> </a:t>
+            </a:r>
+            <a:r>
+              <a:rPr lang="es-ES" sz="1600" dirty="0" err="1">
+                <a:effectLst/>
+                <a:latin typeface="Calibri" panose="020F0502020204030204" pitchFamily="34" charset="0"/>
+                <a:ea typeface="Times New Roman" panose="02020603050405020304" pitchFamily="18" charset="0"/>
+              </a:rPr>
+              <a:t>representation</a:t>
+            </a:r>
+            <a:r>
+              <a:rPr lang="es-ES" sz="1600" dirty="0">
+                <a:effectLst/>
+                <a:latin typeface="Calibri" panose="020F0502020204030204" pitchFamily="34" charset="0"/>
+                <a:ea typeface="Times New Roman" panose="02020603050405020304" pitchFamily="18" charset="0"/>
+              </a:rPr>
+              <a:t>, </a:t>
+            </a:r>
+            <a:r>
+              <a:rPr lang="es-ES" sz="1600" dirty="0" err="1">
+                <a:effectLst/>
+                <a:latin typeface="Calibri" panose="020F0502020204030204" pitchFamily="34" charset="0"/>
+                <a:ea typeface="Times New Roman" panose="02020603050405020304" pitchFamily="18" charset="0"/>
+              </a:rPr>
+              <a:t>focusing</a:t>
+            </a:r>
+            <a:r>
+              <a:rPr lang="es-ES" sz="1600" dirty="0">
+                <a:effectLst/>
+                <a:latin typeface="Calibri" panose="020F0502020204030204" pitchFamily="34" charset="0"/>
+                <a:ea typeface="Times New Roman" panose="02020603050405020304" pitchFamily="18" charset="0"/>
+              </a:rPr>
+              <a:t> </a:t>
+            </a:r>
+            <a:r>
+              <a:rPr lang="es-ES" sz="1600" dirty="0" err="1">
+                <a:effectLst/>
+                <a:latin typeface="Calibri" panose="020F0502020204030204" pitchFamily="34" charset="0"/>
+                <a:ea typeface="Times New Roman" panose="02020603050405020304" pitchFamily="18" charset="0"/>
+              </a:rPr>
+              <a:t>primarily</a:t>
+            </a:r>
+            <a:r>
+              <a:rPr lang="es-ES" sz="1600" dirty="0">
+                <a:effectLst/>
+                <a:latin typeface="Calibri" panose="020F0502020204030204" pitchFamily="34" charset="0"/>
+                <a:ea typeface="Times New Roman" panose="02020603050405020304" pitchFamily="18" charset="0"/>
+              </a:rPr>
+              <a:t> </a:t>
+            </a:r>
+            <a:r>
+              <a:rPr lang="es-ES" sz="1600" dirty="0" err="1">
+                <a:effectLst/>
+                <a:latin typeface="Calibri" panose="020F0502020204030204" pitchFamily="34" charset="0"/>
+                <a:ea typeface="Times New Roman" panose="02020603050405020304" pitchFamily="18" charset="0"/>
+              </a:rPr>
+              <a:t>on</a:t>
+            </a:r>
+            <a:r>
+              <a:rPr lang="es-ES" sz="1600" dirty="0">
+                <a:effectLst/>
+                <a:latin typeface="Calibri" panose="020F0502020204030204" pitchFamily="34" charset="0"/>
+                <a:ea typeface="Times New Roman" panose="02020603050405020304" pitchFamily="18" charset="0"/>
+              </a:rPr>
+              <a:t> </a:t>
+            </a:r>
+            <a:r>
+              <a:rPr lang="es-ES" sz="1600" dirty="0" err="1">
+                <a:effectLst/>
+                <a:latin typeface="Calibri" panose="020F0502020204030204" pitchFamily="34" charset="0"/>
+                <a:ea typeface="Times New Roman" panose="02020603050405020304" pitchFamily="18" charset="0"/>
+              </a:rPr>
+              <a:t>the</a:t>
+            </a:r>
+            <a:r>
+              <a:rPr lang="es-ES" sz="1600" dirty="0">
+                <a:effectLst/>
+                <a:latin typeface="Calibri" panose="020F0502020204030204" pitchFamily="34" charset="0"/>
+                <a:ea typeface="Times New Roman" panose="02020603050405020304" pitchFamily="18" charset="0"/>
+              </a:rPr>
+              <a:t> </a:t>
+            </a:r>
+            <a:r>
+              <a:rPr lang="es-ES" sz="1600" dirty="0" err="1">
+                <a:effectLst/>
+                <a:latin typeface="Calibri" panose="020F0502020204030204" pitchFamily="34" charset="0"/>
+                <a:ea typeface="Times New Roman" panose="02020603050405020304" pitchFamily="18" charset="0"/>
+              </a:rPr>
+              <a:t>structure</a:t>
+            </a:r>
+            <a:r>
+              <a:rPr lang="es-ES" sz="1600" dirty="0">
+                <a:effectLst/>
+                <a:latin typeface="Calibri" panose="020F0502020204030204" pitchFamily="34" charset="0"/>
+                <a:ea typeface="Times New Roman" panose="02020603050405020304" pitchFamily="18" charset="0"/>
+              </a:rPr>
+              <a:t> </a:t>
+            </a:r>
+            <a:r>
+              <a:rPr lang="es-ES" sz="1600" dirty="0" err="1">
+                <a:effectLst/>
+                <a:latin typeface="Calibri" panose="020F0502020204030204" pitchFamily="34" charset="0"/>
+                <a:ea typeface="Times New Roman" panose="02020603050405020304" pitchFamily="18" charset="0"/>
+              </a:rPr>
+              <a:t>without</a:t>
+            </a:r>
+            <a:r>
+              <a:rPr lang="es-ES" sz="1600" dirty="0">
+                <a:effectLst/>
+                <a:latin typeface="Calibri" panose="020F0502020204030204" pitchFamily="34" charset="0"/>
+                <a:ea typeface="Times New Roman" panose="02020603050405020304" pitchFamily="18" charset="0"/>
+              </a:rPr>
+              <a:t> </a:t>
+            </a:r>
+            <a:r>
+              <a:rPr lang="es-ES" sz="1600" dirty="0" err="1">
+                <a:effectLst/>
+                <a:latin typeface="Calibri" panose="020F0502020204030204" pitchFamily="34" charset="0"/>
+                <a:ea typeface="Times New Roman" panose="02020603050405020304" pitchFamily="18" charset="0"/>
+              </a:rPr>
+              <a:t>much</a:t>
+            </a:r>
+            <a:r>
+              <a:rPr lang="es-ES" sz="1600" dirty="0">
+                <a:effectLst/>
+                <a:latin typeface="Calibri" panose="020F0502020204030204" pitchFamily="34" charset="0"/>
+                <a:ea typeface="Times New Roman" panose="02020603050405020304" pitchFamily="18" charset="0"/>
+              </a:rPr>
+              <a:t> </a:t>
+            </a:r>
+            <a:r>
+              <a:rPr lang="es-ES" sz="1600" dirty="0" err="1">
+                <a:effectLst/>
+                <a:latin typeface="Calibri" panose="020F0502020204030204" pitchFamily="34" charset="0"/>
+                <a:ea typeface="Times New Roman" panose="02020603050405020304" pitchFamily="18" charset="0"/>
+              </a:rPr>
+              <a:t>emphasis</a:t>
+            </a:r>
+            <a:r>
+              <a:rPr lang="es-ES" sz="1600" dirty="0">
+                <a:effectLst/>
+                <a:latin typeface="Calibri" panose="020F0502020204030204" pitchFamily="34" charset="0"/>
+                <a:ea typeface="Times New Roman" panose="02020603050405020304" pitchFamily="18" charset="0"/>
+              </a:rPr>
+              <a:t> </a:t>
+            </a:r>
+            <a:r>
+              <a:rPr lang="es-ES" sz="1600" dirty="0" err="1">
+                <a:effectLst/>
+                <a:latin typeface="Calibri" panose="020F0502020204030204" pitchFamily="34" charset="0"/>
+                <a:ea typeface="Times New Roman" panose="02020603050405020304" pitchFamily="18" charset="0"/>
+              </a:rPr>
+              <a:t>on</a:t>
+            </a:r>
+            <a:r>
+              <a:rPr lang="es-ES" sz="1600" dirty="0">
+                <a:effectLst/>
+                <a:latin typeface="Calibri" panose="020F0502020204030204" pitchFamily="34" charset="0"/>
+                <a:ea typeface="Times New Roman" panose="02020603050405020304" pitchFamily="18" charset="0"/>
+              </a:rPr>
+              <a:t> </a:t>
+            </a:r>
+            <a:r>
+              <a:rPr lang="es-ES" sz="1600" dirty="0" err="1">
+                <a:effectLst/>
+                <a:latin typeface="Calibri" panose="020F0502020204030204" pitchFamily="34" charset="0"/>
+                <a:ea typeface="Times New Roman" panose="02020603050405020304" pitchFamily="18" charset="0"/>
+              </a:rPr>
+              <a:t>annotations</a:t>
+            </a:r>
+            <a:r>
+              <a:rPr lang="es-ES" sz="1600" dirty="0">
+                <a:effectLst/>
+                <a:latin typeface="Calibri" panose="020F0502020204030204" pitchFamily="34" charset="0"/>
+                <a:ea typeface="Times New Roman" panose="02020603050405020304" pitchFamily="18" charset="0"/>
+              </a:rPr>
+              <a:t>, </a:t>
+            </a:r>
+            <a:r>
+              <a:rPr lang="es-ES" sz="1600" dirty="0" err="1">
+                <a:effectLst/>
+                <a:latin typeface="Calibri" panose="020F0502020204030204" pitchFamily="34" charset="0"/>
+                <a:ea typeface="Times New Roman" panose="02020603050405020304" pitchFamily="18" charset="0"/>
+              </a:rPr>
+              <a:t>restrictions</a:t>
+            </a:r>
+            <a:r>
+              <a:rPr lang="es-ES" sz="1600" dirty="0">
+                <a:effectLst/>
+                <a:latin typeface="Calibri" panose="020F0502020204030204" pitchFamily="34" charset="0"/>
+                <a:ea typeface="Times New Roman" panose="02020603050405020304" pitchFamily="18" charset="0"/>
+              </a:rPr>
+              <a:t>, </a:t>
+            </a:r>
+            <a:r>
+              <a:rPr lang="es-ES" sz="1600" dirty="0" err="1">
+                <a:effectLst/>
+                <a:latin typeface="Calibri" panose="020F0502020204030204" pitchFamily="34" charset="0"/>
+                <a:ea typeface="Times New Roman" panose="02020603050405020304" pitchFamily="18" charset="0"/>
+              </a:rPr>
+              <a:t>or</a:t>
+            </a:r>
+            <a:r>
+              <a:rPr lang="es-ES" sz="1600" dirty="0">
+                <a:effectLst/>
+                <a:latin typeface="Calibri" panose="020F0502020204030204" pitchFamily="34" charset="0"/>
+                <a:ea typeface="Times New Roman" panose="02020603050405020304" pitchFamily="18" charset="0"/>
+              </a:rPr>
+              <a:t> </a:t>
+            </a:r>
+            <a:r>
+              <a:rPr lang="es-ES" sz="1600" dirty="0" err="1">
+                <a:effectLst/>
+                <a:latin typeface="Calibri" panose="020F0502020204030204" pitchFamily="34" charset="0"/>
+                <a:ea typeface="Times New Roman" panose="02020603050405020304" pitchFamily="18" charset="0"/>
+              </a:rPr>
+              <a:t>metadata</a:t>
+            </a:r>
+            <a:r>
+              <a:rPr lang="es-ES" sz="1600" dirty="0">
+                <a:effectLst/>
+                <a:latin typeface="Calibri" panose="020F0502020204030204" pitchFamily="34" charset="0"/>
+                <a:ea typeface="Times New Roman" panose="02020603050405020304" pitchFamily="18" charset="0"/>
+              </a:rPr>
+              <a:t>.</a:t>
+            </a:r>
+            <a:br>
+              <a:rPr lang="es-ES" sz="1600" dirty="0">
+                <a:effectLst/>
+                <a:latin typeface="Calibri" panose="020F0502020204030204" pitchFamily="34" charset="0"/>
+                <a:ea typeface="Times New Roman" panose="02020603050405020304" pitchFamily="18" charset="0"/>
+              </a:rPr>
+            </a:br>
+            <a:r>
+              <a:rPr lang="es-ES" sz="1600" dirty="0">
+                <a:effectLst/>
+                <a:latin typeface="Calibri" panose="020F0502020204030204" pitchFamily="34" charset="0"/>
+                <a:ea typeface="Times New Roman" panose="02020603050405020304" pitchFamily="18" charset="0"/>
+              </a:rPr>
+              <a:t>  </a:t>
+            </a:r>
+            <a:br>
+              <a:rPr lang="es-ES" sz="1600" dirty="0">
+                <a:effectLst/>
+                <a:latin typeface="Calibri" panose="020F0502020204030204" pitchFamily="34" charset="0"/>
+                <a:ea typeface="Times New Roman" panose="02020603050405020304" pitchFamily="18" charset="0"/>
+              </a:rPr>
+            </a:br>
+            <a:r>
+              <a:rPr lang="es-ES" sz="1600" dirty="0">
+                <a:effectLst/>
+                <a:latin typeface="Calibri" panose="020F0502020204030204" pitchFamily="34" charset="0"/>
+                <a:ea typeface="Times New Roman" panose="02020603050405020304" pitchFamily="18" charset="0"/>
+              </a:rPr>
+              <a:t>- </a:t>
+            </a:r>
+            <a:r>
+              <a:rPr lang="es-ES" sz="1600" dirty="0" err="1">
+                <a:effectLst/>
+                <a:latin typeface="Calibri" panose="020F0502020204030204" pitchFamily="34" charset="0"/>
+                <a:ea typeface="Times New Roman" panose="02020603050405020304" pitchFamily="18" charset="0"/>
+              </a:rPr>
+              <a:t>Ontology</a:t>
+            </a:r>
+            <a:r>
+              <a:rPr lang="es-ES" sz="1600" dirty="0">
+                <a:effectLst/>
+                <a:latin typeface="Calibri" panose="020F0502020204030204" pitchFamily="34" charset="0"/>
+                <a:ea typeface="Times New Roman" panose="02020603050405020304" pitchFamily="18" charset="0"/>
+              </a:rPr>
+              <a:t> 2 </a:t>
+            </a:r>
+            <a:r>
+              <a:rPr lang="es-ES" sz="1600" dirty="0" err="1">
+                <a:effectLst/>
+                <a:latin typeface="Calibri" panose="020F0502020204030204" pitchFamily="34" charset="0"/>
+                <a:ea typeface="Times New Roman" panose="02020603050405020304" pitchFamily="18" charset="0"/>
+              </a:rPr>
+              <a:t>appears</a:t>
+            </a:r>
+            <a:r>
+              <a:rPr lang="es-ES" sz="1600" dirty="0">
+                <a:effectLst/>
+                <a:latin typeface="Calibri" panose="020F0502020204030204" pitchFamily="34" charset="0"/>
+                <a:ea typeface="Times New Roman" panose="02020603050405020304" pitchFamily="18" charset="0"/>
+              </a:rPr>
+              <a:t> </a:t>
+            </a:r>
+            <a:r>
+              <a:rPr lang="es-ES" sz="1600" dirty="0" err="1">
+                <a:effectLst/>
+                <a:latin typeface="Calibri" panose="020F0502020204030204" pitchFamily="34" charset="0"/>
+                <a:ea typeface="Times New Roman" panose="02020603050405020304" pitchFamily="18" charset="0"/>
+              </a:rPr>
+              <a:t>to</a:t>
+            </a:r>
+            <a:r>
+              <a:rPr lang="es-ES" sz="1600" dirty="0">
+                <a:effectLst/>
+                <a:latin typeface="Calibri" panose="020F0502020204030204" pitchFamily="34" charset="0"/>
+                <a:ea typeface="Times New Roman" panose="02020603050405020304" pitchFamily="18" charset="0"/>
+              </a:rPr>
+              <a:t> be more </a:t>
+            </a:r>
+            <a:r>
+              <a:rPr lang="es-ES" sz="1600" dirty="0" err="1">
+                <a:effectLst/>
+                <a:latin typeface="Calibri" panose="020F0502020204030204" pitchFamily="34" charset="0"/>
+                <a:ea typeface="Times New Roman" panose="02020603050405020304" pitchFamily="18" charset="0"/>
+              </a:rPr>
+              <a:t>refined</a:t>
+            </a:r>
+            <a:r>
+              <a:rPr lang="es-ES" sz="1600" dirty="0">
+                <a:effectLst/>
+                <a:latin typeface="Calibri" panose="020F0502020204030204" pitchFamily="34" charset="0"/>
+                <a:ea typeface="Times New Roman" panose="02020603050405020304" pitchFamily="18" charset="0"/>
+              </a:rPr>
+              <a:t> and </a:t>
+            </a:r>
+            <a:r>
+              <a:rPr lang="es-ES" sz="1600" dirty="0" err="1">
+                <a:effectLst/>
+                <a:latin typeface="Calibri" panose="020F0502020204030204" pitchFamily="34" charset="0"/>
+                <a:ea typeface="Times New Roman" panose="02020603050405020304" pitchFamily="18" charset="0"/>
+              </a:rPr>
+              <a:t>detailed</a:t>
+            </a:r>
+            <a:r>
+              <a:rPr lang="es-ES" sz="1600" dirty="0">
+                <a:effectLst/>
+                <a:latin typeface="Calibri" panose="020F0502020204030204" pitchFamily="34" charset="0"/>
+                <a:ea typeface="Times New Roman" panose="02020603050405020304" pitchFamily="18" charset="0"/>
+              </a:rPr>
+              <a:t>. </a:t>
+            </a:r>
+            <a:r>
+              <a:rPr lang="es-ES" sz="1600" dirty="0" err="1">
+                <a:effectLst/>
+                <a:latin typeface="Calibri" panose="020F0502020204030204" pitchFamily="34" charset="0"/>
+                <a:ea typeface="Times New Roman" panose="02020603050405020304" pitchFamily="18" charset="0"/>
+              </a:rPr>
+              <a:t>The</a:t>
+            </a:r>
+            <a:r>
+              <a:rPr lang="es-ES" sz="1600" dirty="0">
+                <a:effectLst/>
+                <a:latin typeface="Calibri" panose="020F0502020204030204" pitchFamily="34" charset="0"/>
+                <a:ea typeface="Times New Roman" panose="02020603050405020304" pitchFamily="18" charset="0"/>
+              </a:rPr>
+              <a:t> human </a:t>
+            </a:r>
+            <a:r>
+              <a:rPr lang="es-ES" sz="1600" dirty="0" err="1">
+                <a:effectLst/>
+                <a:latin typeface="Calibri" panose="020F0502020204030204" pitchFamily="34" charset="0"/>
+                <a:ea typeface="Times New Roman" panose="02020603050405020304" pitchFamily="18" charset="0"/>
+              </a:rPr>
+              <a:t>touch</a:t>
+            </a:r>
+            <a:r>
+              <a:rPr lang="es-ES" sz="1600" dirty="0">
+                <a:effectLst/>
+                <a:latin typeface="Calibri" panose="020F0502020204030204" pitchFamily="34" charset="0"/>
+                <a:ea typeface="Times New Roman" panose="02020603050405020304" pitchFamily="18" charset="0"/>
+              </a:rPr>
+              <a:t> </a:t>
+            </a:r>
+            <a:r>
+              <a:rPr lang="es-ES" sz="1600" dirty="0" err="1">
+                <a:effectLst/>
+                <a:latin typeface="Calibri" panose="020F0502020204030204" pitchFamily="34" charset="0"/>
+                <a:ea typeface="Times New Roman" panose="02020603050405020304" pitchFamily="18" charset="0"/>
+              </a:rPr>
+              <a:t>is</a:t>
+            </a:r>
+            <a:r>
+              <a:rPr lang="es-ES" sz="1600" dirty="0">
+                <a:effectLst/>
+                <a:latin typeface="Calibri" panose="020F0502020204030204" pitchFamily="34" charset="0"/>
+                <a:ea typeface="Times New Roman" panose="02020603050405020304" pitchFamily="18" charset="0"/>
+              </a:rPr>
+              <a:t> </a:t>
+            </a:r>
+            <a:r>
+              <a:rPr lang="es-ES" sz="1600" dirty="0" err="1">
+                <a:effectLst/>
+                <a:latin typeface="Calibri" panose="020F0502020204030204" pitchFamily="34" charset="0"/>
+                <a:ea typeface="Times New Roman" panose="02020603050405020304" pitchFamily="18" charset="0"/>
+              </a:rPr>
+              <a:t>evident</a:t>
+            </a:r>
+            <a:r>
+              <a:rPr lang="es-ES" sz="1600" dirty="0">
+                <a:effectLst/>
+                <a:latin typeface="Calibri" panose="020F0502020204030204" pitchFamily="34" charset="0"/>
+                <a:ea typeface="Times New Roman" panose="02020603050405020304" pitchFamily="18" charset="0"/>
+              </a:rPr>
+              <a:t> in </a:t>
+            </a:r>
+            <a:r>
+              <a:rPr lang="es-ES" sz="1600" dirty="0" err="1">
+                <a:effectLst/>
+                <a:latin typeface="Calibri" panose="020F0502020204030204" pitchFamily="34" charset="0"/>
+                <a:ea typeface="Times New Roman" panose="02020603050405020304" pitchFamily="18" charset="0"/>
+              </a:rPr>
+              <a:t>the</a:t>
+            </a:r>
+            <a:r>
+              <a:rPr lang="es-ES" sz="1600" dirty="0">
+                <a:effectLst/>
+                <a:latin typeface="Calibri" panose="020F0502020204030204" pitchFamily="34" charset="0"/>
+                <a:ea typeface="Times New Roman" panose="02020603050405020304" pitchFamily="18" charset="0"/>
+              </a:rPr>
+              <a:t> </a:t>
+            </a:r>
+            <a:r>
+              <a:rPr lang="es-ES" sz="1600" dirty="0" err="1">
+                <a:effectLst/>
+                <a:latin typeface="Calibri" panose="020F0502020204030204" pitchFamily="34" charset="0"/>
+                <a:ea typeface="Times New Roman" panose="02020603050405020304" pitchFamily="18" charset="0"/>
+              </a:rPr>
+              <a:t>richer</a:t>
+            </a:r>
+            <a:r>
+              <a:rPr lang="es-ES" sz="1600" dirty="0">
+                <a:effectLst/>
+                <a:latin typeface="Calibri" panose="020F0502020204030204" pitchFamily="34" charset="0"/>
+                <a:ea typeface="Times New Roman" panose="02020603050405020304" pitchFamily="18" charset="0"/>
+              </a:rPr>
+              <a:t> </a:t>
+            </a:r>
+            <a:r>
+              <a:rPr lang="es-ES" sz="1600" dirty="0" err="1">
+                <a:effectLst/>
+                <a:latin typeface="Calibri" panose="020F0502020204030204" pitchFamily="34" charset="0"/>
+                <a:ea typeface="Times New Roman" panose="02020603050405020304" pitchFamily="18" charset="0"/>
+              </a:rPr>
+              <a:t>annotations</a:t>
+            </a:r>
+            <a:r>
+              <a:rPr lang="es-ES" sz="1600" dirty="0">
+                <a:effectLst/>
+                <a:latin typeface="Calibri" panose="020F0502020204030204" pitchFamily="34" charset="0"/>
+                <a:ea typeface="Times New Roman" panose="02020603050405020304" pitchFamily="18" charset="0"/>
+              </a:rPr>
+              <a:t>, </a:t>
+            </a:r>
+            <a:r>
+              <a:rPr lang="es-ES" sz="1600" dirty="0" err="1">
+                <a:effectLst/>
+                <a:latin typeface="Calibri" panose="020F0502020204030204" pitchFamily="34" charset="0"/>
+                <a:ea typeface="Times New Roman" panose="02020603050405020304" pitchFamily="18" charset="0"/>
+              </a:rPr>
+              <a:t>clearer</a:t>
+            </a:r>
+            <a:r>
+              <a:rPr lang="es-ES" sz="1600" dirty="0">
+                <a:effectLst/>
+                <a:latin typeface="Calibri" panose="020F0502020204030204" pitchFamily="34" charset="0"/>
+                <a:ea typeface="Times New Roman" panose="02020603050405020304" pitchFamily="18" charset="0"/>
+              </a:rPr>
+              <a:t> </a:t>
+            </a:r>
+            <a:r>
+              <a:rPr lang="es-ES" sz="1600" dirty="0" err="1">
+                <a:effectLst/>
+                <a:latin typeface="Calibri" panose="020F0502020204030204" pitchFamily="34" charset="0"/>
+                <a:ea typeface="Times New Roman" panose="02020603050405020304" pitchFamily="18" charset="0"/>
+              </a:rPr>
+              <a:t>definitions</a:t>
+            </a:r>
+            <a:r>
+              <a:rPr lang="es-ES" sz="1600" dirty="0">
+                <a:effectLst/>
+                <a:latin typeface="Calibri" panose="020F0502020204030204" pitchFamily="34" charset="0"/>
+                <a:ea typeface="Times New Roman" panose="02020603050405020304" pitchFamily="18" charset="0"/>
+              </a:rPr>
+              <a:t>, and </a:t>
+            </a:r>
+            <a:r>
+              <a:rPr lang="es-ES" sz="1600" dirty="0" err="1">
+                <a:effectLst/>
+                <a:latin typeface="Calibri" panose="020F0502020204030204" pitchFamily="34" charset="0"/>
+                <a:ea typeface="Times New Roman" panose="02020603050405020304" pitchFamily="18" charset="0"/>
+              </a:rPr>
+              <a:t>the</a:t>
+            </a:r>
+            <a:r>
+              <a:rPr lang="es-ES" sz="1600" dirty="0">
+                <a:effectLst/>
+                <a:latin typeface="Calibri" panose="020F0502020204030204" pitchFamily="34" charset="0"/>
+                <a:ea typeface="Times New Roman" panose="02020603050405020304" pitchFamily="18" charset="0"/>
+              </a:rPr>
+              <a:t> </a:t>
+            </a:r>
+            <a:r>
+              <a:rPr lang="es-ES" sz="1600" dirty="0" err="1">
+                <a:effectLst/>
+                <a:latin typeface="Calibri" panose="020F0502020204030204" pitchFamily="34" charset="0"/>
+                <a:ea typeface="Times New Roman" panose="02020603050405020304" pitchFamily="18" charset="0"/>
+              </a:rPr>
+              <a:t>introduction</a:t>
+            </a:r>
+            <a:r>
+              <a:rPr lang="es-ES" sz="1600" dirty="0">
+                <a:effectLst/>
+                <a:latin typeface="Calibri" panose="020F0502020204030204" pitchFamily="34" charset="0"/>
+                <a:ea typeface="Times New Roman" panose="02020603050405020304" pitchFamily="18" charset="0"/>
+              </a:rPr>
+              <a:t> </a:t>
+            </a:r>
+            <a:r>
+              <a:rPr lang="es-ES" sz="1600" dirty="0" err="1">
+                <a:effectLst/>
+                <a:latin typeface="Calibri" panose="020F0502020204030204" pitchFamily="34" charset="0"/>
+                <a:ea typeface="Times New Roman" panose="02020603050405020304" pitchFamily="18" charset="0"/>
+              </a:rPr>
+              <a:t>of</a:t>
+            </a:r>
+            <a:r>
+              <a:rPr lang="es-ES" sz="1600" dirty="0">
+                <a:effectLst/>
+                <a:latin typeface="Calibri" panose="020F0502020204030204" pitchFamily="34" charset="0"/>
+                <a:ea typeface="Times New Roman" panose="02020603050405020304" pitchFamily="18" charset="0"/>
+              </a:rPr>
+              <a:t> </a:t>
+            </a:r>
+            <a:r>
+              <a:rPr lang="es-ES" sz="1600" dirty="0" err="1">
+                <a:effectLst/>
+                <a:latin typeface="Calibri" panose="020F0502020204030204" pitchFamily="34" charset="0"/>
+                <a:ea typeface="Times New Roman" panose="02020603050405020304" pitchFamily="18" charset="0"/>
+              </a:rPr>
+              <a:t>cardinality</a:t>
+            </a:r>
+            <a:r>
+              <a:rPr lang="es-ES" sz="1600" dirty="0">
+                <a:effectLst/>
+                <a:latin typeface="Calibri" panose="020F0502020204030204" pitchFamily="34" charset="0"/>
+                <a:ea typeface="Times New Roman" panose="02020603050405020304" pitchFamily="18" charset="0"/>
+              </a:rPr>
+              <a:t> </a:t>
+            </a:r>
+            <a:r>
+              <a:rPr lang="es-ES" sz="1600" dirty="0" err="1">
+                <a:effectLst/>
+                <a:latin typeface="Calibri" panose="020F0502020204030204" pitchFamily="34" charset="0"/>
+                <a:ea typeface="Times New Roman" panose="02020603050405020304" pitchFamily="18" charset="0"/>
+              </a:rPr>
+              <a:t>restrictions</a:t>
+            </a:r>
+            <a:r>
+              <a:rPr lang="es-ES" sz="1600" dirty="0">
+                <a:effectLst/>
+                <a:latin typeface="Calibri" panose="020F0502020204030204" pitchFamily="34" charset="0"/>
+                <a:ea typeface="Times New Roman" panose="02020603050405020304" pitchFamily="18" charset="0"/>
+              </a:rPr>
+              <a:t> and </a:t>
+            </a:r>
+            <a:r>
+              <a:rPr lang="es-ES" sz="1600" dirty="0" err="1">
+                <a:effectLst/>
+                <a:latin typeface="Calibri" panose="020F0502020204030204" pitchFamily="34" charset="0"/>
+                <a:ea typeface="Times New Roman" panose="02020603050405020304" pitchFamily="18" charset="0"/>
+              </a:rPr>
+              <a:t>equivalent</a:t>
+            </a:r>
+            <a:r>
+              <a:rPr lang="es-ES" sz="1600" dirty="0">
+                <a:effectLst/>
+                <a:latin typeface="Calibri" panose="020F0502020204030204" pitchFamily="34" charset="0"/>
+                <a:ea typeface="Times New Roman" panose="02020603050405020304" pitchFamily="18" charset="0"/>
+              </a:rPr>
+              <a:t> </a:t>
+            </a:r>
+            <a:r>
+              <a:rPr lang="es-ES" sz="1600" dirty="0" err="1">
+                <a:effectLst/>
+                <a:latin typeface="Calibri" panose="020F0502020204030204" pitchFamily="34" charset="0"/>
+                <a:ea typeface="Times New Roman" panose="02020603050405020304" pitchFamily="18" charset="0"/>
+              </a:rPr>
+              <a:t>properties</a:t>
+            </a:r>
+            <a:r>
+              <a:rPr lang="es-ES" sz="1600" dirty="0">
+                <a:effectLst/>
+                <a:latin typeface="Calibri" panose="020F0502020204030204" pitchFamily="34" charset="0"/>
+                <a:ea typeface="Times New Roman" panose="02020603050405020304" pitchFamily="18" charset="0"/>
+              </a:rPr>
+              <a:t>.</a:t>
+            </a:r>
+            <a:br>
+              <a:rPr lang="es-ES" sz="1600" dirty="0">
+                <a:effectLst/>
+                <a:latin typeface="Calibri" panose="020F0502020204030204" pitchFamily="34" charset="0"/>
+                <a:ea typeface="Times New Roman" panose="02020603050405020304" pitchFamily="18" charset="0"/>
+              </a:rPr>
+            </a:br>
+            <a:br>
+              <a:rPr lang="es-ES" sz="1600" dirty="0">
+                <a:effectLst/>
+                <a:latin typeface="Calibri" panose="020F0502020204030204" pitchFamily="34" charset="0"/>
+                <a:ea typeface="Times New Roman" panose="02020603050405020304" pitchFamily="18" charset="0"/>
+              </a:rPr>
+            </a:br>
+            <a:r>
+              <a:rPr lang="es-ES" sz="1600" dirty="0">
+                <a:effectLst/>
+                <a:latin typeface="Calibri" panose="020F0502020204030204" pitchFamily="34" charset="0"/>
+                <a:ea typeface="Times New Roman" panose="02020603050405020304" pitchFamily="18" charset="0"/>
+              </a:rPr>
+              <a:t>In </a:t>
+            </a:r>
+            <a:r>
+              <a:rPr lang="es-ES" sz="1600" dirty="0" err="1">
+                <a:effectLst/>
+                <a:latin typeface="Calibri" panose="020F0502020204030204" pitchFamily="34" charset="0"/>
+                <a:ea typeface="Times New Roman" panose="02020603050405020304" pitchFamily="18" charset="0"/>
+              </a:rPr>
+              <a:t>summary</a:t>
+            </a:r>
+            <a:r>
+              <a:rPr lang="es-ES" sz="1600" dirty="0">
+                <a:effectLst/>
+                <a:latin typeface="Calibri" panose="020F0502020204030204" pitchFamily="34" charset="0"/>
+                <a:ea typeface="Times New Roman" panose="02020603050405020304" pitchFamily="18" charset="0"/>
+              </a:rPr>
+              <a:t>, </a:t>
+            </a:r>
+            <a:r>
+              <a:rPr lang="es-ES" sz="1600" dirty="0" err="1">
+                <a:effectLst/>
+                <a:latin typeface="Calibri" panose="020F0502020204030204" pitchFamily="34" charset="0"/>
+                <a:ea typeface="Times New Roman" panose="02020603050405020304" pitchFamily="18" charset="0"/>
+              </a:rPr>
+              <a:t>while</a:t>
+            </a:r>
+            <a:r>
+              <a:rPr lang="es-ES" sz="1600" dirty="0">
+                <a:effectLst/>
+                <a:latin typeface="Calibri" panose="020F0502020204030204" pitchFamily="34" charset="0"/>
+                <a:ea typeface="Times New Roman" panose="02020603050405020304" pitchFamily="18" charset="0"/>
+              </a:rPr>
+              <a:t> </a:t>
+            </a:r>
+            <a:r>
+              <a:rPr lang="es-ES" sz="1600" dirty="0" err="1">
+                <a:effectLst/>
+                <a:latin typeface="Calibri" panose="020F0502020204030204" pitchFamily="34" charset="0"/>
+                <a:ea typeface="Times New Roman" panose="02020603050405020304" pitchFamily="18" charset="0"/>
+              </a:rPr>
+              <a:t>both</a:t>
+            </a:r>
+            <a:r>
+              <a:rPr lang="es-ES" sz="1600" dirty="0">
+                <a:effectLst/>
+                <a:latin typeface="Calibri" panose="020F0502020204030204" pitchFamily="34" charset="0"/>
+                <a:ea typeface="Times New Roman" panose="02020603050405020304" pitchFamily="18" charset="0"/>
+              </a:rPr>
+              <a:t> </a:t>
+            </a:r>
+            <a:r>
+              <a:rPr lang="es-ES" sz="1600" dirty="0" err="1">
+                <a:effectLst/>
+                <a:latin typeface="Calibri" panose="020F0502020204030204" pitchFamily="34" charset="0"/>
+                <a:ea typeface="Times New Roman" panose="02020603050405020304" pitchFamily="18" charset="0"/>
+              </a:rPr>
+              <a:t>ontologies</a:t>
+            </a:r>
+            <a:r>
+              <a:rPr lang="es-ES" sz="1600" dirty="0">
+                <a:effectLst/>
+                <a:latin typeface="Calibri" panose="020F0502020204030204" pitchFamily="34" charset="0"/>
+                <a:ea typeface="Times New Roman" panose="02020603050405020304" pitchFamily="18" charset="0"/>
+              </a:rPr>
+              <a:t> </a:t>
+            </a:r>
+            <a:r>
+              <a:rPr lang="es-ES" sz="1600" dirty="0" err="1">
+                <a:effectLst/>
+                <a:latin typeface="Calibri" panose="020F0502020204030204" pitchFamily="34" charset="0"/>
+                <a:ea typeface="Times New Roman" panose="02020603050405020304" pitchFamily="18" charset="0"/>
+              </a:rPr>
+              <a:t>represent</a:t>
+            </a:r>
+            <a:r>
+              <a:rPr lang="es-ES" sz="1600" dirty="0">
+                <a:effectLst/>
+                <a:latin typeface="Calibri" panose="020F0502020204030204" pitchFamily="34" charset="0"/>
+                <a:ea typeface="Times New Roman" panose="02020603050405020304" pitchFamily="18" charset="0"/>
+              </a:rPr>
+              <a:t> </a:t>
+            </a:r>
+            <a:r>
+              <a:rPr lang="es-ES" sz="1600" dirty="0" err="1">
+                <a:effectLst/>
+                <a:latin typeface="Calibri" panose="020F0502020204030204" pitchFamily="34" charset="0"/>
+                <a:ea typeface="Times New Roman" panose="02020603050405020304" pitchFamily="18" charset="0"/>
+              </a:rPr>
+              <a:t>the</a:t>
+            </a:r>
+            <a:r>
+              <a:rPr lang="es-ES" sz="1600" dirty="0">
+                <a:effectLst/>
+                <a:latin typeface="Calibri" panose="020F0502020204030204" pitchFamily="34" charset="0"/>
+                <a:ea typeface="Times New Roman" panose="02020603050405020304" pitchFamily="18" charset="0"/>
+              </a:rPr>
+              <a:t> </a:t>
+            </a:r>
+            <a:r>
+              <a:rPr lang="es-ES" sz="1600" dirty="0" err="1">
+                <a:effectLst/>
+                <a:latin typeface="Calibri" panose="020F0502020204030204" pitchFamily="34" charset="0"/>
+                <a:ea typeface="Times New Roman" panose="02020603050405020304" pitchFamily="18" charset="0"/>
+              </a:rPr>
+              <a:t>same</a:t>
+            </a:r>
+            <a:r>
+              <a:rPr lang="es-ES" sz="1600" dirty="0">
+                <a:effectLst/>
+                <a:latin typeface="Calibri" panose="020F0502020204030204" pitchFamily="34" charset="0"/>
+                <a:ea typeface="Times New Roman" panose="02020603050405020304" pitchFamily="18" charset="0"/>
+              </a:rPr>
+              <a:t> </a:t>
+            </a:r>
+            <a:r>
+              <a:rPr lang="es-ES" sz="1600" dirty="0" err="1">
+                <a:effectLst/>
+                <a:latin typeface="Calibri" panose="020F0502020204030204" pitchFamily="34" charset="0"/>
+                <a:ea typeface="Times New Roman" panose="02020603050405020304" pitchFamily="18" charset="0"/>
+              </a:rPr>
+              <a:t>structured</a:t>
+            </a:r>
+            <a:r>
+              <a:rPr lang="es-ES" sz="1600" dirty="0">
+                <a:effectLst/>
+                <a:latin typeface="Calibri" panose="020F0502020204030204" pitchFamily="34" charset="0"/>
+                <a:ea typeface="Times New Roman" panose="02020603050405020304" pitchFamily="18" charset="0"/>
+              </a:rPr>
+              <a:t> data, </a:t>
+            </a:r>
+            <a:r>
+              <a:rPr lang="es-ES" sz="1600" dirty="0" err="1">
+                <a:effectLst/>
+                <a:latin typeface="Calibri" panose="020F0502020204030204" pitchFamily="34" charset="0"/>
+                <a:ea typeface="Times New Roman" panose="02020603050405020304" pitchFamily="18" charset="0"/>
+              </a:rPr>
+              <a:t>the</a:t>
+            </a:r>
+            <a:r>
+              <a:rPr lang="es-ES" sz="1600" dirty="0">
+                <a:effectLst/>
+                <a:latin typeface="Calibri" panose="020F0502020204030204" pitchFamily="34" charset="0"/>
+                <a:ea typeface="Times New Roman" panose="02020603050405020304" pitchFamily="18" charset="0"/>
+              </a:rPr>
+              <a:t> </a:t>
+            </a:r>
+            <a:r>
+              <a:rPr lang="es-ES" sz="1600" dirty="0" err="1">
+                <a:effectLst/>
+                <a:latin typeface="Calibri" panose="020F0502020204030204" pitchFamily="34" charset="0"/>
+                <a:ea typeface="Times New Roman" panose="02020603050405020304" pitchFamily="18" charset="0"/>
+              </a:rPr>
+              <a:t>second</a:t>
+            </a:r>
+            <a:r>
+              <a:rPr lang="es-ES" sz="1600" dirty="0">
+                <a:effectLst/>
+                <a:latin typeface="Calibri" panose="020F0502020204030204" pitchFamily="34" charset="0"/>
+                <a:ea typeface="Times New Roman" panose="02020603050405020304" pitchFamily="18" charset="0"/>
+              </a:rPr>
+              <a:t> </a:t>
+            </a:r>
+            <a:r>
+              <a:rPr lang="es-ES" sz="1600" dirty="0" err="1">
+                <a:effectLst/>
+                <a:latin typeface="Calibri" panose="020F0502020204030204" pitchFamily="34" charset="0"/>
+                <a:ea typeface="Times New Roman" panose="02020603050405020304" pitchFamily="18" charset="0"/>
+              </a:rPr>
+              <a:t>ontology</a:t>
+            </a:r>
+            <a:r>
+              <a:rPr lang="es-ES" sz="1600" dirty="0">
+                <a:effectLst/>
+                <a:latin typeface="Calibri" panose="020F0502020204030204" pitchFamily="34" charset="0"/>
+                <a:ea typeface="Times New Roman" panose="02020603050405020304" pitchFamily="18" charset="0"/>
+              </a:rPr>
+              <a:t> </a:t>
+            </a:r>
+            <a:r>
+              <a:rPr lang="es-ES" sz="1600" dirty="0" err="1">
+                <a:effectLst/>
+                <a:latin typeface="Calibri" panose="020F0502020204030204" pitchFamily="34" charset="0"/>
+                <a:ea typeface="Times New Roman" panose="02020603050405020304" pitchFamily="18" charset="0"/>
+              </a:rPr>
+              <a:t>provides</a:t>
+            </a:r>
+            <a:r>
+              <a:rPr lang="es-ES" sz="1600" dirty="0">
+                <a:effectLst/>
+                <a:latin typeface="Calibri" panose="020F0502020204030204" pitchFamily="34" charset="0"/>
+                <a:ea typeface="Times New Roman" panose="02020603050405020304" pitchFamily="18" charset="0"/>
+              </a:rPr>
+              <a:t> a more comprehensive, </a:t>
+            </a:r>
+            <a:r>
+              <a:rPr lang="es-ES" sz="1600" dirty="0" err="1">
+                <a:effectLst/>
+                <a:latin typeface="Calibri" panose="020F0502020204030204" pitchFamily="34" charset="0"/>
+                <a:ea typeface="Times New Roman" panose="02020603050405020304" pitchFamily="18" charset="0"/>
+              </a:rPr>
+              <a:t>detailed</a:t>
+            </a:r>
+            <a:r>
+              <a:rPr lang="es-ES" sz="1600" dirty="0">
+                <a:effectLst/>
+                <a:latin typeface="Calibri" panose="020F0502020204030204" pitchFamily="34" charset="0"/>
+                <a:ea typeface="Times New Roman" panose="02020603050405020304" pitchFamily="18" charset="0"/>
+              </a:rPr>
+              <a:t>, and </a:t>
+            </a:r>
+            <a:r>
+              <a:rPr lang="es-ES" sz="1600" dirty="0" err="1">
+                <a:effectLst/>
+                <a:latin typeface="Calibri" panose="020F0502020204030204" pitchFamily="34" charset="0"/>
+                <a:ea typeface="Times New Roman" panose="02020603050405020304" pitchFamily="18" charset="0"/>
+              </a:rPr>
+              <a:t>user-friendly</a:t>
+            </a:r>
+            <a:r>
+              <a:rPr lang="es-ES" sz="1600" dirty="0">
+                <a:effectLst/>
+                <a:latin typeface="Calibri" panose="020F0502020204030204" pitchFamily="34" charset="0"/>
+                <a:ea typeface="Times New Roman" panose="02020603050405020304" pitchFamily="18" charset="0"/>
+              </a:rPr>
+              <a:t> </a:t>
+            </a:r>
+            <a:r>
+              <a:rPr lang="es-ES" sz="1600" dirty="0" err="1">
+                <a:effectLst/>
+                <a:latin typeface="Calibri" panose="020F0502020204030204" pitchFamily="34" charset="0"/>
+                <a:ea typeface="Times New Roman" panose="02020603050405020304" pitchFamily="18" charset="0"/>
+              </a:rPr>
+              <a:t>representation</a:t>
+            </a:r>
+            <a:r>
+              <a:rPr lang="es-ES" sz="1600" dirty="0">
+                <a:effectLst/>
+                <a:latin typeface="Calibri" panose="020F0502020204030204" pitchFamily="34" charset="0"/>
+                <a:ea typeface="Times New Roman" panose="02020603050405020304" pitchFamily="18" charset="0"/>
+              </a:rPr>
+              <a:t>.</a:t>
+            </a:r>
+            <a:endParaRPr lang="es-ES" sz="1600" dirty="0">
+              <a:effectLst/>
+              <a:latin typeface="Calibri" panose="020F0502020204030204" pitchFamily="34" charset="0"/>
+              <a:ea typeface="Calibri" panose="020F0502020204030204" pitchFamily="34" charset="0"/>
+            </a:endParaRPr>
+          </a:p>
+          <a:p>
+            <a:endParaRPr lang="es-ES" sz="1600" dirty="0">
+              <a:effectLst/>
+              <a:latin typeface="Calibri" panose="020F0502020204030204" pitchFamily="34" charset="0"/>
+              <a:ea typeface="Times New Roman" panose="02020603050405020304" pitchFamily="18" charset="0"/>
+            </a:endParaRPr>
+          </a:p>
+          <a:p>
+            <a:br>
+              <a:rPr lang="es-ES" sz="1600" dirty="0">
+                <a:effectLst/>
+                <a:latin typeface="Calibri" panose="020F0502020204030204" pitchFamily="34" charset="0"/>
+                <a:ea typeface="Times New Roman" panose="02020603050405020304" pitchFamily="18" charset="0"/>
+              </a:rPr>
+            </a:br>
+            <a:br>
+              <a:rPr lang="es-ES" sz="1600" dirty="0">
+                <a:effectLst/>
+                <a:latin typeface="Calibri" panose="020F0502020204030204" pitchFamily="34" charset="0"/>
+                <a:ea typeface="Times New Roman" panose="02020603050405020304" pitchFamily="18" charset="0"/>
+              </a:rPr>
+            </a:br>
+            <a:br>
+              <a:rPr lang="es-ES" sz="1600" dirty="0">
+                <a:effectLst/>
+                <a:latin typeface="Calibri" panose="020F0502020204030204" pitchFamily="34" charset="0"/>
+                <a:ea typeface="Times New Roman" panose="02020603050405020304" pitchFamily="18" charset="0"/>
+              </a:rPr>
+            </a:br>
+            <a:endParaRPr lang="en-GB" sz="1600" dirty="0"/>
+          </a:p>
+        </p:txBody>
+      </p:sp>
+    </p:spTree>
+    <p:extLst>
+      <p:ext uri="{BB962C8B-B14F-4D97-AF65-F5344CB8AC3E}">
+        <p14:creationId xmlns:p14="http://schemas.microsoft.com/office/powerpoint/2010/main" val="129128523"/>
+      </p:ext>
+    </p:extLst>
+  </p:cSld>
+  <p:clrMapOvr>
+    <a:masterClrMapping/>
+  </p:clrMapOvr>
+</p:sld>
+</file>
+
+<file path=ppt/slides/slide9.xml><?xml version="1.0" encoding="utf-8"?>
 <p:sld xmlns:a="http://schemas.openxmlformats.org/drawingml/2006/main" xmlns:r="http://schemas.openxmlformats.org/officeDocument/2006/relationships" xmlns:p="http://schemas.openxmlformats.org/presentationml/2006/main">
   <p:cSld>
     <p:spTree>
@@ -13762,629 +16982,6 @@
     <p:extLst>
       <p:ext uri="{BB962C8B-B14F-4D97-AF65-F5344CB8AC3E}">
         <p14:creationId xmlns:p14="http://schemas.microsoft.com/office/powerpoint/2010/main" val="4104656556"/>
-      </p:ext>
-    </p:extLst>
-  </p:cSld>
-  <p:clrMapOvr>
-    <a:masterClrMapping/>
-  </p:clrMapOvr>
-</p:sld>
-</file>
-
-<file path=ppt/slides/slide3.xml><?xml version="1.0" encoding="utf-8"?>
-<p:sld xmlns:a="http://schemas.openxmlformats.org/drawingml/2006/main" xmlns:r="http://schemas.openxmlformats.org/officeDocument/2006/relationships" xmlns:p="http://schemas.openxmlformats.org/presentationml/2006/main">
-  <p:cSld>
-    <p:bg>
-      <p:bgPr>
-        <a:noFill/>
-        <a:effectLst/>
-      </p:bgPr>
-    </p:bg>
-    <p:spTree>
-      <p:nvGrpSpPr>
-        <p:cNvPr id="1" name=""/>
-        <p:cNvGrpSpPr/>
-        <p:nvPr/>
-      </p:nvGrpSpPr>
-      <p:grpSpPr>
-        <a:xfrm>
-          <a:off x="0" y="0"/>
-          <a:ext cx="0" cy="0"/>
-          <a:chOff x="0" y="0"/>
-          <a:chExt cx="0" cy="0"/>
-        </a:xfrm>
-      </p:grpSpPr>
-      <p:sp>
-        <p:nvSpPr>
-          <p:cNvPr id="2" name="Título 1" hidden="1">
-            <a:extLst>
-              <a:ext uri="{FF2B5EF4-FFF2-40B4-BE49-F238E27FC236}">
-                <a16:creationId xmlns:a16="http://schemas.microsoft.com/office/drawing/2014/main" id="{85CBC2C1-606B-DC1B-16F8-34709AE82371}"/>
-              </a:ext>
-            </a:extLst>
-          </p:cNvPr>
-          <p:cNvSpPr>
-            <a:spLocks noGrp="1"/>
-          </p:cNvSpPr>
-          <p:nvPr>
-            <p:ph type="title"/>
-          </p:nvPr>
-        </p:nvSpPr>
-        <p:spPr/>
-        <p:txBody>
-          <a:bodyPr/>
-          <a:lstStyle/>
-          <a:p>
-            <a:endParaRPr lang="en-GB" dirty="0"/>
-          </a:p>
-        </p:txBody>
-      </p:sp>
-      <p:pic>
-        <p:nvPicPr>
-          <p:cNvPr id="3" name="Imagen 2">
-            <a:extLst>
-              <a:ext uri="{FF2B5EF4-FFF2-40B4-BE49-F238E27FC236}">
-                <a16:creationId xmlns:a16="http://schemas.microsoft.com/office/drawing/2014/main" id="{7EB3EA63-2B9C-9854-0E30-A94388AB3BF9}"/>
-              </a:ext>
-            </a:extLst>
-          </p:cNvPr>
-          <p:cNvPicPr/>
-          <p:nvPr/>
-        </p:nvPicPr>
-        <p:blipFill>
-          <a:blip r:embed="rId2"/>
-          <a:stretch>
-            <a:fillRect/>
-          </a:stretch>
-        </p:blipFill>
-        <p:spPr>
-          <a:xfrm>
-            <a:off x="0" y="0"/>
-            <a:ext cx="10080625" cy="5670550"/>
-          </a:xfrm>
-          <a:prstGeom prst="rect">
-            <a:avLst/>
-          </a:prstGeom>
-        </p:spPr>
-      </p:pic>
-    </p:spTree>
-    <p:extLst>
-      <p:ext uri="{BB962C8B-B14F-4D97-AF65-F5344CB8AC3E}">
-        <p14:creationId xmlns:p14="http://schemas.microsoft.com/office/powerpoint/2010/main" val="1560773898"/>
-      </p:ext>
-    </p:extLst>
-  </p:cSld>
-  <p:clrMapOvr>
-    <a:masterClrMapping/>
-  </p:clrMapOvr>
-</p:sld>
-</file>
-
-<file path=ppt/slides/slide4.xml><?xml version="1.0" encoding="utf-8"?>
-<p:sld xmlns:a="http://schemas.openxmlformats.org/drawingml/2006/main" xmlns:r="http://schemas.openxmlformats.org/officeDocument/2006/relationships" xmlns:p="http://schemas.openxmlformats.org/presentationml/2006/main">
-  <p:cSld>
-    <p:bg>
-      <p:bgPr>
-        <a:noFill/>
-        <a:effectLst/>
-      </p:bgPr>
-    </p:bg>
-    <p:spTree>
-      <p:nvGrpSpPr>
-        <p:cNvPr id="1" name=""/>
-        <p:cNvGrpSpPr/>
-        <p:nvPr/>
-      </p:nvGrpSpPr>
-      <p:grpSpPr>
-        <a:xfrm>
-          <a:off x="0" y="0"/>
-          <a:ext cx="0" cy="0"/>
-          <a:chOff x="0" y="0"/>
-          <a:chExt cx="0" cy="0"/>
-        </a:xfrm>
-      </p:grpSpPr>
-      <p:sp>
-        <p:nvSpPr>
-          <p:cNvPr id="2" name="Título 1" hidden="1">
-            <a:extLst>
-              <a:ext uri="{FF2B5EF4-FFF2-40B4-BE49-F238E27FC236}">
-                <a16:creationId xmlns:a16="http://schemas.microsoft.com/office/drawing/2014/main" id="{B654D1AB-3E34-AA70-CF69-CFD5A737E50F}"/>
-              </a:ext>
-            </a:extLst>
-          </p:cNvPr>
-          <p:cNvSpPr>
-            <a:spLocks noGrp="1"/>
-          </p:cNvSpPr>
-          <p:nvPr>
-            <p:ph type="title"/>
-          </p:nvPr>
-        </p:nvSpPr>
-        <p:spPr/>
-        <p:txBody>
-          <a:bodyPr/>
-          <a:lstStyle/>
-          <a:p>
-            <a:endParaRPr lang="en-GB"/>
-          </a:p>
-        </p:txBody>
-      </p:sp>
-      <p:pic>
-        <p:nvPicPr>
-          <p:cNvPr id="3" name="Imagen 2">
-            <a:extLst>
-              <a:ext uri="{FF2B5EF4-FFF2-40B4-BE49-F238E27FC236}">
-                <a16:creationId xmlns:a16="http://schemas.microsoft.com/office/drawing/2014/main" id="{AA73E6D2-86C9-DB6A-4611-5D6528585117}"/>
-              </a:ext>
-            </a:extLst>
-          </p:cNvPr>
-          <p:cNvPicPr/>
-          <p:nvPr/>
-        </p:nvPicPr>
-        <p:blipFill>
-          <a:blip r:embed="rId2"/>
-          <a:stretch>
-            <a:fillRect/>
-          </a:stretch>
-        </p:blipFill>
-        <p:spPr>
-          <a:xfrm>
-            <a:off x="0" y="0"/>
-            <a:ext cx="10080625" cy="5670550"/>
-          </a:xfrm>
-          <a:prstGeom prst="rect">
-            <a:avLst/>
-          </a:prstGeom>
-        </p:spPr>
-      </p:pic>
-    </p:spTree>
-    <p:extLst>
-      <p:ext uri="{BB962C8B-B14F-4D97-AF65-F5344CB8AC3E}">
-        <p14:creationId xmlns:p14="http://schemas.microsoft.com/office/powerpoint/2010/main" val="3093089410"/>
-      </p:ext>
-    </p:extLst>
-  </p:cSld>
-  <p:clrMapOvr>
-    <a:masterClrMapping/>
-  </p:clrMapOvr>
-</p:sld>
-</file>
-
-<file path=ppt/slides/slide5.xml><?xml version="1.0" encoding="utf-8"?>
-<p:sld xmlns:a="http://schemas.openxmlformats.org/drawingml/2006/main" xmlns:r="http://schemas.openxmlformats.org/officeDocument/2006/relationships" xmlns:p="http://schemas.openxmlformats.org/presentationml/2006/main">
-  <p:cSld>
-    <p:bg>
-      <p:bgPr>
-        <a:noFill/>
-        <a:effectLst/>
-      </p:bgPr>
-    </p:bg>
-    <p:spTree>
-      <p:nvGrpSpPr>
-        <p:cNvPr id="1" name=""/>
-        <p:cNvGrpSpPr/>
-        <p:nvPr/>
-      </p:nvGrpSpPr>
-      <p:grpSpPr>
-        <a:xfrm>
-          <a:off x="0" y="0"/>
-          <a:ext cx="0" cy="0"/>
-          <a:chOff x="0" y="0"/>
-          <a:chExt cx="0" cy="0"/>
-        </a:xfrm>
-      </p:grpSpPr>
-      <p:sp>
-        <p:nvSpPr>
-          <p:cNvPr id="2" name="Título 1" hidden="1">
-            <a:extLst>
-              <a:ext uri="{FF2B5EF4-FFF2-40B4-BE49-F238E27FC236}">
-                <a16:creationId xmlns:a16="http://schemas.microsoft.com/office/drawing/2014/main" id="{D1F57731-A1BF-EC71-6B2B-CC624CA406B5}"/>
-              </a:ext>
-            </a:extLst>
-          </p:cNvPr>
-          <p:cNvSpPr>
-            <a:spLocks noGrp="1"/>
-          </p:cNvSpPr>
-          <p:nvPr>
-            <p:ph type="title"/>
-          </p:nvPr>
-        </p:nvSpPr>
-        <p:spPr/>
-        <p:txBody>
-          <a:bodyPr/>
-          <a:lstStyle/>
-          <a:p>
-            <a:endParaRPr lang="en-GB"/>
-          </a:p>
-        </p:txBody>
-      </p:sp>
-      <p:pic>
-        <p:nvPicPr>
-          <p:cNvPr id="3" name="Imagen 2">
-            <a:extLst>
-              <a:ext uri="{FF2B5EF4-FFF2-40B4-BE49-F238E27FC236}">
-                <a16:creationId xmlns:a16="http://schemas.microsoft.com/office/drawing/2014/main" id="{6357366E-6D98-89F7-50C7-C55B4B43627B}"/>
-              </a:ext>
-            </a:extLst>
-          </p:cNvPr>
-          <p:cNvPicPr/>
-          <p:nvPr/>
-        </p:nvPicPr>
-        <p:blipFill>
-          <a:blip r:embed="rId2"/>
-          <a:stretch>
-            <a:fillRect/>
-          </a:stretch>
-        </p:blipFill>
-        <p:spPr>
-          <a:xfrm>
-            <a:off x="0" y="0"/>
-            <a:ext cx="10080625" cy="5670550"/>
-          </a:xfrm>
-          <a:prstGeom prst="rect">
-            <a:avLst/>
-          </a:prstGeom>
-        </p:spPr>
-      </p:pic>
-    </p:spTree>
-    <p:extLst>
-      <p:ext uri="{BB962C8B-B14F-4D97-AF65-F5344CB8AC3E}">
-        <p14:creationId xmlns:p14="http://schemas.microsoft.com/office/powerpoint/2010/main" val="3732485218"/>
-      </p:ext>
-    </p:extLst>
-  </p:cSld>
-  <p:clrMapOvr>
-    <a:masterClrMapping/>
-  </p:clrMapOvr>
-</p:sld>
-</file>
-
-<file path=ppt/slides/slide6.xml><?xml version="1.0" encoding="utf-8"?>
-<p:sld xmlns:a="http://schemas.openxmlformats.org/drawingml/2006/main" xmlns:r="http://schemas.openxmlformats.org/officeDocument/2006/relationships" xmlns:p="http://schemas.openxmlformats.org/presentationml/2006/main">
-  <p:cSld>
-    <p:bg>
-      <p:bgPr>
-        <a:noFill/>
-        <a:effectLst/>
-      </p:bgPr>
-    </p:bg>
-    <p:spTree>
-      <p:nvGrpSpPr>
-        <p:cNvPr id="1" name=""/>
-        <p:cNvGrpSpPr/>
-        <p:nvPr/>
-      </p:nvGrpSpPr>
-      <p:grpSpPr>
-        <a:xfrm>
-          <a:off x="0" y="0"/>
-          <a:ext cx="0" cy="0"/>
-          <a:chOff x="0" y="0"/>
-          <a:chExt cx="0" cy="0"/>
-        </a:xfrm>
-      </p:grpSpPr>
-      <p:sp>
-        <p:nvSpPr>
-          <p:cNvPr id="2" name="Título 1" hidden="1">
-            <a:extLst>
-              <a:ext uri="{FF2B5EF4-FFF2-40B4-BE49-F238E27FC236}">
-                <a16:creationId xmlns:a16="http://schemas.microsoft.com/office/drawing/2014/main" id="{32EBADAF-DA85-AC2D-0504-C82E5DF996B2}"/>
-              </a:ext>
-            </a:extLst>
-          </p:cNvPr>
-          <p:cNvSpPr>
-            <a:spLocks noGrp="1"/>
-          </p:cNvSpPr>
-          <p:nvPr>
-            <p:ph type="title"/>
-          </p:nvPr>
-        </p:nvSpPr>
-        <p:spPr/>
-        <p:txBody>
-          <a:bodyPr/>
-          <a:lstStyle/>
-          <a:p>
-            <a:endParaRPr lang="en-GB"/>
-          </a:p>
-        </p:txBody>
-      </p:sp>
-      <p:pic>
-        <p:nvPicPr>
-          <p:cNvPr id="3" name="Imagen 2">
-            <a:extLst>
-              <a:ext uri="{FF2B5EF4-FFF2-40B4-BE49-F238E27FC236}">
-                <a16:creationId xmlns:a16="http://schemas.microsoft.com/office/drawing/2014/main" id="{5F1FE623-9387-613D-CE5C-446A4232BA77}"/>
-              </a:ext>
-            </a:extLst>
-          </p:cNvPr>
-          <p:cNvPicPr/>
-          <p:nvPr/>
-        </p:nvPicPr>
-        <p:blipFill>
-          <a:blip r:embed="rId2"/>
-          <a:stretch>
-            <a:fillRect/>
-          </a:stretch>
-        </p:blipFill>
-        <p:spPr>
-          <a:xfrm>
-            <a:off x="0" y="0"/>
-            <a:ext cx="10080625" cy="5670550"/>
-          </a:xfrm>
-          <a:prstGeom prst="rect">
-            <a:avLst/>
-          </a:prstGeom>
-        </p:spPr>
-      </p:pic>
-    </p:spTree>
-    <p:extLst>
-      <p:ext uri="{BB962C8B-B14F-4D97-AF65-F5344CB8AC3E}">
-        <p14:creationId xmlns:p14="http://schemas.microsoft.com/office/powerpoint/2010/main" val="2633254910"/>
-      </p:ext>
-    </p:extLst>
-  </p:cSld>
-  <p:clrMapOvr>
-    <a:masterClrMapping/>
-  </p:clrMapOvr>
-</p:sld>
-</file>
-
-<file path=ppt/slides/slide7.xml><?xml version="1.0" encoding="utf-8"?>
-<p:sld xmlns:a="http://schemas.openxmlformats.org/drawingml/2006/main" xmlns:r="http://schemas.openxmlformats.org/officeDocument/2006/relationships" xmlns:p="http://schemas.openxmlformats.org/presentationml/2006/main">
-  <p:cSld>
-    <p:bg>
-      <p:bgPr>
-        <a:noFill/>
-        <a:effectLst/>
-      </p:bgPr>
-    </p:bg>
-    <p:spTree>
-      <p:nvGrpSpPr>
-        <p:cNvPr id="1" name=""/>
-        <p:cNvGrpSpPr/>
-        <p:nvPr/>
-      </p:nvGrpSpPr>
-      <p:grpSpPr>
-        <a:xfrm>
-          <a:off x="0" y="0"/>
-          <a:ext cx="0" cy="0"/>
-          <a:chOff x="0" y="0"/>
-          <a:chExt cx="0" cy="0"/>
-        </a:xfrm>
-      </p:grpSpPr>
-      <p:sp>
-        <p:nvSpPr>
-          <p:cNvPr id="2" name="Título 1" hidden="1">
-            <a:extLst>
-              <a:ext uri="{FF2B5EF4-FFF2-40B4-BE49-F238E27FC236}">
-                <a16:creationId xmlns:a16="http://schemas.microsoft.com/office/drawing/2014/main" id="{C7A19D4E-00F5-71CE-E463-E5D3B5E8C701}"/>
-              </a:ext>
-            </a:extLst>
-          </p:cNvPr>
-          <p:cNvSpPr>
-            <a:spLocks noGrp="1"/>
-          </p:cNvSpPr>
-          <p:nvPr>
-            <p:ph type="title"/>
-          </p:nvPr>
-        </p:nvSpPr>
-        <p:spPr/>
-        <p:txBody>
-          <a:bodyPr/>
-          <a:lstStyle/>
-          <a:p>
-            <a:endParaRPr lang="en-GB"/>
-          </a:p>
-        </p:txBody>
-      </p:sp>
-      <p:pic>
-        <p:nvPicPr>
-          <p:cNvPr id="3" name="Imagen 2">
-            <a:extLst>
-              <a:ext uri="{FF2B5EF4-FFF2-40B4-BE49-F238E27FC236}">
-                <a16:creationId xmlns:a16="http://schemas.microsoft.com/office/drawing/2014/main" id="{B3F95C5D-5A2F-B366-FD72-72FCE230FF35}"/>
-              </a:ext>
-            </a:extLst>
-          </p:cNvPr>
-          <p:cNvPicPr/>
-          <p:nvPr/>
-        </p:nvPicPr>
-        <p:blipFill>
-          <a:blip r:embed="rId2"/>
-          <a:stretch>
-            <a:fillRect/>
-          </a:stretch>
-        </p:blipFill>
-        <p:spPr>
-          <a:xfrm>
-            <a:off x="0" y="0"/>
-            <a:ext cx="10080625" cy="5670550"/>
-          </a:xfrm>
-          <a:prstGeom prst="rect">
-            <a:avLst/>
-          </a:prstGeom>
-        </p:spPr>
-      </p:pic>
-    </p:spTree>
-    <p:extLst>
-      <p:ext uri="{BB962C8B-B14F-4D97-AF65-F5344CB8AC3E}">
-        <p14:creationId xmlns:p14="http://schemas.microsoft.com/office/powerpoint/2010/main" val="513818978"/>
-      </p:ext>
-    </p:extLst>
-  </p:cSld>
-  <p:clrMapOvr>
-    <a:masterClrMapping/>
-  </p:clrMapOvr>
-</p:sld>
-</file>
-
-<file path=ppt/slides/slide8.xml><?xml version="1.0" encoding="utf-8"?>
-<p:sld xmlns:a="http://schemas.openxmlformats.org/drawingml/2006/main" xmlns:r="http://schemas.openxmlformats.org/officeDocument/2006/relationships" xmlns:p="http://schemas.openxmlformats.org/presentationml/2006/main">
-  <p:cSld>
-    <p:bg>
-      <p:bgPr>
-        <a:noFill/>
-        <a:effectLst/>
-      </p:bgPr>
-    </p:bg>
-    <p:spTree>
-      <p:nvGrpSpPr>
-        <p:cNvPr id="1" name=""/>
-        <p:cNvGrpSpPr/>
-        <p:nvPr/>
-      </p:nvGrpSpPr>
-      <p:grpSpPr>
-        <a:xfrm>
-          <a:off x="0" y="0"/>
-          <a:ext cx="0" cy="0"/>
-          <a:chOff x="0" y="0"/>
-          <a:chExt cx="0" cy="0"/>
-        </a:xfrm>
-      </p:grpSpPr>
-      <p:sp>
-        <p:nvSpPr>
-          <p:cNvPr id="2" name="Título 1" hidden="1">
-            <a:extLst>
-              <a:ext uri="{FF2B5EF4-FFF2-40B4-BE49-F238E27FC236}">
-                <a16:creationId xmlns:a16="http://schemas.microsoft.com/office/drawing/2014/main" id="{1488B2A3-2E88-A42E-8997-FDB296D0A2C0}"/>
-              </a:ext>
-            </a:extLst>
-          </p:cNvPr>
-          <p:cNvSpPr>
-            <a:spLocks noGrp="1"/>
-          </p:cNvSpPr>
-          <p:nvPr>
-            <p:ph type="title"/>
-          </p:nvPr>
-        </p:nvSpPr>
-        <p:spPr/>
-        <p:txBody>
-          <a:bodyPr/>
-          <a:lstStyle/>
-          <a:p>
-            <a:endParaRPr lang="en-GB"/>
-          </a:p>
-        </p:txBody>
-      </p:sp>
-      <p:pic>
-        <p:nvPicPr>
-          <p:cNvPr id="3" name="Imagen 2">
-            <a:extLst>
-              <a:ext uri="{FF2B5EF4-FFF2-40B4-BE49-F238E27FC236}">
-                <a16:creationId xmlns:a16="http://schemas.microsoft.com/office/drawing/2014/main" id="{A9CE917C-7C7E-A7FD-5FC4-BCD6B150564E}"/>
-              </a:ext>
-            </a:extLst>
-          </p:cNvPr>
-          <p:cNvPicPr/>
-          <p:nvPr/>
-        </p:nvPicPr>
-        <p:blipFill>
-          <a:blip r:embed="rId2"/>
-          <a:stretch>
-            <a:fillRect/>
-          </a:stretch>
-        </p:blipFill>
-        <p:spPr>
-          <a:xfrm>
-            <a:off x="0" y="0"/>
-            <a:ext cx="10080625" cy="5670550"/>
-          </a:xfrm>
-          <a:prstGeom prst="rect">
-            <a:avLst/>
-          </a:prstGeom>
-        </p:spPr>
-      </p:pic>
-    </p:spTree>
-    <p:extLst>
-      <p:ext uri="{BB962C8B-B14F-4D97-AF65-F5344CB8AC3E}">
-        <p14:creationId xmlns:p14="http://schemas.microsoft.com/office/powerpoint/2010/main" val="2044003407"/>
-      </p:ext>
-    </p:extLst>
-  </p:cSld>
-  <p:clrMapOvr>
-    <a:masterClrMapping/>
-  </p:clrMapOvr>
-</p:sld>
-</file>
-
-<file path=ppt/slides/slide9.xml><?xml version="1.0" encoding="utf-8"?>
-<p:sld xmlns:a="http://schemas.openxmlformats.org/drawingml/2006/main" xmlns:r="http://schemas.openxmlformats.org/officeDocument/2006/relationships" xmlns:p="http://schemas.openxmlformats.org/presentationml/2006/main">
-  <p:cSld>
-    <p:bg>
-      <p:bgPr>
-        <a:noFill/>
-        <a:effectLst/>
-      </p:bgPr>
-    </p:bg>
-    <p:spTree>
-      <p:nvGrpSpPr>
-        <p:cNvPr id="1" name=""/>
-        <p:cNvGrpSpPr/>
-        <p:nvPr/>
-      </p:nvGrpSpPr>
-      <p:grpSpPr>
-        <a:xfrm>
-          <a:off x="0" y="0"/>
-          <a:ext cx="0" cy="0"/>
-          <a:chOff x="0" y="0"/>
-          <a:chExt cx="0" cy="0"/>
-        </a:xfrm>
-      </p:grpSpPr>
-      <p:sp>
-        <p:nvSpPr>
-          <p:cNvPr id="2" name="Título 1" hidden="1">
-            <a:extLst>
-              <a:ext uri="{FF2B5EF4-FFF2-40B4-BE49-F238E27FC236}">
-                <a16:creationId xmlns:a16="http://schemas.microsoft.com/office/drawing/2014/main" id="{1CD95AC4-7A78-457B-9A17-B24ED2E7CCF6}"/>
-              </a:ext>
-            </a:extLst>
-          </p:cNvPr>
-          <p:cNvSpPr>
-            <a:spLocks noGrp="1"/>
-          </p:cNvSpPr>
-          <p:nvPr>
-            <p:ph type="title"/>
-          </p:nvPr>
-        </p:nvSpPr>
-        <p:spPr/>
-        <p:txBody>
-          <a:bodyPr/>
-          <a:lstStyle/>
-          <a:p>
-            <a:endParaRPr lang="en-GB"/>
-          </a:p>
-        </p:txBody>
-      </p:sp>
-      <p:pic>
-        <p:nvPicPr>
-          <p:cNvPr id="3" name="Imagen 2">
-            <a:extLst>
-              <a:ext uri="{FF2B5EF4-FFF2-40B4-BE49-F238E27FC236}">
-                <a16:creationId xmlns:a16="http://schemas.microsoft.com/office/drawing/2014/main" id="{594F22E4-F5B8-98D8-253B-6B88674C51A5}"/>
-              </a:ext>
-            </a:extLst>
-          </p:cNvPr>
-          <p:cNvPicPr/>
-          <p:nvPr/>
-        </p:nvPicPr>
-        <p:blipFill>
-          <a:blip r:embed="rId2"/>
-          <a:stretch>
-            <a:fillRect/>
-          </a:stretch>
-        </p:blipFill>
-        <p:spPr>
-          <a:xfrm>
-            <a:off x="0" y="0"/>
-            <a:ext cx="10080625" cy="5670550"/>
-          </a:xfrm>
-          <a:prstGeom prst="rect">
-            <a:avLst/>
-          </a:prstGeom>
-        </p:spPr>
-      </p:pic>
-    </p:spTree>
-    <p:extLst>
-      <p:ext uri="{BB962C8B-B14F-4D97-AF65-F5344CB8AC3E}">
-        <p14:creationId xmlns:p14="http://schemas.microsoft.com/office/powerpoint/2010/main" val="880659141"/>
       </p:ext>
     </p:extLst>
   </p:cSld>

--- a/IDEAS.pptx
+++ b/IDEAS.pptx
@@ -17,7 +17,7 @@
     <p:sldId id="265" r:id="rId12"/>
     <p:sldId id="266" r:id="rId13"/>
   </p:sldIdLst>
-  <p:sldSz cx="14436725" cy="9269413"/>
+  <p:sldSz cx="14436725" cy="10799763"/>
   <p:notesSz cx="7559675" cy="10691813"/>
 </p:presentation>
 </file>
@@ -73,7 +73,7 @@
         <p:txBody>
           <a:bodyPr/>
           <a:p>
-            <a:fld id="{518066C4-8553-442D-8DAB-BA2E5B346F11}" type="slidenum">
+            <a:fld id="{C12C6882-3E24-4C27-AA05-1184811E5136}" type="slidenum">
               <a:t>&lt;#&gt;</a:t>
             </a:fld>
           </a:p>
@@ -134,8 +134,8 @@
         </p:nvSpPr>
         <p:spPr>
           <a:xfrm>
-            <a:off x="992160" y="493560"/>
-            <a:ext cx="12449520" cy="1790640"/>
+            <a:off x="991800" y="574560"/>
+            <a:ext cx="12449520" cy="2086200"/>
           </a:xfrm>
           <a:prstGeom prst="rect">
             <a:avLst/>
@@ -153,7 +153,7 @@
             <a:pPr indent="0" algn="ctr">
               <a:buNone/>
             </a:pPr>
-            <a:endParaRPr b="0" lang="es-ES" sz="7190" spc="-1" strike="noStrike">
+            <a:endParaRPr b="0" lang="es-ES" sz="8370" spc="-1" strike="noStrike">
               <a:solidFill>
                 <a:srgbClr val="000000"/>
               </a:solidFill>
@@ -174,8 +174,8 @@
         </p:nvSpPr>
         <p:spPr>
           <a:xfrm>
-            <a:off x="721440" y="2168280"/>
-            <a:ext cx="12991320" cy="2564280"/>
+            <a:off x="721080" y="2525400"/>
+            <a:ext cx="12991320" cy="2987280"/>
           </a:xfrm>
           <a:prstGeom prst="rect">
             <a:avLst/>
@@ -192,11 +192,11 @@
           <a:p>
             <a:pPr indent="0">
               <a:spcBef>
-                <a:spcPts val="2316"/>
+                <a:spcPts val="2693"/>
               </a:spcBef>
               <a:buNone/>
             </a:pPr>
-            <a:endParaRPr b="0" lang="es-ES" sz="5230" spc="-1" strike="noStrike">
+            <a:endParaRPr b="0" lang="es-ES" sz="6090" spc="-1" strike="noStrike">
               <a:solidFill>
                 <a:srgbClr val="000000"/>
               </a:solidFill>
@@ -217,8 +217,8 @@
         </p:nvSpPr>
         <p:spPr>
           <a:xfrm>
-            <a:off x="721440" y="4976640"/>
-            <a:ext cx="12991320" cy="2564280"/>
+            <a:off x="721080" y="5796720"/>
+            <a:ext cx="12991320" cy="2987280"/>
           </a:xfrm>
           <a:prstGeom prst="rect">
             <a:avLst/>
@@ -235,11 +235,11 @@
           <a:p>
             <a:pPr indent="0">
               <a:spcBef>
-                <a:spcPts val="2316"/>
+                <a:spcPts val="2693"/>
               </a:spcBef>
               <a:buNone/>
             </a:pPr>
-            <a:endParaRPr b="0" lang="es-ES" sz="5230" spc="-1" strike="noStrike">
+            <a:endParaRPr b="0" lang="es-ES" sz="6090" spc="-1" strike="noStrike">
               <a:solidFill>
                 <a:srgbClr val="000000"/>
               </a:solidFill>
@@ -282,7 +282,7 @@
         <p:txBody>
           <a:bodyPr/>
           <a:p>
-            <a:fld id="{FB1E335A-D1DA-40C7-88AC-BC4E11FACB57}" type="slidenum">
+            <a:fld id="{96BE4638-EB0D-4F8A-BB37-D7080A20EE7B}" type="slidenum">
               <a:t>&lt;#&gt;</a:t>
             </a:fld>
           </a:p>
@@ -343,8 +343,8 @@
         </p:nvSpPr>
         <p:spPr>
           <a:xfrm>
-            <a:off x="992160" y="493560"/>
-            <a:ext cx="12449520" cy="1790640"/>
+            <a:off x="991800" y="574560"/>
+            <a:ext cx="12449520" cy="2086200"/>
           </a:xfrm>
           <a:prstGeom prst="rect">
             <a:avLst/>
@@ -362,7 +362,7 @@
             <a:pPr indent="0" algn="ctr">
               <a:buNone/>
             </a:pPr>
-            <a:endParaRPr b="0" lang="es-ES" sz="7190" spc="-1" strike="noStrike">
+            <a:endParaRPr b="0" lang="es-ES" sz="8370" spc="-1" strike="noStrike">
               <a:solidFill>
                 <a:srgbClr val="000000"/>
               </a:solidFill>
@@ -383,8 +383,8 @@
         </p:nvSpPr>
         <p:spPr>
           <a:xfrm>
-            <a:off x="721440" y="2168280"/>
-            <a:ext cx="6339600" cy="2564280"/>
+            <a:off x="721080" y="2525400"/>
+            <a:ext cx="6339600" cy="2987280"/>
           </a:xfrm>
           <a:prstGeom prst="rect">
             <a:avLst/>
@@ -401,11 +401,11 @@
           <a:p>
             <a:pPr indent="0">
               <a:spcBef>
-                <a:spcPts val="2316"/>
+                <a:spcPts val="2693"/>
               </a:spcBef>
               <a:buNone/>
             </a:pPr>
-            <a:endParaRPr b="0" lang="es-ES" sz="5230" spc="-1" strike="noStrike">
+            <a:endParaRPr b="0" lang="es-ES" sz="6090" spc="-1" strike="noStrike">
               <a:solidFill>
                 <a:srgbClr val="000000"/>
               </a:solidFill>
@@ -426,8 +426,8 @@
         </p:nvSpPr>
         <p:spPr>
           <a:xfrm>
-            <a:off x="7378560" y="2168280"/>
-            <a:ext cx="6339600" cy="2564280"/>
+            <a:off x="7378200" y="2525400"/>
+            <a:ext cx="6339600" cy="2987280"/>
           </a:xfrm>
           <a:prstGeom prst="rect">
             <a:avLst/>
@@ -444,11 +444,11 @@
           <a:p>
             <a:pPr indent="0">
               <a:spcBef>
-                <a:spcPts val="2316"/>
+                <a:spcPts val="2693"/>
               </a:spcBef>
               <a:buNone/>
             </a:pPr>
-            <a:endParaRPr b="0" lang="es-ES" sz="5230" spc="-1" strike="noStrike">
+            <a:endParaRPr b="0" lang="es-ES" sz="6090" spc="-1" strike="noStrike">
               <a:solidFill>
                 <a:srgbClr val="000000"/>
               </a:solidFill>
@@ -469,8 +469,8 @@
         </p:nvSpPr>
         <p:spPr>
           <a:xfrm>
-            <a:off x="721440" y="4976640"/>
-            <a:ext cx="6339600" cy="2564280"/>
+            <a:off x="721080" y="5796720"/>
+            <a:ext cx="6339600" cy="2987280"/>
           </a:xfrm>
           <a:prstGeom prst="rect">
             <a:avLst/>
@@ -487,11 +487,11 @@
           <a:p>
             <a:pPr indent="0">
               <a:spcBef>
-                <a:spcPts val="2316"/>
+                <a:spcPts val="2693"/>
               </a:spcBef>
               <a:buNone/>
             </a:pPr>
-            <a:endParaRPr b="0" lang="es-ES" sz="5230" spc="-1" strike="noStrike">
+            <a:endParaRPr b="0" lang="es-ES" sz="6090" spc="-1" strike="noStrike">
               <a:solidFill>
                 <a:srgbClr val="000000"/>
               </a:solidFill>
@@ -512,8 +512,8 @@
         </p:nvSpPr>
         <p:spPr>
           <a:xfrm>
-            <a:off x="7378560" y="4976640"/>
-            <a:ext cx="6339600" cy="2564280"/>
+            <a:off x="7378200" y="5796720"/>
+            <a:ext cx="6339600" cy="2987280"/>
           </a:xfrm>
           <a:prstGeom prst="rect">
             <a:avLst/>
@@ -530,11 +530,11 @@
           <a:p>
             <a:pPr indent="0">
               <a:spcBef>
-                <a:spcPts val="2316"/>
+                <a:spcPts val="2693"/>
               </a:spcBef>
               <a:buNone/>
             </a:pPr>
-            <a:endParaRPr b="0" lang="es-ES" sz="5230" spc="-1" strike="noStrike">
+            <a:endParaRPr b="0" lang="es-ES" sz="6090" spc="-1" strike="noStrike">
               <a:solidFill>
                 <a:srgbClr val="000000"/>
               </a:solidFill>
@@ -577,7 +577,7 @@
         <p:txBody>
           <a:bodyPr/>
           <a:p>
-            <a:fld id="{330D8F6E-77BD-4239-8DC4-A6E8E1281628}" type="slidenum">
+            <a:fld id="{2B393486-0C12-4DEC-90A3-DA45145C2D31}" type="slidenum">
               <a:t>&lt;#&gt;</a:t>
             </a:fld>
           </a:p>
@@ -638,8 +638,8 @@
         </p:nvSpPr>
         <p:spPr>
           <a:xfrm>
-            <a:off x="992160" y="493560"/>
-            <a:ext cx="12449520" cy="1790640"/>
+            <a:off x="991800" y="574560"/>
+            <a:ext cx="12449520" cy="2086200"/>
           </a:xfrm>
           <a:prstGeom prst="rect">
             <a:avLst/>
@@ -657,7 +657,7 @@
             <a:pPr indent="0" algn="ctr">
               <a:buNone/>
             </a:pPr>
-            <a:endParaRPr b="0" lang="es-ES" sz="7190" spc="-1" strike="noStrike">
+            <a:endParaRPr b="0" lang="es-ES" sz="8370" spc="-1" strike="noStrike">
               <a:solidFill>
                 <a:srgbClr val="000000"/>
               </a:solidFill>
@@ -678,8 +678,8 @@
         </p:nvSpPr>
         <p:spPr>
           <a:xfrm>
-            <a:off x="721440" y="2168280"/>
-            <a:ext cx="4182840" cy="2564280"/>
+            <a:off x="721080" y="2525400"/>
+            <a:ext cx="4182840" cy="2987280"/>
           </a:xfrm>
           <a:prstGeom prst="rect">
             <a:avLst/>
@@ -696,11 +696,11 @@
           <a:p>
             <a:pPr indent="0">
               <a:spcBef>
-                <a:spcPts val="2316"/>
+                <a:spcPts val="2693"/>
               </a:spcBef>
               <a:buNone/>
             </a:pPr>
-            <a:endParaRPr b="0" lang="es-ES" sz="5230" spc="-1" strike="noStrike">
+            <a:endParaRPr b="0" lang="es-ES" sz="6090" spc="-1" strike="noStrike">
               <a:solidFill>
                 <a:srgbClr val="000000"/>
               </a:solidFill>
@@ -721,8 +721,8 @@
         </p:nvSpPr>
         <p:spPr>
           <a:xfrm>
-            <a:off x="5113800" y="2168280"/>
-            <a:ext cx="4182840" cy="2564280"/>
+            <a:off x="5113440" y="2525400"/>
+            <a:ext cx="4182840" cy="2987280"/>
           </a:xfrm>
           <a:prstGeom prst="rect">
             <a:avLst/>
@@ -739,11 +739,11 @@
           <a:p>
             <a:pPr indent="0">
               <a:spcBef>
-                <a:spcPts val="2316"/>
+                <a:spcPts val="2693"/>
               </a:spcBef>
               <a:buNone/>
             </a:pPr>
-            <a:endParaRPr b="0" lang="es-ES" sz="5230" spc="-1" strike="noStrike">
+            <a:endParaRPr b="0" lang="es-ES" sz="6090" spc="-1" strike="noStrike">
               <a:solidFill>
                 <a:srgbClr val="000000"/>
               </a:solidFill>
@@ -764,8 +764,8 @@
         </p:nvSpPr>
         <p:spPr>
           <a:xfrm>
-            <a:off x="9506160" y="2168280"/>
-            <a:ext cx="4182840" cy="2564280"/>
+            <a:off x="9505800" y="2525400"/>
+            <a:ext cx="4182840" cy="2987280"/>
           </a:xfrm>
           <a:prstGeom prst="rect">
             <a:avLst/>
@@ -782,11 +782,11 @@
           <a:p>
             <a:pPr indent="0">
               <a:spcBef>
-                <a:spcPts val="2316"/>
+                <a:spcPts val="2693"/>
               </a:spcBef>
               <a:buNone/>
             </a:pPr>
-            <a:endParaRPr b="0" lang="es-ES" sz="5230" spc="-1" strike="noStrike">
+            <a:endParaRPr b="0" lang="es-ES" sz="6090" spc="-1" strike="noStrike">
               <a:solidFill>
                 <a:srgbClr val="000000"/>
               </a:solidFill>
@@ -807,8 +807,8 @@
         </p:nvSpPr>
         <p:spPr>
           <a:xfrm>
-            <a:off x="721440" y="4976640"/>
-            <a:ext cx="4182840" cy="2564280"/>
+            <a:off x="721080" y="5796720"/>
+            <a:ext cx="4182840" cy="2987280"/>
           </a:xfrm>
           <a:prstGeom prst="rect">
             <a:avLst/>
@@ -825,11 +825,11 @@
           <a:p>
             <a:pPr indent="0">
               <a:spcBef>
-                <a:spcPts val="2316"/>
+                <a:spcPts val="2693"/>
               </a:spcBef>
               <a:buNone/>
             </a:pPr>
-            <a:endParaRPr b="0" lang="es-ES" sz="5230" spc="-1" strike="noStrike">
+            <a:endParaRPr b="0" lang="es-ES" sz="6090" spc="-1" strike="noStrike">
               <a:solidFill>
                 <a:srgbClr val="000000"/>
               </a:solidFill>
@@ -850,8 +850,8 @@
         </p:nvSpPr>
         <p:spPr>
           <a:xfrm>
-            <a:off x="5113800" y="4976640"/>
-            <a:ext cx="4182840" cy="2564280"/>
+            <a:off x="5113440" y="5796720"/>
+            <a:ext cx="4182840" cy="2987280"/>
           </a:xfrm>
           <a:prstGeom prst="rect">
             <a:avLst/>
@@ -868,11 +868,11 @@
           <a:p>
             <a:pPr indent="0">
               <a:spcBef>
-                <a:spcPts val="2316"/>
+                <a:spcPts val="2693"/>
               </a:spcBef>
               <a:buNone/>
             </a:pPr>
-            <a:endParaRPr b="0" lang="es-ES" sz="5230" spc="-1" strike="noStrike">
+            <a:endParaRPr b="0" lang="es-ES" sz="6090" spc="-1" strike="noStrike">
               <a:solidFill>
                 <a:srgbClr val="000000"/>
               </a:solidFill>
@@ -893,8 +893,8 @@
         </p:nvSpPr>
         <p:spPr>
           <a:xfrm>
-            <a:off x="9506160" y="4976640"/>
-            <a:ext cx="4182840" cy="2564280"/>
+            <a:off x="9505800" y="5796720"/>
+            <a:ext cx="4182840" cy="2987280"/>
           </a:xfrm>
           <a:prstGeom prst="rect">
             <a:avLst/>
@@ -911,11 +911,11 @@
           <a:p>
             <a:pPr indent="0">
               <a:spcBef>
-                <a:spcPts val="2316"/>
+                <a:spcPts val="2693"/>
               </a:spcBef>
               <a:buNone/>
             </a:pPr>
-            <a:endParaRPr b="0" lang="es-ES" sz="5230" spc="-1" strike="noStrike">
+            <a:endParaRPr b="0" lang="es-ES" sz="6090" spc="-1" strike="noStrike">
               <a:solidFill>
                 <a:srgbClr val="000000"/>
               </a:solidFill>
@@ -958,7 +958,7 @@
         <p:txBody>
           <a:bodyPr/>
           <a:p>
-            <a:fld id="{5ED7B248-2491-4954-AC34-CC5ACFA28A50}" type="slidenum">
+            <a:fld id="{D7D2DC24-91FF-4DCC-98B8-FC29EF6D49A0}" type="slidenum">
               <a:t>&lt;#&gt;</a:t>
             </a:fld>
           </a:p>
@@ -1019,8 +1019,8 @@
         </p:nvSpPr>
         <p:spPr>
           <a:xfrm>
-            <a:off x="992160" y="493560"/>
-            <a:ext cx="12449520" cy="1790640"/>
+            <a:off x="991800" y="574560"/>
+            <a:ext cx="12449520" cy="2086200"/>
           </a:xfrm>
           <a:prstGeom prst="rect">
             <a:avLst/>
@@ -1038,7 +1038,7 @@
             <a:pPr indent="0" algn="ctr">
               <a:buNone/>
             </a:pPr>
-            <a:endParaRPr b="0" lang="es-ES" sz="7190" spc="-1" strike="noStrike">
+            <a:endParaRPr b="0" lang="es-ES" sz="8370" spc="-1" strike="noStrike">
               <a:solidFill>
                 <a:srgbClr val="000000"/>
               </a:solidFill>
@@ -1059,8 +1059,8 @@
         </p:nvSpPr>
         <p:spPr>
           <a:xfrm>
-            <a:off x="721440" y="2168280"/>
-            <a:ext cx="12991320" cy="5375880"/>
+            <a:off x="721080" y="2525400"/>
+            <a:ext cx="12991320" cy="6263280"/>
           </a:xfrm>
           <a:prstGeom prst="rect">
             <a:avLst/>
@@ -1121,7 +1121,7 @@
         <p:txBody>
           <a:bodyPr/>
           <a:p>
-            <a:fld id="{C425B9F1-1F7C-4E34-A520-7F53E7C3D165}" type="slidenum">
+            <a:fld id="{9A81E6C2-48E0-4CB9-9DDA-D0700B0989BB}" type="slidenum">
               <a:t>&lt;#&gt;</a:t>
             </a:fld>
           </a:p>
@@ -1182,8 +1182,8 @@
         </p:nvSpPr>
         <p:spPr>
           <a:xfrm>
-            <a:off x="992160" y="493560"/>
-            <a:ext cx="12449520" cy="1790640"/>
+            <a:off x="991800" y="574560"/>
+            <a:ext cx="12449520" cy="2086200"/>
           </a:xfrm>
           <a:prstGeom prst="rect">
             <a:avLst/>
@@ -1201,7 +1201,7 @@
             <a:pPr indent="0" algn="ctr">
               <a:buNone/>
             </a:pPr>
-            <a:endParaRPr b="0" lang="es-ES" sz="7190" spc="-1" strike="noStrike">
+            <a:endParaRPr b="0" lang="es-ES" sz="8370" spc="-1" strike="noStrike">
               <a:solidFill>
                 <a:srgbClr val="000000"/>
               </a:solidFill>
@@ -1222,8 +1222,8 @@
         </p:nvSpPr>
         <p:spPr>
           <a:xfrm>
-            <a:off x="721440" y="2168280"/>
-            <a:ext cx="12991320" cy="5375880"/>
+            <a:off x="721080" y="2525400"/>
+            <a:ext cx="12991320" cy="6263280"/>
           </a:xfrm>
           <a:prstGeom prst="rect">
             <a:avLst/>
@@ -1240,11 +1240,11 @@
           <a:p>
             <a:pPr indent="0">
               <a:spcBef>
-                <a:spcPts val="2316"/>
+                <a:spcPts val="2693"/>
               </a:spcBef>
               <a:buNone/>
             </a:pPr>
-            <a:endParaRPr b="0" lang="es-ES" sz="5230" spc="-1" strike="noStrike">
+            <a:endParaRPr b="0" lang="es-ES" sz="6090" spc="-1" strike="noStrike">
               <a:solidFill>
                 <a:srgbClr val="000000"/>
               </a:solidFill>
@@ -1287,7 +1287,7 @@
         <p:txBody>
           <a:bodyPr/>
           <a:p>
-            <a:fld id="{5FB3A7B3-0555-4314-B403-6D6CAE0BACB1}" type="slidenum">
+            <a:fld id="{9BC4A9D1-60ED-4887-BD85-B9D098B96EC0}" type="slidenum">
               <a:t>&lt;#&gt;</a:t>
             </a:fld>
           </a:p>
@@ -1348,8 +1348,8 @@
         </p:nvSpPr>
         <p:spPr>
           <a:xfrm>
-            <a:off x="992160" y="493560"/>
-            <a:ext cx="12449520" cy="1790640"/>
+            <a:off x="991800" y="574560"/>
+            <a:ext cx="12449520" cy="2086200"/>
           </a:xfrm>
           <a:prstGeom prst="rect">
             <a:avLst/>
@@ -1367,7 +1367,7 @@
             <a:pPr indent="0" algn="ctr">
               <a:buNone/>
             </a:pPr>
-            <a:endParaRPr b="0" lang="es-ES" sz="7190" spc="-1" strike="noStrike">
+            <a:endParaRPr b="0" lang="es-ES" sz="8370" spc="-1" strike="noStrike">
               <a:solidFill>
                 <a:srgbClr val="000000"/>
               </a:solidFill>
@@ -1388,8 +1388,8 @@
         </p:nvSpPr>
         <p:spPr>
           <a:xfrm>
-            <a:off x="721440" y="2168280"/>
-            <a:ext cx="6339600" cy="5375880"/>
+            <a:off x="721080" y="2525400"/>
+            <a:ext cx="6339600" cy="6263280"/>
           </a:xfrm>
           <a:prstGeom prst="rect">
             <a:avLst/>
@@ -1406,11 +1406,11 @@
           <a:p>
             <a:pPr indent="0">
               <a:spcBef>
-                <a:spcPts val="2316"/>
+                <a:spcPts val="2693"/>
               </a:spcBef>
               <a:buNone/>
             </a:pPr>
-            <a:endParaRPr b="0" lang="es-ES" sz="5230" spc="-1" strike="noStrike">
+            <a:endParaRPr b="0" lang="es-ES" sz="6090" spc="-1" strike="noStrike">
               <a:solidFill>
                 <a:srgbClr val="000000"/>
               </a:solidFill>
@@ -1431,8 +1431,8 @@
         </p:nvSpPr>
         <p:spPr>
           <a:xfrm>
-            <a:off x="7378560" y="2168280"/>
-            <a:ext cx="6339600" cy="5375880"/>
+            <a:off x="7378200" y="2525400"/>
+            <a:ext cx="6339600" cy="6263280"/>
           </a:xfrm>
           <a:prstGeom prst="rect">
             <a:avLst/>
@@ -1449,11 +1449,11 @@
           <a:p>
             <a:pPr indent="0">
               <a:spcBef>
-                <a:spcPts val="2316"/>
+                <a:spcPts val="2693"/>
               </a:spcBef>
               <a:buNone/>
             </a:pPr>
-            <a:endParaRPr b="0" lang="es-ES" sz="5230" spc="-1" strike="noStrike">
+            <a:endParaRPr b="0" lang="es-ES" sz="6090" spc="-1" strike="noStrike">
               <a:solidFill>
                 <a:srgbClr val="000000"/>
               </a:solidFill>
@@ -1496,7 +1496,7 @@
         <p:txBody>
           <a:bodyPr/>
           <a:p>
-            <a:fld id="{E6D40C4D-6D83-4F71-9665-26C9B16A99E4}" type="slidenum">
+            <a:fld id="{EFF10EF8-F930-4C22-B5DE-568A14B7DA56}" type="slidenum">
               <a:t>&lt;#&gt;</a:t>
             </a:fld>
           </a:p>
@@ -1557,8 +1557,8 @@
         </p:nvSpPr>
         <p:spPr>
           <a:xfrm>
-            <a:off x="992160" y="493560"/>
-            <a:ext cx="12449520" cy="1790640"/>
+            <a:off x="991800" y="574560"/>
+            <a:ext cx="12449520" cy="2086200"/>
           </a:xfrm>
           <a:prstGeom prst="rect">
             <a:avLst/>
@@ -1576,7 +1576,7 @@
             <a:pPr indent="0" algn="ctr">
               <a:buNone/>
             </a:pPr>
-            <a:endParaRPr b="0" lang="es-ES" sz="7190" spc="-1" strike="noStrike">
+            <a:endParaRPr b="0" lang="es-ES" sz="8370" spc="-1" strike="noStrike">
               <a:solidFill>
                 <a:srgbClr val="000000"/>
               </a:solidFill>
@@ -1619,7 +1619,7 @@
         <p:txBody>
           <a:bodyPr/>
           <a:p>
-            <a:fld id="{F90A4FA6-BDE5-444C-94CF-DA24DBF34BE6}" type="slidenum">
+            <a:fld id="{754138DC-6421-48CF-A266-4E796B2C3AAE}" type="slidenum">
               <a:t>&lt;#&gt;</a:t>
             </a:fld>
           </a:p>
@@ -1680,8 +1680,8 @@
         </p:nvSpPr>
         <p:spPr>
           <a:xfrm>
-            <a:off x="992160" y="493560"/>
-            <a:ext cx="12449520" cy="8301600"/>
+            <a:off x="991800" y="574560"/>
+            <a:ext cx="12449520" cy="9671760"/>
           </a:xfrm>
           <a:prstGeom prst="rect">
             <a:avLst/>
@@ -1740,7 +1740,7 @@
         <p:txBody>
           <a:bodyPr/>
           <a:p>
-            <a:fld id="{EF53D89D-BAB6-4299-840D-C27D545FD52F}" type="slidenum">
+            <a:fld id="{138F485D-23D7-46D7-BEB1-D0CBC38883F3}" type="slidenum">
               <a:t>&lt;#&gt;</a:t>
             </a:fld>
           </a:p>
@@ -1801,8 +1801,8 @@
         </p:nvSpPr>
         <p:spPr>
           <a:xfrm>
-            <a:off x="992160" y="493560"/>
-            <a:ext cx="12449520" cy="1790640"/>
+            <a:off x="991800" y="574560"/>
+            <a:ext cx="12449520" cy="2086200"/>
           </a:xfrm>
           <a:prstGeom prst="rect">
             <a:avLst/>
@@ -1820,7 +1820,7 @@
             <a:pPr indent="0" algn="ctr">
               <a:buNone/>
             </a:pPr>
-            <a:endParaRPr b="0" lang="es-ES" sz="7190" spc="-1" strike="noStrike">
+            <a:endParaRPr b="0" lang="es-ES" sz="8370" spc="-1" strike="noStrike">
               <a:solidFill>
                 <a:srgbClr val="000000"/>
               </a:solidFill>
@@ -1841,8 +1841,8 @@
         </p:nvSpPr>
         <p:spPr>
           <a:xfrm>
-            <a:off x="721440" y="2168280"/>
-            <a:ext cx="6339600" cy="2564280"/>
+            <a:off x="721080" y="2525400"/>
+            <a:ext cx="6339600" cy="2987280"/>
           </a:xfrm>
           <a:prstGeom prst="rect">
             <a:avLst/>
@@ -1859,11 +1859,11 @@
           <a:p>
             <a:pPr indent="0">
               <a:spcBef>
-                <a:spcPts val="2316"/>
+                <a:spcPts val="2693"/>
               </a:spcBef>
               <a:buNone/>
             </a:pPr>
-            <a:endParaRPr b="0" lang="es-ES" sz="5230" spc="-1" strike="noStrike">
+            <a:endParaRPr b="0" lang="es-ES" sz="6090" spc="-1" strike="noStrike">
               <a:solidFill>
                 <a:srgbClr val="000000"/>
               </a:solidFill>
@@ -1884,8 +1884,8 @@
         </p:nvSpPr>
         <p:spPr>
           <a:xfrm>
-            <a:off x="7378560" y="2168280"/>
-            <a:ext cx="6339600" cy="5375880"/>
+            <a:off x="7378200" y="2525400"/>
+            <a:ext cx="6339600" cy="6263280"/>
           </a:xfrm>
           <a:prstGeom prst="rect">
             <a:avLst/>
@@ -1902,11 +1902,11 @@
           <a:p>
             <a:pPr indent="0">
               <a:spcBef>
-                <a:spcPts val="2316"/>
+                <a:spcPts val="2693"/>
               </a:spcBef>
               <a:buNone/>
             </a:pPr>
-            <a:endParaRPr b="0" lang="es-ES" sz="5230" spc="-1" strike="noStrike">
+            <a:endParaRPr b="0" lang="es-ES" sz="6090" spc="-1" strike="noStrike">
               <a:solidFill>
                 <a:srgbClr val="000000"/>
               </a:solidFill>
@@ -1927,8 +1927,8 @@
         </p:nvSpPr>
         <p:spPr>
           <a:xfrm>
-            <a:off x="721440" y="4976640"/>
-            <a:ext cx="6339600" cy="2564280"/>
+            <a:off x="721080" y="5796720"/>
+            <a:ext cx="6339600" cy="2987280"/>
           </a:xfrm>
           <a:prstGeom prst="rect">
             <a:avLst/>
@@ -1945,11 +1945,11 @@
           <a:p>
             <a:pPr indent="0">
               <a:spcBef>
-                <a:spcPts val="2316"/>
+                <a:spcPts val="2693"/>
               </a:spcBef>
               <a:buNone/>
             </a:pPr>
-            <a:endParaRPr b="0" lang="es-ES" sz="5230" spc="-1" strike="noStrike">
+            <a:endParaRPr b="0" lang="es-ES" sz="6090" spc="-1" strike="noStrike">
               <a:solidFill>
                 <a:srgbClr val="000000"/>
               </a:solidFill>
@@ -1992,7 +1992,7 @@
         <p:txBody>
           <a:bodyPr/>
           <a:p>
-            <a:fld id="{08FA76F3-420D-41BB-8AC8-DAF1DF91969C}" type="slidenum">
+            <a:fld id="{F54969C6-32BA-4AC9-8D22-DB68B710B0AE}" type="slidenum">
               <a:t>&lt;#&gt;</a:t>
             </a:fld>
           </a:p>
@@ -2053,8 +2053,8 @@
         </p:nvSpPr>
         <p:spPr>
           <a:xfrm>
-            <a:off x="992160" y="493560"/>
-            <a:ext cx="12449520" cy="1790640"/>
+            <a:off x="991800" y="574560"/>
+            <a:ext cx="12449520" cy="2086200"/>
           </a:xfrm>
           <a:prstGeom prst="rect">
             <a:avLst/>
@@ -2072,7 +2072,7 @@
             <a:pPr indent="0" algn="ctr">
               <a:buNone/>
             </a:pPr>
-            <a:endParaRPr b="0" lang="es-ES" sz="7190" spc="-1" strike="noStrike">
+            <a:endParaRPr b="0" lang="es-ES" sz="8370" spc="-1" strike="noStrike">
               <a:solidFill>
                 <a:srgbClr val="000000"/>
               </a:solidFill>
@@ -2093,8 +2093,8 @@
         </p:nvSpPr>
         <p:spPr>
           <a:xfrm>
-            <a:off x="721440" y="2168280"/>
-            <a:ext cx="6339600" cy="5375880"/>
+            <a:off x="721080" y="2525400"/>
+            <a:ext cx="6339600" cy="6263280"/>
           </a:xfrm>
           <a:prstGeom prst="rect">
             <a:avLst/>
@@ -2111,11 +2111,11 @@
           <a:p>
             <a:pPr indent="0">
               <a:spcBef>
-                <a:spcPts val="2316"/>
+                <a:spcPts val="2693"/>
               </a:spcBef>
               <a:buNone/>
             </a:pPr>
-            <a:endParaRPr b="0" lang="es-ES" sz="5230" spc="-1" strike="noStrike">
+            <a:endParaRPr b="0" lang="es-ES" sz="6090" spc="-1" strike="noStrike">
               <a:solidFill>
                 <a:srgbClr val="000000"/>
               </a:solidFill>
@@ -2136,8 +2136,8 @@
         </p:nvSpPr>
         <p:spPr>
           <a:xfrm>
-            <a:off x="7378560" y="2168280"/>
-            <a:ext cx="6339600" cy="2564280"/>
+            <a:off x="7378200" y="2525400"/>
+            <a:ext cx="6339600" cy="2987280"/>
           </a:xfrm>
           <a:prstGeom prst="rect">
             <a:avLst/>
@@ -2154,11 +2154,11 @@
           <a:p>
             <a:pPr indent="0">
               <a:spcBef>
-                <a:spcPts val="2316"/>
+                <a:spcPts val="2693"/>
               </a:spcBef>
               <a:buNone/>
             </a:pPr>
-            <a:endParaRPr b="0" lang="es-ES" sz="5230" spc="-1" strike="noStrike">
+            <a:endParaRPr b="0" lang="es-ES" sz="6090" spc="-1" strike="noStrike">
               <a:solidFill>
                 <a:srgbClr val="000000"/>
               </a:solidFill>
@@ -2179,8 +2179,8 @@
         </p:nvSpPr>
         <p:spPr>
           <a:xfrm>
-            <a:off x="7378560" y="4976640"/>
-            <a:ext cx="6339600" cy="2564280"/>
+            <a:off x="7378200" y="5796720"/>
+            <a:ext cx="6339600" cy="2987280"/>
           </a:xfrm>
           <a:prstGeom prst="rect">
             <a:avLst/>
@@ -2197,11 +2197,11 @@
           <a:p>
             <a:pPr indent="0">
               <a:spcBef>
-                <a:spcPts val="2316"/>
+                <a:spcPts val="2693"/>
               </a:spcBef>
               <a:buNone/>
             </a:pPr>
-            <a:endParaRPr b="0" lang="es-ES" sz="5230" spc="-1" strike="noStrike">
+            <a:endParaRPr b="0" lang="es-ES" sz="6090" spc="-1" strike="noStrike">
               <a:solidFill>
                 <a:srgbClr val="000000"/>
               </a:solidFill>
@@ -2244,7 +2244,7 @@
         <p:txBody>
           <a:bodyPr/>
           <a:p>
-            <a:fld id="{3332904B-8004-400B-8B01-07A7A12E9477}" type="slidenum">
+            <a:fld id="{F2BD7839-CA5E-4EFD-B8D3-3EC10E649107}" type="slidenum">
               <a:t>&lt;#&gt;</a:t>
             </a:fld>
           </a:p>
@@ -2305,8 +2305,8 @@
         </p:nvSpPr>
         <p:spPr>
           <a:xfrm>
-            <a:off x="992160" y="493560"/>
-            <a:ext cx="12449520" cy="1790640"/>
+            <a:off x="991800" y="574560"/>
+            <a:ext cx="12449520" cy="2086200"/>
           </a:xfrm>
           <a:prstGeom prst="rect">
             <a:avLst/>
@@ -2324,7 +2324,7 @@
             <a:pPr indent="0" algn="ctr">
               <a:buNone/>
             </a:pPr>
-            <a:endParaRPr b="0" lang="es-ES" sz="7190" spc="-1" strike="noStrike">
+            <a:endParaRPr b="0" lang="es-ES" sz="8370" spc="-1" strike="noStrike">
               <a:solidFill>
                 <a:srgbClr val="000000"/>
               </a:solidFill>
@@ -2345,8 +2345,8 @@
         </p:nvSpPr>
         <p:spPr>
           <a:xfrm>
-            <a:off x="721440" y="2168280"/>
-            <a:ext cx="6339600" cy="2564280"/>
+            <a:off x="721080" y="2525400"/>
+            <a:ext cx="6339600" cy="2987280"/>
           </a:xfrm>
           <a:prstGeom prst="rect">
             <a:avLst/>
@@ -2363,11 +2363,11 @@
           <a:p>
             <a:pPr indent="0">
               <a:spcBef>
-                <a:spcPts val="2316"/>
+                <a:spcPts val="2693"/>
               </a:spcBef>
               <a:buNone/>
             </a:pPr>
-            <a:endParaRPr b="0" lang="es-ES" sz="5230" spc="-1" strike="noStrike">
+            <a:endParaRPr b="0" lang="es-ES" sz="6090" spc="-1" strike="noStrike">
               <a:solidFill>
                 <a:srgbClr val="000000"/>
               </a:solidFill>
@@ -2388,8 +2388,8 @@
         </p:nvSpPr>
         <p:spPr>
           <a:xfrm>
-            <a:off x="7378560" y="2168280"/>
-            <a:ext cx="6339600" cy="2564280"/>
+            <a:off x="7378200" y="2525400"/>
+            <a:ext cx="6339600" cy="2987280"/>
           </a:xfrm>
           <a:prstGeom prst="rect">
             <a:avLst/>
@@ -2406,11 +2406,11 @@
           <a:p>
             <a:pPr indent="0">
               <a:spcBef>
-                <a:spcPts val="2316"/>
+                <a:spcPts val="2693"/>
               </a:spcBef>
               <a:buNone/>
             </a:pPr>
-            <a:endParaRPr b="0" lang="es-ES" sz="5230" spc="-1" strike="noStrike">
+            <a:endParaRPr b="0" lang="es-ES" sz="6090" spc="-1" strike="noStrike">
               <a:solidFill>
                 <a:srgbClr val="000000"/>
               </a:solidFill>
@@ -2431,8 +2431,8 @@
         </p:nvSpPr>
         <p:spPr>
           <a:xfrm>
-            <a:off x="721440" y="4976640"/>
-            <a:ext cx="12991320" cy="2564280"/>
+            <a:off x="721080" y="5796720"/>
+            <a:ext cx="12991320" cy="2987280"/>
           </a:xfrm>
           <a:prstGeom prst="rect">
             <a:avLst/>
@@ -2449,11 +2449,11 @@
           <a:p>
             <a:pPr indent="0">
               <a:spcBef>
-                <a:spcPts val="2316"/>
+                <a:spcPts val="2693"/>
               </a:spcBef>
               <a:buNone/>
             </a:pPr>
-            <a:endParaRPr b="0" lang="es-ES" sz="5230" spc="-1" strike="noStrike">
+            <a:endParaRPr b="0" lang="es-ES" sz="6090" spc="-1" strike="noStrike">
               <a:solidFill>
                 <a:srgbClr val="000000"/>
               </a:solidFill>
@@ -2496,7 +2496,7 @@
         <p:txBody>
           <a:bodyPr/>
           <a:p>
-            <a:fld id="{962580BE-1EE4-4195-B24B-36B2A4DADA82}" type="slidenum">
+            <a:fld id="{E67824A1-A293-4783-8CE0-94805F5E01B6}" type="slidenum">
               <a:t>&lt;#&gt;</a:t>
             </a:fld>
           </a:p>
@@ -2564,8 +2564,8 @@
         </p:nvSpPr>
         <p:spPr>
           <a:xfrm>
-            <a:off x="992160" y="493560"/>
-            <a:ext cx="12449520" cy="1790640"/>
+            <a:off x="991800" y="574560"/>
+            <a:ext cx="12449520" cy="2086200"/>
           </a:xfrm>
           <a:prstGeom prst="rect">
             <a:avLst/>
@@ -2613,8 +2613,8 @@
         </p:nvSpPr>
         <p:spPr>
           <a:xfrm>
-            <a:off x="4781880" y="8591400"/>
-            <a:ext cx="4871160" cy="492480"/>
+            <a:off x="4781520" y="10008720"/>
+            <a:ext cx="4871160" cy="573840"/>
           </a:xfrm>
           <a:prstGeom prst="rect">
             <a:avLst/>
@@ -2662,7 +2662,7 @@
                 </a:solidFill>
                 <a:latin typeface="Times New Roman"/>
               </a:rPr>
-              <a:t>&lt;pie de página&gt;</a:t>
+              <a:t> </a:t>
             </a:r>
             <a:endParaRPr b="0" lang="es-ES" sz="1400" spc="-1" strike="noStrike">
               <a:solidFill>
@@ -2685,8 +2685,8 @@
         </p:nvSpPr>
         <p:spPr>
           <a:xfrm>
-            <a:off x="10195200" y="8591400"/>
-            <a:ext cx="3246840" cy="492480"/>
+            <a:off x="10194840" y="10008720"/>
+            <a:ext cx="3246840" cy="573840"/>
           </a:xfrm>
           <a:prstGeom prst="rect">
             <a:avLst/>
@@ -2727,14 +2727,14 @@
                 <a:tab algn="l" pos="0"/>
               </a:tabLst>
             </a:pPr>
-            <a:fld id="{6C87A7E8-3C27-4E9E-BF4B-9BACCE3DADBC}" type="slidenum">
+            <a:fld id="{C31078C7-AA11-4D6D-9B7F-8ABAC1165A08}" type="slidenum">
               <a:rPr b="0" lang="en-GB" sz="989" spc="-1" strike="noStrike">
                 <a:solidFill>
                   <a:srgbClr val="8b8b8b"/>
                 </a:solidFill>
                 <a:latin typeface="Calibri"/>
               </a:rPr>
-              <a:t>&lt;número&gt;</a:t>
+              <a:t>10</a:t>
             </a:fld>
             <a:endParaRPr b="0" lang="es-ES" sz="989" spc="-1" strike="noStrike">
               <a:solidFill>
@@ -2757,8 +2757,8 @@
         </p:nvSpPr>
         <p:spPr>
           <a:xfrm>
-            <a:off x="992160" y="8591400"/>
-            <a:ext cx="3246840" cy="492480"/>
+            <a:off x="991800" y="10008720"/>
+            <a:ext cx="3246840" cy="573840"/>
           </a:xfrm>
           <a:prstGeom prst="rect">
             <a:avLst/>
@@ -2794,7 +2794,7 @@
                 </a:solidFill>
                 <a:latin typeface="Times New Roman"/>
               </a:rPr>
-              <a:t>&lt;fecha/hora&gt;</a:t>
+              <a:t> </a:t>
             </a:r>
             <a:endParaRPr b="0" lang="es-ES" sz="1400" spc="-1" strike="noStrike">
               <a:solidFill>
@@ -2817,8 +2817,8 @@
         </p:nvSpPr>
         <p:spPr>
           <a:xfrm>
-            <a:off x="721440" y="2168280"/>
-            <a:ext cx="12991320" cy="5375880"/>
+            <a:off x="721080" y="2525400"/>
+            <a:ext cx="12991320" cy="6263280"/>
           </a:xfrm>
           <a:prstGeom prst="rect">
             <a:avLst/>
@@ -2835,7 +2835,7 @@
           <a:p>
             <a:pPr marL="432000" indent="-324000">
               <a:spcBef>
-                <a:spcPts val="2316"/>
+                <a:spcPts val="2693"/>
               </a:spcBef>
               <a:buClr>
                 <a:srgbClr val="000000"/>
@@ -2845,7 +2845,7 @@
               <a:buChar char=""/>
             </a:pPr>
             <a:r>
-              <a:rPr b="0" lang="es-ES" sz="5230" spc="-1" strike="noStrike">
+              <a:rPr b="0" lang="es-ES" sz="6090" spc="-1" strike="noStrike">
                 <a:solidFill>
                   <a:srgbClr val="000000"/>
                 </a:solidFill>
@@ -2853,7 +2853,7 @@
               </a:rPr>
               <a:t>Pulse para editar el formato de texto del esquema</a:t>
             </a:r>
-            <a:endParaRPr b="0" lang="es-ES" sz="5230" spc="-1" strike="noStrike">
+            <a:endParaRPr b="0" lang="es-ES" sz="6090" spc="-1" strike="noStrike">
               <a:solidFill>
                 <a:srgbClr val="000000"/>
               </a:solidFill>
@@ -2863,7 +2863,7 @@
           <a:p>
             <a:pPr lvl="1" marL="864000" indent="-324000">
               <a:spcBef>
-                <a:spcPts val="1851"/>
+                <a:spcPts val="2151"/>
               </a:spcBef>
               <a:buClr>
                 <a:srgbClr val="000000"/>
@@ -2873,7 +2873,7 @@
               <a:buChar char=""/>
             </a:pPr>
             <a:r>
-              <a:rPr b="0" lang="es-ES" sz="4580" spc="-1" strike="noStrike">
+              <a:rPr b="0" lang="es-ES" sz="5330" spc="-1" strike="noStrike">
                 <a:solidFill>
                   <a:srgbClr val="000000"/>
                 </a:solidFill>
@@ -2881,7 +2881,7 @@
               </a:rPr>
               <a:t>Segundo nivel del esquema</a:t>
             </a:r>
-            <a:endParaRPr b="0" lang="es-ES" sz="4580" spc="-1" strike="noStrike">
+            <a:endParaRPr b="0" lang="es-ES" sz="5330" spc="-1" strike="noStrike">
               <a:solidFill>
                 <a:srgbClr val="000000"/>
               </a:solidFill>
@@ -2891,7 +2891,7 @@
           <a:p>
             <a:pPr lvl="2" marL="1296000" indent="-288000">
               <a:spcBef>
-                <a:spcPts val="1389"/>
+                <a:spcPts val="1613"/>
               </a:spcBef>
               <a:buClr>
                 <a:srgbClr val="000000"/>
@@ -2901,7 +2901,7 @@
               <a:buChar char=""/>
             </a:pPr>
             <a:r>
-              <a:rPr b="0" lang="es-ES" sz="3920" spc="-1" strike="noStrike">
+              <a:rPr b="0" lang="es-ES" sz="4570" spc="-1" strike="noStrike">
                 <a:solidFill>
                   <a:srgbClr val="000000"/>
                 </a:solidFill>
@@ -2909,7 +2909,7 @@
               </a:rPr>
               <a:t>Tercer nivel del esquema</a:t>
             </a:r>
-            <a:endParaRPr b="0" lang="es-ES" sz="3920" spc="-1" strike="noStrike">
+            <a:endParaRPr b="0" lang="es-ES" sz="4570" spc="-1" strike="noStrike">
               <a:solidFill>
                 <a:srgbClr val="000000"/>
               </a:solidFill>
@@ -2919,7 +2919,7 @@
           <a:p>
             <a:pPr lvl="3" marL="1728000" indent="-216000">
               <a:spcBef>
-                <a:spcPts val="924"/>
+                <a:spcPts val="1071"/>
               </a:spcBef>
               <a:buClr>
                 <a:srgbClr val="000000"/>
@@ -2929,7 +2929,7 @@
               <a:buChar char=""/>
             </a:pPr>
             <a:r>
-              <a:rPr b="0" lang="es-ES" sz="3270" spc="-1" strike="noStrike">
+              <a:rPr b="0" lang="es-ES" sz="3809" spc="-1" strike="noStrike">
                 <a:solidFill>
                   <a:srgbClr val="000000"/>
                 </a:solidFill>
@@ -2937,7 +2937,7 @@
               </a:rPr>
               <a:t>Cuarto nivel del esquema</a:t>
             </a:r>
-            <a:endParaRPr b="0" lang="es-ES" sz="3270" spc="-1" strike="noStrike">
+            <a:endParaRPr b="0" lang="es-ES" sz="3809" spc="-1" strike="noStrike">
               <a:solidFill>
                 <a:srgbClr val="000000"/>
               </a:solidFill>
@@ -2947,7 +2947,7 @@
           <a:p>
             <a:pPr lvl="4" marL="2160000" indent="-216000">
               <a:spcBef>
-                <a:spcPts val="462"/>
+                <a:spcPts val="533"/>
               </a:spcBef>
               <a:buClr>
                 <a:srgbClr val="000000"/>
@@ -2957,7 +2957,7 @@
               <a:buChar char=""/>
             </a:pPr>
             <a:r>
-              <a:rPr b="0" lang="es-ES" sz="3270" spc="-1" strike="noStrike">
+              <a:rPr b="0" lang="es-ES" sz="3809" spc="-1" strike="noStrike">
                 <a:solidFill>
                   <a:srgbClr val="000000"/>
                 </a:solidFill>
@@ -2965,7 +2965,7 @@
               </a:rPr>
               <a:t>Quinto nivel del esquema</a:t>
             </a:r>
-            <a:endParaRPr b="0" lang="es-ES" sz="3270" spc="-1" strike="noStrike">
+            <a:endParaRPr b="0" lang="es-ES" sz="3809" spc="-1" strike="noStrike">
               <a:solidFill>
                 <a:srgbClr val="000000"/>
               </a:solidFill>
@@ -2975,7 +2975,7 @@
           <a:p>
             <a:pPr lvl="5" marL="2592000" indent="-216000">
               <a:spcBef>
-                <a:spcPts val="462"/>
+                <a:spcPts val="533"/>
               </a:spcBef>
               <a:buClr>
                 <a:srgbClr val="000000"/>
@@ -2985,7 +2985,7 @@
               <a:buChar char=""/>
             </a:pPr>
             <a:r>
-              <a:rPr b="0" lang="es-ES" sz="3270" spc="-1" strike="noStrike">
+              <a:rPr b="0" lang="es-ES" sz="3809" spc="-1" strike="noStrike">
                 <a:solidFill>
                   <a:srgbClr val="000000"/>
                 </a:solidFill>
@@ -2993,7 +2993,7 @@
               </a:rPr>
               <a:t>Sexto nivel del esquema</a:t>
             </a:r>
-            <a:endParaRPr b="0" lang="es-ES" sz="3270" spc="-1" strike="noStrike">
+            <a:endParaRPr b="0" lang="es-ES" sz="3809" spc="-1" strike="noStrike">
               <a:solidFill>
                 <a:srgbClr val="000000"/>
               </a:solidFill>
@@ -3003,7 +3003,7 @@
           <a:p>
             <a:pPr lvl="6" marL="3024000" indent="-216000">
               <a:spcBef>
-                <a:spcPts val="462"/>
+                <a:spcPts val="533"/>
               </a:spcBef>
               <a:buClr>
                 <a:srgbClr val="000000"/>
@@ -3013,7 +3013,7 @@
               <a:buChar char=""/>
             </a:pPr>
             <a:r>
-              <a:rPr b="0" lang="es-ES" sz="3270" spc="-1" strike="noStrike">
+              <a:rPr b="0" lang="es-ES" sz="3809" spc="-1" strike="noStrike">
                 <a:solidFill>
                   <a:srgbClr val="000000"/>
                 </a:solidFill>
@@ -3021,7 +3021,7 @@
               </a:rPr>
               <a:t>Séptimo nivel del esquema</a:t>
             </a:r>
-            <a:endParaRPr b="0" lang="es-ES" sz="3270" spc="-1" strike="noStrike">
+            <a:endParaRPr b="0" lang="es-ES" sz="3809" spc="-1" strike="noStrike">
               <a:solidFill>
                 <a:srgbClr val="000000"/>
               </a:solidFill>
@@ -3075,8 +3075,8 @@
         </p:nvSpPr>
         <p:spPr>
           <a:xfrm>
-            <a:off x="5039280" y="4572720"/>
-            <a:ext cx="5818680" cy="4183560"/>
+            <a:off x="5039280" y="5326560"/>
+            <a:ext cx="5818680" cy="4874040"/>
           </a:xfrm>
           <a:prstGeom prst="roundRect">
             <a:avLst>
@@ -3146,8 +3146,8 @@
         </p:nvSpPr>
         <p:spPr>
           <a:xfrm>
-            <a:off x="3182400" y="3740760"/>
-            <a:ext cx="1856160" cy="740520"/>
+            <a:off x="3182400" y="4357440"/>
+            <a:ext cx="1856160" cy="863280"/>
           </a:xfrm>
           <a:prstGeom prst="roundRect">
             <a:avLst>
@@ -3217,8 +3217,8 @@
         </p:nvCxnSpPr>
         <p:spPr>
           <a:xfrm flipV="1">
-            <a:off x="5038560" y="1981080"/>
-            <a:ext cx="3222360" cy="2130120"/>
+            <a:off x="5038560" y="2307960"/>
+            <a:ext cx="3222360" cy="2481480"/>
           </a:xfrm>
           <a:prstGeom prst="bentConnector3">
             <a:avLst>
@@ -3242,8 +3242,8 @@
         </p:nvSpPr>
         <p:spPr>
           <a:xfrm>
-            <a:off x="5275800" y="4803120"/>
-            <a:ext cx="1940760" cy="919800"/>
+            <a:off x="5275440" y="5595120"/>
+            <a:ext cx="1940760" cy="1071720"/>
           </a:xfrm>
           <a:prstGeom prst="roundRect">
             <a:avLst>
@@ -3335,8 +3335,8 @@
         </p:nvSpPr>
         <p:spPr>
           <a:xfrm>
-            <a:off x="3331080" y="4803120"/>
-            <a:ext cx="1229040" cy="919800"/>
+            <a:off x="3330720" y="5595120"/>
+            <a:ext cx="1229040" cy="1071720"/>
           </a:xfrm>
           <a:prstGeom prst="roundRect">
             <a:avLst>
@@ -3404,8 +3404,8 @@
         </p:nvSpPr>
         <p:spPr>
           <a:xfrm>
-            <a:off x="8163360" y="3141720"/>
-            <a:ext cx="1693080" cy="919800"/>
+            <a:off x="8163000" y="3659760"/>
+            <a:ext cx="1693080" cy="1072080"/>
           </a:xfrm>
           <a:prstGeom prst="roundRect">
             <a:avLst>
@@ -3474,8 +3474,8 @@
         </p:blipFill>
         <p:spPr>
           <a:xfrm>
-            <a:off x="2266200" y="6499080"/>
-            <a:ext cx="1308600" cy="1493640"/>
+            <a:off x="2265840" y="7571160"/>
+            <a:ext cx="1308600" cy="1740240"/>
           </a:xfrm>
           <a:prstGeom prst="rect">
             <a:avLst/>
@@ -3493,8 +3493,8 @@
         </p:nvSpPr>
         <p:spPr>
           <a:xfrm>
-            <a:off x="648000" y="-158760"/>
-            <a:ext cx="4829400" cy="699840"/>
+            <a:off x="648360" y="-184320"/>
+            <a:ext cx="4827960" cy="699840"/>
           </a:xfrm>
           <a:prstGeom prst="rect">
             <a:avLst/>
@@ -3550,8 +3550,8 @@
         </p:nvCxnSpPr>
         <p:spPr>
           <a:xfrm flipH="1" flipV="1" rot="5400000">
-            <a:off x="2507400" y="5675760"/>
-            <a:ext cx="1236600" cy="411120"/>
+            <a:off x="2404800" y="6645600"/>
+            <a:ext cx="1440720" cy="411120"/>
           </a:xfrm>
           <a:prstGeom prst="bentConnector2">
             <a:avLst/>
@@ -3576,8 +3576,8 @@
         </p:nvCxnSpPr>
         <p:spPr>
           <a:xfrm>
-            <a:off x="5038560" y="4110840"/>
-            <a:ext cx="1207800" cy="692640"/>
+            <a:off x="5038560" y="4789080"/>
+            <a:ext cx="1207440" cy="806400"/>
           </a:xfrm>
           <a:prstGeom prst="bentConnector2">
             <a:avLst/>
@@ -3602,8 +3602,8 @@
         </p:nvCxnSpPr>
         <p:spPr>
           <a:xfrm>
-            <a:off x="7216560" y="5262840"/>
-            <a:ext cx="1348200" cy="42120"/>
+            <a:off x="7216200" y="6130800"/>
+            <a:ext cx="1348560" cy="49680"/>
           </a:xfrm>
           <a:prstGeom prst="straightConnector1">
             <a:avLst/>
@@ -3628,8 +3628,8 @@
         </p:nvCxnSpPr>
         <p:spPr>
           <a:xfrm flipV="1">
-            <a:off x="7216560" y="3601440"/>
-            <a:ext cx="947160" cy="1661760"/>
+            <a:off x="7216200" y="4195800"/>
+            <a:ext cx="947160" cy="1935360"/>
           </a:xfrm>
           <a:prstGeom prst="straightConnector1">
             <a:avLst/>
@@ -3654,7 +3654,7 @@
         </p:nvCxnSpPr>
         <p:spPr>
           <a:xfrm flipV="1">
-            <a:off x="9316440" y="1980720"/>
+            <a:off x="9316440" y="2307600"/>
             <a:ext cx="1020240" cy="720"/>
           </a:xfrm>
           <a:prstGeom prst="straightConnector1">
@@ -3677,8 +3677,8 @@
         </p:nvSpPr>
         <p:spPr>
           <a:xfrm>
-            <a:off x="8260560" y="1647720"/>
-            <a:ext cx="1055880" cy="666720"/>
+            <a:off x="8260560" y="1919520"/>
+            <a:ext cx="1055880" cy="776880"/>
           </a:xfrm>
           <a:prstGeom prst="roundRect">
             <a:avLst>
@@ -3748,12 +3748,12 @@
         </p:nvCxnSpPr>
         <p:spPr>
           <a:xfrm flipV="1" rot="16200000">
-            <a:off x="8485200" y="2617200"/>
-            <a:ext cx="827640" cy="221760"/>
+            <a:off x="8417160" y="3067560"/>
+            <a:ext cx="963720" cy="221400"/>
           </a:xfrm>
           <a:prstGeom prst="bentConnector3">
             <a:avLst>
-              <a:gd name="adj1" fmla="val 50783"/>
+              <a:gd name="adj1" fmla="val 50635"/>
             </a:avLst>
           </a:prstGeom>
           <a:ln w="38100">
@@ -3773,8 +3773,8 @@
         </p:nvSpPr>
         <p:spPr>
           <a:xfrm>
-            <a:off x="10336320" y="1521000"/>
-            <a:ext cx="1539720" cy="919800"/>
+            <a:off x="10336320" y="1771560"/>
+            <a:ext cx="1539360" cy="1072080"/>
           </a:xfrm>
           <a:prstGeom prst="roundRect">
             <a:avLst>
@@ -3839,8 +3839,8 @@
         </p:nvSpPr>
         <p:spPr>
           <a:xfrm>
-            <a:off x="8100720" y="7629840"/>
-            <a:ext cx="2433240" cy="727920"/>
+            <a:off x="8100720" y="8888400"/>
+            <a:ext cx="2432880" cy="848520"/>
           </a:xfrm>
           <a:prstGeom prst="roundRect">
             <a:avLst>
@@ -3913,7 +3913,7 @@
         </p:nvCxnSpPr>
         <p:spPr>
           <a:xfrm>
-            <a:off x="4560120" y="5262840"/>
+            <a:off x="4559760" y="6130800"/>
             <a:ext cx="716040" cy="360"/>
           </a:xfrm>
           <a:prstGeom prst="straightConnector1">
@@ -3939,8 +3939,8 @@
         </p:nvCxnSpPr>
         <p:spPr>
           <a:xfrm flipH="1">
-            <a:off x="9317160" y="5764680"/>
-            <a:ext cx="17280" cy="1865520"/>
+            <a:off x="9317160" y="6716160"/>
+            <a:ext cx="17280" cy="2172600"/>
           </a:xfrm>
           <a:prstGeom prst="straightConnector1">
             <a:avLst/>
@@ -3965,8 +3965,8 @@
         </p:nvCxnSpPr>
         <p:spPr>
           <a:xfrm rot="10800000">
-            <a:off x="6246000" y="5722920"/>
-            <a:ext cx="1855080" cy="2271240"/>
+            <a:off x="6245280" y="6666480"/>
+            <a:ext cx="1855440" cy="2646000"/>
           </a:xfrm>
           <a:prstGeom prst="bentConnector2">
             <a:avLst/>
@@ -3988,8 +3988,8 @@
         </p:nvSpPr>
         <p:spPr>
           <a:xfrm>
-            <a:off x="11877480" y="4844880"/>
-            <a:ext cx="1539720" cy="919800"/>
+            <a:off x="11877480" y="5644080"/>
+            <a:ext cx="1539360" cy="1072080"/>
           </a:xfrm>
           <a:prstGeom prst="roundRect">
             <a:avLst>
@@ -4057,8 +4057,8 @@
         </p:nvCxnSpPr>
         <p:spPr>
           <a:xfrm>
-            <a:off x="10104120" y="5304600"/>
-            <a:ext cx="1773720" cy="360"/>
+            <a:off x="10103760" y="6180120"/>
+            <a:ext cx="1774080" cy="360"/>
           </a:xfrm>
           <a:prstGeom prst="straightConnector1">
             <a:avLst/>
@@ -4080,8 +4080,8 @@
         </p:nvSpPr>
         <p:spPr>
           <a:xfrm>
-            <a:off x="8564400" y="4844880"/>
-            <a:ext cx="1539720" cy="919800"/>
+            <a:off x="8564400" y="5644080"/>
+            <a:ext cx="1539360" cy="1072080"/>
           </a:xfrm>
           <a:prstGeom prst="roundRect">
             <a:avLst>
@@ -4175,39 +4175,302 @@
           <a:chExt cx="0" cy="0"/>
         </a:xfrm>
       </p:grpSpPr>
-      <p:pic>
-        <p:nvPicPr>
-          <p:cNvPr id="208" name="" descr=""/>
-          <p:cNvPicPr/>
-          <p:nvPr/>
-        </p:nvPicPr>
-        <p:blipFill>
-          <a:blip r:embed="rId1"/>
-          <a:stretch/>
-        </p:blipFill>
-        <p:spPr>
-          <a:xfrm>
-            <a:off x="9720" y="6627600"/>
-            <a:ext cx="1699560" cy="1940400"/>
-          </a:xfrm>
-          <a:prstGeom prst="rect">
+      <p:sp>
+        <p:nvSpPr>
+          <p:cNvPr id="208" name="Rectángulo: esquinas redondeadas 42"/>
+          <p:cNvSpPr/>
+          <p:nvPr/>
+        </p:nvSpPr>
+        <p:spPr>
+          <a:xfrm>
+            <a:off x="720000" y="3060000"/>
+            <a:ext cx="3780000" cy="2520000"/>
+          </a:xfrm>
+          <a:prstGeom prst="roundRect">
+            <a:avLst>
+              <a:gd name="adj" fmla="val 5287"/>
+            </a:avLst>
+          </a:prstGeom>
+          <a:solidFill>
+            <a:srgbClr val="e8f2a1"/>
+          </a:solidFill>
+          <a:ln w="38100">
+            <a:solidFill>
+              <a:srgbClr val="333333"/>
+            </a:solidFill>
+          </a:ln>
+        </p:spPr>
+        <p:style>
+          <a:lnRef idx="2">
+            <a:schemeClr val="accent6"/>
+          </a:lnRef>
+          <a:fillRef idx="1">
+            <a:schemeClr val="lt1"/>
+          </a:fillRef>
+          <a:effectRef idx="0">
+            <a:schemeClr val="accent6"/>
+          </a:effectRef>
+          <a:fontRef idx="minor"/>
+        </p:style>
+        <p:txBody>
+          <a:bodyPr lIns="90000" rIns="90000" tIns="45000" bIns="45000" anchor="ctr">
+            <a:noAutofit/>
+          </a:bodyPr>
+          <a:p>
+            <a:endParaRPr b="0" lang="es-ES" sz="2940" spc="-1" strike="noStrike">
+              <a:solidFill>
+                <a:srgbClr val="000000"/>
+              </a:solidFill>
+              <a:latin typeface="Arial"/>
+            </a:endParaRPr>
+          </a:p>
+        </p:txBody>
+      </p:sp>
+      <p:sp>
+        <p:nvSpPr>
+          <p:cNvPr id="209" name="Rectángulo: esquinas redondeadas 41"/>
+          <p:cNvSpPr/>
+          <p:nvPr/>
+        </p:nvSpPr>
+        <p:spPr>
+          <a:xfrm>
+            <a:off x="3420000" y="1080000"/>
+            <a:ext cx="4140000" cy="1800000"/>
+          </a:xfrm>
+          <a:prstGeom prst="roundRect">
+            <a:avLst>
+              <a:gd name="adj" fmla="val 5287"/>
+            </a:avLst>
+          </a:prstGeom>
+          <a:solidFill>
+            <a:srgbClr val="fff5ce"/>
+          </a:solidFill>
+          <a:ln w="38100">
+            <a:solidFill>
+              <a:srgbClr val="333333"/>
+            </a:solidFill>
+          </a:ln>
+        </p:spPr>
+        <p:style>
+          <a:lnRef idx="2">
+            <a:schemeClr val="accent6"/>
+          </a:lnRef>
+          <a:fillRef idx="1">
+            <a:schemeClr val="lt1"/>
+          </a:fillRef>
+          <a:effectRef idx="0">
+            <a:schemeClr val="accent6"/>
+          </a:effectRef>
+          <a:fontRef idx="minor"/>
+        </p:style>
+        <p:txBody>
+          <a:bodyPr lIns="90000" rIns="90000" tIns="45000" bIns="45000" anchor="ctr">
+            <a:noAutofit/>
+          </a:bodyPr>
+          <a:p>
+            <a:endParaRPr b="0" lang="es-ES" sz="2940" spc="-1" strike="noStrike">
+              <a:solidFill>
+                <a:srgbClr val="000000"/>
+              </a:solidFill>
+              <a:latin typeface="Arial"/>
+            </a:endParaRPr>
+          </a:p>
+        </p:txBody>
+      </p:sp>
+      <p:sp>
+        <p:nvSpPr>
+          <p:cNvPr id="210" name="Rectángulo: esquinas redondeadas 40"/>
+          <p:cNvSpPr/>
+          <p:nvPr/>
+        </p:nvSpPr>
+        <p:spPr>
+          <a:xfrm>
+            <a:off x="10260000" y="7920000"/>
+            <a:ext cx="3780000" cy="2448000"/>
+          </a:xfrm>
+          <a:prstGeom prst="roundRect">
+            <a:avLst>
+              <a:gd name="adj" fmla="val 5287"/>
+            </a:avLst>
+          </a:prstGeom>
+          <a:solidFill>
+            <a:srgbClr val="e0c2cd"/>
+          </a:solidFill>
+          <a:ln w="38100">
+            <a:solidFill>
+              <a:srgbClr val="333333"/>
+            </a:solidFill>
+          </a:ln>
+        </p:spPr>
+        <p:style>
+          <a:lnRef idx="2">
+            <a:schemeClr val="accent6"/>
+          </a:lnRef>
+          <a:fillRef idx="1">
+            <a:schemeClr val="lt1"/>
+          </a:fillRef>
+          <a:effectRef idx="0">
+            <a:schemeClr val="accent6"/>
+          </a:effectRef>
+          <a:fontRef idx="minor"/>
+        </p:style>
+        <p:txBody>
+          <a:bodyPr lIns="90000" rIns="90000" tIns="45000" bIns="45000" anchor="ctr">
+            <a:noAutofit/>
+          </a:bodyPr>
+          <a:p>
+            <a:endParaRPr b="0" lang="es-ES" sz="2940" spc="-1" strike="noStrike">
+              <a:solidFill>
+                <a:srgbClr val="000000"/>
+              </a:solidFill>
+              <a:latin typeface="Arial"/>
+            </a:endParaRPr>
+          </a:p>
+        </p:txBody>
+      </p:sp>
+      <p:sp>
+        <p:nvSpPr>
+          <p:cNvPr id="211" name="Rectángulo: esquinas redondeadas 38"/>
+          <p:cNvSpPr/>
+          <p:nvPr/>
+        </p:nvSpPr>
+        <p:spPr>
+          <a:xfrm>
+            <a:off x="4320000" y="5940000"/>
+            <a:ext cx="5580000" cy="3096000"/>
+          </a:xfrm>
+          <a:prstGeom prst="roundRect">
+            <a:avLst>
+              <a:gd name="adj" fmla="val 5287"/>
+            </a:avLst>
+          </a:prstGeom>
+          <a:solidFill>
+            <a:srgbClr val="dee6ef"/>
+          </a:solidFill>
+          <a:ln w="38100">
+            <a:solidFill>
+              <a:srgbClr val="333333"/>
+            </a:solidFill>
+          </a:ln>
+        </p:spPr>
+        <p:style>
+          <a:lnRef idx="2">
+            <a:schemeClr val="accent6"/>
+          </a:lnRef>
+          <a:fillRef idx="1">
+            <a:schemeClr val="lt1"/>
+          </a:fillRef>
+          <a:effectRef idx="0">
+            <a:schemeClr val="accent6"/>
+          </a:effectRef>
+          <a:fontRef idx="minor"/>
+        </p:style>
+        <p:txBody>
+          <a:bodyPr lIns="90000" rIns="90000" tIns="45000" bIns="45000" anchor="ctr">
+            <a:noAutofit/>
+          </a:bodyPr>
+          <a:p>
+            <a:endParaRPr b="0" lang="es-ES" sz="2940" spc="-1" strike="noStrike">
+              <a:solidFill>
+                <a:srgbClr val="000000"/>
+              </a:solidFill>
+              <a:latin typeface="Arial"/>
+            </a:endParaRPr>
+          </a:p>
+        </p:txBody>
+      </p:sp>
+      <p:cxnSp>
+        <p:nvCxnSpPr>
+          <p:cNvPr id="212" name="Conector: angular 1"/>
+          <p:cNvCxnSpPr>
+            <a:stCxn id="213" idx="2"/>
+            <a:endCxn id="214" idx="0"/>
+          </p:cNvCxnSpPr>
+          <p:nvPr/>
+        </p:nvCxnSpPr>
+        <p:spPr>
+          <a:xfrm flipH="1" rot="16200000">
+            <a:off x="5189040" y="4146480"/>
+            <a:ext cx="3672360" cy="779400"/>
+          </a:xfrm>
+          <a:prstGeom prst="bentConnector3">
+            <a:avLst>
+              <a:gd name="adj1" fmla="val 61274"/>
+            </a:avLst>
+          </a:prstGeom>
+          <a:ln w="38100">
+            <a:solidFill>
+              <a:srgbClr val="404040"/>
+            </a:solidFill>
+            <a:round/>
+            <a:tailEnd len="med" type="triangle" w="med"/>
+          </a:ln>
+        </p:spPr>
+      </p:cxnSp>
+      <p:cxnSp>
+        <p:nvCxnSpPr>
+          <p:cNvPr id="215" name="Conector: angular 4"/>
+          <p:cNvCxnSpPr>
+            <a:stCxn id="213" idx="2"/>
+            <a:endCxn id="216" idx="0"/>
+          </p:cNvCxnSpPr>
+          <p:nvPr/>
+        </p:nvCxnSpPr>
+        <p:spPr>
+          <a:xfrm rot="5400000">
+            <a:off x="4181760" y="3846240"/>
+            <a:ext cx="3600360" cy="1307880"/>
+          </a:xfrm>
+          <a:prstGeom prst="bentConnector3">
+            <a:avLst>
+              <a:gd name="adj1" fmla="val 62500"/>
+            </a:avLst>
+          </a:prstGeom>
+          <a:ln w="38100">
+            <a:solidFill>
+              <a:srgbClr val="404040"/>
+            </a:solidFill>
+            <a:round/>
+            <a:tailEnd len="med" type="triangle" w="med"/>
+          </a:ln>
+        </p:spPr>
+      </p:cxnSp>
+      <p:cxnSp>
+        <p:nvCxnSpPr>
+          <p:cNvPr id="217" name="Conector: angular 57"/>
+          <p:cNvCxnSpPr>
+            <a:stCxn id="218" idx="0"/>
+            <a:endCxn id="219" idx="4"/>
+          </p:cNvCxnSpPr>
+          <p:nvPr/>
+        </p:nvCxnSpPr>
+        <p:spPr>
+          <a:xfrm>
+            <a:off x="4356000" y="4673520"/>
+            <a:ext cx="6534720" cy="4002840"/>
+          </a:xfrm>
+          <a:prstGeom prst="bentConnector2">
             <a:avLst/>
           </a:prstGeom>
-          <a:ln w="0">
-            <a:noFill/>
-          </a:ln>
-        </p:spPr>
-      </p:pic>
-      <p:sp>
-        <p:nvSpPr>
-          <p:cNvPr id="209" name="Rectángulo: esquinas redondeadas 3"/>
+          <a:ln w="38100">
+            <a:solidFill>
+              <a:srgbClr val="ff5429"/>
+            </a:solidFill>
+            <a:round/>
+            <a:tailEnd len="med" type="triangle" w="med"/>
+          </a:ln>
+        </p:spPr>
+      </p:cxnSp>
+      <p:sp>
+        <p:nvSpPr>
+          <p:cNvPr id="220" name="Rectángulo: esquinas redondeadas 3"/>
           <p:cNvSpPr/>
           <p:nvPr/>
         </p:nvSpPr>
         <p:spPr>
           <a:xfrm>
-            <a:off x="2700000" y="2319480"/>
-            <a:ext cx="1959840" cy="740520"/>
+            <a:off x="3620520" y="1296720"/>
+            <a:ext cx="1599480" cy="863280"/>
           </a:xfrm>
           <a:prstGeom prst="roundRect">
             <a:avLst>
@@ -4268,22 +4531,20 @@
       </p:sp>
       <p:cxnSp>
         <p:nvCxnSpPr>
-          <p:cNvPr id="210" name="Conector: angular 2"/>
+          <p:cNvPr id="221" name="Conector: angular 2"/>
           <p:cNvCxnSpPr>
-            <a:stCxn id="211" idx="2"/>
-            <a:endCxn id="209" idx="0"/>
+            <a:stCxn id="222" idx="2"/>
+            <a:endCxn id="220" idx="1"/>
           </p:cNvCxnSpPr>
           <p:nvPr/>
         </p:nvCxnSpPr>
         <p:spPr>
           <a:xfrm flipH="1" rot="16200000">
-            <a:off x="2228400" y="867600"/>
-            <a:ext cx="663840" cy="2240280"/>
-          </a:xfrm>
-          <a:prstGeom prst="bentConnector3">
-            <a:avLst>
-              <a:gd name="adj1" fmla="val 50949"/>
-            </a:avLst>
+            <a:off x="2216160" y="324000"/>
+            <a:ext cx="628200" cy="2181240"/>
+          </a:xfrm>
+          <a:prstGeom prst="bentConnector2">
+            <a:avLst/>
           </a:prstGeom>
           <a:ln w="38100">
             <a:solidFill>
@@ -4296,14 +4557,14 @@
       </p:cxnSp>
       <p:sp>
         <p:nvSpPr>
-          <p:cNvPr id="212" name="Rectángulo: esquinas redondeadas 11"/>
+          <p:cNvPr id="223" name="Rectángulo: esquinas redondeadas 14"/>
           <p:cNvSpPr/>
           <p:nvPr/>
         </p:nvSpPr>
         <p:spPr>
           <a:xfrm>
-            <a:off x="2160000" y="5616000"/>
-            <a:ext cx="933120" cy="562680"/>
+            <a:off x="12959640" y="519480"/>
+            <a:ext cx="1179720" cy="628920"/>
           </a:xfrm>
           <a:prstGeom prst="roundRect">
             <a:avLst>
@@ -4311,14 +4572,11 @@
             </a:avLst>
           </a:prstGeom>
           <a:solidFill>
-            <a:schemeClr val="accent1">
-              <a:lumMod val="40000"/>
-              <a:lumOff val="60000"/>
-            </a:schemeClr>
+            <a:schemeClr val="bg1"/>
           </a:solidFill>
-          <a:ln>
-            <a:solidFill>
-              <a:srgbClr val="70ad47"/>
+          <a:ln w="38100">
+            <a:solidFill>
+              <a:srgbClr val="7030a0"/>
             </a:solidFill>
           </a:ln>
         </p:spPr>
@@ -4352,7 +4610,7 @@
                 <a:latin typeface="Calibri"/>
                 <a:ea typeface="DejaVu Sans"/>
               </a:rPr>
-              <a:t>prompt</a:t>
+              <a:t>Tripplets</a:t>
             </a:r>
             <a:endParaRPr b="0" lang="es-ES" sz="1490" spc="-1" strike="noStrike">
               <a:solidFill>
@@ -4363,42 +4621,16 @@
           </a:p>
         </p:txBody>
       </p:sp>
-      <p:cxnSp>
-        <p:nvCxnSpPr>
-          <p:cNvPr id="213" name="Conector: angular 3"/>
-          <p:cNvCxnSpPr>
-            <a:stCxn id="208" idx="0"/>
-            <a:endCxn id="212" idx="1"/>
-          </p:cNvCxnSpPr>
-          <p:nvPr/>
-        </p:nvCxnSpPr>
-        <p:spPr>
-          <a:xfrm flipH="1" flipV="1" rot="5400000">
-            <a:off x="1144080" y="5612040"/>
-            <a:ext cx="730800" cy="1301040"/>
-          </a:xfrm>
-          <a:prstGeom prst="bentConnector2">
-            <a:avLst/>
-          </a:prstGeom>
-          <a:ln w="38100">
-            <a:solidFill>
-              <a:srgbClr val="000000"/>
-            </a:solidFill>
-            <a:round/>
-            <a:tailEnd len="med" type="triangle" w="med"/>
-          </a:ln>
-        </p:spPr>
-      </p:cxnSp>
-      <p:sp>
-        <p:nvSpPr>
-          <p:cNvPr id="214" name="Rectángulo: esquinas redondeadas 14"/>
+      <p:sp>
+        <p:nvSpPr>
+          <p:cNvPr id="224" name="Rectángulo: esquinas redondeadas 16"/>
           <p:cNvSpPr/>
           <p:nvPr/>
         </p:nvSpPr>
         <p:spPr>
           <a:xfrm>
-            <a:off x="12888000" y="1188000"/>
-            <a:ext cx="1179720" cy="540000"/>
+            <a:off x="12600000" y="6931080"/>
+            <a:ext cx="1139040" cy="628920"/>
           </a:xfrm>
           <a:prstGeom prst="roundRect">
             <a:avLst>
@@ -4406,11 +4638,11 @@
             </a:avLst>
           </a:prstGeom>
           <a:solidFill>
-            <a:schemeClr val="bg1"/>
+            <a:srgbClr val="ffffff"/>
           </a:solidFill>
           <a:ln w="38100">
             <a:solidFill>
-              <a:srgbClr val="7030a0"/>
+              <a:srgbClr val="4472c4"/>
             </a:solidFill>
           </a:ln>
         </p:spPr>
@@ -4444,7 +4676,7 @@
                 <a:latin typeface="Calibri"/>
                 <a:ea typeface="DejaVu Sans"/>
               </a:rPr>
-              <a:t>Tripplets</a:t>
+              <a:t>TURTLE</a:t>
             </a:r>
             <a:endParaRPr b="0" lang="es-ES" sz="1490" spc="-1" strike="noStrike">
               <a:solidFill>
@@ -4457,24 +4689,24 @@
       </p:sp>
       <p:cxnSp>
         <p:nvCxnSpPr>
-          <p:cNvPr id="215" name="Conector recto de flecha 4"/>
+          <p:cNvPr id="225" name="Conector recto de flecha 6"/>
           <p:cNvCxnSpPr>
-            <a:stCxn id="212" idx="3"/>
-            <a:endCxn id="216" idx="3"/>
+            <a:stCxn id="226" idx="0"/>
+            <a:endCxn id="224" idx="2"/>
           </p:cNvCxnSpPr>
           <p:nvPr/>
         </p:nvCxnSpPr>
         <p:spPr>
           <a:xfrm flipV="1">
-            <a:off x="3093120" y="5884560"/>
-            <a:ext cx="953640" cy="12960"/>
+            <a:off x="13148280" y="7560000"/>
+            <a:ext cx="21600" cy="1340280"/>
           </a:xfrm>
           <a:prstGeom prst="straightConnector1">
             <a:avLst/>
           </a:prstGeom>
           <a:ln w="38100">
             <a:solidFill>
-              <a:srgbClr val="000000"/>
+              <a:srgbClr val="404040"/>
             </a:solidFill>
             <a:round/>
             <a:tailEnd len="med" type="triangle" w="med"/>
@@ -4483,14 +4715,14 @@
       </p:cxnSp>
       <p:sp>
         <p:nvSpPr>
-          <p:cNvPr id="217" name="Rectángulo: esquinas redondeadas 16"/>
+          <p:cNvPr id="226" name="Rectángulo: esquinas redondeadas 17"/>
           <p:cNvSpPr/>
           <p:nvPr/>
         </p:nvSpPr>
         <p:spPr>
           <a:xfrm>
-            <a:off x="12564000" y="6552000"/>
-            <a:ext cx="1139040" cy="540000"/>
+            <a:off x="12492000" y="8899920"/>
+            <a:ext cx="1312560" cy="704160"/>
           </a:xfrm>
           <a:prstGeom prst="roundRect">
             <a:avLst>
@@ -4502,7 +4734,7 @@
           </a:solidFill>
           <a:ln w="38100">
             <a:solidFill>
-              <a:srgbClr val="4472c4"/>
+              <a:srgbClr val="729fcf"/>
             </a:solidFill>
           </a:ln>
         </p:spPr>
@@ -4536,98 +4768,6 @@
                 <a:latin typeface="Calibri"/>
                 <a:ea typeface="DejaVu Sans"/>
               </a:rPr>
-              <a:t>TURTLE</a:t>
-            </a:r>
-            <a:endParaRPr b="0" lang="es-ES" sz="1490" spc="-1" strike="noStrike">
-              <a:solidFill>
-                <a:srgbClr val="000000"/>
-              </a:solidFill>
-              <a:latin typeface="Arial"/>
-            </a:endParaRPr>
-          </a:p>
-        </p:txBody>
-      </p:sp>
-      <p:cxnSp>
-        <p:nvCxnSpPr>
-          <p:cNvPr id="218" name="Conector recto de flecha 6"/>
-          <p:cNvCxnSpPr>
-            <a:stCxn id="219" idx="0"/>
-            <a:endCxn id="217" idx="2"/>
-          </p:cNvCxnSpPr>
-          <p:nvPr/>
-        </p:nvCxnSpPr>
-        <p:spPr>
-          <a:xfrm flipH="1" flipV="1">
-            <a:off x="13133520" y="7092000"/>
-            <a:ext cx="15120" cy="547920"/>
-          </a:xfrm>
-          <a:prstGeom prst="straightConnector1">
-            <a:avLst/>
-          </a:prstGeom>
-          <a:ln w="38100">
-            <a:solidFill>
-              <a:srgbClr val="404040"/>
-            </a:solidFill>
-            <a:round/>
-            <a:tailEnd len="med" type="triangle" w="med"/>
-          </a:ln>
-        </p:spPr>
-      </p:cxnSp>
-      <p:sp>
-        <p:nvSpPr>
-          <p:cNvPr id="219" name="Rectángulo: esquinas redondeadas 17"/>
-          <p:cNvSpPr/>
-          <p:nvPr/>
-        </p:nvSpPr>
-        <p:spPr>
-          <a:xfrm>
-            <a:off x="12492000" y="7639560"/>
-            <a:ext cx="1312560" cy="604440"/>
-          </a:xfrm>
-          <a:prstGeom prst="roundRect">
-            <a:avLst>
-              <a:gd name="adj" fmla="val 16667"/>
-            </a:avLst>
-          </a:prstGeom>
-          <a:solidFill>
-            <a:srgbClr val="ffffff"/>
-          </a:solidFill>
-          <a:ln w="38100">
-            <a:solidFill>
-              <a:srgbClr val="729fcf"/>
-            </a:solidFill>
-          </a:ln>
-        </p:spPr>
-        <p:style>
-          <a:lnRef idx="2">
-            <a:schemeClr val="accent6"/>
-          </a:lnRef>
-          <a:fillRef idx="1">
-            <a:schemeClr val="lt1"/>
-          </a:fillRef>
-          <a:effectRef idx="0">
-            <a:schemeClr val="accent6"/>
-          </a:effectRef>
-          <a:fontRef idx="minor"/>
-        </p:style>
-        <p:txBody>
-          <a:bodyPr lIns="90000" rIns="90000" tIns="45000" bIns="45000" anchor="ctr">
-            <a:noAutofit/>
-          </a:bodyPr>
-          <a:p>
-            <a:pPr algn="ctr">
-              <a:lnSpc>
-                <a:spcPct val="100000"/>
-              </a:lnSpc>
-            </a:pPr>
-            <a:r>
-              <a:rPr b="0" lang="en-GB" sz="1490" spc="-1" strike="noStrike">
-                <a:solidFill>
-                  <a:schemeClr val="dk1"/>
-                </a:solidFill>
-                <a:latin typeface="Calibri"/>
-                <a:ea typeface="DejaVu Sans"/>
-              </a:rPr>
               <a:t>Entity N</a:t>
             </a:r>
             <a:endParaRPr b="0" lang="es-ES" sz="1490" spc="-1" strike="noStrike">
@@ -4647,8 +4787,8 @@
         </p:nvSpPr>
         <p:spPr>
           <a:xfrm>
-            <a:off x="4046400" y="5295960"/>
-            <a:ext cx="1353600" cy="1177200"/>
+            <a:off x="4651200" y="6300000"/>
+            <a:ext cx="1353600" cy="1249560"/>
           </a:xfrm>
           <a:prstGeom prst="hexagon">
             <a:avLst>
@@ -4736,135 +4876,14 @@
       </p:sp>
       <p:sp>
         <p:nvSpPr>
-          <p:cNvPr id="220" name="Rectángulo: esquinas redondeadas 1"/>
+          <p:cNvPr id="219" name="Hexágono 2"/>
           <p:cNvSpPr/>
           <p:nvPr/>
         </p:nvSpPr>
         <p:spPr>
           <a:xfrm>
-            <a:off x="2880000" y="7380000"/>
-            <a:ext cx="986400" cy="493560"/>
-          </a:xfrm>
-          <a:prstGeom prst="roundRect">
-            <a:avLst>
-              <a:gd name="adj" fmla="val 16667"/>
-            </a:avLst>
-          </a:prstGeom>
-          <a:solidFill>
-            <a:schemeClr val="accent1">
-              <a:lumMod val="40000"/>
-              <a:lumOff val="60000"/>
-            </a:schemeClr>
-          </a:solidFill>
-          <a:ln>
-            <a:solidFill>
-              <a:srgbClr val="70ad47"/>
-            </a:solidFill>
-          </a:ln>
-        </p:spPr>
-        <p:style>
-          <a:lnRef idx="2">
-            <a:schemeClr val="accent6"/>
-          </a:lnRef>
-          <a:fillRef idx="1">
-            <a:schemeClr val="lt1"/>
-          </a:fillRef>
-          <a:effectRef idx="0">
-            <a:schemeClr val="accent6"/>
-          </a:effectRef>
-          <a:fontRef idx="minor"/>
-        </p:style>
-        <p:txBody>
-          <a:bodyPr lIns="90000" rIns="90000" tIns="45000" bIns="45000" anchor="ctr">
-            <a:noAutofit/>
-          </a:bodyPr>
-          <a:p>
-            <a:pPr algn="ctr">
-              <a:lnSpc>
-                <a:spcPct val="100000"/>
-              </a:lnSpc>
-            </a:pPr>
-            <a:r>
-              <a:rPr b="0" lang="en-GB" sz="1490" spc="-1" strike="noStrike">
-                <a:solidFill>
-                  <a:schemeClr val="dk1"/>
-                </a:solidFill>
-                <a:latin typeface="Calibri"/>
-                <a:ea typeface="DejaVu Sans"/>
-              </a:rPr>
-              <a:t>prompt’</a:t>
-            </a:r>
-            <a:endParaRPr b="0" lang="es-ES" sz="1490" spc="-1" strike="noStrike">
-              <a:solidFill>
-                <a:srgbClr val="000000"/>
-              </a:solidFill>
-              <a:latin typeface="Arial"/>
-            </a:endParaRPr>
-          </a:p>
-        </p:txBody>
-      </p:sp>
-      <p:cxnSp>
-        <p:nvCxnSpPr>
-          <p:cNvPr id="221" name="Conector: angular 6"/>
-          <p:cNvCxnSpPr>
-            <a:stCxn id="216" idx="2"/>
-            <a:endCxn id="220" idx="3"/>
-          </p:cNvCxnSpPr>
-          <p:nvPr/>
-        </p:nvCxnSpPr>
-        <p:spPr>
-          <a:xfrm rot="5400000">
-            <a:off x="3718080" y="6621480"/>
-            <a:ext cx="1153800" cy="857160"/>
-          </a:xfrm>
-          <a:prstGeom prst="bentConnector2">
-            <a:avLst/>
-          </a:prstGeom>
-          <a:ln w="38100">
-            <a:solidFill>
-              <a:srgbClr val="000000"/>
-            </a:solidFill>
-            <a:round/>
-            <a:tailEnd len="med" type="triangle" w="med"/>
-          </a:ln>
-        </p:spPr>
-      </p:cxnSp>
-      <p:cxnSp>
-        <p:nvCxnSpPr>
-          <p:cNvPr id="222" name="Conector recto de flecha 7"/>
-          <p:cNvCxnSpPr>
-            <a:stCxn id="220" idx="1"/>
-            <a:endCxn id="208" idx="3"/>
-          </p:cNvCxnSpPr>
-          <p:nvPr/>
-        </p:nvCxnSpPr>
-        <p:spPr>
-          <a:xfrm flipH="1" flipV="1">
-            <a:off x="1709280" y="7597800"/>
-            <a:ext cx="1171080" cy="29160"/>
-          </a:xfrm>
-          <a:prstGeom prst="straightConnector1">
-            <a:avLst/>
-          </a:prstGeom>
-          <a:ln w="38100">
-            <a:solidFill>
-              <a:srgbClr val="000000"/>
-            </a:solidFill>
-            <a:round/>
-            <a:tailEnd len="med" type="triangle" w="med"/>
-          </a:ln>
-        </p:spPr>
-      </p:cxnSp>
-      <p:sp>
-        <p:nvSpPr>
-          <p:cNvPr id="223" name="Hexágono 2"/>
-          <p:cNvSpPr/>
-          <p:nvPr/>
-        </p:nvSpPr>
-        <p:spPr>
-          <a:xfrm>
-            <a:off x="10610280" y="7355880"/>
-            <a:ext cx="1305720" cy="1177200"/>
+            <a:off x="10610280" y="8676000"/>
+            <a:ext cx="1305720" cy="1121040"/>
           </a:xfrm>
           <a:prstGeom prst="hexagon">
             <a:avLst>
@@ -4952,14 +4971,14 @@
       </p:sp>
       <p:sp>
         <p:nvSpPr>
-          <p:cNvPr id="224" name="Hexágono 3"/>
+          <p:cNvPr id="214" name="Hexágono 3"/>
           <p:cNvSpPr/>
           <p:nvPr/>
         </p:nvSpPr>
         <p:spPr>
           <a:xfrm>
-            <a:off x="6768000" y="5103720"/>
-            <a:ext cx="1408320" cy="1177200"/>
+            <a:off x="6710400" y="6372000"/>
+            <a:ext cx="1408320" cy="1191600"/>
           </a:xfrm>
           <a:prstGeom prst="hexagon">
             <a:avLst>
@@ -5047,17 +5066,17 @@
       </p:sp>
       <p:cxnSp>
         <p:nvCxnSpPr>
-          <p:cNvPr id="225" name="Conector: angular 7"/>
+          <p:cNvPr id="227" name="Conector: angular 7"/>
           <p:cNvCxnSpPr>
             <a:stCxn id="216" idx="0"/>
-            <a:endCxn id="226" idx="0"/>
+            <a:endCxn id="228" idx="0"/>
           </p:cNvCxnSpPr>
           <p:nvPr/>
         </p:nvCxnSpPr>
         <p:spPr>
           <a:xfrm>
-            <a:off x="5400000" y="5884560"/>
-            <a:ext cx="741240" cy="1135800"/>
+            <a:off x="6004800" y="6924960"/>
+            <a:ext cx="496080" cy="1253880"/>
           </a:xfrm>
           <a:prstGeom prst="bentConnector2">
             <a:avLst/>
@@ -5073,20 +5092,22 @@
       </p:cxnSp>
       <p:cxnSp>
         <p:nvCxnSpPr>
-          <p:cNvPr id="227" name="Conector: angular 11"/>
+          <p:cNvPr id="229" name="Conector: angular 11"/>
           <p:cNvCxnSpPr>
-            <a:stCxn id="209" idx="3"/>
-            <a:endCxn id="228" idx="0"/>
+            <a:stCxn id="220" idx="3"/>
+            <a:endCxn id="213" idx="1"/>
           </p:cNvCxnSpPr>
           <p:nvPr/>
         </p:nvCxnSpPr>
         <p:spPr>
           <a:xfrm>
-            <a:off x="4659840" y="2689560"/>
-            <a:ext cx="944640" cy="694800"/>
-          </a:xfrm>
-          <a:prstGeom prst="bentConnector2">
-            <a:avLst/>
+            <a:off x="5220000" y="1728360"/>
+            <a:ext cx="671760" cy="321480"/>
+          </a:xfrm>
+          <a:prstGeom prst="bentConnector3">
+            <a:avLst>
+              <a:gd name="adj1" fmla="val 49008"/>
+            </a:avLst>
           </a:prstGeom>
           <a:ln w="38100">
             <a:solidFill>
@@ -5099,14 +5120,14 @@
       </p:cxnSp>
       <p:sp>
         <p:nvSpPr>
-          <p:cNvPr id="226" name="Rectángulo: esquinas redondeadas 10"/>
+          <p:cNvPr id="228" name="Rectángulo: esquinas redondeadas 10"/>
           <p:cNvSpPr/>
           <p:nvPr/>
         </p:nvSpPr>
         <p:spPr>
           <a:xfrm>
-            <a:off x="5580000" y="7020000"/>
-            <a:ext cx="1121760" cy="571680"/>
+            <a:off x="5940000" y="8178480"/>
+            <a:ext cx="1121400" cy="666000"/>
           </a:xfrm>
           <a:prstGeom prst="roundRect">
             <a:avLst>
@@ -5168,17 +5189,17 @@
       </p:sp>
       <p:cxnSp>
         <p:nvCxnSpPr>
-          <p:cNvPr id="229" name="Conector: angular 13"/>
+          <p:cNvPr id="230" name="Conector: angular 13"/>
           <p:cNvCxnSpPr>
-            <a:stCxn id="226" idx="3"/>
-            <a:endCxn id="224" idx="2"/>
+            <a:stCxn id="228" idx="3"/>
+            <a:endCxn id="214" idx="2"/>
           </p:cNvCxnSpPr>
           <p:nvPr/>
         </p:nvCxnSpPr>
         <p:spPr>
           <a:xfrm flipV="1">
-            <a:off x="6701760" y="6280920"/>
-            <a:ext cx="770760" cy="1025280"/>
+            <a:off x="7061400" y="7563600"/>
+            <a:ext cx="353520" cy="948240"/>
           </a:xfrm>
           <a:prstGeom prst="bentConnector2">
             <a:avLst/>
@@ -5194,17 +5215,17 @@
       </p:cxnSp>
       <p:cxnSp>
         <p:nvCxnSpPr>
-          <p:cNvPr id="230" name="Conector recto de flecha 2"/>
+          <p:cNvPr id="231" name="Conector recto de flecha 2"/>
           <p:cNvCxnSpPr>
-            <a:stCxn id="223" idx="0"/>
-            <a:endCxn id="219" idx="1"/>
+            <a:stCxn id="219" idx="0"/>
+            <a:endCxn id="226" idx="1"/>
           </p:cNvCxnSpPr>
           <p:nvPr/>
         </p:nvCxnSpPr>
         <p:spPr>
-          <a:xfrm flipV="1">
-            <a:off x="11916000" y="7941600"/>
-            <a:ext cx="576360" cy="3240"/>
+          <a:xfrm>
+            <a:off x="11916000" y="9236520"/>
+            <a:ext cx="576360" cy="15840"/>
           </a:xfrm>
           <a:prstGeom prst="straightConnector1">
             <a:avLst/>
@@ -5220,17 +5241,17 @@
       </p:cxnSp>
       <p:cxnSp>
         <p:nvCxnSpPr>
-          <p:cNvPr id="231" name="Conector: angular 14"/>
+          <p:cNvPr id="232" name="Conector: angular 14"/>
           <p:cNvCxnSpPr>
-            <a:stCxn id="223" idx="0"/>
-            <a:endCxn id="217" idx="1"/>
+            <a:stCxn id="219" idx="0"/>
+            <a:endCxn id="224" idx="1"/>
           </p:cNvCxnSpPr>
           <p:nvPr/>
         </p:nvCxnSpPr>
         <p:spPr>
           <a:xfrm flipH="1" flipV="1" rot="5400000">
-            <a:off x="11646360" y="6438240"/>
-            <a:ext cx="534240" cy="1301400"/>
+            <a:off x="11216160" y="7292160"/>
+            <a:ext cx="1431000" cy="1337400"/>
           </a:xfrm>
           <a:prstGeom prst="bentConnector2">
             <a:avLst/>
@@ -5246,14 +5267,14 @@
       </p:cxnSp>
       <p:sp>
         <p:nvSpPr>
-          <p:cNvPr id="232" name="Rectángulo: esquinas redondeadas 18"/>
+          <p:cNvPr id="233" name="Rectángulo: esquinas redondeadas 18"/>
           <p:cNvSpPr/>
           <p:nvPr/>
         </p:nvSpPr>
         <p:spPr>
           <a:xfrm>
-            <a:off x="8194320" y="6382800"/>
-            <a:ext cx="1489680" cy="1177200"/>
+            <a:off x="8302320" y="7472880"/>
+            <a:ext cx="1489680" cy="1371600"/>
           </a:xfrm>
           <a:prstGeom prst="roundRect">
             <a:avLst>
@@ -5358,17 +5379,17 @@
       </p:sp>
       <p:cxnSp>
         <p:nvCxnSpPr>
-          <p:cNvPr id="233" name="Conector: angular 12"/>
+          <p:cNvPr id="234" name="Conector: angular 12"/>
           <p:cNvCxnSpPr>
-            <a:stCxn id="232" idx="2"/>
-            <a:endCxn id="223" idx="3"/>
+            <a:stCxn id="233" idx="2"/>
+            <a:endCxn id="219" idx="3"/>
           </p:cNvCxnSpPr>
           <p:nvPr/>
         </p:nvCxnSpPr>
         <p:spPr>
           <a:xfrm flipH="1" rot="16200000">
-            <a:off x="9582480" y="6916680"/>
-            <a:ext cx="384840" cy="1671480"/>
+            <a:off x="9632880" y="8258760"/>
+            <a:ext cx="392400" cy="1563480"/>
           </a:xfrm>
           <a:prstGeom prst="bentConnector2">
             <a:avLst/>
@@ -5384,17 +5405,17 @@
       </p:cxnSp>
       <p:cxnSp>
         <p:nvCxnSpPr>
-          <p:cNvPr id="234" name="Conector: angular 18"/>
+          <p:cNvPr id="235" name="Conector: angular 18"/>
           <p:cNvCxnSpPr>
-            <a:stCxn id="224" idx="0"/>
-            <a:endCxn id="232" idx="-1"/>
+            <a:stCxn id="214" idx="0"/>
+            <a:endCxn id="233" idx="0"/>
           </p:cNvCxnSpPr>
           <p:nvPr/>
         </p:nvCxnSpPr>
         <p:spPr>
           <a:xfrm>
-            <a:off x="8176320" y="5692320"/>
-            <a:ext cx="763200" cy="690840"/>
+            <a:off x="8118720" y="6967800"/>
+            <a:ext cx="928800" cy="505440"/>
           </a:xfrm>
           <a:prstGeom prst="bentConnector2">
             <a:avLst/>
@@ -5410,14 +5431,14 @@
       </p:cxnSp>
       <p:sp>
         <p:nvSpPr>
-          <p:cNvPr id="211" name="Rectángulo: esquinas redondeadas 20"/>
+          <p:cNvPr id="222" name="Rectángulo: esquinas redondeadas 20"/>
           <p:cNvSpPr/>
           <p:nvPr/>
         </p:nvSpPr>
         <p:spPr>
           <a:xfrm>
-            <a:off x="900000" y="1116000"/>
-            <a:ext cx="1080000" cy="540000"/>
+            <a:off x="899640" y="471600"/>
+            <a:ext cx="1080000" cy="628920"/>
           </a:xfrm>
           <a:prstGeom prst="roundRect">
             <a:avLst>
@@ -5474,28 +5495,182 @@
           </a:p>
         </p:txBody>
       </p:sp>
-      <p:sp>
-        <p:nvSpPr>
-          <p:cNvPr id="228" name="Rectángulo: esquinas redondeadas 21"/>
+      <p:cxnSp>
+        <p:nvCxnSpPr>
+          <p:cNvPr id="236" name="Conector: angular 21"/>
+          <p:cNvCxnSpPr>
+            <a:stCxn id="228" idx="2"/>
+            <a:endCxn id="219" idx="2"/>
+          </p:cNvCxnSpPr>
+          <p:nvPr/>
+        </p:nvCxnSpPr>
+        <p:spPr>
+          <a:xfrm flipH="1" rot="16200000">
+            <a:off x="8405280" y="6939360"/>
+            <a:ext cx="952920" cy="4762800"/>
+          </a:xfrm>
+          <a:prstGeom prst="bentConnector3">
+            <a:avLst>
+              <a:gd name="adj1" fmla="val 137792"/>
+            </a:avLst>
+          </a:prstGeom>
+          <a:ln w="38100">
+            <a:solidFill>
+              <a:srgbClr val="000000"/>
+            </a:solidFill>
+            <a:round/>
+            <a:tailEnd len="med" type="triangle" w="med"/>
+          </a:ln>
+        </p:spPr>
+      </p:cxnSp>
+      <p:sp>
+        <p:nvSpPr>
+          <p:cNvPr id="237" name=""/>
+          <p:cNvSpPr txBox="1"/>
+          <p:nvPr/>
+        </p:nvSpPr>
+        <p:spPr>
+          <a:xfrm>
+            <a:off x="1007640" y="52200"/>
+            <a:ext cx="1152360" cy="685080"/>
+          </a:xfrm>
+          <a:prstGeom prst="rect">
+            <a:avLst/>
+          </a:prstGeom>
+          <a:noFill/>
+          <a:ln w="0">
+            <a:noFill/>
+          </a:ln>
+        </p:spPr>
+        <p:txBody>
+          <a:bodyPr lIns="90000" rIns="90000" tIns="45000" bIns="45000" anchor="t">
+            <a:noAutofit/>
+          </a:bodyPr>
+          <a:p>
+            <a:r>
+              <a:rPr b="0" lang="es-ES" sz="2090" spc="-1" strike="noStrike">
+                <a:solidFill>
+                  <a:srgbClr val="000000"/>
+                </a:solidFill>
+                <a:latin typeface="Arial"/>
+              </a:rPr>
+              <a:t>INPUT</a:t>
+            </a:r>
+            <a:endParaRPr b="0" lang="es-ES" sz="2090" spc="-1" strike="noStrike">
+              <a:solidFill>
+                <a:srgbClr val="000000"/>
+              </a:solidFill>
+              <a:latin typeface="Arial"/>
+            </a:endParaRPr>
+          </a:p>
+        </p:txBody>
+      </p:sp>
+      <p:sp>
+        <p:nvSpPr>
+          <p:cNvPr id="238" name=""/>
+          <p:cNvSpPr txBox="1"/>
+          <p:nvPr/>
+        </p:nvSpPr>
+        <p:spPr>
+          <a:xfrm>
+            <a:off x="12921120" y="172080"/>
+            <a:ext cx="1298880" cy="387720"/>
+          </a:xfrm>
+          <a:prstGeom prst="rect">
+            <a:avLst/>
+          </a:prstGeom>
+          <a:noFill/>
+          <a:ln w="0">
+            <a:noFill/>
+          </a:ln>
+        </p:spPr>
+        <p:txBody>
+          <a:bodyPr lIns="90000" rIns="90000" tIns="45000" bIns="45000" anchor="t">
+            <a:noAutofit/>
+          </a:bodyPr>
+          <a:p>
+            <a:r>
+              <a:rPr b="0" lang="es-ES" sz="2090" spc="-1" strike="noStrike">
+                <a:solidFill>
+                  <a:srgbClr val="000000"/>
+                </a:solidFill>
+                <a:latin typeface="Arial"/>
+              </a:rPr>
+              <a:t>OUTPUT</a:t>
+            </a:r>
+            <a:endParaRPr b="0" lang="es-ES" sz="2090" spc="-1" strike="noStrike">
+              <a:solidFill>
+                <a:srgbClr val="000000"/>
+              </a:solidFill>
+              <a:latin typeface="Arial"/>
+            </a:endParaRPr>
+          </a:p>
+        </p:txBody>
+      </p:sp>
+      <p:sp>
+        <p:nvSpPr>
+          <p:cNvPr id="239" name=""/>
+          <p:cNvSpPr txBox="1"/>
+          <p:nvPr/>
+        </p:nvSpPr>
+        <p:spPr>
+          <a:xfrm>
+            <a:off x="12558600" y="6452280"/>
+            <a:ext cx="1301400" cy="387720"/>
+          </a:xfrm>
+          <a:prstGeom prst="rect">
+            <a:avLst/>
+          </a:prstGeom>
+          <a:noFill/>
+          <a:ln w="0">
+            <a:noFill/>
+          </a:ln>
+        </p:spPr>
+        <p:txBody>
+          <a:bodyPr lIns="90000" rIns="90000" tIns="45000" bIns="45000" anchor="t">
+            <a:noAutofit/>
+          </a:bodyPr>
+          <a:p>
+            <a:r>
+              <a:rPr b="0" lang="es-ES" sz="2090" spc="-1" strike="noStrike">
+                <a:solidFill>
+                  <a:srgbClr val="000000"/>
+                </a:solidFill>
+                <a:latin typeface="Arial"/>
+              </a:rPr>
+              <a:t>OUTPUT</a:t>
+            </a:r>
+            <a:endParaRPr b="0" lang="es-ES" sz="2090" spc="-1" strike="noStrike">
+              <a:solidFill>
+                <a:srgbClr val="000000"/>
+              </a:solidFill>
+              <a:latin typeface="Arial"/>
+            </a:endParaRPr>
+          </a:p>
+        </p:txBody>
+      </p:sp>
+      <p:sp>
+        <p:nvSpPr>
+          <p:cNvPr id="240" name="Rectángulo: esquinas redondeadas 33"/>
           <p:cNvSpPr/>
           <p:nvPr/>
         </p:nvSpPr>
         <p:spPr>
           <a:xfrm>
-            <a:off x="4860000" y="3384000"/>
-            <a:ext cx="1488600" cy="1116000"/>
+            <a:off x="8460000" y="265320"/>
+            <a:ext cx="3960000" cy="4138920"/>
           </a:xfrm>
           <a:prstGeom prst="roundRect">
             <a:avLst>
-              <a:gd name="adj" fmla="val 16667"/>
+              <a:gd name="adj" fmla="val 5287"/>
             </a:avLst>
           </a:prstGeom>
           <a:solidFill>
-            <a:srgbClr val="ffffff"/>
+            <a:srgbClr val="cccccc"/>
           </a:solidFill>
           <a:ln w="38100">
             <a:solidFill>
-              <a:srgbClr val="bf819e"/>
+              <a:srgbClr val="333333"/>
             </a:solidFill>
           </a:ln>
         </p:spPr>
@@ -5521,198 +5696,37 @@
                 <a:spcPct val="100000"/>
               </a:lnSpc>
             </a:pPr>
-            <a:r>
-              <a:rPr b="0" lang="en-GB" sz="1490" spc="-1" strike="noStrike">
-                <a:solidFill>
-                  <a:schemeClr val="dk1"/>
-                </a:solidFill>
-                <a:latin typeface="Calibri"/>
-                <a:ea typeface="DejaVu Sans"/>
-              </a:rPr>
-              <a:t>Statistical</a:t>
-            </a:r>
-            <a:endParaRPr b="0" lang="es-ES" sz="1490" spc="-1" strike="noStrike">
-              <a:solidFill>
-                <a:srgbClr val="000000"/>
-              </a:solidFill>
-              <a:latin typeface="Arial"/>
-            </a:endParaRPr>
-          </a:p>
-          <a:p>
-            <a:pPr algn="ctr">
-              <a:lnSpc>
-                <a:spcPct val="100000"/>
-              </a:lnSpc>
-            </a:pPr>
-            <a:r>
-              <a:rPr b="0" lang="en-GB" sz="1490" spc="-1" strike="noStrike">
-                <a:solidFill>
-                  <a:schemeClr val="dk1"/>
-                </a:solidFill>
-                <a:latin typeface="Calibri"/>
-                <a:ea typeface="DejaVu Sans"/>
-              </a:rPr>
-              <a:t>Description</a:t>
-            </a:r>
-            <a:endParaRPr b="0" lang="es-ES" sz="1490" spc="-1" strike="noStrike">
-              <a:solidFill>
-                <a:srgbClr val="000000"/>
-              </a:solidFill>
-              <a:latin typeface="Arial"/>
-            </a:endParaRPr>
-          </a:p>
-          <a:p>
-            <a:pPr algn="ctr">
-              <a:lnSpc>
-                <a:spcPct val="100000"/>
-              </a:lnSpc>
-            </a:pPr>
-            <a:r>
-              <a:rPr b="0" lang="en-GB" sz="1490" spc="-1" strike="noStrike">
-                <a:solidFill>
-                  <a:schemeClr val="dk1"/>
-                </a:solidFill>
-                <a:latin typeface="Calibri"/>
-                <a:ea typeface="DejaVu Sans"/>
-              </a:rPr>
-              <a:t>+</a:t>
-            </a:r>
-            <a:endParaRPr b="0" lang="es-ES" sz="1490" spc="-1" strike="noStrike">
-              <a:solidFill>
-                <a:srgbClr val="000000"/>
-              </a:solidFill>
-              <a:latin typeface="Arial"/>
-            </a:endParaRPr>
-          </a:p>
-          <a:p>
-            <a:pPr algn="ctr">
-              <a:lnSpc>
-                <a:spcPct val="100000"/>
-              </a:lnSpc>
-            </a:pPr>
-            <a:r>
-              <a:rPr b="0" lang="en-GB" sz="1490" spc="-1" strike="noStrike">
-                <a:solidFill>
-                  <a:schemeClr val="dk1"/>
-                </a:solidFill>
-                <a:latin typeface="Calibri"/>
-                <a:ea typeface="DejaVu Sans"/>
-              </a:rPr>
-              <a:t>FAIR URI</a:t>
-            </a:r>
-            <a:endParaRPr b="0" lang="es-ES" sz="1490" spc="-1" strike="noStrike">
-              <a:solidFill>
-                <a:srgbClr val="000000"/>
-              </a:solidFill>
-              <a:latin typeface="Arial"/>
-            </a:endParaRPr>
-          </a:p>
-        </p:txBody>
-      </p:sp>
-      <p:cxnSp>
-        <p:nvCxnSpPr>
-          <p:cNvPr id="235" name="Conector: angular 1"/>
-          <p:cNvCxnSpPr>
-            <a:stCxn id="228" idx="3"/>
-            <a:endCxn id="224" idx="0"/>
-          </p:cNvCxnSpPr>
-          <p:nvPr/>
-        </p:nvCxnSpPr>
-        <p:spPr>
-          <a:xfrm>
-            <a:off x="6348600" y="3942000"/>
-            <a:ext cx="1123920" cy="1162080"/>
-          </a:xfrm>
-          <a:prstGeom prst="bentConnector2">
-            <a:avLst/>
-          </a:prstGeom>
-          <a:ln w="38100">
-            <a:solidFill>
-              <a:srgbClr val="404040"/>
-            </a:solidFill>
-            <a:round/>
-            <a:tailEnd len="med" type="triangle" w="med"/>
-          </a:ln>
-        </p:spPr>
-      </p:cxnSp>
-      <p:cxnSp>
-        <p:nvCxnSpPr>
-          <p:cNvPr id="236" name="Conector: angular 4"/>
-          <p:cNvCxnSpPr>
-            <a:stCxn id="228" idx="2"/>
-            <a:endCxn id="216" idx="0"/>
-          </p:cNvCxnSpPr>
-          <p:nvPr/>
-        </p:nvCxnSpPr>
-        <p:spPr>
-          <a:xfrm rot="5400000">
-            <a:off x="4765320" y="4457520"/>
-            <a:ext cx="796320" cy="881280"/>
-          </a:xfrm>
-          <a:prstGeom prst="bentConnector3">
-            <a:avLst>
-              <a:gd name="adj1" fmla="val 50836"/>
-            </a:avLst>
-          </a:prstGeom>
-          <a:ln w="38100">
-            <a:solidFill>
-              <a:srgbClr val="404040"/>
-            </a:solidFill>
-            <a:round/>
-            <a:tailEnd len="med" type="triangle" w="med"/>
-          </a:ln>
-        </p:spPr>
-      </p:cxnSp>
-      <p:cxnSp>
-        <p:nvCxnSpPr>
-          <p:cNvPr id="237" name="Conector: angular 21"/>
-          <p:cNvCxnSpPr>
-            <a:stCxn id="226" idx="2"/>
-            <a:endCxn id="223" idx="2"/>
-          </p:cNvCxnSpPr>
-          <p:nvPr/>
-        </p:nvCxnSpPr>
-        <p:spPr>
-          <a:xfrm flipH="1" rot="16200000">
-            <a:off x="8231400" y="5501160"/>
-            <a:ext cx="941760" cy="5122440"/>
-          </a:xfrm>
-          <a:prstGeom prst="bentConnector3">
-            <a:avLst>
-              <a:gd name="adj1" fmla="val 138240"/>
-            </a:avLst>
-          </a:prstGeom>
-          <a:ln w="38100">
-            <a:solidFill>
-              <a:srgbClr val="000000"/>
-            </a:solidFill>
-            <a:round/>
-            <a:tailEnd len="med" type="triangle" w="med"/>
-          </a:ln>
-        </p:spPr>
-      </p:cxnSp>
-      <p:sp>
-        <p:nvSpPr>
-          <p:cNvPr id="238" name="Rectángulo: esquinas redondeadas 33"/>
+            <a:endParaRPr b="0" lang="es-ES" sz="2940" spc="-1" strike="noStrike">
+              <a:solidFill>
+                <a:srgbClr val="000000"/>
+              </a:solidFill>
+              <a:latin typeface="Arial"/>
+            </a:endParaRPr>
+          </a:p>
+        </p:txBody>
+      </p:sp>
+      <p:sp>
+        <p:nvSpPr>
+          <p:cNvPr id="241" name="Rectángulo: esquinas redondeadas 12"/>
           <p:cNvSpPr/>
           <p:nvPr/>
         </p:nvSpPr>
         <p:spPr>
           <a:xfrm>
-            <a:off x="8280000" y="900000"/>
-            <a:ext cx="3960000" cy="4102200"/>
+            <a:off x="8640000" y="1697760"/>
+            <a:ext cx="900000" cy="928440"/>
           </a:xfrm>
           <a:prstGeom prst="roundRect">
             <a:avLst>
-              <a:gd name="adj" fmla="val 5287"/>
+              <a:gd name="adj" fmla="val 16667"/>
             </a:avLst>
           </a:prstGeom>
           <a:solidFill>
-            <a:srgbClr val="cccccc"/>
+            <a:srgbClr val="ffffff"/>
           </a:solidFill>
           <a:ln w="38100">
             <a:solidFill>
-              <a:srgbClr val="333333"/>
+              <a:srgbClr val="00b050"/>
             </a:solidFill>
           </a:ln>
         </p:spPr>
@@ -5738,91 +5752,35 @@
                 <a:spcPct val="100000"/>
               </a:lnSpc>
             </a:pPr>
-            <a:endParaRPr b="0" lang="es-ES" sz="2940" spc="-1" strike="noStrike">
-              <a:solidFill>
-                <a:srgbClr val="000000"/>
-              </a:solidFill>
-              <a:latin typeface="Arial"/>
-            </a:endParaRPr>
-          </a:p>
-        </p:txBody>
-      </p:sp>
-      <p:sp>
-        <p:nvSpPr>
-          <p:cNvPr id="239" name="Rectángulo: esquinas redondeadas 12"/>
+            <a:r>
+              <a:rPr b="0" lang="en-GB" sz="1490" spc="-1" strike="noStrike">
+                <a:solidFill>
+                  <a:schemeClr val="dk1"/>
+                </a:solidFill>
+                <a:latin typeface="Calibri"/>
+                <a:ea typeface="DejaVu Sans"/>
+              </a:rPr>
+              <a:t>RML</a:t>
+            </a:r>
+            <a:endParaRPr b="0" lang="es-ES" sz="1490" spc="-1" strike="noStrike">
+              <a:solidFill>
+                <a:srgbClr val="000000"/>
+              </a:solidFill>
+              <a:latin typeface="Arial"/>
+            </a:endParaRPr>
+          </a:p>
+        </p:txBody>
+      </p:sp>
+      <p:sp>
+        <p:nvSpPr>
+          <p:cNvPr id="242" name="Rectángulo: esquinas redondeadas 13"/>
           <p:cNvSpPr/>
           <p:nvPr/>
         </p:nvSpPr>
         <p:spPr>
           <a:xfrm>
-            <a:off x="8460000" y="2320200"/>
-            <a:ext cx="900000" cy="919800"/>
-          </a:xfrm>
-          <a:prstGeom prst="roundRect">
-            <a:avLst>
-              <a:gd name="adj" fmla="val 16667"/>
-            </a:avLst>
-          </a:prstGeom>
-          <a:solidFill>
-            <a:srgbClr val="ffffff"/>
-          </a:solidFill>
-          <a:ln w="38100">
-            <a:solidFill>
-              <a:srgbClr val="00b050"/>
-            </a:solidFill>
-          </a:ln>
-        </p:spPr>
-        <p:style>
-          <a:lnRef idx="2">
-            <a:schemeClr val="accent6"/>
-          </a:lnRef>
-          <a:fillRef idx="1">
-            <a:schemeClr val="lt1"/>
-          </a:fillRef>
-          <a:effectRef idx="0">
-            <a:schemeClr val="accent6"/>
-          </a:effectRef>
-          <a:fontRef idx="minor"/>
-        </p:style>
-        <p:txBody>
-          <a:bodyPr lIns="90000" rIns="90000" tIns="45000" bIns="45000" anchor="ctr">
-            <a:noAutofit/>
-          </a:bodyPr>
-          <a:p>
-            <a:pPr algn="ctr">
-              <a:lnSpc>
-                <a:spcPct val="100000"/>
-              </a:lnSpc>
-            </a:pPr>
-            <a:r>
-              <a:rPr b="0" lang="en-GB" sz="1490" spc="-1" strike="noStrike">
-                <a:solidFill>
-                  <a:schemeClr val="dk1"/>
-                </a:solidFill>
-                <a:latin typeface="Calibri"/>
-                <a:ea typeface="DejaVu Sans"/>
-              </a:rPr>
-              <a:t>RML</a:t>
-            </a:r>
-            <a:endParaRPr b="0" lang="es-ES" sz="1490" spc="-1" strike="noStrike">
-              <a:solidFill>
-                <a:srgbClr val="000000"/>
-              </a:solidFill>
-              <a:latin typeface="Arial"/>
-            </a:endParaRPr>
-          </a:p>
-        </p:txBody>
-      </p:sp>
-      <p:sp>
-        <p:nvSpPr>
-          <p:cNvPr id="240" name="Rectángulo: esquinas redondeadas 13"/>
-          <p:cNvSpPr/>
-          <p:nvPr/>
-        </p:nvSpPr>
-        <p:spPr>
-          <a:xfrm>
-            <a:off x="9180000" y="1116000"/>
-            <a:ext cx="1055880" cy="666720"/>
+            <a:off x="9324360" y="483480"/>
+            <a:ext cx="1055880" cy="672840"/>
           </a:xfrm>
           <a:prstGeom prst="roundRect">
             <a:avLst>
@@ -5883,17 +5841,17 @@
       </p:sp>
       <p:cxnSp>
         <p:nvCxnSpPr>
-          <p:cNvPr id="241" name="Conector: angular 5"/>
+          <p:cNvPr id="243" name="Conector: angular 5"/>
           <p:cNvCxnSpPr>
-            <a:stCxn id="239" idx="3"/>
-            <a:endCxn id="240" idx="2"/>
+            <a:stCxn id="241" idx="3"/>
+            <a:endCxn id="242" idx="2"/>
           </p:cNvCxnSpPr>
           <p:nvPr/>
         </p:nvCxnSpPr>
         <p:spPr>
           <a:xfrm flipV="1">
-            <a:off x="9360000" y="1782720"/>
-            <a:ext cx="348120" cy="997560"/>
+            <a:off x="9540000" y="1156320"/>
+            <a:ext cx="312480" cy="1005840"/>
           </a:xfrm>
           <a:prstGeom prst="bentConnector2">
             <a:avLst/>
@@ -5909,14 +5867,14 @@
       </p:cxnSp>
       <p:sp>
         <p:nvSpPr>
-          <p:cNvPr id="242" name="Hexágono 4"/>
+          <p:cNvPr id="244" name="Hexágono 4"/>
           <p:cNvSpPr/>
           <p:nvPr/>
         </p:nvSpPr>
         <p:spPr>
           <a:xfrm>
-            <a:off x="9180000" y="3600000"/>
-            <a:ext cx="1364040" cy="1177200"/>
+            <a:off x="9360000" y="2989440"/>
+            <a:ext cx="1364040" cy="1188000"/>
           </a:xfrm>
           <a:prstGeom prst="hexagon">
             <a:avLst>
@@ -6004,17 +5962,17 @@
       </p:sp>
       <p:cxnSp>
         <p:nvCxnSpPr>
-          <p:cNvPr id="243" name="Conector: angular 15"/>
+          <p:cNvPr id="245" name="Conector: angular 15"/>
           <p:cNvCxnSpPr>
-            <a:stCxn id="242" idx="3"/>
-            <a:endCxn id="239" idx="2"/>
+            <a:stCxn id="244" idx="3"/>
+            <a:endCxn id="241" idx="2"/>
           </p:cNvCxnSpPr>
           <p:nvPr/>
         </p:nvCxnSpPr>
         <p:spPr>
           <a:xfrm rot="10800000">
-            <a:off x="8910000" y="3239640"/>
-            <a:ext cx="270360" cy="948960"/>
+            <a:off x="9090000" y="2625840"/>
+            <a:ext cx="270360" cy="957600"/>
           </a:xfrm>
           <a:prstGeom prst="bentConnector2">
             <a:avLst/>
@@ -6030,17 +5988,17 @@
       </p:cxnSp>
       <p:cxnSp>
         <p:nvCxnSpPr>
-          <p:cNvPr id="244" name="Conector: angular 16"/>
+          <p:cNvPr id="246" name="Conector: angular 16"/>
           <p:cNvCxnSpPr>
-            <a:stCxn id="240" idx="3"/>
-            <a:endCxn id="245" idx="0"/>
+            <a:stCxn id="242" idx="3"/>
+            <a:endCxn id="247" idx="0"/>
           </p:cNvCxnSpPr>
           <p:nvPr/>
         </p:nvCxnSpPr>
         <p:spPr>
           <a:xfrm>
-            <a:off x="10235880" y="1449360"/>
-            <a:ext cx="1013040" cy="1251000"/>
+            <a:off x="10380240" y="819720"/>
+            <a:ext cx="1319040" cy="1261800"/>
           </a:xfrm>
           <a:prstGeom prst="bentConnector2">
             <a:avLst/>
@@ -6056,14 +6014,14 @@
       </p:cxnSp>
       <p:sp>
         <p:nvSpPr>
-          <p:cNvPr id="245" name="Rectángulo: esquinas redondeadas 15"/>
+          <p:cNvPr id="247" name="Rectángulo: esquinas redondeadas 15"/>
           <p:cNvSpPr/>
           <p:nvPr/>
         </p:nvSpPr>
         <p:spPr>
           <a:xfrm>
-            <a:off x="10440000" y="2700000"/>
-            <a:ext cx="1617480" cy="540000"/>
+            <a:off x="11160360" y="2081160"/>
+            <a:ext cx="1077480" cy="545040"/>
           </a:xfrm>
           <a:prstGeom prst="roundRect">
             <a:avLst>
@@ -6109,7 +6067,30 @@
                 <a:latin typeface="Calibri"/>
                 <a:ea typeface="DejaVu Sans"/>
               </a:rPr>
-              <a:t>Error Feedback</a:t>
+              <a:t>Error </a:t>
+            </a:r>
+            <a:endParaRPr b="0" lang="es-ES" sz="1490" spc="-1" strike="noStrike">
+              <a:solidFill>
+                <a:srgbClr val="000000"/>
+              </a:solidFill>
+              <a:latin typeface="Arial"/>
+            </a:endParaRPr>
+          </a:p>
+          <a:p>
+            <a:pPr algn="ctr">
+              <a:lnSpc>
+                <a:spcPct val="100000"/>
+              </a:lnSpc>
+            </a:pPr>
+            <a:r>
+              <a:rPr b="0" lang="en-GB" sz="1490" spc="-1" strike="noStrike">
+                <a:solidFill>
+                  <a:schemeClr val="dk1"/>
+                </a:solidFill>
+                <a:latin typeface="Calibri"/>
+                <a:ea typeface="DejaVu Sans"/>
+              </a:rPr>
+              <a:t>Feedback</a:t>
             </a:r>
             <a:endParaRPr b="0" lang="es-ES" sz="1490" spc="-1" strike="noStrike">
               <a:solidFill>
@@ -6122,17 +6103,17 @@
       </p:sp>
       <p:cxnSp>
         <p:nvCxnSpPr>
-          <p:cNvPr id="246" name="Conector: angular 17"/>
+          <p:cNvPr id="248" name="Conector: angular 17"/>
           <p:cNvCxnSpPr>
-            <a:stCxn id="245" idx="2"/>
-            <a:endCxn id="242" idx="0"/>
+            <a:stCxn id="247" idx="2"/>
+            <a:endCxn id="244" idx="0"/>
           </p:cNvCxnSpPr>
           <p:nvPr/>
         </p:nvCxnSpPr>
         <p:spPr>
           <a:xfrm rot="5400000">
-            <a:off x="10421640" y="3362040"/>
-            <a:ext cx="948960" cy="704880"/>
+            <a:off x="10732680" y="2617200"/>
+            <a:ext cx="957600" cy="975240"/>
           </a:xfrm>
           <a:prstGeom prst="bentConnector2">
             <a:avLst/>
@@ -6148,14 +6129,14 @@
       </p:cxnSp>
       <p:sp>
         <p:nvSpPr>
-          <p:cNvPr id="247" name=""/>
+          <p:cNvPr id="249" name=""/>
           <p:cNvSpPr txBox="1"/>
           <p:nvPr/>
         </p:nvSpPr>
         <p:spPr>
           <a:xfrm>
-            <a:off x="10580040" y="4583880"/>
-            <a:ext cx="1623960" cy="346320"/>
+            <a:off x="9536040" y="2530440"/>
+            <a:ext cx="1623960" cy="349560"/>
           </a:xfrm>
           <a:prstGeom prst="rect">
             <a:avLst/>
@@ -6188,19 +6169,915 @@
           </a:p>
         </p:txBody>
       </p:sp>
+      <p:sp>
+        <p:nvSpPr>
+          <p:cNvPr id="250" name=""/>
+          <p:cNvSpPr txBox="1"/>
+          <p:nvPr/>
+        </p:nvSpPr>
+        <p:spPr>
+          <a:xfrm>
+            <a:off x="8568000" y="1355040"/>
+            <a:ext cx="1121040" cy="349200"/>
+          </a:xfrm>
+          <a:prstGeom prst="rect">
+            <a:avLst/>
+          </a:prstGeom>
+          <a:noFill/>
+          <a:ln w="0">
+            <a:noFill/>
+          </a:ln>
+        </p:spPr>
+        <p:txBody>
+          <a:bodyPr lIns="90000" rIns="90000" tIns="45000" bIns="45000" anchor="t">
+            <a:noAutofit/>
+          </a:bodyPr>
+          <a:p>
+            <a:r>
+              <a:rPr b="0" lang="es-ES" sz="1800" spc="-1" strike="noStrike">
+                <a:solidFill>
+                  <a:srgbClr val="000000"/>
+                </a:solidFill>
+                <a:latin typeface="Arial"/>
+              </a:rPr>
+              <a:t>OUTPUT</a:t>
+            </a:r>
+            <a:endParaRPr b="0" lang="es-ES" sz="1800" spc="-1" strike="noStrike">
+              <a:solidFill>
+                <a:srgbClr val="000000"/>
+              </a:solidFill>
+              <a:latin typeface="Arial"/>
+            </a:endParaRPr>
+          </a:p>
+        </p:txBody>
+      </p:sp>
+      <p:sp>
+        <p:nvSpPr>
+          <p:cNvPr id="251" name=""/>
+          <p:cNvSpPr txBox="1"/>
+          <p:nvPr/>
+        </p:nvSpPr>
+        <p:spPr>
+          <a:xfrm>
+            <a:off x="11004840" y="3960000"/>
+            <a:ext cx="1235160" cy="349560"/>
+          </a:xfrm>
+          <a:prstGeom prst="rect">
+            <a:avLst/>
+          </a:prstGeom>
+          <a:noFill/>
+          <a:ln w="0">
+            <a:noFill/>
+          </a:ln>
+        </p:spPr>
+        <p:txBody>
+          <a:bodyPr lIns="90000" rIns="90000" tIns="45000" bIns="45000" anchor="t">
+            <a:noAutofit/>
+          </a:bodyPr>
+          <a:p>
+            <a:r>
+              <a:rPr b="0" lang="es-ES" sz="1800" spc="-1" strike="noStrike">
+                <a:solidFill>
+                  <a:srgbClr val="000000"/>
+                </a:solidFill>
+                <a:latin typeface="Arial"/>
+              </a:rPr>
+              <a:t>MAPPING</a:t>
+            </a:r>
+            <a:endParaRPr b="0" lang="es-ES" sz="1800" spc="-1" strike="noStrike">
+              <a:solidFill>
+                <a:srgbClr val="000000"/>
+              </a:solidFill>
+              <a:latin typeface="Arial"/>
+            </a:endParaRPr>
+          </a:p>
+        </p:txBody>
+      </p:sp>
+      <p:sp>
+        <p:nvSpPr>
+          <p:cNvPr id="218" name="Hexágono 12"/>
+          <p:cNvSpPr/>
+          <p:nvPr/>
+        </p:nvSpPr>
+        <p:spPr>
+          <a:xfrm>
+            <a:off x="3276000" y="4248000"/>
+            <a:ext cx="1080000" cy="850680"/>
+          </a:xfrm>
+          <a:prstGeom prst="hexagon">
+            <a:avLst>
+              <a:gd name="adj" fmla="val 25000"/>
+              <a:gd name="vf" fmla="val 115470"/>
+            </a:avLst>
+          </a:prstGeom>
+          <a:solidFill>
+            <a:schemeClr val="accent4">
+              <a:lumMod val="60000"/>
+              <a:lumOff val="40000"/>
+            </a:schemeClr>
+          </a:solidFill>
+          <a:ln>
+            <a:solidFill>
+              <a:srgbClr val="325490"/>
+            </a:solidFill>
+          </a:ln>
+        </p:spPr>
+        <p:style>
+          <a:lnRef idx="2">
+            <a:schemeClr val="accent1">
+              <a:shade val="50000"/>
+            </a:schemeClr>
+          </a:lnRef>
+          <a:fillRef idx="1">
+            <a:schemeClr val="accent1"/>
+          </a:fillRef>
+          <a:effectRef idx="0">
+            <a:schemeClr val="accent1"/>
+          </a:effectRef>
+          <a:fontRef idx="minor"/>
+        </p:style>
+        <p:txBody>
+          <a:bodyPr lIns="90000" rIns="90000" tIns="45000" bIns="45000" anchor="ctr">
+            <a:noAutofit/>
+          </a:bodyPr>
+          <a:p>
+            <a:pPr algn="ctr">
+              <a:lnSpc>
+                <a:spcPct val="100000"/>
+              </a:lnSpc>
+            </a:pPr>
+            <a:r>
+              <a:rPr b="0" lang="en-GB" sz="1490" spc="-1" strike="noStrike">
+                <a:solidFill>
+                  <a:srgbClr val="000000"/>
+                </a:solidFill>
+                <a:latin typeface="Calibri"/>
+                <a:ea typeface="DejaVu Sans"/>
+              </a:rPr>
+              <a:t>Task</a:t>
+            </a:r>
+            <a:endParaRPr b="0" lang="es-ES" sz="1490" spc="-1" strike="noStrike">
+              <a:solidFill>
+                <a:srgbClr val="000000"/>
+              </a:solidFill>
+              <a:latin typeface="Arial"/>
+            </a:endParaRPr>
+          </a:p>
+          <a:p>
+            <a:pPr algn="ctr">
+              <a:lnSpc>
+                <a:spcPct val="100000"/>
+              </a:lnSpc>
+            </a:pPr>
+            <a:r>
+              <a:rPr b="0" lang="en-GB" sz="1490" spc="-1" strike="noStrike">
+                <a:solidFill>
+                  <a:srgbClr val="000000"/>
+                </a:solidFill>
+                <a:latin typeface="Calibri"/>
+                <a:ea typeface="DejaVu Sans"/>
+              </a:rPr>
+              <a:t>Mapp</a:t>
+            </a:r>
+            <a:endParaRPr b="0" lang="es-ES" sz="1490" spc="-1" strike="noStrike">
+              <a:solidFill>
+                <a:srgbClr val="000000"/>
+              </a:solidFill>
+              <a:latin typeface="Arial"/>
+            </a:endParaRPr>
+          </a:p>
+        </p:txBody>
+      </p:sp>
+      <p:sp>
+        <p:nvSpPr>
+          <p:cNvPr id="252" name="Hexágono 13"/>
+          <p:cNvSpPr/>
+          <p:nvPr/>
+        </p:nvSpPr>
+        <p:spPr>
+          <a:xfrm>
+            <a:off x="828000" y="4140000"/>
+            <a:ext cx="1080000" cy="922680"/>
+          </a:xfrm>
+          <a:prstGeom prst="hexagon">
+            <a:avLst>
+              <a:gd name="adj" fmla="val 25000"/>
+              <a:gd name="vf" fmla="val 115470"/>
+            </a:avLst>
+          </a:prstGeom>
+          <a:solidFill>
+            <a:schemeClr val="accent4">
+              <a:lumMod val="60000"/>
+              <a:lumOff val="40000"/>
+            </a:schemeClr>
+          </a:solidFill>
+          <a:ln>
+            <a:solidFill>
+              <a:srgbClr val="325490"/>
+            </a:solidFill>
+          </a:ln>
+        </p:spPr>
+        <p:style>
+          <a:lnRef idx="2">
+            <a:schemeClr val="accent1">
+              <a:shade val="50000"/>
+            </a:schemeClr>
+          </a:lnRef>
+          <a:fillRef idx="1">
+            <a:schemeClr val="accent1"/>
+          </a:fillRef>
+          <a:effectRef idx="0">
+            <a:schemeClr val="accent1"/>
+          </a:effectRef>
+          <a:fontRef idx="minor"/>
+        </p:style>
+        <p:txBody>
+          <a:bodyPr lIns="90000" rIns="90000" tIns="45000" bIns="45000" anchor="ctr">
+            <a:noAutofit/>
+          </a:bodyPr>
+          <a:p>
+            <a:pPr algn="ctr">
+              <a:lnSpc>
+                <a:spcPct val="100000"/>
+              </a:lnSpc>
+            </a:pPr>
+            <a:r>
+              <a:rPr b="0" lang="en-GB" sz="1490" spc="-1" strike="noStrike">
+                <a:solidFill>
+                  <a:srgbClr val="000000"/>
+                </a:solidFill>
+                <a:latin typeface="Calibri"/>
+                <a:ea typeface="DejaVu Sans"/>
+              </a:rPr>
+              <a:t>Assyst</a:t>
+            </a:r>
+            <a:endParaRPr b="0" lang="es-ES" sz="1490" spc="-1" strike="noStrike">
+              <a:solidFill>
+                <a:srgbClr val="000000"/>
+              </a:solidFill>
+              <a:latin typeface="Arial"/>
+            </a:endParaRPr>
+          </a:p>
+          <a:p>
+            <a:pPr algn="ctr">
+              <a:lnSpc>
+                <a:spcPct val="100000"/>
+              </a:lnSpc>
+            </a:pPr>
+            <a:r>
+              <a:rPr b="0" lang="en-GB" sz="1490" spc="-1" strike="noStrike">
+                <a:solidFill>
+                  <a:srgbClr val="000000"/>
+                </a:solidFill>
+                <a:latin typeface="Calibri"/>
+                <a:ea typeface="DejaVu Sans"/>
+              </a:rPr>
+              <a:t>Bot</a:t>
+            </a:r>
+            <a:endParaRPr b="0" lang="es-ES" sz="1490" spc="-1" strike="noStrike">
+              <a:solidFill>
+                <a:srgbClr val="000000"/>
+              </a:solidFill>
+              <a:latin typeface="Arial"/>
+            </a:endParaRPr>
+          </a:p>
+        </p:txBody>
+      </p:sp>
+      <p:sp>
+        <p:nvSpPr>
+          <p:cNvPr id="253" name="Rectángulo: esquinas redondeadas 35"/>
+          <p:cNvSpPr/>
+          <p:nvPr/>
+        </p:nvSpPr>
+        <p:spPr>
+          <a:xfrm>
+            <a:off x="1944000" y="3278880"/>
+            <a:ext cx="1260000" cy="825120"/>
+          </a:xfrm>
+          <a:prstGeom prst="roundRect">
+            <a:avLst>
+              <a:gd name="adj" fmla="val 16667"/>
+            </a:avLst>
+          </a:prstGeom>
+          <a:solidFill>
+            <a:srgbClr val="ffffff"/>
+          </a:solidFill>
+          <a:ln w="38100">
+            <a:solidFill>
+              <a:srgbClr val="ff8000"/>
+            </a:solidFill>
+          </a:ln>
+        </p:spPr>
+        <p:style>
+          <a:lnRef idx="2">
+            <a:schemeClr val="accent6"/>
+          </a:lnRef>
+          <a:fillRef idx="1">
+            <a:schemeClr val="lt1"/>
+          </a:fillRef>
+          <a:effectRef idx="0">
+            <a:schemeClr val="accent6"/>
+          </a:effectRef>
+          <a:fontRef idx="minor"/>
+        </p:style>
+        <p:txBody>
+          <a:bodyPr lIns="90000" rIns="90000" tIns="45000" bIns="45000" anchor="ctr">
+            <a:noAutofit/>
+          </a:bodyPr>
+          <a:p>
+            <a:pPr algn="ctr">
+              <a:lnSpc>
+                <a:spcPct val="100000"/>
+              </a:lnSpc>
+            </a:pPr>
+            <a:r>
+              <a:rPr b="0" lang="en-GB" sz="1490" spc="-1" strike="noStrike">
+                <a:solidFill>
+                  <a:schemeClr val="dk1"/>
+                </a:solidFill>
+                <a:latin typeface="Calibri"/>
+                <a:ea typeface="DejaVu Sans"/>
+              </a:rPr>
+              <a:t>Actions</a:t>
+            </a:r>
+            <a:endParaRPr b="0" lang="es-ES" sz="1490" spc="-1" strike="noStrike">
+              <a:solidFill>
+                <a:srgbClr val="000000"/>
+              </a:solidFill>
+              <a:latin typeface="Arial"/>
+            </a:endParaRPr>
+          </a:p>
+          <a:p>
+            <a:pPr algn="ctr">
+              <a:lnSpc>
+                <a:spcPct val="100000"/>
+              </a:lnSpc>
+            </a:pPr>
+            <a:r>
+              <a:rPr b="0" lang="en-GB" sz="1490" spc="-1" strike="noStrike">
+                <a:solidFill>
+                  <a:schemeClr val="dk1"/>
+                </a:solidFill>
+                <a:latin typeface="Calibri"/>
+                <a:ea typeface="DejaVu Sans"/>
+              </a:rPr>
+              <a:t>History</a:t>
+            </a:r>
+            <a:endParaRPr b="0" lang="es-ES" sz="1490" spc="-1" strike="noStrike">
+              <a:solidFill>
+                <a:srgbClr val="000000"/>
+              </a:solidFill>
+              <a:latin typeface="Arial"/>
+            </a:endParaRPr>
+          </a:p>
+        </p:txBody>
+      </p:sp>
       <p:cxnSp>
         <p:nvCxnSpPr>
-          <p:cNvPr id="248" name="Conector recto de flecha 3"/>
+          <p:cNvPr id="254" name="Conector: angular 55"/>
           <p:cNvCxnSpPr>
-            <a:stCxn id="240" idx="3"/>
-            <a:endCxn id="214" idx="1"/>
+            <a:stCxn id="218" idx="0"/>
+            <a:endCxn id="244" idx="2"/>
           </p:cNvCxnSpPr>
           <p:nvPr/>
         </p:nvCxnSpPr>
         <p:spPr>
-          <a:xfrm>
-            <a:off x="10235880" y="1449360"/>
-            <a:ext cx="2652480" cy="9000"/>
+          <a:xfrm flipV="1">
+            <a:off x="4356000" y="4177440"/>
+            <a:ext cx="5301360" cy="496440"/>
+          </a:xfrm>
+          <a:prstGeom prst="bentConnector2">
+            <a:avLst/>
+          </a:prstGeom>
+          <a:ln w="38100">
+            <a:solidFill>
+              <a:srgbClr val="ff5429"/>
+            </a:solidFill>
+            <a:round/>
+            <a:tailEnd len="med" type="triangle" w="med"/>
+          </a:ln>
+        </p:spPr>
+      </p:cxnSp>
+      <p:sp>
+        <p:nvSpPr>
+          <p:cNvPr id="213" name="Rectángulo: esquinas redondeadas 21"/>
+          <p:cNvSpPr/>
+          <p:nvPr/>
+        </p:nvSpPr>
+        <p:spPr>
+          <a:xfrm>
+            <a:off x="5891400" y="1399320"/>
+            <a:ext cx="1488600" cy="1300680"/>
+          </a:xfrm>
+          <a:prstGeom prst="roundRect">
+            <a:avLst>
+              <a:gd name="adj" fmla="val 16667"/>
+            </a:avLst>
+          </a:prstGeom>
+          <a:solidFill>
+            <a:srgbClr val="ffffff"/>
+          </a:solidFill>
+          <a:ln w="38100">
+            <a:solidFill>
+              <a:srgbClr val="bf819e"/>
+            </a:solidFill>
+          </a:ln>
+        </p:spPr>
+        <p:style>
+          <a:lnRef idx="2">
+            <a:schemeClr val="accent6"/>
+          </a:lnRef>
+          <a:fillRef idx="1">
+            <a:schemeClr val="lt1"/>
+          </a:fillRef>
+          <a:effectRef idx="0">
+            <a:schemeClr val="accent6"/>
+          </a:effectRef>
+          <a:fontRef idx="minor"/>
+        </p:style>
+        <p:txBody>
+          <a:bodyPr lIns="90000" rIns="90000" tIns="45000" bIns="45000" anchor="ctr">
+            <a:noAutofit/>
+          </a:bodyPr>
+          <a:p>
+            <a:pPr algn="ctr">
+              <a:lnSpc>
+                <a:spcPct val="100000"/>
+              </a:lnSpc>
+            </a:pPr>
+            <a:r>
+              <a:rPr b="0" lang="en-GB" sz="1490" spc="-1" strike="noStrike">
+                <a:solidFill>
+                  <a:schemeClr val="dk1"/>
+                </a:solidFill>
+                <a:latin typeface="Calibri"/>
+                <a:ea typeface="DejaVu Sans"/>
+              </a:rPr>
+              <a:t>Statistical</a:t>
+            </a:r>
+            <a:endParaRPr b="0" lang="es-ES" sz="1490" spc="-1" strike="noStrike">
+              <a:solidFill>
+                <a:srgbClr val="000000"/>
+              </a:solidFill>
+              <a:latin typeface="Arial"/>
+            </a:endParaRPr>
+          </a:p>
+          <a:p>
+            <a:pPr algn="ctr">
+              <a:lnSpc>
+                <a:spcPct val="100000"/>
+              </a:lnSpc>
+            </a:pPr>
+            <a:r>
+              <a:rPr b="0" lang="en-GB" sz="1490" spc="-1" strike="noStrike">
+                <a:solidFill>
+                  <a:schemeClr val="dk1"/>
+                </a:solidFill>
+                <a:latin typeface="Calibri"/>
+                <a:ea typeface="DejaVu Sans"/>
+              </a:rPr>
+              <a:t>Description</a:t>
+            </a:r>
+            <a:endParaRPr b="0" lang="es-ES" sz="1490" spc="-1" strike="noStrike">
+              <a:solidFill>
+                <a:srgbClr val="000000"/>
+              </a:solidFill>
+              <a:latin typeface="Arial"/>
+            </a:endParaRPr>
+          </a:p>
+          <a:p>
+            <a:pPr algn="ctr">
+              <a:lnSpc>
+                <a:spcPct val="100000"/>
+              </a:lnSpc>
+            </a:pPr>
+            <a:r>
+              <a:rPr b="0" lang="en-GB" sz="1490" spc="-1" strike="noStrike">
+                <a:solidFill>
+                  <a:schemeClr val="dk1"/>
+                </a:solidFill>
+                <a:latin typeface="Calibri"/>
+                <a:ea typeface="DejaVu Sans"/>
+              </a:rPr>
+              <a:t>+</a:t>
+            </a:r>
+            <a:endParaRPr b="0" lang="es-ES" sz="1490" spc="-1" strike="noStrike">
+              <a:solidFill>
+                <a:srgbClr val="000000"/>
+              </a:solidFill>
+              <a:latin typeface="Arial"/>
+            </a:endParaRPr>
+          </a:p>
+          <a:p>
+            <a:pPr algn="ctr">
+              <a:lnSpc>
+                <a:spcPct val="100000"/>
+              </a:lnSpc>
+            </a:pPr>
+            <a:r>
+              <a:rPr b="0" lang="en-GB" sz="1490" spc="-1" strike="noStrike">
+                <a:solidFill>
+                  <a:schemeClr val="dk1"/>
+                </a:solidFill>
+                <a:latin typeface="Calibri"/>
+                <a:ea typeface="DejaVu Sans"/>
+              </a:rPr>
+              <a:t>FAIR URI</a:t>
+            </a:r>
+            <a:endParaRPr b="0" lang="es-ES" sz="1490" spc="-1" strike="noStrike">
+              <a:solidFill>
+                <a:srgbClr val="000000"/>
+              </a:solidFill>
+              <a:latin typeface="Arial"/>
+            </a:endParaRPr>
+          </a:p>
+        </p:txBody>
+      </p:sp>
+      <p:sp>
+        <p:nvSpPr>
+          <p:cNvPr id="255" name="Rectángulo: esquinas redondeadas 34"/>
+          <p:cNvSpPr/>
+          <p:nvPr/>
+        </p:nvSpPr>
+        <p:spPr>
+          <a:xfrm>
+            <a:off x="180000" y="6120000"/>
+            <a:ext cx="3780000" cy="3736080"/>
+          </a:xfrm>
+          <a:prstGeom prst="roundRect">
+            <a:avLst>
+              <a:gd name="adj" fmla="val 5287"/>
+            </a:avLst>
+          </a:prstGeom>
+          <a:solidFill>
+            <a:srgbClr val="ffdbb6"/>
+          </a:solidFill>
+          <a:ln w="38100">
+            <a:solidFill>
+              <a:srgbClr val="333333"/>
+            </a:solidFill>
+          </a:ln>
+        </p:spPr>
+        <p:style>
+          <a:lnRef idx="2">
+            <a:schemeClr val="accent6"/>
+          </a:lnRef>
+          <a:fillRef idx="1">
+            <a:schemeClr val="lt1"/>
+          </a:fillRef>
+          <a:effectRef idx="0">
+            <a:schemeClr val="accent6"/>
+          </a:effectRef>
+          <a:fontRef idx="minor"/>
+        </p:style>
+        <p:txBody>
+          <a:bodyPr lIns="90000" rIns="90000" tIns="45000" bIns="45000" anchor="ctr">
+            <a:noAutofit/>
+          </a:bodyPr>
+          <a:p>
+            <a:endParaRPr b="0" lang="es-ES" sz="2940" spc="-1" strike="noStrike">
+              <a:solidFill>
+                <a:srgbClr val="000000"/>
+              </a:solidFill>
+              <a:latin typeface="Arial"/>
+            </a:endParaRPr>
+          </a:p>
+        </p:txBody>
+      </p:sp>
+      <p:sp>
+        <p:nvSpPr>
+          <p:cNvPr id="256" name="Rectángulo: esquinas redondeadas 11"/>
+          <p:cNvSpPr/>
+          <p:nvPr/>
+        </p:nvSpPr>
+        <p:spPr>
+          <a:xfrm>
+            <a:off x="1946880" y="7299720"/>
+            <a:ext cx="933120" cy="614880"/>
+          </a:xfrm>
+          <a:prstGeom prst="roundRect">
+            <a:avLst>
+              <a:gd name="adj" fmla="val 16667"/>
+            </a:avLst>
+          </a:prstGeom>
+          <a:solidFill>
+            <a:schemeClr val="accent1">
+              <a:lumMod val="40000"/>
+              <a:lumOff val="60000"/>
+            </a:schemeClr>
+          </a:solidFill>
+          <a:ln>
+            <a:solidFill>
+              <a:srgbClr val="70ad47"/>
+            </a:solidFill>
+          </a:ln>
+        </p:spPr>
+        <p:style>
+          <a:lnRef idx="2">
+            <a:schemeClr val="accent6"/>
+          </a:lnRef>
+          <a:fillRef idx="1">
+            <a:schemeClr val="lt1"/>
+          </a:fillRef>
+          <a:effectRef idx="0">
+            <a:schemeClr val="accent6"/>
+          </a:effectRef>
+          <a:fontRef idx="minor"/>
+        </p:style>
+        <p:txBody>
+          <a:bodyPr lIns="90000" rIns="90000" tIns="45000" bIns="45000" anchor="ctr">
+            <a:noAutofit/>
+          </a:bodyPr>
+          <a:p>
+            <a:pPr algn="ctr">
+              <a:lnSpc>
+                <a:spcPct val="100000"/>
+              </a:lnSpc>
+            </a:pPr>
+            <a:r>
+              <a:rPr b="0" lang="en-GB" sz="1490" spc="-1" strike="noStrike">
+                <a:solidFill>
+                  <a:schemeClr val="dk1"/>
+                </a:solidFill>
+                <a:latin typeface="Calibri"/>
+                <a:ea typeface="DejaVu Sans"/>
+              </a:rPr>
+              <a:t>prompt</a:t>
+            </a:r>
+            <a:endParaRPr b="0" lang="es-ES" sz="1490" spc="-1" strike="noStrike">
+              <a:solidFill>
+                <a:srgbClr val="000000"/>
+              </a:solidFill>
+              <a:latin typeface="Arial"/>
+            </a:endParaRPr>
+          </a:p>
+        </p:txBody>
+      </p:sp>
+      <p:cxnSp>
+        <p:nvCxnSpPr>
+          <p:cNvPr id="257" name="Conector: angular 3"/>
+          <p:cNvCxnSpPr>
+            <a:stCxn id="258" idx="0"/>
+            <a:endCxn id="256" idx="1"/>
+          </p:cNvCxnSpPr>
+          <p:nvPr/>
+        </p:nvCxnSpPr>
+        <p:spPr>
+          <a:xfrm flipH="1" flipV="1" rot="5400000">
+            <a:off x="1163880" y="7342920"/>
+            <a:ext cx="519120" cy="1047240"/>
+          </a:xfrm>
+          <a:prstGeom prst="bentConnector2">
+            <a:avLst/>
+          </a:prstGeom>
+          <a:ln w="38100">
+            <a:solidFill>
+              <a:srgbClr val="000000"/>
+            </a:solidFill>
+            <a:round/>
+            <a:tailEnd len="med" type="triangle" w="med"/>
+          </a:ln>
+        </p:spPr>
+      </p:cxnSp>
+      <p:sp>
+        <p:nvSpPr>
+          <p:cNvPr id="259" name="Rectángulo: esquinas redondeadas 1"/>
+          <p:cNvSpPr/>
+          <p:nvPr/>
+        </p:nvSpPr>
+        <p:spPr>
+          <a:xfrm>
+            <a:off x="2447640" y="8636400"/>
+            <a:ext cx="986400" cy="539640"/>
+          </a:xfrm>
+          <a:prstGeom prst="roundRect">
+            <a:avLst>
+              <a:gd name="adj" fmla="val 16667"/>
+            </a:avLst>
+          </a:prstGeom>
+          <a:solidFill>
+            <a:schemeClr val="accent1">
+              <a:lumMod val="40000"/>
+              <a:lumOff val="60000"/>
+            </a:schemeClr>
+          </a:solidFill>
+          <a:ln>
+            <a:solidFill>
+              <a:srgbClr val="70ad47"/>
+            </a:solidFill>
+          </a:ln>
+        </p:spPr>
+        <p:style>
+          <a:lnRef idx="2">
+            <a:schemeClr val="accent6"/>
+          </a:lnRef>
+          <a:fillRef idx="1">
+            <a:schemeClr val="lt1"/>
+          </a:fillRef>
+          <a:effectRef idx="0">
+            <a:schemeClr val="accent6"/>
+          </a:effectRef>
+          <a:fontRef idx="minor"/>
+        </p:style>
+        <p:txBody>
+          <a:bodyPr lIns="90000" rIns="90000" tIns="45000" bIns="45000" anchor="ctr">
+            <a:noAutofit/>
+          </a:bodyPr>
+          <a:p>
+            <a:pPr algn="ctr">
+              <a:lnSpc>
+                <a:spcPct val="100000"/>
+              </a:lnSpc>
+            </a:pPr>
+            <a:r>
+              <a:rPr b="0" lang="en-GB" sz="1490" spc="-1" strike="noStrike">
+                <a:solidFill>
+                  <a:schemeClr val="dk1"/>
+                </a:solidFill>
+                <a:latin typeface="Calibri"/>
+                <a:ea typeface="DejaVu Sans"/>
+              </a:rPr>
+              <a:t>prompt’</a:t>
+            </a:r>
+            <a:endParaRPr b="0" lang="es-ES" sz="1490" spc="-1" strike="noStrike">
+              <a:solidFill>
+                <a:srgbClr val="000000"/>
+              </a:solidFill>
+              <a:latin typeface="Arial"/>
+            </a:endParaRPr>
+          </a:p>
+        </p:txBody>
+      </p:sp>
+      <p:cxnSp>
+        <p:nvCxnSpPr>
+          <p:cNvPr id="260" name="Conector recto de flecha 7"/>
+          <p:cNvCxnSpPr>
+            <a:stCxn id="259" idx="1"/>
+            <a:endCxn id="258" idx="3"/>
+          </p:cNvCxnSpPr>
+          <p:nvPr/>
+        </p:nvCxnSpPr>
+        <p:spPr>
+          <a:xfrm flipH="1">
+            <a:off x="1620000" y="8906040"/>
+            <a:ext cx="828000" cy="6480"/>
+          </a:xfrm>
+          <a:prstGeom prst="straightConnector1">
+            <a:avLst/>
+          </a:prstGeom>
+          <a:ln w="38100">
+            <a:solidFill>
+              <a:srgbClr val="000000"/>
+            </a:solidFill>
+            <a:round/>
+            <a:tailEnd len="med" type="triangle" w="med"/>
+          </a:ln>
+        </p:spPr>
+      </p:cxnSp>
+      <p:pic>
+        <p:nvPicPr>
+          <p:cNvPr id="261" name="" descr=""/>
+          <p:cNvPicPr/>
+          <p:nvPr/>
+        </p:nvPicPr>
+        <p:blipFill>
+          <a:blip r:embed="rId1"/>
+          <a:stretch/>
+        </p:blipFill>
+        <p:spPr>
+          <a:xfrm>
+            <a:off x="180000" y="8125920"/>
+            <a:ext cx="1440000" cy="1572840"/>
+          </a:xfrm>
+          <a:prstGeom prst="rect">
+            <a:avLst/>
+          </a:prstGeom>
+          <a:ln w="0">
+            <a:noFill/>
+          </a:ln>
+        </p:spPr>
+      </p:pic>
+      <p:sp>
+        <p:nvSpPr>
+          <p:cNvPr id="262" name="Rectángulo: esquinas redondeadas 36"/>
+          <p:cNvSpPr/>
+          <p:nvPr/>
+        </p:nvSpPr>
+        <p:spPr>
+          <a:xfrm>
+            <a:off x="540000" y="6434640"/>
+            <a:ext cx="1080000" cy="576720"/>
+          </a:xfrm>
+          <a:prstGeom prst="roundRect">
+            <a:avLst>
+              <a:gd name="adj" fmla="val 16667"/>
+            </a:avLst>
+          </a:prstGeom>
+          <a:solidFill>
+            <a:srgbClr val="ffffff"/>
+          </a:solidFill>
+          <a:ln w="38100">
+            <a:solidFill>
+              <a:srgbClr val="168253"/>
+            </a:solidFill>
+          </a:ln>
+        </p:spPr>
+        <p:style>
+          <a:lnRef idx="2">
+            <a:schemeClr val="accent6"/>
+          </a:lnRef>
+          <a:fillRef idx="1">
+            <a:schemeClr val="lt1"/>
+          </a:fillRef>
+          <a:effectRef idx="0">
+            <a:schemeClr val="accent6"/>
+          </a:effectRef>
+          <a:fontRef idx="minor"/>
+        </p:style>
+        <p:txBody>
+          <a:bodyPr lIns="90000" rIns="90000" tIns="45000" bIns="45000" anchor="ctr">
+            <a:noAutofit/>
+          </a:bodyPr>
+          <a:p>
+            <a:pPr algn="ctr">
+              <a:lnSpc>
+                <a:spcPct val="100000"/>
+              </a:lnSpc>
+            </a:pPr>
+            <a:r>
+              <a:rPr b="0" lang="en-GB" sz="1490" spc="-1" strike="noStrike">
+                <a:solidFill>
+                  <a:schemeClr val="dk1"/>
+                </a:solidFill>
+                <a:latin typeface="Calibri"/>
+                <a:ea typeface="DejaVu Sans"/>
+              </a:rPr>
+              <a:t>Help</a:t>
+            </a:r>
+            <a:endParaRPr b="0" lang="es-ES" sz="1490" spc="-1" strike="noStrike">
+              <a:solidFill>
+                <a:srgbClr val="000000"/>
+              </a:solidFill>
+              <a:latin typeface="Arial"/>
+            </a:endParaRPr>
+          </a:p>
+        </p:txBody>
+      </p:sp>
+      <p:sp>
+        <p:nvSpPr>
+          <p:cNvPr id="263" name=""/>
+          <p:cNvSpPr txBox="1"/>
+          <p:nvPr/>
+        </p:nvSpPr>
+        <p:spPr>
+          <a:xfrm>
+            <a:off x="1224000" y="9477720"/>
+            <a:ext cx="2700000" cy="387720"/>
+          </a:xfrm>
+          <a:prstGeom prst="rect">
+            <a:avLst/>
+          </a:prstGeom>
+          <a:noFill/>
+          <a:ln w="0">
+            <a:noFill/>
+          </a:ln>
+        </p:spPr>
+        <p:txBody>
+          <a:bodyPr lIns="90000" rIns="90000" tIns="45000" bIns="45000" anchor="t">
+            <a:noAutofit/>
+          </a:bodyPr>
+          <a:p>
+            <a:r>
+              <a:rPr b="0" lang="es-ES" sz="2090" spc="-1" strike="noStrike">
+                <a:solidFill>
+                  <a:srgbClr val="000000"/>
+                </a:solidFill>
+                <a:latin typeface="Arial"/>
+              </a:rPr>
+              <a:t>GUI:User Interaction</a:t>
+            </a:r>
+            <a:endParaRPr b="0" lang="es-ES" sz="2090" spc="-1" strike="noStrike">
+              <a:solidFill>
+                <a:srgbClr val="000000"/>
+              </a:solidFill>
+              <a:latin typeface="Arial"/>
+            </a:endParaRPr>
+          </a:p>
+        </p:txBody>
+      </p:sp>
+      <p:cxnSp>
+        <p:nvCxnSpPr>
+          <p:cNvPr id="264" name="Conector recto de flecha 3"/>
+          <p:cNvCxnSpPr>
+            <a:stCxn id="242" idx="3"/>
+            <a:endCxn id="223" idx="1"/>
+          </p:cNvCxnSpPr>
+          <p:nvPr/>
+        </p:nvCxnSpPr>
+        <p:spPr>
+          <a:xfrm>
+            <a:off x="10380240" y="819720"/>
+            <a:ext cx="2579760" cy="14400"/>
           </a:xfrm>
           <a:prstGeom prst="straightConnector1">
             <a:avLst/>
@@ -6216,17 +7093,17 @@
       </p:cxnSp>
       <p:cxnSp>
         <p:nvCxnSpPr>
-          <p:cNvPr id="249" name="Conector: angular 19"/>
+          <p:cNvPr id="265" name="Conector: angular 19"/>
           <p:cNvCxnSpPr>
-            <a:stCxn id="232" idx="3"/>
-            <a:endCxn id="242" idx="2"/>
+            <a:stCxn id="233" idx="3"/>
+            <a:endCxn id="244" idx="2"/>
           </p:cNvCxnSpPr>
           <p:nvPr/>
         </p:nvCxnSpPr>
         <p:spPr>
           <a:xfrm flipV="1">
-            <a:off x="9684000" y="4777200"/>
-            <a:ext cx="178200" cy="2194560"/>
+            <a:off x="9792000" y="4177440"/>
+            <a:ext cx="250200" cy="3981600"/>
           </a:xfrm>
           <a:prstGeom prst="bentConnector2">
             <a:avLst/>
@@ -6242,17 +7119,17 @@
       </p:cxnSp>
       <p:cxnSp>
         <p:nvCxnSpPr>
-          <p:cNvPr id="250" name="Conector recto de flecha 12"/>
+          <p:cNvPr id="266" name="Conector recto de flecha 12"/>
           <p:cNvCxnSpPr>
-            <a:stCxn id="211" idx="3"/>
-            <a:endCxn id="240" idx="1"/>
+            <a:stCxn id="222" idx="3"/>
+            <a:endCxn id="242" idx="1"/>
           </p:cNvCxnSpPr>
           <p:nvPr/>
         </p:nvCxnSpPr>
         <p:spPr>
           <a:xfrm>
-            <a:off x="1980000" y="1386000"/>
-            <a:ext cx="7200360" cy="63720"/>
+            <a:off x="1979640" y="785880"/>
+            <a:ext cx="7345080" cy="34200"/>
           </a:xfrm>
           <a:prstGeom prst="straightConnector1">
             <a:avLst/>
@@ -6266,16 +7143,178 @@
           </a:ln>
         </p:spPr>
       </p:cxnSp>
-      <p:sp>
-        <p:nvSpPr>
-          <p:cNvPr id="251" name=""/>
+      <p:cxnSp>
+        <p:nvCxnSpPr>
+          <p:cNvPr id="267" name="Conector: angular 52"/>
+          <p:cNvCxnSpPr>
+            <a:endCxn id="214" idx="4"/>
+          </p:cNvCxnSpPr>
+          <p:nvPr/>
+        </p:nvCxnSpPr>
+        <p:spPr>
+          <a:xfrm flipH="1" rot="16200000">
+            <a:off x="4761720" y="4125600"/>
+            <a:ext cx="1644120" cy="2849040"/>
+          </a:xfrm>
+          <a:prstGeom prst="bentConnector3">
+            <a:avLst>
+              <a:gd name="adj1" fmla="val -591"/>
+            </a:avLst>
+          </a:prstGeom>
+          <a:ln w="38100">
+            <a:solidFill>
+              <a:srgbClr val="ff5429"/>
+            </a:solidFill>
+            <a:round/>
+            <a:tailEnd len="med" type="triangle" w="med"/>
+          </a:ln>
+        </p:spPr>
+      </p:cxnSp>
+      <p:cxnSp>
+        <p:nvCxnSpPr>
+          <p:cNvPr id="268" name="Conector: angular 56"/>
+          <p:cNvCxnSpPr>
+            <a:endCxn id="216" idx="5"/>
+          </p:cNvCxnSpPr>
+          <p:nvPr/>
+        </p:nvCxnSpPr>
+        <p:spPr>
+          <a:xfrm flipH="1" rot="16200000">
+            <a:off x="4145040" y="4752360"/>
+            <a:ext cx="1581480" cy="1514520"/>
+          </a:xfrm>
+          <a:prstGeom prst="bentConnector3">
+            <a:avLst>
+              <a:gd name="adj1" fmla="val -22"/>
+            </a:avLst>
+          </a:prstGeom>
+          <a:ln w="38100">
+            <a:solidFill>
+              <a:srgbClr val="ff5429"/>
+            </a:solidFill>
+            <a:round/>
+            <a:tailEnd len="med" type="triangle" w="med"/>
+          </a:ln>
+        </p:spPr>
+      </p:cxnSp>
+      <p:cxnSp>
+        <p:nvCxnSpPr>
+          <p:cNvPr id="269" name="Conector: angular 50"/>
+          <p:cNvCxnSpPr>
+            <a:stCxn id="256" idx="3"/>
+            <a:endCxn id="216" idx="3"/>
+          </p:cNvCxnSpPr>
+          <p:nvPr/>
+        </p:nvCxnSpPr>
+        <p:spPr>
+          <a:xfrm flipV="1">
+            <a:off x="2880000" y="6924960"/>
+            <a:ext cx="1771560" cy="682560"/>
+          </a:xfrm>
+          <a:prstGeom prst="bentConnector3">
+            <a:avLst>
+              <a:gd name="adj1" fmla="val 52845"/>
+            </a:avLst>
+          </a:prstGeom>
+          <a:ln w="38100">
+            <a:solidFill>
+              <a:srgbClr val="000000"/>
+            </a:solidFill>
+            <a:round/>
+            <a:tailEnd len="med" type="triangle" w="med"/>
+          </a:ln>
+        </p:spPr>
+      </p:cxnSp>
+      <p:cxnSp>
+        <p:nvCxnSpPr>
+          <p:cNvPr id="270" name="Conector: angular 48"/>
+          <p:cNvCxnSpPr>
+            <a:stCxn id="252" idx="2"/>
+            <a:endCxn id="262" idx="0"/>
+          </p:cNvCxnSpPr>
+          <p:nvPr/>
+        </p:nvCxnSpPr>
+        <p:spPr>
+          <a:xfrm rot="5400000">
+            <a:off x="537840" y="5604480"/>
+            <a:ext cx="1372320" cy="288360"/>
+          </a:xfrm>
+          <a:prstGeom prst="bentConnector3">
+            <a:avLst>
+              <a:gd name="adj1" fmla="val 49514"/>
+            </a:avLst>
+          </a:prstGeom>
+          <a:ln w="38100">
+            <a:solidFill>
+              <a:srgbClr val="000000"/>
+            </a:solidFill>
+            <a:round/>
+            <a:tailEnd len="med" type="triangle" w="med"/>
+          </a:ln>
+        </p:spPr>
+      </p:cxnSp>
+      <p:cxnSp>
+        <p:nvCxnSpPr>
+          <p:cNvPr id="271" name="Conector: angular 20"/>
+          <p:cNvCxnSpPr>
+            <a:stCxn id="256" idx="3"/>
+            <a:endCxn id="218" idx="2"/>
+          </p:cNvCxnSpPr>
+          <p:nvPr/>
+        </p:nvCxnSpPr>
+        <p:spPr>
+          <a:xfrm flipV="1">
+            <a:off x="2880000" y="5098680"/>
+            <a:ext cx="936360" cy="2508840"/>
+          </a:xfrm>
+          <a:prstGeom prst="bentConnector2">
+            <a:avLst/>
+          </a:prstGeom>
+          <a:ln w="38100">
+            <a:solidFill>
+              <a:srgbClr val="000000"/>
+            </a:solidFill>
+            <a:round/>
+            <a:tailEnd len="med" type="triangle" w="med"/>
+          </a:ln>
+        </p:spPr>
+      </p:cxnSp>
+      <p:cxnSp>
+        <p:nvCxnSpPr>
+          <p:cNvPr id="272" name="Conector: angular 6"/>
+          <p:cNvCxnSpPr>
+            <a:stCxn id="216" idx="2"/>
+            <a:endCxn id="259" idx="3"/>
+          </p:cNvCxnSpPr>
+          <p:nvPr/>
+        </p:nvCxnSpPr>
+        <p:spPr>
+          <a:xfrm rot="5400000">
+            <a:off x="3702600" y="7281000"/>
+            <a:ext cx="1356840" cy="1894320"/>
+          </a:xfrm>
+          <a:prstGeom prst="bentConnector2">
+            <a:avLst/>
+          </a:prstGeom>
+          <a:ln w="38100">
+            <a:solidFill>
+              <a:srgbClr val="000000"/>
+            </a:solidFill>
+            <a:round/>
+            <a:tailEnd len="med" type="triangle" w="med"/>
+          </a:ln>
+        </p:spPr>
+      </p:cxnSp>
+      <p:sp>
+        <p:nvSpPr>
+          <p:cNvPr id="273" name=""/>
           <p:cNvSpPr txBox="1"/>
           <p:nvPr/>
         </p:nvSpPr>
         <p:spPr>
           <a:xfrm>
-            <a:off x="1008000" y="756000"/>
-            <a:ext cx="866520" cy="346320"/>
+            <a:off x="7416000" y="5950440"/>
+            <a:ext cx="2700000" cy="346320"/>
           </a:xfrm>
           <a:prstGeom prst="rect">
             <a:avLst/>
@@ -6297,7 +7336,7 @@
                 </a:solidFill>
                 <a:latin typeface="Arial"/>
               </a:rPr>
-              <a:t>INPUT</a:t>
+              <a:t>SCHEMA DEFINITION</a:t>
             </a:r>
             <a:endParaRPr b="0" lang="es-ES" sz="1800" spc="-1" strike="noStrike">
               <a:solidFill>
@@ -6310,14 +7349,14 @@
       </p:sp>
       <p:sp>
         <p:nvSpPr>
-          <p:cNvPr id="252" name=""/>
+          <p:cNvPr id="274" name=""/>
           <p:cNvSpPr txBox="1"/>
           <p:nvPr/>
         </p:nvSpPr>
         <p:spPr>
           <a:xfrm>
-            <a:off x="12921480" y="828000"/>
-            <a:ext cx="1121040" cy="346320"/>
+            <a:off x="12456000" y="9981720"/>
+            <a:ext cx="1595160" cy="602280"/>
           </a:xfrm>
           <a:prstGeom prst="rect">
             <a:avLst/>
@@ -6339,7 +7378,7 @@
                 </a:solidFill>
                 <a:latin typeface="Arial"/>
               </a:rPr>
-              <a:t>OUTPUT</a:t>
+              <a:t>ONTOLOGY</a:t>
             </a:r>
             <a:endParaRPr b="0" lang="es-ES" sz="1800" spc="-1" strike="noStrike">
               <a:solidFill>
@@ -6352,14 +7391,14 @@
       </p:sp>
       <p:sp>
         <p:nvSpPr>
-          <p:cNvPr id="253" name=""/>
+          <p:cNvPr id="275" name=""/>
           <p:cNvSpPr txBox="1"/>
           <p:nvPr/>
         </p:nvSpPr>
         <p:spPr>
           <a:xfrm>
-            <a:off x="8388000" y="1980000"/>
-            <a:ext cx="1121040" cy="346320"/>
+            <a:off x="3444840" y="2457720"/>
+            <a:ext cx="2495160" cy="346320"/>
           </a:xfrm>
           <a:prstGeom prst="rect">
             <a:avLst/>
@@ -6381,7 +7420,7 @@
                 </a:solidFill>
                 <a:latin typeface="Arial"/>
               </a:rPr>
-              <a:t>OUTPUT</a:t>
+              <a:t>DATA PROCESSING</a:t>
             </a:r>
             <a:endParaRPr b="0" lang="es-ES" sz="1800" spc="-1" strike="noStrike">
               <a:solidFill>
@@ -6394,14 +7433,14 @@
       </p:sp>
       <p:sp>
         <p:nvSpPr>
-          <p:cNvPr id="254" name=""/>
+          <p:cNvPr id="276" name=""/>
           <p:cNvSpPr txBox="1"/>
           <p:nvPr/>
         </p:nvSpPr>
         <p:spPr>
           <a:xfrm>
-            <a:off x="12558960" y="6192000"/>
-            <a:ext cx="1121040" cy="346320"/>
+            <a:off x="1395360" y="5220000"/>
+            <a:ext cx="2495160" cy="346320"/>
           </a:xfrm>
           <a:prstGeom prst="rect">
             <a:avLst/>
@@ -6423,7 +7462,7 @@
                 </a:solidFill>
                 <a:latin typeface="Arial"/>
               </a:rPr>
-              <a:t>OUTPUT</a:t>
+              <a:t>ACTIONS MANAGER</a:t>
             </a:r>
             <a:endParaRPr b="0" lang="es-ES" sz="1800" spc="-1" strike="noStrike">
               <a:solidFill>
@@ -6434,6 +7473,58 @@
           </a:p>
         </p:txBody>
       </p:sp>
+      <p:cxnSp>
+        <p:nvCxnSpPr>
+          <p:cNvPr id="277" name="Conector: angular 61"/>
+          <p:cNvCxnSpPr>
+            <a:stCxn id="253" idx="1"/>
+            <a:endCxn id="252" idx="0"/>
+          </p:cNvCxnSpPr>
+          <p:nvPr/>
+        </p:nvCxnSpPr>
+        <p:spPr>
+          <a:xfrm flipV="1" rot="10800000">
+            <a:off x="1368000" y="3691440"/>
+            <a:ext cx="576360" cy="448920"/>
+          </a:xfrm>
+          <a:prstGeom prst="bentConnector2">
+            <a:avLst/>
+          </a:prstGeom>
+          <a:ln w="38100">
+            <a:solidFill>
+              <a:srgbClr val="000000"/>
+            </a:solidFill>
+            <a:round/>
+            <a:tailEnd len="med" type="triangle" w="med"/>
+          </a:ln>
+        </p:spPr>
+      </p:cxnSp>
+      <p:cxnSp>
+        <p:nvCxnSpPr>
+          <p:cNvPr id="278" name="Conector: angular 62"/>
+          <p:cNvCxnSpPr>
+            <a:stCxn id="253" idx="3"/>
+            <a:endCxn id="218" idx="0"/>
+          </p:cNvCxnSpPr>
+          <p:nvPr/>
+        </p:nvCxnSpPr>
+        <p:spPr>
+          <a:xfrm>
+            <a:off x="3204000" y="3691440"/>
+            <a:ext cx="612360" cy="556920"/>
+          </a:xfrm>
+          <a:prstGeom prst="bentConnector2">
+            <a:avLst/>
+          </a:prstGeom>
+          <a:ln w="38100">
+            <a:solidFill>
+              <a:srgbClr val="000000"/>
+            </a:solidFill>
+            <a:round/>
+            <a:tailEnd len="med" type="triangle" w="med"/>
+          </a:ln>
+        </p:spPr>
+      </p:cxnSp>
     </p:spTree>
   </p:cSld>
   <mc:AlternateContent>
@@ -6466,14 +7557,14 @@
       </p:grpSpPr>
       <p:sp>
         <p:nvSpPr>
-          <p:cNvPr id="255" name="Rectángulo: esquinas redondeadas 22"/>
+          <p:cNvPr id="279" name="Rectángulo: esquinas redondeadas 22"/>
           <p:cNvSpPr/>
           <p:nvPr/>
         </p:nvSpPr>
         <p:spPr>
           <a:xfrm>
-            <a:off x="1400040" y="4348800"/>
-            <a:ext cx="1486800" cy="919800"/>
+            <a:off x="1400040" y="5065920"/>
+            <a:ext cx="1486800" cy="1071720"/>
           </a:xfrm>
           <a:prstGeom prst="roundRect">
             <a:avLst>
@@ -6535,17 +7626,17 @@
       </p:sp>
       <p:cxnSp>
         <p:nvCxnSpPr>
-          <p:cNvPr id="256" name="Conector: angular 22"/>
+          <p:cNvPr id="280" name="Conector: angular 22"/>
           <p:cNvCxnSpPr>
-            <a:stCxn id="257" idx="2"/>
-            <a:endCxn id="255" idx="1"/>
+            <a:stCxn id="281" idx="2"/>
+            <a:endCxn id="279" idx="1"/>
           </p:cNvCxnSpPr>
           <p:nvPr/>
         </p:nvCxnSpPr>
         <p:spPr>
           <a:xfrm flipH="1" rot="16200000">
-            <a:off x="747000" y="4155480"/>
-            <a:ext cx="808920" cy="497880"/>
+            <a:off x="680040" y="4881600"/>
+            <a:ext cx="942120" cy="498240"/>
           </a:xfrm>
           <a:prstGeom prst="bentConnector2">
             <a:avLst/>
@@ -6561,17 +7652,17 @@
       </p:cxnSp>
       <p:cxnSp>
         <p:nvCxnSpPr>
-          <p:cNvPr id="258" name="Conector recto de flecha 1"/>
+          <p:cNvPr id="282" name="Conector recto de flecha 1"/>
           <p:cNvCxnSpPr>
-            <a:stCxn id="255" idx="3"/>
-            <a:endCxn id="259" idx="3"/>
+            <a:stCxn id="279" idx="3"/>
+            <a:endCxn id="283" idx="3"/>
           </p:cNvCxnSpPr>
           <p:nvPr/>
         </p:nvCxnSpPr>
         <p:spPr>
           <a:xfrm>
-            <a:off x="2886840" y="4808520"/>
-            <a:ext cx="722160" cy="17280"/>
+            <a:off x="2886840" y="5601600"/>
+            <a:ext cx="1253520" cy="20160"/>
           </a:xfrm>
           <a:prstGeom prst="straightConnector1">
             <a:avLst/>
@@ -6587,14 +7678,14 @@
       </p:cxnSp>
       <p:sp>
         <p:nvSpPr>
-          <p:cNvPr id="259" name="Hexágono 5"/>
+          <p:cNvPr id="283" name="Hexágono 5"/>
           <p:cNvSpPr/>
           <p:nvPr/>
         </p:nvSpPr>
         <p:spPr>
           <a:xfrm>
-            <a:off x="3608640" y="4236840"/>
-            <a:ext cx="2062080" cy="1177200"/>
+            <a:off x="4140000" y="4935600"/>
+            <a:ext cx="1530360" cy="1371600"/>
           </a:xfrm>
           <a:prstGeom prst="hexagon">
             <a:avLst>
@@ -6682,14 +7773,14 @@
       </p:sp>
       <p:sp>
         <p:nvSpPr>
-          <p:cNvPr id="260" name="Hexágono 6"/>
+          <p:cNvPr id="284" name="Hexágono 6"/>
           <p:cNvSpPr/>
           <p:nvPr/>
         </p:nvSpPr>
         <p:spPr>
           <a:xfrm>
-            <a:off x="1804320" y="6767280"/>
-            <a:ext cx="2062080" cy="1482120"/>
+            <a:off x="2160000" y="7884000"/>
+            <a:ext cx="1706040" cy="1726920"/>
           </a:xfrm>
           <a:prstGeom prst="hexagon">
             <a:avLst>
@@ -6777,21 +7868,21 @@
       </p:sp>
       <p:cxnSp>
         <p:nvCxnSpPr>
-          <p:cNvPr id="261" name="Conector: angular 24"/>
+          <p:cNvPr id="285" name="Conector: angular 24"/>
           <p:cNvCxnSpPr>
-            <a:stCxn id="255" idx="2"/>
-            <a:endCxn id="260" idx="0"/>
+            <a:stCxn id="279" idx="2"/>
+            <a:endCxn id="284" idx="0"/>
           </p:cNvCxnSpPr>
           <p:nvPr/>
         </p:nvCxnSpPr>
         <p:spPr>
           <a:xfrm flipH="1" rot="16200000">
-            <a:off x="1740240" y="5671800"/>
-            <a:ext cx="1499040" cy="692280"/>
+            <a:off x="1704960" y="6575760"/>
+            <a:ext cx="1746720" cy="869760"/>
           </a:xfrm>
           <a:prstGeom prst="bentConnector3">
             <a:avLst>
-              <a:gd name="adj1" fmla="val 49987"/>
+              <a:gd name="adj1" fmla="val 49989"/>
             </a:avLst>
           </a:prstGeom>
           <a:ln w="38100">
@@ -6805,14 +7896,14 @@
       </p:cxnSp>
       <p:sp>
         <p:nvSpPr>
-          <p:cNvPr id="262" name="Rectángulo: esquinas redondeadas 23"/>
+          <p:cNvPr id="286" name="Rectángulo: esquinas redondeadas 23"/>
           <p:cNvSpPr/>
           <p:nvPr/>
         </p:nvSpPr>
         <p:spPr>
           <a:xfrm>
-            <a:off x="3917880" y="6238080"/>
-            <a:ext cx="2208600" cy="919800"/>
+            <a:off x="4500000" y="7266600"/>
+            <a:ext cx="1626480" cy="1072080"/>
           </a:xfrm>
           <a:prstGeom prst="roundRect">
             <a:avLst>
@@ -6871,21 +7962,21 @@
       </p:sp>
       <p:cxnSp>
         <p:nvCxnSpPr>
-          <p:cNvPr id="263" name="Conector: angular 25"/>
+          <p:cNvPr id="287" name="Conector: angular 25"/>
           <p:cNvCxnSpPr>
-            <a:stCxn id="259" idx="2"/>
-            <a:endCxn id="262" idx="0"/>
+            <a:stCxn id="283" idx="2"/>
+            <a:endCxn id="286" idx="0"/>
           </p:cNvCxnSpPr>
           <p:nvPr/>
         </p:nvCxnSpPr>
         <p:spPr>
           <a:xfrm flipH="1" rot="16200000">
-            <a:off x="4419000" y="5634720"/>
-            <a:ext cx="824400" cy="382680"/>
+            <a:off x="4629600" y="6582600"/>
+            <a:ext cx="959760" cy="408600"/>
           </a:xfrm>
           <a:prstGeom prst="bentConnector3">
             <a:avLst>
-              <a:gd name="adj1" fmla="val 49191"/>
+              <a:gd name="adj1" fmla="val 49343"/>
             </a:avLst>
           </a:prstGeom>
           <a:ln w="38100">
@@ -6899,14 +7990,14 @@
       </p:cxnSp>
       <p:sp>
         <p:nvSpPr>
-          <p:cNvPr id="264" name="Rectángulo: esquinas redondeadas 25"/>
+          <p:cNvPr id="288" name="Rectángulo: esquinas redondeadas 25"/>
           <p:cNvSpPr/>
           <p:nvPr/>
         </p:nvSpPr>
         <p:spPr>
           <a:xfrm>
-            <a:off x="12432240" y="7997040"/>
-            <a:ext cx="1486800" cy="919800"/>
+            <a:off x="12432240" y="9316440"/>
+            <a:ext cx="1486800" cy="1071720"/>
           </a:xfrm>
           <a:prstGeom prst="roundRect">
             <a:avLst>
@@ -6968,17 +8059,17 @@
       </p:sp>
       <p:cxnSp>
         <p:nvCxnSpPr>
-          <p:cNvPr id="265" name="Conector: angular 27"/>
+          <p:cNvPr id="289" name="Conector: angular 27"/>
           <p:cNvCxnSpPr>
-            <a:stCxn id="262" idx="2"/>
-            <a:endCxn id="260" idx="0"/>
+            <a:stCxn id="286" idx="2"/>
+            <a:endCxn id="284" idx="0"/>
           </p:cNvCxnSpPr>
           <p:nvPr/>
         </p:nvCxnSpPr>
         <p:spPr>
           <a:xfrm rot="5400000">
-            <a:off x="4268880" y="6755400"/>
-            <a:ext cx="351000" cy="1155960"/>
+            <a:off x="4385160" y="7819560"/>
+            <a:ext cx="409320" cy="1447560"/>
           </a:xfrm>
           <a:prstGeom prst="bentConnector2">
             <a:avLst/>
@@ -6994,17 +8085,17 @@
       </p:cxnSp>
       <p:cxnSp>
         <p:nvCxnSpPr>
-          <p:cNvPr id="266" name="Conector: angular 29"/>
+          <p:cNvPr id="290" name="Conector: angular 29"/>
           <p:cNvCxnSpPr>
-            <a:stCxn id="260" idx="2"/>
-            <a:endCxn id="264" idx="1"/>
+            <a:stCxn id="284" idx="2"/>
+            <a:endCxn id="288" idx="1"/>
           </p:cNvCxnSpPr>
           <p:nvPr/>
         </p:nvCxnSpPr>
         <p:spPr>
           <a:xfrm flipH="1" rot="16200000">
-            <a:off x="7530120" y="3554640"/>
-            <a:ext cx="207720" cy="9597240"/>
+            <a:off x="7601760" y="5021640"/>
+            <a:ext cx="241560" cy="9419760"/>
           </a:xfrm>
           <a:prstGeom prst="bentConnector2">
             <a:avLst/>
@@ -7020,14 +8111,14 @@
       </p:cxnSp>
       <p:sp>
         <p:nvSpPr>
-          <p:cNvPr id="267" name="Hexágono 7"/>
+          <p:cNvPr id="291" name="Hexágono 7"/>
           <p:cNvSpPr/>
           <p:nvPr/>
         </p:nvSpPr>
         <p:spPr>
           <a:xfrm>
-            <a:off x="7475040" y="764640"/>
-            <a:ext cx="1804320" cy="1177200"/>
+            <a:off x="7475040" y="890280"/>
+            <a:ext cx="1803960" cy="1371600"/>
           </a:xfrm>
           <a:prstGeom prst="hexagon">
             <a:avLst>
@@ -7115,14 +8206,14 @@
       </p:sp>
       <p:sp>
         <p:nvSpPr>
-          <p:cNvPr id="268" name="Hexágono 8"/>
+          <p:cNvPr id="292" name="Hexágono 8"/>
           <p:cNvSpPr/>
           <p:nvPr/>
         </p:nvSpPr>
         <p:spPr>
           <a:xfrm>
-            <a:off x="7475040" y="2589120"/>
-            <a:ext cx="1804320" cy="1177200"/>
+            <a:off x="7475040" y="3016440"/>
+            <a:ext cx="1803960" cy="1371600"/>
           </a:xfrm>
           <a:prstGeom prst="hexagon">
             <a:avLst>
@@ -7210,14 +8301,14 @@
       </p:sp>
       <p:sp>
         <p:nvSpPr>
-          <p:cNvPr id="269" name="Hexágono 11"/>
+          <p:cNvPr id="293" name="Hexágono 11"/>
           <p:cNvSpPr/>
           <p:nvPr/>
         </p:nvSpPr>
         <p:spPr>
           <a:xfrm>
-            <a:off x="7475040" y="6708600"/>
-            <a:ext cx="1804320" cy="1177200"/>
+            <a:off x="7475040" y="7815240"/>
+            <a:ext cx="1803960" cy="1371600"/>
           </a:xfrm>
           <a:prstGeom prst="hexagon">
             <a:avLst>
@@ -7305,21 +8396,21 @@
       </p:sp>
       <p:cxnSp>
         <p:nvCxnSpPr>
-          <p:cNvPr id="270" name="Conector: angular 31"/>
+          <p:cNvPr id="294" name="Conector: angular 31"/>
           <p:cNvCxnSpPr>
-            <a:stCxn id="259" idx="0"/>
-            <a:endCxn id="267" idx="3"/>
+            <a:stCxn id="283" idx="0"/>
+            <a:endCxn id="291" idx="3"/>
           </p:cNvCxnSpPr>
           <p:nvPr/>
         </p:nvCxnSpPr>
         <p:spPr>
           <a:xfrm flipV="1">
-            <a:off x="5670720" y="1353240"/>
-            <a:ext cx="1804680" cy="3472560"/>
+            <a:off x="5670360" y="1576080"/>
+            <a:ext cx="1805040" cy="4045680"/>
           </a:xfrm>
           <a:prstGeom prst="bentConnector3">
             <a:avLst>
-              <a:gd name="adj1" fmla="val 50019"/>
+              <a:gd name="adj1" fmla="val 49990"/>
             </a:avLst>
           </a:prstGeom>
           <a:ln w="38100">
@@ -7333,21 +8424,21 @@
       </p:cxnSp>
       <p:cxnSp>
         <p:nvCxnSpPr>
-          <p:cNvPr id="271" name="Conector: angular 32"/>
+          <p:cNvPr id="295" name="Conector: angular 32"/>
           <p:cNvCxnSpPr>
-            <a:stCxn id="259" idx="0"/>
-            <a:endCxn id="268" idx="3"/>
+            <a:stCxn id="283" idx="0"/>
+            <a:endCxn id="292" idx="3"/>
           </p:cNvCxnSpPr>
           <p:nvPr/>
         </p:nvCxnSpPr>
         <p:spPr>
           <a:xfrm flipV="1">
-            <a:off x="5670720" y="3177720"/>
-            <a:ext cx="1804680" cy="1648080"/>
+            <a:off x="5670360" y="3702240"/>
+            <a:ext cx="1805040" cy="1919520"/>
           </a:xfrm>
           <a:prstGeom prst="bentConnector3">
             <a:avLst>
-              <a:gd name="adj1" fmla="val 50019"/>
+              <a:gd name="adj1" fmla="val 49990"/>
             </a:avLst>
           </a:prstGeom>
           <a:ln w="38100">
@@ -7361,21 +8452,21 @@
       </p:cxnSp>
       <p:cxnSp>
         <p:nvCxnSpPr>
-          <p:cNvPr id="272" name="Conector: angular 34"/>
+          <p:cNvPr id="296" name="Conector: angular 34"/>
           <p:cNvCxnSpPr>
-            <a:stCxn id="259" idx="0"/>
-            <a:endCxn id="273" idx="3"/>
+            <a:stCxn id="283" idx="0"/>
+            <a:endCxn id="297" idx="3"/>
           </p:cNvCxnSpPr>
           <p:nvPr/>
         </p:nvCxnSpPr>
         <p:spPr>
           <a:xfrm>
-            <a:off x="5670720" y="4825440"/>
-            <a:ext cx="1804680" cy="118080"/>
+            <a:off x="5670360" y="5621400"/>
+            <a:ext cx="1805040" cy="137880"/>
           </a:xfrm>
           <a:prstGeom prst="bentConnector3">
             <a:avLst>
-              <a:gd name="adj1" fmla="val 50019"/>
+              <a:gd name="adj1" fmla="val 49990"/>
             </a:avLst>
           </a:prstGeom>
           <a:ln w="38100">
@@ -7389,21 +8480,21 @@
       </p:cxnSp>
       <p:cxnSp>
         <p:nvCxnSpPr>
-          <p:cNvPr id="274" name="Conector: angular 36"/>
+          <p:cNvPr id="298" name="Conector: angular 36"/>
           <p:cNvCxnSpPr>
-            <a:stCxn id="259" idx="0"/>
-            <a:endCxn id="269" idx="3"/>
+            <a:stCxn id="283" idx="0"/>
+            <a:endCxn id="293" idx="3"/>
           </p:cNvCxnSpPr>
           <p:nvPr/>
         </p:nvCxnSpPr>
         <p:spPr>
           <a:xfrm>
-            <a:off x="5670720" y="4825440"/>
-            <a:ext cx="1804680" cy="2472120"/>
+            <a:off x="5670360" y="5621400"/>
+            <a:ext cx="1805040" cy="2880000"/>
           </a:xfrm>
           <a:prstGeom prst="bentConnector3">
             <a:avLst>
-              <a:gd name="adj1" fmla="val 50019"/>
+              <a:gd name="adj1" fmla="val 49990"/>
             </a:avLst>
           </a:prstGeom>
           <a:ln w="38100">
@@ -7417,14 +8508,14 @@
       </p:cxnSp>
       <p:sp>
         <p:nvSpPr>
-          <p:cNvPr id="275" name="Rectángulo: esquinas redondeadas 24"/>
+          <p:cNvPr id="299" name="Rectángulo: esquinas redondeadas 24"/>
           <p:cNvSpPr/>
           <p:nvPr/>
         </p:nvSpPr>
         <p:spPr>
           <a:xfrm>
-            <a:off x="12321000" y="904320"/>
-            <a:ext cx="1486800" cy="919800"/>
+            <a:off x="12321000" y="1053000"/>
+            <a:ext cx="1486800" cy="1071720"/>
           </a:xfrm>
           <a:prstGeom prst="roundRect">
             <a:avLst>
@@ -7486,17 +8577,17 @@
       </p:sp>
       <p:cxnSp>
         <p:nvCxnSpPr>
-          <p:cNvPr id="276" name="Conector recto de flecha 5"/>
+          <p:cNvPr id="300" name="Conector recto de flecha 5"/>
           <p:cNvCxnSpPr>
-            <a:stCxn id="267" idx="0"/>
-            <a:endCxn id="275" idx="1"/>
+            <a:stCxn id="291" idx="0"/>
+            <a:endCxn id="299" idx="1"/>
           </p:cNvCxnSpPr>
           <p:nvPr/>
         </p:nvCxnSpPr>
         <p:spPr>
           <a:xfrm>
-            <a:off x="9279360" y="1353240"/>
-            <a:ext cx="3042000" cy="11160"/>
+            <a:off x="9279000" y="1576080"/>
+            <a:ext cx="3042360" cy="12960"/>
           </a:xfrm>
           <a:prstGeom prst="straightConnector1">
             <a:avLst/>
@@ -7512,17 +8603,17 @@
       </p:cxnSp>
       <p:cxnSp>
         <p:nvCxnSpPr>
-          <p:cNvPr id="277" name="Conector recto de flecha 8"/>
+          <p:cNvPr id="301" name="Conector recto de flecha 8"/>
           <p:cNvCxnSpPr>
-            <a:stCxn id="268" idx="0"/>
-            <a:endCxn id="278" idx="1"/>
+            <a:stCxn id="292" idx="0"/>
+            <a:endCxn id="302" idx="1"/>
           </p:cNvCxnSpPr>
           <p:nvPr/>
         </p:nvCxnSpPr>
         <p:spPr>
           <a:xfrm>
-            <a:off x="9279360" y="3177720"/>
-            <a:ext cx="309600" cy="29520"/>
+            <a:off x="9279000" y="3702240"/>
+            <a:ext cx="309960" cy="33840"/>
           </a:xfrm>
           <a:prstGeom prst="straightConnector1">
             <a:avLst/>
@@ -7538,14 +8629,14 @@
       </p:cxnSp>
       <p:sp>
         <p:nvSpPr>
-          <p:cNvPr id="278" name="Rectángulo: esquinas redondeadas 26"/>
+          <p:cNvPr id="302" name="Rectángulo: esquinas redondeadas 26"/>
           <p:cNvSpPr/>
           <p:nvPr/>
         </p:nvSpPr>
         <p:spPr>
           <a:xfrm>
-            <a:off x="9588600" y="2589120"/>
-            <a:ext cx="1899360" cy="1235880"/>
+            <a:off x="9588600" y="3015720"/>
+            <a:ext cx="1899360" cy="1440000"/>
           </a:xfrm>
           <a:prstGeom prst="roundRect">
             <a:avLst>
@@ -7650,14 +8741,14 @@
       </p:sp>
       <p:sp>
         <p:nvSpPr>
-          <p:cNvPr id="279" name="Rectángulo: esquinas redondeadas 27"/>
+          <p:cNvPr id="303" name="Rectángulo: esquinas redondeadas 27"/>
           <p:cNvSpPr/>
           <p:nvPr/>
         </p:nvSpPr>
         <p:spPr>
           <a:xfrm>
-            <a:off x="12483720" y="4119480"/>
-            <a:ext cx="1177560" cy="625680"/>
+            <a:off x="12483360" y="4798800"/>
+            <a:ext cx="1177560" cy="729360"/>
           </a:xfrm>
           <a:prstGeom prst="roundRect">
             <a:avLst>
@@ -7716,14 +8807,14 @@
       </p:sp>
       <p:sp>
         <p:nvSpPr>
-          <p:cNvPr id="280" name="Rectángulo: esquinas redondeadas 29"/>
+          <p:cNvPr id="304" name="Rectángulo: esquinas redondeadas 29"/>
           <p:cNvSpPr/>
           <p:nvPr/>
         </p:nvSpPr>
         <p:spPr>
           <a:xfrm>
-            <a:off x="12431160" y="5355000"/>
-            <a:ext cx="1539720" cy="919800"/>
+            <a:off x="12431160" y="6238440"/>
+            <a:ext cx="1539360" cy="1072080"/>
           </a:xfrm>
           <a:prstGeom prst="roundRect">
             <a:avLst>
@@ -7782,14 +8873,14 @@
       </p:sp>
       <p:sp>
         <p:nvSpPr>
-          <p:cNvPr id="281" name="Rectángulo: esquinas redondeadas 30"/>
+          <p:cNvPr id="305" name="Rectángulo: esquinas redondeadas 30"/>
           <p:cNvSpPr/>
           <p:nvPr/>
         </p:nvSpPr>
         <p:spPr>
           <a:xfrm>
-            <a:off x="9227880" y="5494680"/>
-            <a:ext cx="1031040" cy="625680"/>
+            <a:off x="9227880" y="6400800"/>
+            <a:ext cx="1031040" cy="729360"/>
           </a:xfrm>
           <a:prstGeom prst="roundRect">
             <a:avLst>
@@ -7848,14 +8939,14 @@
       </p:sp>
       <p:sp>
         <p:nvSpPr>
-          <p:cNvPr id="282" name="Rectángulo: esquinas redondeadas 31"/>
+          <p:cNvPr id="306" name="Rectángulo: esquinas redondeadas 31"/>
           <p:cNvSpPr/>
           <p:nvPr/>
         </p:nvSpPr>
         <p:spPr>
           <a:xfrm>
-            <a:off x="12372840" y="6789240"/>
-            <a:ext cx="1539720" cy="919800"/>
+            <a:off x="12372840" y="7909200"/>
+            <a:ext cx="1539360" cy="1072080"/>
           </a:xfrm>
           <a:prstGeom prst="roundRect">
             <a:avLst>
@@ -7914,21 +9005,21 @@
       </p:sp>
       <p:cxnSp>
         <p:nvCxnSpPr>
-          <p:cNvPr id="283" name="Conector: angular 39"/>
+          <p:cNvPr id="307" name="Conector: angular 39"/>
           <p:cNvCxnSpPr>
-            <a:stCxn id="279" idx="2"/>
-            <a:endCxn id="284" idx="0"/>
+            <a:stCxn id="303" idx="2"/>
+            <a:endCxn id="308" idx="0"/>
           </p:cNvCxnSpPr>
           <p:nvPr/>
         </p:nvCxnSpPr>
         <p:spPr>
           <a:xfrm rot="5400000">
-            <a:off x="11784960" y="4186080"/>
-            <a:ext cx="728280" cy="1846800"/>
+            <a:off x="11725200" y="5028840"/>
+            <a:ext cx="847800" cy="1846440"/>
           </a:xfrm>
           <a:prstGeom prst="bentConnector3">
             <a:avLst>
-              <a:gd name="adj1" fmla="val 50890"/>
+              <a:gd name="adj1" fmla="val 50764"/>
             </a:avLst>
           </a:prstGeom>
           <a:ln w="38100">
@@ -7942,17 +9033,17 @@
       </p:cxnSp>
       <p:cxnSp>
         <p:nvCxnSpPr>
-          <p:cNvPr id="285" name="Conector recto de flecha 9"/>
+          <p:cNvPr id="309" name="Conector recto de flecha 9"/>
           <p:cNvCxnSpPr>
-            <a:stCxn id="284" idx="3"/>
-            <a:endCxn id="280" idx="1"/>
+            <a:stCxn id="308" idx="3"/>
+            <a:endCxn id="304" idx="1"/>
           </p:cNvCxnSpPr>
           <p:nvPr/>
         </p:nvCxnSpPr>
         <p:spPr>
           <a:xfrm>
-            <a:off x="11754000" y="5806440"/>
-            <a:ext cx="677520" cy="8640"/>
+            <a:off x="11754000" y="6764040"/>
+            <a:ext cx="677520" cy="10800"/>
           </a:xfrm>
           <a:prstGeom prst="straightConnector1">
             <a:avLst/>
@@ -7968,17 +9059,17 @@
       </p:cxnSp>
       <p:cxnSp>
         <p:nvCxnSpPr>
-          <p:cNvPr id="286" name="Conector recto de flecha 11"/>
+          <p:cNvPr id="310" name="Conector recto de flecha 11"/>
           <p:cNvCxnSpPr>
-            <a:stCxn id="269" idx="0"/>
-            <a:endCxn id="282" idx="1"/>
+            <a:stCxn id="293" idx="0"/>
+            <a:endCxn id="306" idx="1"/>
           </p:cNvCxnSpPr>
           <p:nvPr/>
         </p:nvCxnSpPr>
         <p:spPr>
           <a:xfrm flipV="1">
-            <a:off x="9279360" y="7248960"/>
-            <a:ext cx="3093840" cy="48600"/>
+            <a:off x="9279000" y="8445240"/>
+            <a:ext cx="3094200" cy="56160"/>
           </a:xfrm>
           <a:prstGeom prst="straightConnector1">
             <a:avLst/>
@@ -7994,14 +9085,14 @@
       </p:cxnSp>
       <p:sp>
         <p:nvSpPr>
-          <p:cNvPr id="287" name="Rectángulo: esquinas redondeadas 32"/>
+          <p:cNvPr id="311" name="Rectángulo: esquinas redondeadas 32"/>
           <p:cNvSpPr/>
           <p:nvPr/>
         </p:nvSpPr>
         <p:spPr>
           <a:xfrm>
-            <a:off x="2783520" y="845640"/>
-            <a:ext cx="2208600" cy="919800"/>
+            <a:off x="2783520" y="984600"/>
+            <a:ext cx="2208600" cy="1072080"/>
           </a:xfrm>
           <a:prstGeom prst="roundRect">
             <a:avLst>
@@ -8083,22 +9174,22 @@
       </p:sp>
       <p:cxnSp>
         <p:nvCxnSpPr>
-          <p:cNvPr id="288" name="Conector: angular 43"/>
+          <p:cNvPr id="312" name="Conector: angular 43"/>
           <p:cNvCxnSpPr>
-            <a:stCxn id="287" idx="3"/>
-            <a:endCxn id="267" idx="0"/>
+            <a:stCxn id="311" idx="3"/>
+            <a:endCxn id="291" idx="0"/>
           </p:cNvCxnSpPr>
           <p:nvPr/>
         </p:nvCxnSpPr>
         <p:spPr>
           <a:xfrm flipV="1">
-            <a:off x="4992120" y="764640"/>
-            <a:ext cx="3385440" cy="541080"/>
+            <a:off x="4992120" y="890280"/>
+            <a:ext cx="3385080" cy="630720"/>
           </a:xfrm>
           <a:prstGeom prst="bentConnector4">
             <a:avLst>
-              <a:gd name="adj1" fmla="val 13889"/>
-              <a:gd name="adj2" fmla="val 146604"/>
+              <a:gd name="adj1" fmla="val 13890"/>
+              <a:gd name="adj2" fmla="val 139977"/>
             </a:avLst>
           </a:prstGeom>
           <a:ln w="38100">
@@ -8112,21 +9203,21 @@
       </p:cxnSp>
       <p:cxnSp>
         <p:nvCxnSpPr>
-          <p:cNvPr id="289" name="Conector: angular 44"/>
+          <p:cNvPr id="313" name="Conector: angular 44"/>
           <p:cNvCxnSpPr>
-            <a:stCxn id="287" idx="2"/>
-            <a:endCxn id="268" idx="4"/>
+            <a:stCxn id="311" idx="2"/>
+            <a:endCxn id="292" idx="4"/>
           </p:cNvCxnSpPr>
           <p:nvPr/>
         </p:nvCxnSpPr>
         <p:spPr>
           <a:xfrm flipH="1" rot="16200000">
-            <a:off x="5416560" y="236520"/>
-            <a:ext cx="824040" cy="3881880"/>
+            <a:off x="5372640" y="571320"/>
+            <a:ext cx="960120" cy="3930480"/>
           </a:xfrm>
           <a:prstGeom prst="bentConnector3">
             <a:avLst>
-              <a:gd name="adj1" fmla="val 50786"/>
+              <a:gd name="adj1" fmla="val 50675"/>
             </a:avLst>
           </a:prstGeom>
           <a:ln w="38100">
@@ -8140,21 +9231,21 @@
       </p:cxnSp>
       <p:cxnSp>
         <p:nvCxnSpPr>
-          <p:cNvPr id="290" name="Conector: angular 45"/>
+          <p:cNvPr id="314" name="Conector: angular 45"/>
           <p:cNvCxnSpPr>
-            <a:stCxn id="275" idx="2"/>
-            <a:endCxn id="268" idx="5"/>
+            <a:stCxn id="299" idx="2"/>
+            <a:endCxn id="292" idx="5"/>
           </p:cNvCxnSpPr>
           <p:nvPr/>
         </p:nvCxnSpPr>
         <p:spPr>
           <a:xfrm rot="5400000">
-            <a:off x="10641960" y="167040"/>
-            <a:ext cx="765360" cy="4079520"/>
+            <a:off x="10554120" y="506520"/>
+            <a:ext cx="892080" cy="4128480"/>
           </a:xfrm>
           <a:prstGeom prst="bentConnector3">
             <a:avLst>
-              <a:gd name="adj1" fmla="val 50023"/>
+              <a:gd name="adj1" fmla="val 50020"/>
             </a:avLst>
           </a:prstGeom>
           <a:ln w="38100">
@@ -8168,21 +9259,21 @@
       </p:cxnSp>
       <p:cxnSp>
         <p:nvCxnSpPr>
-          <p:cNvPr id="291" name="Conector: angular 46"/>
+          <p:cNvPr id="315" name="Conector: angular 46"/>
           <p:cNvCxnSpPr>
-            <a:stCxn id="278" idx="2"/>
-            <a:endCxn id="273" idx="0"/>
+            <a:stCxn id="302" idx="2"/>
+            <a:endCxn id="297" idx="0"/>
           </p:cNvCxnSpPr>
           <p:nvPr/>
         </p:nvCxnSpPr>
         <p:spPr>
           <a:xfrm rot="5400000">
-            <a:off x="9192600" y="3009240"/>
-            <a:ext cx="529920" cy="2161440"/>
+            <a:off x="9148680" y="3683520"/>
+            <a:ext cx="617760" cy="2161800"/>
           </a:xfrm>
           <a:prstGeom prst="bentConnector3">
             <a:avLst>
-              <a:gd name="adj1" fmla="val 51189"/>
+              <a:gd name="adj1" fmla="val 51078"/>
             </a:avLst>
           </a:prstGeom>
           <a:ln w="38100">
@@ -8196,21 +9287,21 @@
       </p:cxnSp>
       <p:cxnSp>
         <p:nvCxnSpPr>
-          <p:cNvPr id="292" name="Conector: angular 47"/>
+          <p:cNvPr id="316" name="Conector: angular 47"/>
           <p:cNvCxnSpPr>
-            <a:stCxn id="278" idx="2"/>
-            <a:endCxn id="269" idx="0"/>
+            <a:stCxn id="302" idx="2"/>
+            <a:endCxn id="293" idx="0"/>
           </p:cNvCxnSpPr>
           <p:nvPr/>
         </p:nvCxnSpPr>
         <p:spPr>
           <a:xfrm rot="5400000">
-            <a:off x="8015760" y="4186440"/>
-            <a:ext cx="2883960" cy="2161440"/>
+            <a:off x="7777800" y="5054760"/>
+            <a:ext cx="3359880" cy="2161800"/>
           </a:xfrm>
           <a:prstGeom prst="bentConnector3">
             <a:avLst>
-              <a:gd name="adj1" fmla="val 74344"/>
+              <a:gd name="adj1" fmla="val 70906"/>
             </a:avLst>
           </a:prstGeom>
           <a:ln w="38100">
@@ -8224,14 +9315,14 @@
       </p:cxnSp>
       <p:sp>
         <p:nvSpPr>
-          <p:cNvPr id="273" name="Hexágono 9"/>
+          <p:cNvPr id="297" name="Hexágono 9"/>
           <p:cNvSpPr/>
           <p:nvPr/>
         </p:nvSpPr>
         <p:spPr>
           <a:xfrm>
-            <a:off x="7475040" y="4354560"/>
-            <a:ext cx="1804320" cy="1177200"/>
+            <a:off x="7475040" y="5073120"/>
+            <a:ext cx="1803960" cy="1371600"/>
           </a:xfrm>
           <a:prstGeom prst="hexagon">
             <a:avLst>
@@ -8319,17 +9410,17 @@
       </p:sp>
       <p:cxnSp>
         <p:nvCxnSpPr>
-          <p:cNvPr id="293" name="Conector: angular 41"/>
+          <p:cNvPr id="317" name="Conector: angular 41"/>
           <p:cNvCxnSpPr>
-            <a:stCxn id="281" idx="1"/>
-            <a:endCxn id="273" idx="2"/>
+            <a:stCxn id="305" idx="1"/>
+            <a:endCxn id="297" idx="2"/>
           </p:cNvCxnSpPr>
           <p:nvPr/>
         </p:nvCxnSpPr>
         <p:spPr>
           <a:xfrm rot="10800000">
-            <a:off x="8376840" y="5531760"/>
-            <a:ext cx="851040" cy="276120"/>
+            <a:off x="8376840" y="6444360"/>
+            <a:ext cx="851400" cy="321120"/>
           </a:xfrm>
           <a:prstGeom prst="bentConnector2">
             <a:avLst/>
@@ -8345,14 +9436,14 @@
       </p:cxnSp>
       <p:sp>
         <p:nvSpPr>
-          <p:cNvPr id="284" name="Rectángulo: esquinas redondeadas 28"/>
+          <p:cNvPr id="308" name="Rectángulo: esquinas redondeadas 28"/>
           <p:cNvSpPr/>
           <p:nvPr/>
         </p:nvSpPr>
         <p:spPr>
           <a:xfrm>
-            <a:off x="10698120" y="5473080"/>
-            <a:ext cx="1055880" cy="666720"/>
+            <a:off x="10698120" y="6375600"/>
+            <a:ext cx="1055880" cy="776880"/>
           </a:xfrm>
           <a:prstGeom prst="roundRect">
             <a:avLst>
@@ -8413,21 +9504,21 @@
       </p:sp>
       <p:cxnSp>
         <p:nvCxnSpPr>
-          <p:cNvPr id="294" name="Conector: angular 37"/>
+          <p:cNvPr id="318" name="Conector: angular 37"/>
           <p:cNvCxnSpPr>
-            <a:stCxn id="273" idx="0"/>
-            <a:endCxn id="279" idx="1"/>
+            <a:stCxn id="297" idx="0"/>
+            <a:endCxn id="303" idx="1"/>
           </p:cNvCxnSpPr>
           <p:nvPr/>
         </p:nvCxnSpPr>
         <p:spPr>
           <a:xfrm flipV="1">
-            <a:off x="9279360" y="4432320"/>
-            <a:ext cx="3204720" cy="511200"/>
+            <a:off x="9279000" y="5163480"/>
+            <a:ext cx="3204720" cy="595800"/>
           </a:xfrm>
           <a:prstGeom prst="bentConnector3">
             <a:avLst>
-              <a:gd name="adj1" fmla="val 49814"/>
+              <a:gd name="adj1" fmla="val 49803"/>
             </a:avLst>
           </a:prstGeom>
           <a:ln w="38100">
@@ -8441,17 +9532,17 @@
       </p:cxnSp>
       <p:cxnSp>
         <p:nvCxnSpPr>
-          <p:cNvPr id="295" name="Conector recto de flecha 10"/>
+          <p:cNvPr id="319" name="Conector recto de flecha 10"/>
           <p:cNvCxnSpPr>
-            <a:stCxn id="284" idx="1"/>
-            <a:endCxn id="281" idx="3"/>
+            <a:stCxn id="308" idx="1"/>
+            <a:endCxn id="305" idx="3"/>
           </p:cNvCxnSpPr>
           <p:nvPr/>
         </p:nvCxnSpPr>
         <p:spPr>
           <a:xfrm flipH="1">
-            <a:off x="10258920" y="5806440"/>
-            <a:ext cx="439560" cy="1440"/>
+            <a:off x="10258920" y="6764040"/>
+            <a:ext cx="439560" cy="1800"/>
           </a:xfrm>
           <a:prstGeom prst="straightConnector1">
             <a:avLst/>
@@ -8467,7 +9558,7 @@
       </p:cxnSp>
       <p:pic>
         <p:nvPicPr>
-          <p:cNvPr id="296" name="" descr=""/>
+          <p:cNvPr id="320" name="" descr=""/>
           <p:cNvPicPr/>
           <p:nvPr/>
         </p:nvPicPr>
@@ -8477,8 +9568,8 @@
         </p:blipFill>
         <p:spPr>
           <a:xfrm>
-            <a:off x="52920" y="2059560"/>
-            <a:ext cx="1699560" cy="1940400"/>
+            <a:off x="52560" y="2399040"/>
+            <a:ext cx="1699560" cy="2260800"/>
           </a:xfrm>
           <a:prstGeom prst="rect">
             <a:avLst/>
@@ -8526,8 +9617,8 @@
         </p:nvSpPr>
         <p:spPr>
           <a:xfrm>
-            <a:off x="982440" y="1117800"/>
-            <a:ext cx="5530320" cy="1661400"/>
+            <a:off x="982440" y="1302120"/>
+            <a:ext cx="5530320" cy="1935720"/>
           </a:xfrm>
           <a:prstGeom prst="roundRect">
             <a:avLst>
@@ -8588,12 +9679,12 @@
         </p:nvCxnSpPr>
         <p:spPr>
           <a:xfrm>
-            <a:off x="6512760" y="1948320"/>
-            <a:ext cx="5140440" cy="970200"/>
+            <a:off x="6512760" y="2269800"/>
+            <a:ext cx="5140080" cy="1129680"/>
           </a:xfrm>
           <a:prstGeom prst="bentConnector3">
             <a:avLst>
-              <a:gd name="adj1" fmla="val 50000"/>
+              <a:gd name="adj1" fmla="val 50003"/>
             </a:avLst>
           </a:prstGeom>
           <a:ln w="38100">
@@ -8613,8 +9704,8 @@
         </p:nvSpPr>
         <p:spPr>
           <a:xfrm>
-            <a:off x="2534760" y="3537360"/>
-            <a:ext cx="6081480" cy="4510800"/>
+            <a:off x="2534760" y="4120560"/>
+            <a:ext cx="6081480" cy="5255280"/>
           </a:xfrm>
           <a:prstGeom prst="roundRect">
             <a:avLst>
@@ -8675,13 +9766,13 @@
         </p:nvCxnSpPr>
         <p:spPr>
           <a:xfrm flipH="1">
-            <a:off x="7924320" y="2918160"/>
-            <a:ext cx="5993640" cy="4919040"/>
+            <a:off x="7911720" y="3399120"/>
+            <a:ext cx="6005880" cy="5730840"/>
           </a:xfrm>
           <a:prstGeom prst="bentConnector4">
             <a:avLst>
-              <a:gd name="adj1" fmla="val -108"/>
-              <a:gd name="adj2" fmla="val 100131"/>
+              <a:gd name="adj1" fmla="val -107"/>
+              <a:gd name="adj2" fmla="val 100106"/>
             </a:avLst>
           </a:prstGeom>
           <a:ln w="38100">
@@ -8702,13 +9793,13 @@
           <p:nvPr/>
         </p:nvCxnSpPr>
         <p:spPr>
-          <a:xfrm flipH="1" flipV="1" rot="5400000">
-            <a:off x="5288040" y="919800"/>
-            <a:ext cx="171000" cy="8566200"/>
+          <a:xfrm flipH="1" rot="16200000">
+            <a:off x="5036760" y="1341720"/>
+            <a:ext cx="673920" cy="8566200"/>
           </a:xfrm>
           <a:prstGeom prst="bentConnector3">
             <a:avLst>
-              <a:gd name="adj1" fmla="val -582278"/>
+              <a:gd name="adj1" fmla="val 261624"/>
             </a:avLst>
           </a:prstGeom>
           <a:ln w="38100">
@@ -8730,12 +9821,12 @@
         </p:nvCxnSpPr>
         <p:spPr>
           <a:xfrm flipV="1">
-            <a:off x="632880" y="1873800"/>
-            <a:ext cx="629280" cy="2957760"/>
+            <a:off x="632880" y="2183040"/>
+            <a:ext cx="628920" cy="2648520"/>
           </a:xfrm>
           <a:prstGeom prst="bentConnector3">
             <a:avLst>
-              <a:gd name="adj1" fmla="val 30280"/>
+              <a:gd name="adj1" fmla="val 30240"/>
             </a:avLst>
           </a:prstGeom>
           <a:ln w="38100">
@@ -8755,8 +9846,8 @@
         </p:nvSpPr>
         <p:spPr>
           <a:xfrm>
-            <a:off x="1261800" y="1414080"/>
-            <a:ext cx="1229040" cy="919800"/>
+            <a:off x="1261440" y="1647360"/>
+            <a:ext cx="1229040" cy="1071720"/>
           </a:xfrm>
           <a:prstGeom prst="roundRect">
             <a:avLst>
@@ -8823,8 +9914,8 @@
         </p:nvSpPr>
         <p:spPr>
           <a:xfrm>
-            <a:off x="1225080" y="2867040"/>
-            <a:ext cx="1229040" cy="919800"/>
+            <a:off x="1224720" y="3339720"/>
+            <a:ext cx="1229040" cy="1071720"/>
           </a:xfrm>
           <a:prstGeom prst="roundRect">
             <a:avLst>
@@ -8892,8 +9983,8 @@
         </p:nvSpPr>
         <p:spPr>
           <a:xfrm>
-            <a:off x="5024520" y="1414080"/>
-            <a:ext cx="1229040" cy="919800"/>
+            <a:off x="5024160" y="1647360"/>
+            <a:ext cx="1229040" cy="1071720"/>
           </a:xfrm>
           <a:prstGeom prst="roundRect">
             <a:avLst>
@@ -8960,8 +10051,8 @@
         </p:nvSpPr>
         <p:spPr>
           <a:xfrm>
-            <a:off x="3675600" y="6183360"/>
-            <a:ext cx="2029320" cy="919800"/>
+            <a:off x="3675600" y="7203240"/>
+            <a:ext cx="2029320" cy="1071720"/>
           </a:xfrm>
           <a:prstGeom prst="roundRect">
             <a:avLst>
@@ -9026,8 +10117,8 @@
         </p:nvSpPr>
         <p:spPr>
           <a:xfrm>
-            <a:off x="10128960" y="6530400"/>
-            <a:ext cx="1693080" cy="919800"/>
+            <a:off x="10128600" y="7607520"/>
+            <a:ext cx="1693080" cy="1072080"/>
           </a:xfrm>
           <a:prstGeom prst="roundRect">
             <a:avLst>
@@ -9092,8 +10183,8 @@
         </p:nvSpPr>
         <p:spPr>
           <a:xfrm>
-            <a:off x="2729880" y="4034520"/>
-            <a:ext cx="1793880" cy="1743840"/>
+            <a:off x="2729520" y="4700160"/>
+            <a:ext cx="1793880" cy="2031480"/>
           </a:xfrm>
           <a:prstGeom prst="hexagon">
             <a:avLst>
@@ -9187,8 +10278,8 @@
         </p:nvSpPr>
         <p:spPr>
           <a:xfrm>
-            <a:off x="2887200" y="1289160"/>
-            <a:ext cx="1740960" cy="1168920"/>
+            <a:off x="2886840" y="1501560"/>
+            <a:ext cx="1740960" cy="1361880"/>
           </a:xfrm>
           <a:prstGeom prst="ellipse">
             <a:avLst/>
@@ -9259,8 +10350,8 @@
         </p:blipFill>
         <p:spPr>
           <a:xfrm>
-            <a:off x="252360" y="7896960"/>
-            <a:ext cx="1308600" cy="1493640"/>
+            <a:off x="252000" y="9199800"/>
+            <a:ext cx="1308600" cy="1740240"/>
           </a:xfrm>
           <a:prstGeom prst="rect">
             <a:avLst/>
@@ -9278,8 +10369,8 @@
         </p:nvSpPr>
         <p:spPr>
           <a:xfrm>
-            <a:off x="648000" y="-158760"/>
-            <a:ext cx="4829400" cy="699840"/>
+            <a:off x="648360" y="-184320"/>
+            <a:ext cx="4827960" cy="699840"/>
           </a:xfrm>
           <a:prstGeom prst="rect">
             <a:avLst/>
@@ -9335,8 +10426,8 @@
         </p:nvCxnSpPr>
         <p:spPr>
           <a:xfrm flipH="1" flipV="1" rot="5400000">
-            <a:off x="-1219680" y="5452560"/>
-            <a:ext cx="4570560" cy="318960"/>
+            <a:off x="-1596960" y="6378480"/>
+            <a:ext cx="5324760" cy="318960"/>
           </a:xfrm>
           <a:prstGeom prst="bentConnector2">
             <a:avLst/>
@@ -9360,9 +10451,9 @@
           <p:nvPr/>
         </p:nvCxnSpPr>
         <p:spPr>
-          <a:xfrm>
-            <a:off x="2490840" y="1873800"/>
-            <a:ext cx="396720" cy="360"/>
+          <a:xfrm flipV="1">
+            <a:off x="2490480" y="2182680"/>
+            <a:ext cx="396720" cy="720"/>
           </a:xfrm>
           <a:prstGeom prst="straightConnector1">
             <a:avLst/>
@@ -9387,8 +10478,8 @@
         </p:nvCxnSpPr>
         <p:spPr>
           <a:xfrm>
-            <a:off x="2454120" y="3326760"/>
-            <a:ext cx="712080" cy="708120"/>
+            <a:off x="2453760" y="3875400"/>
+            <a:ext cx="724680" cy="825120"/>
           </a:xfrm>
           <a:prstGeom prst="bentConnector2">
             <a:avLst/>
@@ -9413,12 +10504,12 @@
         </p:nvCxnSpPr>
         <p:spPr>
           <a:xfrm rot="5400000">
-            <a:off x="4012920" y="2408760"/>
-            <a:ext cx="1701000" cy="1551600"/>
+            <a:off x="3866040" y="2927880"/>
+            <a:ext cx="1981440" cy="1563840"/>
           </a:xfrm>
           <a:prstGeom prst="bentConnector3">
             <a:avLst>
-              <a:gd name="adj1" fmla="val 50000"/>
+              <a:gd name="adj1" fmla="val 49990"/>
             </a:avLst>
           </a:prstGeom>
           <a:ln w="38100">
@@ -9441,8 +10532,8 @@
         </p:nvCxnSpPr>
         <p:spPr>
           <a:xfrm>
-            <a:off x="4523760" y="4906440"/>
-            <a:ext cx="166680" cy="1277280"/>
+            <a:off x="4523400" y="5716080"/>
+            <a:ext cx="167040" cy="1487520"/>
           </a:xfrm>
           <a:prstGeom prst="bentConnector2">
             <a:avLst/>
@@ -9467,12 +10558,12 @@
         </p:nvCxnSpPr>
         <p:spPr>
           <a:xfrm flipH="1" rot="16200000">
-            <a:off x="5594760" y="2377800"/>
-            <a:ext cx="1452240" cy="1363680"/>
+            <a:off x="5481000" y="2876760"/>
+            <a:ext cx="1691640" cy="1376280"/>
           </a:xfrm>
           <a:prstGeom prst="bentConnector3">
             <a:avLst>
-              <a:gd name="adj1" fmla="val 50012"/>
+              <a:gd name="adj1" fmla="val 50000"/>
             </a:avLst>
           </a:prstGeom>
           <a:ln w="38100">
@@ -9495,8 +10586,8 @@
         </p:nvCxnSpPr>
         <p:spPr>
           <a:xfrm>
-            <a:off x="4628160" y="1873800"/>
-            <a:ext cx="396720" cy="360"/>
+            <a:off x="4627800" y="2182680"/>
+            <a:ext cx="396720" cy="720"/>
           </a:xfrm>
           <a:prstGeom prst="straightConnector1">
             <a:avLst/>
@@ -9518,8 +10609,8 @@
         </p:nvSpPr>
         <p:spPr>
           <a:xfrm>
-            <a:off x="6566400" y="3785760"/>
-            <a:ext cx="1793880" cy="1743840"/>
+            <a:off x="6566040" y="4410360"/>
+            <a:ext cx="1793880" cy="2031480"/>
           </a:xfrm>
           <a:prstGeom prst="hexagon">
             <a:avLst>
@@ -9613,8 +10704,8 @@
         </p:nvSpPr>
         <p:spPr>
           <a:xfrm>
-            <a:off x="6566400" y="6093000"/>
-            <a:ext cx="1793880" cy="1743840"/>
+            <a:off x="6566040" y="7098120"/>
+            <a:ext cx="1793880" cy="2031480"/>
           </a:xfrm>
           <a:prstGeom prst="hexagon">
             <a:avLst>
@@ -9711,13 +10802,13 @@
         </p:nvCxnSpPr>
         <p:spPr>
           <a:xfrm flipH="1" flipV="1" rot="5400000">
-            <a:off x="4405320" y="4942080"/>
-            <a:ext cx="2445840" cy="1876680"/>
+            <a:off x="4203360" y="5912640"/>
+            <a:ext cx="2849040" cy="1876320"/>
           </a:xfrm>
           <a:prstGeom prst="bentConnector4">
             <a:avLst>
-              <a:gd name="adj1" fmla="val -264"/>
-              <a:gd name="adj2" fmla="val 77014"/>
+              <a:gd name="adj1" fmla="val -227"/>
+              <a:gd name="adj2" fmla="val 77029"/>
             </a:avLst>
           </a:prstGeom>
           <a:ln w="38100">
@@ -9740,13 +10831,13 @@
         </p:nvCxnSpPr>
         <p:spPr>
           <a:xfrm flipH="1" flipV="1" rot="5400000">
-            <a:off x="5559120" y="6095880"/>
-            <a:ext cx="138600" cy="1876680"/>
+            <a:off x="5547240" y="7256520"/>
+            <a:ext cx="161280" cy="1876320"/>
           </a:xfrm>
           <a:prstGeom prst="bentConnector4">
             <a:avLst>
-              <a:gd name="adj1" fmla="val -4687"/>
-              <a:gd name="adj2" fmla="val 77014"/>
+              <a:gd name="adj1" fmla="val -4026"/>
+              <a:gd name="adj2" fmla="val 77029"/>
             </a:avLst>
           </a:prstGeom>
           <a:ln w="38100">
@@ -9769,8 +10860,8 @@
         </p:nvCxnSpPr>
         <p:spPr>
           <a:xfrm flipV="1">
-            <a:off x="8360280" y="4657320"/>
-            <a:ext cx="526680" cy="720"/>
+            <a:off x="8359920" y="5425560"/>
+            <a:ext cx="527040" cy="1080"/>
           </a:xfrm>
           <a:prstGeom prst="straightConnector1">
             <a:avLst/>
@@ -9795,8 +10886,8 @@
         </p:nvCxnSpPr>
         <p:spPr>
           <a:xfrm>
-            <a:off x="8360280" y="6964920"/>
-            <a:ext cx="1769040" cy="25560"/>
+            <a:off x="8359920" y="8114040"/>
+            <a:ext cx="1769040" cy="29880"/>
           </a:xfrm>
           <a:prstGeom prst="straightConnector1">
             <a:avLst/>
@@ -9821,12 +10912,12 @@
         </p:nvCxnSpPr>
         <p:spPr>
           <a:xfrm flipV="1">
-            <a:off x="1560960" y="6643080"/>
-            <a:ext cx="2115000" cy="2000880"/>
+            <a:off x="1560600" y="7738920"/>
+            <a:ext cx="2115360" cy="2331360"/>
           </a:xfrm>
           <a:prstGeom prst="bentConnector3">
             <a:avLst>
-              <a:gd name="adj1" fmla="val 49846"/>
+              <a:gd name="adj1" fmla="val 49838"/>
             </a:avLst>
           </a:prstGeom>
           <a:ln w="38100">
@@ -9849,8 +10940,8 @@
         </p:nvCxnSpPr>
         <p:spPr>
           <a:xfrm flipV="1">
-            <a:off x="12785040" y="1620720"/>
-            <a:ext cx="360" cy="430920"/>
+            <a:off x="12784680" y="1887840"/>
+            <a:ext cx="720" cy="501840"/>
           </a:xfrm>
           <a:prstGeom prst="straightConnector1">
             <a:avLst/>
@@ -9872,8 +10963,8 @@
         </p:nvSpPr>
         <p:spPr>
           <a:xfrm>
-            <a:off x="11652840" y="2051280"/>
-            <a:ext cx="2264760" cy="1733760"/>
+            <a:off x="11652480" y="2389320"/>
+            <a:ext cx="2264760" cy="2019960"/>
           </a:xfrm>
           <a:prstGeom prst="roundRect">
             <a:avLst>
@@ -9943,8 +11034,8 @@
         </p:nvCxnSpPr>
         <p:spPr>
           <a:xfrm flipV="1">
-            <a:off x="11822040" y="3785040"/>
-            <a:ext cx="963360" cy="3205440"/>
+            <a:off x="11821680" y="4409280"/>
+            <a:ext cx="963360" cy="3734640"/>
           </a:xfrm>
           <a:prstGeom prst="bentConnector2">
             <a:avLst/>
@@ -9966,8 +11057,8 @@
         </p:nvSpPr>
         <p:spPr>
           <a:xfrm>
-            <a:off x="12015360" y="700920"/>
-            <a:ext cx="1539720" cy="919800"/>
+            <a:off x="12015360" y="815760"/>
+            <a:ext cx="1539360" cy="1072080"/>
           </a:xfrm>
           <a:prstGeom prst="roundRect">
             <a:avLst>
@@ -10035,8 +11126,8 @@
         </p:nvCxnSpPr>
         <p:spPr>
           <a:xfrm flipV="1">
-            <a:off x="1560960" y="7450200"/>
-            <a:ext cx="9414720" cy="1193760"/>
+            <a:off x="1560600" y="8679600"/>
+            <a:ext cx="9414720" cy="1390680"/>
           </a:xfrm>
           <a:prstGeom prst="bentConnector2">
             <a:avLst/>
@@ -10058,8 +11149,8 @@
         </p:nvSpPr>
         <p:spPr>
           <a:xfrm>
-            <a:off x="1168920" y="2298600"/>
-            <a:ext cx="1441440" cy="317520"/>
+            <a:off x="1169280" y="2677320"/>
+            <a:ext cx="1440000" cy="317520"/>
           </a:xfrm>
           <a:prstGeom prst="rect">
             <a:avLst/>
@@ -10112,8 +11203,8 @@
         </p:nvSpPr>
         <p:spPr>
           <a:xfrm>
-            <a:off x="2812320" y="7498440"/>
-            <a:ext cx="1962720" cy="317520"/>
+            <a:off x="2812680" y="8735400"/>
+            <a:ext cx="1961280" cy="317520"/>
           </a:xfrm>
           <a:prstGeom prst="rect">
             <a:avLst/>
@@ -10166,8 +11257,8 @@
         </p:nvSpPr>
         <p:spPr>
           <a:xfrm>
-            <a:off x="11918520" y="3191400"/>
-            <a:ext cx="1799640" cy="317520"/>
+            <a:off x="11919240" y="3717360"/>
+            <a:ext cx="1798200" cy="317520"/>
           </a:xfrm>
           <a:prstGeom prst="rect">
             <a:avLst/>
@@ -10220,8 +11311,8 @@
         </p:nvSpPr>
         <p:spPr>
           <a:xfrm>
-            <a:off x="8886600" y="4197600"/>
-            <a:ext cx="1539720" cy="919800"/>
+            <a:off x="8886600" y="4889520"/>
+            <a:ext cx="1539360" cy="1072080"/>
           </a:xfrm>
           <a:prstGeom prst="roundRect">
             <a:avLst>
@@ -10286,8 +11377,8 @@
         </p:nvSpPr>
         <p:spPr>
           <a:xfrm>
-            <a:off x="12115080" y="7715520"/>
-            <a:ext cx="1726560" cy="317520"/>
+            <a:off x="12115800" y="8988480"/>
+            <a:ext cx="1725120" cy="317520"/>
           </a:xfrm>
           <a:prstGeom prst="rect">
             <a:avLst/>
@@ -10370,8 +11461,8 @@
         </p:nvSpPr>
         <p:spPr>
           <a:xfrm>
-            <a:off x="4095720" y="4677840"/>
-            <a:ext cx="10126080" cy="4334400"/>
+            <a:off x="4095360" y="5449320"/>
+            <a:ext cx="10126080" cy="5050080"/>
           </a:xfrm>
           <a:prstGeom prst="roundRect">
             <a:avLst>
@@ -10431,8 +11522,8 @@
         </p:nvSpPr>
         <p:spPr>
           <a:xfrm>
-            <a:off x="4095720" y="552960"/>
-            <a:ext cx="10015920" cy="3824280"/>
+            <a:off x="4095360" y="643680"/>
+            <a:ext cx="10015920" cy="4455360"/>
           </a:xfrm>
           <a:prstGeom prst="roundRect">
             <a:avLst>
@@ -10493,8 +11584,8 @@
         </p:nvSpPr>
         <p:spPr>
           <a:xfrm>
-            <a:off x="9694440" y="822600"/>
-            <a:ext cx="1229040" cy="919800"/>
+            <a:off x="9694080" y="958320"/>
+            <a:ext cx="1229040" cy="1071720"/>
           </a:xfrm>
           <a:prstGeom prst="roundRect">
             <a:avLst>
@@ -10561,8 +11652,8 @@
         </p:nvSpPr>
         <p:spPr>
           <a:xfrm>
-            <a:off x="7105320" y="822600"/>
-            <a:ext cx="2029320" cy="919800"/>
+            <a:off x="7105320" y="958320"/>
+            <a:ext cx="2029320" cy="1071720"/>
           </a:xfrm>
           <a:prstGeom prst="roundRect">
             <a:avLst>
@@ -10627,8 +11718,8 @@
         </p:nvSpPr>
         <p:spPr>
           <a:xfrm>
-            <a:off x="394920" y="-158760"/>
-            <a:ext cx="3094920" cy="699840"/>
+            <a:off x="395640" y="-184320"/>
+            <a:ext cx="3093480" cy="699840"/>
           </a:xfrm>
           <a:prstGeom prst="rect">
             <a:avLst/>
@@ -10681,8 +11772,8 @@
         </p:nvSpPr>
         <p:spPr>
           <a:xfrm>
-            <a:off x="9387720" y="2356200"/>
-            <a:ext cx="1793880" cy="1743840"/>
+            <a:off x="9387720" y="2744640"/>
+            <a:ext cx="1793880" cy="2031480"/>
           </a:xfrm>
           <a:prstGeom prst="hexagon">
             <a:avLst>
@@ -10779,8 +11870,8 @@
         </p:nvCxnSpPr>
         <p:spPr>
           <a:xfrm>
-            <a:off x="11181600" y="3228120"/>
-            <a:ext cx="808920" cy="13680"/>
+            <a:off x="11181600" y="3760560"/>
+            <a:ext cx="808920" cy="16200"/>
           </a:xfrm>
           <a:prstGeom prst="straightConnector1">
             <a:avLst/>
@@ -10802,8 +11893,8 @@
         </p:nvSpPr>
         <p:spPr>
           <a:xfrm>
-            <a:off x="11990160" y="2781720"/>
-            <a:ext cx="1539720" cy="919800"/>
+            <a:off x="11990160" y="3240360"/>
+            <a:ext cx="1539360" cy="1072080"/>
           </a:xfrm>
           <a:prstGeom prst="roundRect">
             <a:avLst>
@@ -10871,12 +11962,12 @@
         </p:nvCxnSpPr>
         <p:spPr>
           <a:xfrm flipH="1" rot="16200000">
-            <a:off x="10220400" y="1830600"/>
-            <a:ext cx="614160" cy="437040"/>
+            <a:off x="10163880" y="2174760"/>
+            <a:ext cx="714960" cy="425160"/>
           </a:xfrm>
           <a:prstGeom prst="bentConnector3">
             <a:avLst>
-              <a:gd name="adj1" fmla="val 50029"/>
+              <a:gd name="adj1" fmla="val 49974"/>
             </a:avLst>
           </a:prstGeom>
           <a:ln w="38100">
@@ -10899,12 +11990,12 @@
         </p:nvCxnSpPr>
         <p:spPr>
           <a:xfrm flipH="1" flipV="1" rot="5400000">
-            <a:off x="7386480" y="1451160"/>
-            <a:ext cx="224280" cy="3778560"/>
+            <a:off x="7368120" y="2001960"/>
+            <a:ext cx="261000" cy="3778560"/>
           </a:xfrm>
           <a:prstGeom prst="bentConnector4">
             <a:avLst>
-              <a:gd name="adj1" fmla="val -2893"/>
+              <a:gd name="adj1" fmla="val -2486"/>
               <a:gd name="adj2" fmla="val 64421"/>
             </a:avLst>
           </a:prstGeom>
@@ -10928,12 +12019,12 @@
         </p:nvCxnSpPr>
         <p:spPr>
           <a:xfrm flipH="1" rot="16200000">
-            <a:off x="8664840" y="1197000"/>
-            <a:ext cx="614160" cy="1704240"/>
+            <a:off x="8620920" y="1528920"/>
+            <a:ext cx="714960" cy="1716840"/>
           </a:xfrm>
           <a:prstGeom prst="bentConnector3">
             <a:avLst>
-              <a:gd name="adj1" fmla="val 50029"/>
+              <a:gd name="adj1" fmla="val 49974"/>
             </a:avLst>
           </a:prstGeom>
           <a:ln w="38100">
@@ -10956,13 +12047,13 @@
         </p:nvCxnSpPr>
         <p:spPr>
           <a:xfrm flipH="1" rot="16200000">
-            <a:off x="7428240" y="6130080"/>
-            <a:ext cx="5400" cy="3745080"/>
+            <a:off x="7427880" y="7450560"/>
+            <a:ext cx="5760" cy="3744720"/>
           </a:xfrm>
           <a:prstGeom prst="bentConnector4">
             <a:avLst>
-              <a:gd name="adj1" fmla="val 128571"/>
-              <a:gd name="adj2" fmla="val 65227"/>
+              <a:gd name="adj1" fmla="val 120000"/>
+              <a:gd name="adj2" fmla="val 65224"/>
             </a:avLst>
           </a:prstGeom>
           <a:ln w="38100">
@@ -10982,8 +12073,8 @@
         </p:nvSpPr>
         <p:spPr>
           <a:xfrm>
-            <a:off x="11173320" y="5893560"/>
-            <a:ext cx="1229040" cy="919800"/>
+            <a:off x="11172960" y="6865560"/>
+            <a:ext cx="1229040" cy="1071720"/>
           </a:xfrm>
           <a:prstGeom prst="roundRect">
             <a:avLst>
@@ -11050,8 +12141,8 @@
         </p:nvSpPr>
         <p:spPr>
           <a:xfrm>
-            <a:off x="8474760" y="4846680"/>
-            <a:ext cx="2029320" cy="919800"/>
+            <a:off x="8474760" y="5645880"/>
+            <a:ext cx="2029320" cy="1071720"/>
           </a:xfrm>
           <a:prstGeom prst="roundRect">
             <a:avLst>
@@ -11116,8 +12207,8 @@
         </p:nvSpPr>
         <p:spPr>
           <a:xfrm>
-            <a:off x="9303120" y="7133040"/>
-            <a:ext cx="1793880" cy="1743840"/>
+            <a:off x="9302760" y="8309880"/>
+            <a:ext cx="1793880" cy="2031480"/>
           </a:xfrm>
           <a:prstGeom prst="hexagon">
             <a:avLst>
@@ -11213,9 +12304,9 @@
           <p:nvPr/>
         </p:nvCxnSpPr>
         <p:spPr>
-          <a:xfrm flipV="1">
-            <a:off x="11097000" y="8004600"/>
-            <a:ext cx="818280" cy="720"/>
+          <a:xfrm>
+            <a:off x="11096640" y="9325800"/>
+            <a:ext cx="818640" cy="360"/>
           </a:xfrm>
           <a:prstGeom prst="straightConnector1">
             <a:avLst/>
@@ -11237,8 +12328,8 @@
         </p:nvSpPr>
         <p:spPr>
           <a:xfrm>
-            <a:off x="11914920" y="7544880"/>
-            <a:ext cx="1539720" cy="919800"/>
+            <a:off x="11914920" y="8789760"/>
+            <a:ext cx="1539360" cy="1072080"/>
           </a:xfrm>
           <a:prstGeom prst="roundRect">
             <a:avLst>
@@ -11329,8 +12420,8 @@
         </p:nvCxnSpPr>
         <p:spPr>
           <a:xfrm flipV="1" rot="10800000">
-            <a:off x="10660680" y="6353280"/>
-            <a:ext cx="512640" cy="780120"/>
+            <a:off x="10648080" y="7401240"/>
+            <a:ext cx="524880" cy="909000"/>
           </a:xfrm>
           <a:prstGeom prst="bentConnector2">
             <a:avLst/>
@@ -11355,12 +12446,12 @@
         </p:nvCxnSpPr>
         <p:spPr>
           <a:xfrm flipH="1" rot="16200000">
-            <a:off x="8930880" y="6324840"/>
-            <a:ext cx="1366920" cy="250200"/>
+            <a:off x="8824320" y="7382520"/>
+            <a:ext cx="1592640" cy="262440"/>
           </a:xfrm>
           <a:prstGeom prst="bentConnector3">
             <a:avLst>
-              <a:gd name="adj1" fmla="val 50000"/>
+              <a:gd name="adj1" fmla="val 49988"/>
             </a:avLst>
           </a:prstGeom>
           <a:ln w="38100">
@@ -11383,8 +12474,8 @@
         </p:nvCxnSpPr>
         <p:spPr>
           <a:xfrm rot="5400000">
-            <a:off x="11255040" y="4848840"/>
-            <a:ext cx="2652120" cy="357840"/>
+            <a:off x="11036520" y="5677920"/>
+            <a:ext cx="3089160" cy="358200"/>
           </a:xfrm>
           <a:prstGeom prst="bentConnector2">
             <a:avLst/>
@@ -11406,8 +12497,8 @@
         </p:nvSpPr>
         <p:spPr>
           <a:xfrm>
-            <a:off x="7666560" y="5988960"/>
-            <a:ext cx="1227240" cy="919800"/>
+            <a:off x="7666200" y="6977160"/>
+            <a:ext cx="1227240" cy="1071720"/>
           </a:xfrm>
           <a:prstGeom prst="roundRect">
             <a:avLst>
@@ -11475,8 +12566,8 @@
         </p:nvCxnSpPr>
         <p:spPr>
           <a:xfrm>
-            <a:off x="8893800" y="6448680"/>
-            <a:ext cx="845640" cy="684720"/>
+            <a:off x="8893440" y="7512840"/>
+            <a:ext cx="858240" cy="797400"/>
           </a:xfrm>
           <a:prstGeom prst="bentConnector2">
             <a:avLst/>
@@ -11501,8 +12592,8 @@
         </p:nvCxnSpPr>
         <p:spPr>
           <a:xfrm rot="5400000">
-            <a:off x="10021320" y="4582440"/>
-            <a:ext cx="1206720" cy="241920"/>
+            <a:off x="9915840" y="5364360"/>
+            <a:ext cx="1405800" cy="229680"/>
           </a:xfrm>
           <a:prstGeom prst="bentConnector2">
             <a:avLst/>
@@ -11528,8 +12619,8 @@
         </p:blipFill>
         <p:spPr>
           <a:xfrm>
-            <a:off x="532800" y="3269520"/>
-            <a:ext cx="1308600" cy="1493640"/>
+            <a:off x="532440" y="3808440"/>
+            <a:ext cx="1308600" cy="1740240"/>
           </a:xfrm>
           <a:prstGeom prst="rect">
             <a:avLst/>
@@ -11550,8 +12641,8 @@
         </p:nvCxnSpPr>
         <p:spPr>
           <a:xfrm flipV="1">
-            <a:off x="1841400" y="2464920"/>
-            <a:ext cx="2254680" cy="1551600"/>
+            <a:off x="1841040" y="2871360"/>
+            <a:ext cx="2254680" cy="1807560"/>
           </a:xfrm>
           <a:prstGeom prst="bentConnector3">
             <a:avLst>
@@ -11578,8 +12669,8 @@
         </p:nvCxnSpPr>
         <p:spPr>
           <a:xfrm>
-            <a:off x="1841400" y="4016160"/>
-            <a:ext cx="5825520" cy="2432880"/>
+            <a:off x="1841040" y="4678560"/>
+            <a:ext cx="5825520" cy="2834640"/>
           </a:xfrm>
           <a:prstGeom prst="bentConnector3">
             <a:avLst>
@@ -11603,8 +12694,8 @@
         </p:nvSpPr>
         <p:spPr>
           <a:xfrm>
-            <a:off x="4519080" y="852480"/>
-            <a:ext cx="2181240" cy="2599560"/>
+            <a:off x="4519080" y="992520"/>
+            <a:ext cx="2181240" cy="3028680"/>
           </a:xfrm>
           <a:prstGeom prst="verticalScroll">
             <a:avLst>
@@ -11697,8 +12788,8 @@
         </p:nvSpPr>
         <p:spPr>
           <a:xfrm>
-            <a:off x="4417200" y="5307480"/>
-            <a:ext cx="2282760" cy="2692440"/>
+            <a:off x="4417200" y="6183000"/>
+            <a:ext cx="2282400" cy="3137400"/>
           </a:xfrm>
           <a:prstGeom prst="verticalScroll">
             <a:avLst>
@@ -11821,8 +12912,8 @@
         </p:nvSpPr>
         <p:spPr>
           <a:xfrm>
-            <a:off x="1748160" y="5250960"/>
-            <a:ext cx="11129760" cy="3606480"/>
+            <a:off x="1748160" y="6117120"/>
+            <a:ext cx="11129760" cy="4201560"/>
           </a:xfrm>
           <a:prstGeom prst="roundRect">
             <a:avLst>
@@ -11883,8 +12974,8 @@
         </p:nvSpPr>
         <p:spPr>
           <a:xfrm>
-            <a:off x="2024280" y="6232680"/>
-            <a:ext cx="1811160" cy="1704960"/>
+            <a:off x="2024280" y="7260840"/>
+            <a:ext cx="1810800" cy="1986480"/>
           </a:xfrm>
           <a:prstGeom prst="ellipse">
             <a:avLst/>
@@ -11993,8 +13084,8 @@
         </p:nvSpPr>
         <p:spPr>
           <a:xfrm>
-            <a:off x="4254120" y="6782040"/>
-            <a:ext cx="1539720" cy="631080"/>
+            <a:off x="4254120" y="7900920"/>
+            <a:ext cx="1539360" cy="735120"/>
           </a:xfrm>
           <a:prstGeom prst="roundRect">
             <a:avLst>
@@ -12059,8 +13150,8 @@
         </p:nvSpPr>
         <p:spPr>
           <a:xfrm>
-            <a:off x="6319800" y="6151320"/>
-            <a:ext cx="2104200" cy="1909800"/>
+            <a:off x="6319800" y="7165800"/>
+            <a:ext cx="2103840" cy="2225160"/>
           </a:xfrm>
           <a:prstGeom prst="hexagon">
             <a:avLst>
@@ -12131,8 +13222,8 @@
         </p:nvSpPr>
         <p:spPr>
           <a:xfrm>
-            <a:off x="8842320" y="6793920"/>
-            <a:ext cx="1539720" cy="631080"/>
+            <a:off x="8842320" y="7914600"/>
+            <a:ext cx="1539360" cy="735120"/>
           </a:xfrm>
           <a:prstGeom prst="roundRect">
             <a:avLst>
@@ -12197,8 +13288,8 @@
         </p:nvSpPr>
         <p:spPr>
           <a:xfrm>
-            <a:off x="12281760" y="4205160"/>
-            <a:ext cx="1815840" cy="700920"/>
+            <a:off x="12281760" y="4898520"/>
+            <a:ext cx="1815480" cy="816840"/>
           </a:xfrm>
           <a:prstGeom prst="roundRect">
             <a:avLst>
@@ -12263,8 +13354,8 @@
         </p:nvSpPr>
         <p:spPr>
           <a:xfrm rot="5400000">
-            <a:off x="10499760" y="6276240"/>
-            <a:ext cx="2401920" cy="1663200"/>
+            <a:off x="10301400" y="7449120"/>
+            <a:ext cx="2798280" cy="1662840"/>
           </a:xfrm>
           <a:prstGeom prst="trapezoid">
             <a:avLst>
@@ -12334,8 +13425,8 @@
         </p:nvCxnSpPr>
         <p:spPr>
           <a:xfrm flipV="1">
-            <a:off x="12532320" y="4906080"/>
-            <a:ext cx="657720" cy="2202120"/>
+            <a:off x="12531960" y="5715360"/>
+            <a:ext cx="657720" cy="2565720"/>
           </a:xfrm>
           <a:prstGeom prst="bentConnector2">
             <a:avLst/>
@@ -12357,8 +13448,8 @@
         </p:nvSpPr>
         <p:spPr>
           <a:xfrm>
-            <a:off x="3566520" y="1751760"/>
-            <a:ext cx="1810800" cy="2161080"/>
+            <a:off x="3566520" y="2040120"/>
+            <a:ext cx="1810440" cy="2518200"/>
           </a:xfrm>
           <a:prstGeom prst="verticalScroll">
             <a:avLst>
@@ -12454,8 +13545,8 @@
         </p:nvCxnSpPr>
         <p:spPr>
           <a:xfrm>
-            <a:off x="3835440" y="7085160"/>
-            <a:ext cx="419040" cy="12600"/>
+            <a:off x="3835080" y="8254080"/>
+            <a:ext cx="419400" cy="14760"/>
           </a:xfrm>
           <a:prstGeom prst="straightConnector1">
             <a:avLst/>
@@ -12480,8 +13571,8 @@
         </p:nvCxnSpPr>
         <p:spPr>
           <a:xfrm>
-            <a:off x="5793840" y="7097400"/>
-            <a:ext cx="526320" cy="9360"/>
+            <a:off x="5793480" y="8268480"/>
+            <a:ext cx="526680" cy="10440"/>
           </a:xfrm>
           <a:prstGeom prst="straightConnector1">
             <a:avLst/>
@@ -12506,8 +13597,8 @@
         </p:nvCxnSpPr>
         <p:spPr>
           <a:xfrm>
-            <a:off x="8424000" y="7106400"/>
-            <a:ext cx="418680" cy="3240"/>
+            <a:off x="8423640" y="8278560"/>
+            <a:ext cx="419040" cy="3960"/>
           </a:xfrm>
           <a:prstGeom prst="straightConnector1">
             <a:avLst/>
@@ -12532,8 +13623,8 @@
         </p:nvCxnSpPr>
         <p:spPr>
           <a:xfrm flipV="1">
-            <a:off x="10382040" y="7107840"/>
-            <a:ext cx="487440" cy="1800"/>
+            <a:off x="10381680" y="8280720"/>
+            <a:ext cx="488160" cy="1800"/>
           </a:xfrm>
           <a:prstGeom prst="straightConnector1">
             <a:avLst/>
@@ -12555,8 +13646,8 @@
         </p:nvSpPr>
         <p:spPr>
           <a:xfrm>
-            <a:off x="409680" y="-158760"/>
-            <a:ext cx="3180240" cy="699840"/>
+            <a:off x="410400" y="-184320"/>
+            <a:ext cx="3178800" cy="699840"/>
           </a:xfrm>
           <a:prstGeom prst="rect">
             <a:avLst/>
@@ -12612,12 +13703,12 @@
         </p:nvCxnSpPr>
         <p:spPr>
           <a:xfrm rot="5400000">
-            <a:off x="2540880" y="4302000"/>
-            <a:ext cx="2320200" cy="1542240"/>
+            <a:off x="2349000" y="5138640"/>
+            <a:ext cx="2702880" cy="1542240"/>
           </a:xfrm>
           <a:prstGeom prst="bentConnector3">
             <a:avLst>
-              <a:gd name="adj1" fmla="val 50000"/>
+              <a:gd name="adj1" fmla="val 50006"/>
             </a:avLst>
           </a:prstGeom>
           <a:ln w="38100">
@@ -12637,8 +13728,8 @@
         </p:nvSpPr>
         <p:spPr>
           <a:xfrm>
-            <a:off x="740520" y="1751760"/>
-            <a:ext cx="1523520" cy="2161080"/>
+            <a:off x="740520" y="2040120"/>
+            <a:ext cx="1523160" cy="2517840"/>
           </a:xfrm>
           <a:prstGeom prst="can">
             <a:avLst>
@@ -12731,7 +13822,7 @@
         </p:nvCxnSpPr>
         <p:spPr>
           <a:xfrm>
-            <a:off x="740520" y="2832120"/>
+            <a:off x="740520" y="3299040"/>
             <a:ext cx="2826360" cy="360"/>
           </a:xfrm>
           <a:prstGeom prst="straightConnector1">
@@ -12758,8 +13849,8 @@
         </p:blipFill>
         <p:spPr>
           <a:xfrm>
-            <a:off x="8688240" y="1256400"/>
-            <a:ext cx="3389040" cy="2901240"/>
+            <a:off x="8687880" y="1463040"/>
+            <a:ext cx="3389040" cy="3380040"/>
           </a:xfrm>
           <a:prstGeom prst="rect">
             <a:avLst/>
@@ -12780,8 +13871,8 @@
         </p:nvCxnSpPr>
         <p:spPr>
           <a:xfrm flipV="1" rot="16200000">
-            <a:off x="11884320" y="2899800"/>
-            <a:ext cx="1498680" cy="1112760"/>
+            <a:off x="11760480" y="3469320"/>
+            <a:ext cx="1746000" cy="1112760"/>
           </a:xfrm>
           <a:prstGeom prst="bentConnector2">
             <a:avLst/>
@@ -12833,8 +13924,8 @@
         </p:nvSpPr>
         <p:spPr>
           <a:xfrm>
-            <a:off x="2846880" y="1358280"/>
-            <a:ext cx="8447760" cy="7548480"/>
+            <a:off x="2846520" y="1581840"/>
+            <a:ext cx="8447760" cy="8794440"/>
           </a:xfrm>
           <a:prstGeom prst="roundRect">
             <a:avLst>
@@ -12904,8 +13995,8 @@
         </p:nvSpPr>
         <p:spPr>
           <a:xfrm>
-            <a:off x="3629520" y="6756480"/>
-            <a:ext cx="1811160" cy="1704960"/>
+            <a:off x="3629520" y="7871040"/>
+            <a:ext cx="1810800" cy="1986480"/>
           </a:xfrm>
           <a:prstGeom prst="ellipse">
             <a:avLst/>
@@ -13014,8 +14105,8 @@
         </p:nvSpPr>
         <p:spPr>
           <a:xfrm>
-            <a:off x="6393960" y="6385320"/>
-            <a:ext cx="1539720" cy="631080"/>
+            <a:off x="6393960" y="7438680"/>
+            <a:ext cx="1539360" cy="735120"/>
           </a:xfrm>
           <a:prstGeom prst="roundRect">
             <a:avLst>
@@ -13080,8 +14171,8 @@
         </p:nvSpPr>
         <p:spPr>
           <a:xfrm>
-            <a:off x="6393960" y="8062200"/>
-            <a:ext cx="1539720" cy="631080"/>
+            <a:off x="6393960" y="9392400"/>
+            <a:ext cx="1539360" cy="735120"/>
           </a:xfrm>
           <a:prstGeom prst="roundRect">
             <a:avLst>
@@ -13146,8 +14237,8 @@
         </p:nvSpPr>
         <p:spPr>
           <a:xfrm>
-            <a:off x="6393960" y="7223400"/>
-            <a:ext cx="1539720" cy="631080"/>
+            <a:off x="6393960" y="8415000"/>
+            <a:ext cx="1539360" cy="735120"/>
           </a:xfrm>
           <a:prstGeom prst="roundRect">
             <a:avLst>
@@ -13215,12 +14306,12 @@
         </p:nvCxnSpPr>
         <p:spPr>
           <a:xfrm flipV="1">
-            <a:off x="5440680" y="6700680"/>
-            <a:ext cx="953640" cy="908640"/>
+            <a:off x="5440320" y="7806240"/>
+            <a:ext cx="954000" cy="1058400"/>
           </a:xfrm>
           <a:prstGeom prst="bentConnector3">
             <a:avLst>
-              <a:gd name="adj1" fmla="val 49320"/>
+              <a:gd name="adj1" fmla="val 49339"/>
             </a:avLst>
           </a:prstGeom>
           <a:ln w="38100">
@@ -13243,12 +14334,12 @@
         </p:nvCxnSpPr>
         <p:spPr>
           <a:xfrm flipV="1">
-            <a:off x="5440680" y="7538760"/>
-            <a:ext cx="953640" cy="70560"/>
+            <a:off x="5440320" y="8782560"/>
+            <a:ext cx="954000" cy="82080"/>
           </a:xfrm>
           <a:prstGeom prst="bentConnector3">
             <a:avLst>
-              <a:gd name="adj1" fmla="val 49320"/>
+              <a:gd name="adj1" fmla="val 49339"/>
             </a:avLst>
           </a:prstGeom>
           <a:ln w="38100">
@@ -13271,12 +14362,12 @@
         </p:nvCxnSpPr>
         <p:spPr>
           <a:xfrm>
-            <a:off x="5440680" y="7608960"/>
-            <a:ext cx="953640" cy="768960"/>
+            <a:off x="5440320" y="8864280"/>
+            <a:ext cx="954000" cy="896040"/>
           </a:xfrm>
           <a:prstGeom prst="bentConnector3">
             <a:avLst>
-              <a:gd name="adj1" fmla="val 49320"/>
+              <a:gd name="adj1" fmla="val 49339"/>
             </a:avLst>
           </a:prstGeom>
           <a:ln w="38100">
@@ -13296,8 +14387,8 @@
         </p:nvSpPr>
         <p:spPr>
           <a:xfrm>
-            <a:off x="1248840" y="-158760"/>
-            <a:ext cx="9439560" cy="699840"/>
+            <a:off x="1249560" y="-184320"/>
+            <a:ext cx="9438120" cy="699840"/>
           </a:xfrm>
           <a:prstGeom prst="rect">
             <a:avLst/>
@@ -13350,8 +14441,8 @@
         </p:nvSpPr>
         <p:spPr>
           <a:xfrm>
-            <a:off x="6291000" y="1743480"/>
-            <a:ext cx="2186280" cy="738360"/>
+            <a:off x="6291000" y="2030760"/>
+            <a:ext cx="2186280" cy="860400"/>
           </a:xfrm>
           <a:prstGeom prst="roundRect">
             <a:avLst>
@@ -13425,8 +14516,8 @@
         </p:blipFill>
         <p:spPr>
           <a:xfrm>
-            <a:off x="1280880" y="1391040"/>
-            <a:ext cx="1308600" cy="1493640"/>
+            <a:off x="1280520" y="1620000"/>
+            <a:ext cx="1308600" cy="1740240"/>
           </a:xfrm>
           <a:prstGeom prst="rect">
             <a:avLst/>
@@ -13444,8 +14535,8 @@
         </p:nvSpPr>
         <p:spPr>
           <a:xfrm>
-            <a:off x="3735360" y="1855800"/>
-            <a:ext cx="1539720" cy="543960"/>
+            <a:off x="3735360" y="2161440"/>
+            <a:ext cx="1539360" cy="633600"/>
           </a:xfrm>
           <a:prstGeom prst="roundRect">
             <a:avLst>
@@ -13513,8 +14604,8 @@
         </p:nvCxnSpPr>
         <p:spPr>
           <a:xfrm flipV="1">
-            <a:off x="5275080" y="2112480"/>
-            <a:ext cx="1016280" cy="15480"/>
+            <a:off x="5274720" y="2460960"/>
+            <a:ext cx="1016640" cy="17640"/>
           </a:xfrm>
           <a:prstGeom prst="straightConnector1">
             <a:avLst/>
@@ -13536,8 +14627,8 @@
         </p:nvSpPr>
         <p:spPr>
           <a:xfrm>
-            <a:off x="9375840" y="1791720"/>
-            <a:ext cx="1662120" cy="641520"/>
+            <a:off x="9375480" y="2086920"/>
+            <a:ext cx="1662120" cy="747360"/>
           </a:xfrm>
           <a:prstGeom prst="roundRect">
             <a:avLst>
@@ -13604,9 +14695,9 @@
           <p:nvPr/>
         </p:nvCxnSpPr>
         <p:spPr>
-          <a:xfrm>
-            <a:off x="8477280" y="2112480"/>
-            <a:ext cx="898920" cy="360"/>
+          <a:xfrm flipV="1">
+            <a:off x="8477280" y="2460600"/>
+            <a:ext cx="898560" cy="720"/>
           </a:xfrm>
           <a:prstGeom prst="straightConnector1">
             <a:avLst/>
@@ -13632,8 +14723,8 @@
         </p:blipFill>
         <p:spPr>
           <a:xfrm>
-            <a:off x="8121600" y="3337200"/>
-            <a:ext cx="2723040" cy="2331000"/>
+            <a:off x="8121240" y="3888000"/>
+            <a:ext cx="2723040" cy="2715840"/>
           </a:xfrm>
           <a:prstGeom prst="rect">
             <a:avLst/>
@@ -13654,12 +14745,12 @@
         </p:nvCxnSpPr>
         <p:spPr>
           <a:xfrm rot="5400000">
-            <a:off x="9392760" y="2523240"/>
-            <a:ext cx="904320" cy="723960"/>
+            <a:off x="9317520" y="2999160"/>
+            <a:ext cx="1054080" cy="723960"/>
           </a:xfrm>
           <a:prstGeom prst="bentConnector3">
             <a:avLst>
-              <a:gd name="adj1" fmla="val 51095"/>
+              <a:gd name="adj1" fmla="val 50939"/>
             </a:avLst>
           </a:prstGeom>
           <a:ln w="38100">
@@ -13682,12 +14773,12 @@
         </p:nvCxnSpPr>
         <p:spPr>
           <a:xfrm flipV="1" rot="10800000">
-            <a:off x="3629520" y="4502160"/>
-            <a:ext cx="4492440" cy="3106800"/>
+            <a:off x="3629160" y="5245560"/>
+            <a:ext cx="4492080" cy="3618720"/>
           </a:xfrm>
           <a:prstGeom prst="bentConnector3">
             <a:avLst>
-              <a:gd name="adj1" fmla="val 100152"/>
+              <a:gd name="adj1" fmla="val 100144"/>
             </a:avLst>
           </a:prstGeom>
           <a:ln w="38100">
@@ -13707,8 +14798,8 @@
         </p:nvSpPr>
         <p:spPr>
           <a:xfrm>
-            <a:off x="9158760" y="6667560"/>
-            <a:ext cx="1793880" cy="1743840"/>
+            <a:off x="9158400" y="7767720"/>
+            <a:ext cx="1793880" cy="2031480"/>
           </a:xfrm>
           <a:prstGeom prst="hexagon">
             <a:avLst>
@@ -13805,8 +14896,8 @@
         </p:nvCxnSpPr>
         <p:spPr>
           <a:xfrm>
-            <a:off x="7933680" y="6700680"/>
-            <a:ext cx="1225440" cy="839160"/>
+            <a:off x="7933320" y="7806240"/>
+            <a:ext cx="1225440" cy="977760"/>
           </a:xfrm>
           <a:prstGeom prst="bentConnector3">
             <a:avLst>
@@ -13833,8 +14924,8 @@
         </p:nvCxnSpPr>
         <p:spPr>
           <a:xfrm>
-            <a:off x="7933680" y="7538760"/>
-            <a:ext cx="1225440" cy="1080"/>
+            <a:off x="7933320" y="8782560"/>
+            <a:ext cx="1225440" cy="1440"/>
           </a:xfrm>
           <a:prstGeom prst="bentConnector3">
             <a:avLst>
@@ -13861,8 +14952,8 @@
         </p:nvCxnSpPr>
         <p:spPr>
           <a:xfrm flipV="1">
-            <a:off x="7933680" y="7539480"/>
-            <a:ext cx="1225440" cy="838440"/>
+            <a:off x="7933320" y="8783640"/>
+            <a:ext cx="1225440" cy="976680"/>
           </a:xfrm>
           <a:prstGeom prst="bentConnector3">
             <a:avLst>
@@ -13886,8 +14977,8 @@
         </p:nvSpPr>
         <p:spPr>
           <a:xfrm>
-            <a:off x="11743200" y="7058160"/>
-            <a:ext cx="1539720" cy="1002240"/>
+            <a:off x="11743200" y="8222400"/>
+            <a:ext cx="1539360" cy="1167480"/>
           </a:xfrm>
           <a:prstGeom prst="roundRect">
             <a:avLst>
@@ -13978,8 +15069,8 @@
         </p:nvCxnSpPr>
         <p:spPr>
           <a:xfrm>
-            <a:off x="10952640" y="7539480"/>
-            <a:ext cx="790920" cy="20160"/>
+            <a:off x="10952280" y="8783640"/>
+            <a:ext cx="791280" cy="22680"/>
           </a:xfrm>
           <a:prstGeom prst="straightConnector1">
             <a:avLst/>
@@ -14004,8 +15095,8 @@
         </p:nvCxnSpPr>
         <p:spPr>
           <a:xfrm flipV="1">
-            <a:off x="2589480" y="2127600"/>
-            <a:ext cx="1146240" cy="10440"/>
+            <a:off x="2589120" y="2478240"/>
+            <a:ext cx="1146600" cy="12240"/>
           </a:xfrm>
           <a:prstGeom prst="straightConnector1">
             <a:avLst/>
@@ -14061,8 +15152,8 @@
         </p:blipFill>
         <p:spPr>
           <a:xfrm>
-            <a:off x="667800" y="1283400"/>
-            <a:ext cx="13098600" cy="7631640"/>
+            <a:off x="667440" y="1494720"/>
+            <a:ext cx="13098600" cy="8891280"/>
           </a:xfrm>
           <a:prstGeom prst="rect">
             <a:avLst/>
@@ -14080,8 +15171,8 @@
         </p:nvSpPr>
         <p:spPr>
           <a:xfrm>
-            <a:off x="522360" y="-158760"/>
-            <a:ext cx="4088520" cy="699840"/>
+            <a:off x="522720" y="-184320"/>
+            <a:ext cx="4087080" cy="699840"/>
           </a:xfrm>
           <a:prstGeom prst="rect">
             <a:avLst/>
@@ -14164,8 +15255,8 @@
         </p:nvSpPr>
         <p:spPr>
           <a:xfrm>
-            <a:off x="698760" y="-158760"/>
-            <a:ext cx="5421960" cy="699840"/>
+            <a:off x="699120" y="-184320"/>
+            <a:ext cx="5420520" cy="699840"/>
           </a:xfrm>
           <a:prstGeom prst="rect">
             <a:avLst/>
@@ -14218,7 +15309,7 @@
         </p:nvSpPr>
         <p:spPr>
           <a:xfrm>
-            <a:off x="262800" y="1225800"/>
+            <a:off x="262440" y="1427760"/>
             <a:ext cx="14172120" cy="5233320"/>
           </a:xfrm>
           <a:prstGeom prst="rect">
@@ -14545,8 +15636,8 @@
         </p:nvSpPr>
         <p:spPr>
           <a:xfrm>
-            <a:off x="698760" y="-158760"/>
-            <a:ext cx="5421960" cy="699840"/>
+            <a:off x="699120" y="-184320"/>
+            <a:ext cx="5420520" cy="699840"/>
           </a:xfrm>
           <a:prstGeom prst="rect">
             <a:avLst/>
@@ -14599,7 +15690,7 @@
         </p:nvSpPr>
         <p:spPr>
           <a:xfrm>
-            <a:off x="262800" y="997920"/>
+            <a:off x="262440" y="1162440"/>
             <a:ext cx="14172120" cy="5687640"/>
           </a:xfrm>
           <a:prstGeom prst="rect">
@@ -14877,8 +15968,8 @@
         </p:nvSpPr>
         <p:spPr>
           <a:xfrm>
-            <a:off x="5039280" y="4572720"/>
-            <a:ext cx="5818680" cy="4183560"/>
+            <a:off x="5039280" y="5326560"/>
+            <a:ext cx="5818680" cy="4874040"/>
           </a:xfrm>
           <a:prstGeom prst="roundRect">
             <a:avLst>
@@ -14948,8 +16039,8 @@
         </p:nvSpPr>
         <p:spPr>
           <a:xfrm>
-            <a:off x="3182400" y="3740760"/>
-            <a:ext cx="1856160" cy="740520"/>
+            <a:off x="3182400" y="4357440"/>
+            <a:ext cx="1856160" cy="863280"/>
           </a:xfrm>
           <a:prstGeom prst="roundRect">
             <a:avLst>
@@ -15019,8 +16110,8 @@
         </p:nvCxnSpPr>
         <p:spPr>
           <a:xfrm flipV="1">
-            <a:off x="5038560" y="1981080"/>
-            <a:ext cx="3222360" cy="2130120"/>
+            <a:off x="5038560" y="2307960"/>
+            <a:ext cx="3222360" cy="2481480"/>
           </a:xfrm>
           <a:prstGeom prst="bentConnector3">
             <a:avLst>
@@ -15044,8 +16135,8 @@
         </p:nvSpPr>
         <p:spPr>
           <a:xfrm>
-            <a:off x="5275800" y="4803120"/>
-            <a:ext cx="1940760" cy="919800"/>
+            <a:off x="5275440" y="5595120"/>
+            <a:ext cx="1940760" cy="1071720"/>
           </a:xfrm>
           <a:prstGeom prst="roundRect">
             <a:avLst>
@@ -15115,7 +16206,7 @@
         <p:spPr>
           <a:xfrm>
             <a:off x="2039400" y="3976200"/>
-            <a:ext cx="1143360" cy="135000"/>
+            <a:ext cx="1143360" cy="813240"/>
           </a:xfrm>
           <a:prstGeom prst="bentConnector3">
             <a:avLst>
@@ -15143,8 +16234,8 @@
         </p:nvSpPr>
         <p:spPr>
           <a:xfrm>
-            <a:off x="992160" y="493560"/>
-            <a:ext cx="12449520" cy="1790640"/>
+            <a:off x="991800" y="574560"/>
+            <a:ext cx="12449520" cy="2086200"/>
           </a:xfrm>
           <a:prstGeom prst="rect">
             <a:avLst/>
@@ -15179,8 +16270,8 @@
         </p:nvSpPr>
         <p:spPr>
           <a:xfrm>
-            <a:off x="3331080" y="4803120"/>
-            <a:ext cx="1229040" cy="919800"/>
+            <a:off x="3330720" y="5595120"/>
+            <a:ext cx="1229040" cy="1071720"/>
           </a:xfrm>
           <a:prstGeom prst="roundRect">
             <a:avLst>
@@ -15248,8 +16339,8 @@
         </p:nvSpPr>
         <p:spPr>
           <a:xfrm>
-            <a:off x="8163360" y="3141720"/>
-            <a:ext cx="1693080" cy="919800"/>
+            <a:off x="8163000" y="3659760"/>
+            <a:ext cx="1693080" cy="1072080"/>
           </a:xfrm>
           <a:prstGeom prst="roundRect">
             <a:avLst>
@@ -15318,8 +16409,8 @@
         </p:blipFill>
         <p:spPr>
           <a:xfrm>
-            <a:off x="2266200" y="6499080"/>
-            <a:ext cx="1308600" cy="1493640"/>
+            <a:off x="2265840" y="7571160"/>
+            <a:ext cx="1308600" cy="1740240"/>
           </a:xfrm>
           <a:prstGeom prst="rect">
             <a:avLst/>
@@ -15337,8 +16428,8 @@
         </p:nvSpPr>
         <p:spPr>
           <a:xfrm>
-            <a:off x="408600" y="-158760"/>
-            <a:ext cx="2706480" cy="699840"/>
+            <a:off x="408960" y="-184320"/>
+            <a:ext cx="2705040" cy="699840"/>
           </a:xfrm>
           <a:prstGeom prst="rect">
             <a:avLst/>
@@ -15394,8 +16485,8 @@
         </p:nvCxnSpPr>
         <p:spPr>
           <a:xfrm flipH="1" flipV="1" rot="5400000">
-            <a:off x="2507400" y="5675760"/>
-            <a:ext cx="1236600" cy="411120"/>
+            <a:off x="2404800" y="6645600"/>
+            <a:ext cx="1440720" cy="411120"/>
           </a:xfrm>
           <a:prstGeom prst="bentConnector2">
             <a:avLst/>
@@ -15420,8 +16511,8 @@
         </p:nvCxnSpPr>
         <p:spPr>
           <a:xfrm>
-            <a:off x="5038560" y="4110840"/>
-            <a:ext cx="1207800" cy="692640"/>
+            <a:off x="5038560" y="4789080"/>
+            <a:ext cx="1207440" cy="806400"/>
           </a:xfrm>
           <a:prstGeom prst="bentConnector2">
             <a:avLst/>
@@ -15446,8 +16537,8 @@
         </p:nvCxnSpPr>
         <p:spPr>
           <a:xfrm>
-            <a:off x="7216560" y="5262840"/>
-            <a:ext cx="1348200" cy="42120"/>
+            <a:off x="7216200" y="6130800"/>
+            <a:ext cx="1348560" cy="49680"/>
           </a:xfrm>
           <a:prstGeom prst="straightConnector1">
             <a:avLst/>
@@ -15472,8 +16563,8 @@
         </p:nvCxnSpPr>
         <p:spPr>
           <a:xfrm flipV="1">
-            <a:off x="7216560" y="3601440"/>
-            <a:ext cx="947160" cy="1661760"/>
+            <a:off x="7216200" y="4195800"/>
+            <a:ext cx="947160" cy="1935360"/>
           </a:xfrm>
           <a:prstGeom prst="straightConnector1">
             <a:avLst/>
@@ -15498,7 +16589,7 @@
         </p:nvCxnSpPr>
         <p:spPr>
           <a:xfrm flipV="1">
-            <a:off x="9316440" y="1980720"/>
+            <a:off x="9316440" y="2307600"/>
             <a:ext cx="1020240" cy="720"/>
           </a:xfrm>
           <a:prstGeom prst="straightConnector1">
@@ -15521,8 +16612,8 @@
         </p:nvSpPr>
         <p:spPr>
           <a:xfrm>
-            <a:off x="8260560" y="1647720"/>
-            <a:ext cx="1055880" cy="666720"/>
+            <a:off x="8260560" y="1919520"/>
+            <a:ext cx="1055880" cy="776880"/>
           </a:xfrm>
           <a:prstGeom prst="roundRect">
             <a:avLst>
@@ -15592,12 +16683,12 @@
         </p:nvCxnSpPr>
         <p:spPr>
           <a:xfrm flipV="1" rot="16200000">
-            <a:off x="8485200" y="2617200"/>
-            <a:ext cx="827640" cy="221760"/>
+            <a:off x="8417160" y="3067560"/>
+            <a:ext cx="963720" cy="221400"/>
           </a:xfrm>
           <a:prstGeom prst="bentConnector3">
             <a:avLst>
-              <a:gd name="adj1" fmla="val 80156"/>
+              <a:gd name="adj1" fmla="val 75859"/>
             </a:avLst>
           </a:prstGeom>
           <a:ln w="38100">
@@ -15617,8 +16708,8 @@
         </p:nvSpPr>
         <p:spPr>
           <a:xfrm>
-            <a:off x="10336320" y="1521000"/>
-            <a:ext cx="1539720" cy="919800"/>
+            <a:off x="10336320" y="1771560"/>
+            <a:ext cx="1539360" cy="1072080"/>
           </a:xfrm>
           <a:prstGeom prst="roundRect">
             <a:avLst>
@@ -15683,8 +16774,8 @@
         </p:nvSpPr>
         <p:spPr>
           <a:xfrm>
-            <a:off x="8564400" y="4844880"/>
-            <a:ext cx="1539720" cy="919800"/>
+            <a:off x="8564400" y="5644080"/>
+            <a:ext cx="1539360" cy="1072080"/>
           </a:xfrm>
           <a:prstGeom prst="roundRect">
             <a:avLst>
@@ -15749,8 +16840,8 @@
         </p:nvSpPr>
         <p:spPr>
           <a:xfrm>
-            <a:off x="8100720" y="7629840"/>
-            <a:ext cx="2433240" cy="727920"/>
+            <a:off x="8100720" y="8888400"/>
+            <a:ext cx="2432880" cy="848520"/>
           </a:xfrm>
           <a:prstGeom prst="roundRect">
             <a:avLst>
@@ -15823,7 +16914,7 @@
         </p:nvCxnSpPr>
         <p:spPr>
           <a:xfrm>
-            <a:off x="4560120" y="5262840"/>
+            <a:off x="4559760" y="6130800"/>
             <a:ext cx="716040" cy="360"/>
           </a:xfrm>
           <a:prstGeom prst="straightConnector1">
@@ -15849,8 +16940,8 @@
         </p:nvCxnSpPr>
         <p:spPr>
           <a:xfrm flipH="1">
-            <a:off x="9317160" y="5764680"/>
-            <a:ext cx="17280" cy="1865520"/>
+            <a:off x="9317160" y="6716160"/>
+            <a:ext cx="17280" cy="2172600"/>
           </a:xfrm>
           <a:prstGeom prst="straightConnector1">
             <a:avLst/>
@@ -15875,8 +16966,8 @@
         </p:nvCxnSpPr>
         <p:spPr>
           <a:xfrm rot="10800000">
-            <a:off x="6246000" y="5722920"/>
-            <a:ext cx="1855080" cy="2271240"/>
+            <a:off x="6245280" y="6666480"/>
+            <a:ext cx="1855440" cy="2646000"/>
           </a:xfrm>
           <a:prstGeom prst="bentConnector2">
             <a:avLst/>
@@ -15898,8 +16989,8 @@
         </p:nvSpPr>
         <p:spPr>
           <a:xfrm>
-            <a:off x="11877480" y="4847760"/>
-            <a:ext cx="1539720" cy="919800"/>
+            <a:off x="11877480" y="5647320"/>
+            <a:ext cx="1539360" cy="1072080"/>
           </a:xfrm>
           <a:prstGeom prst="roundRect">
             <a:avLst>
@@ -15967,8 +17058,8 @@
         </p:nvCxnSpPr>
         <p:spPr>
           <a:xfrm>
-            <a:off x="10104120" y="5304600"/>
-            <a:ext cx="1773720" cy="3240"/>
+            <a:off x="10103760" y="6180120"/>
+            <a:ext cx="1774080" cy="3600"/>
           </a:xfrm>
           <a:prstGeom prst="straightConnector1">
             <a:avLst/>
@@ -15990,8 +17081,8 @@
         </p:nvSpPr>
         <p:spPr>
           <a:xfrm>
-            <a:off x="542160" y="845280"/>
-            <a:ext cx="13622400" cy="8182440"/>
+            <a:off x="542160" y="984600"/>
+            <a:ext cx="13622400" cy="9533160"/>
           </a:xfrm>
           <a:prstGeom prst="roundRect">
             <a:avLst>

--- a/IDEAS.pptx
+++ b/IDEAS.pptx
@@ -17,7 +17,7 @@
     <p:sldId id="265" r:id="rId12"/>
     <p:sldId id="266" r:id="rId13"/>
   </p:sldIdLst>
-  <p:sldSz cx="14436725" cy="10799763"/>
+  <p:sldSz cx="21636038" cy="10799763"/>
   <p:notesSz cx="7559675" cy="10691813"/>
 </p:presentation>
 </file>
@@ -73,7 +73,7 @@
         <p:txBody>
           <a:bodyPr/>
           <a:p>
-            <a:fld id="{C12C6882-3E24-4C27-AA05-1184811E5136}" type="slidenum">
+            <a:fld id="{47912B70-032D-45D0-9CF6-597E4D3C5ADF}" type="slidenum">
               <a:t>&lt;#&gt;</a:t>
             </a:fld>
           </a:p>
@@ -134,8 +134,8 @@
         </p:nvSpPr>
         <p:spPr>
           <a:xfrm>
-            <a:off x="991800" y="574560"/>
-            <a:ext cx="12449520" cy="2086200"/>
+            <a:off x="1486440" y="574560"/>
+            <a:ext cx="18658800" cy="2086200"/>
           </a:xfrm>
           <a:prstGeom prst="rect">
             <a:avLst/>
@@ -174,8 +174,8 @@
         </p:nvSpPr>
         <p:spPr>
           <a:xfrm>
-            <a:off x="721080" y="2525400"/>
-            <a:ext cx="12991320" cy="2987280"/>
+            <a:off x="1080720" y="2525040"/>
+            <a:ext cx="19470960" cy="2987280"/>
           </a:xfrm>
           <a:prstGeom prst="rect">
             <a:avLst/>
@@ -192,7 +192,7 @@
           <a:p>
             <a:pPr indent="0">
               <a:spcBef>
-                <a:spcPts val="2693"/>
+                <a:spcPts val="2690"/>
               </a:spcBef>
               <a:buNone/>
             </a:pPr>
@@ -217,8 +217,8 @@
         </p:nvSpPr>
         <p:spPr>
           <a:xfrm>
-            <a:off x="721080" y="5796720"/>
-            <a:ext cx="12991320" cy="2987280"/>
+            <a:off x="1080720" y="5796360"/>
+            <a:ext cx="19470960" cy="2987280"/>
           </a:xfrm>
           <a:prstGeom prst="rect">
             <a:avLst/>
@@ -235,7 +235,7 @@
           <a:p>
             <a:pPr indent="0">
               <a:spcBef>
-                <a:spcPts val="2693"/>
+                <a:spcPts val="2690"/>
               </a:spcBef>
               <a:buNone/>
             </a:pPr>
@@ -282,7 +282,7 @@
         <p:txBody>
           <a:bodyPr/>
           <a:p>
-            <a:fld id="{96BE4638-EB0D-4F8A-BB37-D7080A20EE7B}" type="slidenum">
+            <a:fld id="{FF8DEFF7-2E72-44F3-A1AF-09AD6A8D3007}" type="slidenum">
               <a:t>&lt;#&gt;</a:t>
             </a:fld>
           </a:p>
@@ -343,8 +343,8 @@
         </p:nvSpPr>
         <p:spPr>
           <a:xfrm>
-            <a:off x="991800" y="574560"/>
-            <a:ext cx="12449520" cy="2086200"/>
+            <a:off x="1486440" y="574560"/>
+            <a:ext cx="18658800" cy="2086200"/>
           </a:xfrm>
           <a:prstGeom prst="rect">
             <a:avLst/>
@@ -383,8 +383,8 @@
         </p:nvSpPr>
         <p:spPr>
           <a:xfrm>
-            <a:off x="721080" y="2525400"/>
-            <a:ext cx="6339600" cy="2987280"/>
+            <a:off x="1080720" y="2525040"/>
+            <a:ext cx="9501480" cy="2987280"/>
           </a:xfrm>
           <a:prstGeom prst="rect">
             <a:avLst/>
@@ -401,7 +401,7 @@
           <a:p>
             <a:pPr indent="0">
               <a:spcBef>
-                <a:spcPts val="2693"/>
+                <a:spcPts val="2690"/>
               </a:spcBef>
               <a:buNone/>
             </a:pPr>
@@ -426,8 +426,8 @@
         </p:nvSpPr>
         <p:spPr>
           <a:xfrm>
-            <a:off x="7378200" y="2525400"/>
-            <a:ext cx="6339600" cy="2987280"/>
+            <a:off x="11057760" y="2525040"/>
+            <a:ext cx="9501480" cy="2987280"/>
           </a:xfrm>
           <a:prstGeom prst="rect">
             <a:avLst/>
@@ -444,7 +444,7 @@
           <a:p>
             <a:pPr indent="0">
               <a:spcBef>
-                <a:spcPts val="2693"/>
+                <a:spcPts val="2690"/>
               </a:spcBef>
               <a:buNone/>
             </a:pPr>
@@ -469,8 +469,8 @@
         </p:nvSpPr>
         <p:spPr>
           <a:xfrm>
-            <a:off x="721080" y="5796720"/>
-            <a:ext cx="6339600" cy="2987280"/>
+            <a:off x="1080720" y="5796360"/>
+            <a:ext cx="9501480" cy="2987280"/>
           </a:xfrm>
           <a:prstGeom prst="rect">
             <a:avLst/>
@@ -487,7 +487,7 @@
           <a:p>
             <a:pPr indent="0">
               <a:spcBef>
-                <a:spcPts val="2693"/>
+                <a:spcPts val="2690"/>
               </a:spcBef>
               <a:buNone/>
             </a:pPr>
@@ -512,8 +512,8 @@
         </p:nvSpPr>
         <p:spPr>
           <a:xfrm>
-            <a:off x="7378200" y="5796720"/>
-            <a:ext cx="6339600" cy="2987280"/>
+            <a:off x="11057760" y="5796360"/>
+            <a:ext cx="9501480" cy="2987280"/>
           </a:xfrm>
           <a:prstGeom prst="rect">
             <a:avLst/>
@@ -530,7 +530,7 @@
           <a:p>
             <a:pPr indent="0">
               <a:spcBef>
-                <a:spcPts val="2693"/>
+                <a:spcPts val="2690"/>
               </a:spcBef>
               <a:buNone/>
             </a:pPr>
@@ -577,7 +577,7 @@
         <p:txBody>
           <a:bodyPr/>
           <a:p>
-            <a:fld id="{2B393486-0C12-4DEC-90A3-DA45145C2D31}" type="slidenum">
+            <a:fld id="{5C67A4D0-5ACC-49B6-8155-86E58B6918D3}" type="slidenum">
               <a:t>&lt;#&gt;</a:t>
             </a:fld>
           </a:p>
@@ -638,8 +638,8 @@
         </p:nvSpPr>
         <p:spPr>
           <a:xfrm>
-            <a:off x="991800" y="574560"/>
-            <a:ext cx="12449520" cy="2086200"/>
+            <a:off x="1486440" y="574560"/>
+            <a:ext cx="18658800" cy="2086200"/>
           </a:xfrm>
           <a:prstGeom prst="rect">
             <a:avLst/>
@@ -678,8 +678,8 @@
         </p:nvSpPr>
         <p:spPr>
           <a:xfrm>
-            <a:off x="721080" y="2525400"/>
-            <a:ext cx="4182840" cy="2987280"/>
+            <a:off x="1080720" y="2525040"/>
+            <a:ext cx="6269400" cy="2987280"/>
           </a:xfrm>
           <a:prstGeom prst="rect">
             <a:avLst/>
@@ -696,7 +696,7 @@
           <a:p>
             <a:pPr indent="0">
               <a:spcBef>
-                <a:spcPts val="2693"/>
+                <a:spcPts val="2690"/>
               </a:spcBef>
               <a:buNone/>
             </a:pPr>
@@ -721,8 +721,8 @@
         </p:nvSpPr>
         <p:spPr>
           <a:xfrm>
-            <a:off x="5113440" y="2525400"/>
-            <a:ext cx="4182840" cy="2987280"/>
+            <a:off x="7664040" y="2525040"/>
+            <a:ext cx="6269400" cy="2987280"/>
           </a:xfrm>
           <a:prstGeom prst="rect">
             <a:avLst/>
@@ -739,7 +739,7 @@
           <a:p>
             <a:pPr indent="0">
               <a:spcBef>
-                <a:spcPts val="2693"/>
+                <a:spcPts val="2690"/>
               </a:spcBef>
               <a:buNone/>
             </a:pPr>
@@ -764,8 +764,8 @@
         </p:nvSpPr>
         <p:spPr>
           <a:xfrm>
-            <a:off x="9505800" y="2525400"/>
-            <a:ext cx="4182840" cy="2987280"/>
+            <a:off x="14247360" y="2525040"/>
+            <a:ext cx="6269400" cy="2987280"/>
           </a:xfrm>
           <a:prstGeom prst="rect">
             <a:avLst/>
@@ -782,7 +782,7 @@
           <a:p>
             <a:pPr indent="0">
               <a:spcBef>
-                <a:spcPts val="2693"/>
+                <a:spcPts val="2690"/>
               </a:spcBef>
               <a:buNone/>
             </a:pPr>
@@ -807,8 +807,8 @@
         </p:nvSpPr>
         <p:spPr>
           <a:xfrm>
-            <a:off x="721080" y="5796720"/>
-            <a:ext cx="4182840" cy="2987280"/>
+            <a:off x="1080720" y="5796360"/>
+            <a:ext cx="6269400" cy="2987280"/>
           </a:xfrm>
           <a:prstGeom prst="rect">
             <a:avLst/>
@@ -825,7 +825,7 @@
           <a:p>
             <a:pPr indent="0">
               <a:spcBef>
-                <a:spcPts val="2693"/>
+                <a:spcPts val="2690"/>
               </a:spcBef>
               <a:buNone/>
             </a:pPr>
@@ -850,8 +850,8 @@
         </p:nvSpPr>
         <p:spPr>
           <a:xfrm>
-            <a:off x="5113440" y="5796720"/>
-            <a:ext cx="4182840" cy="2987280"/>
+            <a:off x="7664040" y="5796360"/>
+            <a:ext cx="6269400" cy="2987280"/>
           </a:xfrm>
           <a:prstGeom prst="rect">
             <a:avLst/>
@@ -868,7 +868,7 @@
           <a:p>
             <a:pPr indent="0">
               <a:spcBef>
-                <a:spcPts val="2693"/>
+                <a:spcPts val="2690"/>
               </a:spcBef>
               <a:buNone/>
             </a:pPr>
@@ -893,8 +893,8 @@
         </p:nvSpPr>
         <p:spPr>
           <a:xfrm>
-            <a:off x="9505800" y="5796720"/>
-            <a:ext cx="4182840" cy="2987280"/>
+            <a:off x="14247360" y="5796360"/>
+            <a:ext cx="6269400" cy="2987280"/>
           </a:xfrm>
           <a:prstGeom prst="rect">
             <a:avLst/>
@@ -911,7 +911,7 @@
           <a:p>
             <a:pPr indent="0">
               <a:spcBef>
-                <a:spcPts val="2693"/>
+                <a:spcPts val="2690"/>
               </a:spcBef>
               <a:buNone/>
             </a:pPr>
@@ -958,7 +958,7 @@
         <p:txBody>
           <a:bodyPr/>
           <a:p>
-            <a:fld id="{D7D2DC24-91FF-4DCC-98B8-FC29EF6D49A0}" type="slidenum">
+            <a:fld id="{B9094EC6-607E-4B9D-AB91-1ECE9AB6D09A}" type="slidenum">
               <a:t>&lt;#&gt;</a:t>
             </a:fld>
           </a:p>
@@ -1019,8 +1019,8 @@
         </p:nvSpPr>
         <p:spPr>
           <a:xfrm>
-            <a:off x="991800" y="574560"/>
-            <a:ext cx="12449520" cy="2086200"/>
+            <a:off x="1486440" y="574560"/>
+            <a:ext cx="18658800" cy="2086200"/>
           </a:xfrm>
           <a:prstGeom prst="rect">
             <a:avLst/>
@@ -1059,8 +1059,8 @@
         </p:nvSpPr>
         <p:spPr>
           <a:xfrm>
-            <a:off x="721080" y="2525400"/>
-            <a:ext cx="12991320" cy="6263280"/>
+            <a:off x="1080720" y="2525040"/>
+            <a:ext cx="19470960" cy="6263280"/>
           </a:xfrm>
           <a:prstGeom prst="rect">
             <a:avLst/>
@@ -1121,7 +1121,7 @@
         <p:txBody>
           <a:bodyPr/>
           <a:p>
-            <a:fld id="{9A81E6C2-48E0-4CB9-9DDA-D0700B0989BB}" type="slidenum">
+            <a:fld id="{A4CA8797-D8D5-4BBE-9806-35B3F591A485}" type="slidenum">
               <a:t>&lt;#&gt;</a:t>
             </a:fld>
           </a:p>
@@ -1182,8 +1182,8 @@
         </p:nvSpPr>
         <p:spPr>
           <a:xfrm>
-            <a:off x="991800" y="574560"/>
-            <a:ext cx="12449520" cy="2086200"/>
+            <a:off x="1486440" y="574560"/>
+            <a:ext cx="18658800" cy="2086200"/>
           </a:xfrm>
           <a:prstGeom prst="rect">
             <a:avLst/>
@@ -1222,8 +1222,8 @@
         </p:nvSpPr>
         <p:spPr>
           <a:xfrm>
-            <a:off x="721080" y="2525400"/>
-            <a:ext cx="12991320" cy="6263280"/>
+            <a:off x="1080720" y="2525040"/>
+            <a:ext cx="19470960" cy="6263280"/>
           </a:xfrm>
           <a:prstGeom prst="rect">
             <a:avLst/>
@@ -1240,7 +1240,7 @@
           <a:p>
             <a:pPr indent="0">
               <a:spcBef>
-                <a:spcPts val="2693"/>
+                <a:spcPts val="2690"/>
               </a:spcBef>
               <a:buNone/>
             </a:pPr>
@@ -1287,7 +1287,7 @@
         <p:txBody>
           <a:bodyPr/>
           <a:p>
-            <a:fld id="{9BC4A9D1-60ED-4887-BD85-B9D098B96EC0}" type="slidenum">
+            <a:fld id="{76B6F8B1-B8C7-4628-BB4C-F01C3C19CE0F}" type="slidenum">
               <a:t>&lt;#&gt;</a:t>
             </a:fld>
           </a:p>
@@ -1348,8 +1348,8 @@
         </p:nvSpPr>
         <p:spPr>
           <a:xfrm>
-            <a:off x="991800" y="574560"/>
-            <a:ext cx="12449520" cy="2086200"/>
+            <a:off x="1486440" y="574560"/>
+            <a:ext cx="18658800" cy="2086200"/>
           </a:xfrm>
           <a:prstGeom prst="rect">
             <a:avLst/>
@@ -1388,8 +1388,8 @@
         </p:nvSpPr>
         <p:spPr>
           <a:xfrm>
-            <a:off x="721080" y="2525400"/>
-            <a:ext cx="6339600" cy="6263280"/>
+            <a:off x="1080720" y="2525040"/>
+            <a:ext cx="9501480" cy="6263280"/>
           </a:xfrm>
           <a:prstGeom prst="rect">
             <a:avLst/>
@@ -1406,7 +1406,7 @@
           <a:p>
             <a:pPr indent="0">
               <a:spcBef>
-                <a:spcPts val="2693"/>
+                <a:spcPts val="2690"/>
               </a:spcBef>
               <a:buNone/>
             </a:pPr>
@@ -1431,8 +1431,8 @@
         </p:nvSpPr>
         <p:spPr>
           <a:xfrm>
-            <a:off x="7378200" y="2525400"/>
-            <a:ext cx="6339600" cy="6263280"/>
+            <a:off x="11057760" y="2525040"/>
+            <a:ext cx="9501480" cy="6263280"/>
           </a:xfrm>
           <a:prstGeom prst="rect">
             <a:avLst/>
@@ -1449,7 +1449,7 @@
           <a:p>
             <a:pPr indent="0">
               <a:spcBef>
-                <a:spcPts val="2693"/>
+                <a:spcPts val="2690"/>
               </a:spcBef>
               <a:buNone/>
             </a:pPr>
@@ -1496,7 +1496,7 @@
         <p:txBody>
           <a:bodyPr/>
           <a:p>
-            <a:fld id="{EFF10EF8-F930-4C22-B5DE-568A14B7DA56}" type="slidenum">
+            <a:fld id="{3E5B04CD-2AAF-4CD3-BF00-99F16294456A}" type="slidenum">
               <a:t>&lt;#&gt;</a:t>
             </a:fld>
           </a:p>
@@ -1557,8 +1557,8 @@
         </p:nvSpPr>
         <p:spPr>
           <a:xfrm>
-            <a:off x="991800" y="574560"/>
-            <a:ext cx="12449520" cy="2086200"/>
+            <a:off x="1486440" y="574560"/>
+            <a:ext cx="18658800" cy="2086200"/>
           </a:xfrm>
           <a:prstGeom prst="rect">
             <a:avLst/>
@@ -1619,7 +1619,7 @@
         <p:txBody>
           <a:bodyPr/>
           <a:p>
-            <a:fld id="{754138DC-6421-48CF-A266-4E796B2C3AAE}" type="slidenum">
+            <a:fld id="{2BA7D952-84EA-4432-A7E8-05A86D89BF58}" type="slidenum">
               <a:t>&lt;#&gt;</a:t>
             </a:fld>
           </a:p>
@@ -1680,8 +1680,8 @@
         </p:nvSpPr>
         <p:spPr>
           <a:xfrm>
-            <a:off x="991800" y="574560"/>
-            <a:ext cx="12449520" cy="9671760"/>
+            <a:off x="1486440" y="574560"/>
+            <a:ext cx="18658800" cy="9671760"/>
           </a:xfrm>
           <a:prstGeom prst="rect">
             <a:avLst/>
@@ -1740,7 +1740,7 @@
         <p:txBody>
           <a:bodyPr/>
           <a:p>
-            <a:fld id="{138F485D-23D7-46D7-BEB1-D0CBC38883F3}" type="slidenum">
+            <a:fld id="{65BD7900-E210-4B16-B28B-5F86EBAB58D6}" type="slidenum">
               <a:t>&lt;#&gt;</a:t>
             </a:fld>
           </a:p>
@@ -1801,8 +1801,8 @@
         </p:nvSpPr>
         <p:spPr>
           <a:xfrm>
-            <a:off x="991800" y="574560"/>
-            <a:ext cx="12449520" cy="2086200"/>
+            <a:off x="1486440" y="574560"/>
+            <a:ext cx="18658800" cy="2086200"/>
           </a:xfrm>
           <a:prstGeom prst="rect">
             <a:avLst/>
@@ -1841,8 +1841,8 @@
         </p:nvSpPr>
         <p:spPr>
           <a:xfrm>
-            <a:off x="721080" y="2525400"/>
-            <a:ext cx="6339600" cy="2987280"/>
+            <a:off x="1080720" y="2525040"/>
+            <a:ext cx="9501480" cy="2987280"/>
           </a:xfrm>
           <a:prstGeom prst="rect">
             <a:avLst/>
@@ -1859,7 +1859,7 @@
           <a:p>
             <a:pPr indent="0">
               <a:spcBef>
-                <a:spcPts val="2693"/>
+                <a:spcPts val="2690"/>
               </a:spcBef>
               <a:buNone/>
             </a:pPr>
@@ -1884,8 +1884,8 @@
         </p:nvSpPr>
         <p:spPr>
           <a:xfrm>
-            <a:off x="7378200" y="2525400"/>
-            <a:ext cx="6339600" cy="6263280"/>
+            <a:off x="11057760" y="2525040"/>
+            <a:ext cx="9501480" cy="6263280"/>
           </a:xfrm>
           <a:prstGeom prst="rect">
             <a:avLst/>
@@ -1902,7 +1902,7 @@
           <a:p>
             <a:pPr indent="0">
               <a:spcBef>
-                <a:spcPts val="2693"/>
+                <a:spcPts val="2690"/>
               </a:spcBef>
               <a:buNone/>
             </a:pPr>
@@ -1927,8 +1927,8 @@
         </p:nvSpPr>
         <p:spPr>
           <a:xfrm>
-            <a:off x="721080" y="5796720"/>
-            <a:ext cx="6339600" cy="2987280"/>
+            <a:off x="1080720" y="5796360"/>
+            <a:ext cx="9501480" cy="2987280"/>
           </a:xfrm>
           <a:prstGeom prst="rect">
             <a:avLst/>
@@ -1945,7 +1945,7 @@
           <a:p>
             <a:pPr indent="0">
               <a:spcBef>
-                <a:spcPts val="2693"/>
+                <a:spcPts val="2690"/>
               </a:spcBef>
               <a:buNone/>
             </a:pPr>
@@ -1992,7 +1992,7 @@
         <p:txBody>
           <a:bodyPr/>
           <a:p>
-            <a:fld id="{F54969C6-32BA-4AC9-8D22-DB68B710B0AE}" type="slidenum">
+            <a:fld id="{5A4A5AAB-B4FC-4CEA-8E55-700D84E217DF}" type="slidenum">
               <a:t>&lt;#&gt;</a:t>
             </a:fld>
           </a:p>
@@ -2053,8 +2053,8 @@
         </p:nvSpPr>
         <p:spPr>
           <a:xfrm>
-            <a:off x="991800" y="574560"/>
-            <a:ext cx="12449520" cy="2086200"/>
+            <a:off x="1486440" y="574560"/>
+            <a:ext cx="18658800" cy="2086200"/>
           </a:xfrm>
           <a:prstGeom prst="rect">
             <a:avLst/>
@@ -2093,8 +2093,8 @@
         </p:nvSpPr>
         <p:spPr>
           <a:xfrm>
-            <a:off x="721080" y="2525400"/>
-            <a:ext cx="6339600" cy="6263280"/>
+            <a:off x="1080720" y="2525040"/>
+            <a:ext cx="9501480" cy="6263280"/>
           </a:xfrm>
           <a:prstGeom prst="rect">
             <a:avLst/>
@@ -2111,7 +2111,7 @@
           <a:p>
             <a:pPr indent="0">
               <a:spcBef>
-                <a:spcPts val="2693"/>
+                <a:spcPts val="2690"/>
               </a:spcBef>
               <a:buNone/>
             </a:pPr>
@@ -2136,8 +2136,8 @@
         </p:nvSpPr>
         <p:spPr>
           <a:xfrm>
-            <a:off x="7378200" y="2525400"/>
-            <a:ext cx="6339600" cy="2987280"/>
+            <a:off x="11057760" y="2525040"/>
+            <a:ext cx="9501480" cy="2987280"/>
           </a:xfrm>
           <a:prstGeom prst="rect">
             <a:avLst/>
@@ -2154,7 +2154,7 @@
           <a:p>
             <a:pPr indent="0">
               <a:spcBef>
-                <a:spcPts val="2693"/>
+                <a:spcPts val="2690"/>
               </a:spcBef>
               <a:buNone/>
             </a:pPr>
@@ -2179,8 +2179,8 @@
         </p:nvSpPr>
         <p:spPr>
           <a:xfrm>
-            <a:off x="7378200" y="5796720"/>
-            <a:ext cx="6339600" cy="2987280"/>
+            <a:off x="11057760" y="5796360"/>
+            <a:ext cx="9501480" cy="2987280"/>
           </a:xfrm>
           <a:prstGeom prst="rect">
             <a:avLst/>
@@ -2197,7 +2197,7 @@
           <a:p>
             <a:pPr indent="0">
               <a:spcBef>
-                <a:spcPts val="2693"/>
+                <a:spcPts val="2690"/>
               </a:spcBef>
               <a:buNone/>
             </a:pPr>
@@ -2244,7 +2244,7 @@
         <p:txBody>
           <a:bodyPr/>
           <a:p>
-            <a:fld id="{F2BD7839-CA5E-4EFD-B8D3-3EC10E649107}" type="slidenum">
+            <a:fld id="{D893A362-EA98-46CF-9FE2-1E098F47DBEA}" type="slidenum">
               <a:t>&lt;#&gt;</a:t>
             </a:fld>
           </a:p>
@@ -2305,8 +2305,8 @@
         </p:nvSpPr>
         <p:spPr>
           <a:xfrm>
-            <a:off x="991800" y="574560"/>
-            <a:ext cx="12449520" cy="2086200"/>
+            <a:off x="1486440" y="574560"/>
+            <a:ext cx="18658800" cy="2086200"/>
           </a:xfrm>
           <a:prstGeom prst="rect">
             <a:avLst/>
@@ -2345,8 +2345,8 @@
         </p:nvSpPr>
         <p:spPr>
           <a:xfrm>
-            <a:off x="721080" y="2525400"/>
-            <a:ext cx="6339600" cy="2987280"/>
+            <a:off x="1080720" y="2525040"/>
+            <a:ext cx="9501480" cy="2987280"/>
           </a:xfrm>
           <a:prstGeom prst="rect">
             <a:avLst/>
@@ -2363,7 +2363,7 @@
           <a:p>
             <a:pPr indent="0">
               <a:spcBef>
-                <a:spcPts val="2693"/>
+                <a:spcPts val="2690"/>
               </a:spcBef>
               <a:buNone/>
             </a:pPr>
@@ -2388,8 +2388,8 @@
         </p:nvSpPr>
         <p:spPr>
           <a:xfrm>
-            <a:off x="7378200" y="2525400"/>
-            <a:ext cx="6339600" cy="2987280"/>
+            <a:off x="11057760" y="2525040"/>
+            <a:ext cx="9501480" cy="2987280"/>
           </a:xfrm>
           <a:prstGeom prst="rect">
             <a:avLst/>
@@ -2406,7 +2406,7 @@
           <a:p>
             <a:pPr indent="0">
               <a:spcBef>
-                <a:spcPts val="2693"/>
+                <a:spcPts val="2690"/>
               </a:spcBef>
               <a:buNone/>
             </a:pPr>
@@ -2431,8 +2431,8 @@
         </p:nvSpPr>
         <p:spPr>
           <a:xfrm>
-            <a:off x="721080" y="5796720"/>
-            <a:ext cx="12991320" cy="2987280"/>
+            <a:off x="1080720" y="5796360"/>
+            <a:ext cx="19470960" cy="2987280"/>
           </a:xfrm>
           <a:prstGeom prst="rect">
             <a:avLst/>
@@ -2449,7 +2449,7 @@
           <a:p>
             <a:pPr indent="0">
               <a:spcBef>
-                <a:spcPts val="2693"/>
+                <a:spcPts val="2690"/>
               </a:spcBef>
               <a:buNone/>
             </a:pPr>
@@ -2496,7 +2496,7 @@
         <p:txBody>
           <a:bodyPr/>
           <a:p>
-            <a:fld id="{E67824A1-A293-4783-8CE0-94805F5E01B6}" type="slidenum">
+            <a:fld id="{377DA6DA-A91F-4FFD-AFD8-B105729EE175}" type="slidenum">
               <a:t>&lt;#&gt;</a:t>
             </a:fld>
           </a:p>
@@ -2564,8 +2564,8 @@
         </p:nvSpPr>
         <p:spPr>
           <a:xfrm>
-            <a:off x="991800" y="574560"/>
-            <a:ext cx="12449520" cy="2086200"/>
+            <a:off x="1486440" y="574560"/>
+            <a:ext cx="18658800" cy="2086200"/>
           </a:xfrm>
           <a:prstGeom prst="rect">
             <a:avLst/>
@@ -2613,8 +2613,8 @@
         </p:nvSpPr>
         <p:spPr>
           <a:xfrm>
-            <a:off x="4781520" y="10008720"/>
-            <a:ext cx="4871160" cy="573840"/>
+            <a:off x="7166160" y="10008360"/>
+            <a:ext cx="7300800" cy="573840"/>
           </a:xfrm>
           <a:prstGeom prst="rect">
             <a:avLst/>
@@ -2662,7 +2662,7 @@
                 </a:solidFill>
                 <a:latin typeface="Times New Roman"/>
               </a:rPr>
-              <a:t> </a:t>
+              <a:t>&lt;pie de página&gt;</a:t>
             </a:r>
             <a:endParaRPr b="0" lang="es-ES" sz="1400" spc="-1" strike="noStrike">
               <a:solidFill>
@@ -2685,8 +2685,8 @@
         </p:nvSpPr>
         <p:spPr>
           <a:xfrm>
-            <a:off x="10194840" y="10008720"/>
-            <a:ext cx="3246840" cy="573840"/>
+            <a:off x="15279480" y="10008360"/>
+            <a:ext cx="4866120" cy="573840"/>
           </a:xfrm>
           <a:prstGeom prst="rect">
             <a:avLst/>
@@ -2727,14 +2727,14 @@
                 <a:tab algn="l" pos="0"/>
               </a:tabLst>
             </a:pPr>
-            <a:fld id="{C31078C7-AA11-4D6D-9B7F-8ABAC1165A08}" type="slidenum">
+            <a:fld id="{145534E1-61A2-44C2-85B3-515275147B53}" type="slidenum">
               <a:rPr b="0" lang="en-GB" sz="989" spc="-1" strike="noStrike">
                 <a:solidFill>
                   <a:srgbClr val="8b8b8b"/>
                 </a:solidFill>
                 <a:latin typeface="Calibri"/>
               </a:rPr>
-              <a:t>10</a:t>
+              <a:t>&lt;número&gt;</a:t>
             </a:fld>
             <a:endParaRPr b="0" lang="es-ES" sz="989" spc="-1" strike="noStrike">
               <a:solidFill>
@@ -2757,8 +2757,8 @@
         </p:nvSpPr>
         <p:spPr>
           <a:xfrm>
-            <a:off x="991800" y="10008720"/>
-            <a:ext cx="3246840" cy="573840"/>
+            <a:off x="1486440" y="10008360"/>
+            <a:ext cx="4866120" cy="573840"/>
           </a:xfrm>
           <a:prstGeom prst="rect">
             <a:avLst/>
@@ -2794,7 +2794,7 @@
                 </a:solidFill>
                 <a:latin typeface="Times New Roman"/>
               </a:rPr>
-              <a:t> </a:t>
+              <a:t>&lt;fecha/hora&gt;</a:t>
             </a:r>
             <a:endParaRPr b="0" lang="es-ES" sz="1400" spc="-1" strike="noStrike">
               <a:solidFill>
@@ -2817,8 +2817,8 @@
         </p:nvSpPr>
         <p:spPr>
           <a:xfrm>
-            <a:off x="721080" y="2525400"/>
-            <a:ext cx="12991320" cy="6263280"/>
+            <a:off x="1080720" y="2525040"/>
+            <a:ext cx="19470960" cy="6263280"/>
           </a:xfrm>
           <a:prstGeom prst="rect">
             <a:avLst/>
@@ -2835,7 +2835,7 @@
           <a:p>
             <a:pPr marL="432000" indent="-324000">
               <a:spcBef>
-                <a:spcPts val="2693"/>
+                <a:spcPts val="2690"/>
               </a:spcBef>
               <a:buClr>
                 <a:srgbClr val="000000"/>
@@ -2863,7 +2863,7 @@
           <a:p>
             <a:pPr lvl="1" marL="864000" indent="-324000">
               <a:spcBef>
-                <a:spcPts val="2151"/>
+                <a:spcPts val="2149"/>
               </a:spcBef>
               <a:buClr>
                 <a:srgbClr val="000000"/>
@@ -2891,7 +2891,7 @@
           <a:p>
             <a:pPr lvl="2" marL="1296000" indent="-288000">
               <a:spcBef>
-                <a:spcPts val="1613"/>
+                <a:spcPts val="1610"/>
               </a:spcBef>
               <a:buClr>
                 <a:srgbClr val="000000"/>
@@ -2919,7 +2919,7 @@
           <a:p>
             <a:pPr lvl="3" marL="1728000" indent="-216000">
               <a:spcBef>
-                <a:spcPts val="1071"/>
+                <a:spcPts val="1069"/>
               </a:spcBef>
               <a:buClr>
                 <a:srgbClr val="000000"/>
@@ -2929,7 +2929,7 @@
               <a:buChar char=""/>
             </a:pPr>
             <a:r>
-              <a:rPr b="0" lang="es-ES" sz="3809" spc="-1" strike="noStrike">
+              <a:rPr b="0" lang="es-ES" sz="3800" spc="-1" strike="noStrike">
                 <a:solidFill>
                   <a:srgbClr val="000000"/>
                 </a:solidFill>
@@ -2937,7 +2937,7 @@
               </a:rPr>
               <a:t>Cuarto nivel del esquema</a:t>
             </a:r>
-            <a:endParaRPr b="0" lang="es-ES" sz="3809" spc="-1" strike="noStrike">
+            <a:endParaRPr b="0" lang="es-ES" sz="3800" spc="-1" strike="noStrike">
               <a:solidFill>
                 <a:srgbClr val="000000"/>
               </a:solidFill>
@@ -2947,7 +2947,7 @@
           <a:p>
             <a:pPr lvl="4" marL="2160000" indent="-216000">
               <a:spcBef>
-                <a:spcPts val="533"/>
+                <a:spcPts val="527"/>
               </a:spcBef>
               <a:buClr>
                 <a:srgbClr val="000000"/>
@@ -2957,7 +2957,7 @@
               <a:buChar char=""/>
             </a:pPr>
             <a:r>
-              <a:rPr b="0" lang="es-ES" sz="3809" spc="-1" strike="noStrike">
+              <a:rPr b="0" lang="es-ES" sz="3800" spc="-1" strike="noStrike">
                 <a:solidFill>
                   <a:srgbClr val="000000"/>
                 </a:solidFill>
@@ -2965,7 +2965,7 @@
               </a:rPr>
               <a:t>Quinto nivel del esquema</a:t>
             </a:r>
-            <a:endParaRPr b="0" lang="es-ES" sz="3809" spc="-1" strike="noStrike">
+            <a:endParaRPr b="0" lang="es-ES" sz="3800" spc="-1" strike="noStrike">
               <a:solidFill>
                 <a:srgbClr val="000000"/>
               </a:solidFill>
@@ -2975,7 +2975,7 @@
           <a:p>
             <a:pPr lvl="5" marL="2592000" indent="-216000">
               <a:spcBef>
-                <a:spcPts val="533"/>
+                <a:spcPts val="527"/>
               </a:spcBef>
               <a:buClr>
                 <a:srgbClr val="000000"/>
@@ -2985,7 +2985,7 @@
               <a:buChar char=""/>
             </a:pPr>
             <a:r>
-              <a:rPr b="0" lang="es-ES" sz="3809" spc="-1" strike="noStrike">
+              <a:rPr b="0" lang="es-ES" sz="3800" spc="-1" strike="noStrike">
                 <a:solidFill>
                   <a:srgbClr val="000000"/>
                 </a:solidFill>
@@ -2993,7 +2993,7 @@
               </a:rPr>
               <a:t>Sexto nivel del esquema</a:t>
             </a:r>
-            <a:endParaRPr b="0" lang="es-ES" sz="3809" spc="-1" strike="noStrike">
+            <a:endParaRPr b="0" lang="es-ES" sz="3800" spc="-1" strike="noStrike">
               <a:solidFill>
                 <a:srgbClr val="000000"/>
               </a:solidFill>
@@ -3003,7 +3003,7 @@
           <a:p>
             <a:pPr lvl="6" marL="3024000" indent="-216000">
               <a:spcBef>
-                <a:spcPts val="533"/>
+                <a:spcPts val="527"/>
               </a:spcBef>
               <a:buClr>
                 <a:srgbClr val="000000"/>
@@ -3013,7 +3013,7 @@
               <a:buChar char=""/>
             </a:pPr>
             <a:r>
-              <a:rPr b="0" lang="es-ES" sz="3809" spc="-1" strike="noStrike">
+              <a:rPr b="0" lang="es-ES" sz="3800" spc="-1" strike="noStrike">
                 <a:solidFill>
                   <a:srgbClr val="000000"/>
                 </a:solidFill>
@@ -3021,7 +3021,7 @@
               </a:rPr>
               <a:t>Séptimo nivel del esquema</a:t>
             </a:r>
-            <a:endParaRPr b="0" lang="es-ES" sz="3809" spc="-1" strike="noStrike">
+            <a:endParaRPr b="0" lang="es-ES" sz="3800" spc="-1" strike="noStrike">
               <a:solidFill>
                 <a:srgbClr val="000000"/>
               </a:solidFill>
@@ -3075,8 +3075,8 @@
         </p:nvSpPr>
         <p:spPr>
           <a:xfrm>
-            <a:off x="5039280" y="5326560"/>
-            <a:ext cx="5818680" cy="4874040"/>
+            <a:off x="7552440" y="5326200"/>
+            <a:ext cx="8720640" cy="4874040"/>
           </a:xfrm>
           <a:prstGeom prst="roundRect">
             <a:avLst>
@@ -3146,8 +3146,8 @@
         </p:nvSpPr>
         <p:spPr>
           <a:xfrm>
-            <a:off x="3182400" y="4357440"/>
-            <a:ext cx="1856160" cy="863280"/>
+            <a:off x="4769280" y="4357080"/>
+            <a:ext cx="2782080" cy="863280"/>
           </a:xfrm>
           <a:prstGeom prst="roundRect">
             <a:avLst>
@@ -3217,8 +3217,8 @@
         </p:nvCxnSpPr>
         <p:spPr>
           <a:xfrm flipV="1">
-            <a:off x="5038560" y="2307960"/>
-            <a:ext cx="3222360" cy="2481480"/>
+            <a:off x="7551360" y="2307600"/>
+            <a:ext cx="4829400" cy="2481480"/>
           </a:xfrm>
           <a:prstGeom prst="bentConnector3">
             <a:avLst>
@@ -3242,8 +3242,8 @@
         </p:nvSpPr>
         <p:spPr>
           <a:xfrm>
-            <a:off x="5275440" y="5595120"/>
-            <a:ext cx="1940760" cy="1071720"/>
+            <a:off x="7906320" y="5595120"/>
+            <a:ext cx="2908800" cy="1071720"/>
           </a:xfrm>
           <a:prstGeom prst="roundRect">
             <a:avLst>
@@ -3335,8 +3335,8 @@
         </p:nvSpPr>
         <p:spPr>
           <a:xfrm>
-            <a:off x="3330720" y="5595120"/>
-            <a:ext cx="1229040" cy="1071720"/>
+            <a:off x="4991760" y="5594760"/>
+            <a:ext cx="1842120" cy="1071720"/>
           </a:xfrm>
           <a:prstGeom prst="roundRect">
             <a:avLst>
@@ -3404,8 +3404,8 @@
         </p:nvSpPr>
         <p:spPr>
           <a:xfrm>
-            <a:off x="8163000" y="3659760"/>
-            <a:ext cx="1693080" cy="1072080"/>
+            <a:off x="12233880" y="3659400"/>
+            <a:ext cx="2537640" cy="1072080"/>
           </a:xfrm>
           <a:prstGeom prst="roundRect">
             <a:avLst>
@@ -3474,8 +3474,8 @@
         </p:blipFill>
         <p:spPr>
           <a:xfrm>
-            <a:off x="2265840" y="7571160"/>
-            <a:ext cx="1308600" cy="1740240"/>
+            <a:off x="3395880" y="7570800"/>
+            <a:ext cx="1961280" cy="1740240"/>
           </a:xfrm>
           <a:prstGeom prst="rect">
             <a:avLst/>
@@ -3493,8 +3493,8 @@
         </p:nvSpPr>
         <p:spPr>
           <a:xfrm>
-            <a:off x="648360" y="-184320"/>
-            <a:ext cx="4827960" cy="699840"/>
+            <a:off x="2174400" y="-183960"/>
+            <a:ext cx="4829400" cy="699120"/>
           </a:xfrm>
           <a:prstGeom prst="rect">
             <a:avLst/>
@@ -3550,8 +3550,8 @@
         </p:nvCxnSpPr>
         <p:spPr>
           <a:xfrm flipH="1" flipV="1" rot="5400000">
-            <a:off x="2404800" y="6645600"/>
-            <a:ext cx="1440720" cy="411120"/>
+            <a:off x="3963600" y="6543000"/>
+            <a:ext cx="1440720" cy="615600"/>
           </a:xfrm>
           <a:prstGeom prst="bentConnector2">
             <a:avLst/>
@@ -3576,8 +3576,8 @@
         </p:nvCxnSpPr>
         <p:spPr>
           <a:xfrm>
-            <a:off x="5038560" y="4789080"/>
-            <a:ext cx="1207440" cy="806400"/>
+            <a:off x="7551360" y="4788720"/>
+            <a:ext cx="1809720" cy="806760"/>
           </a:xfrm>
           <a:prstGeom prst="bentConnector2">
             <a:avLst/>
@@ -3602,8 +3602,8 @@
         </p:nvCxnSpPr>
         <p:spPr>
           <a:xfrm>
-            <a:off x="7216200" y="6130800"/>
-            <a:ext cx="1348560" cy="49680"/>
+            <a:off x="10815120" y="6130800"/>
+            <a:ext cx="2021040" cy="49680"/>
           </a:xfrm>
           <a:prstGeom prst="straightConnector1">
             <a:avLst/>
@@ -3628,8 +3628,8 @@
         </p:nvCxnSpPr>
         <p:spPr>
           <a:xfrm flipV="1">
-            <a:off x="7216200" y="4195800"/>
-            <a:ext cx="947160" cy="1935360"/>
+            <a:off x="10815120" y="4195440"/>
+            <a:ext cx="1419120" cy="1935720"/>
           </a:xfrm>
           <a:prstGeom prst="straightConnector1">
             <a:avLst/>
@@ -3654,8 +3654,8 @@
         </p:nvCxnSpPr>
         <p:spPr>
           <a:xfrm flipV="1">
-            <a:off x="9316440" y="2307600"/>
-            <a:ext cx="1020240" cy="720"/>
+            <a:off x="13962960" y="2307240"/>
+            <a:ext cx="1528920" cy="720"/>
           </a:xfrm>
           <a:prstGeom prst="straightConnector1">
             <a:avLst/>
@@ -3677,8 +3677,8 @@
         </p:nvSpPr>
         <p:spPr>
           <a:xfrm>
-            <a:off x="8260560" y="1919520"/>
-            <a:ext cx="1055880" cy="776880"/>
+            <a:off x="12380400" y="1919160"/>
+            <a:ext cx="1582560" cy="776880"/>
           </a:xfrm>
           <a:prstGeom prst="roundRect">
             <a:avLst>
@@ -3748,8 +3748,8 @@
         </p:nvCxnSpPr>
         <p:spPr>
           <a:xfrm flipV="1" rot="16200000">
-            <a:off x="8417160" y="3067560"/>
-            <a:ext cx="963720" cy="221400"/>
+            <a:off x="12855240" y="3012120"/>
+            <a:ext cx="963720" cy="331200"/>
           </a:xfrm>
           <a:prstGeom prst="bentConnector3">
             <a:avLst>
@@ -3773,8 +3773,8 @@
         </p:nvSpPr>
         <p:spPr>
           <a:xfrm>
-            <a:off x="10336320" y="1771560"/>
-            <a:ext cx="1539360" cy="1072080"/>
+            <a:off x="15491520" y="1771200"/>
+            <a:ext cx="2307240" cy="1072080"/>
           </a:xfrm>
           <a:prstGeom prst="roundRect">
             <a:avLst>
@@ -3839,8 +3839,8 @@
         </p:nvSpPr>
         <p:spPr>
           <a:xfrm>
-            <a:off x="8100720" y="8888400"/>
-            <a:ext cx="2432880" cy="848520"/>
+            <a:off x="12140640" y="8888040"/>
+            <a:ext cx="3646440" cy="848520"/>
           </a:xfrm>
           <a:prstGeom prst="roundRect">
             <a:avLst>
@@ -3913,8 +3913,8 @@
         </p:nvCxnSpPr>
         <p:spPr>
           <a:xfrm>
-            <a:off x="4559760" y="6130800"/>
-            <a:ext cx="716040" cy="360"/>
+            <a:off x="6833880" y="6130440"/>
+            <a:ext cx="1072800" cy="720"/>
           </a:xfrm>
           <a:prstGeom prst="straightConnector1">
             <a:avLst/>
@@ -3939,8 +3939,8 @@
         </p:nvCxnSpPr>
         <p:spPr>
           <a:xfrm flipH="1">
-            <a:off x="9317160" y="6716160"/>
-            <a:ext cx="17280" cy="2172600"/>
+            <a:off x="13963680" y="6716160"/>
+            <a:ext cx="25920" cy="2172240"/>
           </a:xfrm>
           <a:prstGeom prst="straightConnector1">
             <a:avLst/>
@@ -3965,8 +3965,8 @@
         </p:nvCxnSpPr>
         <p:spPr>
           <a:xfrm rot="10800000">
-            <a:off x="6245280" y="6666480"/>
-            <a:ext cx="1855440" cy="2646000"/>
+            <a:off x="9360720" y="6666840"/>
+            <a:ext cx="2780280" cy="2645640"/>
           </a:xfrm>
           <a:prstGeom prst="bentConnector2">
             <a:avLst/>
@@ -3988,8 +3988,8 @@
         </p:nvSpPr>
         <p:spPr>
           <a:xfrm>
-            <a:off x="11877480" y="5644080"/>
-            <a:ext cx="1539360" cy="1072080"/>
+            <a:off x="17801280" y="5644080"/>
+            <a:ext cx="2307240" cy="1072080"/>
           </a:xfrm>
           <a:prstGeom prst="roundRect">
             <a:avLst>
@@ -4057,8 +4057,8 @@
         </p:nvCxnSpPr>
         <p:spPr>
           <a:xfrm>
-            <a:off x="10103760" y="6180120"/>
-            <a:ext cx="1774080" cy="360"/>
+            <a:off x="15143040" y="6180120"/>
+            <a:ext cx="2658600" cy="360"/>
           </a:xfrm>
           <a:prstGeom prst="straightConnector1">
             <a:avLst/>
@@ -4080,8 +4080,8 @@
         </p:nvSpPr>
         <p:spPr>
           <a:xfrm>
-            <a:off x="8564400" y="5644080"/>
-            <a:ext cx="1539360" cy="1072080"/>
+            <a:off x="12835800" y="5644080"/>
+            <a:ext cx="2307240" cy="1072080"/>
           </a:xfrm>
           <a:prstGeom prst="roundRect">
             <a:avLst>
@@ -4183,8 +4183,8 @@
         </p:nvSpPr>
         <p:spPr>
           <a:xfrm>
-            <a:off x="720000" y="3060000"/>
-            <a:ext cx="3780000" cy="2520000"/>
+            <a:off x="864000" y="3096360"/>
+            <a:ext cx="4130280" cy="2520000"/>
           </a:xfrm>
           <a:prstGeom prst="roundRect">
             <a:avLst>
@@ -4234,7 +4234,7 @@
         </p:nvSpPr>
         <p:spPr>
           <a:xfrm>
-            <a:off x="3420000" y="1080000"/>
+            <a:off x="3914280" y="1116360"/>
             <a:ext cx="4140000" cy="1800000"/>
           </a:xfrm>
           <a:prstGeom prst="roundRect">
@@ -4285,7 +4285,7 @@
         </p:nvSpPr>
         <p:spPr>
           <a:xfrm>
-            <a:off x="10260000" y="7920000"/>
+            <a:off x="10682280" y="7956360"/>
             <a:ext cx="3780000" cy="2448000"/>
           </a:xfrm>
           <a:prstGeom prst="roundRect">
@@ -4336,7 +4336,7 @@
         </p:nvSpPr>
         <p:spPr>
           <a:xfrm>
-            <a:off x="4320000" y="5940000"/>
+            <a:off x="4814280" y="5976360"/>
             <a:ext cx="5580000" cy="3096000"/>
           </a:xfrm>
           <a:prstGeom prst="roundRect">
@@ -4390,7 +4390,7 @@
         </p:nvCxnSpPr>
         <p:spPr>
           <a:xfrm flipH="1" rot="16200000">
-            <a:off x="5189040" y="4146480"/>
+            <a:off x="5683320" y="4182840"/>
             <a:ext cx="3672360" cy="779400"/>
           </a:xfrm>
           <a:prstGeom prst="bentConnector3">
@@ -4418,7 +4418,7 @@
         </p:nvCxnSpPr>
         <p:spPr>
           <a:xfrm rot="5400000">
-            <a:off x="4181760" y="3846240"/>
+            <a:off x="4676040" y="3882600"/>
             <a:ext cx="3600360" cy="1307880"/>
           </a:xfrm>
           <a:prstGeom prst="bentConnector3">
@@ -4446,8 +4446,8 @@
         </p:nvCxnSpPr>
         <p:spPr>
           <a:xfrm>
-            <a:off x="4356000" y="4673520"/>
-            <a:ext cx="6534720" cy="4002840"/>
+            <a:off x="4922280" y="4655880"/>
+            <a:ext cx="6390720" cy="4056840"/>
           </a:xfrm>
           <a:prstGeom prst="bentConnector2">
             <a:avLst/>
@@ -4469,7 +4469,7 @@
         </p:nvSpPr>
         <p:spPr>
           <a:xfrm>
-            <a:off x="3620520" y="1296720"/>
+            <a:off x="4114800" y="1333080"/>
             <a:ext cx="1599480" cy="863280"/>
           </a:xfrm>
           <a:prstGeom prst="roundRect">
@@ -4478,11 +4478,11 @@
             </a:avLst>
           </a:prstGeom>
           <a:solidFill>
-            <a:srgbClr val="ffd7d7"/>
+            <a:srgbClr val="fff5ce"/>
           </a:solidFill>
           <a:ln>
             <a:solidFill>
-              <a:srgbClr val="325490"/>
+              <a:srgbClr val="e8a202"/>
             </a:solidFill>
           </a:ln>
         </p:spPr>
@@ -4540,7 +4540,7 @@
         </p:nvCxnSpPr>
         <p:spPr>
           <a:xfrm flipH="1" rot="16200000">
-            <a:off x="2216160" y="324000"/>
+            <a:off x="2710440" y="360360"/>
             <a:ext cx="628200" cy="2181240"/>
           </a:xfrm>
           <a:prstGeom prst="bentConnector2">
@@ -4563,7 +4563,7 @@
         </p:nvSpPr>
         <p:spPr>
           <a:xfrm>
-            <a:off x="12959640" y="519480"/>
+            <a:off x="13453920" y="555840"/>
             <a:ext cx="1179720" cy="628920"/>
           </a:xfrm>
           <a:prstGeom prst="roundRect">
@@ -4629,7 +4629,7 @@
         </p:nvSpPr>
         <p:spPr>
           <a:xfrm>
-            <a:off x="12600000" y="6931080"/>
+            <a:off x="13022280" y="6967440"/>
             <a:ext cx="1139040" cy="628920"/>
           </a:xfrm>
           <a:prstGeom prst="roundRect">
@@ -4698,7 +4698,7 @@
         </p:nvCxnSpPr>
         <p:spPr>
           <a:xfrm flipV="1">
-            <a:off x="13148280" y="7560000"/>
+            <a:off x="13570560" y="7596360"/>
             <a:ext cx="21600" cy="1340280"/>
           </a:xfrm>
           <a:prstGeom prst="straightConnector1">
@@ -4721,7 +4721,7 @@
         </p:nvSpPr>
         <p:spPr>
           <a:xfrm>
-            <a:off x="12492000" y="8899920"/>
+            <a:off x="12914280" y="8936280"/>
             <a:ext cx="1312560" cy="704160"/>
           </a:xfrm>
           <a:prstGeom prst="roundRect">
@@ -4787,7 +4787,7 @@
         </p:nvSpPr>
         <p:spPr>
           <a:xfrm>
-            <a:off x="4651200" y="6300000"/>
+            <a:off x="5145480" y="6336360"/>
             <a:ext cx="1353600" cy="1249560"/>
           </a:xfrm>
           <a:prstGeom prst="hexagon">
@@ -4882,7 +4882,7 @@
         </p:nvSpPr>
         <p:spPr>
           <a:xfrm>
-            <a:off x="10610280" y="8676000"/>
+            <a:off x="11032560" y="8712360"/>
             <a:ext cx="1305720" cy="1121040"/>
           </a:xfrm>
           <a:prstGeom prst="hexagon">
@@ -4977,7 +4977,7 @@
         </p:nvSpPr>
         <p:spPr>
           <a:xfrm>
-            <a:off x="6710400" y="6372000"/>
+            <a:off x="7204680" y="6408360"/>
             <a:ext cx="1408320" cy="1191600"/>
           </a:xfrm>
           <a:prstGeom prst="hexagon">
@@ -5075,7 +5075,7 @@
         </p:nvCxnSpPr>
         <p:spPr>
           <a:xfrm>
-            <a:off x="6004800" y="6924960"/>
+            <a:off x="6499080" y="6961320"/>
             <a:ext cx="496080" cy="1253880"/>
           </a:xfrm>
           <a:prstGeom prst="bentConnector2">
@@ -5101,7 +5101,7 @@
         </p:nvCxnSpPr>
         <p:spPr>
           <a:xfrm>
-            <a:off x="5220000" y="1728360"/>
+            <a:off x="5714280" y="1764720"/>
             <a:ext cx="671760" cy="321480"/>
           </a:xfrm>
           <a:prstGeom prst="bentConnector3">
@@ -5126,7 +5126,7 @@
         </p:nvSpPr>
         <p:spPr>
           <a:xfrm>
-            <a:off x="5940000" y="8178480"/>
+            <a:off x="6434280" y="8214840"/>
             <a:ext cx="1121400" cy="666000"/>
           </a:xfrm>
           <a:prstGeom prst="roundRect">
@@ -5198,7 +5198,7 @@
         </p:nvCxnSpPr>
         <p:spPr>
           <a:xfrm flipV="1">
-            <a:off x="7061400" y="7563600"/>
+            <a:off x="7555680" y="7599960"/>
             <a:ext cx="353520" cy="948240"/>
           </a:xfrm>
           <a:prstGeom prst="bentConnector2">
@@ -5224,7 +5224,7 @@
         </p:nvCxnSpPr>
         <p:spPr>
           <a:xfrm>
-            <a:off x="11916000" y="9236520"/>
+            <a:off x="12338280" y="9272880"/>
             <a:ext cx="576360" cy="15840"/>
           </a:xfrm>
           <a:prstGeom prst="straightConnector1">
@@ -5250,7 +5250,7 @@
         </p:nvCxnSpPr>
         <p:spPr>
           <a:xfrm flipH="1" flipV="1" rot="5400000">
-            <a:off x="11216160" y="7292160"/>
+            <a:off x="11638440" y="7328520"/>
             <a:ext cx="1431000" cy="1337400"/>
           </a:xfrm>
           <a:prstGeom prst="bentConnector2">
@@ -5273,7 +5273,7 @@
         </p:nvSpPr>
         <p:spPr>
           <a:xfrm>
-            <a:off x="8302320" y="7472880"/>
+            <a:off x="8796600" y="7509240"/>
             <a:ext cx="1489680" cy="1371600"/>
           </a:xfrm>
           <a:prstGeom prst="roundRect">
@@ -5381,18 +5381,20 @@
         <p:nvCxnSpPr>
           <p:cNvPr id="234" name="Conector: angular 12"/>
           <p:cNvCxnSpPr>
-            <a:stCxn id="233" idx="2"/>
+            <a:stCxn id="233" idx="3"/>
             <a:endCxn id="219" idx="3"/>
           </p:cNvCxnSpPr>
           <p:nvPr/>
         </p:nvCxnSpPr>
         <p:spPr>
-          <a:xfrm flipH="1" rot="16200000">
-            <a:off x="9632880" y="8258760"/>
-            <a:ext cx="392400" cy="1563480"/>
-          </a:xfrm>
-          <a:prstGeom prst="bentConnector2">
-            <a:avLst/>
+          <a:xfrm>
+            <a:off x="10286280" y="8195040"/>
+            <a:ext cx="746640" cy="1078200"/>
+          </a:xfrm>
+          <a:prstGeom prst="bentConnector3">
+            <a:avLst>
+              <a:gd name="adj1" fmla="val 35069"/>
+            </a:avLst>
           </a:prstGeom>
           <a:ln w="38100">
             <a:solidFill>
@@ -5414,7 +5416,7 @@
         </p:nvCxnSpPr>
         <p:spPr>
           <a:xfrm>
-            <a:off x="8118720" y="6967800"/>
+            <a:off x="8613000" y="7004160"/>
             <a:ext cx="928800" cy="505440"/>
           </a:xfrm>
           <a:prstGeom prst="bentConnector2">
@@ -5437,7 +5439,7 @@
         </p:nvSpPr>
         <p:spPr>
           <a:xfrm>
-            <a:off x="899640" y="471600"/>
+            <a:off x="1393920" y="507960"/>
             <a:ext cx="1080000" cy="628920"/>
           </a:xfrm>
           <a:prstGeom prst="roundRect">
@@ -5506,8 +5508,8 @@
         </p:nvCxnSpPr>
         <p:spPr>
           <a:xfrm flipH="1" rot="16200000">
-            <a:off x="8405280" y="6939360"/>
-            <a:ext cx="952920" cy="4762800"/>
+            <a:off x="8863560" y="7011720"/>
+            <a:ext cx="952920" cy="4690800"/>
           </a:xfrm>
           <a:prstGeom prst="bentConnector3">
             <a:avLst>
@@ -5531,7 +5533,7 @@
         </p:nvSpPr>
         <p:spPr>
           <a:xfrm>
-            <a:off x="1007640" y="52200"/>
+            <a:off x="1501920" y="88560"/>
             <a:ext cx="1152360" cy="685080"/>
           </a:xfrm>
           <a:prstGeom prst="rect">
@@ -5573,7 +5575,7 @@
         </p:nvSpPr>
         <p:spPr>
           <a:xfrm>
-            <a:off x="12921120" y="172080"/>
+            <a:off x="13415400" y="208440"/>
             <a:ext cx="1298880" cy="387720"/>
           </a:xfrm>
           <a:prstGeom prst="rect">
@@ -5615,7 +5617,7 @@
         </p:nvSpPr>
         <p:spPr>
           <a:xfrm>
-            <a:off x="12558600" y="6452280"/>
+            <a:off x="12980880" y="6488640"/>
             <a:ext cx="1301400" cy="387720"/>
           </a:xfrm>
           <a:prstGeom prst="rect">
@@ -5657,7 +5659,7 @@
         </p:nvSpPr>
         <p:spPr>
           <a:xfrm>
-            <a:off x="8460000" y="265320"/>
+            <a:off x="8954280" y="301680"/>
             <a:ext cx="3960000" cy="4138920"/>
           </a:xfrm>
           <a:prstGeom prst="roundRect">
@@ -5666,7 +5668,7 @@
             </a:avLst>
           </a:prstGeom>
           <a:solidFill>
-            <a:srgbClr val="cccccc"/>
+            <a:srgbClr val="afd095"/>
           </a:solidFill>
           <a:ln w="38100">
             <a:solidFill>
@@ -5691,11 +5693,6 @@
             <a:noAutofit/>
           </a:bodyPr>
           <a:p>
-            <a:pPr algn="ctr">
-              <a:lnSpc>
-                <a:spcPct val="100000"/>
-              </a:lnSpc>
-            </a:pPr>
             <a:endParaRPr b="0" lang="es-ES" sz="2940" spc="-1" strike="noStrike">
               <a:solidFill>
                 <a:srgbClr val="000000"/>
@@ -5713,7 +5710,7 @@
         </p:nvSpPr>
         <p:spPr>
           <a:xfrm>
-            <a:off x="8640000" y="1697760"/>
+            <a:off x="9134280" y="1734120"/>
             <a:ext cx="900000" cy="928440"/>
           </a:xfrm>
           <a:prstGeom prst="roundRect">
@@ -5726,7 +5723,7 @@
           </a:solidFill>
           <a:ln w="38100">
             <a:solidFill>
-              <a:srgbClr val="00b050"/>
+              <a:srgbClr val="069a2e"/>
             </a:solidFill>
           </a:ln>
         </p:spPr>
@@ -5779,7 +5776,7 @@
         </p:nvSpPr>
         <p:spPr>
           <a:xfrm>
-            <a:off x="9324360" y="483480"/>
+            <a:off x="9818640" y="519840"/>
             <a:ext cx="1055880" cy="672840"/>
           </a:xfrm>
           <a:prstGeom prst="roundRect">
@@ -5788,7 +5785,7 @@
             </a:avLst>
           </a:prstGeom>
           <a:solidFill>
-            <a:srgbClr val="b7b3ca"/>
+            <a:srgbClr val="dde8cb"/>
           </a:solidFill>
           <a:ln>
             <a:solidFill>
@@ -5850,7 +5847,7 @@
         </p:nvCxnSpPr>
         <p:spPr>
           <a:xfrm flipV="1">
-            <a:off x="9540000" y="1156320"/>
+            <a:off x="10034280" y="1192680"/>
             <a:ext cx="312480" cy="1005840"/>
           </a:xfrm>
           <a:prstGeom prst="bentConnector2">
@@ -5873,7 +5870,7 @@
         </p:nvSpPr>
         <p:spPr>
           <a:xfrm>
-            <a:off x="9360000" y="2989440"/>
+            <a:off x="9854280" y="3025800"/>
             <a:ext cx="1364040" cy="1188000"/>
           </a:xfrm>
           <a:prstGeom prst="hexagon">
@@ -5971,7 +5968,7 @@
         </p:nvCxnSpPr>
         <p:spPr>
           <a:xfrm rot="10800000">
-            <a:off x="9090000" y="2625840"/>
+            <a:off x="9584280" y="2662200"/>
             <a:ext cx="270360" cy="957600"/>
           </a:xfrm>
           <a:prstGeom prst="bentConnector2">
@@ -5997,7 +5994,7 @@
         </p:nvCxnSpPr>
         <p:spPr>
           <a:xfrm>
-            <a:off x="10380240" y="819720"/>
+            <a:off x="10874520" y="856080"/>
             <a:ext cx="1319040" cy="1261800"/>
           </a:xfrm>
           <a:prstGeom prst="bentConnector2">
@@ -6020,7 +6017,7 @@
         </p:nvSpPr>
         <p:spPr>
           <a:xfrm>
-            <a:off x="11160360" y="2081160"/>
+            <a:off x="11654640" y="2117520"/>
             <a:ext cx="1077480" cy="545040"/>
           </a:xfrm>
           <a:prstGeom prst="roundRect">
@@ -6112,7 +6109,7 @@
         </p:nvCxnSpPr>
         <p:spPr>
           <a:xfrm rot="5400000">
-            <a:off x="10732680" y="2617200"/>
+            <a:off x="11226960" y="2653560"/>
             <a:ext cx="957600" cy="975240"/>
           </a:xfrm>
           <a:prstGeom prst="bentConnector2">
@@ -6135,7 +6132,7 @@
         </p:nvSpPr>
         <p:spPr>
           <a:xfrm>
-            <a:off x="9536040" y="2530440"/>
+            <a:off x="10030320" y="2566800"/>
             <a:ext cx="1623960" cy="349560"/>
           </a:xfrm>
           <a:prstGeom prst="rect">
@@ -6177,7 +6174,7 @@
         </p:nvSpPr>
         <p:spPr>
           <a:xfrm>
-            <a:off x="8568000" y="1355040"/>
+            <a:off x="9062280" y="1391400"/>
             <a:ext cx="1121040" cy="349200"/>
           </a:xfrm>
           <a:prstGeom prst="rect">
@@ -6219,7 +6216,7 @@
         </p:nvSpPr>
         <p:spPr>
           <a:xfrm>
-            <a:off x="11004840" y="3960000"/>
+            <a:off x="11499120" y="3996360"/>
             <a:ext cx="1235160" cy="349560"/>
           </a:xfrm>
           <a:prstGeom prst="rect">
@@ -6261,8 +6258,8 @@
         </p:nvSpPr>
         <p:spPr>
           <a:xfrm>
-            <a:off x="3276000" y="4248000"/>
-            <a:ext cx="1080000" cy="850680"/>
+            <a:off x="3662280" y="4176360"/>
+            <a:ext cx="1260000" cy="958680"/>
           </a:xfrm>
           <a:prstGeom prst="hexagon">
             <a:avLst>
@@ -6314,7 +6311,7 @@
                 <a:latin typeface="Calibri"/>
                 <a:ea typeface="DejaVu Sans"/>
               </a:rPr>
-              <a:t>Task</a:t>
+              <a:t>Action</a:t>
             </a:r>
             <a:endParaRPr b="0" lang="es-ES" sz="1490" spc="-1" strike="noStrike">
               <a:solidFill>
@@ -6337,7 +6334,7 @@
                 <a:latin typeface="Calibri"/>
                 <a:ea typeface="DejaVu Sans"/>
               </a:rPr>
-              <a:t>Mapp</a:t>
+              <a:t>Mapper</a:t>
             </a:r>
             <a:endParaRPr b="0" lang="es-ES" sz="1490" spc="-1" strike="noStrike">
               <a:solidFill>
@@ -6356,8 +6353,8 @@
         </p:nvSpPr>
         <p:spPr>
           <a:xfrm>
-            <a:off x="828000" y="4140000"/>
-            <a:ext cx="1080000" cy="922680"/>
+            <a:off x="998280" y="4176360"/>
+            <a:ext cx="1152000" cy="922680"/>
           </a:xfrm>
           <a:prstGeom prst="hexagon">
             <a:avLst>
@@ -6451,7 +6448,7 @@
         </p:nvSpPr>
         <p:spPr>
           <a:xfrm>
-            <a:off x="1944000" y="3278880"/>
+            <a:off x="2294280" y="3315240"/>
             <a:ext cx="1260000" cy="825120"/>
           </a:xfrm>
           <a:prstGeom prst="roundRect">
@@ -6464,7 +6461,7 @@
           </a:solidFill>
           <a:ln w="38100">
             <a:solidFill>
-              <a:srgbClr val="ff8000"/>
+              <a:srgbClr val="5eb91e"/>
             </a:solidFill>
           </a:ln>
         </p:spPr>
@@ -6543,8 +6540,8 @@
         </p:nvCxnSpPr>
         <p:spPr>
           <a:xfrm flipV="1">
-            <a:off x="4356000" y="4177440"/>
-            <a:ext cx="5301360" cy="496440"/>
+            <a:off x="4922280" y="4213800"/>
+            <a:ext cx="5229360" cy="442440"/>
           </a:xfrm>
           <a:prstGeom prst="bentConnector2">
             <a:avLst/>
@@ -6566,7 +6563,7 @@
         </p:nvSpPr>
         <p:spPr>
           <a:xfrm>
-            <a:off x="5891400" y="1399320"/>
+            <a:off x="6385680" y="1435680"/>
             <a:ext cx="1488600" cy="1300680"/>
           </a:xfrm>
           <a:prstGeom prst="roundRect">
@@ -6701,7 +6698,7 @@
         </p:nvSpPr>
         <p:spPr>
           <a:xfrm>
-            <a:off x="180000" y="6120000"/>
+            <a:off x="674280" y="6156360"/>
             <a:ext cx="3780000" cy="3736080"/>
           </a:xfrm>
           <a:prstGeom prst="roundRect">
@@ -6752,7 +6749,7 @@
         </p:nvSpPr>
         <p:spPr>
           <a:xfrm>
-            <a:off x="1946880" y="7299720"/>
+            <a:off x="2441160" y="7336080"/>
             <a:ext cx="933120" cy="614880"/>
           </a:xfrm>
           <a:prstGeom prst="roundRect">
@@ -6824,7 +6821,7 @@
         </p:nvCxnSpPr>
         <p:spPr>
           <a:xfrm flipH="1" flipV="1" rot="5400000">
-            <a:off x="1163880" y="7342920"/>
+            <a:off x="1658160" y="7379280"/>
             <a:ext cx="519120" cy="1047240"/>
           </a:xfrm>
           <a:prstGeom prst="bentConnector2">
@@ -6847,7 +6844,7 @@
         </p:nvSpPr>
         <p:spPr>
           <a:xfrm>
-            <a:off x="2447640" y="8636400"/>
+            <a:off x="2941920" y="8672760"/>
             <a:ext cx="986400" cy="539640"/>
           </a:xfrm>
           <a:prstGeom prst="roundRect">
@@ -6919,7 +6916,7 @@
         </p:nvCxnSpPr>
         <p:spPr>
           <a:xfrm flipH="1">
-            <a:off x="1620000" y="8906040"/>
+            <a:off x="2114280" y="8942400"/>
             <a:ext cx="828000" cy="6480"/>
           </a:xfrm>
           <a:prstGeom prst="straightConnector1">
@@ -6946,7 +6943,7 @@
         </p:blipFill>
         <p:spPr>
           <a:xfrm>
-            <a:off x="180000" y="8125920"/>
+            <a:off x="674280" y="8162280"/>
             <a:ext cx="1440000" cy="1572840"/>
           </a:xfrm>
           <a:prstGeom prst="rect">
@@ -6965,7 +6962,7 @@
         </p:nvSpPr>
         <p:spPr>
           <a:xfrm>
-            <a:off x="540000" y="6434640"/>
+            <a:off x="1034280" y="6471000"/>
             <a:ext cx="1080000" cy="576720"/>
           </a:xfrm>
           <a:prstGeom prst="roundRect">
@@ -6978,7 +6975,7 @@
           </a:solidFill>
           <a:ln w="38100">
             <a:solidFill>
-              <a:srgbClr val="168253"/>
+              <a:srgbClr val="ff972f"/>
             </a:solidFill>
           </a:ln>
         </p:spPr>
@@ -7031,7 +7028,7 @@
         </p:nvSpPr>
         <p:spPr>
           <a:xfrm>
-            <a:off x="1224000" y="9477720"/>
+            <a:off x="1718280" y="9514080"/>
             <a:ext cx="2700000" cy="387720"/>
           </a:xfrm>
           <a:prstGeom prst="rect">
@@ -7076,7 +7073,7 @@
         </p:nvCxnSpPr>
         <p:spPr>
           <a:xfrm>
-            <a:off x="10380240" y="819720"/>
+            <a:off x="10874520" y="856080"/>
             <a:ext cx="2579760" cy="14400"/>
           </a:xfrm>
           <a:prstGeom prst="straightConnector1">
@@ -7102,7 +7099,7 @@
         </p:nvCxnSpPr>
         <p:spPr>
           <a:xfrm flipV="1">
-            <a:off x="9792000" y="4177440"/>
+            <a:off x="10286280" y="4213800"/>
             <a:ext cx="250200" cy="3981600"/>
           </a:xfrm>
           <a:prstGeom prst="bentConnector2">
@@ -7128,7 +7125,7 @@
         </p:nvCxnSpPr>
         <p:spPr>
           <a:xfrm>
-            <a:off x="1979640" y="785880"/>
+            <a:off x="2473920" y="822240"/>
             <a:ext cx="7345080" cy="34200"/>
           </a:xfrm>
           <a:prstGeom prst="straightConnector1">
@@ -7147,19 +7144,18 @@
         <p:nvCxnSpPr>
           <p:cNvPr id="267" name="Conector: angular 52"/>
           <p:cNvCxnSpPr>
+            <a:stCxn id="218" idx="0"/>
             <a:endCxn id="214" idx="4"/>
           </p:cNvCxnSpPr>
           <p:nvPr/>
         </p:nvCxnSpPr>
         <p:spPr>
-          <a:xfrm flipH="1" rot="16200000">
-            <a:off x="4761720" y="4125600"/>
-            <a:ext cx="1644120" cy="2849040"/>
-          </a:xfrm>
-          <a:prstGeom prst="bentConnector3">
-            <a:avLst>
-              <a:gd name="adj1" fmla="val -591"/>
-            </a:avLst>
+          <a:xfrm>
+            <a:off x="4922280" y="4655880"/>
+            <a:ext cx="2580480" cy="1752840"/>
+          </a:xfrm>
+          <a:prstGeom prst="bentConnector2">
+            <a:avLst/>
           </a:prstGeom>
           <a:ln w="38100">
             <a:solidFill>
@@ -7174,19 +7170,18 @@
         <p:nvCxnSpPr>
           <p:cNvPr id="268" name="Conector: angular 56"/>
           <p:cNvCxnSpPr>
+            <a:stCxn id="218" idx="0"/>
             <a:endCxn id="216" idx="5"/>
           </p:cNvCxnSpPr>
           <p:nvPr/>
         </p:nvCxnSpPr>
         <p:spPr>
-          <a:xfrm flipH="1" rot="16200000">
-            <a:off x="4145040" y="4752360"/>
-            <a:ext cx="1581480" cy="1514520"/>
-          </a:xfrm>
-          <a:prstGeom prst="bentConnector3">
-            <a:avLst>
-              <a:gd name="adj1" fmla="val -22"/>
-            </a:avLst>
+          <a:xfrm>
+            <a:off x="4922280" y="4655880"/>
+            <a:ext cx="1265040" cy="1680840"/>
+          </a:xfrm>
+          <a:prstGeom prst="bentConnector2">
+            <a:avLst/>
           </a:prstGeom>
           <a:ln w="38100">
             <a:solidFill>
@@ -7208,7 +7203,7 @@
         </p:nvCxnSpPr>
         <p:spPr>
           <a:xfrm flipV="1">
-            <a:off x="2880000" y="6924960"/>
+            <a:off x="3374280" y="6961320"/>
             <a:ext cx="1771560" cy="682560"/>
           </a:xfrm>
           <a:prstGeom prst="bentConnector3">
@@ -7235,14 +7230,12 @@
           <p:nvPr/>
         </p:nvCxnSpPr>
         <p:spPr>
-          <a:xfrm rot="5400000">
-            <a:off x="537840" y="5604480"/>
-            <a:ext cx="1372320" cy="288360"/>
-          </a:xfrm>
-          <a:prstGeom prst="bentConnector3">
-            <a:avLst>
-              <a:gd name="adj1" fmla="val 49514"/>
-            </a:avLst>
+          <a:xfrm rot="16200000">
+            <a:off x="888480" y="5784840"/>
+            <a:ext cx="1372320" cy="360"/>
+          </a:xfrm>
+          <a:prstGeom prst="bentConnector2">
+            <a:avLst/>
           </a:prstGeom>
           <a:ln w="38100">
             <a:solidFill>
@@ -7264,8 +7257,8 @@
         </p:nvCxnSpPr>
         <p:spPr>
           <a:xfrm flipV="1">
-            <a:off x="2880000" y="5098680"/>
-            <a:ext cx="936360" cy="2508840"/>
+            <a:off x="3374280" y="5135040"/>
+            <a:ext cx="918360" cy="2508840"/>
           </a:xfrm>
           <a:prstGeom prst="bentConnector2">
             <a:avLst/>
@@ -7290,7 +7283,7 @@
         </p:nvCxnSpPr>
         <p:spPr>
           <a:xfrm rot="5400000">
-            <a:off x="3702600" y="7281000"/>
+            <a:off x="4196880" y="7317360"/>
             <a:ext cx="1356840" cy="1894320"/>
           </a:xfrm>
           <a:prstGeom prst="bentConnector2">
@@ -7313,7 +7306,7 @@
         </p:nvSpPr>
         <p:spPr>
           <a:xfrm>
-            <a:off x="7416000" y="5950440"/>
+            <a:off x="7910280" y="5986800"/>
             <a:ext cx="2700000" cy="346320"/>
           </a:xfrm>
           <a:prstGeom prst="rect">
@@ -7355,7 +7348,7 @@
         </p:nvSpPr>
         <p:spPr>
           <a:xfrm>
-            <a:off x="12456000" y="9981720"/>
+            <a:off x="12878280" y="10018080"/>
             <a:ext cx="1595160" cy="602280"/>
           </a:xfrm>
           <a:prstGeom prst="rect">
@@ -7397,7 +7390,7 @@
         </p:nvSpPr>
         <p:spPr>
           <a:xfrm>
-            <a:off x="3444840" y="2457720"/>
+            <a:off x="3939120" y="2494080"/>
             <a:ext cx="2495160" cy="346320"/>
           </a:xfrm>
           <a:prstGeom prst="rect">
@@ -7439,7 +7432,7 @@
         </p:nvSpPr>
         <p:spPr>
           <a:xfrm>
-            <a:off x="1395360" y="5220000"/>
+            <a:off x="1781640" y="5256360"/>
             <a:ext cx="2495160" cy="346320"/>
           </a:xfrm>
           <a:prstGeom prst="rect">
@@ -7484,8 +7477,8 @@
         </p:nvCxnSpPr>
         <p:spPr>
           <a:xfrm flipV="1" rot="10800000">
-            <a:off x="1368000" y="3691440"/>
-            <a:ext cx="576360" cy="448920"/>
+            <a:off x="1574280" y="3727800"/>
+            <a:ext cx="720360" cy="448920"/>
           </a:xfrm>
           <a:prstGeom prst="bentConnector2">
             <a:avLst/>
@@ -7503,15 +7496,15 @@
         <p:nvCxnSpPr>
           <p:cNvPr id="278" name="Conector: angular 62"/>
           <p:cNvCxnSpPr>
-            <a:stCxn id="253" idx="3"/>
-            <a:endCxn id="218" idx="0"/>
+            <a:stCxn id="218" idx="0"/>
+            <a:endCxn id="253" idx="3"/>
           </p:cNvCxnSpPr>
           <p:nvPr/>
         </p:nvCxnSpPr>
         <p:spPr>
-          <a:xfrm>
-            <a:off x="3204000" y="3691440"/>
-            <a:ext cx="612360" cy="556920"/>
+          <a:xfrm flipV="1" rot="16200000">
+            <a:off x="3699000" y="3583080"/>
+            <a:ext cx="448920" cy="738360"/>
           </a:xfrm>
           <a:prstGeom prst="bentConnector2">
             <a:avLst/>
@@ -7519,6 +7512,760 @@
           <a:ln w="38100">
             <a:solidFill>
               <a:srgbClr val="000000"/>
+            </a:solidFill>
+            <a:round/>
+            <a:tailEnd len="med" type="triangle" w="med"/>
+          </a:ln>
+        </p:spPr>
+      </p:cxnSp>
+      <p:sp>
+        <p:nvSpPr>
+          <p:cNvPr id="279" name="Rectángulo: esquinas redondeadas 43"/>
+          <p:cNvSpPr/>
+          <p:nvPr/>
+        </p:nvSpPr>
+        <p:spPr>
+          <a:xfrm>
+            <a:off x="19763640" y="563400"/>
+            <a:ext cx="1179720" cy="628920"/>
+          </a:xfrm>
+          <a:prstGeom prst="roundRect">
+            <a:avLst>
+              <a:gd name="adj" fmla="val 16667"/>
+            </a:avLst>
+          </a:prstGeom>
+          <a:solidFill>
+            <a:schemeClr val="bg1"/>
+          </a:solidFill>
+          <a:ln w="38100">
+            <a:solidFill>
+              <a:srgbClr val="7030a0"/>
+            </a:solidFill>
+          </a:ln>
+        </p:spPr>
+        <p:style>
+          <a:lnRef idx="2">
+            <a:schemeClr val="accent6"/>
+          </a:lnRef>
+          <a:fillRef idx="1">
+            <a:schemeClr val="lt1"/>
+          </a:fillRef>
+          <a:effectRef idx="0">
+            <a:schemeClr val="accent6"/>
+          </a:effectRef>
+          <a:fontRef idx="minor"/>
+        </p:style>
+        <p:txBody>
+          <a:bodyPr lIns="90000" rIns="90000" tIns="45000" bIns="45000" anchor="ctr">
+            <a:noAutofit/>
+          </a:bodyPr>
+          <a:p>
+            <a:pPr algn="ctr">
+              <a:lnSpc>
+                <a:spcPct val="100000"/>
+              </a:lnSpc>
+            </a:pPr>
+            <a:r>
+              <a:rPr b="0" lang="en-GB" sz="1490" spc="-1" strike="noStrike">
+                <a:solidFill>
+                  <a:schemeClr val="dk1"/>
+                </a:solidFill>
+                <a:latin typeface="Calibri"/>
+                <a:ea typeface="DejaVu Sans"/>
+              </a:rPr>
+              <a:t>PNG</a:t>
+            </a:r>
+            <a:endParaRPr b="0" lang="es-ES" sz="1490" spc="-1" strike="noStrike">
+              <a:solidFill>
+                <a:srgbClr val="000000"/>
+              </a:solidFill>
+              <a:latin typeface="Arial"/>
+            </a:endParaRPr>
+          </a:p>
+        </p:txBody>
+      </p:sp>
+      <p:sp>
+        <p:nvSpPr>
+          <p:cNvPr id="280" name=""/>
+          <p:cNvSpPr txBox="1"/>
+          <p:nvPr/>
+        </p:nvSpPr>
+        <p:spPr>
+          <a:xfrm>
+            <a:off x="19725120" y="216000"/>
+            <a:ext cx="1298880" cy="387720"/>
+          </a:xfrm>
+          <a:prstGeom prst="rect">
+            <a:avLst/>
+          </a:prstGeom>
+          <a:noFill/>
+          <a:ln w="0">
+            <a:noFill/>
+          </a:ln>
+        </p:spPr>
+        <p:txBody>
+          <a:bodyPr lIns="90000" rIns="90000" tIns="45000" bIns="45000" anchor="t">
+            <a:noAutofit/>
+          </a:bodyPr>
+          <a:p>
+            <a:r>
+              <a:rPr b="0" lang="es-ES" sz="2090" spc="-1" strike="noStrike">
+                <a:solidFill>
+                  <a:srgbClr val="000000"/>
+                </a:solidFill>
+                <a:latin typeface="Arial"/>
+              </a:rPr>
+              <a:t>OUTPUT</a:t>
+            </a:r>
+            <a:endParaRPr b="0" lang="es-ES" sz="2090" spc="-1" strike="noStrike">
+              <a:solidFill>
+                <a:srgbClr val="000000"/>
+              </a:solidFill>
+              <a:latin typeface="Arial"/>
+            </a:endParaRPr>
+          </a:p>
+        </p:txBody>
+      </p:sp>
+      <p:sp>
+        <p:nvSpPr>
+          <p:cNvPr id="281" name="Rectángulo: esquinas redondeadas 45"/>
+          <p:cNvSpPr/>
+          <p:nvPr/>
+        </p:nvSpPr>
+        <p:spPr>
+          <a:xfrm>
+            <a:off x="15264000" y="309240"/>
+            <a:ext cx="3960000" cy="4138920"/>
+          </a:xfrm>
+          <a:prstGeom prst="roundRect">
+            <a:avLst>
+              <a:gd name="adj" fmla="val 5287"/>
+            </a:avLst>
+          </a:prstGeom>
+          <a:solidFill>
+            <a:srgbClr val="ff7b59"/>
+          </a:solidFill>
+          <a:ln w="38100">
+            <a:solidFill>
+              <a:srgbClr val="333333"/>
+            </a:solidFill>
+          </a:ln>
+        </p:spPr>
+        <p:style>
+          <a:lnRef idx="2">
+            <a:schemeClr val="accent6"/>
+          </a:lnRef>
+          <a:fillRef idx="1">
+            <a:schemeClr val="lt1"/>
+          </a:fillRef>
+          <a:effectRef idx="0">
+            <a:schemeClr val="accent6"/>
+          </a:effectRef>
+          <a:fontRef idx="minor"/>
+        </p:style>
+        <p:txBody>
+          <a:bodyPr lIns="90000" rIns="90000" tIns="45000" bIns="45000" anchor="ctr">
+            <a:noAutofit/>
+          </a:bodyPr>
+          <a:p>
+            <a:endParaRPr b="0" lang="es-ES" sz="2940" spc="-1" strike="noStrike">
+              <a:solidFill>
+                <a:srgbClr val="000000"/>
+              </a:solidFill>
+              <a:latin typeface="Arial"/>
+            </a:endParaRPr>
+          </a:p>
+        </p:txBody>
+      </p:sp>
+      <p:sp>
+        <p:nvSpPr>
+          <p:cNvPr id="282" name="Rectángulo: esquinas redondeadas 47"/>
+          <p:cNvSpPr/>
+          <p:nvPr/>
+        </p:nvSpPr>
+        <p:spPr>
+          <a:xfrm>
+            <a:off x="15444000" y="1741680"/>
+            <a:ext cx="1080000" cy="928440"/>
+          </a:xfrm>
+          <a:prstGeom prst="roundRect">
+            <a:avLst>
+              <a:gd name="adj" fmla="val 16667"/>
+            </a:avLst>
+          </a:prstGeom>
+          <a:solidFill>
+            <a:srgbClr val="ffffff"/>
+          </a:solidFill>
+          <a:ln w="38100">
+            <a:solidFill>
+              <a:srgbClr val="00b050"/>
+            </a:solidFill>
+          </a:ln>
+        </p:spPr>
+        <p:style>
+          <a:lnRef idx="2">
+            <a:schemeClr val="accent6"/>
+          </a:lnRef>
+          <a:fillRef idx="1">
+            <a:schemeClr val="lt1"/>
+          </a:fillRef>
+          <a:effectRef idx="0">
+            <a:schemeClr val="accent6"/>
+          </a:effectRef>
+          <a:fontRef idx="minor"/>
+        </p:style>
+        <p:txBody>
+          <a:bodyPr lIns="90000" rIns="90000" tIns="45000" bIns="45000" anchor="ctr">
+            <a:noAutofit/>
+          </a:bodyPr>
+          <a:p>
+            <a:pPr algn="ctr">
+              <a:lnSpc>
+                <a:spcPct val="100000"/>
+              </a:lnSpc>
+            </a:pPr>
+            <a:r>
+              <a:rPr b="0" lang="en-GB" sz="1490" spc="-1" strike="noStrike">
+                <a:solidFill>
+                  <a:schemeClr val="dk1"/>
+                </a:solidFill>
+                <a:latin typeface="Calibri"/>
+                <a:ea typeface="DejaVu Sans"/>
+              </a:rPr>
+              <a:t>Class</a:t>
+            </a:r>
+            <a:endParaRPr b="0" lang="es-ES" sz="1490" spc="-1" strike="noStrike">
+              <a:solidFill>
+                <a:srgbClr val="000000"/>
+              </a:solidFill>
+              <a:latin typeface="Arial"/>
+            </a:endParaRPr>
+          </a:p>
+          <a:p>
+            <a:pPr algn="ctr">
+              <a:lnSpc>
+                <a:spcPct val="100000"/>
+              </a:lnSpc>
+            </a:pPr>
+            <a:r>
+              <a:rPr b="0" lang="en-GB" sz="1490" spc="-1" strike="noStrike">
+                <a:solidFill>
+                  <a:schemeClr val="dk1"/>
+                </a:solidFill>
+                <a:latin typeface="Calibri"/>
+                <a:ea typeface="DejaVu Sans"/>
+              </a:rPr>
+              <a:t>Diagram</a:t>
+            </a:r>
+            <a:endParaRPr b="0" lang="es-ES" sz="1490" spc="-1" strike="noStrike">
+              <a:solidFill>
+                <a:srgbClr val="000000"/>
+              </a:solidFill>
+              <a:latin typeface="Arial"/>
+            </a:endParaRPr>
+          </a:p>
+        </p:txBody>
+      </p:sp>
+      <p:sp>
+        <p:nvSpPr>
+          <p:cNvPr id="283" name="Rectángulo: esquinas redondeadas 48"/>
+          <p:cNvSpPr/>
+          <p:nvPr/>
+        </p:nvSpPr>
+        <p:spPr>
+          <a:xfrm>
+            <a:off x="16020000" y="527400"/>
+            <a:ext cx="1740240" cy="672840"/>
+          </a:xfrm>
+          <a:prstGeom prst="roundRect">
+            <a:avLst>
+              <a:gd name="adj" fmla="val 4902"/>
+            </a:avLst>
+          </a:prstGeom>
+          <a:solidFill>
+            <a:srgbClr val="ffd8ce"/>
+          </a:solidFill>
+          <a:ln>
+            <a:solidFill>
+              <a:srgbClr val="325490"/>
+            </a:solidFill>
+          </a:ln>
+        </p:spPr>
+        <p:style>
+          <a:lnRef idx="2">
+            <a:schemeClr val="accent1">
+              <a:shade val="50000"/>
+            </a:schemeClr>
+          </a:lnRef>
+          <a:fillRef idx="1">
+            <a:schemeClr val="accent1"/>
+          </a:fillRef>
+          <a:effectRef idx="0">
+            <a:schemeClr val="accent1"/>
+          </a:effectRef>
+          <a:fontRef idx="minor"/>
+        </p:style>
+        <p:txBody>
+          <a:bodyPr lIns="90000" rIns="90000" tIns="45000" bIns="45000" anchor="ctr">
+            <a:noAutofit/>
+          </a:bodyPr>
+          <a:p>
+            <a:pPr algn="ctr">
+              <a:lnSpc>
+                <a:spcPct val="100000"/>
+              </a:lnSpc>
+            </a:pPr>
+            <a:r>
+              <a:rPr b="0" lang="en-GB" sz="1000" spc="-1" strike="noStrike">
+                <a:solidFill>
+                  <a:srgbClr val="0d0d0d"/>
+                </a:solidFill>
+                <a:latin typeface="Calibri"/>
+                <a:ea typeface="DejaVu Sans"/>
+              </a:rPr>
+              <a:t>REQUEST: </a:t>
+            </a:r>
+            <a:r>
+              <a:rPr b="0" lang="en-GB" sz="1000" spc="-1" strike="noStrike">
+                <a:solidFill>
+                  <a:srgbClr val="0d0d0d"/>
+                </a:solidFill>
+                <a:latin typeface="Calibri"/>
+                <a:ea typeface="DejaVu Sans"/>
+              </a:rPr>
+              <a:t>https://mermaid.ink/img/</a:t>
+            </a:r>
+            <a:endParaRPr b="0" lang="es-ES" sz="1000" spc="-1" strike="noStrike">
+              <a:solidFill>
+                <a:srgbClr val="000000"/>
+              </a:solidFill>
+              <a:latin typeface="Arial"/>
+            </a:endParaRPr>
+          </a:p>
+        </p:txBody>
+      </p:sp>
+      <p:cxnSp>
+        <p:nvCxnSpPr>
+          <p:cNvPr id="284" name="Conector: angular 63"/>
+          <p:cNvCxnSpPr>
+            <a:stCxn id="282" idx="3"/>
+            <a:endCxn id="283" idx="2"/>
+          </p:cNvCxnSpPr>
+          <p:nvPr/>
+        </p:nvCxnSpPr>
+        <p:spPr>
+          <a:xfrm flipV="1">
+            <a:off x="16524000" y="1200240"/>
+            <a:ext cx="366480" cy="1005840"/>
+          </a:xfrm>
+          <a:prstGeom prst="bentConnector2">
+            <a:avLst/>
+          </a:prstGeom>
+          <a:ln w="38100">
+            <a:solidFill>
+              <a:srgbClr val="404040"/>
+            </a:solidFill>
+            <a:round/>
+            <a:tailEnd len="med" type="triangle" w="med"/>
+          </a:ln>
+        </p:spPr>
+      </p:cxnSp>
+      <p:sp>
+        <p:nvSpPr>
+          <p:cNvPr id="285" name="Hexágono 14"/>
+          <p:cNvSpPr/>
+          <p:nvPr/>
+        </p:nvSpPr>
+        <p:spPr>
+          <a:xfrm>
+            <a:off x="15984000" y="3033360"/>
+            <a:ext cx="1620000" cy="1188000"/>
+          </a:xfrm>
+          <a:prstGeom prst="hexagon">
+            <a:avLst>
+              <a:gd name="adj" fmla="val 25000"/>
+              <a:gd name="vf" fmla="val 115470"/>
+            </a:avLst>
+          </a:prstGeom>
+          <a:solidFill>
+            <a:schemeClr val="accent4">
+              <a:lumMod val="60000"/>
+              <a:lumOff val="40000"/>
+            </a:schemeClr>
+          </a:solidFill>
+          <a:ln>
+            <a:solidFill>
+              <a:srgbClr val="325490"/>
+            </a:solidFill>
+          </a:ln>
+        </p:spPr>
+        <p:style>
+          <a:lnRef idx="2">
+            <a:schemeClr val="accent1">
+              <a:shade val="50000"/>
+            </a:schemeClr>
+          </a:lnRef>
+          <a:fillRef idx="1">
+            <a:schemeClr val="accent1"/>
+          </a:fillRef>
+          <a:effectRef idx="0">
+            <a:schemeClr val="accent1"/>
+          </a:effectRef>
+          <a:fontRef idx="minor"/>
+        </p:style>
+        <p:txBody>
+          <a:bodyPr lIns="90000" rIns="90000" tIns="45000" bIns="45000" anchor="ctr">
+            <a:noAutofit/>
+          </a:bodyPr>
+          <a:p>
+            <a:pPr algn="ctr">
+              <a:lnSpc>
+                <a:spcPct val="100000"/>
+              </a:lnSpc>
+            </a:pPr>
+            <a:r>
+              <a:rPr b="0" lang="en-GB" sz="1490" spc="-1" strike="noStrike">
+                <a:solidFill>
+                  <a:srgbClr val="000000"/>
+                </a:solidFill>
+                <a:latin typeface="Calibri"/>
+                <a:ea typeface="DejaVu Sans"/>
+              </a:rPr>
+              <a:t>Mermaid</a:t>
+            </a:r>
+            <a:endParaRPr b="0" lang="es-ES" sz="1490" spc="-1" strike="noStrike">
+              <a:solidFill>
+                <a:srgbClr val="000000"/>
+              </a:solidFill>
+              <a:latin typeface="Arial"/>
+            </a:endParaRPr>
+          </a:p>
+          <a:p>
+            <a:pPr algn="ctr">
+              <a:lnSpc>
+                <a:spcPct val="100000"/>
+              </a:lnSpc>
+            </a:pPr>
+            <a:r>
+              <a:rPr b="0" lang="en-GB" sz="1490" spc="-1" strike="noStrike">
+                <a:solidFill>
+                  <a:srgbClr val="000000"/>
+                </a:solidFill>
+                <a:latin typeface="Calibri"/>
+                <a:ea typeface="DejaVu Sans"/>
+              </a:rPr>
+              <a:t>OntoFlow</a:t>
+            </a:r>
+            <a:endParaRPr b="0" lang="es-ES" sz="1490" spc="-1" strike="noStrike">
+              <a:solidFill>
+                <a:srgbClr val="000000"/>
+              </a:solidFill>
+              <a:latin typeface="Arial"/>
+            </a:endParaRPr>
+          </a:p>
+        </p:txBody>
+      </p:sp>
+      <p:cxnSp>
+        <p:nvCxnSpPr>
+          <p:cNvPr id="286" name="Conector: angular 64"/>
+          <p:cNvCxnSpPr>
+            <a:stCxn id="285" idx="3"/>
+            <a:endCxn id="282" idx="2"/>
+          </p:cNvCxnSpPr>
+          <p:nvPr/>
+        </p:nvCxnSpPr>
+        <p:spPr>
+          <a:xfrm rot="10800000">
+            <a:off x="15984000" y="2669760"/>
+            <a:ext cx="360" cy="957600"/>
+          </a:xfrm>
+          <a:prstGeom prst="bentConnector4">
+            <a:avLst>
+              <a:gd name="adj1" fmla="val -2000000"/>
+              <a:gd name="adj2" fmla="val 80368"/>
+            </a:avLst>
+          </a:prstGeom>
+          <a:ln w="38100">
+            <a:solidFill>
+              <a:srgbClr val="000000"/>
+            </a:solidFill>
+            <a:round/>
+            <a:tailEnd len="med" type="triangle" w="med"/>
+          </a:ln>
+        </p:spPr>
+      </p:cxnSp>
+      <p:cxnSp>
+        <p:nvCxnSpPr>
+          <p:cNvPr id="287" name="Conector: angular 65"/>
+          <p:cNvCxnSpPr>
+            <a:stCxn id="283" idx="3"/>
+            <a:endCxn id="288" idx="0"/>
+          </p:cNvCxnSpPr>
+          <p:nvPr/>
+        </p:nvCxnSpPr>
+        <p:spPr>
+          <a:xfrm>
+            <a:off x="17760240" y="863640"/>
+            <a:ext cx="743040" cy="1261800"/>
+          </a:xfrm>
+          <a:prstGeom prst="bentConnector2">
+            <a:avLst/>
+          </a:prstGeom>
+          <a:ln w="38100">
+            <a:solidFill>
+              <a:srgbClr val="404040"/>
+            </a:solidFill>
+            <a:round/>
+            <a:tailEnd len="med" type="triangle" w="med"/>
+          </a:ln>
+        </p:spPr>
+      </p:cxnSp>
+      <p:sp>
+        <p:nvSpPr>
+          <p:cNvPr id="288" name="Rectángulo: esquinas redondeadas 49"/>
+          <p:cNvSpPr/>
+          <p:nvPr/>
+        </p:nvSpPr>
+        <p:spPr>
+          <a:xfrm>
+            <a:off x="17964360" y="2125080"/>
+            <a:ext cx="1077480" cy="545040"/>
+          </a:xfrm>
+          <a:prstGeom prst="roundRect">
+            <a:avLst>
+              <a:gd name="adj" fmla="val 16667"/>
+            </a:avLst>
+          </a:prstGeom>
+          <a:solidFill>
+            <a:schemeClr val="bg1"/>
+          </a:solidFill>
+          <a:ln w="38100">
+            <a:solidFill>
+              <a:srgbClr val="ff0000"/>
+            </a:solidFill>
+          </a:ln>
+        </p:spPr>
+        <p:style>
+          <a:lnRef idx="2">
+            <a:schemeClr val="accent6"/>
+          </a:lnRef>
+          <a:fillRef idx="1">
+            <a:schemeClr val="lt1"/>
+          </a:fillRef>
+          <a:effectRef idx="0">
+            <a:schemeClr val="accent6"/>
+          </a:effectRef>
+          <a:fontRef idx="minor"/>
+        </p:style>
+        <p:txBody>
+          <a:bodyPr lIns="90000" rIns="90000" tIns="45000" bIns="45000" anchor="ctr">
+            <a:noAutofit/>
+          </a:bodyPr>
+          <a:p>
+            <a:pPr algn="ctr">
+              <a:lnSpc>
+                <a:spcPct val="100000"/>
+              </a:lnSpc>
+            </a:pPr>
+            <a:r>
+              <a:rPr b="0" lang="en-GB" sz="1490" spc="-1" strike="noStrike">
+                <a:solidFill>
+                  <a:schemeClr val="dk1"/>
+                </a:solidFill>
+                <a:latin typeface="Calibri"/>
+                <a:ea typeface="DejaVu Sans"/>
+              </a:rPr>
+              <a:t>Error </a:t>
+            </a:r>
+            <a:endParaRPr b="0" lang="es-ES" sz="1490" spc="-1" strike="noStrike">
+              <a:solidFill>
+                <a:srgbClr val="000000"/>
+              </a:solidFill>
+              <a:latin typeface="Arial"/>
+            </a:endParaRPr>
+          </a:p>
+          <a:p>
+            <a:pPr algn="ctr">
+              <a:lnSpc>
+                <a:spcPct val="100000"/>
+              </a:lnSpc>
+            </a:pPr>
+            <a:r>
+              <a:rPr b="0" lang="en-GB" sz="1490" spc="-1" strike="noStrike">
+                <a:solidFill>
+                  <a:schemeClr val="dk1"/>
+                </a:solidFill>
+                <a:latin typeface="Calibri"/>
+                <a:ea typeface="DejaVu Sans"/>
+              </a:rPr>
+              <a:t>Feedback</a:t>
+            </a:r>
+            <a:endParaRPr b="0" lang="es-ES" sz="1490" spc="-1" strike="noStrike">
+              <a:solidFill>
+                <a:srgbClr val="000000"/>
+              </a:solidFill>
+              <a:latin typeface="Arial"/>
+            </a:endParaRPr>
+          </a:p>
+        </p:txBody>
+      </p:sp>
+      <p:cxnSp>
+        <p:nvCxnSpPr>
+          <p:cNvPr id="289" name="Conector: angular 67"/>
+          <p:cNvCxnSpPr>
+            <a:stCxn id="288" idx="2"/>
+            <a:endCxn id="285" idx="0"/>
+          </p:cNvCxnSpPr>
+          <p:nvPr/>
+        </p:nvCxnSpPr>
+        <p:spPr>
+          <a:xfrm rot="5400000">
+            <a:off x="17574480" y="2699280"/>
+            <a:ext cx="957600" cy="899280"/>
+          </a:xfrm>
+          <a:prstGeom prst="bentConnector2">
+            <a:avLst/>
+          </a:prstGeom>
+          <a:ln w="38100">
+            <a:solidFill>
+              <a:srgbClr val="404040"/>
+            </a:solidFill>
+            <a:round/>
+            <a:tailEnd len="med" type="triangle" w="med"/>
+          </a:ln>
+        </p:spPr>
+      </p:cxnSp>
+      <p:sp>
+        <p:nvSpPr>
+          <p:cNvPr id="290" name=""/>
+          <p:cNvSpPr txBox="1"/>
+          <p:nvPr/>
+        </p:nvSpPr>
+        <p:spPr>
+          <a:xfrm>
+            <a:off x="16412040" y="2646360"/>
+            <a:ext cx="1623960" cy="349560"/>
+          </a:xfrm>
+          <a:prstGeom prst="rect">
+            <a:avLst/>
+          </a:prstGeom>
+          <a:noFill/>
+          <a:ln w="0">
+            <a:noFill/>
+          </a:ln>
+        </p:spPr>
+        <p:txBody>
+          <a:bodyPr lIns="90000" rIns="90000" tIns="45000" bIns="45000" anchor="t">
+            <a:noAutofit/>
+          </a:bodyPr>
+          <a:p>
+            <a:r>
+              <a:rPr b="0" lang="es-ES" sz="1800" spc="-1" strike="noStrike">
+                <a:solidFill>
+                  <a:srgbClr val="000000"/>
+                </a:solidFill>
+                <a:latin typeface="Arial"/>
+              </a:rPr>
+              <a:t>Self-Repairing</a:t>
+            </a:r>
+            <a:endParaRPr b="0" lang="es-ES" sz="1800" spc="-1" strike="noStrike">
+              <a:solidFill>
+                <a:srgbClr val="000000"/>
+              </a:solidFill>
+              <a:latin typeface="Arial"/>
+            </a:endParaRPr>
+          </a:p>
+        </p:txBody>
+      </p:sp>
+      <p:sp>
+        <p:nvSpPr>
+          <p:cNvPr id="291" name=""/>
+          <p:cNvSpPr txBox="1"/>
+          <p:nvPr/>
+        </p:nvSpPr>
+        <p:spPr>
+          <a:xfrm>
+            <a:off x="17808840" y="4003920"/>
+            <a:ext cx="1415160" cy="602280"/>
+          </a:xfrm>
+          <a:prstGeom prst="rect">
+            <a:avLst/>
+          </a:prstGeom>
+          <a:noFill/>
+          <a:ln w="0">
+            <a:noFill/>
+          </a:ln>
+        </p:spPr>
+        <p:txBody>
+          <a:bodyPr lIns="90000" rIns="90000" tIns="45000" bIns="45000" anchor="t">
+            <a:noAutofit/>
+          </a:bodyPr>
+          <a:p>
+            <a:r>
+              <a:rPr b="0" lang="es-ES" sz="1800" spc="-1" strike="noStrike">
+                <a:solidFill>
+                  <a:srgbClr val="000000"/>
+                </a:solidFill>
+                <a:latin typeface="Arial"/>
+              </a:rPr>
+              <a:t>DIAGRAM</a:t>
+            </a:r>
+            <a:endParaRPr b="0" lang="es-ES" sz="1800" spc="-1" strike="noStrike">
+              <a:solidFill>
+                <a:srgbClr val="000000"/>
+              </a:solidFill>
+              <a:latin typeface="Arial"/>
+            </a:endParaRPr>
+          </a:p>
+        </p:txBody>
+      </p:sp>
+      <p:cxnSp>
+        <p:nvCxnSpPr>
+          <p:cNvPr id="292" name="Conector recto de flecha 4"/>
+          <p:cNvCxnSpPr>
+            <a:stCxn id="283" idx="3"/>
+            <a:endCxn id="279" idx="1"/>
+          </p:cNvCxnSpPr>
+          <p:nvPr/>
+        </p:nvCxnSpPr>
+        <p:spPr>
+          <a:xfrm>
+            <a:off x="17760240" y="863640"/>
+            <a:ext cx="2003760" cy="14400"/>
+          </a:xfrm>
+          <a:prstGeom prst="straightConnector1">
+            <a:avLst/>
+          </a:prstGeom>
+          <a:ln w="38100">
+            <a:solidFill>
+              <a:srgbClr val="404040"/>
+            </a:solidFill>
+            <a:round/>
+            <a:tailEnd len="med" type="triangle" w="med"/>
+          </a:ln>
+        </p:spPr>
+      </p:cxnSp>
+      <p:cxnSp>
+        <p:nvCxnSpPr>
+          <p:cNvPr id="293" name="Conector: angular 68"/>
+          <p:cNvCxnSpPr>
+            <a:endCxn id="285" idx="2"/>
+          </p:cNvCxnSpPr>
+          <p:nvPr/>
+        </p:nvCxnSpPr>
+        <p:spPr>
+          <a:xfrm flipH="1" flipV="1" rot="5400000">
+            <a:off x="10398600" y="-1235880"/>
+            <a:ext cx="425520" cy="11339640"/>
+          </a:xfrm>
+          <a:prstGeom prst="bentConnector3">
+            <a:avLst>
+              <a:gd name="adj1" fmla="val -2201"/>
+            </a:avLst>
+          </a:prstGeom>
+          <a:ln w="38100">
+            <a:solidFill>
+              <a:srgbClr val="ff5429"/>
             </a:solidFill>
             <a:round/>
             <a:tailEnd len="med" type="triangle" w="med"/>
@@ -7557,29 +8304,26 @@
       </p:grpSpPr>
       <p:sp>
         <p:nvSpPr>
-          <p:cNvPr id="279" name="Rectángulo: esquinas redondeadas 22"/>
+          <p:cNvPr id="294" name="Rectángulo: esquinas redondeadas 22"/>
           <p:cNvSpPr/>
           <p:nvPr/>
         </p:nvSpPr>
         <p:spPr>
           <a:xfrm>
-            <a:off x="1400040" y="5065920"/>
-            <a:ext cx="1486800" cy="1071720"/>
+            <a:off x="2889720" y="3096000"/>
+            <a:ext cx="4130280" cy="2520000"/>
           </a:xfrm>
           <a:prstGeom prst="roundRect">
             <a:avLst>
-              <a:gd name="adj" fmla="val 16667"/>
+              <a:gd name="adj" fmla="val 5287"/>
             </a:avLst>
           </a:prstGeom>
           <a:solidFill>
-            <a:schemeClr val="accent1">
-              <a:lumMod val="40000"/>
-              <a:lumOff val="60000"/>
-            </a:schemeClr>
+            <a:srgbClr val="e8f2a1"/>
           </a:solidFill>
-          <a:ln>
-            <a:solidFill>
-              <a:srgbClr val="70ad47"/>
+          <a:ln w="38100">
+            <a:solidFill>
+              <a:srgbClr val="333333"/>
             </a:solidFill>
           </a:ln>
         </p:spPr>
@@ -7600,22 +8344,160 @@
             <a:noAutofit/>
           </a:bodyPr>
           <a:p>
-            <a:pPr algn="ctr">
-              <a:lnSpc>
-                <a:spcPct val="100000"/>
-              </a:lnSpc>
-            </a:pPr>
-            <a:r>
-              <a:rPr b="0" lang="en-GB" sz="1490" spc="-1" strike="noStrike">
-                <a:solidFill>
-                  <a:schemeClr val="dk1"/>
-                </a:solidFill>
-                <a:latin typeface="Calibri"/>
-                <a:ea typeface="DejaVu Sans"/>
-              </a:rPr>
-              <a:t>prompt</a:t>
-            </a:r>
-            <a:endParaRPr b="0" lang="es-ES" sz="1490" spc="-1" strike="noStrike">
+            <a:endParaRPr b="0" lang="es-ES" sz="2940" spc="-1" strike="noStrike">
+              <a:solidFill>
+                <a:srgbClr val="000000"/>
+              </a:solidFill>
+              <a:latin typeface="Arial"/>
+            </a:endParaRPr>
+          </a:p>
+        </p:txBody>
+      </p:sp>
+      <p:sp>
+        <p:nvSpPr>
+          <p:cNvPr id="295" name="Rectángulo: esquinas redondeadas 23"/>
+          <p:cNvSpPr/>
+          <p:nvPr/>
+        </p:nvSpPr>
+        <p:spPr>
+          <a:xfrm>
+            <a:off x="5940000" y="1116000"/>
+            <a:ext cx="4140000" cy="1800000"/>
+          </a:xfrm>
+          <a:prstGeom prst="roundRect">
+            <a:avLst>
+              <a:gd name="adj" fmla="val 5287"/>
+            </a:avLst>
+          </a:prstGeom>
+          <a:solidFill>
+            <a:srgbClr val="fff5ce"/>
+          </a:solidFill>
+          <a:ln w="38100">
+            <a:solidFill>
+              <a:srgbClr val="333333"/>
+            </a:solidFill>
+          </a:ln>
+        </p:spPr>
+        <p:style>
+          <a:lnRef idx="2">
+            <a:schemeClr val="accent6"/>
+          </a:lnRef>
+          <a:fillRef idx="1">
+            <a:schemeClr val="lt1"/>
+          </a:fillRef>
+          <a:effectRef idx="0">
+            <a:schemeClr val="accent6"/>
+          </a:effectRef>
+          <a:fontRef idx="minor"/>
+        </p:style>
+        <p:txBody>
+          <a:bodyPr lIns="90000" rIns="90000" tIns="45000" bIns="45000" anchor="ctr">
+            <a:noAutofit/>
+          </a:bodyPr>
+          <a:p>
+            <a:endParaRPr b="0" lang="es-ES" sz="2940" spc="-1" strike="noStrike">
+              <a:solidFill>
+                <a:srgbClr val="000000"/>
+              </a:solidFill>
+              <a:latin typeface="Arial"/>
+            </a:endParaRPr>
+          </a:p>
+        </p:txBody>
+      </p:sp>
+      <p:sp>
+        <p:nvSpPr>
+          <p:cNvPr id="296" name="Rectángulo: esquinas redondeadas 24"/>
+          <p:cNvSpPr/>
+          <p:nvPr/>
+        </p:nvSpPr>
+        <p:spPr>
+          <a:xfrm>
+            <a:off x="12708000" y="7956000"/>
+            <a:ext cx="3780000" cy="2448000"/>
+          </a:xfrm>
+          <a:prstGeom prst="roundRect">
+            <a:avLst>
+              <a:gd name="adj" fmla="val 5287"/>
+            </a:avLst>
+          </a:prstGeom>
+          <a:solidFill>
+            <a:srgbClr val="e0c2cd"/>
+          </a:solidFill>
+          <a:ln w="38100">
+            <a:solidFill>
+              <a:srgbClr val="333333"/>
+            </a:solidFill>
+          </a:ln>
+        </p:spPr>
+        <p:style>
+          <a:lnRef idx="2">
+            <a:schemeClr val="accent6"/>
+          </a:lnRef>
+          <a:fillRef idx="1">
+            <a:schemeClr val="lt1"/>
+          </a:fillRef>
+          <a:effectRef idx="0">
+            <a:schemeClr val="accent6"/>
+          </a:effectRef>
+          <a:fontRef idx="minor"/>
+        </p:style>
+        <p:txBody>
+          <a:bodyPr lIns="90000" rIns="90000" tIns="45000" bIns="45000" anchor="ctr">
+            <a:noAutofit/>
+          </a:bodyPr>
+          <a:p>
+            <a:endParaRPr b="0" lang="es-ES" sz="2940" spc="-1" strike="noStrike">
+              <a:solidFill>
+                <a:srgbClr val="000000"/>
+              </a:solidFill>
+              <a:latin typeface="Arial"/>
+            </a:endParaRPr>
+          </a:p>
+        </p:txBody>
+      </p:sp>
+      <p:sp>
+        <p:nvSpPr>
+          <p:cNvPr id="297" name="Rectángulo: esquinas redondeadas 25"/>
+          <p:cNvSpPr/>
+          <p:nvPr/>
+        </p:nvSpPr>
+        <p:spPr>
+          <a:xfrm>
+            <a:off x="6840000" y="5976000"/>
+            <a:ext cx="5580000" cy="3096000"/>
+          </a:xfrm>
+          <a:prstGeom prst="roundRect">
+            <a:avLst>
+              <a:gd name="adj" fmla="val 5287"/>
+            </a:avLst>
+          </a:prstGeom>
+          <a:solidFill>
+            <a:srgbClr val="dee6ef"/>
+          </a:solidFill>
+          <a:ln w="38100">
+            <a:solidFill>
+              <a:srgbClr val="333333"/>
+            </a:solidFill>
+          </a:ln>
+        </p:spPr>
+        <p:style>
+          <a:lnRef idx="2">
+            <a:schemeClr val="accent6"/>
+          </a:lnRef>
+          <a:fillRef idx="1">
+            <a:schemeClr val="lt1"/>
+          </a:fillRef>
+          <a:effectRef idx="0">
+            <a:schemeClr val="accent6"/>
+          </a:effectRef>
+          <a:fontRef idx="minor"/>
+        </p:style>
+        <p:txBody>
+          <a:bodyPr lIns="90000" rIns="90000" tIns="45000" bIns="45000" anchor="ctr">
+            <a:noAutofit/>
+          </a:bodyPr>
+          <a:p>
+            <a:endParaRPr b="0" lang="es-ES" sz="2940" spc="-1" strike="noStrike">
               <a:solidFill>
                 <a:srgbClr val="000000"/>
               </a:solidFill>
@@ -7626,24 +8508,26 @@
       </p:sp>
       <p:cxnSp>
         <p:nvCxnSpPr>
-          <p:cNvPr id="280" name="Conector: angular 22"/>
+          <p:cNvPr id="298" name="Conector: angular 22"/>
           <p:cNvCxnSpPr>
-            <a:stCxn id="281" idx="2"/>
-            <a:endCxn id="279" idx="1"/>
+            <a:stCxn id="299" idx="2"/>
+            <a:endCxn id="300" idx="0"/>
           </p:cNvCxnSpPr>
           <p:nvPr/>
         </p:nvCxnSpPr>
         <p:spPr>
           <a:xfrm flipH="1" rot="16200000">
-            <a:off x="680040" y="4881600"/>
-            <a:ext cx="942120" cy="498240"/>
-          </a:xfrm>
-          <a:prstGeom prst="bentConnector2">
-            <a:avLst/>
-          </a:prstGeom>
-          <a:ln w="38100">
-            <a:solidFill>
-              <a:srgbClr val="000000"/>
+            <a:off x="7709040" y="4182480"/>
+            <a:ext cx="3672360" cy="779400"/>
+          </a:xfrm>
+          <a:prstGeom prst="bentConnector3">
+            <a:avLst>
+              <a:gd name="adj1" fmla="val 61274"/>
+            </a:avLst>
+          </a:prstGeom>
+          <a:ln w="38100">
+            <a:solidFill>
+              <a:srgbClr val="404040"/>
             </a:solidFill>
             <a:round/>
             <a:tailEnd len="med" type="triangle" w="med"/>
@@ -7652,56 +8536,80 @@
       </p:cxnSp>
       <p:cxnSp>
         <p:nvCxnSpPr>
-          <p:cNvPr id="282" name="Conector recto de flecha 1"/>
+          <p:cNvPr id="301" name="Conector: angular 24"/>
           <p:cNvCxnSpPr>
-            <a:stCxn id="279" idx="3"/>
-            <a:endCxn id="283" idx="3"/>
+            <a:stCxn id="299" idx="2"/>
+            <a:endCxn id="302" idx="0"/>
           </p:cNvCxnSpPr>
           <p:nvPr/>
         </p:nvCxnSpPr>
         <p:spPr>
-          <a:xfrm>
-            <a:off x="2886840" y="5601600"/>
-            <a:ext cx="1253520" cy="20160"/>
-          </a:xfrm>
-          <a:prstGeom prst="straightConnector1">
-            <a:avLst/>
-          </a:prstGeom>
-          <a:ln w="38100">
-            <a:solidFill>
-              <a:srgbClr val="000000"/>
+          <a:xfrm rot="5400000">
+            <a:off x="6701760" y="3882240"/>
+            <a:ext cx="3600360" cy="1307880"/>
+          </a:xfrm>
+          <a:prstGeom prst="bentConnector3">
+            <a:avLst>
+              <a:gd name="adj1" fmla="val 62500"/>
+            </a:avLst>
+          </a:prstGeom>
+          <a:ln w="38100">
+            <a:solidFill>
+              <a:srgbClr val="404040"/>
             </a:solidFill>
             <a:round/>
             <a:tailEnd len="med" type="triangle" w="med"/>
           </a:ln>
         </p:spPr>
       </p:cxnSp>
-      <p:sp>
-        <p:nvSpPr>
-          <p:cNvPr id="283" name="Hexágono 5"/>
+      <p:cxnSp>
+        <p:nvCxnSpPr>
+          <p:cNvPr id="303" name="Conector: angular 25"/>
+          <p:cNvCxnSpPr>
+            <a:stCxn id="304" idx="0"/>
+            <a:endCxn id="305" idx="4"/>
+          </p:cNvCxnSpPr>
+          <p:nvPr/>
+        </p:nvCxnSpPr>
+        <p:spPr>
+          <a:xfrm>
+            <a:off x="6948000" y="4655520"/>
+            <a:ext cx="6390720" cy="4056840"/>
+          </a:xfrm>
+          <a:prstGeom prst="bentConnector2">
+            <a:avLst/>
+          </a:prstGeom>
+          <a:ln w="38100">
+            <a:solidFill>
+              <a:srgbClr val="ff5429"/>
+            </a:solidFill>
+            <a:round/>
+            <a:tailEnd len="med" type="triangle" w="med"/>
+          </a:ln>
+        </p:spPr>
+      </p:cxnSp>
+      <p:sp>
+        <p:nvSpPr>
+          <p:cNvPr id="306" name="Rectángulo: esquinas redondeadas 26"/>
           <p:cNvSpPr/>
           <p:nvPr/>
         </p:nvSpPr>
         <p:spPr>
           <a:xfrm>
-            <a:off x="4140000" y="4935600"/>
-            <a:ext cx="1530360" cy="1371600"/>
-          </a:xfrm>
-          <a:prstGeom prst="hexagon">
+            <a:off x="6140520" y="1332720"/>
+            <a:ext cx="1599480" cy="863280"/>
+          </a:xfrm>
+          <a:prstGeom prst="roundRect">
             <a:avLst>
-              <a:gd name="adj" fmla="val 25000"/>
-              <a:gd name="vf" fmla="val 115470"/>
+              <a:gd name="adj" fmla="val 4902"/>
             </a:avLst>
           </a:prstGeom>
           <a:solidFill>
-            <a:schemeClr val="accent4">
-              <a:lumMod val="60000"/>
-              <a:lumOff val="40000"/>
-            </a:schemeClr>
+            <a:srgbClr val="fff5ce"/>
           </a:solidFill>
           <a:ln>
             <a:solidFill>
-              <a:srgbClr val="325490"/>
+              <a:srgbClr val="e8a202"/>
             </a:solidFill>
           </a:ln>
         </p:spPr>
@@ -7737,7 +8645,7 @@
                 <a:latin typeface="Calibri"/>
                 <a:ea typeface="DejaVu Sans"/>
               </a:rPr>
-              <a:t>Function</a:t>
+              <a:t>Preprocessing</a:t>
             </a:r>
             <a:endParaRPr b="0" lang="es-ES" sz="1490" spc="-1" strike="noStrike">
               <a:solidFill>
@@ -7746,6 +8654,75 @@
               <a:latin typeface="Arial"/>
             </a:endParaRPr>
           </a:p>
+        </p:txBody>
+      </p:sp>
+      <p:cxnSp>
+        <p:nvCxnSpPr>
+          <p:cNvPr id="307" name="Conector: angular 27"/>
+          <p:cNvCxnSpPr>
+            <a:stCxn id="308" idx="2"/>
+            <a:endCxn id="306" idx="1"/>
+          </p:cNvCxnSpPr>
+          <p:nvPr/>
+        </p:nvCxnSpPr>
+        <p:spPr>
+          <a:xfrm flipH="1" rot="16200000">
+            <a:off x="4736160" y="360000"/>
+            <a:ext cx="628200" cy="2181240"/>
+          </a:xfrm>
+          <a:prstGeom prst="bentConnector2">
+            <a:avLst/>
+          </a:prstGeom>
+          <a:ln w="38100">
+            <a:solidFill>
+              <a:srgbClr val="404040"/>
+            </a:solidFill>
+            <a:round/>
+            <a:tailEnd len="med" type="triangle" w="med"/>
+          </a:ln>
+        </p:spPr>
+      </p:cxnSp>
+      <p:sp>
+        <p:nvSpPr>
+          <p:cNvPr id="309" name="Rectángulo: esquinas redondeadas 27"/>
+          <p:cNvSpPr/>
+          <p:nvPr/>
+        </p:nvSpPr>
+        <p:spPr>
+          <a:xfrm>
+            <a:off x="15479640" y="555480"/>
+            <a:ext cx="1179720" cy="628920"/>
+          </a:xfrm>
+          <a:prstGeom prst="roundRect">
+            <a:avLst>
+              <a:gd name="adj" fmla="val 16667"/>
+            </a:avLst>
+          </a:prstGeom>
+          <a:solidFill>
+            <a:schemeClr val="bg1"/>
+          </a:solidFill>
+          <a:ln w="38100">
+            <a:solidFill>
+              <a:srgbClr val="7030a0"/>
+            </a:solidFill>
+          </a:ln>
+        </p:spPr>
+        <p:style>
+          <a:lnRef idx="2">
+            <a:schemeClr val="accent6"/>
+          </a:lnRef>
+          <a:fillRef idx="1">
+            <a:schemeClr val="lt1"/>
+          </a:fillRef>
+          <a:effectRef idx="0">
+            <a:schemeClr val="accent6"/>
+          </a:effectRef>
+          <a:fontRef idx="minor"/>
+        </p:style>
+        <p:txBody>
+          <a:bodyPr lIns="90000" rIns="90000" tIns="45000" bIns="45000" anchor="ctr">
+            <a:noAutofit/>
+          </a:bodyPr>
           <a:p>
             <a:pPr algn="ctr">
               <a:lnSpc>
@@ -7755,12 +8732,12 @@
             <a:r>
               <a:rPr b="0" lang="en-GB" sz="1490" spc="-1" strike="noStrike">
                 <a:solidFill>
-                  <a:srgbClr val="000000"/>
+                  <a:schemeClr val="dk1"/>
                 </a:solidFill>
                 <a:latin typeface="Calibri"/>
                 <a:ea typeface="DejaVu Sans"/>
               </a:rPr>
-              <a:t>Caller</a:t>
+              <a:t>Tripplets</a:t>
             </a:r>
             <a:endParaRPr b="0" lang="es-ES" sz="1490" spc="-1" strike="noStrike">
               <a:solidFill>
@@ -7773,14 +8750,172 @@
       </p:sp>
       <p:sp>
         <p:nvSpPr>
-          <p:cNvPr id="284" name="Hexágono 6"/>
+          <p:cNvPr id="310" name="Rectángulo: esquinas redondeadas 28"/>
           <p:cNvSpPr/>
           <p:nvPr/>
         </p:nvSpPr>
         <p:spPr>
           <a:xfrm>
-            <a:off x="2160000" y="7884000"/>
-            <a:ext cx="1706040" cy="1726920"/>
+            <a:off x="15048000" y="6967080"/>
+            <a:ext cx="1139040" cy="628920"/>
+          </a:xfrm>
+          <a:prstGeom prst="roundRect">
+            <a:avLst>
+              <a:gd name="adj" fmla="val 16667"/>
+            </a:avLst>
+          </a:prstGeom>
+          <a:solidFill>
+            <a:srgbClr val="ffffff"/>
+          </a:solidFill>
+          <a:ln w="38100">
+            <a:solidFill>
+              <a:srgbClr val="4472c4"/>
+            </a:solidFill>
+          </a:ln>
+        </p:spPr>
+        <p:style>
+          <a:lnRef idx="2">
+            <a:schemeClr val="accent6"/>
+          </a:lnRef>
+          <a:fillRef idx="1">
+            <a:schemeClr val="lt1"/>
+          </a:fillRef>
+          <a:effectRef idx="0">
+            <a:schemeClr val="accent6"/>
+          </a:effectRef>
+          <a:fontRef idx="minor"/>
+        </p:style>
+        <p:txBody>
+          <a:bodyPr lIns="90000" rIns="90000" tIns="45000" bIns="45000" anchor="ctr">
+            <a:noAutofit/>
+          </a:bodyPr>
+          <a:p>
+            <a:pPr algn="ctr">
+              <a:lnSpc>
+                <a:spcPct val="100000"/>
+              </a:lnSpc>
+            </a:pPr>
+            <a:r>
+              <a:rPr b="0" lang="en-GB" sz="1490" spc="-1" strike="noStrike">
+                <a:solidFill>
+                  <a:schemeClr val="dk1"/>
+                </a:solidFill>
+                <a:latin typeface="Calibri"/>
+                <a:ea typeface="DejaVu Sans"/>
+              </a:rPr>
+              <a:t>TURTLE</a:t>
+            </a:r>
+            <a:endParaRPr b="0" lang="es-ES" sz="1490" spc="-1" strike="noStrike">
+              <a:solidFill>
+                <a:srgbClr val="000000"/>
+              </a:solidFill>
+              <a:latin typeface="Arial"/>
+            </a:endParaRPr>
+          </a:p>
+        </p:txBody>
+      </p:sp>
+      <p:cxnSp>
+        <p:nvCxnSpPr>
+          <p:cNvPr id="311" name="Conector recto de flecha 1"/>
+          <p:cNvCxnSpPr>
+            <a:stCxn id="312" idx="0"/>
+            <a:endCxn id="310" idx="2"/>
+          </p:cNvCxnSpPr>
+          <p:nvPr/>
+        </p:nvCxnSpPr>
+        <p:spPr>
+          <a:xfrm flipV="1">
+            <a:off x="15596280" y="7596000"/>
+            <a:ext cx="21600" cy="1340280"/>
+          </a:xfrm>
+          <a:prstGeom prst="straightConnector1">
+            <a:avLst/>
+          </a:prstGeom>
+          <a:ln w="38100">
+            <a:solidFill>
+              <a:srgbClr val="404040"/>
+            </a:solidFill>
+            <a:round/>
+            <a:tailEnd len="med" type="triangle" w="med"/>
+          </a:ln>
+        </p:spPr>
+      </p:cxnSp>
+      <p:sp>
+        <p:nvSpPr>
+          <p:cNvPr id="312" name="Rectángulo: esquinas redondeadas 29"/>
+          <p:cNvSpPr/>
+          <p:nvPr/>
+        </p:nvSpPr>
+        <p:spPr>
+          <a:xfrm>
+            <a:off x="14940000" y="8935920"/>
+            <a:ext cx="1312560" cy="704160"/>
+          </a:xfrm>
+          <a:prstGeom prst="roundRect">
+            <a:avLst>
+              <a:gd name="adj" fmla="val 16667"/>
+            </a:avLst>
+          </a:prstGeom>
+          <a:solidFill>
+            <a:srgbClr val="ffffff"/>
+          </a:solidFill>
+          <a:ln w="38100">
+            <a:solidFill>
+              <a:srgbClr val="729fcf"/>
+            </a:solidFill>
+          </a:ln>
+        </p:spPr>
+        <p:style>
+          <a:lnRef idx="2">
+            <a:schemeClr val="accent6"/>
+          </a:lnRef>
+          <a:fillRef idx="1">
+            <a:schemeClr val="lt1"/>
+          </a:fillRef>
+          <a:effectRef idx="0">
+            <a:schemeClr val="accent6"/>
+          </a:effectRef>
+          <a:fontRef idx="minor"/>
+        </p:style>
+        <p:txBody>
+          <a:bodyPr lIns="90000" rIns="90000" tIns="45000" bIns="45000" anchor="ctr">
+            <a:noAutofit/>
+          </a:bodyPr>
+          <a:p>
+            <a:pPr algn="ctr">
+              <a:lnSpc>
+                <a:spcPct val="100000"/>
+              </a:lnSpc>
+            </a:pPr>
+            <a:r>
+              <a:rPr b="0" lang="en-GB" sz="1490" spc="-1" strike="noStrike">
+                <a:solidFill>
+                  <a:schemeClr val="dk1"/>
+                </a:solidFill>
+                <a:latin typeface="Calibri"/>
+                <a:ea typeface="DejaVu Sans"/>
+              </a:rPr>
+              <a:t>Entity N</a:t>
+            </a:r>
+            <a:endParaRPr b="0" lang="es-ES" sz="1490" spc="-1" strike="noStrike">
+              <a:solidFill>
+                <a:srgbClr val="000000"/>
+              </a:solidFill>
+              <a:latin typeface="Arial"/>
+            </a:endParaRPr>
+          </a:p>
+        </p:txBody>
+      </p:sp>
+      <p:sp>
+        <p:nvSpPr>
+          <p:cNvPr id="302" name="Hexágono 5"/>
+          <p:cNvSpPr/>
+          <p:nvPr/>
+        </p:nvSpPr>
+        <p:spPr>
+          <a:xfrm>
+            <a:off x="7171200" y="6336000"/>
+            <a:ext cx="1353600" cy="1249560"/>
           </a:xfrm>
           <a:prstGeom prst="hexagon">
             <a:avLst>
@@ -7832,7 +8967,7 @@
                 <a:latin typeface="Calibri"/>
                 <a:ea typeface="DejaVu Sans"/>
               </a:rPr>
-              <a:t>Assystant</a:t>
+              <a:t>Prompt</a:t>
             </a:r>
             <a:endParaRPr b="0" lang="es-ES" sz="1490" spc="-1" strike="noStrike">
               <a:solidFill>
@@ -7855,7 +8990,7 @@
                 <a:latin typeface="Calibri"/>
                 <a:ea typeface="DejaVu Sans"/>
               </a:rPr>
-              <a:t>ChatBot</a:t>
+              <a:t>Crafter</a:t>
             </a:r>
             <a:endParaRPr b="0" lang="es-ES" sz="1490" spc="-1" strike="noStrike">
               <a:solidFill>
@@ -7866,259 +9001,16 @@
           </a:p>
         </p:txBody>
       </p:sp>
-      <p:cxnSp>
-        <p:nvCxnSpPr>
-          <p:cNvPr id="285" name="Conector: angular 24"/>
-          <p:cNvCxnSpPr>
-            <a:stCxn id="279" idx="2"/>
-            <a:endCxn id="284" idx="0"/>
-          </p:cNvCxnSpPr>
-          <p:nvPr/>
-        </p:nvCxnSpPr>
-        <p:spPr>
-          <a:xfrm flipH="1" rot="16200000">
-            <a:off x="1704960" y="6575760"/>
-            <a:ext cx="1746720" cy="869760"/>
-          </a:xfrm>
-          <a:prstGeom prst="bentConnector3">
-            <a:avLst>
-              <a:gd name="adj1" fmla="val 49989"/>
-            </a:avLst>
-          </a:prstGeom>
-          <a:ln w="38100">
-            <a:solidFill>
-              <a:srgbClr val="000000"/>
-            </a:solidFill>
-            <a:round/>
-            <a:tailEnd len="med" type="triangle" w="med"/>
-          </a:ln>
-        </p:spPr>
-      </p:cxnSp>
-      <p:sp>
-        <p:nvSpPr>
-          <p:cNvPr id="286" name="Rectángulo: esquinas redondeadas 23"/>
+      <p:sp>
+        <p:nvSpPr>
+          <p:cNvPr id="305" name="Hexágono 6"/>
           <p:cNvSpPr/>
           <p:nvPr/>
         </p:nvSpPr>
         <p:spPr>
           <a:xfrm>
-            <a:off x="4500000" y="7266600"/>
-            <a:ext cx="1626480" cy="1072080"/>
-          </a:xfrm>
-          <a:prstGeom prst="roundRect">
-            <a:avLst>
-              <a:gd name="adj" fmla="val 16667"/>
-            </a:avLst>
-          </a:prstGeom>
-          <a:solidFill>
-            <a:srgbClr val="ffffff"/>
-          </a:solidFill>
-          <a:ln w="38100">
-            <a:solidFill>
-              <a:srgbClr val="00b050"/>
-            </a:solidFill>
-          </a:ln>
-        </p:spPr>
-        <p:style>
-          <a:lnRef idx="2">
-            <a:schemeClr val="accent6"/>
-          </a:lnRef>
-          <a:fillRef idx="1">
-            <a:schemeClr val="lt1"/>
-          </a:fillRef>
-          <a:effectRef idx="0">
-            <a:schemeClr val="accent6"/>
-          </a:effectRef>
-          <a:fontRef idx="minor"/>
-        </p:style>
-        <p:txBody>
-          <a:bodyPr lIns="90000" rIns="90000" tIns="45000" bIns="45000" anchor="ctr">
-            <a:noAutofit/>
-          </a:bodyPr>
-          <a:p>
-            <a:pPr algn="ctr">
-              <a:lnSpc>
-                <a:spcPct val="100000"/>
-              </a:lnSpc>
-            </a:pPr>
-            <a:r>
-              <a:rPr b="0" lang="en-GB" sz="1490" spc="-1" strike="noStrike">
-                <a:solidFill>
-                  <a:schemeClr val="dk1"/>
-                </a:solidFill>
-                <a:latin typeface="Calibri"/>
-                <a:ea typeface="DejaVu Sans"/>
-              </a:rPr>
-              <a:t>state</a:t>
-            </a:r>
-            <a:endParaRPr b="0" lang="es-ES" sz="1490" spc="-1" strike="noStrike">
-              <a:solidFill>
-                <a:srgbClr val="000000"/>
-              </a:solidFill>
-              <a:latin typeface="Arial"/>
-            </a:endParaRPr>
-          </a:p>
-        </p:txBody>
-      </p:sp>
-      <p:cxnSp>
-        <p:nvCxnSpPr>
-          <p:cNvPr id="287" name="Conector: angular 25"/>
-          <p:cNvCxnSpPr>
-            <a:stCxn id="283" idx="2"/>
-            <a:endCxn id="286" idx="0"/>
-          </p:cNvCxnSpPr>
-          <p:nvPr/>
-        </p:nvCxnSpPr>
-        <p:spPr>
-          <a:xfrm flipH="1" rot="16200000">
-            <a:off x="4629600" y="6582600"/>
-            <a:ext cx="959760" cy="408600"/>
-          </a:xfrm>
-          <a:prstGeom prst="bentConnector3">
-            <a:avLst>
-              <a:gd name="adj1" fmla="val 49343"/>
-            </a:avLst>
-          </a:prstGeom>
-          <a:ln w="38100">
-            <a:solidFill>
-              <a:srgbClr val="000000"/>
-            </a:solidFill>
-            <a:round/>
-            <a:tailEnd len="med" type="triangle" w="med"/>
-          </a:ln>
-        </p:spPr>
-      </p:cxnSp>
-      <p:sp>
-        <p:nvSpPr>
-          <p:cNvPr id="288" name="Rectángulo: esquinas redondeadas 25"/>
-          <p:cNvSpPr/>
-          <p:nvPr/>
-        </p:nvSpPr>
-        <p:spPr>
-          <a:xfrm>
-            <a:off x="12432240" y="9316440"/>
-            <a:ext cx="1486800" cy="1071720"/>
-          </a:xfrm>
-          <a:prstGeom prst="roundRect">
-            <a:avLst>
-              <a:gd name="adj" fmla="val 16667"/>
-            </a:avLst>
-          </a:prstGeom>
-          <a:solidFill>
-            <a:schemeClr val="accent1">
-              <a:lumMod val="40000"/>
-              <a:lumOff val="60000"/>
-            </a:schemeClr>
-          </a:solidFill>
-          <a:ln>
-            <a:solidFill>
-              <a:srgbClr val="70ad47"/>
-            </a:solidFill>
-          </a:ln>
-        </p:spPr>
-        <p:style>
-          <a:lnRef idx="2">
-            <a:schemeClr val="accent6"/>
-          </a:lnRef>
-          <a:fillRef idx="1">
-            <a:schemeClr val="lt1"/>
-          </a:fillRef>
-          <a:effectRef idx="0">
-            <a:schemeClr val="accent6"/>
-          </a:effectRef>
-          <a:fontRef idx="minor"/>
-        </p:style>
-        <p:txBody>
-          <a:bodyPr lIns="90000" rIns="90000" tIns="45000" bIns="45000" anchor="ctr">
-            <a:noAutofit/>
-          </a:bodyPr>
-          <a:p>
-            <a:pPr algn="ctr">
-              <a:lnSpc>
-                <a:spcPct val="100000"/>
-              </a:lnSpc>
-            </a:pPr>
-            <a:r>
-              <a:rPr b="0" lang="en-GB" sz="1490" spc="-1" strike="noStrike">
-                <a:solidFill>
-                  <a:schemeClr val="dk1"/>
-                </a:solidFill>
-                <a:latin typeface="Calibri"/>
-                <a:ea typeface="DejaVu Sans"/>
-              </a:rPr>
-              <a:t>help</a:t>
-            </a:r>
-            <a:endParaRPr b="0" lang="es-ES" sz="1490" spc="-1" strike="noStrike">
-              <a:solidFill>
-                <a:srgbClr val="000000"/>
-              </a:solidFill>
-              <a:latin typeface="Arial"/>
-            </a:endParaRPr>
-          </a:p>
-        </p:txBody>
-      </p:sp>
-      <p:cxnSp>
-        <p:nvCxnSpPr>
-          <p:cNvPr id="289" name="Conector: angular 27"/>
-          <p:cNvCxnSpPr>
-            <a:stCxn id="286" idx="2"/>
-            <a:endCxn id="284" idx="0"/>
-          </p:cNvCxnSpPr>
-          <p:nvPr/>
-        </p:nvCxnSpPr>
-        <p:spPr>
-          <a:xfrm rot="5400000">
-            <a:off x="4385160" y="7819560"/>
-            <a:ext cx="409320" cy="1447560"/>
-          </a:xfrm>
-          <a:prstGeom prst="bentConnector2">
-            <a:avLst/>
-          </a:prstGeom>
-          <a:ln w="38100">
-            <a:solidFill>
-              <a:srgbClr val="000000"/>
-            </a:solidFill>
-            <a:round/>
-            <a:tailEnd len="med" type="triangle" w="med"/>
-          </a:ln>
-        </p:spPr>
-      </p:cxnSp>
-      <p:cxnSp>
-        <p:nvCxnSpPr>
-          <p:cNvPr id="290" name="Conector: angular 29"/>
-          <p:cNvCxnSpPr>
-            <a:stCxn id="284" idx="2"/>
-            <a:endCxn id="288" idx="1"/>
-          </p:cNvCxnSpPr>
-          <p:nvPr/>
-        </p:nvCxnSpPr>
-        <p:spPr>
-          <a:xfrm flipH="1" rot="16200000">
-            <a:off x="7601760" y="5021640"/>
-            <a:ext cx="241560" cy="9419760"/>
-          </a:xfrm>
-          <a:prstGeom prst="bentConnector2">
-            <a:avLst/>
-          </a:prstGeom>
-          <a:ln w="38100">
-            <a:solidFill>
-              <a:srgbClr val="000000"/>
-            </a:solidFill>
-            <a:round/>
-            <a:tailEnd len="med" type="triangle" w="med"/>
-          </a:ln>
-        </p:spPr>
-      </p:cxnSp>
-      <p:sp>
-        <p:nvSpPr>
-          <p:cNvPr id="291" name="Hexágono 7"/>
-          <p:cNvSpPr/>
-          <p:nvPr/>
-        </p:nvSpPr>
-        <p:spPr>
-          <a:xfrm>
-            <a:off x="7475040" y="890280"/>
-            <a:ext cx="1803960" cy="1371600"/>
+            <a:off x="13058280" y="8712000"/>
+            <a:ext cx="1305720" cy="1121040"/>
           </a:xfrm>
           <a:prstGeom prst="hexagon">
             <a:avLst>
@@ -8170,7 +9062,7 @@
                 <a:latin typeface="Calibri"/>
                 <a:ea typeface="DejaVu Sans"/>
               </a:rPr>
-              <a:t>Prompt</a:t>
+              <a:t>Onto</a:t>
             </a:r>
             <a:endParaRPr b="0" lang="es-ES" sz="1490" spc="-1" strike="noStrike">
               <a:solidFill>
@@ -8193,7 +9085,7 @@
                 <a:latin typeface="Calibri"/>
                 <a:ea typeface="DejaVu Sans"/>
               </a:rPr>
-              <a:t>Crafter</a:t>
+              <a:t>Builder</a:t>
             </a:r>
             <a:endParaRPr b="0" lang="es-ES" sz="1490" spc="-1" strike="noStrike">
               <a:solidFill>
@@ -8206,14 +9098,14 @@
       </p:sp>
       <p:sp>
         <p:nvSpPr>
-          <p:cNvPr id="292" name="Hexágono 8"/>
+          <p:cNvPr id="300" name="Hexágono 7"/>
           <p:cNvSpPr/>
           <p:nvPr/>
         </p:nvSpPr>
         <p:spPr>
           <a:xfrm>
-            <a:off x="7475040" y="3016440"/>
-            <a:ext cx="1803960" cy="1371600"/>
+            <a:off x="9230400" y="6408000"/>
+            <a:ext cx="1408320" cy="1191600"/>
           </a:xfrm>
           <a:prstGeom prst="hexagon">
             <a:avLst>
@@ -8299,28 +9191,728 @@
           </a:p>
         </p:txBody>
       </p:sp>
-      <p:sp>
-        <p:nvSpPr>
-          <p:cNvPr id="293" name="Hexágono 11"/>
+      <p:cxnSp>
+        <p:nvCxnSpPr>
+          <p:cNvPr id="313" name="Conector: angular 29"/>
+          <p:cNvCxnSpPr>
+            <a:stCxn id="302" idx="0"/>
+            <a:endCxn id="314" idx="0"/>
+          </p:cNvCxnSpPr>
+          <p:nvPr/>
+        </p:nvCxnSpPr>
+        <p:spPr>
+          <a:xfrm>
+            <a:off x="8524800" y="6960960"/>
+            <a:ext cx="496080" cy="1253880"/>
+          </a:xfrm>
+          <a:prstGeom prst="bentConnector2">
+            <a:avLst/>
+          </a:prstGeom>
+          <a:ln w="38100">
+            <a:solidFill>
+              <a:srgbClr val="000000"/>
+            </a:solidFill>
+            <a:round/>
+            <a:tailEnd len="med" type="triangle" w="med"/>
+          </a:ln>
+        </p:spPr>
+      </p:cxnSp>
+      <p:cxnSp>
+        <p:nvCxnSpPr>
+          <p:cNvPr id="315" name="Conector: angular 31"/>
+          <p:cNvCxnSpPr>
+            <a:stCxn id="306" idx="3"/>
+            <a:endCxn id="299" idx="1"/>
+          </p:cNvCxnSpPr>
+          <p:nvPr/>
+        </p:nvCxnSpPr>
+        <p:spPr>
+          <a:xfrm>
+            <a:off x="7740000" y="1764360"/>
+            <a:ext cx="671760" cy="321480"/>
+          </a:xfrm>
+          <a:prstGeom prst="bentConnector3">
+            <a:avLst>
+              <a:gd name="adj1" fmla="val 49008"/>
+            </a:avLst>
+          </a:prstGeom>
+          <a:ln w="38100">
+            <a:solidFill>
+              <a:srgbClr val="404040"/>
+            </a:solidFill>
+            <a:round/>
+            <a:tailEnd len="med" type="triangle" w="med"/>
+          </a:ln>
+        </p:spPr>
+      </p:cxnSp>
+      <p:sp>
+        <p:nvSpPr>
+          <p:cNvPr id="314" name="Rectángulo: esquinas redondeadas 30"/>
           <p:cNvSpPr/>
           <p:nvPr/>
         </p:nvSpPr>
         <p:spPr>
           <a:xfrm>
-            <a:off x="7475040" y="7815240"/>
-            <a:ext cx="1803960" cy="1371600"/>
-          </a:xfrm>
-          <a:prstGeom prst="hexagon">
+            <a:off x="8460000" y="8214480"/>
+            <a:ext cx="1121400" cy="666000"/>
+          </a:xfrm>
+          <a:prstGeom prst="roundRect">
             <a:avLst>
-              <a:gd name="adj" fmla="val 25000"/>
-              <a:gd name="vf" fmla="val 115470"/>
+              <a:gd name="adj" fmla="val 16667"/>
             </a:avLst>
           </a:prstGeom>
           <a:solidFill>
-            <a:schemeClr val="accent4">
-              <a:lumMod val="60000"/>
-              <a:lumOff val="40000"/>
+            <a:schemeClr val="accent1">
+              <a:lumMod val="40000"/>
+              <a:lumOff val="60000"/>
             </a:schemeClr>
+          </a:solidFill>
+          <a:ln>
+            <a:solidFill>
+              <a:srgbClr val="70ad47"/>
+            </a:solidFill>
+          </a:ln>
+        </p:spPr>
+        <p:style>
+          <a:lnRef idx="2">
+            <a:schemeClr val="accent6"/>
+          </a:lnRef>
+          <a:fillRef idx="1">
+            <a:schemeClr val="lt1"/>
+          </a:fillRef>
+          <a:effectRef idx="0">
+            <a:schemeClr val="accent6"/>
+          </a:effectRef>
+          <a:fontRef idx="minor"/>
+        </p:style>
+        <p:txBody>
+          <a:bodyPr lIns="90000" rIns="90000" tIns="45000" bIns="45000" anchor="ctr">
+            <a:noAutofit/>
+          </a:bodyPr>
+          <a:p>
+            <a:pPr algn="ctr">
+              <a:lnSpc>
+                <a:spcPct val="100000"/>
+              </a:lnSpc>
+            </a:pPr>
+            <a:r>
+              <a:rPr b="0" lang="en-GB" sz="1490" spc="-1" strike="noStrike">
+                <a:solidFill>
+                  <a:schemeClr val="dk1"/>
+                </a:solidFill>
+                <a:latin typeface="Calibri"/>
+                <a:ea typeface="DejaVu Sans"/>
+              </a:rPr>
+              <a:t>prompt’’</a:t>
+            </a:r>
+            <a:endParaRPr b="0" lang="es-ES" sz="1490" spc="-1" strike="noStrike">
+              <a:solidFill>
+                <a:srgbClr val="000000"/>
+              </a:solidFill>
+              <a:latin typeface="Arial"/>
+            </a:endParaRPr>
+          </a:p>
+        </p:txBody>
+      </p:sp>
+      <p:cxnSp>
+        <p:nvCxnSpPr>
+          <p:cNvPr id="316" name="Conector: angular 32"/>
+          <p:cNvCxnSpPr>
+            <a:stCxn id="314" idx="3"/>
+            <a:endCxn id="300" idx="2"/>
+          </p:cNvCxnSpPr>
+          <p:nvPr/>
+        </p:nvCxnSpPr>
+        <p:spPr>
+          <a:xfrm flipV="1">
+            <a:off x="9581400" y="7599600"/>
+            <a:ext cx="353520" cy="948240"/>
+          </a:xfrm>
+          <a:prstGeom prst="bentConnector2">
+            <a:avLst/>
+          </a:prstGeom>
+          <a:ln w="38100">
+            <a:solidFill>
+              <a:srgbClr val="000000"/>
+            </a:solidFill>
+            <a:round/>
+            <a:tailEnd len="med" type="triangle" w="med"/>
+          </a:ln>
+        </p:spPr>
+      </p:cxnSp>
+      <p:cxnSp>
+        <p:nvCxnSpPr>
+          <p:cNvPr id="317" name="Conector recto de flecha 5"/>
+          <p:cNvCxnSpPr>
+            <a:stCxn id="305" idx="0"/>
+            <a:endCxn id="312" idx="1"/>
+          </p:cNvCxnSpPr>
+          <p:nvPr/>
+        </p:nvCxnSpPr>
+        <p:spPr>
+          <a:xfrm>
+            <a:off x="14364000" y="9272520"/>
+            <a:ext cx="576360" cy="15840"/>
+          </a:xfrm>
+          <a:prstGeom prst="straightConnector1">
+            <a:avLst/>
+          </a:prstGeom>
+          <a:ln w="38100">
+            <a:solidFill>
+              <a:srgbClr val="404040"/>
+            </a:solidFill>
+            <a:round/>
+            <a:tailEnd len="med" type="triangle" w="med"/>
+          </a:ln>
+        </p:spPr>
+      </p:cxnSp>
+      <p:cxnSp>
+        <p:nvCxnSpPr>
+          <p:cNvPr id="318" name="Conector: angular 34"/>
+          <p:cNvCxnSpPr>
+            <a:stCxn id="305" idx="0"/>
+            <a:endCxn id="310" idx="1"/>
+          </p:cNvCxnSpPr>
+          <p:nvPr/>
+        </p:nvCxnSpPr>
+        <p:spPr>
+          <a:xfrm flipH="1" flipV="1" rot="5400000">
+            <a:off x="13664160" y="7328160"/>
+            <a:ext cx="1431000" cy="1337400"/>
+          </a:xfrm>
+          <a:prstGeom prst="bentConnector2">
+            <a:avLst/>
+          </a:prstGeom>
+          <a:ln w="38100">
+            <a:solidFill>
+              <a:srgbClr val="000000"/>
+            </a:solidFill>
+            <a:round/>
+            <a:tailEnd len="med" type="triangle" w="med"/>
+          </a:ln>
+        </p:spPr>
+      </p:cxnSp>
+      <p:sp>
+        <p:nvSpPr>
+          <p:cNvPr id="319" name="Rectángulo: esquinas redondeadas 31"/>
+          <p:cNvSpPr/>
+          <p:nvPr/>
+        </p:nvSpPr>
+        <p:spPr>
+          <a:xfrm>
+            <a:off x="10822320" y="7508880"/>
+            <a:ext cx="1489680" cy="1371600"/>
+          </a:xfrm>
+          <a:prstGeom prst="roundRect">
+            <a:avLst>
+              <a:gd name="adj" fmla="val 16667"/>
+            </a:avLst>
+          </a:prstGeom>
+          <a:solidFill>
+            <a:srgbClr val="ffffff"/>
+          </a:solidFill>
+          <a:ln w="38100">
+            <a:solidFill>
+              <a:srgbClr val="ff7b59"/>
+            </a:solidFill>
+          </a:ln>
+        </p:spPr>
+        <p:style>
+          <a:lnRef idx="2">
+            <a:schemeClr val="accent6"/>
+          </a:lnRef>
+          <a:fillRef idx="1">
+            <a:schemeClr val="lt1"/>
+          </a:fillRef>
+          <a:effectRef idx="0">
+            <a:schemeClr val="accent6"/>
+          </a:effectRef>
+          <a:fontRef idx="minor"/>
+        </p:style>
+        <p:txBody>
+          <a:bodyPr lIns="90000" rIns="90000" tIns="45000" bIns="45000" anchor="ctr">
+            <a:noAutofit/>
+          </a:bodyPr>
+          <a:p>
+            <a:pPr algn="ctr">
+              <a:lnSpc>
+                <a:spcPct val="100000"/>
+              </a:lnSpc>
+            </a:pPr>
+            <a:r>
+              <a:rPr b="0" lang="en-GB" sz="1490" spc="-1" strike="noStrike">
+                <a:solidFill>
+                  <a:schemeClr val="dk1"/>
+                </a:solidFill>
+                <a:latin typeface="Calibri"/>
+                <a:ea typeface="DejaVu Sans"/>
+              </a:rPr>
+              <a:t>High Level </a:t>
+            </a:r>
+            <a:endParaRPr b="0" lang="es-ES" sz="1490" spc="-1" strike="noStrike">
+              <a:solidFill>
+                <a:srgbClr val="000000"/>
+              </a:solidFill>
+              <a:latin typeface="Arial"/>
+            </a:endParaRPr>
+          </a:p>
+          <a:p>
+            <a:pPr algn="ctr">
+              <a:lnSpc>
+                <a:spcPct val="100000"/>
+              </a:lnSpc>
+            </a:pPr>
+            <a:r>
+              <a:rPr b="0" lang="en-GB" sz="1490" spc="-1" strike="noStrike">
+                <a:solidFill>
+                  <a:schemeClr val="dk1"/>
+                </a:solidFill>
+                <a:latin typeface="Calibri"/>
+                <a:ea typeface="DejaVu Sans"/>
+              </a:rPr>
+              <a:t>Structure</a:t>
+            </a:r>
+            <a:endParaRPr b="0" lang="es-ES" sz="1490" spc="-1" strike="noStrike">
+              <a:solidFill>
+                <a:srgbClr val="000000"/>
+              </a:solidFill>
+              <a:latin typeface="Arial"/>
+            </a:endParaRPr>
+          </a:p>
+          <a:p>
+            <a:pPr algn="ctr">
+              <a:lnSpc>
+                <a:spcPct val="100000"/>
+              </a:lnSpc>
+            </a:pPr>
+            <a:r>
+              <a:rPr b="0" lang="en-GB" sz="1490" spc="-1" strike="noStrike">
+                <a:solidFill>
+                  <a:schemeClr val="dk1"/>
+                </a:solidFill>
+                <a:latin typeface="Calibri"/>
+                <a:ea typeface="DejaVu Sans"/>
+              </a:rPr>
+              <a:t>Description</a:t>
+            </a:r>
+            <a:endParaRPr b="0" lang="es-ES" sz="1490" spc="-1" strike="noStrike">
+              <a:solidFill>
+                <a:srgbClr val="000000"/>
+              </a:solidFill>
+              <a:latin typeface="Arial"/>
+            </a:endParaRPr>
+          </a:p>
+        </p:txBody>
+      </p:sp>
+      <p:cxnSp>
+        <p:nvCxnSpPr>
+          <p:cNvPr id="320" name="Conector: angular 36"/>
+          <p:cNvCxnSpPr>
+            <a:stCxn id="319" idx="3"/>
+            <a:endCxn id="305" idx="3"/>
+          </p:cNvCxnSpPr>
+          <p:nvPr/>
+        </p:nvCxnSpPr>
+        <p:spPr>
+          <a:xfrm>
+            <a:off x="12312000" y="8194680"/>
+            <a:ext cx="746640" cy="1078200"/>
+          </a:xfrm>
+          <a:prstGeom prst="bentConnector3">
+            <a:avLst>
+              <a:gd name="adj1" fmla="val 35069"/>
+            </a:avLst>
+          </a:prstGeom>
+          <a:ln w="38100">
+            <a:solidFill>
+              <a:srgbClr val="000000"/>
+            </a:solidFill>
+            <a:round/>
+            <a:tailEnd len="med" type="triangle" w="med"/>
+          </a:ln>
+        </p:spPr>
+      </p:cxnSp>
+      <p:cxnSp>
+        <p:nvCxnSpPr>
+          <p:cNvPr id="321" name="Conector: angular 37"/>
+          <p:cNvCxnSpPr>
+            <a:stCxn id="300" idx="0"/>
+            <a:endCxn id="319" idx="0"/>
+          </p:cNvCxnSpPr>
+          <p:nvPr/>
+        </p:nvCxnSpPr>
+        <p:spPr>
+          <a:xfrm>
+            <a:off x="10638720" y="7003800"/>
+            <a:ext cx="928800" cy="505440"/>
+          </a:xfrm>
+          <a:prstGeom prst="bentConnector2">
+            <a:avLst/>
+          </a:prstGeom>
+          <a:ln w="38100">
+            <a:solidFill>
+              <a:srgbClr val="000000"/>
+            </a:solidFill>
+            <a:round/>
+            <a:tailEnd len="med" type="triangle" w="med"/>
+          </a:ln>
+        </p:spPr>
+      </p:cxnSp>
+      <p:sp>
+        <p:nvSpPr>
+          <p:cNvPr id="308" name="Rectángulo: esquinas redondeadas 32"/>
+          <p:cNvSpPr/>
+          <p:nvPr/>
+        </p:nvSpPr>
+        <p:spPr>
+          <a:xfrm>
+            <a:off x="3419640" y="507600"/>
+            <a:ext cx="1080000" cy="628920"/>
+          </a:xfrm>
+          <a:prstGeom prst="roundRect">
+            <a:avLst>
+              <a:gd name="adj" fmla="val 16667"/>
+            </a:avLst>
+          </a:prstGeom>
+          <a:solidFill>
+            <a:srgbClr val="ffffff"/>
+          </a:solidFill>
+          <a:ln w="38100">
+            <a:solidFill>
+              <a:srgbClr val="acb20c"/>
+            </a:solidFill>
+          </a:ln>
+        </p:spPr>
+        <p:style>
+          <a:lnRef idx="2">
+            <a:schemeClr val="accent6"/>
+          </a:lnRef>
+          <a:fillRef idx="1">
+            <a:schemeClr val="lt1"/>
+          </a:fillRef>
+          <a:effectRef idx="0">
+            <a:schemeClr val="accent6"/>
+          </a:effectRef>
+          <a:fontRef idx="minor"/>
+        </p:style>
+        <p:txBody>
+          <a:bodyPr lIns="90000" rIns="90000" tIns="45000" bIns="45000" anchor="ctr">
+            <a:noAutofit/>
+          </a:bodyPr>
+          <a:p>
+            <a:pPr algn="ctr">
+              <a:lnSpc>
+                <a:spcPct val="100000"/>
+              </a:lnSpc>
+            </a:pPr>
+            <a:r>
+              <a:rPr b="0" lang="en-GB" sz="1490" spc="-1" strike="noStrike">
+                <a:solidFill>
+                  <a:schemeClr val="dk1"/>
+                </a:solidFill>
+                <a:latin typeface="Calibri"/>
+                <a:ea typeface="DejaVu Sans"/>
+              </a:rPr>
+              <a:t>CSV</a:t>
+            </a:r>
+            <a:endParaRPr b="0" lang="es-ES" sz="1490" spc="-1" strike="noStrike">
+              <a:solidFill>
+                <a:srgbClr val="000000"/>
+              </a:solidFill>
+              <a:latin typeface="Arial"/>
+            </a:endParaRPr>
+          </a:p>
+        </p:txBody>
+      </p:sp>
+      <p:cxnSp>
+        <p:nvCxnSpPr>
+          <p:cNvPr id="322" name="Conector: angular 39"/>
+          <p:cNvCxnSpPr>
+            <a:stCxn id="314" idx="2"/>
+            <a:endCxn id="305" idx="2"/>
+          </p:cNvCxnSpPr>
+          <p:nvPr/>
+        </p:nvCxnSpPr>
+        <p:spPr>
+          <a:xfrm flipH="1" rot="16200000">
+            <a:off x="10889280" y="7011360"/>
+            <a:ext cx="952920" cy="4690800"/>
+          </a:xfrm>
+          <a:prstGeom prst="bentConnector3">
+            <a:avLst>
+              <a:gd name="adj1" fmla="val 137792"/>
+            </a:avLst>
+          </a:prstGeom>
+          <a:ln w="38100">
+            <a:solidFill>
+              <a:srgbClr val="000000"/>
+            </a:solidFill>
+            <a:round/>
+            <a:tailEnd len="med" type="triangle" w="med"/>
+          </a:ln>
+        </p:spPr>
+      </p:cxnSp>
+      <p:sp>
+        <p:nvSpPr>
+          <p:cNvPr id="323" name=""/>
+          <p:cNvSpPr txBox="1"/>
+          <p:nvPr/>
+        </p:nvSpPr>
+        <p:spPr>
+          <a:xfrm>
+            <a:off x="3527640" y="88200"/>
+            <a:ext cx="1152360" cy="685080"/>
+          </a:xfrm>
+          <a:prstGeom prst="rect">
+            <a:avLst/>
+          </a:prstGeom>
+          <a:noFill/>
+          <a:ln w="0">
+            <a:noFill/>
+          </a:ln>
+        </p:spPr>
+        <p:txBody>
+          <a:bodyPr lIns="90000" rIns="90000" tIns="45000" bIns="45000" anchor="t">
+            <a:noAutofit/>
+          </a:bodyPr>
+          <a:p>
+            <a:r>
+              <a:rPr b="0" lang="es-ES" sz="2090" spc="-1" strike="noStrike">
+                <a:solidFill>
+                  <a:srgbClr val="000000"/>
+                </a:solidFill>
+                <a:latin typeface="Arial"/>
+              </a:rPr>
+              <a:t>INPUT</a:t>
+            </a:r>
+            <a:endParaRPr b="0" lang="es-ES" sz="2090" spc="-1" strike="noStrike">
+              <a:solidFill>
+                <a:srgbClr val="000000"/>
+              </a:solidFill>
+              <a:latin typeface="Arial"/>
+            </a:endParaRPr>
+          </a:p>
+        </p:txBody>
+      </p:sp>
+      <p:sp>
+        <p:nvSpPr>
+          <p:cNvPr id="324" name=""/>
+          <p:cNvSpPr txBox="1"/>
+          <p:nvPr/>
+        </p:nvSpPr>
+        <p:spPr>
+          <a:xfrm>
+            <a:off x="15441120" y="208080"/>
+            <a:ext cx="1298880" cy="387720"/>
+          </a:xfrm>
+          <a:prstGeom prst="rect">
+            <a:avLst/>
+          </a:prstGeom>
+          <a:noFill/>
+          <a:ln w="0">
+            <a:noFill/>
+          </a:ln>
+        </p:spPr>
+        <p:txBody>
+          <a:bodyPr lIns="90000" rIns="90000" tIns="45000" bIns="45000" anchor="t">
+            <a:noAutofit/>
+          </a:bodyPr>
+          <a:p>
+            <a:r>
+              <a:rPr b="0" lang="es-ES" sz="2090" spc="-1" strike="noStrike">
+                <a:solidFill>
+                  <a:srgbClr val="000000"/>
+                </a:solidFill>
+                <a:latin typeface="Arial"/>
+              </a:rPr>
+              <a:t>OUTPUT</a:t>
+            </a:r>
+            <a:endParaRPr b="0" lang="es-ES" sz="2090" spc="-1" strike="noStrike">
+              <a:solidFill>
+                <a:srgbClr val="000000"/>
+              </a:solidFill>
+              <a:latin typeface="Arial"/>
+            </a:endParaRPr>
+          </a:p>
+        </p:txBody>
+      </p:sp>
+      <p:sp>
+        <p:nvSpPr>
+          <p:cNvPr id="325" name=""/>
+          <p:cNvSpPr txBox="1"/>
+          <p:nvPr/>
+        </p:nvSpPr>
+        <p:spPr>
+          <a:xfrm>
+            <a:off x="15006600" y="6488280"/>
+            <a:ext cx="1301400" cy="387720"/>
+          </a:xfrm>
+          <a:prstGeom prst="rect">
+            <a:avLst/>
+          </a:prstGeom>
+          <a:noFill/>
+          <a:ln w="0">
+            <a:noFill/>
+          </a:ln>
+        </p:spPr>
+        <p:txBody>
+          <a:bodyPr lIns="90000" rIns="90000" tIns="45000" bIns="45000" anchor="t">
+            <a:noAutofit/>
+          </a:bodyPr>
+          <a:p>
+            <a:r>
+              <a:rPr b="0" lang="es-ES" sz="2090" spc="-1" strike="noStrike">
+                <a:solidFill>
+                  <a:srgbClr val="000000"/>
+                </a:solidFill>
+                <a:latin typeface="Arial"/>
+              </a:rPr>
+              <a:t>OUTPUT</a:t>
+            </a:r>
+            <a:endParaRPr b="0" lang="es-ES" sz="2090" spc="-1" strike="noStrike">
+              <a:solidFill>
+                <a:srgbClr val="000000"/>
+              </a:solidFill>
+              <a:latin typeface="Arial"/>
+            </a:endParaRPr>
+          </a:p>
+        </p:txBody>
+      </p:sp>
+      <p:sp>
+        <p:nvSpPr>
+          <p:cNvPr id="326" name="Rectángulo: esquinas redondeadas 50"/>
+          <p:cNvSpPr/>
+          <p:nvPr/>
+        </p:nvSpPr>
+        <p:spPr>
+          <a:xfrm>
+            <a:off x="10980000" y="301320"/>
+            <a:ext cx="3960000" cy="4138920"/>
+          </a:xfrm>
+          <a:prstGeom prst="roundRect">
+            <a:avLst>
+              <a:gd name="adj" fmla="val 5287"/>
+            </a:avLst>
+          </a:prstGeom>
+          <a:solidFill>
+            <a:srgbClr val="afd095"/>
+          </a:solidFill>
+          <a:ln w="38100">
+            <a:solidFill>
+              <a:srgbClr val="333333"/>
+            </a:solidFill>
+          </a:ln>
+        </p:spPr>
+        <p:style>
+          <a:lnRef idx="2">
+            <a:schemeClr val="accent6"/>
+          </a:lnRef>
+          <a:fillRef idx="1">
+            <a:schemeClr val="lt1"/>
+          </a:fillRef>
+          <a:effectRef idx="0">
+            <a:schemeClr val="accent6"/>
+          </a:effectRef>
+          <a:fontRef idx="minor"/>
+        </p:style>
+        <p:txBody>
+          <a:bodyPr lIns="90000" rIns="90000" tIns="45000" bIns="45000" anchor="ctr">
+            <a:noAutofit/>
+          </a:bodyPr>
+          <a:p>
+            <a:endParaRPr b="0" lang="es-ES" sz="2940" spc="-1" strike="noStrike">
+              <a:solidFill>
+                <a:srgbClr val="000000"/>
+              </a:solidFill>
+              <a:latin typeface="Arial"/>
+            </a:endParaRPr>
+          </a:p>
+        </p:txBody>
+      </p:sp>
+      <p:sp>
+        <p:nvSpPr>
+          <p:cNvPr id="327" name="Rectángulo: esquinas redondeadas 51"/>
+          <p:cNvSpPr/>
+          <p:nvPr/>
+        </p:nvSpPr>
+        <p:spPr>
+          <a:xfrm>
+            <a:off x="11160000" y="1733760"/>
+            <a:ext cx="900000" cy="928440"/>
+          </a:xfrm>
+          <a:prstGeom prst="roundRect">
+            <a:avLst>
+              <a:gd name="adj" fmla="val 16667"/>
+            </a:avLst>
+          </a:prstGeom>
+          <a:solidFill>
+            <a:srgbClr val="ffffff"/>
+          </a:solidFill>
+          <a:ln w="38100">
+            <a:solidFill>
+              <a:srgbClr val="069a2e"/>
+            </a:solidFill>
+          </a:ln>
+        </p:spPr>
+        <p:style>
+          <a:lnRef idx="2">
+            <a:schemeClr val="accent6"/>
+          </a:lnRef>
+          <a:fillRef idx="1">
+            <a:schemeClr val="lt1"/>
+          </a:fillRef>
+          <a:effectRef idx="0">
+            <a:schemeClr val="accent6"/>
+          </a:effectRef>
+          <a:fontRef idx="minor"/>
+        </p:style>
+        <p:txBody>
+          <a:bodyPr lIns="90000" rIns="90000" tIns="45000" bIns="45000" anchor="ctr">
+            <a:noAutofit/>
+          </a:bodyPr>
+          <a:p>
+            <a:pPr algn="ctr">
+              <a:lnSpc>
+                <a:spcPct val="100000"/>
+              </a:lnSpc>
+            </a:pPr>
+            <a:r>
+              <a:rPr b="0" lang="en-GB" sz="1490" spc="-1" strike="noStrike">
+                <a:solidFill>
+                  <a:schemeClr val="dk1"/>
+                </a:solidFill>
+                <a:latin typeface="Calibri"/>
+                <a:ea typeface="DejaVu Sans"/>
+              </a:rPr>
+              <a:t>RML</a:t>
+            </a:r>
+            <a:endParaRPr b="0" lang="es-ES" sz="1490" spc="-1" strike="noStrike">
+              <a:solidFill>
+                <a:srgbClr val="000000"/>
+              </a:solidFill>
+              <a:latin typeface="Arial"/>
+            </a:endParaRPr>
+          </a:p>
+        </p:txBody>
+      </p:sp>
+      <p:sp>
+        <p:nvSpPr>
+          <p:cNvPr id="328" name="Rectángulo: esquinas redondeadas 53"/>
+          <p:cNvSpPr/>
+          <p:nvPr/>
+        </p:nvSpPr>
+        <p:spPr>
+          <a:xfrm>
+            <a:off x="11844360" y="519480"/>
+            <a:ext cx="1055880" cy="672840"/>
+          </a:xfrm>
+          <a:prstGeom prst="roundRect">
+            <a:avLst>
+              <a:gd name="adj" fmla="val 4902"/>
+            </a:avLst>
+          </a:prstGeom>
+          <a:solidFill>
+            <a:srgbClr val="dde8cb"/>
           </a:solidFill>
           <a:ln>
             <a:solidFill>
@@ -8355,35 +9947,12 @@
             <a:r>
               <a:rPr b="0" lang="en-GB" sz="1490" spc="-1" strike="noStrike">
                 <a:solidFill>
-                  <a:srgbClr val="000000"/>
+                  <a:srgbClr val="0d0d0d"/>
                 </a:solidFill>
                 <a:latin typeface="Calibri"/>
                 <a:ea typeface="DejaVu Sans"/>
               </a:rPr>
-              <a:t>Onto</a:t>
-            </a:r>
-            <a:endParaRPr b="0" lang="es-ES" sz="1490" spc="-1" strike="noStrike">
-              <a:solidFill>
-                <a:srgbClr val="000000"/>
-              </a:solidFill>
-              <a:latin typeface="Arial"/>
-            </a:endParaRPr>
-          </a:p>
-          <a:p>
-            <a:pPr algn="ctr">
-              <a:lnSpc>
-                <a:spcPct val="100000"/>
-              </a:lnSpc>
-            </a:pPr>
-            <a:r>
-              <a:rPr b="0" lang="en-GB" sz="1490" spc="-1" strike="noStrike">
-                <a:solidFill>
-                  <a:srgbClr val="000000"/>
-                </a:solidFill>
-                <a:latin typeface="Calibri"/>
-                <a:ea typeface="DejaVu Sans"/>
-              </a:rPr>
-              <a:t>Builder</a:t>
+              <a:t>KGEN</a:t>
             </a:r>
             <a:endParaRPr b="0" lang="es-ES" sz="1490" spc="-1" strike="noStrike">
               <a:solidFill>
@@ -8396,933 +9965,40 @@
       </p:sp>
       <p:cxnSp>
         <p:nvCxnSpPr>
-          <p:cNvPr id="294" name="Conector: angular 31"/>
+          <p:cNvPr id="329" name="Conector: angular 41"/>
           <p:cNvCxnSpPr>
-            <a:stCxn id="283" idx="0"/>
-            <a:endCxn id="291" idx="3"/>
+            <a:stCxn id="327" idx="3"/>
+            <a:endCxn id="328" idx="2"/>
           </p:cNvCxnSpPr>
           <p:nvPr/>
         </p:nvCxnSpPr>
         <p:spPr>
           <a:xfrm flipV="1">
-            <a:off x="5670360" y="1576080"/>
-            <a:ext cx="1805040" cy="4045680"/>
-          </a:xfrm>
-          <a:prstGeom prst="bentConnector3">
-            <a:avLst>
-              <a:gd name="adj1" fmla="val 49990"/>
-            </a:avLst>
-          </a:prstGeom>
-          <a:ln w="38100">
-            <a:solidFill>
-              <a:srgbClr val="000000"/>
+            <a:off x="12060000" y="1192320"/>
+            <a:ext cx="312480" cy="1005840"/>
+          </a:xfrm>
+          <a:prstGeom prst="bentConnector2">
+            <a:avLst/>
+          </a:prstGeom>
+          <a:ln w="38100">
+            <a:solidFill>
+              <a:srgbClr val="404040"/>
             </a:solidFill>
             <a:round/>
             <a:tailEnd len="med" type="triangle" w="med"/>
           </a:ln>
         </p:spPr>
       </p:cxnSp>
-      <p:cxnSp>
-        <p:nvCxnSpPr>
-          <p:cNvPr id="295" name="Conector: angular 32"/>
-          <p:cNvCxnSpPr>
-            <a:stCxn id="283" idx="0"/>
-            <a:endCxn id="292" idx="3"/>
-          </p:cNvCxnSpPr>
-          <p:nvPr/>
-        </p:nvCxnSpPr>
-        <p:spPr>
-          <a:xfrm flipV="1">
-            <a:off x="5670360" y="3702240"/>
-            <a:ext cx="1805040" cy="1919520"/>
-          </a:xfrm>
-          <a:prstGeom prst="bentConnector3">
-            <a:avLst>
-              <a:gd name="adj1" fmla="val 49990"/>
-            </a:avLst>
-          </a:prstGeom>
-          <a:ln w="38100">
-            <a:solidFill>
-              <a:srgbClr val="000000"/>
-            </a:solidFill>
-            <a:round/>
-            <a:tailEnd len="med" type="triangle" w="med"/>
-          </a:ln>
-        </p:spPr>
-      </p:cxnSp>
-      <p:cxnSp>
-        <p:nvCxnSpPr>
-          <p:cNvPr id="296" name="Conector: angular 34"/>
-          <p:cNvCxnSpPr>
-            <a:stCxn id="283" idx="0"/>
-            <a:endCxn id="297" idx="3"/>
-          </p:cNvCxnSpPr>
-          <p:nvPr/>
-        </p:nvCxnSpPr>
-        <p:spPr>
-          <a:xfrm>
-            <a:off x="5670360" y="5621400"/>
-            <a:ext cx="1805040" cy="137880"/>
-          </a:xfrm>
-          <a:prstGeom prst="bentConnector3">
-            <a:avLst>
-              <a:gd name="adj1" fmla="val 49990"/>
-            </a:avLst>
-          </a:prstGeom>
-          <a:ln w="38100">
-            <a:solidFill>
-              <a:srgbClr val="000000"/>
-            </a:solidFill>
-            <a:round/>
-            <a:tailEnd len="med" type="triangle" w="med"/>
-          </a:ln>
-        </p:spPr>
-      </p:cxnSp>
-      <p:cxnSp>
-        <p:nvCxnSpPr>
-          <p:cNvPr id="298" name="Conector: angular 36"/>
-          <p:cNvCxnSpPr>
-            <a:stCxn id="283" idx="0"/>
-            <a:endCxn id="293" idx="3"/>
-          </p:cNvCxnSpPr>
-          <p:nvPr/>
-        </p:nvCxnSpPr>
-        <p:spPr>
-          <a:xfrm>
-            <a:off x="5670360" y="5621400"/>
-            <a:ext cx="1805040" cy="2880000"/>
-          </a:xfrm>
-          <a:prstGeom prst="bentConnector3">
-            <a:avLst>
-              <a:gd name="adj1" fmla="val 49990"/>
-            </a:avLst>
-          </a:prstGeom>
-          <a:ln w="38100">
-            <a:solidFill>
-              <a:srgbClr val="000000"/>
-            </a:solidFill>
-            <a:round/>
-            <a:tailEnd len="med" type="triangle" w="med"/>
-          </a:ln>
-        </p:spPr>
-      </p:cxnSp>
-      <p:sp>
-        <p:nvSpPr>
-          <p:cNvPr id="299" name="Rectángulo: esquinas redondeadas 24"/>
+      <p:sp>
+        <p:nvSpPr>
+          <p:cNvPr id="330" name="Hexágono 8"/>
           <p:cNvSpPr/>
           <p:nvPr/>
         </p:nvSpPr>
         <p:spPr>
           <a:xfrm>
-            <a:off x="12321000" y="1053000"/>
-            <a:ext cx="1486800" cy="1071720"/>
-          </a:xfrm>
-          <a:prstGeom prst="roundRect">
-            <a:avLst>
-              <a:gd name="adj" fmla="val 16667"/>
-            </a:avLst>
-          </a:prstGeom>
-          <a:solidFill>
-            <a:schemeClr val="accent1">
-              <a:lumMod val="40000"/>
-              <a:lumOff val="60000"/>
-            </a:schemeClr>
-          </a:solidFill>
-          <a:ln>
-            <a:solidFill>
-              <a:srgbClr val="70ad47"/>
-            </a:solidFill>
-          </a:ln>
-        </p:spPr>
-        <p:style>
-          <a:lnRef idx="2">
-            <a:schemeClr val="accent6"/>
-          </a:lnRef>
-          <a:fillRef idx="1">
-            <a:schemeClr val="lt1"/>
-          </a:fillRef>
-          <a:effectRef idx="0">
-            <a:schemeClr val="accent6"/>
-          </a:effectRef>
-          <a:fontRef idx="minor"/>
-        </p:style>
-        <p:txBody>
-          <a:bodyPr lIns="90000" rIns="90000" tIns="45000" bIns="45000" anchor="ctr">
-            <a:noAutofit/>
-          </a:bodyPr>
-          <a:p>
-            <a:pPr algn="ctr">
-              <a:lnSpc>
-                <a:spcPct val="100000"/>
-              </a:lnSpc>
-            </a:pPr>
-            <a:r>
-              <a:rPr b="0" lang="en-GB" sz="1490" spc="-1" strike="noStrike">
-                <a:solidFill>
-                  <a:schemeClr val="dk1"/>
-                </a:solidFill>
-                <a:latin typeface="Calibri"/>
-                <a:ea typeface="DejaVu Sans"/>
-              </a:rPr>
-              <a:t>prompt’</a:t>
-            </a:r>
-            <a:endParaRPr b="0" lang="es-ES" sz="1490" spc="-1" strike="noStrike">
-              <a:solidFill>
-                <a:srgbClr val="000000"/>
-              </a:solidFill>
-              <a:latin typeface="Arial"/>
-            </a:endParaRPr>
-          </a:p>
-        </p:txBody>
-      </p:sp>
-      <p:cxnSp>
-        <p:nvCxnSpPr>
-          <p:cNvPr id="300" name="Conector recto de flecha 5"/>
-          <p:cNvCxnSpPr>
-            <a:stCxn id="291" idx="0"/>
-            <a:endCxn id="299" idx="1"/>
-          </p:cNvCxnSpPr>
-          <p:nvPr/>
-        </p:nvCxnSpPr>
-        <p:spPr>
-          <a:xfrm>
-            <a:off x="9279000" y="1576080"/>
-            <a:ext cx="3042360" cy="12960"/>
-          </a:xfrm>
-          <a:prstGeom prst="straightConnector1">
-            <a:avLst/>
-          </a:prstGeom>
-          <a:ln w="38100">
-            <a:solidFill>
-              <a:srgbClr val="000000"/>
-            </a:solidFill>
-            <a:round/>
-            <a:tailEnd len="med" type="triangle" w="med"/>
-          </a:ln>
-        </p:spPr>
-      </p:cxnSp>
-      <p:cxnSp>
-        <p:nvCxnSpPr>
-          <p:cNvPr id="301" name="Conector recto de flecha 8"/>
-          <p:cNvCxnSpPr>
-            <a:stCxn id="292" idx="0"/>
-            <a:endCxn id="302" idx="1"/>
-          </p:cNvCxnSpPr>
-          <p:nvPr/>
-        </p:nvCxnSpPr>
-        <p:spPr>
-          <a:xfrm>
-            <a:off x="9279000" y="3702240"/>
-            <a:ext cx="309960" cy="33840"/>
-          </a:xfrm>
-          <a:prstGeom prst="straightConnector1">
-            <a:avLst/>
-          </a:prstGeom>
-          <a:ln w="38100">
-            <a:solidFill>
-              <a:srgbClr val="000000"/>
-            </a:solidFill>
-            <a:round/>
-            <a:tailEnd len="med" type="triangle" w="med"/>
-          </a:ln>
-        </p:spPr>
-      </p:cxnSp>
-      <p:sp>
-        <p:nvSpPr>
-          <p:cNvPr id="302" name="Rectángulo: esquinas redondeadas 26"/>
-          <p:cNvSpPr/>
-          <p:nvPr/>
-        </p:nvSpPr>
-        <p:spPr>
-          <a:xfrm>
-            <a:off x="9588600" y="3015720"/>
-            <a:ext cx="1899360" cy="1440000"/>
-          </a:xfrm>
-          <a:prstGeom prst="roundRect">
-            <a:avLst>
-              <a:gd name="adj" fmla="val 16667"/>
-            </a:avLst>
-          </a:prstGeom>
-          <a:solidFill>
-            <a:srgbClr val="ffffff"/>
-          </a:solidFill>
-          <a:ln w="38100">
-            <a:solidFill>
-              <a:srgbClr val="ff7b59"/>
-            </a:solidFill>
-          </a:ln>
-        </p:spPr>
-        <p:style>
-          <a:lnRef idx="2">
-            <a:schemeClr val="accent6"/>
-          </a:lnRef>
-          <a:fillRef idx="1">
-            <a:schemeClr val="lt1"/>
-          </a:fillRef>
-          <a:effectRef idx="0">
-            <a:schemeClr val="accent6"/>
-          </a:effectRef>
-          <a:fontRef idx="minor"/>
-        </p:style>
-        <p:txBody>
-          <a:bodyPr lIns="90000" rIns="90000" tIns="45000" bIns="45000" anchor="ctr">
-            <a:noAutofit/>
-          </a:bodyPr>
-          <a:p>
-            <a:pPr algn="ctr">
-              <a:lnSpc>
-                <a:spcPct val="100000"/>
-              </a:lnSpc>
-            </a:pPr>
-            <a:r>
-              <a:rPr b="0" lang="en-GB" sz="1490" spc="-1" strike="noStrike">
-                <a:solidFill>
-                  <a:schemeClr val="dk1"/>
-                </a:solidFill>
-                <a:latin typeface="Calibri"/>
-                <a:ea typeface="DejaVu Sans"/>
-              </a:rPr>
-              <a:t>High Level </a:t>
-            </a:r>
-            <a:endParaRPr b="0" lang="es-ES" sz="1490" spc="-1" strike="noStrike">
-              <a:solidFill>
-                <a:srgbClr val="000000"/>
-              </a:solidFill>
-              <a:latin typeface="Arial"/>
-            </a:endParaRPr>
-          </a:p>
-          <a:p>
-            <a:pPr algn="ctr">
-              <a:lnSpc>
-                <a:spcPct val="100000"/>
-              </a:lnSpc>
-            </a:pPr>
-            <a:r>
-              <a:rPr b="0" lang="en-GB" sz="1490" spc="-1" strike="noStrike">
-                <a:solidFill>
-                  <a:schemeClr val="dk1"/>
-                </a:solidFill>
-                <a:latin typeface="Calibri"/>
-                <a:ea typeface="DejaVu Sans"/>
-              </a:rPr>
-              <a:t>Structure</a:t>
-            </a:r>
-            <a:endParaRPr b="0" lang="es-ES" sz="1490" spc="-1" strike="noStrike">
-              <a:solidFill>
-                <a:srgbClr val="000000"/>
-              </a:solidFill>
-              <a:latin typeface="Arial"/>
-            </a:endParaRPr>
-          </a:p>
-          <a:p>
-            <a:pPr algn="ctr">
-              <a:lnSpc>
-                <a:spcPct val="100000"/>
-              </a:lnSpc>
-            </a:pPr>
-            <a:r>
-              <a:rPr b="0" lang="en-GB" sz="1490" spc="-1" strike="noStrike">
-                <a:solidFill>
-                  <a:schemeClr val="dk1"/>
-                </a:solidFill>
-                <a:latin typeface="Calibri"/>
-                <a:ea typeface="DejaVu Sans"/>
-              </a:rPr>
-              <a:t>Description</a:t>
-            </a:r>
-            <a:endParaRPr b="0" lang="es-ES" sz="1490" spc="-1" strike="noStrike">
-              <a:solidFill>
-                <a:srgbClr val="000000"/>
-              </a:solidFill>
-              <a:latin typeface="Arial"/>
-            </a:endParaRPr>
-          </a:p>
-        </p:txBody>
-      </p:sp>
-      <p:sp>
-        <p:nvSpPr>
-          <p:cNvPr id="303" name="Rectángulo: esquinas redondeadas 27"/>
-          <p:cNvSpPr/>
-          <p:nvPr/>
-        </p:nvSpPr>
-        <p:spPr>
-          <a:xfrm>
-            <a:off x="12483360" y="4798800"/>
-            <a:ext cx="1177560" cy="729360"/>
-          </a:xfrm>
-          <a:prstGeom prst="roundRect">
-            <a:avLst>
-              <a:gd name="adj" fmla="val 16667"/>
-            </a:avLst>
-          </a:prstGeom>
-          <a:solidFill>
-            <a:srgbClr val="ffffff"/>
-          </a:solidFill>
-          <a:ln w="38100">
-            <a:solidFill>
-              <a:srgbClr val="00b050"/>
-            </a:solidFill>
-          </a:ln>
-        </p:spPr>
-        <p:style>
-          <a:lnRef idx="2">
-            <a:schemeClr val="accent6"/>
-          </a:lnRef>
-          <a:fillRef idx="1">
-            <a:schemeClr val="lt1"/>
-          </a:fillRef>
-          <a:effectRef idx="0">
-            <a:schemeClr val="accent6"/>
-          </a:effectRef>
-          <a:fontRef idx="minor"/>
-        </p:style>
-        <p:txBody>
-          <a:bodyPr lIns="90000" rIns="90000" tIns="45000" bIns="45000" anchor="ctr">
-            <a:noAutofit/>
-          </a:bodyPr>
-          <a:p>
-            <a:pPr algn="ctr">
-              <a:lnSpc>
-                <a:spcPct val="100000"/>
-              </a:lnSpc>
-            </a:pPr>
-            <a:r>
-              <a:rPr b="0" lang="en-GB" sz="1490" spc="-1" strike="noStrike">
-                <a:solidFill>
-                  <a:schemeClr val="dk1"/>
-                </a:solidFill>
-                <a:latin typeface="Calibri"/>
-                <a:ea typeface="DejaVu Sans"/>
-              </a:rPr>
-              <a:t>RML</a:t>
-            </a:r>
-            <a:endParaRPr b="0" lang="es-ES" sz="1490" spc="-1" strike="noStrike">
-              <a:solidFill>
-                <a:srgbClr val="000000"/>
-              </a:solidFill>
-              <a:latin typeface="Arial"/>
-            </a:endParaRPr>
-          </a:p>
-        </p:txBody>
-      </p:sp>
-      <p:sp>
-        <p:nvSpPr>
-          <p:cNvPr id="304" name="Rectángulo: esquinas redondeadas 29"/>
-          <p:cNvSpPr/>
-          <p:nvPr/>
-        </p:nvSpPr>
-        <p:spPr>
-          <a:xfrm>
-            <a:off x="12431160" y="6238440"/>
-            <a:ext cx="1539360" cy="1072080"/>
-          </a:xfrm>
-          <a:prstGeom prst="roundRect">
-            <a:avLst>
-              <a:gd name="adj" fmla="val 16667"/>
-            </a:avLst>
-          </a:prstGeom>
-          <a:solidFill>
-            <a:schemeClr val="bg1"/>
-          </a:solidFill>
-          <a:ln w="38100">
-            <a:solidFill>
-              <a:srgbClr val="7030a0"/>
-            </a:solidFill>
-          </a:ln>
-        </p:spPr>
-        <p:style>
-          <a:lnRef idx="2">
-            <a:schemeClr val="accent6"/>
-          </a:lnRef>
-          <a:fillRef idx="1">
-            <a:schemeClr val="lt1"/>
-          </a:fillRef>
-          <a:effectRef idx="0">
-            <a:schemeClr val="accent6"/>
-          </a:effectRef>
-          <a:fontRef idx="minor"/>
-        </p:style>
-        <p:txBody>
-          <a:bodyPr lIns="90000" rIns="90000" tIns="45000" bIns="45000" anchor="ctr">
-            <a:noAutofit/>
-          </a:bodyPr>
-          <a:p>
-            <a:pPr algn="ctr">
-              <a:lnSpc>
-                <a:spcPct val="100000"/>
-              </a:lnSpc>
-            </a:pPr>
-            <a:r>
-              <a:rPr b="0" lang="en-GB" sz="1490" spc="-1" strike="noStrike">
-                <a:solidFill>
-                  <a:schemeClr val="dk1"/>
-                </a:solidFill>
-                <a:latin typeface="Calibri"/>
-                <a:ea typeface="DejaVu Sans"/>
-              </a:rPr>
-              <a:t>Tripplets</a:t>
-            </a:r>
-            <a:endParaRPr b="0" lang="es-ES" sz="1490" spc="-1" strike="noStrike">
-              <a:solidFill>
-                <a:srgbClr val="000000"/>
-              </a:solidFill>
-              <a:latin typeface="Arial"/>
-            </a:endParaRPr>
-          </a:p>
-        </p:txBody>
-      </p:sp>
-      <p:sp>
-        <p:nvSpPr>
-          <p:cNvPr id="305" name="Rectángulo: esquinas redondeadas 30"/>
-          <p:cNvSpPr/>
-          <p:nvPr/>
-        </p:nvSpPr>
-        <p:spPr>
-          <a:xfrm>
-            <a:off x="9227880" y="6400800"/>
-            <a:ext cx="1031040" cy="729360"/>
-          </a:xfrm>
-          <a:prstGeom prst="roundRect">
-            <a:avLst>
-              <a:gd name="adj" fmla="val 16667"/>
-            </a:avLst>
-          </a:prstGeom>
-          <a:solidFill>
-            <a:schemeClr val="bg1"/>
-          </a:solidFill>
-          <a:ln w="38100">
-            <a:solidFill>
-              <a:srgbClr val="ff0000"/>
-            </a:solidFill>
-          </a:ln>
-        </p:spPr>
-        <p:style>
-          <a:lnRef idx="2">
-            <a:schemeClr val="accent6"/>
-          </a:lnRef>
-          <a:fillRef idx="1">
-            <a:schemeClr val="lt1"/>
-          </a:fillRef>
-          <a:effectRef idx="0">
-            <a:schemeClr val="accent6"/>
-          </a:effectRef>
-          <a:fontRef idx="minor"/>
-        </p:style>
-        <p:txBody>
-          <a:bodyPr lIns="90000" rIns="90000" tIns="45000" bIns="45000" anchor="ctr">
-            <a:noAutofit/>
-          </a:bodyPr>
-          <a:p>
-            <a:pPr algn="ctr">
-              <a:lnSpc>
-                <a:spcPct val="100000"/>
-              </a:lnSpc>
-            </a:pPr>
-            <a:r>
-              <a:rPr b="0" lang="en-GB" sz="1490" spc="-1" strike="noStrike">
-                <a:solidFill>
-                  <a:schemeClr val="dk1"/>
-                </a:solidFill>
-                <a:latin typeface="Calibri"/>
-                <a:ea typeface="DejaVu Sans"/>
-              </a:rPr>
-              <a:t>Error</a:t>
-            </a:r>
-            <a:endParaRPr b="0" lang="es-ES" sz="1490" spc="-1" strike="noStrike">
-              <a:solidFill>
-                <a:srgbClr val="000000"/>
-              </a:solidFill>
-              <a:latin typeface="Arial"/>
-            </a:endParaRPr>
-          </a:p>
-        </p:txBody>
-      </p:sp>
-      <p:sp>
-        <p:nvSpPr>
-          <p:cNvPr id="306" name="Rectángulo: esquinas redondeadas 31"/>
-          <p:cNvSpPr/>
-          <p:nvPr/>
-        </p:nvSpPr>
-        <p:spPr>
-          <a:xfrm>
-            <a:off x="12372840" y="7909200"/>
-            <a:ext cx="1539360" cy="1072080"/>
-          </a:xfrm>
-          <a:prstGeom prst="roundRect">
-            <a:avLst>
-              <a:gd name="adj" fmla="val 16667"/>
-            </a:avLst>
-          </a:prstGeom>
-          <a:solidFill>
-            <a:srgbClr val="ffffff"/>
-          </a:solidFill>
-          <a:ln w="38100">
-            <a:solidFill>
-              <a:srgbClr val="4472c4"/>
-            </a:solidFill>
-          </a:ln>
-        </p:spPr>
-        <p:style>
-          <a:lnRef idx="2">
-            <a:schemeClr val="accent6"/>
-          </a:lnRef>
-          <a:fillRef idx="1">
-            <a:schemeClr val="lt1"/>
-          </a:fillRef>
-          <a:effectRef idx="0">
-            <a:schemeClr val="accent6"/>
-          </a:effectRef>
-          <a:fontRef idx="minor"/>
-        </p:style>
-        <p:txBody>
-          <a:bodyPr lIns="90000" rIns="90000" tIns="45000" bIns="45000" anchor="ctr">
-            <a:noAutofit/>
-          </a:bodyPr>
-          <a:p>
-            <a:pPr algn="ctr">
-              <a:lnSpc>
-                <a:spcPct val="100000"/>
-              </a:lnSpc>
-            </a:pPr>
-            <a:r>
-              <a:rPr b="0" lang="en-GB" sz="1490" spc="-1" strike="noStrike">
-                <a:solidFill>
-                  <a:schemeClr val="dk1"/>
-                </a:solidFill>
-                <a:latin typeface="Calibri"/>
-                <a:ea typeface="DejaVu Sans"/>
-              </a:rPr>
-              <a:t>Turtle</a:t>
-            </a:r>
-            <a:endParaRPr b="0" lang="es-ES" sz="1490" spc="-1" strike="noStrike">
-              <a:solidFill>
-                <a:srgbClr val="000000"/>
-              </a:solidFill>
-              <a:latin typeface="Arial"/>
-            </a:endParaRPr>
-          </a:p>
-        </p:txBody>
-      </p:sp>
-      <p:cxnSp>
-        <p:nvCxnSpPr>
-          <p:cNvPr id="307" name="Conector: angular 39"/>
-          <p:cNvCxnSpPr>
-            <a:stCxn id="303" idx="2"/>
-            <a:endCxn id="308" idx="0"/>
-          </p:cNvCxnSpPr>
-          <p:nvPr/>
-        </p:nvCxnSpPr>
-        <p:spPr>
-          <a:xfrm rot="5400000">
-            <a:off x="11725200" y="5028840"/>
-            <a:ext cx="847800" cy="1846440"/>
-          </a:xfrm>
-          <a:prstGeom prst="bentConnector3">
-            <a:avLst>
-              <a:gd name="adj1" fmla="val 50764"/>
-            </a:avLst>
-          </a:prstGeom>
-          <a:ln w="38100">
-            <a:solidFill>
-              <a:srgbClr val="000000"/>
-            </a:solidFill>
-            <a:round/>
-            <a:tailEnd len="med" type="triangle" w="med"/>
-          </a:ln>
-        </p:spPr>
-      </p:cxnSp>
-      <p:cxnSp>
-        <p:nvCxnSpPr>
-          <p:cNvPr id="309" name="Conector recto de flecha 9"/>
-          <p:cNvCxnSpPr>
-            <a:stCxn id="308" idx="3"/>
-            <a:endCxn id="304" idx="1"/>
-          </p:cNvCxnSpPr>
-          <p:nvPr/>
-        </p:nvCxnSpPr>
-        <p:spPr>
-          <a:xfrm>
-            <a:off x="11754000" y="6764040"/>
-            <a:ext cx="677520" cy="10800"/>
-          </a:xfrm>
-          <a:prstGeom prst="straightConnector1">
-            <a:avLst/>
-          </a:prstGeom>
-          <a:ln w="38100">
-            <a:solidFill>
-              <a:srgbClr val="000000"/>
-            </a:solidFill>
-            <a:round/>
-            <a:tailEnd len="med" type="triangle" w="med"/>
-          </a:ln>
-        </p:spPr>
-      </p:cxnSp>
-      <p:cxnSp>
-        <p:nvCxnSpPr>
-          <p:cNvPr id="310" name="Conector recto de flecha 11"/>
-          <p:cNvCxnSpPr>
-            <a:stCxn id="293" idx="0"/>
-            <a:endCxn id="306" idx="1"/>
-          </p:cNvCxnSpPr>
-          <p:nvPr/>
-        </p:nvCxnSpPr>
-        <p:spPr>
-          <a:xfrm flipV="1">
-            <a:off x="9279000" y="8445240"/>
-            <a:ext cx="3094200" cy="56160"/>
-          </a:xfrm>
-          <a:prstGeom prst="straightConnector1">
-            <a:avLst/>
-          </a:prstGeom>
-          <a:ln w="38100">
-            <a:solidFill>
-              <a:srgbClr val="000000"/>
-            </a:solidFill>
-            <a:round/>
-            <a:tailEnd len="med" type="triangle" w="med"/>
-          </a:ln>
-        </p:spPr>
-      </p:cxnSp>
-      <p:sp>
-        <p:nvSpPr>
-          <p:cNvPr id="311" name="Rectángulo: esquinas redondeadas 32"/>
-          <p:cNvSpPr/>
-          <p:nvPr/>
-        </p:nvSpPr>
-        <p:spPr>
-          <a:xfrm>
-            <a:off x="2783520" y="984600"/>
-            <a:ext cx="2208600" cy="1072080"/>
-          </a:xfrm>
-          <a:prstGeom prst="roundRect">
-            <a:avLst>
-              <a:gd name="adj" fmla="val 16667"/>
-            </a:avLst>
-          </a:prstGeom>
-          <a:solidFill>
-            <a:srgbClr val="ffffff"/>
-          </a:solidFill>
-          <a:ln w="38100">
-            <a:solidFill>
-              <a:srgbClr val="bf819e"/>
-            </a:solidFill>
-          </a:ln>
-        </p:spPr>
-        <p:style>
-          <a:lnRef idx="2">
-            <a:schemeClr val="accent6"/>
-          </a:lnRef>
-          <a:fillRef idx="1">
-            <a:schemeClr val="lt1"/>
-          </a:fillRef>
-          <a:effectRef idx="0">
-            <a:schemeClr val="accent6"/>
-          </a:effectRef>
-          <a:fontRef idx="minor"/>
-        </p:style>
-        <p:txBody>
-          <a:bodyPr lIns="90000" rIns="90000" tIns="45000" bIns="45000" anchor="ctr">
-            <a:noAutofit/>
-          </a:bodyPr>
-          <a:p>
-            <a:pPr algn="ctr">
-              <a:lnSpc>
-                <a:spcPct val="100000"/>
-              </a:lnSpc>
-            </a:pPr>
-            <a:r>
-              <a:rPr b="0" lang="en-GB" sz="1490" spc="-1" strike="noStrike">
-                <a:solidFill>
-                  <a:schemeClr val="dk1"/>
-                </a:solidFill>
-                <a:latin typeface="Calibri"/>
-                <a:ea typeface="DejaVu Sans"/>
-              </a:rPr>
-              <a:t>Statistical</a:t>
-            </a:r>
-            <a:endParaRPr b="0" lang="es-ES" sz="1490" spc="-1" strike="noStrike">
-              <a:solidFill>
-                <a:srgbClr val="000000"/>
-              </a:solidFill>
-              <a:latin typeface="Arial"/>
-            </a:endParaRPr>
-          </a:p>
-          <a:p>
-            <a:pPr algn="ctr">
-              <a:lnSpc>
-                <a:spcPct val="100000"/>
-              </a:lnSpc>
-            </a:pPr>
-            <a:r>
-              <a:rPr b="0" lang="en-GB" sz="1490" spc="-1" strike="noStrike">
-                <a:solidFill>
-                  <a:schemeClr val="dk1"/>
-                </a:solidFill>
-                <a:latin typeface="Calibri"/>
-                <a:ea typeface="DejaVu Sans"/>
-              </a:rPr>
-              <a:t>Description</a:t>
-            </a:r>
-            <a:endParaRPr b="0" lang="es-ES" sz="1490" spc="-1" strike="noStrike">
-              <a:solidFill>
-                <a:srgbClr val="000000"/>
-              </a:solidFill>
-              <a:latin typeface="Arial"/>
-            </a:endParaRPr>
-          </a:p>
-        </p:txBody>
-      </p:sp>
-      <p:cxnSp>
-        <p:nvCxnSpPr>
-          <p:cNvPr id="312" name="Conector: angular 43"/>
-          <p:cNvCxnSpPr>
-            <a:stCxn id="311" idx="3"/>
-            <a:endCxn id="291" idx="0"/>
-          </p:cNvCxnSpPr>
-          <p:nvPr/>
-        </p:nvCxnSpPr>
-        <p:spPr>
-          <a:xfrm flipV="1">
-            <a:off x="4992120" y="890280"/>
-            <a:ext cx="3385080" cy="630720"/>
-          </a:xfrm>
-          <a:prstGeom prst="bentConnector4">
-            <a:avLst>
-              <a:gd name="adj1" fmla="val 13890"/>
-              <a:gd name="adj2" fmla="val 139977"/>
-            </a:avLst>
-          </a:prstGeom>
-          <a:ln w="38100">
-            <a:solidFill>
-              <a:srgbClr val="ff0000"/>
-            </a:solidFill>
-            <a:round/>
-            <a:tailEnd len="med" type="triangle" w="med"/>
-          </a:ln>
-        </p:spPr>
-      </p:cxnSp>
-      <p:cxnSp>
-        <p:nvCxnSpPr>
-          <p:cNvPr id="313" name="Conector: angular 44"/>
-          <p:cNvCxnSpPr>
-            <a:stCxn id="311" idx="2"/>
-            <a:endCxn id="292" idx="4"/>
-          </p:cNvCxnSpPr>
-          <p:nvPr/>
-        </p:nvCxnSpPr>
-        <p:spPr>
-          <a:xfrm flipH="1" rot="16200000">
-            <a:off x="5372640" y="571320"/>
-            <a:ext cx="960120" cy="3930480"/>
-          </a:xfrm>
-          <a:prstGeom prst="bentConnector3">
-            <a:avLst>
-              <a:gd name="adj1" fmla="val 50675"/>
-            </a:avLst>
-          </a:prstGeom>
-          <a:ln w="38100">
-            <a:solidFill>
-              <a:srgbClr val="ff0000"/>
-            </a:solidFill>
-            <a:round/>
-            <a:tailEnd len="med" type="triangle" w="med"/>
-          </a:ln>
-        </p:spPr>
-      </p:cxnSp>
-      <p:cxnSp>
-        <p:nvCxnSpPr>
-          <p:cNvPr id="314" name="Conector: angular 45"/>
-          <p:cNvCxnSpPr>
-            <a:stCxn id="299" idx="2"/>
-            <a:endCxn id="292" idx="5"/>
-          </p:cNvCxnSpPr>
-          <p:nvPr/>
-        </p:nvCxnSpPr>
-        <p:spPr>
-          <a:xfrm rot="5400000">
-            <a:off x="10554120" y="506520"/>
-            <a:ext cx="892080" cy="4128480"/>
-          </a:xfrm>
-          <a:prstGeom prst="bentConnector3">
-            <a:avLst>
-              <a:gd name="adj1" fmla="val 50020"/>
-            </a:avLst>
-          </a:prstGeom>
-          <a:ln w="38100">
-            <a:solidFill>
-              <a:srgbClr val="5983b0"/>
-            </a:solidFill>
-            <a:round/>
-            <a:tailEnd len="med" type="triangle" w="med"/>
-          </a:ln>
-        </p:spPr>
-      </p:cxnSp>
-      <p:cxnSp>
-        <p:nvCxnSpPr>
-          <p:cNvPr id="315" name="Conector: angular 46"/>
-          <p:cNvCxnSpPr>
-            <a:stCxn id="302" idx="2"/>
-            <a:endCxn id="297" idx="0"/>
-          </p:cNvCxnSpPr>
-          <p:nvPr/>
-        </p:nvCxnSpPr>
-        <p:spPr>
-          <a:xfrm rot="5400000">
-            <a:off x="9148680" y="3683520"/>
-            <a:ext cx="617760" cy="2161800"/>
-          </a:xfrm>
-          <a:prstGeom prst="bentConnector3">
-            <a:avLst>
-              <a:gd name="adj1" fmla="val 51078"/>
-            </a:avLst>
-          </a:prstGeom>
-          <a:ln w="38100">
-            <a:solidFill>
-              <a:srgbClr val="00a933"/>
-            </a:solidFill>
-            <a:round/>
-            <a:tailEnd len="med" type="triangle" w="med"/>
-          </a:ln>
-        </p:spPr>
-      </p:cxnSp>
-      <p:cxnSp>
-        <p:nvCxnSpPr>
-          <p:cNvPr id="316" name="Conector: angular 47"/>
-          <p:cNvCxnSpPr>
-            <a:stCxn id="302" idx="2"/>
-            <a:endCxn id="293" idx="0"/>
-          </p:cNvCxnSpPr>
-          <p:nvPr/>
-        </p:nvCxnSpPr>
-        <p:spPr>
-          <a:xfrm rot="5400000">
-            <a:off x="7777800" y="5054760"/>
-            <a:ext cx="3359880" cy="2161800"/>
-          </a:xfrm>
-          <a:prstGeom prst="bentConnector3">
-            <a:avLst>
-              <a:gd name="adj1" fmla="val 70906"/>
-            </a:avLst>
-          </a:prstGeom>
-          <a:ln w="38100">
-            <a:solidFill>
-              <a:srgbClr val="00a933"/>
-            </a:solidFill>
-            <a:round/>
-            <a:tailEnd len="med" type="triangle" w="med"/>
-          </a:ln>
-        </p:spPr>
-      </p:cxnSp>
-      <p:sp>
-        <p:nvSpPr>
-          <p:cNvPr id="297" name="Hexágono 9"/>
-          <p:cNvSpPr/>
-          <p:nvPr/>
-        </p:nvSpPr>
-        <p:spPr>
-          <a:xfrm>
-            <a:off x="7475040" y="5073120"/>
-            <a:ext cx="1803960" cy="1371600"/>
+            <a:off x="11880000" y="3025440"/>
+            <a:ext cx="1364040" cy="1188000"/>
           </a:xfrm>
           <a:prstGeom prst="hexagon">
             <a:avLst>
@@ -9410,17 +10086,17 @@
       </p:sp>
       <p:cxnSp>
         <p:nvCxnSpPr>
-          <p:cNvPr id="317" name="Conector: angular 41"/>
+          <p:cNvPr id="331" name="Conector: angular 43"/>
           <p:cNvCxnSpPr>
-            <a:stCxn id="305" idx="1"/>
-            <a:endCxn id="297" idx="2"/>
+            <a:stCxn id="330" idx="3"/>
+            <a:endCxn id="327" idx="2"/>
           </p:cNvCxnSpPr>
           <p:nvPr/>
         </p:nvCxnSpPr>
         <p:spPr>
           <a:xfrm rot="10800000">
-            <a:off x="8376840" y="6444360"/>
-            <a:ext cx="851400" cy="321120"/>
+            <a:off x="11610000" y="2661840"/>
+            <a:ext cx="270360" cy="957600"/>
           </a:xfrm>
           <a:prstGeom prst="bentConnector2">
             <a:avLst/>
@@ -9434,24 +10110,295 @@
           </a:ln>
         </p:spPr>
       </p:cxnSp>
-      <p:sp>
-        <p:nvSpPr>
-          <p:cNvPr id="308" name="Rectángulo: esquinas redondeadas 28"/>
+      <p:cxnSp>
+        <p:nvCxnSpPr>
+          <p:cNvPr id="332" name="Conector: angular 44"/>
+          <p:cNvCxnSpPr>
+            <a:stCxn id="328" idx="3"/>
+            <a:endCxn id="333" idx="0"/>
+          </p:cNvCxnSpPr>
+          <p:nvPr/>
+        </p:nvCxnSpPr>
+        <p:spPr>
+          <a:xfrm>
+            <a:off x="12900240" y="855720"/>
+            <a:ext cx="1319040" cy="1261800"/>
+          </a:xfrm>
+          <a:prstGeom prst="bentConnector2">
+            <a:avLst/>
+          </a:prstGeom>
+          <a:ln w="38100">
+            <a:solidFill>
+              <a:srgbClr val="404040"/>
+            </a:solidFill>
+            <a:round/>
+            <a:tailEnd len="med" type="triangle" w="med"/>
+          </a:ln>
+        </p:spPr>
+      </p:cxnSp>
+      <p:sp>
+        <p:nvSpPr>
+          <p:cNvPr id="333" name="Rectángulo: esquinas redondeadas 55"/>
           <p:cNvSpPr/>
           <p:nvPr/>
         </p:nvSpPr>
         <p:spPr>
           <a:xfrm>
-            <a:off x="10698120" y="6375600"/>
-            <a:ext cx="1055880" cy="776880"/>
+            <a:off x="13680360" y="2117160"/>
+            <a:ext cx="1077480" cy="545040"/>
           </a:xfrm>
           <a:prstGeom prst="roundRect">
             <a:avLst>
-              <a:gd name="adj" fmla="val 4902"/>
+              <a:gd name="adj" fmla="val 16667"/>
             </a:avLst>
           </a:prstGeom>
           <a:solidFill>
-            <a:srgbClr val="b7b3ca"/>
+            <a:schemeClr val="bg1"/>
+          </a:solidFill>
+          <a:ln w="38100">
+            <a:solidFill>
+              <a:srgbClr val="ff0000"/>
+            </a:solidFill>
+          </a:ln>
+        </p:spPr>
+        <p:style>
+          <a:lnRef idx="2">
+            <a:schemeClr val="accent6"/>
+          </a:lnRef>
+          <a:fillRef idx="1">
+            <a:schemeClr val="lt1"/>
+          </a:fillRef>
+          <a:effectRef idx="0">
+            <a:schemeClr val="accent6"/>
+          </a:effectRef>
+          <a:fontRef idx="minor"/>
+        </p:style>
+        <p:txBody>
+          <a:bodyPr lIns="90000" rIns="90000" tIns="45000" bIns="45000" anchor="ctr">
+            <a:noAutofit/>
+          </a:bodyPr>
+          <a:p>
+            <a:pPr algn="ctr">
+              <a:lnSpc>
+                <a:spcPct val="100000"/>
+              </a:lnSpc>
+            </a:pPr>
+            <a:r>
+              <a:rPr b="0" lang="en-GB" sz="1490" spc="-1" strike="noStrike">
+                <a:solidFill>
+                  <a:schemeClr val="dk1"/>
+                </a:solidFill>
+                <a:latin typeface="Calibri"/>
+                <a:ea typeface="DejaVu Sans"/>
+              </a:rPr>
+              <a:t>Error </a:t>
+            </a:r>
+            <a:endParaRPr b="0" lang="es-ES" sz="1490" spc="-1" strike="noStrike">
+              <a:solidFill>
+                <a:srgbClr val="000000"/>
+              </a:solidFill>
+              <a:latin typeface="Arial"/>
+            </a:endParaRPr>
+          </a:p>
+          <a:p>
+            <a:pPr algn="ctr">
+              <a:lnSpc>
+                <a:spcPct val="100000"/>
+              </a:lnSpc>
+            </a:pPr>
+            <a:r>
+              <a:rPr b="0" lang="en-GB" sz="1490" spc="-1" strike="noStrike">
+                <a:solidFill>
+                  <a:schemeClr val="dk1"/>
+                </a:solidFill>
+                <a:latin typeface="Calibri"/>
+                <a:ea typeface="DejaVu Sans"/>
+              </a:rPr>
+              <a:t>Feedback</a:t>
+            </a:r>
+            <a:endParaRPr b="0" lang="es-ES" sz="1490" spc="-1" strike="noStrike">
+              <a:solidFill>
+                <a:srgbClr val="000000"/>
+              </a:solidFill>
+              <a:latin typeface="Arial"/>
+            </a:endParaRPr>
+          </a:p>
+        </p:txBody>
+      </p:sp>
+      <p:cxnSp>
+        <p:nvCxnSpPr>
+          <p:cNvPr id="334" name="Conector: angular 45"/>
+          <p:cNvCxnSpPr>
+            <a:stCxn id="333" idx="2"/>
+            <a:endCxn id="330" idx="0"/>
+          </p:cNvCxnSpPr>
+          <p:nvPr/>
+        </p:nvCxnSpPr>
+        <p:spPr>
+          <a:xfrm rot="5400000">
+            <a:off x="13252680" y="2653200"/>
+            <a:ext cx="957600" cy="975240"/>
+          </a:xfrm>
+          <a:prstGeom prst="bentConnector2">
+            <a:avLst/>
+          </a:prstGeom>
+          <a:ln w="38100">
+            <a:solidFill>
+              <a:srgbClr val="404040"/>
+            </a:solidFill>
+            <a:round/>
+            <a:tailEnd len="med" type="triangle" w="med"/>
+          </a:ln>
+        </p:spPr>
+      </p:cxnSp>
+      <p:sp>
+        <p:nvSpPr>
+          <p:cNvPr id="335" name=""/>
+          <p:cNvSpPr txBox="1"/>
+          <p:nvPr/>
+        </p:nvSpPr>
+        <p:spPr>
+          <a:xfrm>
+            <a:off x="12056040" y="2566440"/>
+            <a:ext cx="1623960" cy="349560"/>
+          </a:xfrm>
+          <a:prstGeom prst="rect">
+            <a:avLst/>
+          </a:prstGeom>
+          <a:noFill/>
+          <a:ln w="0">
+            <a:noFill/>
+          </a:ln>
+        </p:spPr>
+        <p:txBody>
+          <a:bodyPr lIns="90000" rIns="90000" tIns="45000" bIns="45000" anchor="t">
+            <a:noAutofit/>
+          </a:bodyPr>
+          <a:p>
+            <a:r>
+              <a:rPr b="0" lang="es-ES" sz="1800" spc="-1" strike="noStrike">
+                <a:solidFill>
+                  <a:srgbClr val="000000"/>
+                </a:solidFill>
+                <a:latin typeface="Arial"/>
+              </a:rPr>
+              <a:t>Self-Repairing</a:t>
+            </a:r>
+            <a:endParaRPr b="0" lang="es-ES" sz="1800" spc="-1" strike="noStrike">
+              <a:solidFill>
+                <a:srgbClr val="000000"/>
+              </a:solidFill>
+              <a:latin typeface="Arial"/>
+            </a:endParaRPr>
+          </a:p>
+        </p:txBody>
+      </p:sp>
+      <p:sp>
+        <p:nvSpPr>
+          <p:cNvPr id="336" name=""/>
+          <p:cNvSpPr txBox="1"/>
+          <p:nvPr/>
+        </p:nvSpPr>
+        <p:spPr>
+          <a:xfrm>
+            <a:off x="11088000" y="1391040"/>
+            <a:ext cx="1121040" cy="349200"/>
+          </a:xfrm>
+          <a:prstGeom prst="rect">
+            <a:avLst/>
+          </a:prstGeom>
+          <a:noFill/>
+          <a:ln w="0">
+            <a:noFill/>
+          </a:ln>
+        </p:spPr>
+        <p:txBody>
+          <a:bodyPr lIns="90000" rIns="90000" tIns="45000" bIns="45000" anchor="t">
+            <a:noAutofit/>
+          </a:bodyPr>
+          <a:p>
+            <a:r>
+              <a:rPr b="0" lang="es-ES" sz="1800" spc="-1" strike="noStrike">
+                <a:solidFill>
+                  <a:srgbClr val="000000"/>
+                </a:solidFill>
+                <a:latin typeface="Arial"/>
+              </a:rPr>
+              <a:t>OUTPUT</a:t>
+            </a:r>
+            <a:endParaRPr b="0" lang="es-ES" sz="1800" spc="-1" strike="noStrike">
+              <a:solidFill>
+                <a:srgbClr val="000000"/>
+              </a:solidFill>
+              <a:latin typeface="Arial"/>
+            </a:endParaRPr>
+          </a:p>
+        </p:txBody>
+      </p:sp>
+      <p:sp>
+        <p:nvSpPr>
+          <p:cNvPr id="337" name=""/>
+          <p:cNvSpPr txBox="1"/>
+          <p:nvPr/>
+        </p:nvSpPr>
+        <p:spPr>
+          <a:xfrm>
+            <a:off x="13524840" y="3996000"/>
+            <a:ext cx="1235160" cy="349560"/>
+          </a:xfrm>
+          <a:prstGeom prst="rect">
+            <a:avLst/>
+          </a:prstGeom>
+          <a:noFill/>
+          <a:ln w="0">
+            <a:noFill/>
+          </a:ln>
+        </p:spPr>
+        <p:txBody>
+          <a:bodyPr lIns="90000" rIns="90000" tIns="45000" bIns="45000" anchor="t">
+            <a:noAutofit/>
+          </a:bodyPr>
+          <a:p>
+            <a:r>
+              <a:rPr b="0" lang="es-ES" sz="1800" spc="-1" strike="noStrike">
+                <a:solidFill>
+                  <a:srgbClr val="000000"/>
+                </a:solidFill>
+                <a:latin typeface="Arial"/>
+              </a:rPr>
+              <a:t>MAPPING</a:t>
+            </a:r>
+            <a:endParaRPr b="0" lang="es-ES" sz="1800" spc="-1" strike="noStrike">
+              <a:solidFill>
+                <a:srgbClr val="000000"/>
+              </a:solidFill>
+              <a:latin typeface="Arial"/>
+            </a:endParaRPr>
+          </a:p>
+        </p:txBody>
+      </p:sp>
+      <p:sp>
+        <p:nvSpPr>
+          <p:cNvPr id="304" name="Hexágono 9"/>
+          <p:cNvSpPr/>
+          <p:nvPr/>
+        </p:nvSpPr>
+        <p:spPr>
+          <a:xfrm>
+            <a:off x="5688000" y="4176000"/>
+            <a:ext cx="1260000" cy="958680"/>
+          </a:xfrm>
+          <a:prstGeom prst="hexagon">
+            <a:avLst>
+              <a:gd name="adj" fmla="val 25000"/>
+              <a:gd name="vf" fmla="val 115470"/>
+            </a:avLst>
+          </a:prstGeom>
+          <a:solidFill>
+            <a:schemeClr val="accent4">
+              <a:lumMod val="60000"/>
+              <a:lumOff val="40000"/>
+            </a:schemeClr>
           </a:solidFill>
           <a:ln>
             <a:solidFill>
@@ -9486,12 +10433,219 @@
             <a:r>
               <a:rPr b="0" lang="en-GB" sz="1490" spc="-1" strike="noStrike">
                 <a:solidFill>
-                  <a:srgbClr val="0d0d0d"/>
+                  <a:srgbClr val="000000"/>
                 </a:solidFill>
                 <a:latin typeface="Calibri"/>
                 <a:ea typeface="DejaVu Sans"/>
               </a:rPr>
-              <a:t>KGEN</a:t>
+              <a:t>Action</a:t>
+            </a:r>
+            <a:endParaRPr b="0" lang="es-ES" sz="1490" spc="-1" strike="noStrike">
+              <a:solidFill>
+                <a:srgbClr val="000000"/>
+              </a:solidFill>
+              <a:latin typeface="Arial"/>
+            </a:endParaRPr>
+          </a:p>
+          <a:p>
+            <a:pPr algn="ctr">
+              <a:lnSpc>
+                <a:spcPct val="100000"/>
+              </a:lnSpc>
+            </a:pPr>
+            <a:r>
+              <a:rPr b="0" lang="en-GB" sz="1490" spc="-1" strike="noStrike">
+                <a:solidFill>
+                  <a:srgbClr val="000000"/>
+                </a:solidFill>
+                <a:latin typeface="Calibri"/>
+                <a:ea typeface="DejaVu Sans"/>
+              </a:rPr>
+              <a:t>Mapper</a:t>
+            </a:r>
+            <a:endParaRPr b="0" lang="es-ES" sz="1490" spc="-1" strike="noStrike">
+              <a:solidFill>
+                <a:srgbClr val="000000"/>
+              </a:solidFill>
+              <a:latin typeface="Arial"/>
+            </a:endParaRPr>
+          </a:p>
+        </p:txBody>
+      </p:sp>
+      <p:sp>
+        <p:nvSpPr>
+          <p:cNvPr id="338" name="Hexágono 11"/>
+          <p:cNvSpPr/>
+          <p:nvPr/>
+        </p:nvSpPr>
+        <p:spPr>
+          <a:xfrm>
+            <a:off x="3024000" y="4176000"/>
+            <a:ext cx="1152000" cy="922680"/>
+          </a:xfrm>
+          <a:prstGeom prst="hexagon">
+            <a:avLst>
+              <a:gd name="adj" fmla="val 25000"/>
+              <a:gd name="vf" fmla="val 115470"/>
+            </a:avLst>
+          </a:prstGeom>
+          <a:solidFill>
+            <a:schemeClr val="accent4">
+              <a:lumMod val="60000"/>
+              <a:lumOff val="40000"/>
+            </a:schemeClr>
+          </a:solidFill>
+          <a:ln>
+            <a:solidFill>
+              <a:srgbClr val="325490"/>
+            </a:solidFill>
+          </a:ln>
+        </p:spPr>
+        <p:style>
+          <a:lnRef idx="2">
+            <a:schemeClr val="accent1">
+              <a:shade val="50000"/>
+            </a:schemeClr>
+          </a:lnRef>
+          <a:fillRef idx="1">
+            <a:schemeClr val="accent1"/>
+          </a:fillRef>
+          <a:effectRef idx="0">
+            <a:schemeClr val="accent1"/>
+          </a:effectRef>
+          <a:fontRef idx="minor"/>
+        </p:style>
+        <p:txBody>
+          <a:bodyPr lIns="90000" rIns="90000" tIns="45000" bIns="45000" anchor="ctr">
+            <a:noAutofit/>
+          </a:bodyPr>
+          <a:p>
+            <a:pPr algn="ctr">
+              <a:lnSpc>
+                <a:spcPct val="100000"/>
+              </a:lnSpc>
+            </a:pPr>
+            <a:r>
+              <a:rPr b="0" lang="en-GB" sz="1490" spc="-1" strike="noStrike">
+                <a:solidFill>
+                  <a:srgbClr val="000000"/>
+                </a:solidFill>
+                <a:latin typeface="Calibri"/>
+                <a:ea typeface="DejaVu Sans"/>
+              </a:rPr>
+              <a:t>Assyst</a:t>
+            </a:r>
+            <a:endParaRPr b="0" lang="es-ES" sz="1490" spc="-1" strike="noStrike">
+              <a:solidFill>
+                <a:srgbClr val="000000"/>
+              </a:solidFill>
+              <a:latin typeface="Arial"/>
+            </a:endParaRPr>
+          </a:p>
+          <a:p>
+            <a:pPr algn="ctr">
+              <a:lnSpc>
+                <a:spcPct val="100000"/>
+              </a:lnSpc>
+            </a:pPr>
+            <a:r>
+              <a:rPr b="0" lang="en-GB" sz="1490" spc="-1" strike="noStrike">
+                <a:solidFill>
+                  <a:srgbClr val="000000"/>
+                </a:solidFill>
+                <a:latin typeface="Calibri"/>
+                <a:ea typeface="DejaVu Sans"/>
+              </a:rPr>
+              <a:t>Bot</a:t>
+            </a:r>
+            <a:endParaRPr b="0" lang="es-ES" sz="1490" spc="-1" strike="noStrike">
+              <a:solidFill>
+                <a:srgbClr val="000000"/>
+              </a:solidFill>
+              <a:latin typeface="Arial"/>
+            </a:endParaRPr>
+          </a:p>
+        </p:txBody>
+      </p:sp>
+      <p:sp>
+        <p:nvSpPr>
+          <p:cNvPr id="339" name="Rectángulo: esquinas redondeadas 56"/>
+          <p:cNvSpPr/>
+          <p:nvPr/>
+        </p:nvSpPr>
+        <p:spPr>
+          <a:xfrm>
+            <a:off x="4320000" y="3314880"/>
+            <a:ext cx="1260000" cy="825120"/>
+          </a:xfrm>
+          <a:prstGeom prst="roundRect">
+            <a:avLst>
+              <a:gd name="adj" fmla="val 16667"/>
+            </a:avLst>
+          </a:prstGeom>
+          <a:solidFill>
+            <a:srgbClr val="ffffff"/>
+          </a:solidFill>
+          <a:ln w="38100">
+            <a:solidFill>
+              <a:srgbClr val="5eb91e"/>
+            </a:solidFill>
+          </a:ln>
+        </p:spPr>
+        <p:style>
+          <a:lnRef idx="2">
+            <a:schemeClr val="accent6"/>
+          </a:lnRef>
+          <a:fillRef idx="1">
+            <a:schemeClr val="lt1"/>
+          </a:fillRef>
+          <a:effectRef idx="0">
+            <a:schemeClr val="accent6"/>
+          </a:effectRef>
+          <a:fontRef idx="minor"/>
+        </p:style>
+        <p:txBody>
+          <a:bodyPr lIns="90000" rIns="90000" tIns="45000" bIns="45000" anchor="ctr">
+            <a:noAutofit/>
+          </a:bodyPr>
+          <a:p>
+            <a:pPr algn="ctr">
+              <a:lnSpc>
+                <a:spcPct val="100000"/>
+              </a:lnSpc>
+            </a:pPr>
+            <a:r>
+              <a:rPr b="0" lang="en-GB" sz="1490" spc="-1" strike="noStrike">
+                <a:solidFill>
+                  <a:schemeClr val="dk1"/>
+                </a:solidFill>
+                <a:latin typeface="Calibri"/>
+                <a:ea typeface="DejaVu Sans"/>
+              </a:rPr>
+              <a:t>Actions</a:t>
+            </a:r>
+            <a:endParaRPr b="0" lang="es-ES" sz="1490" spc="-1" strike="noStrike">
+              <a:solidFill>
+                <a:srgbClr val="000000"/>
+              </a:solidFill>
+              <a:latin typeface="Arial"/>
+            </a:endParaRPr>
+          </a:p>
+          <a:p>
+            <a:pPr algn="ctr">
+              <a:lnSpc>
+                <a:spcPct val="100000"/>
+              </a:lnSpc>
+            </a:pPr>
+            <a:r>
+              <a:rPr b="0" lang="en-GB" sz="1490" spc="-1" strike="noStrike">
+                <a:solidFill>
+                  <a:schemeClr val="dk1"/>
+                </a:solidFill>
+                <a:latin typeface="Calibri"/>
+                <a:ea typeface="DejaVu Sans"/>
+              </a:rPr>
+              <a:t>History</a:t>
             </a:r>
             <a:endParaRPr b="0" lang="es-ES" sz="1490" spc="-1" strike="noStrike">
               <a:solidFill>
@@ -9504,45 +10658,393 @@
       </p:sp>
       <p:cxnSp>
         <p:nvCxnSpPr>
-          <p:cNvPr id="318" name="Conector: angular 37"/>
+          <p:cNvPr id="340" name="Conector: angular 46"/>
           <p:cNvCxnSpPr>
-            <a:stCxn id="297" idx="0"/>
-            <a:endCxn id="303" idx="1"/>
+            <a:stCxn id="304" idx="0"/>
+            <a:endCxn id="330" idx="2"/>
           </p:cNvCxnSpPr>
           <p:nvPr/>
         </p:nvCxnSpPr>
         <p:spPr>
           <a:xfrm flipV="1">
-            <a:off x="9279000" y="5163480"/>
-            <a:ext cx="3204720" cy="595800"/>
-          </a:xfrm>
-          <a:prstGeom prst="bentConnector3">
-            <a:avLst>
-              <a:gd name="adj1" fmla="val 49803"/>
-            </a:avLst>
-          </a:prstGeom>
-          <a:ln w="38100">
-            <a:solidFill>
-              <a:srgbClr val="000000"/>
+            <a:off x="6948000" y="4213440"/>
+            <a:ext cx="5229360" cy="442440"/>
+          </a:xfrm>
+          <a:prstGeom prst="bentConnector2">
+            <a:avLst/>
+          </a:prstGeom>
+          <a:ln w="38100">
+            <a:solidFill>
+              <a:srgbClr val="ff5429"/>
             </a:solidFill>
             <a:round/>
             <a:tailEnd len="med" type="triangle" w="med"/>
           </a:ln>
         </p:spPr>
       </p:cxnSp>
+      <p:sp>
+        <p:nvSpPr>
+          <p:cNvPr id="299" name="Rectángulo: esquinas redondeadas 58"/>
+          <p:cNvSpPr/>
+          <p:nvPr/>
+        </p:nvSpPr>
+        <p:spPr>
+          <a:xfrm>
+            <a:off x="8411400" y="1435320"/>
+            <a:ext cx="1488600" cy="1300680"/>
+          </a:xfrm>
+          <a:prstGeom prst="roundRect">
+            <a:avLst>
+              <a:gd name="adj" fmla="val 16667"/>
+            </a:avLst>
+          </a:prstGeom>
+          <a:solidFill>
+            <a:srgbClr val="ffffff"/>
+          </a:solidFill>
+          <a:ln w="38100">
+            <a:solidFill>
+              <a:srgbClr val="bf819e"/>
+            </a:solidFill>
+          </a:ln>
+        </p:spPr>
+        <p:style>
+          <a:lnRef idx="2">
+            <a:schemeClr val="accent6"/>
+          </a:lnRef>
+          <a:fillRef idx="1">
+            <a:schemeClr val="lt1"/>
+          </a:fillRef>
+          <a:effectRef idx="0">
+            <a:schemeClr val="accent6"/>
+          </a:effectRef>
+          <a:fontRef idx="minor"/>
+        </p:style>
+        <p:txBody>
+          <a:bodyPr lIns="90000" rIns="90000" tIns="45000" bIns="45000" anchor="ctr">
+            <a:noAutofit/>
+          </a:bodyPr>
+          <a:p>
+            <a:pPr algn="ctr">
+              <a:lnSpc>
+                <a:spcPct val="100000"/>
+              </a:lnSpc>
+            </a:pPr>
+            <a:r>
+              <a:rPr b="0" lang="en-GB" sz="1490" spc="-1" strike="noStrike">
+                <a:solidFill>
+                  <a:schemeClr val="dk1"/>
+                </a:solidFill>
+                <a:latin typeface="Calibri"/>
+                <a:ea typeface="DejaVu Sans"/>
+              </a:rPr>
+              <a:t>Statistical</a:t>
+            </a:r>
+            <a:endParaRPr b="0" lang="es-ES" sz="1490" spc="-1" strike="noStrike">
+              <a:solidFill>
+                <a:srgbClr val="000000"/>
+              </a:solidFill>
+              <a:latin typeface="Arial"/>
+            </a:endParaRPr>
+          </a:p>
+          <a:p>
+            <a:pPr algn="ctr">
+              <a:lnSpc>
+                <a:spcPct val="100000"/>
+              </a:lnSpc>
+            </a:pPr>
+            <a:r>
+              <a:rPr b="0" lang="en-GB" sz="1490" spc="-1" strike="noStrike">
+                <a:solidFill>
+                  <a:schemeClr val="dk1"/>
+                </a:solidFill>
+                <a:latin typeface="Calibri"/>
+                <a:ea typeface="DejaVu Sans"/>
+              </a:rPr>
+              <a:t>Description</a:t>
+            </a:r>
+            <a:endParaRPr b="0" lang="es-ES" sz="1490" spc="-1" strike="noStrike">
+              <a:solidFill>
+                <a:srgbClr val="000000"/>
+              </a:solidFill>
+              <a:latin typeface="Arial"/>
+            </a:endParaRPr>
+          </a:p>
+          <a:p>
+            <a:pPr algn="ctr">
+              <a:lnSpc>
+                <a:spcPct val="100000"/>
+              </a:lnSpc>
+            </a:pPr>
+            <a:r>
+              <a:rPr b="0" lang="en-GB" sz="1490" spc="-1" strike="noStrike">
+                <a:solidFill>
+                  <a:schemeClr val="dk1"/>
+                </a:solidFill>
+                <a:latin typeface="Calibri"/>
+                <a:ea typeface="DejaVu Sans"/>
+              </a:rPr>
+              <a:t>+</a:t>
+            </a:r>
+            <a:endParaRPr b="0" lang="es-ES" sz="1490" spc="-1" strike="noStrike">
+              <a:solidFill>
+                <a:srgbClr val="000000"/>
+              </a:solidFill>
+              <a:latin typeface="Arial"/>
+            </a:endParaRPr>
+          </a:p>
+          <a:p>
+            <a:pPr algn="ctr">
+              <a:lnSpc>
+                <a:spcPct val="100000"/>
+              </a:lnSpc>
+            </a:pPr>
+            <a:r>
+              <a:rPr b="0" lang="en-GB" sz="1490" spc="-1" strike="noStrike">
+                <a:solidFill>
+                  <a:schemeClr val="dk1"/>
+                </a:solidFill>
+                <a:latin typeface="Calibri"/>
+                <a:ea typeface="DejaVu Sans"/>
+              </a:rPr>
+              <a:t>FAIR URI</a:t>
+            </a:r>
+            <a:endParaRPr b="0" lang="es-ES" sz="1490" spc="-1" strike="noStrike">
+              <a:solidFill>
+                <a:srgbClr val="000000"/>
+              </a:solidFill>
+              <a:latin typeface="Arial"/>
+            </a:endParaRPr>
+          </a:p>
+        </p:txBody>
+      </p:sp>
+      <p:sp>
+        <p:nvSpPr>
+          <p:cNvPr id="341" name="Rectángulo: esquinas redondeadas 59"/>
+          <p:cNvSpPr/>
+          <p:nvPr/>
+        </p:nvSpPr>
+        <p:spPr>
+          <a:xfrm>
+            <a:off x="2700000" y="6156000"/>
+            <a:ext cx="3780000" cy="3736080"/>
+          </a:xfrm>
+          <a:prstGeom prst="roundRect">
+            <a:avLst>
+              <a:gd name="adj" fmla="val 5287"/>
+            </a:avLst>
+          </a:prstGeom>
+          <a:solidFill>
+            <a:srgbClr val="ffdbb6"/>
+          </a:solidFill>
+          <a:ln w="38100">
+            <a:solidFill>
+              <a:srgbClr val="333333"/>
+            </a:solidFill>
+          </a:ln>
+        </p:spPr>
+        <p:style>
+          <a:lnRef idx="2">
+            <a:schemeClr val="accent6"/>
+          </a:lnRef>
+          <a:fillRef idx="1">
+            <a:schemeClr val="lt1"/>
+          </a:fillRef>
+          <a:effectRef idx="0">
+            <a:schemeClr val="accent6"/>
+          </a:effectRef>
+          <a:fontRef idx="minor"/>
+        </p:style>
+        <p:txBody>
+          <a:bodyPr lIns="90000" rIns="90000" tIns="45000" bIns="45000" anchor="ctr">
+            <a:noAutofit/>
+          </a:bodyPr>
+          <a:p>
+            <a:endParaRPr b="0" lang="es-ES" sz="2940" spc="-1" strike="noStrike">
+              <a:solidFill>
+                <a:srgbClr val="000000"/>
+              </a:solidFill>
+              <a:latin typeface="Arial"/>
+            </a:endParaRPr>
+          </a:p>
+        </p:txBody>
+      </p:sp>
+      <p:sp>
+        <p:nvSpPr>
+          <p:cNvPr id="342" name="Rectángulo: esquinas redondeadas 60"/>
+          <p:cNvSpPr/>
+          <p:nvPr/>
+        </p:nvSpPr>
+        <p:spPr>
+          <a:xfrm>
+            <a:off x="4466880" y="7335720"/>
+            <a:ext cx="933120" cy="614880"/>
+          </a:xfrm>
+          <a:prstGeom prst="roundRect">
+            <a:avLst>
+              <a:gd name="adj" fmla="val 16667"/>
+            </a:avLst>
+          </a:prstGeom>
+          <a:solidFill>
+            <a:schemeClr val="accent1">
+              <a:lumMod val="40000"/>
+              <a:lumOff val="60000"/>
+            </a:schemeClr>
+          </a:solidFill>
+          <a:ln>
+            <a:solidFill>
+              <a:srgbClr val="70ad47"/>
+            </a:solidFill>
+          </a:ln>
+        </p:spPr>
+        <p:style>
+          <a:lnRef idx="2">
+            <a:schemeClr val="accent6"/>
+          </a:lnRef>
+          <a:fillRef idx="1">
+            <a:schemeClr val="lt1"/>
+          </a:fillRef>
+          <a:effectRef idx="0">
+            <a:schemeClr val="accent6"/>
+          </a:effectRef>
+          <a:fontRef idx="minor"/>
+        </p:style>
+        <p:txBody>
+          <a:bodyPr lIns="90000" rIns="90000" tIns="45000" bIns="45000" anchor="ctr">
+            <a:noAutofit/>
+          </a:bodyPr>
+          <a:p>
+            <a:pPr algn="ctr">
+              <a:lnSpc>
+                <a:spcPct val="100000"/>
+              </a:lnSpc>
+            </a:pPr>
+            <a:r>
+              <a:rPr b="0" lang="en-GB" sz="1490" spc="-1" strike="noStrike">
+                <a:solidFill>
+                  <a:schemeClr val="dk1"/>
+                </a:solidFill>
+                <a:latin typeface="Calibri"/>
+                <a:ea typeface="DejaVu Sans"/>
+              </a:rPr>
+              <a:t>prompt</a:t>
+            </a:r>
+            <a:endParaRPr b="0" lang="es-ES" sz="1490" spc="-1" strike="noStrike">
+              <a:solidFill>
+                <a:srgbClr val="000000"/>
+              </a:solidFill>
+              <a:latin typeface="Arial"/>
+            </a:endParaRPr>
+          </a:p>
+        </p:txBody>
+      </p:sp>
       <p:cxnSp>
         <p:nvCxnSpPr>
-          <p:cNvPr id="319" name="Conector recto de flecha 10"/>
+          <p:cNvPr id="343" name="Conector: angular 47"/>
           <p:cNvCxnSpPr>
-            <a:stCxn id="308" idx="1"/>
-            <a:endCxn id="305" idx="3"/>
+            <a:stCxn id="344" idx="0"/>
+            <a:endCxn id="342" idx="1"/>
           </p:cNvCxnSpPr>
           <p:nvPr/>
         </p:nvCxnSpPr>
         <p:spPr>
+          <a:xfrm flipH="1" flipV="1" rot="5400000">
+            <a:off x="3683880" y="7378920"/>
+            <a:ext cx="519120" cy="1047240"/>
+          </a:xfrm>
+          <a:prstGeom prst="bentConnector2">
+            <a:avLst/>
+          </a:prstGeom>
+          <a:ln w="38100">
+            <a:solidFill>
+              <a:srgbClr val="000000"/>
+            </a:solidFill>
+            <a:round/>
+            <a:tailEnd len="med" type="triangle" w="med"/>
+          </a:ln>
+        </p:spPr>
+      </p:cxnSp>
+      <p:sp>
+        <p:nvSpPr>
+          <p:cNvPr id="345" name="Rectángulo: esquinas redondeadas 61"/>
+          <p:cNvSpPr/>
+          <p:nvPr/>
+        </p:nvSpPr>
+        <p:spPr>
+          <a:xfrm>
+            <a:off x="4967640" y="8672400"/>
+            <a:ext cx="986400" cy="539640"/>
+          </a:xfrm>
+          <a:prstGeom prst="roundRect">
+            <a:avLst>
+              <a:gd name="adj" fmla="val 16667"/>
+            </a:avLst>
+          </a:prstGeom>
+          <a:solidFill>
+            <a:schemeClr val="accent1">
+              <a:lumMod val="40000"/>
+              <a:lumOff val="60000"/>
+            </a:schemeClr>
+          </a:solidFill>
+          <a:ln>
+            <a:solidFill>
+              <a:srgbClr val="70ad47"/>
+            </a:solidFill>
+          </a:ln>
+        </p:spPr>
+        <p:style>
+          <a:lnRef idx="2">
+            <a:schemeClr val="accent6"/>
+          </a:lnRef>
+          <a:fillRef idx="1">
+            <a:schemeClr val="lt1"/>
+          </a:fillRef>
+          <a:effectRef idx="0">
+            <a:schemeClr val="accent6"/>
+          </a:effectRef>
+          <a:fontRef idx="minor"/>
+        </p:style>
+        <p:txBody>
+          <a:bodyPr lIns="90000" rIns="90000" tIns="45000" bIns="45000" anchor="ctr">
+            <a:noAutofit/>
+          </a:bodyPr>
+          <a:p>
+            <a:pPr algn="ctr">
+              <a:lnSpc>
+                <a:spcPct val="100000"/>
+              </a:lnSpc>
+            </a:pPr>
+            <a:r>
+              <a:rPr b="0" lang="en-GB" sz="1490" spc="-1" strike="noStrike">
+                <a:solidFill>
+                  <a:schemeClr val="dk1"/>
+                </a:solidFill>
+                <a:latin typeface="Calibri"/>
+                <a:ea typeface="DejaVu Sans"/>
+              </a:rPr>
+              <a:t>prompt’</a:t>
+            </a:r>
+            <a:endParaRPr b="0" lang="es-ES" sz="1490" spc="-1" strike="noStrike">
+              <a:solidFill>
+                <a:srgbClr val="000000"/>
+              </a:solidFill>
+              <a:latin typeface="Arial"/>
+            </a:endParaRPr>
+          </a:p>
+        </p:txBody>
+      </p:sp>
+      <p:cxnSp>
+        <p:nvCxnSpPr>
+          <p:cNvPr id="346" name="Conector recto de flecha 8"/>
+          <p:cNvCxnSpPr>
+            <a:stCxn id="345" idx="1"/>
+            <a:endCxn id="344" idx="3"/>
+          </p:cNvCxnSpPr>
+          <p:nvPr/>
+        </p:nvCxnSpPr>
+        <p:spPr>
           <a:xfrm flipH="1">
-            <a:off x="10258920" y="6764040"/>
-            <a:ext cx="439560" cy="1800"/>
+            <a:off x="4140000" y="8942040"/>
+            <a:ext cx="828000" cy="6480"/>
           </a:xfrm>
           <a:prstGeom prst="straightConnector1">
             <a:avLst/>
@@ -9558,7 +11060,7 @@
       </p:cxnSp>
       <p:pic>
         <p:nvPicPr>
-          <p:cNvPr id="320" name="" descr=""/>
+          <p:cNvPr id="347" name="" descr=""/>
           <p:cNvPicPr/>
           <p:nvPr/>
         </p:nvPicPr>
@@ -9568,8 +11070,8 @@
         </p:blipFill>
         <p:spPr>
           <a:xfrm>
-            <a:off x="52560" y="2399040"/>
-            <a:ext cx="1699560" cy="2260800"/>
+            <a:off x="2700000" y="8161920"/>
+            <a:ext cx="1440000" cy="1572840"/>
           </a:xfrm>
           <a:prstGeom prst="rect">
             <a:avLst/>
@@ -9579,6 +11081,570 @@
           </a:ln>
         </p:spPr>
       </p:pic>
+      <p:sp>
+        <p:nvSpPr>
+          <p:cNvPr id="348" name="Rectángulo: esquinas redondeadas 62"/>
+          <p:cNvSpPr/>
+          <p:nvPr/>
+        </p:nvSpPr>
+        <p:spPr>
+          <a:xfrm>
+            <a:off x="3060000" y="6470640"/>
+            <a:ext cx="1080000" cy="576720"/>
+          </a:xfrm>
+          <a:prstGeom prst="roundRect">
+            <a:avLst>
+              <a:gd name="adj" fmla="val 16667"/>
+            </a:avLst>
+          </a:prstGeom>
+          <a:solidFill>
+            <a:srgbClr val="ffffff"/>
+          </a:solidFill>
+          <a:ln w="38100">
+            <a:solidFill>
+              <a:srgbClr val="ff972f"/>
+            </a:solidFill>
+          </a:ln>
+        </p:spPr>
+        <p:style>
+          <a:lnRef idx="2">
+            <a:schemeClr val="accent6"/>
+          </a:lnRef>
+          <a:fillRef idx="1">
+            <a:schemeClr val="lt1"/>
+          </a:fillRef>
+          <a:effectRef idx="0">
+            <a:schemeClr val="accent6"/>
+          </a:effectRef>
+          <a:fontRef idx="minor"/>
+        </p:style>
+        <p:txBody>
+          <a:bodyPr lIns="90000" rIns="90000" tIns="45000" bIns="45000" anchor="ctr">
+            <a:noAutofit/>
+          </a:bodyPr>
+          <a:p>
+            <a:pPr algn="ctr">
+              <a:lnSpc>
+                <a:spcPct val="100000"/>
+              </a:lnSpc>
+            </a:pPr>
+            <a:r>
+              <a:rPr b="0" lang="en-GB" sz="1490" spc="-1" strike="noStrike">
+                <a:solidFill>
+                  <a:schemeClr val="dk1"/>
+                </a:solidFill>
+                <a:latin typeface="Calibri"/>
+                <a:ea typeface="DejaVu Sans"/>
+              </a:rPr>
+              <a:t>Help</a:t>
+            </a:r>
+            <a:endParaRPr b="0" lang="es-ES" sz="1490" spc="-1" strike="noStrike">
+              <a:solidFill>
+                <a:srgbClr val="000000"/>
+              </a:solidFill>
+              <a:latin typeface="Arial"/>
+            </a:endParaRPr>
+          </a:p>
+        </p:txBody>
+      </p:sp>
+      <p:sp>
+        <p:nvSpPr>
+          <p:cNvPr id="349" name=""/>
+          <p:cNvSpPr txBox="1"/>
+          <p:nvPr/>
+        </p:nvSpPr>
+        <p:spPr>
+          <a:xfrm>
+            <a:off x="3744000" y="9513720"/>
+            <a:ext cx="2700000" cy="387720"/>
+          </a:xfrm>
+          <a:prstGeom prst="rect">
+            <a:avLst/>
+          </a:prstGeom>
+          <a:noFill/>
+          <a:ln w="0">
+            <a:noFill/>
+          </a:ln>
+        </p:spPr>
+        <p:txBody>
+          <a:bodyPr lIns="90000" rIns="90000" tIns="45000" bIns="45000" anchor="t">
+            <a:noAutofit/>
+          </a:bodyPr>
+          <a:p>
+            <a:r>
+              <a:rPr b="0" lang="es-ES" sz="2090" spc="-1" strike="noStrike">
+                <a:solidFill>
+                  <a:srgbClr val="000000"/>
+                </a:solidFill>
+                <a:latin typeface="Arial"/>
+              </a:rPr>
+              <a:t>GUI:User Interaction</a:t>
+            </a:r>
+            <a:endParaRPr b="0" lang="es-ES" sz="2090" spc="-1" strike="noStrike">
+              <a:solidFill>
+                <a:srgbClr val="000000"/>
+              </a:solidFill>
+              <a:latin typeface="Arial"/>
+            </a:endParaRPr>
+          </a:p>
+        </p:txBody>
+      </p:sp>
+      <p:cxnSp>
+        <p:nvCxnSpPr>
+          <p:cNvPr id="350" name="Conector recto de flecha 9"/>
+          <p:cNvCxnSpPr>
+            <a:stCxn id="328" idx="3"/>
+            <a:endCxn id="309" idx="1"/>
+          </p:cNvCxnSpPr>
+          <p:nvPr/>
+        </p:nvCxnSpPr>
+        <p:spPr>
+          <a:xfrm>
+            <a:off x="12900240" y="855720"/>
+            <a:ext cx="2579760" cy="14400"/>
+          </a:xfrm>
+          <a:prstGeom prst="straightConnector1">
+            <a:avLst/>
+          </a:prstGeom>
+          <a:ln w="38100">
+            <a:solidFill>
+              <a:srgbClr val="404040"/>
+            </a:solidFill>
+            <a:round/>
+            <a:tailEnd len="med" type="triangle" w="med"/>
+          </a:ln>
+        </p:spPr>
+      </p:cxnSp>
+      <p:cxnSp>
+        <p:nvCxnSpPr>
+          <p:cNvPr id="351" name="Conector: angular 69"/>
+          <p:cNvCxnSpPr>
+            <a:stCxn id="319" idx="3"/>
+            <a:endCxn id="330" idx="2"/>
+          </p:cNvCxnSpPr>
+          <p:nvPr/>
+        </p:nvCxnSpPr>
+        <p:spPr>
+          <a:xfrm flipV="1">
+            <a:off x="12312000" y="4213440"/>
+            <a:ext cx="250200" cy="3981600"/>
+          </a:xfrm>
+          <a:prstGeom prst="bentConnector2">
+            <a:avLst/>
+          </a:prstGeom>
+          <a:ln w="38100">
+            <a:solidFill>
+              <a:srgbClr val="000000"/>
+            </a:solidFill>
+            <a:round/>
+            <a:tailEnd len="med" type="triangle" w="med"/>
+          </a:ln>
+        </p:spPr>
+      </p:cxnSp>
+      <p:cxnSp>
+        <p:nvCxnSpPr>
+          <p:cNvPr id="352" name="Conector recto de flecha 10"/>
+          <p:cNvCxnSpPr>
+            <a:stCxn id="308" idx="3"/>
+            <a:endCxn id="328" idx="1"/>
+          </p:cNvCxnSpPr>
+          <p:nvPr/>
+        </p:nvCxnSpPr>
+        <p:spPr>
+          <a:xfrm>
+            <a:off x="4499640" y="821880"/>
+            <a:ext cx="7345080" cy="34200"/>
+          </a:xfrm>
+          <a:prstGeom prst="straightConnector1">
+            <a:avLst/>
+          </a:prstGeom>
+          <a:ln w="38100">
+            <a:solidFill>
+              <a:srgbClr val="404040"/>
+            </a:solidFill>
+            <a:round/>
+            <a:tailEnd len="med" type="triangle" w="med"/>
+          </a:ln>
+        </p:spPr>
+      </p:cxnSp>
+      <p:cxnSp>
+        <p:nvCxnSpPr>
+          <p:cNvPr id="353" name="Conector: angular 70"/>
+          <p:cNvCxnSpPr>
+            <a:stCxn id="304" idx="0"/>
+            <a:endCxn id="300" idx="4"/>
+          </p:cNvCxnSpPr>
+          <p:nvPr/>
+        </p:nvCxnSpPr>
+        <p:spPr>
+          <a:xfrm>
+            <a:off x="6948000" y="4655520"/>
+            <a:ext cx="2580480" cy="1752840"/>
+          </a:xfrm>
+          <a:prstGeom prst="bentConnector2">
+            <a:avLst/>
+          </a:prstGeom>
+          <a:ln w="38100">
+            <a:solidFill>
+              <a:srgbClr val="ff5429"/>
+            </a:solidFill>
+            <a:round/>
+            <a:tailEnd len="med" type="triangle" w="med"/>
+          </a:ln>
+        </p:spPr>
+      </p:cxnSp>
+      <p:cxnSp>
+        <p:nvCxnSpPr>
+          <p:cNvPr id="354" name="Conector: angular 71"/>
+          <p:cNvCxnSpPr>
+            <a:stCxn id="304" idx="0"/>
+            <a:endCxn id="302" idx="5"/>
+          </p:cNvCxnSpPr>
+          <p:nvPr/>
+        </p:nvCxnSpPr>
+        <p:spPr>
+          <a:xfrm>
+            <a:off x="6948000" y="4655520"/>
+            <a:ext cx="1265040" cy="1680840"/>
+          </a:xfrm>
+          <a:prstGeom prst="bentConnector2">
+            <a:avLst/>
+          </a:prstGeom>
+          <a:ln w="38100">
+            <a:solidFill>
+              <a:srgbClr val="ff5429"/>
+            </a:solidFill>
+            <a:round/>
+            <a:tailEnd len="med" type="triangle" w="med"/>
+          </a:ln>
+        </p:spPr>
+      </p:cxnSp>
+      <p:cxnSp>
+        <p:nvCxnSpPr>
+          <p:cNvPr id="355" name="Conector: angular 72"/>
+          <p:cNvCxnSpPr>
+            <a:stCxn id="342" idx="3"/>
+            <a:endCxn id="302" idx="3"/>
+          </p:cNvCxnSpPr>
+          <p:nvPr/>
+        </p:nvCxnSpPr>
+        <p:spPr>
+          <a:xfrm flipV="1">
+            <a:off x="5400000" y="6960960"/>
+            <a:ext cx="1771560" cy="682560"/>
+          </a:xfrm>
+          <a:prstGeom prst="bentConnector3">
+            <a:avLst>
+              <a:gd name="adj1" fmla="val 52845"/>
+            </a:avLst>
+          </a:prstGeom>
+          <a:ln w="38100">
+            <a:solidFill>
+              <a:srgbClr val="000000"/>
+            </a:solidFill>
+            <a:round/>
+            <a:tailEnd len="med" type="triangle" w="med"/>
+          </a:ln>
+        </p:spPr>
+      </p:cxnSp>
+      <p:cxnSp>
+        <p:nvCxnSpPr>
+          <p:cNvPr id="356" name="Conector: angular 73"/>
+          <p:cNvCxnSpPr>
+            <a:stCxn id="338" idx="2"/>
+            <a:endCxn id="348" idx="0"/>
+          </p:cNvCxnSpPr>
+          <p:nvPr/>
+        </p:nvCxnSpPr>
+        <p:spPr>
+          <a:xfrm rot="16200000">
+            <a:off x="2914200" y="5784480"/>
+            <a:ext cx="1372320" cy="360"/>
+          </a:xfrm>
+          <a:prstGeom prst="bentConnector2">
+            <a:avLst/>
+          </a:prstGeom>
+          <a:ln w="38100">
+            <a:solidFill>
+              <a:srgbClr val="000000"/>
+            </a:solidFill>
+            <a:round/>
+            <a:tailEnd len="med" type="triangle" w="med"/>
+          </a:ln>
+        </p:spPr>
+      </p:cxnSp>
+      <p:cxnSp>
+        <p:nvCxnSpPr>
+          <p:cNvPr id="357" name="Conector: angular 75"/>
+          <p:cNvCxnSpPr>
+            <a:stCxn id="342" idx="3"/>
+            <a:endCxn id="304" idx="2"/>
+          </p:cNvCxnSpPr>
+          <p:nvPr/>
+        </p:nvCxnSpPr>
+        <p:spPr>
+          <a:xfrm flipV="1">
+            <a:off x="5400000" y="5134680"/>
+            <a:ext cx="918360" cy="2508840"/>
+          </a:xfrm>
+          <a:prstGeom prst="bentConnector2">
+            <a:avLst/>
+          </a:prstGeom>
+          <a:ln w="38100">
+            <a:solidFill>
+              <a:srgbClr val="000000"/>
+            </a:solidFill>
+            <a:round/>
+            <a:tailEnd len="med" type="triangle" w="med"/>
+          </a:ln>
+        </p:spPr>
+      </p:cxnSp>
+      <p:cxnSp>
+        <p:nvCxnSpPr>
+          <p:cNvPr id="358" name="Conector: angular 76"/>
+          <p:cNvCxnSpPr>
+            <a:stCxn id="302" idx="2"/>
+            <a:endCxn id="345" idx="3"/>
+          </p:cNvCxnSpPr>
+          <p:nvPr/>
+        </p:nvCxnSpPr>
+        <p:spPr>
+          <a:xfrm rot="5400000">
+            <a:off x="6222600" y="7317000"/>
+            <a:ext cx="1356840" cy="1894320"/>
+          </a:xfrm>
+          <a:prstGeom prst="bentConnector2">
+            <a:avLst/>
+          </a:prstGeom>
+          <a:ln w="38100">
+            <a:solidFill>
+              <a:srgbClr val="000000"/>
+            </a:solidFill>
+            <a:round/>
+            <a:tailEnd len="med" type="triangle" w="med"/>
+          </a:ln>
+        </p:spPr>
+      </p:cxnSp>
+      <p:sp>
+        <p:nvSpPr>
+          <p:cNvPr id="359" name=""/>
+          <p:cNvSpPr txBox="1"/>
+          <p:nvPr/>
+        </p:nvSpPr>
+        <p:spPr>
+          <a:xfrm>
+            <a:off x="9936000" y="5986440"/>
+            <a:ext cx="2700000" cy="346320"/>
+          </a:xfrm>
+          <a:prstGeom prst="rect">
+            <a:avLst/>
+          </a:prstGeom>
+          <a:noFill/>
+          <a:ln w="0">
+            <a:noFill/>
+          </a:ln>
+        </p:spPr>
+        <p:txBody>
+          <a:bodyPr lIns="90000" rIns="90000" tIns="45000" bIns="45000" anchor="t">
+            <a:noAutofit/>
+          </a:bodyPr>
+          <a:p>
+            <a:r>
+              <a:rPr b="0" lang="es-ES" sz="1800" spc="-1" strike="noStrike">
+                <a:solidFill>
+                  <a:srgbClr val="000000"/>
+                </a:solidFill>
+                <a:latin typeface="Arial"/>
+              </a:rPr>
+              <a:t>SCHEMA DEFINITION</a:t>
+            </a:r>
+            <a:endParaRPr b="0" lang="es-ES" sz="1800" spc="-1" strike="noStrike">
+              <a:solidFill>
+                <a:srgbClr val="000000"/>
+              </a:solidFill>
+              <a:latin typeface="Arial"/>
+            </a:endParaRPr>
+          </a:p>
+        </p:txBody>
+      </p:sp>
+      <p:sp>
+        <p:nvSpPr>
+          <p:cNvPr id="360" name=""/>
+          <p:cNvSpPr txBox="1"/>
+          <p:nvPr/>
+        </p:nvSpPr>
+        <p:spPr>
+          <a:xfrm>
+            <a:off x="14904000" y="10017720"/>
+            <a:ext cx="1595160" cy="602280"/>
+          </a:xfrm>
+          <a:prstGeom prst="rect">
+            <a:avLst/>
+          </a:prstGeom>
+          <a:noFill/>
+          <a:ln w="0">
+            <a:noFill/>
+          </a:ln>
+        </p:spPr>
+        <p:txBody>
+          <a:bodyPr lIns="90000" rIns="90000" tIns="45000" bIns="45000" anchor="t">
+            <a:noAutofit/>
+          </a:bodyPr>
+          <a:p>
+            <a:r>
+              <a:rPr b="0" lang="es-ES" sz="1800" spc="-1" strike="noStrike">
+                <a:solidFill>
+                  <a:srgbClr val="000000"/>
+                </a:solidFill>
+                <a:latin typeface="Arial"/>
+              </a:rPr>
+              <a:t>ONTOLOGY</a:t>
+            </a:r>
+            <a:endParaRPr b="0" lang="es-ES" sz="1800" spc="-1" strike="noStrike">
+              <a:solidFill>
+                <a:srgbClr val="000000"/>
+              </a:solidFill>
+              <a:latin typeface="Arial"/>
+            </a:endParaRPr>
+          </a:p>
+        </p:txBody>
+      </p:sp>
+      <p:sp>
+        <p:nvSpPr>
+          <p:cNvPr id="361" name=""/>
+          <p:cNvSpPr txBox="1"/>
+          <p:nvPr/>
+        </p:nvSpPr>
+        <p:spPr>
+          <a:xfrm>
+            <a:off x="5964840" y="2493720"/>
+            <a:ext cx="2495160" cy="346320"/>
+          </a:xfrm>
+          <a:prstGeom prst="rect">
+            <a:avLst/>
+          </a:prstGeom>
+          <a:noFill/>
+          <a:ln w="0">
+            <a:noFill/>
+          </a:ln>
+        </p:spPr>
+        <p:txBody>
+          <a:bodyPr lIns="90000" rIns="90000" tIns="45000" bIns="45000" anchor="t">
+            <a:noAutofit/>
+          </a:bodyPr>
+          <a:p>
+            <a:r>
+              <a:rPr b="0" lang="es-ES" sz="1800" spc="-1" strike="noStrike">
+                <a:solidFill>
+                  <a:srgbClr val="000000"/>
+                </a:solidFill>
+                <a:latin typeface="Arial"/>
+              </a:rPr>
+              <a:t>DATA PROCESSING</a:t>
+            </a:r>
+            <a:endParaRPr b="0" lang="es-ES" sz="1800" spc="-1" strike="noStrike">
+              <a:solidFill>
+                <a:srgbClr val="000000"/>
+              </a:solidFill>
+              <a:latin typeface="Arial"/>
+            </a:endParaRPr>
+          </a:p>
+        </p:txBody>
+      </p:sp>
+      <p:sp>
+        <p:nvSpPr>
+          <p:cNvPr id="362" name=""/>
+          <p:cNvSpPr txBox="1"/>
+          <p:nvPr/>
+        </p:nvSpPr>
+        <p:spPr>
+          <a:xfrm>
+            <a:off x="3807360" y="5256000"/>
+            <a:ext cx="2495160" cy="346320"/>
+          </a:xfrm>
+          <a:prstGeom prst="rect">
+            <a:avLst/>
+          </a:prstGeom>
+          <a:noFill/>
+          <a:ln w="0">
+            <a:noFill/>
+          </a:ln>
+        </p:spPr>
+        <p:txBody>
+          <a:bodyPr lIns="90000" rIns="90000" tIns="45000" bIns="45000" anchor="t">
+            <a:noAutofit/>
+          </a:bodyPr>
+          <a:p>
+            <a:r>
+              <a:rPr b="0" lang="es-ES" sz="1800" spc="-1" strike="noStrike">
+                <a:solidFill>
+                  <a:srgbClr val="000000"/>
+                </a:solidFill>
+                <a:latin typeface="Arial"/>
+              </a:rPr>
+              <a:t>ACTIONS MANAGER</a:t>
+            </a:r>
+            <a:endParaRPr b="0" lang="es-ES" sz="1800" spc="-1" strike="noStrike">
+              <a:solidFill>
+                <a:srgbClr val="000000"/>
+              </a:solidFill>
+              <a:latin typeface="Arial"/>
+            </a:endParaRPr>
+          </a:p>
+        </p:txBody>
+      </p:sp>
+      <p:cxnSp>
+        <p:nvCxnSpPr>
+          <p:cNvPr id="363" name="Conector: angular 77"/>
+          <p:cNvCxnSpPr>
+            <a:stCxn id="339" idx="1"/>
+            <a:endCxn id="338" idx="0"/>
+          </p:cNvCxnSpPr>
+          <p:nvPr/>
+        </p:nvCxnSpPr>
+        <p:spPr>
+          <a:xfrm flipV="1" rot="10800000">
+            <a:off x="3600000" y="3727440"/>
+            <a:ext cx="720360" cy="448920"/>
+          </a:xfrm>
+          <a:prstGeom prst="bentConnector2">
+            <a:avLst/>
+          </a:prstGeom>
+          <a:ln w="38100">
+            <a:solidFill>
+              <a:srgbClr val="000000"/>
+            </a:solidFill>
+            <a:round/>
+            <a:tailEnd len="med" type="triangle" w="med"/>
+          </a:ln>
+        </p:spPr>
+      </p:cxnSp>
+      <p:cxnSp>
+        <p:nvCxnSpPr>
+          <p:cNvPr id="364" name="Conector: angular 78"/>
+          <p:cNvCxnSpPr>
+            <a:stCxn id="304" idx="0"/>
+            <a:endCxn id="339" idx="3"/>
+          </p:cNvCxnSpPr>
+          <p:nvPr/>
+        </p:nvCxnSpPr>
+        <p:spPr>
+          <a:xfrm flipV="1" rot="16200000">
+            <a:off x="5724720" y="3582720"/>
+            <a:ext cx="448920" cy="738360"/>
+          </a:xfrm>
+          <a:prstGeom prst="bentConnector2">
+            <a:avLst/>
+          </a:prstGeom>
+          <a:ln w="38100">
+            <a:solidFill>
+              <a:srgbClr val="000000"/>
+            </a:solidFill>
+            <a:round/>
+            <a:tailEnd len="med" type="triangle" w="med"/>
+          </a:ln>
+        </p:spPr>
+      </p:cxnSp>
     </p:spTree>
   </p:cSld>
   <mc:AlternateContent>
@@ -9617,8 +11683,8 @@
         </p:nvSpPr>
         <p:spPr>
           <a:xfrm>
-            <a:off x="982440" y="1302120"/>
-            <a:ext cx="5530320" cy="1935720"/>
+            <a:off x="1472040" y="1302120"/>
+            <a:ext cx="8288640" cy="1935720"/>
           </a:xfrm>
           <a:prstGeom prst="roundRect">
             <a:avLst>
@@ -9679,12 +11745,12 @@
         </p:nvCxnSpPr>
         <p:spPr>
           <a:xfrm>
-            <a:off x="6512760" y="2269800"/>
-            <a:ext cx="5140080" cy="1129680"/>
+            <a:off x="9760680" y="2269800"/>
+            <a:ext cx="7703640" cy="1129320"/>
           </a:xfrm>
           <a:prstGeom prst="bentConnector3">
             <a:avLst>
-              <a:gd name="adj1" fmla="val 50003"/>
+              <a:gd name="adj1" fmla="val 50000"/>
             </a:avLst>
           </a:prstGeom>
           <a:ln w="38100">
@@ -9704,8 +11770,8 @@
         </p:nvSpPr>
         <p:spPr>
           <a:xfrm>
-            <a:off x="2534760" y="4120560"/>
-            <a:ext cx="6081480" cy="5255280"/>
+            <a:off x="3798720" y="4120560"/>
+            <a:ext cx="9114480" cy="5255280"/>
           </a:xfrm>
           <a:prstGeom prst="roundRect">
             <a:avLst>
@@ -9766,12 +11832,12 @@
         </p:nvCxnSpPr>
         <p:spPr>
           <a:xfrm flipH="1">
-            <a:off x="7911720" y="3399120"/>
-            <a:ext cx="6005880" cy="5730840"/>
+            <a:off x="12021840" y="3398760"/>
+            <a:ext cx="8836920" cy="5730840"/>
           </a:xfrm>
           <a:prstGeom prst="bentConnector4">
             <a:avLst>
-              <a:gd name="adj1" fmla="val -107"/>
+              <a:gd name="adj1" fmla="val -73"/>
               <a:gd name="adj2" fmla="val 100106"/>
             </a:avLst>
           </a:prstGeom>
@@ -9794,12 +11860,12 @@
         </p:nvCxnSpPr>
         <p:spPr>
           <a:xfrm flipH="1" rot="16200000">
-            <a:off x="5036760" y="1341720"/>
-            <a:ext cx="673920" cy="8566200"/>
+            <a:off x="7444440" y="-1066320"/>
+            <a:ext cx="673560" cy="13381920"/>
           </a:xfrm>
           <a:prstGeom prst="bentConnector3">
             <a:avLst>
-              <a:gd name="adj1" fmla="val 261624"/>
+              <a:gd name="adj1" fmla="val 261711"/>
             </a:avLst>
           </a:prstGeom>
           <a:ln w="38100">
@@ -9821,12 +11887,12 @@
         </p:nvCxnSpPr>
         <p:spPr>
           <a:xfrm flipV="1">
-            <a:off x="632880" y="2183040"/>
-            <a:ext cx="628920" cy="2648520"/>
+            <a:off x="632880" y="2182680"/>
+            <a:ext cx="1257840" cy="2648880"/>
           </a:xfrm>
           <a:prstGeom prst="bentConnector3">
             <a:avLst>
-              <a:gd name="adj1" fmla="val 30240"/>
+              <a:gd name="adj1" fmla="val 40108"/>
             </a:avLst>
           </a:prstGeom>
           <a:ln w="38100">
@@ -9846,8 +11912,8 @@
         </p:nvSpPr>
         <p:spPr>
           <a:xfrm>
-            <a:off x="1261440" y="1647360"/>
-            <a:ext cx="1229040" cy="1071720"/>
+            <a:off x="1890360" y="1647000"/>
+            <a:ext cx="1842120" cy="1071720"/>
           </a:xfrm>
           <a:prstGeom prst="roundRect">
             <a:avLst>
@@ -9914,8 +11980,8 @@
         </p:nvSpPr>
         <p:spPr>
           <a:xfrm>
-            <a:off x="1224720" y="3339720"/>
-            <a:ext cx="1229040" cy="1071720"/>
+            <a:off x="1835280" y="3339360"/>
+            <a:ext cx="1842120" cy="1071720"/>
           </a:xfrm>
           <a:prstGeom prst="roundRect">
             <a:avLst>
@@ -9983,8 +12049,8 @@
         </p:nvSpPr>
         <p:spPr>
           <a:xfrm>
-            <a:off x="5024160" y="1647360"/>
-            <a:ext cx="1229040" cy="1071720"/>
+            <a:off x="7529760" y="1647000"/>
+            <a:ext cx="1842120" cy="1071720"/>
           </a:xfrm>
           <a:prstGeom prst="roundRect">
             <a:avLst>
@@ -10051,8 +12117,8 @@
         </p:nvSpPr>
         <p:spPr>
           <a:xfrm>
-            <a:off x="3675600" y="7203240"/>
-            <a:ext cx="2029320" cy="1071720"/>
+            <a:off x="5508360" y="7202880"/>
+            <a:ext cx="3041640" cy="1071720"/>
           </a:xfrm>
           <a:prstGeom prst="roundRect">
             <a:avLst>
@@ -10117,8 +12183,8 @@
         </p:nvSpPr>
         <p:spPr>
           <a:xfrm>
-            <a:off x="10128600" y="7607520"/>
-            <a:ext cx="1693080" cy="1072080"/>
+            <a:off x="15179760" y="7607520"/>
+            <a:ext cx="2537640" cy="1072080"/>
           </a:xfrm>
           <a:prstGeom prst="roundRect">
             <a:avLst>
@@ -10183,8 +12249,8 @@
         </p:nvSpPr>
         <p:spPr>
           <a:xfrm>
-            <a:off x="2729520" y="4700160"/>
-            <a:ext cx="1793880" cy="2031480"/>
+            <a:off x="4090680" y="4699800"/>
+            <a:ext cx="2688840" cy="2031480"/>
           </a:xfrm>
           <a:prstGeom prst="hexagon">
             <a:avLst>
@@ -10278,8 +12344,8 @@
         </p:nvSpPr>
         <p:spPr>
           <a:xfrm>
-            <a:off x="2886840" y="1501560"/>
-            <a:ext cx="1740960" cy="1361880"/>
+            <a:off x="4326480" y="1501200"/>
+            <a:ext cx="2609280" cy="1361880"/>
           </a:xfrm>
           <a:prstGeom prst="ellipse">
             <a:avLst/>
@@ -10350,8 +12416,8 @@
         </p:blipFill>
         <p:spPr>
           <a:xfrm>
-            <a:off x="252000" y="9199800"/>
-            <a:ext cx="1308600" cy="1740240"/>
+            <a:off x="377640" y="9199440"/>
+            <a:ext cx="1961280" cy="1740240"/>
           </a:xfrm>
           <a:prstGeom prst="rect">
             <a:avLst/>
@@ -10369,8 +12435,8 @@
         </p:nvSpPr>
         <p:spPr>
           <a:xfrm>
-            <a:off x="648360" y="-184320"/>
-            <a:ext cx="4827960" cy="699840"/>
+            <a:off x="2174400" y="-183960"/>
+            <a:ext cx="4829400" cy="699120"/>
           </a:xfrm>
           <a:prstGeom prst="rect">
             <a:avLst/>
@@ -10426,8 +12492,8 @@
         </p:nvCxnSpPr>
         <p:spPr>
           <a:xfrm flipH="1" flipV="1" rot="5400000">
-            <a:off x="-1596960" y="6378480"/>
-            <a:ext cx="5324760" cy="318960"/>
+            <a:off x="-1065600" y="6298920"/>
+            <a:ext cx="5324760" cy="477360"/>
           </a:xfrm>
           <a:prstGeom prst="bentConnector2">
             <a:avLst/>
@@ -10452,8 +12518,8 @@
         </p:nvCxnSpPr>
         <p:spPr>
           <a:xfrm flipV="1">
-            <a:off x="2490480" y="2182680"/>
-            <a:ext cx="396720" cy="720"/>
+            <a:off x="3732480" y="2182320"/>
+            <a:ext cx="594360" cy="720"/>
           </a:xfrm>
           <a:prstGeom prst="straightConnector1">
             <a:avLst/>
@@ -10478,8 +12544,8 @@
         </p:nvCxnSpPr>
         <p:spPr>
           <a:xfrm>
-            <a:off x="2453760" y="3875400"/>
-            <a:ext cx="724680" cy="825120"/>
+            <a:off x="3677400" y="3875040"/>
+            <a:ext cx="921600" cy="825120"/>
           </a:xfrm>
           <a:prstGeom prst="bentConnector2">
             <a:avLst/>
@@ -10504,8 +12570,8 @@
         </p:nvCxnSpPr>
         <p:spPr>
           <a:xfrm rot="5400000">
-            <a:off x="3866040" y="2927880"/>
-            <a:ext cx="1981440" cy="1563840"/>
+            <a:off x="6370560" y="2619720"/>
+            <a:ext cx="1981440" cy="2179080"/>
           </a:xfrm>
           <a:prstGeom prst="bentConnector3">
             <a:avLst>
@@ -10532,8 +12598,8 @@
         </p:nvCxnSpPr>
         <p:spPr>
           <a:xfrm>
-            <a:off x="4523400" y="5716080"/>
-            <a:ext cx="167040" cy="1487520"/>
+            <a:off x="6779520" y="5715720"/>
+            <a:ext cx="249840" cy="1487520"/>
           </a:xfrm>
           <a:prstGeom prst="bentConnector2">
             <a:avLst/>
@@ -10558,8 +12624,8 @@
         </p:nvCxnSpPr>
         <p:spPr>
           <a:xfrm flipH="1" rot="16200000">
-            <a:off x="5481000" y="2876760"/>
-            <a:ext cx="1691640" cy="1376280"/>
+            <a:off x="8553960" y="2615400"/>
+            <a:ext cx="1691640" cy="1898280"/>
           </a:xfrm>
           <a:prstGeom prst="bentConnector3">
             <a:avLst>
@@ -10586,8 +12652,8 @@
         </p:nvCxnSpPr>
         <p:spPr>
           <a:xfrm>
-            <a:off x="4627800" y="2182680"/>
-            <a:ext cx="396720" cy="720"/>
+            <a:off x="6935760" y="2182320"/>
+            <a:ext cx="594360" cy="720"/>
           </a:xfrm>
           <a:prstGeom prst="straightConnector1">
             <a:avLst/>
@@ -10609,8 +12675,8 @@
         </p:nvSpPr>
         <p:spPr>
           <a:xfrm>
-            <a:off x="6566040" y="4410360"/>
-            <a:ext cx="1793880" cy="2031480"/>
+            <a:off x="9840600" y="4410000"/>
+            <a:ext cx="2688840" cy="2031480"/>
           </a:xfrm>
           <a:prstGeom prst="hexagon">
             <a:avLst>
@@ -10704,8 +12770,8 @@
         </p:nvSpPr>
         <p:spPr>
           <a:xfrm>
-            <a:off x="6566040" y="7098120"/>
-            <a:ext cx="1793880" cy="2031480"/>
+            <a:off x="9840600" y="7097760"/>
+            <a:ext cx="2688840" cy="2031480"/>
           </a:xfrm>
           <a:prstGeom prst="hexagon">
             <a:avLst>
@@ -10802,8 +12868,8 @@
         </p:nvCxnSpPr>
         <p:spPr>
           <a:xfrm flipH="1" flipV="1" rot="5400000">
-            <a:off x="4203360" y="5912640"/>
-            <a:ext cx="2849040" cy="1876320"/>
+            <a:off x="7010280" y="5444280"/>
+            <a:ext cx="2849040" cy="2811960"/>
           </a:xfrm>
           <a:prstGeom prst="bentConnector4">
             <a:avLst>
@@ -10831,8 +12897,8 @@
         </p:nvCxnSpPr>
         <p:spPr>
           <a:xfrm flipH="1" flipV="1" rot="5400000">
-            <a:off x="5547240" y="7256520"/>
-            <a:ext cx="161280" cy="1876320"/>
+            <a:off x="8354160" y="6788160"/>
+            <a:ext cx="161280" cy="2811960"/>
           </a:xfrm>
           <a:prstGeom prst="bentConnector4">
             <a:avLst>
@@ -10860,8 +12926,8 @@
         </p:nvCxnSpPr>
         <p:spPr>
           <a:xfrm flipV="1">
-            <a:off x="8359920" y="5425560"/>
-            <a:ext cx="527040" cy="1080"/>
+            <a:off x="12529440" y="5425200"/>
+            <a:ext cx="789480" cy="1080"/>
           </a:xfrm>
           <a:prstGeom prst="straightConnector1">
             <a:avLst/>
@@ -10886,8 +12952,8 @@
         </p:nvCxnSpPr>
         <p:spPr>
           <a:xfrm>
-            <a:off x="8359920" y="8114040"/>
-            <a:ext cx="1769040" cy="29880"/>
+            <a:off x="12529440" y="8113680"/>
+            <a:ext cx="2650680" cy="30240"/>
           </a:xfrm>
           <a:prstGeom prst="straightConnector1">
             <a:avLst/>
@@ -10912,12 +12978,12 @@
         </p:nvCxnSpPr>
         <p:spPr>
           <a:xfrm flipV="1">
-            <a:off x="1560600" y="7738920"/>
-            <a:ext cx="2115360" cy="2331360"/>
+            <a:off x="2338920" y="7738560"/>
+            <a:ext cx="3169800" cy="2331360"/>
           </a:xfrm>
           <a:prstGeom prst="bentConnector3">
             <a:avLst>
-              <a:gd name="adj1" fmla="val 49838"/>
+              <a:gd name="adj1" fmla="val 49897"/>
             </a:avLst>
           </a:prstGeom>
           <a:ln w="38100">
@@ -10940,7 +13006,7 @@
         </p:nvCxnSpPr>
         <p:spPr>
           <a:xfrm flipV="1">
-            <a:off x="12784680" y="1887840"/>
+            <a:off x="19161000" y="1887480"/>
             <a:ext cx="720" cy="501840"/>
           </a:xfrm>
           <a:prstGeom prst="straightConnector1">
@@ -10963,8 +13029,8 @@
         </p:nvSpPr>
         <p:spPr>
           <a:xfrm>
-            <a:off x="11652480" y="2389320"/>
-            <a:ext cx="2264760" cy="2019960"/>
+            <a:off x="17463960" y="2388960"/>
+            <a:ext cx="3394440" cy="2019960"/>
           </a:xfrm>
           <a:prstGeom prst="roundRect">
             <a:avLst>
@@ -11034,8 +13100,8 @@
         </p:nvCxnSpPr>
         <p:spPr>
           <a:xfrm flipV="1">
-            <a:off x="11821680" y="4409280"/>
-            <a:ext cx="963360" cy="3734640"/>
+            <a:off x="17717400" y="4408920"/>
+            <a:ext cx="1443960" cy="3735000"/>
           </a:xfrm>
           <a:prstGeom prst="bentConnector2">
             <a:avLst/>
@@ -11057,8 +13123,8 @@
         </p:nvSpPr>
         <p:spPr>
           <a:xfrm>
-            <a:off x="12015360" y="815760"/>
-            <a:ext cx="1539360" cy="1072080"/>
+            <a:off x="18007920" y="815400"/>
+            <a:ext cx="2307240" cy="1072080"/>
           </a:xfrm>
           <a:prstGeom prst="roundRect">
             <a:avLst>
@@ -11126,8 +13192,8 @@
         </p:nvCxnSpPr>
         <p:spPr>
           <a:xfrm flipV="1">
-            <a:off x="1560600" y="8679600"/>
-            <a:ext cx="9414720" cy="1390680"/>
+            <a:off x="2338920" y="8679600"/>
+            <a:ext cx="14109840" cy="1390320"/>
           </a:xfrm>
           <a:prstGeom prst="bentConnector2">
             <a:avLst/>
@@ -11149,8 +13215,8 @@
         </p:nvSpPr>
         <p:spPr>
           <a:xfrm>
-            <a:off x="1169280" y="2677320"/>
-            <a:ext cx="1440000" cy="317520"/>
+            <a:off x="2110320" y="2677320"/>
+            <a:ext cx="1441440" cy="316800"/>
           </a:xfrm>
           <a:prstGeom prst="rect">
             <a:avLst/>
@@ -11203,8 +13269,8 @@
         </p:nvSpPr>
         <p:spPr>
           <a:xfrm>
-            <a:off x="2812680" y="8735400"/>
-            <a:ext cx="1961280" cy="317520"/>
+            <a:off x="4703400" y="8735040"/>
+            <a:ext cx="1962720" cy="316800"/>
           </a:xfrm>
           <a:prstGeom prst="rect">
             <a:avLst/>
@@ -11257,8 +13323,8 @@
         </p:nvSpPr>
         <p:spPr>
           <a:xfrm>
-            <a:off x="11919240" y="3717360"/>
-            <a:ext cx="1798200" cy="317520"/>
+            <a:off x="18311400" y="3717360"/>
+            <a:ext cx="1799640" cy="316800"/>
           </a:xfrm>
           <a:prstGeom prst="rect">
             <a:avLst/>
@@ -11311,8 +13377,8 @@
         </p:nvSpPr>
         <p:spPr>
           <a:xfrm>
-            <a:off x="8886600" y="4889520"/>
-            <a:ext cx="1539360" cy="1072080"/>
+            <a:off x="13318560" y="4889160"/>
+            <a:ext cx="2307240" cy="1072080"/>
           </a:xfrm>
           <a:prstGeom prst="roundRect">
             <a:avLst>
@@ -11377,8 +13443,8 @@
         </p:nvSpPr>
         <p:spPr>
           <a:xfrm>
-            <a:off x="12115800" y="8988480"/>
-            <a:ext cx="1725120" cy="317520"/>
+            <a:off x="18587880" y="8988120"/>
+            <a:ext cx="1726560" cy="316800"/>
           </a:xfrm>
           <a:prstGeom prst="rect">
             <a:avLst/>
@@ -11461,8 +13527,8 @@
         </p:nvSpPr>
         <p:spPr>
           <a:xfrm>
-            <a:off x="4095360" y="5449320"/>
-            <a:ext cx="10126080" cy="5050080"/>
+            <a:off x="6137640" y="5448960"/>
+            <a:ext cx="15176520" cy="5050080"/>
           </a:xfrm>
           <a:prstGeom prst="roundRect">
             <a:avLst>
@@ -11522,8 +13588,8 @@
         </p:nvSpPr>
         <p:spPr>
           <a:xfrm>
-            <a:off x="4095360" y="643680"/>
-            <a:ext cx="10015920" cy="4455360"/>
+            <a:off x="6137640" y="643680"/>
+            <a:ext cx="15011280" cy="4455360"/>
           </a:xfrm>
           <a:prstGeom prst="roundRect">
             <a:avLst>
@@ -11584,8 +13650,8 @@
         </p:nvSpPr>
         <p:spPr>
           <a:xfrm>
-            <a:off x="9694080" y="958320"/>
-            <a:ext cx="1229040" cy="1071720"/>
+            <a:off x="14528880" y="957960"/>
+            <a:ext cx="1842120" cy="1071720"/>
           </a:xfrm>
           <a:prstGeom prst="roundRect">
             <a:avLst>
@@ -11652,8 +13718,8 @@
         </p:nvSpPr>
         <p:spPr>
           <a:xfrm>
-            <a:off x="7105320" y="958320"/>
-            <a:ext cx="2029320" cy="1071720"/>
+            <a:off x="10648800" y="957960"/>
+            <a:ext cx="3041640" cy="1071720"/>
           </a:xfrm>
           <a:prstGeom prst="roundRect">
             <a:avLst>
@@ -11718,8 +13784,8 @@
         </p:nvSpPr>
         <p:spPr>
           <a:xfrm>
-            <a:off x="395640" y="-184320"/>
-            <a:ext cx="3093480" cy="699840"/>
+            <a:off x="1363320" y="-183960"/>
+            <a:ext cx="3094920" cy="699120"/>
           </a:xfrm>
           <a:prstGeom prst="rect">
             <a:avLst/>
@@ -11772,8 +13838,8 @@
         </p:nvSpPr>
         <p:spPr>
           <a:xfrm>
-            <a:off x="9387720" y="2744640"/>
-            <a:ext cx="1793880" cy="2031480"/>
+            <a:off x="14069520" y="2744280"/>
+            <a:ext cx="2688840" cy="2031480"/>
           </a:xfrm>
           <a:prstGeom prst="hexagon">
             <a:avLst>
@@ -11870,8 +13936,8 @@
         </p:nvCxnSpPr>
         <p:spPr>
           <a:xfrm>
-            <a:off x="11181600" y="3760560"/>
-            <a:ext cx="808920" cy="16200"/>
+            <a:off x="16758360" y="3760200"/>
+            <a:ext cx="1212120" cy="16200"/>
           </a:xfrm>
           <a:prstGeom prst="straightConnector1">
             <a:avLst/>
@@ -11893,8 +13959,8 @@
         </p:nvSpPr>
         <p:spPr>
           <a:xfrm>
-            <a:off x="11990160" y="3240360"/>
-            <a:ext cx="1539360" cy="1072080"/>
+            <a:off x="17970120" y="3240000"/>
+            <a:ext cx="2307240" cy="1072080"/>
           </a:xfrm>
           <a:prstGeom prst="roundRect">
             <a:avLst>
@@ -11962,8 +14028,8 @@
         </p:nvCxnSpPr>
         <p:spPr>
           <a:xfrm flipH="1" rot="16200000">
-            <a:off x="10163880" y="2174760"/>
-            <a:ext cx="714960" cy="425160"/>
+            <a:off x="15492960" y="1986120"/>
+            <a:ext cx="714960" cy="801360"/>
           </a:xfrm>
           <a:prstGeom prst="bentConnector3">
             <a:avLst>
@@ -11990,13 +14056,13 @@
         </p:nvCxnSpPr>
         <p:spPr>
           <a:xfrm flipH="1" flipV="1" rot="5400000">
-            <a:off x="7368120" y="2001960"/>
-            <a:ext cx="261000" cy="3778560"/>
+            <a:off x="11107440" y="1059480"/>
+            <a:ext cx="261360" cy="5662800"/>
           </a:xfrm>
           <a:prstGeom prst="bentConnector4">
             <a:avLst>
-              <a:gd name="adj1" fmla="val -2486"/>
-              <a:gd name="adj2" fmla="val 64421"/>
+              <a:gd name="adj1" fmla="val -2620"/>
+              <a:gd name="adj2" fmla="val 64428"/>
             </a:avLst>
           </a:prstGeom>
           <a:ln w="38100">
@@ -12019,8 +14085,8 @@
         </p:nvCxnSpPr>
         <p:spPr>
           <a:xfrm flipH="1" rot="16200000">
-            <a:off x="8620920" y="1528920"/>
-            <a:ext cx="714960" cy="1716840"/>
+            <a:off x="13016160" y="1182600"/>
+            <a:ext cx="714960" cy="2408400"/>
           </a:xfrm>
           <a:prstGeom prst="bentConnector3">
             <a:avLst>
@@ -12047,13 +14113,13 @@
         </p:nvCxnSpPr>
         <p:spPr>
           <a:xfrm flipH="1" rot="16200000">
-            <a:off x="7427880" y="7450560"/>
-            <a:ext cx="5760" cy="3744720"/>
+            <a:off x="11133720" y="6516720"/>
+            <a:ext cx="5760" cy="5612040"/>
           </a:xfrm>
           <a:prstGeom prst="bentConnector4">
             <a:avLst>
               <a:gd name="adj1" fmla="val 120000"/>
-              <a:gd name="adj2" fmla="val 65224"/>
+              <a:gd name="adj2" fmla="val 65236"/>
             </a:avLst>
           </a:prstGeom>
           <a:ln w="38100">
@@ -12073,8 +14139,8 @@
         </p:nvSpPr>
         <p:spPr>
           <a:xfrm>
-            <a:off x="11172960" y="6865560"/>
-            <a:ext cx="1229040" cy="1071720"/>
+            <a:off x="16745400" y="6865200"/>
+            <a:ext cx="1842120" cy="1071720"/>
           </a:xfrm>
           <a:prstGeom prst="roundRect">
             <a:avLst>
@@ -12141,8 +14207,8 @@
         </p:nvSpPr>
         <p:spPr>
           <a:xfrm>
-            <a:off x="8474760" y="5645880"/>
-            <a:ext cx="2029320" cy="1071720"/>
+            <a:off x="12701160" y="5645520"/>
+            <a:ext cx="3041640" cy="1071720"/>
           </a:xfrm>
           <a:prstGeom prst="roundRect">
             <a:avLst>
@@ -12207,8 +14273,8 @@
         </p:nvSpPr>
         <p:spPr>
           <a:xfrm>
-            <a:off x="9302760" y="8309880"/>
-            <a:ext cx="1793880" cy="2031480"/>
+            <a:off x="13942080" y="8309520"/>
+            <a:ext cx="2688840" cy="2031480"/>
           </a:xfrm>
           <a:prstGeom prst="hexagon">
             <a:avLst>
@@ -12305,8 +14371,8 @@
         </p:nvCxnSpPr>
         <p:spPr>
           <a:xfrm>
-            <a:off x="11096640" y="9325800"/>
-            <a:ext cx="818640" cy="360"/>
+            <a:off x="16630920" y="9325440"/>
+            <a:ext cx="1226880" cy="360"/>
           </a:xfrm>
           <a:prstGeom prst="straightConnector1">
             <a:avLst/>
@@ -12328,8 +14394,8 @@
         </p:nvSpPr>
         <p:spPr>
           <a:xfrm>
-            <a:off x="11914920" y="8789760"/>
-            <a:ext cx="1539360" cy="1072080"/>
+            <a:off x="17857440" y="8789400"/>
+            <a:ext cx="2307240" cy="1072080"/>
           </a:xfrm>
           <a:prstGeom prst="roundRect">
             <a:avLst>
@@ -12420,8 +14486,8 @@
         </p:nvCxnSpPr>
         <p:spPr>
           <a:xfrm flipV="1" rot="10800000">
-            <a:off x="10648080" y="7401240"/>
-            <a:ext cx="524880" cy="909000"/>
+            <a:off x="16123320" y="7400880"/>
+            <a:ext cx="622440" cy="909000"/>
           </a:xfrm>
           <a:prstGeom prst="bentConnector2">
             <a:avLst/>
@@ -12446,8 +14512,8 @@
         </p:nvCxnSpPr>
         <p:spPr>
           <a:xfrm flipH="1" rot="16200000">
-            <a:off x="8824320" y="7382520"/>
-            <a:ext cx="1592640" cy="262440"/>
+            <a:off x="13539960" y="7399080"/>
+            <a:ext cx="1592640" cy="228600"/>
           </a:xfrm>
           <a:prstGeom prst="bentConnector3">
             <a:avLst>
@@ -12474,8 +14540,8 @@
         </p:nvCxnSpPr>
         <p:spPr>
           <a:xfrm rot="5400000">
-            <a:off x="11036520" y="5677920"/>
-            <a:ext cx="3089160" cy="358200"/>
+            <a:off x="17310960" y="5588640"/>
+            <a:ext cx="3089160" cy="536400"/>
           </a:xfrm>
           <a:prstGeom prst="bentConnector2">
             <a:avLst/>
@@ -12497,8 +14563,8 @@
         </p:nvSpPr>
         <p:spPr>
           <a:xfrm>
-            <a:off x="7666200" y="6977160"/>
-            <a:ext cx="1227240" cy="1071720"/>
+            <a:off x="11489400" y="6976800"/>
+            <a:ext cx="1839600" cy="1071720"/>
           </a:xfrm>
           <a:prstGeom prst="roundRect">
             <a:avLst>
@@ -12566,8 +14632,8 @@
         </p:nvCxnSpPr>
         <p:spPr>
           <a:xfrm>
-            <a:off x="8893440" y="7512840"/>
-            <a:ext cx="858240" cy="797400"/>
+            <a:off x="13329000" y="7512480"/>
+            <a:ext cx="1121400" cy="797400"/>
           </a:xfrm>
           <a:prstGeom prst="bentConnector2">
             <a:avLst/>
@@ -12592,8 +14658,8 @@
         </p:nvCxnSpPr>
         <p:spPr>
           <a:xfrm rot="5400000">
-            <a:off x="9915840" y="5364360"/>
-            <a:ext cx="1405800" cy="229680"/>
+            <a:off x="15293880" y="5224680"/>
+            <a:ext cx="1405800" cy="508320"/>
           </a:xfrm>
           <a:prstGeom prst="bentConnector2">
             <a:avLst/>
@@ -12619,8 +14685,8 @@
         </p:blipFill>
         <p:spPr>
           <a:xfrm>
-            <a:off x="532440" y="3808440"/>
-            <a:ext cx="1308600" cy="1740240"/>
+            <a:off x="797760" y="3808080"/>
+            <a:ext cx="1961280" cy="1740240"/>
           </a:xfrm>
           <a:prstGeom prst="rect">
             <a:avLst/>
@@ -12641,12 +14707,12 @@
         </p:nvCxnSpPr>
         <p:spPr>
           <a:xfrm flipV="1">
-            <a:off x="1841040" y="2871360"/>
-            <a:ext cx="2254680" cy="1807560"/>
+            <a:off x="2759040" y="2871360"/>
+            <a:ext cx="3378960" cy="1807200"/>
           </a:xfrm>
           <a:prstGeom prst="bentConnector3">
             <a:avLst>
-              <a:gd name="adj1" fmla="val 49568"/>
+              <a:gd name="adj1" fmla="val 49717"/>
             </a:avLst>
           </a:prstGeom>
           <a:ln w="38100">
@@ -12669,12 +14735,12 @@
         </p:nvCxnSpPr>
         <p:spPr>
           <a:xfrm>
-            <a:off x="1841040" y="4678560"/>
-            <a:ext cx="5825520" cy="2834640"/>
+            <a:off x="2759040" y="4678200"/>
+            <a:ext cx="8730720" cy="2834640"/>
           </a:xfrm>
           <a:prstGeom prst="bentConnector3">
             <a:avLst>
-              <a:gd name="adj1" fmla="val 49941"/>
+              <a:gd name="adj1" fmla="val 49964"/>
             </a:avLst>
           </a:prstGeom>
           <a:ln w="38100">
@@ -12694,8 +14760,8 @@
         </p:nvSpPr>
         <p:spPr>
           <a:xfrm>
-            <a:off x="4519080" y="992520"/>
-            <a:ext cx="2181240" cy="3028680"/>
+            <a:off x="6772680" y="992160"/>
+            <a:ext cx="3269160" cy="3029040"/>
           </a:xfrm>
           <a:prstGeom prst="verticalScroll">
             <a:avLst>
@@ -12788,8 +14854,8 @@
         </p:nvSpPr>
         <p:spPr>
           <a:xfrm>
-            <a:off x="4417200" y="6183000"/>
-            <a:ext cx="2282400" cy="3137400"/>
+            <a:off x="6620040" y="6182640"/>
+            <a:ext cx="3420720" cy="3137400"/>
           </a:xfrm>
           <a:prstGeom prst="verticalScroll">
             <a:avLst>
@@ -12912,8 +14978,8 @@
         </p:nvSpPr>
         <p:spPr>
           <a:xfrm>
-            <a:off x="1748160" y="6117120"/>
-            <a:ext cx="11129760" cy="4201560"/>
+            <a:off x="2620080" y="6117120"/>
+            <a:ext cx="16680600" cy="4201560"/>
           </a:xfrm>
           <a:prstGeom prst="roundRect">
             <a:avLst>
@@ -12974,8 +15040,8 @@
         </p:nvSpPr>
         <p:spPr>
           <a:xfrm>
-            <a:off x="2024280" y="7260840"/>
-            <a:ext cx="1810800" cy="1986480"/>
+            <a:off x="3033720" y="7260480"/>
+            <a:ext cx="2714040" cy="1986840"/>
           </a:xfrm>
           <a:prstGeom prst="ellipse">
             <a:avLst/>
@@ -13084,8 +15150,8 @@
         </p:nvSpPr>
         <p:spPr>
           <a:xfrm>
-            <a:off x="4254120" y="7900920"/>
-            <a:ext cx="1539360" cy="735120"/>
+            <a:off x="6375600" y="7900560"/>
+            <a:ext cx="2307240" cy="735120"/>
           </a:xfrm>
           <a:prstGeom prst="roundRect">
             <a:avLst>
@@ -13150,8 +15216,8 @@
         </p:nvSpPr>
         <p:spPr>
           <a:xfrm>
-            <a:off x="6319800" y="7165800"/>
-            <a:ext cx="2103840" cy="2225160"/>
+            <a:off x="9471600" y="7165440"/>
+            <a:ext cx="3153240" cy="2225160"/>
           </a:xfrm>
           <a:prstGeom prst="hexagon">
             <a:avLst>
@@ -13222,8 +15288,8 @@
         </p:nvSpPr>
         <p:spPr>
           <a:xfrm>
-            <a:off x="8842320" y="7914600"/>
-            <a:ext cx="1539360" cy="735120"/>
+            <a:off x="13252320" y="7914240"/>
+            <a:ext cx="2307240" cy="735120"/>
           </a:xfrm>
           <a:prstGeom prst="roundRect">
             <a:avLst>
@@ -13288,8 +15354,8 @@
         </p:nvSpPr>
         <p:spPr>
           <a:xfrm>
-            <a:off x="12281760" y="4898520"/>
-            <a:ext cx="1815480" cy="816840"/>
+            <a:off x="18407160" y="4898160"/>
+            <a:ext cx="2721240" cy="816840"/>
           </a:xfrm>
           <a:prstGeom prst="roundRect">
             <a:avLst>
@@ -13354,8 +15420,8 @@
         </p:nvSpPr>
         <p:spPr>
           <a:xfrm rot="5400000">
-            <a:off x="10301400" y="7449120"/>
-            <a:ext cx="2798280" cy="1662840"/>
+            <a:off x="16136640" y="7034040"/>
+            <a:ext cx="2798280" cy="2492280"/>
           </a:xfrm>
           <a:prstGeom prst="trapezoid">
             <a:avLst>
@@ -13425,8 +15491,8 @@
         </p:nvCxnSpPr>
         <p:spPr>
           <a:xfrm flipV="1">
-            <a:off x="12531960" y="5715360"/>
-            <a:ext cx="657720" cy="2565720"/>
+            <a:off x="18781920" y="5715000"/>
+            <a:ext cx="986040" cy="2565720"/>
           </a:xfrm>
           <a:prstGeom prst="bentConnector2">
             <a:avLst/>
@@ -13448,8 +15514,8 @@
         </p:nvSpPr>
         <p:spPr>
           <a:xfrm>
-            <a:off x="3566520" y="2040120"/>
-            <a:ext cx="1810440" cy="2518200"/>
+            <a:off x="5344920" y="2040120"/>
+            <a:ext cx="2713680" cy="2518200"/>
           </a:xfrm>
           <a:prstGeom prst="verticalScroll">
             <a:avLst>
@@ -13545,8 +15611,8 @@
         </p:nvCxnSpPr>
         <p:spPr>
           <a:xfrm>
-            <a:off x="3835080" y="8254080"/>
-            <a:ext cx="419400" cy="14760"/>
+            <a:off x="5747760" y="8254080"/>
+            <a:ext cx="628200" cy="14400"/>
           </a:xfrm>
           <a:prstGeom prst="straightConnector1">
             <a:avLst/>
@@ -13571,8 +15637,8 @@
         </p:nvCxnSpPr>
         <p:spPr>
           <a:xfrm>
-            <a:off x="5793480" y="8268480"/>
-            <a:ext cx="526680" cy="10440"/>
+            <a:off x="8682840" y="8268120"/>
+            <a:ext cx="789120" cy="10440"/>
           </a:xfrm>
           <a:prstGeom prst="straightConnector1">
             <a:avLst/>
@@ -13597,8 +15663,8 @@
         </p:nvCxnSpPr>
         <p:spPr>
           <a:xfrm>
-            <a:off x="8423640" y="8278560"/>
-            <a:ext cx="419040" cy="3960"/>
+            <a:off x="12624840" y="8278200"/>
+            <a:ext cx="627840" cy="3960"/>
           </a:xfrm>
           <a:prstGeom prst="straightConnector1">
             <a:avLst/>
@@ -13623,8 +15689,8 @@
         </p:nvCxnSpPr>
         <p:spPr>
           <a:xfrm flipV="1">
-            <a:off x="10381680" y="8280720"/>
-            <a:ext cx="488160" cy="1800"/>
+            <a:off x="15559560" y="8280360"/>
+            <a:ext cx="730800" cy="1800"/>
           </a:xfrm>
           <a:prstGeom prst="straightConnector1">
             <a:avLst/>
@@ -13646,8 +15712,8 @@
         </p:nvSpPr>
         <p:spPr>
           <a:xfrm>
-            <a:off x="410400" y="-184320"/>
-            <a:ext cx="3178800" cy="699840"/>
+            <a:off x="1406880" y="-183960"/>
+            <a:ext cx="3180240" cy="699120"/>
           </a:xfrm>
           <a:prstGeom prst="rect">
             <a:avLst/>
@@ -13703,12 +15769,12 @@
         </p:nvCxnSpPr>
         <p:spPr>
           <a:xfrm rot="5400000">
-            <a:off x="2349000" y="5138640"/>
-            <a:ext cx="2702880" cy="1542240"/>
+            <a:off x="4195080" y="4754160"/>
+            <a:ext cx="2702520" cy="2311200"/>
           </a:xfrm>
           <a:prstGeom prst="bentConnector3">
             <a:avLst>
-              <a:gd name="adj1" fmla="val 50006"/>
+              <a:gd name="adj1" fmla="val 50000"/>
             </a:avLst>
           </a:prstGeom>
           <a:ln w="38100">
@@ -13728,8 +15794,8 @@
         </p:nvSpPr>
         <p:spPr>
           <a:xfrm>
-            <a:off x="740520" y="2040120"/>
-            <a:ext cx="1523160" cy="2517840"/>
+            <a:off x="1109520" y="2039760"/>
+            <a:ext cx="2283120" cy="2518200"/>
           </a:xfrm>
           <a:prstGeom prst="can">
             <a:avLst>
@@ -13822,8 +15888,8 @@
         </p:nvCxnSpPr>
         <p:spPr>
           <a:xfrm>
-            <a:off x="740520" y="3299040"/>
-            <a:ext cx="2826360" cy="360"/>
+            <a:off x="1109520" y="3298680"/>
+            <a:ext cx="4235760" cy="720"/>
           </a:xfrm>
           <a:prstGeom prst="straightConnector1">
             <a:avLst/>
@@ -13849,8 +15915,8 @@
         </p:blipFill>
         <p:spPr>
           <a:xfrm>
-            <a:off x="8687880" y="1463040"/>
-            <a:ext cx="3389040" cy="3380040"/>
+            <a:off x="13020840" y="1462680"/>
+            <a:ext cx="5079240" cy="3380040"/>
           </a:xfrm>
           <a:prstGeom prst="rect">
             <a:avLst/>
@@ -13871,8 +15937,8 @@
         </p:nvCxnSpPr>
         <p:spPr>
           <a:xfrm flipV="1" rot="16200000">
-            <a:off x="11760480" y="3469320"/>
-            <a:ext cx="1746000" cy="1112760"/>
+            <a:off x="18061200" y="3191400"/>
+            <a:ext cx="1746000" cy="1667880"/>
           </a:xfrm>
           <a:prstGeom prst="bentConnector2">
             <a:avLst/>
@@ -13924,8 +15990,8 @@
         </p:nvSpPr>
         <p:spPr>
           <a:xfrm>
-            <a:off x="2846520" y="1581840"/>
-            <a:ext cx="8447760" cy="8794440"/>
+            <a:off x="4266000" y="1581480"/>
+            <a:ext cx="12661200" cy="8794440"/>
           </a:xfrm>
           <a:prstGeom prst="roundRect">
             <a:avLst>
@@ -13995,8 +16061,8 @@
         </p:nvSpPr>
         <p:spPr>
           <a:xfrm>
-            <a:off x="3629520" y="7871040"/>
-            <a:ext cx="1810800" cy="1986480"/>
+            <a:off x="5439600" y="7870680"/>
+            <a:ext cx="2714040" cy="1986840"/>
           </a:xfrm>
           <a:prstGeom prst="ellipse">
             <a:avLst/>
@@ -14105,8 +16171,8 @@
         </p:nvSpPr>
         <p:spPr>
           <a:xfrm>
-            <a:off x="6393960" y="7438680"/>
-            <a:ext cx="1539360" cy="735120"/>
+            <a:off x="9582840" y="7438320"/>
+            <a:ext cx="2307240" cy="735120"/>
           </a:xfrm>
           <a:prstGeom prst="roundRect">
             <a:avLst>
@@ -14171,8 +16237,8 @@
         </p:nvSpPr>
         <p:spPr>
           <a:xfrm>
-            <a:off x="6393960" y="9392400"/>
-            <a:ext cx="1539360" cy="735120"/>
+            <a:off x="9582840" y="9392040"/>
+            <a:ext cx="2307240" cy="735120"/>
           </a:xfrm>
           <a:prstGeom prst="roundRect">
             <a:avLst>
@@ -14237,8 +16303,8 @@
         </p:nvSpPr>
         <p:spPr>
           <a:xfrm>
-            <a:off x="6393960" y="8415000"/>
-            <a:ext cx="1539360" cy="735120"/>
+            <a:off x="9582840" y="8414640"/>
+            <a:ext cx="2307240" cy="735120"/>
           </a:xfrm>
           <a:prstGeom prst="roundRect">
             <a:avLst>
@@ -14306,12 +16372,12 @@
         </p:nvCxnSpPr>
         <p:spPr>
           <a:xfrm flipV="1">
-            <a:off x="5440320" y="7806240"/>
-            <a:ext cx="954000" cy="1058400"/>
+            <a:off x="8153640" y="7805880"/>
+            <a:ext cx="1429560" cy="1058760"/>
           </a:xfrm>
           <a:prstGeom prst="bentConnector3">
             <a:avLst>
-              <a:gd name="adj1" fmla="val 49339"/>
+              <a:gd name="adj1" fmla="val 49546"/>
             </a:avLst>
           </a:prstGeom>
           <a:ln w="38100">
@@ -14334,12 +16400,12 @@
         </p:nvCxnSpPr>
         <p:spPr>
           <a:xfrm flipV="1">
-            <a:off x="5440320" y="8782560"/>
-            <a:ext cx="954000" cy="82080"/>
+            <a:off x="8153640" y="8782200"/>
+            <a:ext cx="1429560" cy="82440"/>
           </a:xfrm>
           <a:prstGeom prst="bentConnector3">
             <a:avLst>
-              <a:gd name="adj1" fmla="val 49339"/>
+              <a:gd name="adj1" fmla="val 49546"/>
             </a:avLst>
           </a:prstGeom>
           <a:ln w="38100">
@@ -14362,12 +16428,12 @@
         </p:nvCxnSpPr>
         <p:spPr>
           <a:xfrm>
-            <a:off x="5440320" y="8864280"/>
-            <a:ext cx="954000" cy="896040"/>
+            <a:off x="8153640" y="8864280"/>
+            <a:ext cx="1429560" cy="895680"/>
           </a:xfrm>
           <a:prstGeom prst="bentConnector3">
             <a:avLst>
-              <a:gd name="adj1" fmla="val 49339"/>
+              <a:gd name="adj1" fmla="val 49546"/>
             </a:avLst>
           </a:prstGeom>
           <a:ln w="38100">
@@ -14387,8 +16453,8 @@
         </p:nvSpPr>
         <p:spPr>
           <a:xfrm>
-            <a:off x="1249560" y="-184320"/>
-            <a:ext cx="9438120" cy="699840"/>
+            <a:off x="4225320" y="-183960"/>
+            <a:ext cx="9439560" cy="699120"/>
           </a:xfrm>
           <a:prstGeom prst="rect">
             <a:avLst/>
@@ -14441,8 +16507,8 @@
         </p:nvSpPr>
         <p:spPr>
           <a:xfrm>
-            <a:off x="6291000" y="2030760"/>
-            <a:ext cx="2186280" cy="860400"/>
+            <a:off x="9428400" y="2030400"/>
+            <a:ext cx="3276720" cy="860400"/>
           </a:xfrm>
           <a:prstGeom prst="roundRect">
             <a:avLst>
@@ -14516,8 +16582,8 @@
         </p:blipFill>
         <p:spPr>
           <a:xfrm>
-            <a:off x="1280520" y="1620000"/>
-            <a:ext cx="1308600" cy="1740240"/>
+            <a:off x="1919160" y="1620000"/>
+            <a:ext cx="1961280" cy="1740240"/>
           </a:xfrm>
           <a:prstGeom prst="rect">
             <a:avLst/>
@@ -14535,8 +16601,8 @@
         </p:nvSpPr>
         <p:spPr>
           <a:xfrm>
-            <a:off x="3735360" y="2161440"/>
-            <a:ext cx="1539360" cy="633600"/>
+            <a:off x="5598360" y="2161080"/>
+            <a:ext cx="2307240" cy="633600"/>
           </a:xfrm>
           <a:prstGeom prst="roundRect">
             <a:avLst>
@@ -14604,8 +16670,8 @@
         </p:nvCxnSpPr>
         <p:spPr>
           <a:xfrm flipV="1">
-            <a:off x="5274720" y="2460960"/>
-            <a:ext cx="1016640" cy="17640"/>
+            <a:off x="7905600" y="2460600"/>
+            <a:ext cx="1523160" cy="17640"/>
           </a:xfrm>
           <a:prstGeom prst="straightConnector1">
             <a:avLst/>
@@ -14627,8 +16693,8 @@
         </p:nvSpPr>
         <p:spPr>
           <a:xfrm>
-            <a:off x="9375480" y="2086920"/>
-            <a:ext cx="1662120" cy="747360"/>
+            <a:off x="14051160" y="2086560"/>
+            <a:ext cx="2491200" cy="747360"/>
           </a:xfrm>
           <a:prstGeom prst="roundRect">
             <a:avLst>
@@ -14696,8 +16762,8 @@
         </p:nvCxnSpPr>
         <p:spPr>
           <a:xfrm flipV="1">
-            <a:off x="8477280" y="2460600"/>
-            <a:ext cx="898560" cy="720"/>
+            <a:off x="12705120" y="2460240"/>
+            <a:ext cx="1346400" cy="720"/>
           </a:xfrm>
           <a:prstGeom prst="straightConnector1">
             <a:avLst/>
@@ -14723,8 +16789,8 @@
         </p:blipFill>
         <p:spPr>
           <a:xfrm>
-            <a:off x="8121240" y="3888000"/>
-            <a:ext cx="2723040" cy="2715840"/>
+            <a:off x="12171600" y="3888000"/>
+            <a:ext cx="4081320" cy="2715840"/>
           </a:xfrm>
           <a:prstGeom prst="rect">
             <a:avLst/>
@@ -14745,12 +16811,12 @@
         </p:nvCxnSpPr>
         <p:spPr>
           <a:xfrm rot="5400000">
-            <a:off x="9317520" y="2999160"/>
-            <a:ext cx="1054080" cy="723960"/>
+            <a:off x="14227200" y="2818800"/>
+            <a:ext cx="1054440" cy="1085040"/>
           </a:xfrm>
           <a:prstGeom prst="bentConnector3">
             <a:avLst>
-              <a:gd name="adj1" fmla="val 50939"/>
+              <a:gd name="adj1" fmla="val 50922"/>
             </a:avLst>
           </a:prstGeom>
           <a:ln w="38100">
@@ -14773,12 +16839,12 @@
         </p:nvCxnSpPr>
         <p:spPr>
           <a:xfrm flipV="1" rot="10800000">
-            <a:off x="3629160" y="5245560"/>
-            <a:ext cx="4492080" cy="3618720"/>
+            <a:off x="5439600" y="5245560"/>
+            <a:ext cx="6732360" cy="3618720"/>
           </a:xfrm>
           <a:prstGeom prst="bentConnector3">
             <a:avLst>
-              <a:gd name="adj1" fmla="val 100144"/>
+              <a:gd name="adj1" fmla="val 100101"/>
             </a:avLst>
           </a:prstGeom>
           <a:ln w="38100">
@@ -14798,8 +16864,8 @@
         </p:nvSpPr>
         <p:spPr>
           <a:xfrm>
-            <a:off x="9158400" y="7767720"/>
-            <a:ext cx="1793880" cy="2031480"/>
+            <a:off x="13725720" y="7767360"/>
+            <a:ext cx="2688840" cy="2031480"/>
           </a:xfrm>
           <a:prstGeom prst="hexagon">
             <a:avLst>
@@ -14896,12 +16962,12 @@
         </p:nvCxnSpPr>
         <p:spPr>
           <a:xfrm>
-            <a:off x="7933320" y="7806240"/>
-            <a:ext cx="1225440" cy="977760"/>
+            <a:off x="11890080" y="7805880"/>
+            <a:ext cx="1836000" cy="977760"/>
           </a:xfrm>
           <a:prstGeom prst="bentConnector3">
             <a:avLst>
-              <a:gd name="adj1" fmla="val 50484"/>
+              <a:gd name="adj1" fmla="val 50323"/>
             </a:avLst>
           </a:prstGeom>
           <a:ln w="38100">
@@ -14924,12 +16990,12 @@
         </p:nvCxnSpPr>
         <p:spPr>
           <a:xfrm>
-            <a:off x="7933320" y="8782560"/>
-            <a:ext cx="1225440" cy="1440"/>
+            <a:off x="11890080" y="8782200"/>
+            <a:ext cx="1836000" cy="1440"/>
           </a:xfrm>
           <a:prstGeom prst="bentConnector3">
             <a:avLst>
-              <a:gd name="adj1" fmla="val 50484"/>
+              <a:gd name="adj1" fmla="val 50323"/>
             </a:avLst>
           </a:prstGeom>
           <a:ln w="38100">
@@ -14952,12 +17018,12 @@
         </p:nvCxnSpPr>
         <p:spPr>
           <a:xfrm flipV="1">
-            <a:off x="7933320" y="8783640"/>
-            <a:ext cx="1225440" cy="976680"/>
+            <a:off x="11890080" y="8783280"/>
+            <a:ext cx="1836000" cy="976680"/>
           </a:xfrm>
           <a:prstGeom prst="bentConnector3">
             <a:avLst>
-              <a:gd name="adj1" fmla="val 50484"/>
+              <a:gd name="adj1" fmla="val 50323"/>
             </a:avLst>
           </a:prstGeom>
           <a:ln w="38100">
@@ -14977,8 +17043,8 @@
         </p:nvSpPr>
         <p:spPr>
           <a:xfrm>
-            <a:off x="11743200" y="8222400"/>
-            <a:ext cx="1539360" cy="1167480"/>
+            <a:off x="17600040" y="8222400"/>
+            <a:ext cx="2307240" cy="1167480"/>
           </a:xfrm>
           <a:prstGeom prst="roundRect">
             <a:avLst>
@@ -15069,8 +17135,8 @@
         </p:nvCxnSpPr>
         <p:spPr>
           <a:xfrm>
-            <a:off x="10952280" y="8783640"/>
-            <a:ext cx="791280" cy="22680"/>
+            <a:off x="16414560" y="8783280"/>
+            <a:ext cx="1185840" cy="23040"/>
           </a:xfrm>
           <a:prstGeom prst="straightConnector1">
             <a:avLst/>
@@ -15095,8 +17161,8 @@
         </p:nvCxnSpPr>
         <p:spPr>
           <a:xfrm flipV="1">
-            <a:off x="2589120" y="2478240"/>
-            <a:ext cx="1146600" cy="12240"/>
+            <a:off x="3880440" y="2477880"/>
+            <a:ext cx="1718280" cy="12600"/>
           </a:xfrm>
           <a:prstGeom prst="straightConnector1">
             <a:avLst/>
@@ -15152,8 +17218,8 @@
         </p:blipFill>
         <p:spPr>
           <a:xfrm>
-            <a:off x="667440" y="1494720"/>
-            <a:ext cx="13098600" cy="8891280"/>
+            <a:off x="1000080" y="1494720"/>
+            <a:ext cx="19631520" cy="8891280"/>
           </a:xfrm>
           <a:prstGeom prst="rect">
             <a:avLst/>
@@ -15171,8 +17237,8 @@
         </p:nvSpPr>
         <p:spPr>
           <a:xfrm>
-            <a:off x="522720" y="-184320"/>
-            <a:ext cx="4087080" cy="699840"/>
+            <a:off x="1801440" y="-183960"/>
+            <a:ext cx="4088520" cy="699120"/>
           </a:xfrm>
           <a:prstGeom prst="rect">
             <a:avLst/>
@@ -15255,8 +17321,8 @@
         </p:nvSpPr>
         <p:spPr>
           <a:xfrm>
-            <a:off x="699120" y="-184320"/>
-            <a:ext cx="5420520" cy="699840"/>
+            <a:off x="2398680" y="-183960"/>
+            <a:ext cx="5421960" cy="699120"/>
           </a:xfrm>
           <a:prstGeom prst="rect">
             <a:avLst/>
@@ -15309,8 +17375,8 @@
         </p:nvSpPr>
         <p:spPr>
           <a:xfrm>
-            <a:off x="262440" y="1427760"/>
-            <a:ext cx="14172120" cy="5233320"/>
+            <a:off x="393120" y="1427760"/>
+            <a:ext cx="21240720" cy="4746600"/>
           </a:xfrm>
           <a:prstGeom prst="rect">
             <a:avLst/>
@@ -15636,8 +17702,8 @@
         </p:nvSpPr>
         <p:spPr>
           <a:xfrm>
-            <a:off x="699120" y="-184320"/>
-            <a:ext cx="5420520" cy="699840"/>
+            <a:off x="2398680" y="-183960"/>
+            <a:ext cx="5421960" cy="699120"/>
           </a:xfrm>
           <a:prstGeom prst="rect">
             <a:avLst/>
@@ -15690,8 +17756,8 @@
         </p:nvSpPr>
         <p:spPr>
           <a:xfrm>
-            <a:off x="262440" y="1162440"/>
-            <a:ext cx="14172120" cy="5687640"/>
+            <a:off x="393120" y="1162440"/>
+            <a:ext cx="21240720" cy="4714200"/>
           </a:xfrm>
           <a:prstGeom prst="rect">
             <a:avLst/>
@@ -15968,8 +18034,8 @@
         </p:nvSpPr>
         <p:spPr>
           <a:xfrm>
-            <a:off x="5039280" y="5326560"/>
-            <a:ext cx="5818680" cy="4874040"/>
+            <a:off x="7552440" y="5326200"/>
+            <a:ext cx="8720640" cy="4874040"/>
           </a:xfrm>
           <a:prstGeom prst="roundRect">
             <a:avLst>
@@ -16039,8 +18105,8 @@
         </p:nvSpPr>
         <p:spPr>
           <a:xfrm>
-            <a:off x="3182400" y="4357440"/>
-            <a:ext cx="1856160" cy="863280"/>
+            <a:off x="4769280" y="4357080"/>
+            <a:ext cx="2782080" cy="863280"/>
           </a:xfrm>
           <a:prstGeom prst="roundRect">
             <a:avLst>
@@ -16110,12 +18176,12 @@
         </p:nvCxnSpPr>
         <p:spPr>
           <a:xfrm flipV="1">
-            <a:off x="5038560" y="2307960"/>
-            <a:ext cx="3222360" cy="2481480"/>
+            <a:off x="7551360" y="2307600"/>
+            <a:ext cx="4829400" cy="2481480"/>
           </a:xfrm>
           <a:prstGeom prst="bentConnector3">
             <a:avLst>
-              <a:gd name="adj1" fmla="val 84826"/>
+              <a:gd name="adj1" fmla="val 73236"/>
             </a:avLst>
           </a:prstGeom>
           <a:ln w="38100">
@@ -16135,8 +18201,8 @@
         </p:nvSpPr>
         <p:spPr>
           <a:xfrm>
-            <a:off x="5275440" y="5595120"/>
-            <a:ext cx="1940760" cy="1071720"/>
+            <a:off x="7906320" y="5595120"/>
+            <a:ext cx="2908800" cy="1071720"/>
           </a:xfrm>
           <a:prstGeom prst="roundRect">
             <a:avLst>
@@ -16206,11 +18272,11 @@
         <p:spPr>
           <a:xfrm>
             <a:off x="2039400" y="3976200"/>
-            <a:ext cx="1143360" cy="813240"/>
+            <a:ext cx="2730240" cy="812880"/>
           </a:xfrm>
           <a:prstGeom prst="bentConnector3">
             <a:avLst>
-              <a:gd name="adj1" fmla="val 41984"/>
+              <a:gd name="adj1" fmla="val 46643"/>
             </a:avLst>
           </a:prstGeom>
           <a:ln w="38100">
@@ -16234,8 +18300,8 @@
         </p:nvSpPr>
         <p:spPr>
           <a:xfrm>
-            <a:off x="991800" y="574560"/>
-            <a:ext cx="12449520" cy="2086200"/>
+            <a:off x="1486440" y="574560"/>
+            <a:ext cx="18658800" cy="2086200"/>
           </a:xfrm>
           <a:prstGeom prst="rect">
             <a:avLst/>
@@ -16270,8 +18336,8 @@
         </p:nvSpPr>
         <p:spPr>
           <a:xfrm>
-            <a:off x="3330720" y="5595120"/>
-            <a:ext cx="1229040" cy="1071720"/>
+            <a:off x="4991760" y="5594760"/>
+            <a:ext cx="1842120" cy="1071720"/>
           </a:xfrm>
           <a:prstGeom prst="roundRect">
             <a:avLst>
@@ -16339,8 +18405,8 @@
         </p:nvSpPr>
         <p:spPr>
           <a:xfrm>
-            <a:off x="8163000" y="3659760"/>
-            <a:ext cx="1693080" cy="1072080"/>
+            <a:off x="12233880" y="3659400"/>
+            <a:ext cx="2537640" cy="1072080"/>
           </a:xfrm>
           <a:prstGeom prst="roundRect">
             <a:avLst>
@@ -16409,8 +18475,8 @@
         </p:blipFill>
         <p:spPr>
           <a:xfrm>
-            <a:off x="2265840" y="7571160"/>
-            <a:ext cx="1308600" cy="1740240"/>
+            <a:off x="3395880" y="7570800"/>
+            <a:ext cx="1961280" cy="1740240"/>
           </a:xfrm>
           <a:prstGeom prst="rect">
             <a:avLst/>
@@ -16428,8 +18494,8 @@
         </p:nvSpPr>
         <p:spPr>
           <a:xfrm>
-            <a:off x="408960" y="-184320"/>
-            <a:ext cx="2705040" cy="699840"/>
+            <a:off x="1286640" y="-183960"/>
+            <a:ext cx="2706480" cy="699120"/>
           </a:xfrm>
           <a:prstGeom prst="rect">
             <a:avLst/>
@@ -16485,8 +18551,8 @@
         </p:nvCxnSpPr>
         <p:spPr>
           <a:xfrm flipH="1" flipV="1" rot="5400000">
-            <a:off x="2404800" y="6645600"/>
-            <a:ext cx="1440720" cy="411120"/>
+            <a:off x="3963600" y="6543000"/>
+            <a:ext cx="1440720" cy="615600"/>
           </a:xfrm>
           <a:prstGeom prst="bentConnector2">
             <a:avLst/>
@@ -16511,8 +18577,8 @@
         </p:nvCxnSpPr>
         <p:spPr>
           <a:xfrm>
-            <a:off x="5038560" y="4789080"/>
-            <a:ext cx="1207440" cy="806400"/>
+            <a:off x="7551360" y="4788720"/>
+            <a:ext cx="1809720" cy="806760"/>
           </a:xfrm>
           <a:prstGeom prst="bentConnector2">
             <a:avLst/>
@@ -16537,8 +18603,8 @@
         </p:nvCxnSpPr>
         <p:spPr>
           <a:xfrm>
-            <a:off x="7216200" y="6130800"/>
-            <a:ext cx="1348560" cy="49680"/>
+            <a:off x="10815120" y="6130800"/>
+            <a:ext cx="2021040" cy="49680"/>
           </a:xfrm>
           <a:prstGeom prst="straightConnector1">
             <a:avLst/>
@@ -16563,8 +18629,8 @@
         </p:nvCxnSpPr>
         <p:spPr>
           <a:xfrm flipV="1">
-            <a:off x="7216200" y="4195800"/>
-            <a:ext cx="947160" cy="1935360"/>
+            <a:off x="10815120" y="4195440"/>
+            <a:ext cx="1419120" cy="1935720"/>
           </a:xfrm>
           <a:prstGeom prst="straightConnector1">
             <a:avLst/>
@@ -16589,8 +18655,8 @@
         </p:nvCxnSpPr>
         <p:spPr>
           <a:xfrm flipV="1">
-            <a:off x="9316440" y="2307600"/>
-            <a:ext cx="1020240" cy="720"/>
+            <a:off x="13962960" y="2307240"/>
+            <a:ext cx="1528920" cy="720"/>
           </a:xfrm>
           <a:prstGeom prst="straightConnector1">
             <a:avLst/>
@@ -16612,8 +18678,8 @@
         </p:nvSpPr>
         <p:spPr>
           <a:xfrm>
-            <a:off x="8260560" y="1919520"/>
-            <a:ext cx="1055880" cy="776880"/>
+            <a:off x="12380400" y="1919160"/>
+            <a:ext cx="1582560" cy="776880"/>
           </a:xfrm>
           <a:prstGeom prst="roundRect">
             <a:avLst>
@@ -16683,8 +18749,8 @@
         </p:nvCxnSpPr>
         <p:spPr>
           <a:xfrm flipV="1" rot="16200000">
-            <a:off x="8417160" y="3067560"/>
-            <a:ext cx="963720" cy="221400"/>
+            <a:off x="12855240" y="3012120"/>
+            <a:ext cx="963720" cy="331200"/>
           </a:xfrm>
           <a:prstGeom prst="bentConnector3">
             <a:avLst>
@@ -16708,8 +18774,8 @@
         </p:nvSpPr>
         <p:spPr>
           <a:xfrm>
-            <a:off x="10336320" y="1771560"/>
-            <a:ext cx="1539360" cy="1072080"/>
+            <a:off x="15491520" y="1771200"/>
+            <a:ext cx="2307240" cy="1072080"/>
           </a:xfrm>
           <a:prstGeom prst="roundRect">
             <a:avLst>
@@ -16774,8 +18840,8 @@
         </p:nvSpPr>
         <p:spPr>
           <a:xfrm>
-            <a:off x="8564400" y="5644080"/>
-            <a:ext cx="1539360" cy="1072080"/>
+            <a:off x="12835800" y="5644080"/>
+            <a:ext cx="2307240" cy="1072080"/>
           </a:xfrm>
           <a:prstGeom prst="roundRect">
             <a:avLst>
@@ -16840,8 +18906,8 @@
         </p:nvSpPr>
         <p:spPr>
           <a:xfrm>
-            <a:off x="8100720" y="8888400"/>
-            <a:ext cx="2432880" cy="848520"/>
+            <a:off x="12140640" y="8888040"/>
+            <a:ext cx="3646440" cy="848520"/>
           </a:xfrm>
           <a:prstGeom prst="roundRect">
             <a:avLst>
@@ -16914,8 +18980,8 @@
         </p:nvCxnSpPr>
         <p:spPr>
           <a:xfrm>
-            <a:off x="4559760" y="6130800"/>
-            <a:ext cx="716040" cy="360"/>
+            <a:off x="6833880" y="6130440"/>
+            <a:ext cx="1072800" cy="720"/>
           </a:xfrm>
           <a:prstGeom prst="straightConnector1">
             <a:avLst/>
@@ -16940,8 +19006,8 @@
         </p:nvCxnSpPr>
         <p:spPr>
           <a:xfrm flipH="1">
-            <a:off x="9317160" y="6716160"/>
-            <a:ext cx="17280" cy="2172600"/>
+            <a:off x="13963680" y="6716160"/>
+            <a:ext cx="25920" cy="2172240"/>
           </a:xfrm>
           <a:prstGeom prst="straightConnector1">
             <a:avLst/>
@@ -16966,8 +19032,8 @@
         </p:nvCxnSpPr>
         <p:spPr>
           <a:xfrm rot="10800000">
-            <a:off x="6245280" y="6666480"/>
-            <a:ext cx="1855440" cy="2646000"/>
+            <a:off x="9360720" y="6666840"/>
+            <a:ext cx="2780280" cy="2645640"/>
           </a:xfrm>
           <a:prstGeom prst="bentConnector2">
             <a:avLst/>
@@ -16989,8 +19055,8 @@
         </p:nvSpPr>
         <p:spPr>
           <a:xfrm>
-            <a:off x="11877480" y="5647320"/>
-            <a:ext cx="1539360" cy="1072080"/>
+            <a:off x="17801280" y="5647320"/>
+            <a:ext cx="2307240" cy="1072080"/>
           </a:xfrm>
           <a:prstGeom prst="roundRect">
             <a:avLst>
@@ -17058,8 +19124,8 @@
         </p:nvCxnSpPr>
         <p:spPr>
           <a:xfrm>
-            <a:off x="10103760" y="6180120"/>
-            <a:ext cx="1774080" cy="3600"/>
+            <a:off x="15143040" y="6180120"/>
+            <a:ext cx="2658600" cy="3600"/>
           </a:xfrm>
           <a:prstGeom prst="straightConnector1">
             <a:avLst/>
@@ -17081,8 +19147,8 @@
         </p:nvSpPr>
         <p:spPr>
           <a:xfrm>
-            <a:off x="542160" y="984600"/>
-            <a:ext cx="13622400" cy="9533160"/>
+            <a:off x="812160" y="984240"/>
+            <a:ext cx="20416680" cy="9533160"/>
           </a:xfrm>
           <a:prstGeom prst="roundRect">
             <a:avLst>
